--- a/ressources/psd/Présentation1.pptx
+++ b/ressources/psd/Présentation1.pptx
@@ -6,6 +6,7 @@
   </p:sldMasterIdLst>
   <p:sldIdLst>
     <p:sldId id="256" r:id="rId2"/>
+    <p:sldId id="257" r:id="rId3"/>
   </p:sldIdLst>
   <p:sldSz cx="12192000" cy="6858000"/>
   <p:notesSz cx="6858000" cy="9144000"/>
@@ -243,7 +244,7 @@
           <a:p>
             <a:fld id="{5A886BED-0F7D-664D-B329-5122EAE773E5}" type="datetimeFigureOut">
               <a:rPr lang="fr-FR" smtClean="0"/>
-              <a:t>22/03/2019</a:t>
+              <a:t>27/03/2019</a:t>
             </a:fld>
             <a:endParaRPr lang="fr-FR"/>
           </a:p>
@@ -413,7 +414,7 @@
           <a:p>
             <a:fld id="{5A886BED-0F7D-664D-B329-5122EAE773E5}" type="datetimeFigureOut">
               <a:rPr lang="fr-FR" smtClean="0"/>
-              <a:t>22/03/2019</a:t>
+              <a:t>27/03/2019</a:t>
             </a:fld>
             <a:endParaRPr lang="fr-FR"/>
           </a:p>
@@ -593,7 +594,7 @@
           <a:p>
             <a:fld id="{5A886BED-0F7D-664D-B329-5122EAE773E5}" type="datetimeFigureOut">
               <a:rPr lang="fr-FR" smtClean="0"/>
-              <a:t>22/03/2019</a:t>
+              <a:t>27/03/2019</a:t>
             </a:fld>
             <a:endParaRPr lang="fr-FR"/>
           </a:p>
@@ -763,7 +764,7 @@
           <a:p>
             <a:fld id="{5A886BED-0F7D-664D-B329-5122EAE773E5}" type="datetimeFigureOut">
               <a:rPr lang="fr-FR" smtClean="0"/>
-              <a:t>22/03/2019</a:t>
+              <a:t>27/03/2019</a:t>
             </a:fld>
             <a:endParaRPr lang="fr-FR"/>
           </a:p>
@@ -1009,7 +1010,7 @@
           <a:p>
             <a:fld id="{5A886BED-0F7D-664D-B329-5122EAE773E5}" type="datetimeFigureOut">
               <a:rPr lang="fr-FR" smtClean="0"/>
-              <a:t>22/03/2019</a:t>
+              <a:t>27/03/2019</a:t>
             </a:fld>
             <a:endParaRPr lang="fr-FR"/>
           </a:p>
@@ -1241,7 +1242,7 @@
           <a:p>
             <a:fld id="{5A886BED-0F7D-664D-B329-5122EAE773E5}" type="datetimeFigureOut">
               <a:rPr lang="fr-FR" smtClean="0"/>
-              <a:t>22/03/2019</a:t>
+              <a:t>27/03/2019</a:t>
             </a:fld>
             <a:endParaRPr lang="fr-FR"/>
           </a:p>
@@ -1608,7 +1609,7 @@
           <a:p>
             <a:fld id="{5A886BED-0F7D-664D-B329-5122EAE773E5}" type="datetimeFigureOut">
               <a:rPr lang="fr-FR" smtClean="0"/>
-              <a:t>22/03/2019</a:t>
+              <a:t>27/03/2019</a:t>
             </a:fld>
             <a:endParaRPr lang="fr-FR"/>
           </a:p>
@@ -1726,7 +1727,7 @@
           <a:p>
             <a:fld id="{5A886BED-0F7D-664D-B329-5122EAE773E5}" type="datetimeFigureOut">
               <a:rPr lang="fr-FR" smtClean="0"/>
-              <a:t>22/03/2019</a:t>
+              <a:t>27/03/2019</a:t>
             </a:fld>
             <a:endParaRPr lang="fr-FR"/>
           </a:p>
@@ -1821,7 +1822,7 @@
           <a:p>
             <a:fld id="{5A886BED-0F7D-664D-B329-5122EAE773E5}" type="datetimeFigureOut">
               <a:rPr lang="fr-FR" smtClean="0"/>
-              <a:t>22/03/2019</a:t>
+              <a:t>27/03/2019</a:t>
             </a:fld>
             <a:endParaRPr lang="fr-FR"/>
           </a:p>
@@ -2098,7 +2099,7 @@
           <a:p>
             <a:fld id="{5A886BED-0F7D-664D-B329-5122EAE773E5}" type="datetimeFigureOut">
               <a:rPr lang="fr-FR" smtClean="0"/>
-              <a:t>22/03/2019</a:t>
+              <a:t>27/03/2019</a:t>
             </a:fld>
             <a:endParaRPr lang="fr-FR"/>
           </a:p>
@@ -2351,7 +2352,7 @@
           <a:p>
             <a:fld id="{5A886BED-0F7D-664D-B329-5122EAE773E5}" type="datetimeFigureOut">
               <a:rPr lang="fr-FR" smtClean="0"/>
-              <a:t>22/03/2019</a:t>
+              <a:t>27/03/2019</a:t>
             </a:fld>
             <a:endParaRPr lang="fr-FR"/>
           </a:p>
@@ -2564,7 +2565,7 @@
           <a:p>
             <a:fld id="{5A886BED-0F7D-664D-B329-5122EAE773E5}" type="datetimeFigureOut">
               <a:rPr lang="fr-FR" smtClean="0"/>
-              <a:t>22/03/2019</a:t>
+              <a:t>27/03/2019</a:t>
             </a:fld>
             <a:endParaRPr lang="fr-FR"/>
           </a:p>
@@ -6182,6 +6183,2665 @@
 </p:sld>
 </file>
 
+<file path=ppt/slides/slide2.xml><?xml version="1.0" encoding="utf-8"?>
+<p:sld xmlns:a="http://schemas.openxmlformats.org/drawingml/2006/main" xmlns:r="http://schemas.openxmlformats.org/officeDocument/2006/relationships" xmlns:p="http://schemas.openxmlformats.org/presentationml/2006/main">
+  <p:cSld>
+    <p:spTree>
+      <p:nvGrpSpPr>
+        <p:cNvPr id="1" name=""/>
+        <p:cNvGrpSpPr/>
+        <p:nvPr/>
+      </p:nvGrpSpPr>
+      <p:grpSpPr>
+        <a:xfrm>
+          <a:off x="0" y="0"/>
+          <a:ext cx="0" cy="0"/>
+          <a:chOff x="0" y="0"/>
+          <a:chExt cx="0" cy="0"/>
+        </a:xfrm>
+      </p:grpSpPr>
+      <p:sp>
+        <p:nvSpPr>
+          <p:cNvPr id="4" name="Ellipse 3"/>
+          <p:cNvSpPr/>
+          <p:nvPr/>
+        </p:nvSpPr>
+        <p:spPr>
+          <a:xfrm>
+            <a:off x="287630" y="265409"/>
+            <a:ext cx="360000" cy="360000"/>
+          </a:xfrm>
+          <a:prstGeom prst="ellipse">
+            <a:avLst/>
+          </a:prstGeom>
+          <a:noFill/>
+          <a:ln>
+            <a:solidFill>
+              <a:schemeClr val="tx1"/>
+            </a:solidFill>
+          </a:ln>
+        </p:spPr>
+        <p:style>
+          <a:lnRef idx="2">
+            <a:schemeClr val="accent1">
+              <a:shade val="50000"/>
+            </a:schemeClr>
+          </a:lnRef>
+          <a:fillRef idx="1">
+            <a:schemeClr val="accent1"/>
+          </a:fillRef>
+          <a:effectRef idx="0">
+            <a:schemeClr val="accent1"/>
+          </a:effectRef>
+          <a:fontRef idx="minor">
+            <a:schemeClr val="lt1"/>
+          </a:fontRef>
+        </p:style>
+        <p:txBody>
+          <a:bodyPr rtlCol="0" anchor="ctr"/>
+          <a:lstStyle/>
+          <a:p>
+            <a:pPr algn="ctr"/>
+            <a:r>
+              <a:rPr lang="fr-FR" dirty="0">
+                <a:ln>
+                  <a:solidFill>
+                    <a:sysClr val="windowText" lastClr="000000"/>
+                  </a:solidFill>
+                </a:ln>
+                <a:solidFill>
+                  <a:schemeClr val="tx1"/>
+                </a:solidFill>
+                <a:latin typeface="Times New Roman" charset="0"/>
+                <a:ea typeface="Times New Roman" charset="0"/>
+                <a:cs typeface="Times New Roman" charset="0"/>
+              </a:rPr>
+              <a:t>2</a:t>
+            </a:r>
+            <a:endParaRPr lang="fr-FR" dirty="0">
+              <a:ln>
+                <a:solidFill>
+                  <a:sysClr val="windowText" lastClr="000000"/>
+                </a:solidFill>
+              </a:ln>
+              <a:solidFill>
+                <a:schemeClr val="tx1"/>
+              </a:solidFill>
+              <a:latin typeface="Times New Roman" charset="0"/>
+              <a:ea typeface="Times New Roman" charset="0"/>
+              <a:cs typeface="Times New Roman" charset="0"/>
+            </a:endParaRPr>
+          </a:p>
+        </p:txBody>
+      </p:sp>
+      <p:sp>
+        <p:nvSpPr>
+          <p:cNvPr id="5" name="Ellipse 4"/>
+          <p:cNvSpPr/>
+          <p:nvPr/>
+        </p:nvSpPr>
+        <p:spPr>
+          <a:xfrm>
+            <a:off x="2219434" y="692275"/>
+            <a:ext cx="360000" cy="360000"/>
+          </a:xfrm>
+          <a:prstGeom prst="ellipse">
+            <a:avLst/>
+          </a:prstGeom>
+          <a:noFill/>
+          <a:ln>
+            <a:solidFill>
+              <a:schemeClr val="tx1"/>
+            </a:solidFill>
+          </a:ln>
+        </p:spPr>
+        <p:style>
+          <a:lnRef idx="2">
+            <a:schemeClr val="accent1">
+              <a:shade val="50000"/>
+            </a:schemeClr>
+          </a:lnRef>
+          <a:fillRef idx="1">
+            <a:schemeClr val="accent1"/>
+          </a:fillRef>
+          <a:effectRef idx="0">
+            <a:schemeClr val="accent1"/>
+          </a:effectRef>
+          <a:fontRef idx="minor">
+            <a:schemeClr val="lt1"/>
+          </a:fontRef>
+        </p:style>
+        <p:txBody>
+          <a:bodyPr rtlCol="0" anchor="ctr"/>
+          <a:lstStyle/>
+          <a:p>
+            <a:pPr algn="ctr"/>
+            <a:r>
+              <a:rPr lang="fr-FR" dirty="0" smtClean="0">
+                <a:ln>
+                  <a:solidFill>
+                    <a:sysClr val="windowText" lastClr="000000"/>
+                  </a:solidFill>
+                </a:ln>
+                <a:solidFill>
+                  <a:schemeClr val="tx1"/>
+                </a:solidFill>
+                <a:latin typeface="Times New Roman" charset="0"/>
+                <a:ea typeface="Times New Roman" charset="0"/>
+                <a:cs typeface="Times New Roman" charset="0"/>
+              </a:rPr>
+              <a:t>1</a:t>
+            </a:r>
+            <a:endParaRPr lang="fr-FR" dirty="0">
+              <a:ln>
+                <a:solidFill>
+                  <a:sysClr val="windowText" lastClr="000000"/>
+                </a:solidFill>
+              </a:ln>
+              <a:solidFill>
+                <a:schemeClr val="tx1"/>
+              </a:solidFill>
+              <a:latin typeface="Times New Roman" charset="0"/>
+              <a:ea typeface="Times New Roman" charset="0"/>
+              <a:cs typeface="Times New Roman" charset="0"/>
+            </a:endParaRPr>
+          </a:p>
+        </p:txBody>
+      </p:sp>
+      <p:sp>
+        <p:nvSpPr>
+          <p:cNvPr id="6" name="Ellipse 5"/>
+          <p:cNvSpPr/>
+          <p:nvPr/>
+        </p:nvSpPr>
+        <p:spPr>
+          <a:xfrm>
+            <a:off x="853991" y="744996"/>
+            <a:ext cx="360000" cy="360000"/>
+          </a:xfrm>
+          <a:prstGeom prst="ellipse">
+            <a:avLst/>
+          </a:prstGeom>
+          <a:noFill/>
+          <a:ln>
+            <a:solidFill>
+              <a:schemeClr val="tx1"/>
+            </a:solidFill>
+          </a:ln>
+        </p:spPr>
+        <p:style>
+          <a:lnRef idx="2">
+            <a:schemeClr val="accent1">
+              <a:shade val="50000"/>
+            </a:schemeClr>
+          </a:lnRef>
+          <a:fillRef idx="1">
+            <a:schemeClr val="accent1"/>
+          </a:fillRef>
+          <a:effectRef idx="0">
+            <a:schemeClr val="accent1"/>
+          </a:effectRef>
+          <a:fontRef idx="minor">
+            <a:schemeClr val="lt1"/>
+          </a:fontRef>
+        </p:style>
+        <p:txBody>
+          <a:bodyPr rtlCol="0" anchor="ctr"/>
+          <a:lstStyle/>
+          <a:p>
+            <a:pPr algn="ctr"/>
+            <a:r>
+              <a:rPr lang="fr-FR" dirty="0">
+                <a:ln>
+                  <a:solidFill>
+                    <a:sysClr val="windowText" lastClr="000000"/>
+                  </a:solidFill>
+                </a:ln>
+                <a:solidFill>
+                  <a:schemeClr val="tx1"/>
+                </a:solidFill>
+                <a:latin typeface="Times New Roman" charset="0"/>
+                <a:ea typeface="Times New Roman" charset="0"/>
+                <a:cs typeface="Times New Roman" charset="0"/>
+              </a:rPr>
+              <a:t>3</a:t>
+            </a:r>
+            <a:endParaRPr lang="fr-FR" dirty="0">
+              <a:ln>
+                <a:solidFill>
+                  <a:sysClr val="windowText" lastClr="000000"/>
+                </a:solidFill>
+              </a:ln>
+              <a:solidFill>
+                <a:schemeClr val="tx1"/>
+              </a:solidFill>
+              <a:latin typeface="Times New Roman" charset="0"/>
+              <a:ea typeface="Times New Roman" charset="0"/>
+              <a:cs typeface="Times New Roman" charset="0"/>
+            </a:endParaRPr>
+          </a:p>
+        </p:txBody>
+      </p:sp>
+      <p:sp>
+        <p:nvSpPr>
+          <p:cNvPr id="7" name="Ellipse 6"/>
+          <p:cNvSpPr/>
+          <p:nvPr/>
+        </p:nvSpPr>
+        <p:spPr>
+          <a:xfrm>
+            <a:off x="1600352" y="384996"/>
+            <a:ext cx="360000" cy="360000"/>
+          </a:xfrm>
+          <a:prstGeom prst="ellipse">
+            <a:avLst/>
+          </a:prstGeom>
+          <a:noFill/>
+          <a:ln>
+            <a:solidFill>
+              <a:schemeClr val="tx1"/>
+            </a:solidFill>
+          </a:ln>
+        </p:spPr>
+        <p:style>
+          <a:lnRef idx="2">
+            <a:schemeClr val="accent1">
+              <a:shade val="50000"/>
+            </a:schemeClr>
+          </a:lnRef>
+          <a:fillRef idx="1">
+            <a:schemeClr val="accent1"/>
+          </a:fillRef>
+          <a:effectRef idx="0">
+            <a:schemeClr val="accent1"/>
+          </a:effectRef>
+          <a:fontRef idx="minor">
+            <a:schemeClr val="lt1"/>
+          </a:fontRef>
+        </p:style>
+        <p:txBody>
+          <a:bodyPr rtlCol="0" anchor="ctr"/>
+          <a:lstStyle/>
+          <a:p>
+            <a:pPr algn="ctr"/>
+            <a:r>
+              <a:rPr lang="fr-FR" dirty="0">
+                <a:ln>
+                  <a:solidFill>
+                    <a:sysClr val="windowText" lastClr="000000"/>
+                  </a:solidFill>
+                </a:ln>
+                <a:solidFill>
+                  <a:schemeClr val="tx1"/>
+                </a:solidFill>
+                <a:latin typeface="Times New Roman" charset="0"/>
+                <a:ea typeface="Times New Roman" charset="0"/>
+                <a:cs typeface="Times New Roman" charset="0"/>
+              </a:rPr>
+              <a:t>4</a:t>
+            </a:r>
+            <a:endParaRPr lang="fr-FR" dirty="0">
+              <a:ln>
+                <a:solidFill>
+                  <a:sysClr val="windowText" lastClr="000000"/>
+                </a:solidFill>
+              </a:ln>
+              <a:solidFill>
+                <a:schemeClr val="tx1"/>
+              </a:solidFill>
+              <a:latin typeface="Times New Roman" charset="0"/>
+              <a:ea typeface="Times New Roman" charset="0"/>
+              <a:cs typeface="Times New Roman" charset="0"/>
+            </a:endParaRPr>
+          </a:p>
+        </p:txBody>
+      </p:sp>
+      <p:cxnSp>
+        <p:nvCxnSpPr>
+          <p:cNvPr id="9" name="Connecteur en arc 8"/>
+          <p:cNvCxnSpPr>
+            <a:stCxn id="4" idx="4"/>
+            <a:endCxn id="6" idx="2"/>
+          </p:cNvCxnSpPr>
+          <p:nvPr/>
+        </p:nvCxnSpPr>
+        <p:spPr>
+          <a:xfrm rot="16200000" flipH="1">
+            <a:off x="511017" y="582021"/>
+            <a:ext cx="299587" cy="386361"/>
+          </a:xfrm>
+          <a:prstGeom prst="curvedConnector2">
+            <a:avLst/>
+          </a:prstGeom>
+          <a:ln>
+            <a:tailEnd type="triangle"/>
+          </a:ln>
+        </p:spPr>
+        <p:style>
+          <a:lnRef idx="3">
+            <a:schemeClr val="dk1"/>
+          </a:lnRef>
+          <a:fillRef idx="0">
+            <a:schemeClr val="dk1"/>
+          </a:fillRef>
+          <a:effectRef idx="2">
+            <a:schemeClr val="dk1"/>
+          </a:effectRef>
+          <a:fontRef idx="minor">
+            <a:schemeClr val="tx1"/>
+          </a:fontRef>
+        </p:style>
+      </p:cxnSp>
+      <p:cxnSp>
+        <p:nvCxnSpPr>
+          <p:cNvPr id="10" name="Connecteur en arc 9"/>
+          <p:cNvCxnSpPr>
+            <a:stCxn id="6" idx="1"/>
+            <a:endCxn id="4" idx="6"/>
+          </p:cNvCxnSpPr>
+          <p:nvPr/>
+        </p:nvCxnSpPr>
+        <p:spPr>
+          <a:xfrm rot="16200000" flipV="1">
+            <a:off x="601017" y="492022"/>
+            <a:ext cx="352308" cy="259082"/>
+          </a:xfrm>
+          <a:prstGeom prst="curvedConnector2">
+            <a:avLst/>
+          </a:prstGeom>
+          <a:ln>
+            <a:tailEnd type="triangle"/>
+          </a:ln>
+        </p:spPr>
+        <p:style>
+          <a:lnRef idx="3">
+            <a:schemeClr val="dk1"/>
+          </a:lnRef>
+          <a:fillRef idx="0">
+            <a:schemeClr val="dk1"/>
+          </a:fillRef>
+          <a:effectRef idx="2">
+            <a:schemeClr val="dk1"/>
+          </a:effectRef>
+          <a:fontRef idx="minor">
+            <a:schemeClr val="tx1"/>
+          </a:fontRef>
+        </p:style>
+      </p:cxnSp>
+      <p:cxnSp>
+        <p:nvCxnSpPr>
+          <p:cNvPr id="16" name="Connecteur en arc 15"/>
+          <p:cNvCxnSpPr>
+            <a:stCxn id="7" idx="2"/>
+            <a:endCxn id="6" idx="7"/>
+          </p:cNvCxnSpPr>
+          <p:nvPr/>
+        </p:nvCxnSpPr>
+        <p:spPr>
+          <a:xfrm rot="10800000" flipV="1">
+            <a:off x="1161270" y="564995"/>
+            <a:ext cx="439082" cy="232721"/>
+          </a:xfrm>
+          <a:prstGeom prst="curvedConnector2">
+            <a:avLst/>
+          </a:prstGeom>
+          <a:ln>
+            <a:tailEnd type="triangle"/>
+          </a:ln>
+        </p:spPr>
+        <p:style>
+          <a:lnRef idx="3">
+            <a:schemeClr val="dk1"/>
+          </a:lnRef>
+          <a:fillRef idx="0">
+            <a:schemeClr val="dk1"/>
+          </a:fillRef>
+          <a:effectRef idx="2">
+            <a:schemeClr val="dk1"/>
+          </a:effectRef>
+          <a:fontRef idx="minor">
+            <a:schemeClr val="tx1"/>
+          </a:fontRef>
+        </p:style>
+      </p:cxnSp>
+      <p:cxnSp>
+        <p:nvCxnSpPr>
+          <p:cNvPr id="19" name="Connecteur en arc 18"/>
+          <p:cNvCxnSpPr>
+            <a:stCxn id="6" idx="6"/>
+            <a:endCxn id="7" idx="3"/>
+          </p:cNvCxnSpPr>
+          <p:nvPr/>
+        </p:nvCxnSpPr>
+        <p:spPr>
+          <a:xfrm flipV="1">
+            <a:off x="1213991" y="692275"/>
+            <a:ext cx="439082" cy="232721"/>
+          </a:xfrm>
+          <a:prstGeom prst="curvedConnector2">
+            <a:avLst/>
+          </a:prstGeom>
+          <a:ln>
+            <a:tailEnd type="triangle"/>
+          </a:ln>
+        </p:spPr>
+        <p:style>
+          <a:lnRef idx="3">
+            <a:schemeClr val="dk1"/>
+          </a:lnRef>
+          <a:fillRef idx="0">
+            <a:schemeClr val="dk1"/>
+          </a:fillRef>
+          <a:effectRef idx="2">
+            <a:schemeClr val="dk1"/>
+          </a:effectRef>
+          <a:fontRef idx="minor">
+            <a:schemeClr val="tx1"/>
+          </a:fontRef>
+        </p:style>
+      </p:cxnSp>
+      <p:cxnSp>
+        <p:nvCxnSpPr>
+          <p:cNvPr id="32" name="Connecteur en arc 31"/>
+          <p:cNvCxnSpPr>
+            <a:stCxn id="7" idx="6"/>
+            <a:endCxn id="5" idx="0"/>
+          </p:cNvCxnSpPr>
+          <p:nvPr/>
+        </p:nvCxnSpPr>
+        <p:spPr>
+          <a:xfrm>
+            <a:off x="1960352" y="564996"/>
+            <a:ext cx="439082" cy="127279"/>
+          </a:xfrm>
+          <a:prstGeom prst="curvedConnector2">
+            <a:avLst/>
+          </a:prstGeom>
+          <a:ln>
+            <a:tailEnd type="triangle"/>
+          </a:ln>
+        </p:spPr>
+        <p:style>
+          <a:lnRef idx="3">
+            <a:schemeClr val="dk1"/>
+          </a:lnRef>
+          <a:fillRef idx="0">
+            <a:schemeClr val="dk1"/>
+          </a:fillRef>
+          <a:effectRef idx="2">
+            <a:schemeClr val="dk1"/>
+          </a:effectRef>
+          <a:fontRef idx="minor">
+            <a:schemeClr val="tx1"/>
+          </a:fontRef>
+        </p:style>
+      </p:cxnSp>
+      <p:cxnSp>
+        <p:nvCxnSpPr>
+          <p:cNvPr id="35" name="Connecteur en arc 34"/>
+          <p:cNvCxnSpPr>
+            <a:stCxn id="5" idx="2"/>
+            <a:endCxn id="7" idx="5"/>
+          </p:cNvCxnSpPr>
+          <p:nvPr/>
+        </p:nvCxnSpPr>
+        <p:spPr>
+          <a:xfrm rot="10800000">
+            <a:off x="1907632" y="692275"/>
+            <a:ext cx="311803" cy="180000"/>
+          </a:xfrm>
+          <a:prstGeom prst="curvedConnector2">
+            <a:avLst/>
+          </a:prstGeom>
+          <a:ln>
+            <a:tailEnd type="triangle"/>
+          </a:ln>
+        </p:spPr>
+        <p:style>
+          <a:lnRef idx="3">
+            <a:schemeClr val="dk1"/>
+          </a:lnRef>
+          <a:fillRef idx="0">
+            <a:schemeClr val="dk1"/>
+          </a:fillRef>
+          <a:effectRef idx="2">
+            <a:schemeClr val="dk1"/>
+          </a:effectRef>
+          <a:fontRef idx="minor">
+            <a:schemeClr val="tx1"/>
+          </a:fontRef>
+        </p:style>
+      </p:cxnSp>
+      <p:cxnSp>
+        <p:nvCxnSpPr>
+          <p:cNvPr id="55" name="Connecteur en arc 54"/>
+          <p:cNvCxnSpPr>
+            <a:stCxn id="5" idx="5"/>
+            <a:endCxn id="5" idx="6"/>
+          </p:cNvCxnSpPr>
+          <p:nvPr/>
+        </p:nvCxnSpPr>
+        <p:spPr>
+          <a:xfrm rot="5400000" flipH="1" flipV="1">
+            <a:off x="2489433" y="909554"/>
+            <a:ext cx="127279" cy="52721"/>
+          </a:xfrm>
+          <a:prstGeom prst="curvedConnector4">
+            <a:avLst>
+              <a:gd name="adj1" fmla="val -55873"/>
+              <a:gd name="adj2" fmla="val 354181"/>
+            </a:avLst>
+          </a:prstGeom>
+          <a:ln>
+            <a:tailEnd type="triangle"/>
+          </a:ln>
+        </p:spPr>
+        <p:style>
+          <a:lnRef idx="3">
+            <a:schemeClr val="dk1"/>
+          </a:lnRef>
+          <a:fillRef idx="0">
+            <a:schemeClr val="dk1"/>
+          </a:fillRef>
+          <a:effectRef idx="2">
+            <a:schemeClr val="dk1"/>
+          </a:effectRef>
+          <a:fontRef idx="minor">
+            <a:schemeClr val="tx1"/>
+          </a:fontRef>
+        </p:style>
+      </p:cxnSp>
+      <p:cxnSp>
+        <p:nvCxnSpPr>
+          <p:cNvPr id="61" name="Connecteur en arc 60"/>
+          <p:cNvCxnSpPr>
+            <a:stCxn id="7" idx="0"/>
+            <a:endCxn id="7" idx="1"/>
+          </p:cNvCxnSpPr>
+          <p:nvPr/>
+        </p:nvCxnSpPr>
+        <p:spPr>
+          <a:xfrm rot="16200000" flipH="1" flipV="1">
+            <a:off x="1690352" y="347716"/>
+            <a:ext cx="52721" cy="127279"/>
+          </a:xfrm>
+          <a:prstGeom prst="curvedConnector3">
+            <a:avLst>
+              <a:gd name="adj1" fmla="val -234244"/>
+            </a:avLst>
+          </a:prstGeom>
+          <a:ln>
+            <a:tailEnd type="triangle"/>
+          </a:ln>
+        </p:spPr>
+        <p:style>
+          <a:lnRef idx="3">
+            <a:schemeClr val="dk1"/>
+          </a:lnRef>
+          <a:fillRef idx="0">
+            <a:schemeClr val="dk1"/>
+          </a:fillRef>
+          <a:effectRef idx="2">
+            <a:schemeClr val="dk1"/>
+          </a:effectRef>
+          <a:fontRef idx="minor">
+            <a:schemeClr val="tx1"/>
+          </a:fontRef>
+        </p:style>
+      </p:cxnSp>
+      <p:graphicFrame>
+        <p:nvGraphicFramePr>
+          <p:cNvPr id="69" name="Tableau 68"/>
+          <p:cNvGraphicFramePr>
+            <a:graphicFrameLocks noGrp="1"/>
+          </p:cNvGraphicFramePr>
+          <p:nvPr>
+            <p:extLst>
+              <p:ext uri="{D42A27DB-BD31-4B8C-83A1-F6EECF244321}">
+                <p14:modId xmlns:p14="http://schemas.microsoft.com/office/powerpoint/2010/main" val="788552648"/>
+              </p:ext>
+            </p:extLst>
+          </p:nvPr>
+        </p:nvGraphicFramePr>
+        <p:xfrm>
+          <a:off x="524408" y="1350292"/>
+          <a:ext cx="1822305" cy="1413934"/>
+        </p:xfrm>
+        <a:graphic>
+          <a:graphicData uri="http://schemas.openxmlformats.org/drawingml/2006/table">
+            <a:tbl>
+              <a:tblPr firstRow="1" bandRow="1">
+                <a:tableStyleId>{5940675A-B579-460E-94D1-54222C63F5DA}</a:tableStyleId>
+              </a:tblPr>
+              <a:tblGrid>
+                <a:gridCol w="463100"/>
+                <a:gridCol w="1359205"/>
+              </a:tblGrid>
+              <a:tr h="278817">
+                <a:tc>
+                  <a:txBody>
+                    <a:bodyPr/>
+                    <a:lstStyle/>
+                    <a:p>
+                      <a:r>
+                        <a:rPr lang="fr-FR" sz="1200" dirty="0" smtClean="0">
+                          <a:latin typeface="Times New Roman" charset="0"/>
+                          <a:ea typeface="Times New Roman" charset="0"/>
+                          <a:cs typeface="Times New Roman" charset="0"/>
+                        </a:rPr>
+                        <a:t>x</a:t>
+                      </a:r>
+                      <a:endParaRPr lang="fr-FR" sz="1200" dirty="0">
+                        <a:latin typeface="Times New Roman" charset="0"/>
+                        <a:ea typeface="Times New Roman" charset="0"/>
+                        <a:cs typeface="Times New Roman" charset="0"/>
+                      </a:endParaRPr>
+                    </a:p>
+                  </a:txBody>
+                  <a:tcPr/>
+                </a:tc>
+                <a:tc>
+                  <a:txBody>
+                    <a:bodyPr/>
+                    <a:lstStyle/>
+                    <a:p>
+                      <a:r>
+                        <a:rPr lang="fr-FR" sz="1200" dirty="0" smtClean="0">
+                          <a:latin typeface="Times New Roman" charset="0"/>
+                          <a:ea typeface="Times New Roman" charset="0"/>
+                          <a:cs typeface="Times New Roman" charset="0"/>
+                        </a:rPr>
+                        <a:t>Liste d’adjacence</a:t>
+                      </a:r>
+                      <a:endParaRPr lang="fr-FR" sz="1200" dirty="0">
+                        <a:latin typeface="Times New Roman" charset="0"/>
+                        <a:ea typeface="Times New Roman" charset="0"/>
+                        <a:cs typeface="Times New Roman" charset="0"/>
+                      </a:endParaRPr>
+                    </a:p>
+                  </a:txBody>
+                  <a:tcPr/>
+                </a:tc>
+              </a:tr>
+              <a:tr h="294290">
+                <a:tc>
+                  <a:txBody>
+                    <a:bodyPr/>
+                    <a:lstStyle/>
+                    <a:p>
+                      <a:r>
+                        <a:rPr lang="fr-FR" sz="1200" dirty="0" smtClean="0">
+                          <a:latin typeface="Times New Roman" charset="0"/>
+                          <a:ea typeface="Times New Roman" charset="0"/>
+                          <a:cs typeface="Times New Roman" charset="0"/>
+                        </a:rPr>
+                        <a:t>1</a:t>
+                      </a:r>
+                      <a:endParaRPr lang="fr-FR" sz="1200" dirty="0">
+                        <a:latin typeface="Times New Roman" charset="0"/>
+                        <a:ea typeface="Times New Roman" charset="0"/>
+                        <a:cs typeface="Times New Roman" charset="0"/>
+                      </a:endParaRPr>
+                    </a:p>
+                  </a:txBody>
+                  <a:tcPr/>
+                </a:tc>
+                <a:tc>
+                  <a:txBody>
+                    <a:bodyPr/>
+                    <a:lstStyle/>
+                    <a:p>
+                      <a:r>
+                        <a:rPr lang="fr-FR" sz="1200" dirty="0" smtClean="0">
+                          <a:latin typeface="Times New Roman" charset="0"/>
+                          <a:ea typeface="Times New Roman" charset="0"/>
+                          <a:cs typeface="Times New Roman" charset="0"/>
+                        </a:rPr>
+                        <a:t>S1={1,</a:t>
+                      </a:r>
+                      <a:r>
+                        <a:rPr lang="fr-FR" sz="1200" baseline="0" dirty="0" smtClean="0">
+                          <a:latin typeface="Times New Roman" charset="0"/>
+                          <a:ea typeface="Times New Roman" charset="0"/>
+                          <a:cs typeface="Times New Roman" charset="0"/>
+                        </a:rPr>
+                        <a:t> </a:t>
+                      </a:r>
+                      <a:r>
+                        <a:rPr lang="fr-FR" sz="1200" dirty="0" smtClean="0">
+                          <a:latin typeface="Times New Roman" charset="0"/>
+                          <a:ea typeface="Times New Roman" charset="0"/>
+                          <a:cs typeface="Times New Roman" charset="0"/>
+                        </a:rPr>
+                        <a:t>4}</a:t>
+                      </a:r>
+                      <a:endParaRPr lang="fr-FR" sz="1200" dirty="0">
+                        <a:latin typeface="Times New Roman" charset="0"/>
+                        <a:ea typeface="Times New Roman" charset="0"/>
+                        <a:cs typeface="Times New Roman" charset="0"/>
+                      </a:endParaRPr>
+                    </a:p>
+                  </a:txBody>
+                  <a:tcPr/>
+                </a:tc>
+              </a:tr>
+              <a:tr h="252248">
+                <a:tc>
+                  <a:txBody>
+                    <a:bodyPr/>
+                    <a:lstStyle/>
+                    <a:p>
+                      <a:r>
+                        <a:rPr lang="fr-FR" sz="1200" dirty="0" smtClean="0">
+                          <a:latin typeface="Times New Roman" charset="0"/>
+                          <a:ea typeface="Times New Roman" charset="0"/>
+                          <a:cs typeface="Times New Roman" charset="0"/>
+                        </a:rPr>
+                        <a:t>2</a:t>
+                      </a:r>
+                      <a:endParaRPr lang="fr-FR" sz="1200" dirty="0">
+                        <a:latin typeface="Times New Roman" charset="0"/>
+                        <a:ea typeface="Times New Roman" charset="0"/>
+                        <a:cs typeface="Times New Roman" charset="0"/>
+                      </a:endParaRPr>
+                    </a:p>
+                  </a:txBody>
+                  <a:tcPr/>
+                </a:tc>
+                <a:tc>
+                  <a:txBody>
+                    <a:bodyPr/>
+                    <a:lstStyle/>
+                    <a:p>
+                      <a:r>
+                        <a:rPr lang="fr-FR" sz="1200" dirty="0" smtClean="0">
+                          <a:latin typeface="Times New Roman" charset="0"/>
+                          <a:ea typeface="Times New Roman" charset="0"/>
+                          <a:cs typeface="Times New Roman" charset="0"/>
+                        </a:rPr>
+                        <a:t>S2={3}</a:t>
+                      </a:r>
+                      <a:endParaRPr lang="fr-FR" sz="1200" dirty="0">
+                        <a:latin typeface="Times New Roman" charset="0"/>
+                        <a:ea typeface="Times New Roman" charset="0"/>
+                        <a:cs typeface="Times New Roman" charset="0"/>
+                      </a:endParaRPr>
+                    </a:p>
+                  </a:txBody>
+                  <a:tcPr/>
+                </a:tc>
+              </a:tr>
+              <a:tr h="282728">
+                <a:tc>
+                  <a:txBody>
+                    <a:bodyPr/>
+                    <a:lstStyle/>
+                    <a:p>
+                      <a:r>
+                        <a:rPr lang="fr-FR" sz="1200" dirty="0" smtClean="0">
+                          <a:latin typeface="Times New Roman" charset="0"/>
+                          <a:ea typeface="Times New Roman" charset="0"/>
+                          <a:cs typeface="Times New Roman" charset="0"/>
+                        </a:rPr>
+                        <a:t>3</a:t>
+                      </a:r>
+                      <a:endParaRPr lang="fr-FR" sz="1200" dirty="0">
+                        <a:latin typeface="Times New Roman" charset="0"/>
+                        <a:ea typeface="Times New Roman" charset="0"/>
+                        <a:cs typeface="Times New Roman" charset="0"/>
+                      </a:endParaRPr>
+                    </a:p>
+                  </a:txBody>
+                  <a:tcPr/>
+                </a:tc>
+                <a:tc>
+                  <a:txBody>
+                    <a:bodyPr/>
+                    <a:lstStyle/>
+                    <a:p>
+                      <a:r>
+                        <a:rPr lang="fr-FR" sz="1200" dirty="0" smtClean="0">
+                          <a:latin typeface="Times New Roman" charset="0"/>
+                          <a:ea typeface="Times New Roman" charset="0"/>
+                          <a:cs typeface="Times New Roman" charset="0"/>
+                        </a:rPr>
+                        <a:t>S3={2, 4} </a:t>
+                      </a:r>
+                      <a:endParaRPr lang="fr-FR" sz="1200" dirty="0">
+                        <a:latin typeface="Times New Roman" charset="0"/>
+                        <a:ea typeface="Times New Roman" charset="0"/>
+                        <a:cs typeface="Times New Roman" charset="0"/>
+                      </a:endParaRPr>
+                    </a:p>
+                  </a:txBody>
+                  <a:tcPr/>
+                </a:tc>
+              </a:tr>
+              <a:tr h="283779">
+                <a:tc>
+                  <a:txBody>
+                    <a:bodyPr/>
+                    <a:lstStyle/>
+                    <a:p>
+                      <a:r>
+                        <a:rPr lang="fr-FR" sz="1200" dirty="0" smtClean="0">
+                          <a:latin typeface="Times New Roman" charset="0"/>
+                          <a:ea typeface="Times New Roman" charset="0"/>
+                          <a:cs typeface="Times New Roman" charset="0"/>
+                        </a:rPr>
+                        <a:t>4</a:t>
+                      </a:r>
+                      <a:endParaRPr lang="fr-FR" sz="1200" dirty="0">
+                        <a:latin typeface="Times New Roman" charset="0"/>
+                        <a:ea typeface="Times New Roman" charset="0"/>
+                        <a:cs typeface="Times New Roman" charset="0"/>
+                      </a:endParaRPr>
+                    </a:p>
+                  </a:txBody>
+                  <a:tcPr/>
+                </a:tc>
+                <a:tc>
+                  <a:txBody>
+                    <a:bodyPr/>
+                    <a:lstStyle/>
+                    <a:p>
+                      <a:r>
+                        <a:rPr lang="fr-FR" sz="1200" dirty="0" smtClean="0">
+                          <a:latin typeface="Times New Roman" charset="0"/>
+                          <a:ea typeface="Times New Roman" charset="0"/>
+                          <a:cs typeface="Times New Roman" charset="0"/>
+                        </a:rPr>
+                        <a:t>S4={1,</a:t>
+                      </a:r>
+                      <a:r>
+                        <a:rPr lang="fr-FR" sz="1200" baseline="0" dirty="0" smtClean="0">
+                          <a:latin typeface="Times New Roman" charset="0"/>
+                          <a:ea typeface="Times New Roman" charset="0"/>
+                          <a:cs typeface="Times New Roman" charset="0"/>
+                        </a:rPr>
+                        <a:t> </a:t>
+                      </a:r>
+                      <a:r>
+                        <a:rPr lang="fr-FR" sz="1200" dirty="0" smtClean="0">
+                          <a:latin typeface="Times New Roman" charset="0"/>
+                          <a:ea typeface="Times New Roman" charset="0"/>
+                          <a:cs typeface="Times New Roman" charset="0"/>
+                        </a:rPr>
+                        <a:t>3, 4}</a:t>
+                      </a:r>
+                      <a:endParaRPr lang="fr-FR" sz="1200" dirty="0">
+                        <a:latin typeface="Times New Roman" charset="0"/>
+                        <a:ea typeface="Times New Roman" charset="0"/>
+                        <a:cs typeface="Times New Roman" charset="0"/>
+                      </a:endParaRPr>
+                    </a:p>
+                  </a:txBody>
+                  <a:tcPr/>
+                </a:tc>
+              </a:tr>
+            </a:tbl>
+          </a:graphicData>
+        </a:graphic>
+      </p:graphicFrame>
+      <p:graphicFrame>
+        <p:nvGraphicFramePr>
+          <p:cNvPr id="71" name="Tableau 70"/>
+          <p:cNvGraphicFramePr>
+            <a:graphicFrameLocks noGrp="1"/>
+          </p:cNvGraphicFramePr>
+          <p:nvPr>
+            <p:extLst>
+              <p:ext uri="{D42A27DB-BD31-4B8C-83A1-F6EECF244321}">
+                <p14:modId xmlns:p14="http://schemas.microsoft.com/office/powerpoint/2010/main" val="1287079691"/>
+              </p:ext>
+            </p:extLst>
+          </p:nvPr>
+        </p:nvGraphicFramePr>
+        <p:xfrm>
+          <a:off x="3299435" y="399393"/>
+          <a:ext cx="1800486" cy="1828800"/>
+        </p:xfrm>
+        <a:graphic>
+          <a:graphicData uri="http://schemas.openxmlformats.org/drawingml/2006/table">
+            <a:tbl>
+              <a:tblPr firstRow="1" bandRow="1">
+                <a:tableStyleId>{5940675A-B579-460E-94D1-54222C63F5DA}</a:tableStyleId>
+              </a:tblPr>
+              <a:tblGrid>
+                <a:gridCol w="360324"/>
+                <a:gridCol w="360324"/>
+                <a:gridCol w="360324"/>
+                <a:gridCol w="359757"/>
+                <a:gridCol w="359757"/>
+              </a:tblGrid>
+              <a:tr h="341330">
+                <a:tc>
+                  <a:txBody>
+                    <a:bodyPr/>
+                    <a:lstStyle/>
+                    <a:p>
+                      <a:endParaRPr lang="fr-FR" b="0" dirty="0">
+                        <a:latin typeface="Times New Roman" charset="0"/>
+                        <a:ea typeface="Times New Roman" charset="0"/>
+                        <a:cs typeface="Times New Roman" charset="0"/>
+                      </a:endParaRPr>
+                    </a:p>
+                  </a:txBody>
+                  <a:tcPr/>
+                </a:tc>
+                <a:tc>
+                  <a:txBody>
+                    <a:bodyPr/>
+                    <a:lstStyle/>
+                    <a:p>
+                      <a:r>
+                        <a:rPr lang="fr-FR" sz="1200" b="1" dirty="0" smtClean="0">
+                          <a:solidFill>
+                            <a:schemeClr val="tx1"/>
+                          </a:solidFill>
+                          <a:latin typeface="Times New Roman" charset="0"/>
+                          <a:ea typeface="Times New Roman" charset="0"/>
+                          <a:cs typeface="Times New Roman" charset="0"/>
+                        </a:rPr>
+                        <a:t>S1</a:t>
+                      </a:r>
+                      <a:endParaRPr lang="fr-FR" sz="1200" b="1" dirty="0">
+                        <a:solidFill>
+                          <a:schemeClr val="tx1"/>
+                        </a:solidFill>
+                        <a:latin typeface="Times New Roman" charset="0"/>
+                        <a:ea typeface="Times New Roman" charset="0"/>
+                        <a:cs typeface="Times New Roman" charset="0"/>
+                      </a:endParaRPr>
+                    </a:p>
+                  </a:txBody>
+                  <a:tcPr>
+                    <a:lnR w="12700" cap="flat" cmpd="sng" algn="ctr">
+                      <a:solidFill>
+                        <a:schemeClr val="tx1"/>
+                      </a:solidFill>
+                      <a:prstDash val="solid"/>
+                      <a:round/>
+                      <a:headEnd type="none" w="med" len="med"/>
+                      <a:tailEnd type="none" w="med" len="med"/>
+                    </a:lnR>
+                  </a:tcPr>
+                </a:tc>
+                <a:tc>
+                  <a:txBody>
+                    <a:bodyPr/>
+                    <a:lstStyle/>
+                    <a:p>
+                      <a:r>
+                        <a:rPr lang="fr-FR" sz="1200" b="1" dirty="0" smtClean="0">
+                          <a:solidFill>
+                            <a:schemeClr val="tx1"/>
+                          </a:solidFill>
+                          <a:latin typeface="Times New Roman" charset="0"/>
+                          <a:ea typeface="Times New Roman" charset="0"/>
+                          <a:cs typeface="Times New Roman" charset="0"/>
+                        </a:rPr>
+                        <a:t>S2</a:t>
+                      </a:r>
+                      <a:endParaRPr lang="fr-FR" sz="1200" b="1" dirty="0">
+                        <a:solidFill>
+                          <a:schemeClr val="tx1"/>
+                        </a:solidFill>
+                        <a:latin typeface="Times New Roman" charset="0"/>
+                        <a:ea typeface="Times New Roman" charset="0"/>
+                        <a:cs typeface="Times New Roman" charset="0"/>
+                      </a:endParaRPr>
+                    </a:p>
+                  </a:txBody>
+                  <a:tcPr>
+                    <a:lnL w="12700" cap="flat" cmpd="sng" algn="ctr">
+                      <a:solidFill>
+                        <a:schemeClr val="tx1"/>
+                      </a:solidFill>
+                      <a:prstDash val="solid"/>
+                      <a:round/>
+                      <a:headEnd type="none" w="med" len="med"/>
+                      <a:tailEnd type="none" w="med" len="med"/>
+                    </a:lnL>
+                  </a:tcPr>
+                </a:tc>
+                <a:tc>
+                  <a:txBody>
+                    <a:bodyPr/>
+                    <a:lstStyle/>
+                    <a:p>
+                      <a:r>
+                        <a:rPr lang="fr-FR" sz="1200" b="1" dirty="0" smtClean="0">
+                          <a:solidFill>
+                            <a:schemeClr val="tx1"/>
+                          </a:solidFill>
+                          <a:latin typeface="Times New Roman" charset="0"/>
+                          <a:ea typeface="Times New Roman" charset="0"/>
+                          <a:cs typeface="Times New Roman" charset="0"/>
+                        </a:rPr>
+                        <a:t>S3</a:t>
+                      </a:r>
+                      <a:endParaRPr lang="fr-FR" sz="1200" b="1" dirty="0">
+                        <a:solidFill>
+                          <a:schemeClr val="tx1"/>
+                        </a:solidFill>
+                        <a:latin typeface="Times New Roman" charset="0"/>
+                        <a:ea typeface="Times New Roman" charset="0"/>
+                        <a:cs typeface="Times New Roman" charset="0"/>
+                      </a:endParaRPr>
+                    </a:p>
+                  </a:txBody>
+                  <a:tcPr/>
+                </a:tc>
+                <a:tc>
+                  <a:txBody>
+                    <a:bodyPr/>
+                    <a:lstStyle/>
+                    <a:p>
+                      <a:r>
+                        <a:rPr lang="fr-FR" sz="1200" b="1" dirty="0" smtClean="0">
+                          <a:solidFill>
+                            <a:schemeClr val="tx1"/>
+                          </a:solidFill>
+                          <a:latin typeface="Times New Roman" charset="0"/>
+                          <a:ea typeface="Times New Roman" charset="0"/>
+                          <a:cs typeface="Times New Roman" charset="0"/>
+                        </a:rPr>
+                        <a:t>S4</a:t>
+                      </a:r>
+                      <a:endParaRPr lang="fr-FR" sz="1200" b="1" dirty="0">
+                        <a:solidFill>
+                          <a:schemeClr val="tx1"/>
+                        </a:solidFill>
+                        <a:latin typeface="Times New Roman" charset="0"/>
+                        <a:ea typeface="Times New Roman" charset="0"/>
+                        <a:cs typeface="Times New Roman" charset="0"/>
+                      </a:endParaRPr>
+                    </a:p>
+                  </a:txBody>
+                  <a:tcPr/>
+                </a:tc>
+              </a:tr>
+              <a:tr h="365486">
+                <a:tc>
+                  <a:txBody>
+                    <a:bodyPr/>
+                    <a:lstStyle/>
+                    <a:p>
+                      <a:r>
+                        <a:rPr lang="fr-FR" b="1" dirty="0" smtClean="0">
+                          <a:latin typeface="Times New Roman" charset="0"/>
+                          <a:ea typeface="Times New Roman" charset="0"/>
+                          <a:cs typeface="Times New Roman" charset="0"/>
+                        </a:rPr>
+                        <a:t>1</a:t>
+                      </a:r>
+                      <a:endParaRPr lang="fr-FR" b="1" dirty="0">
+                        <a:latin typeface="Times New Roman" charset="0"/>
+                        <a:ea typeface="Times New Roman" charset="0"/>
+                        <a:cs typeface="Times New Roman" charset="0"/>
+                      </a:endParaRPr>
+                    </a:p>
+                  </a:txBody>
+                  <a:tcPr>
+                    <a:lnB w="12700" cap="flat" cmpd="sng" algn="ctr">
+                      <a:solidFill>
+                        <a:schemeClr val="tx1"/>
+                      </a:solidFill>
+                      <a:prstDash val="solid"/>
+                      <a:round/>
+                      <a:headEnd type="none" w="med" len="med"/>
+                      <a:tailEnd type="none" w="med" len="med"/>
+                    </a:lnB>
+                  </a:tcPr>
+                </a:tc>
+                <a:tc>
+                  <a:txBody>
+                    <a:bodyPr/>
+                    <a:lstStyle/>
+                    <a:p>
+                      <a:r>
+                        <a:rPr lang="fr-FR" b="0" dirty="0" smtClean="0">
+                          <a:latin typeface="Times New Roman" charset="0"/>
+                          <a:ea typeface="Times New Roman" charset="0"/>
+                          <a:cs typeface="Times New Roman" charset="0"/>
+                        </a:rPr>
+                        <a:t>1</a:t>
+                      </a:r>
+                      <a:endParaRPr lang="fr-FR" b="0" dirty="0">
+                        <a:latin typeface="Times New Roman" charset="0"/>
+                        <a:ea typeface="Times New Roman" charset="0"/>
+                        <a:cs typeface="Times New Roman" charset="0"/>
+                      </a:endParaRPr>
+                    </a:p>
+                  </a:txBody>
+                  <a:tcPr>
+                    <a:lnR w="12700" cap="flat" cmpd="sng" algn="ctr">
+                      <a:solidFill>
+                        <a:schemeClr val="tx1"/>
+                      </a:solidFill>
+                      <a:prstDash val="solid"/>
+                      <a:round/>
+                      <a:headEnd type="none" w="med" len="med"/>
+                      <a:tailEnd type="none" w="med" len="med"/>
+                    </a:lnR>
+                    <a:lnB w="12700" cap="flat" cmpd="sng" algn="ctr">
+                      <a:solidFill>
+                        <a:schemeClr val="tx1"/>
+                      </a:solidFill>
+                      <a:prstDash val="solid"/>
+                      <a:round/>
+                      <a:headEnd type="none" w="med" len="med"/>
+                      <a:tailEnd type="none" w="med" len="med"/>
+                    </a:lnB>
+                  </a:tcPr>
+                </a:tc>
+                <a:tc>
+                  <a:txBody>
+                    <a:bodyPr/>
+                    <a:lstStyle/>
+                    <a:p>
+                      <a:r>
+                        <a:rPr lang="fr-FR" b="0" dirty="0" smtClean="0">
+                          <a:latin typeface="Times New Roman" charset="0"/>
+                          <a:ea typeface="Times New Roman" charset="0"/>
+                          <a:cs typeface="Times New Roman" charset="0"/>
+                        </a:rPr>
+                        <a:t>0</a:t>
+                      </a:r>
+                      <a:endParaRPr lang="fr-FR" b="0" dirty="0">
+                        <a:latin typeface="Times New Roman" charset="0"/>
+                        <a:ea typeface="Times New Roman" charset="0"/>
+                        <a:cs typeface="Times New Roman" charset="0"/>
+                      </a:endParaRPr>
+                    </a:p>
+                  </a:txBody>
+                  <a:tcPr>
+                    <a:lnL w="12700" cap="flat" cmpd="sng" algn="ctr">
+                      <a:solidFill>
+                        <a:schemeClr val="tx1"/>
+                      </a:solidFill>
+                      <a:prstDash val="solid"/>
+                      <a:round/>
+                      <a:headEnd type="none" w="med" len="med"/>
+                      <a:tailEnd type="none" w="med" len="med"/>
+                    </a:lnL>
+                    <a:lnB w="12700" cap="flat" cmpd="sng" algn="ctr">
+                      <a:solidFill>
+                        <a:schemeClr val="tx1"/>
+                      </a:solidFill>
+                      <a:prstDash val="solid"/>
+                      <a:round/>
+                      <a:headEnd type="none" w="med" len="med"/>
+                      <a:tailEnd type="none" w="med" len="med"/>
+                    </a:lnB>
+                  </a:tcPr>
+                </a:tc>
+                <a:tc>
+                  <a:txBody>
+                    <a:bodyPr/>
+                    <a:lstStyle/>
+                    <a:p>
+                      <a:r>
+                        <a:rPr lang="fr-FR" b="0" dirty="0" smtClean="0">
+                          <a:latin typeface="Times New Roman" charset="0"/>
+                          <a:ea typeface="Times New Roman" charset="0"/>
+                          <a:cs typeface="Times New Roman" charset="0"/>
+                        </a:rPr>
+                        <a:t>0</a:t>
+                      </a:r>
+                      <a:endParaRPr lang="fr-FR" b="0" dirty="0">
+                        <a:latin typeface="Times New Roman" charset="0"/>
+                        <a:ea typeface="Times New Roman" charset="0"/>
+                        <a:cs typeface="Times New Roman" charset="0"/>
+                      </a:endParaRPr>
+                    </a:p>
+                  </a:txBody>
+                  <a:tcPr>
+                    <a:lnB w="12700" cap="flat" cmpd="sng" algn="ctr">
+                      <a:solidFill>
+                        <a:schemeClr val="tx1"/>
+                      </a:solidFill>
+                      <a:prstDash val="solid"/>
+                      <a:round/>
+                      <a:headEnd type="none" w="med" len="med"/>
+                      <a:tailEnd type="none" w="med" len="med"/>
+                    </a:lnB>
+                  </a:tcPr>
+                </a:tc>
+                <a:tc>
+                  <a:txBody>
+                    <a:bodyPr/>
+                    <a:lstStyle/>
+                    <a:p>
+                      <a:r>
+                        <a:rPr lang="fr-FR" b="0" dirty="0" smtClean="0">
+                          <a:latin typeface="Times New Roman" charset="0"/>
+                          <a:ea typeface="Times New Roman" charset="0"/>
+                          <a:cs typeface="Times New Roman" charset="0"/>
+                        </a:rPr>
+                        <a:t>1</a:t>
+                      </a:r>
+                      <a:endParaRPr lang="fr-FR" b="0" dirty="0">
+                        <a:latin typeface="Times New Roman" charset="0"/>
+                        <a:ea typeface="Times New Roman" charset="0"/>
+                        <a:cs typeface="Times New Roman" charset="0"/>
+                      </a:endParaRPr>
+                    </a:p>
+                  </a:txBody>
+                  <a:tcPr>
+                    <a:lnB w="12700" cap="flat" cmpd="sng" algn="ctr">
+                      <a:solidFill>
+                        <a:schemeClr val="tx1"/>
+                      </a:solidFill>
+                      <a:prstDash val="solid"/>
+                      <a:round/>
+                      <a:headEnd type="none" w="med" len="med"/>
+                      <a:tailEnd type="none" w="med" len="med"/>
+                    </a:lnB>
+                  </a:tcPr>
+                </a:tc>
+              </a:tr>
+              <a:tr h="365486">
+                <a:tc>
+                  <a:txBody>
+                    <a:bodyPr/>
+                    <a:lstStyle/>
+                    <a:p>
+                      <a:r>
+                        <a:rPr lang="fr-FR" b="1" dirty="0" smtClean="0">
+                          <a:latin typeface="Times New Roman" charset="0"/>
+                          <a:ea typeface="Times New Roman" charset="0"/>
+                          <a:cs typeface="Times New Roman" charset="0"/>
+                        </a:rPr>
+                        <a:t>2</a:t>
+                      </a:r>
+                      <a:endParaRPr lang="fr-FR" b="1" dirty="0">
+                        <a:latin typeface="Times New Roman" charset="0"/>
+                        <a:ea typeface="Times New Roman" charset="0"/>
+                        <a:cs typeface="Times New Roman" charset="0"/>
+                      </a:endParaRPr>
+                    </a:p>
+                  </a:txBody>
+                  <a:tcPr>
+                    <a:lnT w="12700" cap="flat" cmpd="sng" algn="ctr">
+                      <a:solidFill>
+                        <a:schemeClr val="tx1"/>
+                      </a:solidFill>
+                      <a:prstDash val="solid"/>
+                      <a:round/>
+                      <a:headEnd type="none" w="med" len="med"/>
+                      <a:tailEnd type="none" w="med" len="med"/>
+                    </a:lnT>
+                  </a:tcPr>
+                </a:tc>
+                <a:tc>
+                  <a:txBody>
+                    <a:bodyPr/>
+                    <a:lstStyle/>
+                    <a:p>
+                      <a:r>
+                        <a:rPr lang="fr-FR" b="0" dirty="0" smtClean="0">
+                          <a:latin typeface="Times New Roman" charset="0"/>
+                          <a:ea typeface="Times New Roman" charset="0"/>
+                          <a:cs typeface="Times New Roman" charset="0"/>
+                        </a:rPr>
+                        <a:t>0</a:t>
+                      </a:r>
+                      <a:endParaRPr lang="fr-FR" b="0" dirty="0">
+                        <a:latin typeface="Times New Roman" charset="0"/>
+                        <a:ea typeface="Times New Roman" charset="0"/>
+                        <a:cs typeface="Times New Roman" charset="0"/>
+                      </a:endParaRPr>
+                    </a:p>
+                  </a:txBody>
+                  <a:tcPr>
+                    <a:lnR w="12700" cap="flat" cmpd="sng" algn="ctr">
+                      <a:solidFill>
+                        <a:schemeClr val="tx1"/>
+                      </a:solidFill>
+                      <a:prstDash val="solid"/>
+                      <a:round/>
+                      <a:headEnd type="none" w="med" len="med"/>
+                      <a:tailEnd type="none" w="med" len="med"/>
+                    </a:lnR>
+                    <a:lnT w="12700" cap="flat" cmpd="sng" algn="ctr">
+                      <a:solidFill>
+                        <a:schemeClr val="tx1"/>
+                      </a:solidFill>
+                      <a:prstDash val="solid"/>
+                      <a:round/>
+                      <a:headEnd type="none" w="med" len="med"/>
+                      <a:tailEnd type="none" w="med" len="med"/>
+                    </a:lnT>
+                  </a:tcPr>
+                </a:tc>
+                <a:tc>
+                  <a:txBody>
+                    <a:bodyPr/>
+                    <a:lstStyle/>
+                    <a:p>
+                      <a:r>
+                        <a:rPr lang="fr-FR" b="0" dirty="0" smtClean="0">
+                          <a:latin typeface="Times New Roman" charset="0"/>
+                          <a:ea typeface="Times New Roman" charset="0"/>
+                          <a:cs typeface="Times New Roman" charset="0"/>
+                        </a:rPr>
+                        <a:t>1</a:t>
+                      </a:r>
+                      <a:endParaRPr lang="fr-FR" b="0" dirty="0">
+                        <a:latin typeface="Times New Roman" charset="0"/>
+                        <a:ea typeface="Times New Roman" charset="0"/>
+                        <a:cs typeface="Times New Roman" charset="0"/>
+                      </a:endParaRPr>
+                    </a:p>
+                  </a:txBody>
+                  <a:tcPr>
+                    <a:lnL w="12700" cap="flat" cmpd="sng" algn="ctr">
+                      <a:solidFill>
+                        <a:schemeClr val="tx1"/>
+                      </a:solidFill>
+                      <a:prstDash val="solid"/>
+                      <a:round/>
+                      <a:headEnd type="none" w="med" len="med"/>
+                      <a:tailEnd type="none" w="med" len="med"/>
+                    </a:lnL>
+                    <a:lnT w="12700" cap="flat" cmpd="sng" algn="ctr">
+                      <a:solidFill>
+                        <a:schemeClr val="tx1"/>
+                      </a:solidFill>
+                      <a:prstDash val="solid"/>
+                      <a:round/>
+                      <a:headEnd type="none" w="med" len="med"/>
+                      <a:tailEnd type="none" w="med" len="med"/>
+                    </a:lnT>
+                  </a:tcPr>
+                </a:tc>
+                <a:tc>
+                  <a:txBody>
+                    <a:bodyPr/>
+                    <a:lstStyle/>
+                    <a:p>
+                      <a:r>
+                        <a:rPr lang="fr-FR" b="0" dirty="0" smtClean="0">
+                          <a:latin typeface="Times New Roman" charset="0"/>
+                          <a:ea typeface="Times New Roman" charset="0"/>
+                          <a:cs typeface="Times New Roman" charset="0"/>
+                        </a:rPr>
+                        <a:t>0</a:t>
+                      </a:r>
+                      <a:endParaRPr lang="fr-FR" b="0" dirty="0">
+                        <a:latin typeface="Times New Roman" charset="0"/>
+                        <a:ea typeface="Times New Roman" charset="0"/>
+                        <a:cs typeface="Times New Roman" charset="0"/>
+                      </a:endParaRPr>
+                    </a:p>
+                  </a:txBody>
+                  <a:tcPr>
+                    <a:lnT w="12700" cap="flat" cmpd="sng" algn="ctr">
+                      <a:solidFill>
+                        <a:schemeClr val="tx1"/>
+                      </a:solidFill>
+                      <a:prstDash val="solid"/>
+                      <a:round/>
+                      <a:headEnd type="none" w="med" len="med"/>
+                      <a:tailEnd type="none" w="med" len="med"/>
+                    </a:lnT>
+                  </a:tcPr>
+                </a:tc>
+                <a:tc>
+                  <a:txBody>
+                    <a:bodyPr/>
+                    <a:lstStyle/>
+                    <a:p>
+                      <a:r>
+                        <a:rPr lang="fr-FR" b="0" dirty="0" smtClean="0">
+                          <a:latin typeface="Times New Roman" charset="0"/>
+                          <a:ea typeface="Times New Roman" charset="0"/>
+                          <a:cs typeface="Times New Roman" charset="0"/>
+                        </a:rPr>
+                        <a:t>1</a:t>
+                      </a:r>
+                      <a:endParaRPr lang="fr-FR" b="0" dirty="0">
+                        <a:latin typeface="Times New Roman" charset="0"/>
+                        <a:ea typeface="Times New Roman" charset="0"/>
+                        <a:cs typeface="Times New Roman" charset="0"/>
+                      </a:endParaRPr>
+                    </a:p>
+                  </a:txBody>
+                  <a:tcPr>
+                    <a:lnT w="12700" cap="flat" cmpd="sng" algn="ctr">
+                      <a:solidFill>
+                        <a:schemeClr val="tx1"/>
+                      </a:solidFill>
+                      <a:prstDash val="solid"/>
+                      <a:round/>
+                      <a:headEnd type="none" w="med" len="med"/>
+                      <a:tailEnd type="none" w="med" len="med"/>
+                    </a:lnT>
+                  </a:tcPr>
+                </a:tc>
+              </a:tr>
+              <a:tr h="365486">
+                <a:tc>
+                  <a:txBody>
+                    <a:bodyPr/>
+                    <a:lstStyle/>
+                    <a:p>
+                      <a:r>
+                        <a:rPr lang="fr-FR" b="1" dirty="0" smtClean="0">
+                          <a:latin typeface="Times New Roman" charset="0"/>
+                          <a:ea typeface="Times New Roman" charset="0"/>
+                          <a:cs typeface="Times New Roman" charset="0"/>
+                        </a:rPr>
+                        <a:t>3</a:t>
+                      </a:r>
+                      <a:endParaRPr lang="fr-FR" b="1" dirty="0">
+                        <a:latin typeface="Times New Roman" charset="0"/>
+                        <a:ea typeface="Times New Roman" charset="0"/>
+                        <a:cs typeface="Times New Roman" charset="0"/>
+                      </a:endParaRPr>
+                    </a:p>
+                  </a:txBody>
+                  <a:tcPr/>
+                </a:tc>
+                <a:tc>
+                  <a:txBody>
+                    <a:bodyPr/>
+                    <a:lstStyle/>
+                    <a:p>
+                      <a:r>
+                        <a:rPr lang="fr-FR" b="0" dirty="0" smtClean="0">
+                          <a:latin typeface="Times New Roman" charset="0"/>
+                          <a:ea typeface="Times New Roman" charset="0"/>
+                          <a:cs typeface="Times New Roman" charset="0"/>
+                        </a:rPr>
+                        <a:t>0</a:t>
+                      </a:r>
+                      <a:endParaRPr lang="fr-FR" b="0" dirty="0">
+                        <a:latin typeface="Times New Roman" charset="0"/>
+                        <a:ea typeface="Times New Roman" charset="0"/>
+                        <a:cs typeface="Times New Roman" charset="0"/>
+                      </a:endParaRPr>
+                    </a:p>
+                  </a:txBody>
+                  <a:tcPr>
+                    <a:lnR w="12700" cap="flat" cmpd="sng" algn="ctr">
+                      <a:solidFill>
+                        <a:schemeClr val="tx1"/>
+                      </a:solidFill>
+                      <a:prstDash val="solid"/>
+                      <a:round/>
+                      <a:headEnd type="none" w="med" len="med"/>
+                      <a:tailEnd type="none" w="med" len="med"/>
+                    </a:lnR>
+                  </a:tcPr>
+                </a:tc>
+                <a:tc>
+                  <a:txBody>
+                    <a:bodyPr/>
+                    <a:lstStyle/>
+                    <a:p>
+                      <a:r>
+                        <a:rPr lang="fr-FR" b="0" dirty="0" smtClean="0">
+                          <a:latin typeface="Times New Roman" charset="0"/>
+                          <a:ea typeface="Times New Roman" charset="0"/>
+                          <a:cs typeface="Times New Roman" charset="0"/>
+                        </a:rPr>
+                        <a:t>0</a:t>
+                      </a:r>
+                      <a:endParaRPr lang="fr-FR" b="0" dirty="0">
+                        <a:latin typeface="Times New Roman" charset="0"/>
+                        <a:ea typeface="Times New Roman" charset="0"/>
+                        <a:cs typeface="Times New Roman" charset="0"/>
+                      </a:endParaRPr>
+                    </a:p>
+                  </a:txBody>
+                  <a:tcPr>
+                    <a:lnL w="12700" cap="flat" cmpd="sng" algn="ctr">
+                      <a:solidFill>
+                        <a:schemeClr val="tx1"/>
+                      </a:solidFill>
+                      <a:prstDash val="solid"/>
+                      <a:round/>
+                      <a:headEnd type="none" w="med" len="med"/>
+                      <a:tailEnd type="none" w="med" len="med"/>
+                    </a:lnL>
+                  </a:tcPr>
+                </a:tc>
+                <a:tc>
+                  <a:txBody>
+                    <a:bodyPr/>
+                    <a:lstStyle/>
+                    <a:p>
+                      <a:r>
+                        <a:rPr lang="fr-FR" b="0" dirty="0" smtClean="0">
+                          <a:latin typeface="Times New Roman" charset="0"/>
+                          <a:ea typeface="Times New Roman" charset="0"/>
+                          <a:cs typeface="Times New Roman" charset="0"/>
+                        </a:rPr>
+                        <a:t>1</a:t>
+                      </a:r>
+                      <a:endParaRPr lang="fr-FR" b="0" dirty="0">
+                        <a:latin typeface="Times New Roman" charset="0"/>
+                        <a:ea typeface="Times New Roman" charset="0"/>
+                        <a:cs typeface="Times New Roman" charset="0"/>
+                      </a:endParaRPr>
+                    </a:p>
+                  </a:txBody>
+                  <a:tcPr/>
+                </a:tc>
+                <a:tc>
+                  <a:txBody>
+                    <a:bodyPr/>
+                    <a:lstStyle/>
+                    <a:p>
+                      <a:r>
+                        <a:rPr lang="fr-FR" b="0" dirty="0" smtClean="0">
+                          <a:latin typeface="Times New Roman" charset="0"/>
+                          <a:ea typeface="Times New Roman" charset="0"/>
+                          <a:cs typeface="Times New Roman" charset="0"/>
+                        </a:rPr>
+                        <a:t>1</a:t>
+                      </a:r>
+                      <a:endParaRPr lang="fr-FR" b="0" dirty="0">
+                        <a:latin typeface="Times New Roman" charset="0"/>
+                        <a:ea typeface="Times New Roman" charset="0"/>
+                        <a:cs typeface="Times New Roman" charset="0"/>
+                      </a:endParaRPr>
+                    </a:p>
+                  </a:txBody>
+                  <a:tcPr/>
+                </a:tc>
+              </a:tr>
+              <a:tr h="365486">
+                <a:tc>
+                  <a:txBody>
+                    <a:bodyPr/>
+                    <a:lstStyle/>
+                    <a:p>
+                      <a:r>
+                        <a:rPr lang="fr-FR" b="1" dirty="0" smtClean="0">
+                          <a:latin typeface="Times New Roman" charset="0"/>
+                          <a:ea typeface="Times New Roman" charset="0"/>
+                          <a:cs typeface="Times New Roman" charset="0"/>
+                        </a:rPr>
+                        <a:t>4</a:t>
+                      </a:r>
+                      <a:endParaRPr lang="fr-FR" b="1" dirty="0">
+                        <a:latin typeface="Times New Roman" charset="0"/>
+                        <a:ea typeface="Times New Roman" charset="0"/>
+                        <a:cs typeface="Times New Roman" charset="0"/>
+                      </a:endParaRPr>
+                    </a:p>
+                  </a:txBody>
+                  <a:tcPr/>
+                </a:tc>
+                <a:tc>
+                  <a:txBody>
+                    <a:bodyPr/>
+                    <a:lstStyle/>
+                    <a:p>
+                      <a:r>
+                        <a:rPr lang="fr-FR" b="0" dirty="0" smtClean="0">
+                          <a:latin typeface="Times New Roman" charset="0"/>
+                          <a:ea typeface="Times New Roman" charset="0"/>
+                          <a:cs typeface="Times New Roman" charset="0"/>
+                        </a:rPr>
+                        <a:t>1</a:t>
+                      </a:r>
+                      <a:endParaRPr lang="fr-FR" b="0" dirty="0">
+                        <a:latin typeface="Times New Roman" charset="0"/>
+                        <a:ea typeface="Times New Roman" charset="0"/>
+                        <a:cs typeface="Times New Roman" charset="0"/>
+                      </a:endParaRPr>
+                    </a:p>
+                  </a:txBody>
+                  <a:tcPr>
+                    <a:lnR w="12700" cap="flat" cmpd="sng" algn="ctr">
+                      <a:solidFill>
+                        <a:schemeClr val="tx1"/>
+                      </a:solidFill>
+                      <a:prstDash val="solid"/>
+                      <a:round/>
+                      <a:headEnd type="none" w="med" len="med"/>
+                      <a:tailEnd type="none" w="med" len="med"/>
+                    </a:lnR>
+                  </a:tcPr>
+                </a:tc>
+                <a:tc>
+                  <a:txBody>
+                    <a:bodyPr/>
+                    <a:lstStyle/>
+                    <a:p>
+                      <a:r>
+                        <a:rPr lang="fr-FR" b="0" dirty="0" smtClean="0">
+                          <a:latin typeface="Times New Roman" charset="0"/>
+                          <a:ea typeface="Times New Roman" charset="0"/>
+                          <a:cs typeface="Times New Roman" charset="0"/>
+                        </a:rPr>
+                        <a:t>0</a:t>
+                      </a:r>
+                      <a:endParaRPr lang="fr-FR" b="0" dirty="0">
+                        <a:latin typeface="Times New Roman" charset="0"/>
+                        <a:ea typeface="Times New Roman" charset="0"/>
+                        <a:cs typeface="Times New Roman" charset="0"/>
+                      </a:endParaRPr>
+                    </a:p>
+                  </a:txBody>
+                  <a:tcPr>
+                    <a:lnL w="12700" cap="flat" cmpd="sng" algn="ctr">
+                      <a:solidFill>
+                        <a:schemeClr val="tx1"/>
+                      </a:solidFill>
+                      <a:prstDash val="solid"/>
+                      <a:round/>
+                      <a:headEnd type="none" w="med" len="med"/>
+                      <a:tailEnd type="none" w="med" len="med"/>
+                    </a:lnL>
+                  </a:tcPr>
+                </a:tc>
+                <a:tc>
+                  <a:txBody>
+                    <a:bodyPr/>
+                    <a:lstStyle/>
+                    <a:p>
+                      <a:r>
+                        <a:rPr lang="fr-FR" b="0" dirty="0" smtClean="0">
+                          <a:latin typeface="Times New Roman" charset="0"/>
+                          <a:ea typeface="Times New Roman" charset="0"/>
+                          <a:cs typeface="Times New Roman" charset="0"/>
+                        </a:rPr>
+                        <a:t>1</a:t>
+                      </a:r>
+                      <a:endParaRPr lang="fr-FR" b="0" dirty="0">
+                        <a:latin typeface="Times New Roman" charset="0"/>
+                        <a:ea typeface="Times New Roman" charset="0"/>
+                        <a:cs typeface="Times New Roman" charset="0"/>
+                      </a:endParaRPr>
+                    </a:p>
+                  </a:txBody>
+                  <a:tcPr/>
+                </a:tc>
+                <a:tc>
+                  <a:txBody>
+                    <a:bodyPr/>
+                    <a:lstStyle/>
+                    <a:p>
+                      <a:r>
+                        <a:rPr lang="fr-FR" b="0" dirty="0" smtClean="0">
+                          <a:latin typeface="Times New Roman" charset="0"/>
+                          <a:ea typeface="Times New Roman" charset="0"/>
+                          <a:cs typeface="Times New Roman" charset="0"/>
+                        </a:rPr>
+                        <a:t>1</a:t>
+                      </a:r>
+                      <a:endParaRPr lang="fr-FR" b="0" dirty="0">
+                        <a:latin typeface="Times New Roman" charset="0"/>
+                        <a:ea typeface="Times New Roman" charset="0"/>
+                        <a:cs typeface="Times New Roman" charset="0"/>
+                      </a:endParaRPr>
+                    </a:p>
+                  </a:txBody>
+                  <a:tcPr/>
+                </a:tc>
+              </a:tr>
+            </a:tbl>
+          </a:graphicData>
+        </a:graphic>
+      </p:graphicFrame>
+      <p:graphicFrame>
+        <p:nvGraphicFramePr>
+          <p:cNvPr id="72" name="Tableau 71"/>
+          <p:cNvGraphicFramePr>
+            <a:graphicFrameLocks noGrp="1"/>
+          </p:cNvGraphicFramePr>
+          <p:nvPr>
+            <p:extLst>
+              <p:ext uri="{D42A27DB-BD31-4B8C-83A1-F6EECF244321}">
+                <p14:modId xmlns:p14="http://schemas.microsoft.com/office/powerpoint/2010/main" val="1093118870"/>
+              </p:ext>
+            </p:extLst>
+          </p:nvPr>
+        </p:nvGraphicFramePr>
+        <p:xfrm>
+          <a:off x="5131451" y="400929"/>
+          <a:ext cx="719514" cy="1828799"/>
+        </p:xfrm>
+        <a:graphic>
+          <a:graphicData uri="http://schemas.openxmlformats.org/drawingml/2006/table">
+            <a:tbl>
+              <a:tblPr firstRow="1" bandRow="1">
+                <a:tableStyleId>{5940675A-B579-460E-94D1-54222C63F5DA}</a:tableStyleId>
+              </a:tblPr>
+              <a:tblGrid>
+                <a:gridCol w="359757"/>
+                <a:gridCol w="359757"/>
+              </a:tblGrid>
+              <a:tr h="345951">
+                <a:tc>
+                  <a:txBody>
+                    <a:bodyPr/>
+                    <a:lstStyle/>
+                    <a:p>
+                      <a:r>
+                        <a:rPr lang="fr-FR" sz="1200" b="1" dirty="0" smtClean="0">
+                          <a:solidFill>
+                            <a:schemeClr val="tx1"/>
+                          </a:solidFill>
+                          <a:latin typeface="Times New Roman" charset="0"/>
+                          <a:ea typeface="Times New Roman" charset="0"/>
+                          <a:cs typeface="Times New Roman" charset="0"/>
+                        </a:rPr>
+                        <a:t>h1</a:t>
+                      </a:r>
+                      <a:endParaRPr lang="fr-FR" sz="1200" b="1" dirty="0">
+                        <a:solidFill>
+                          <a:schemeClr val="tx1"/>
+                        </a:solidFill>
+                        <a:latin typeface="Times New Roman" charset="0"/>
+                        <a:ea typeface="Times New Roman" charset="0"/>
+                        <a:cs typeface="Times New Roman" charset="0"/>
+                      </a:endParaRPr>
+                    </a:p>
+                  </a:txBody>
+                  <a:tcPr/>
+                </a:tc>
+                <a:tc>
+                  <a:txBody>
+                    <a:bodyPr/>
+                    <a:lstStyle/>
+                    <a:p>
+                      <a:r>
+                        <a:rPr lang="fr-FR" sz="1200" b="1" dirty="0" smtClean="0">
+                          <a:solidFill>
+                            <a:schemeClr val="tx1"/>
+                          </a:solidFill>
+                          <a:latin typeface="Times New Roman" charset="0"/>
+                          <a:ea typeface="Times New Roman" charset="0"/>
+                          <a:cs typeface="Times New Roman" charset="0"/>
+                        </a:rPr>
+                        <a:t>h2</a:t>
+                      </a:r>
+                      <a:endParaRPr lang="fr-FR" sz="1200" b="1" dirty="0">
+                        <a:solidFill>
+                          <a:schemeClr val="tx1"/>
+                        </a:solidFill>
+                        <a:latin typeface="Times New Roman" charset="0"/>
+                        <a:ea typeface="Times New Roman" charset="0"/>
+                        <a:cs typeface="Times New Roman" charset="0"/>
+                      </a:endParaRPr>
+                    </a:p>
+                  </a:txBody>
+                  <a:tcPr/>
+                </a:tc>
+              </a:tr>
+              <a:tr h="370712">
+                <a:tc>
+                  <a:txBody>
+                    <a:bodyPr/>
+                    <a:lstStyle/>
+                    <a:p>
+                      <a:r>
+                        <a:rPr lang="fr-FR" b="1" dirty="0" smtClean="0">
+                          <a:latin typeface="Times New Roman" charset="0"/>
+                          <a:ea typeface="Times New Roman" charset="0"/>
+                          <a:cs typeface="Times New Roman" charset="0"/>
+                        </a:rPr>
+                        <a:t>2</a:t>
+                      </a:r>
+                      <a:endParaRPr lang="fr-FR" b="1" dirty="0">
+                        <a:latin typeface="Times New Roman" charset="0"/>
+                        <a:ea typeface="Times New Roman" charset="0"/>
+                        <a:cs typeface="Times New Roman" charset="0"/>
+                      </a:endParaRPr>
+                    </a:p>
+                  </a:txBody>
+                  <a:tcPr>
+                    <a:lnB w="12700" cap="flat" cmpd="sng" algn="ctr">
+                      <a:solidFill>
+                        <a:schemeClr val="tx1"/>
+                      </a:solidFill>
+                      <a:prstDash val="solid"/>
+                      <a:round/>
+                      <a:headEnd type="none" w="med" len="med"/>
+                      <a:tailEnd type="none" w="med" len="med"/>
+                    </a:lnB>
+                  </a:tcPr>
+                </a:tc>
+                <a:tc>
+                  <a:txBody>
+                    <a:bodyPr/>
+                    <a:lstStyle/>
+                    <a:p>
+                      <a:r>
+                        <a:rPr lang="fr-FR" b="1" dirty="0" smtClean="0">
+                          <a:latin typeface="Times New Roman" charset="0"/>
+                          <a:ea typeface="Times New Roman" charset="0"/>
+                          <a:cs typeface="Times New Roman" charset="0"/>
+                        </a:rPr>
+                        <a:t>2</a:t>
+                      </a:r>
+                      <a:endParaRPr lang="fr-FR" b="1" dirty="0">
+                        <a:latin typeface="Times New Roman" charset="0"/>
+                        <a:ea typeface="Times New Roman" charset="0"/>
+                        <a:cs typeface="Times New Roman" charset="0"/>
+                      </a:endParaRPr>
+                    </a:p>
+                  </a:txBody>
+                  <a:tcPr>
+                    <a:lnB w="12700" cap="flat" cmpd="sng" algn="ctr">
+                      <a:solidFill>
+                        <a:schemeClr val="tx1"/>
+                      </a:solidFill>
+                      <a:prstDash val="solid"/>
+                      <a:round/>
+                      <a:headEnd type="none" w="med" len="med"/>
+                      <a:tailEnd type="none" w="med" len="med"/>
+                    </a:lnB>
+                  </a:tcPr>
+                </a:tc>
+              </a:tr>
+              <a:tr h="370712">
+                <a:tc>
+                  <a:txBody>
+                    <a:bodyPr/>
+                    <a:lstStyle/>
+                    <a:p>
+                      <a:r>
+                        <a:rPr lang="fr-FR" b="1" dirty="0" smtClean="0">
+                          <a:latin typeface="Times New Roman" charset="0"/>
+                          <a:ea typeface="Times New Roman" charset="0"/>
+                          <a:cs typeface="Times New Roman" charset="0"/>
+                        </a:rPr>
+                        <a:t>3</a:t>
+                      </a:r>
+                      <a:endParaRPr lang="fr-FR" b="1" dirty="0">
+                        <a:latin typeface="Times New Roman" charset="0"/>
+                        <a:ea typeface="Times New Roman" charset="0"/>
+                        <a:cs typeface="Times New Roman" charset="0"/>
+                      </a:endParaRPr>
+                    </a:p>
+                  </a:txBody>
+                  <a:tcPr>
+                    <a:lnT w="12700" cap="flat" cmpd="sng" algn="ctr">
+                      <a:solidFill>
+                        <a:schemeClr val="tx1"/>
+                      </a:solidFill>
+                      <a:prstDash val="solid"/>
+                      <a:round/>
+                      <a:headEnd type="none" w="med" len="med"/>
+                      <a:tailEnd type="none" w="med" len="med"/>
+                    </a:lnT>
+                  </a:tcPr>
+                </a:tc>
+                <a:tc>
+                  <a:txBody>
+                    <a:bodyPr/>
+                    <a:lstStyle/>
+                    <a:p>
+                      <a:r>
+                        <a:rPr lang="fr-FR" b="1" dirty="0" smtClean="0">
+                          <a:latin typeface="Times New Roman" charset="0"/>
+                          <a:ea typeface="Times New Roman" charset="0"/>
+                          <a:cs typeface="Times New Roman" charset="0"/>
+                        </a:rPr>
+                        <a:t>1</a:t>
+                      </a:r>
+                      <a:endParaRPr lang="fr-FR" b="1" dirty="0">
+                        <a:latin typeface="Times New Roman" charset="0"/>
+                        <a:ea typeface="Times New Roman" charset="0"/>
+                        <a:cs typeface="Times New Roman" charset="0"/>
+                      </a:endParaRPr>
+                    </a:p>
+                  </a:txBody>
+                  <a:tcPr>
+                    <a:lnT w="12700" cap="flat" cmpd="sng" algn="ctr">
+                      <a:solidFill>
+                        <a:schemeClr val="tx1"/>
+                      </a:solidFill>
+                      <a:prstDash val="solid"/>
+                      <a:round/>
+                      <a:headEnd type="none" w="med" len="med"/>
+                      <a:tailEnd type="none" w="med" len="med"/>
+                    </a:lnT>
+                  </a:tcPr>
+                </a:tc>
+              </a:tr>
+              <a:tr h="370712">
+                <a:tc>
+                  <a:txBody>
+                    <a:bodyPr/>
+                    <a:lstStyle/>
+                    <a:p>
+                      <a:r>
+                        <a:rPr lang="fr-FR" b="1" dirty="0" smtClean="0">
+                          <a:latin typeface="Times New Roman" charset="0"/>
+                          <a:ea typeface="Times New Roman" charset="0"/>
+                          <a:cs typeface="Times New Roman" charset="0"/>
+                        </a:rPr>
+                        <a:t>4</a:t>
+                      </a:r>
+                      <a:endParaRPr lang="fr-FR" b="1" dirty="0">
+                        <a:latin typeface="Times New Roman" charset="0"/>
+                        <a:ea typeface="Times New Roman" charset="0"/>
+                        <a:cs typeface="Times New Roman" charset="0"/>
+                      </a:endParaRPr>
+                    </a:p>
+                  </a:txBody>
+                  <a:tcPr/>
+                </a:tc>
+                <a:tc>
+                  <a:txBody>
+                    <a:bodyPr/>
+                    <a:lstStyle/>
+                    <a:p>
+                      <a:r>
+                        <a:rPr lang="fr-FR" b="1" dirty="0" smtClean="0">
+                          <a:latin typeface="Times New Roman" charset="0"/>
+                          <a:ea typeface="Times New Roman" charset="0"/>
+                          <a:cs typeface="Times New Roman" charset="0"/>
+                        </a:rPr>
+                        <a:t>3</a:t>
+                      </a:r>
+                      <a:endParaRPr lang="fr-FR" b="1" dirty="0">
+                        <a:latin typeface="Times New Roman" charset="0"/>
+                        <a:ea typeface="Times New Roman" charset="0"/>
+                        <a:cs typeface="Times New Roman" charset="0"/>
+                      </a:endParaRPr>
+                    </a:p>
+                  </a:txBody>
+                  <a:tcPr/>
+                </a:tc>
+              </a:tr>
+              <a:tr h="370712">
+                <a:tc>
+                  <a:txBody>
+                    <a:bodyPr/>
+                    <a:lstStyle/>
+                    <a:p>
+                      <a:r>
+                        <a:rPr lang="fr-FR" b="1" dirty="0" smtClean="0">
+                          <a:latin typeface="Times New Roman" charset="0"/>
+                          <a:ea typeface="Times New Roman" charset="0"/>
+                          <a:cs typeface="Times New Roman" charset="0"/>
+                        </a:rPr>
+                        <a:t>1</a:t>
+                      </a:r>
+                      <a:endParaRPr lang="fr-FR" b="1" dirty="0">
+                        <a:latin typeface="Times New Roman" charset="0"/>
+                        <a:ea typeface="Times New Roman" charset="0"/>
+                        <a:cs typeface="Times New Roman" charset="0"/>
+                      </a:endParaRPr>
+                    </a:p>
+                  </a:txBody>
+                  <a:tcPr/>
+                </a:tc>
+                <a:tc>
+                  <a:txBody>
+                    <a:bodyPr/>
+                    <a:lstStyle/>
+                    <a:p>
+                      <a:r>
+                        <a:rPr lang="fr-FR" b="1" dirty="0" smtClean="0">
+                          <a:latin typeface="Times New Roman" charset="0"/>
+                          <a:ea typeface="Times New Roman" charset="0"/>
+                          <a:cs typeface="Times New Roman" charset="0"/>
+                        </a:rPr>
+                        <a:t>2</a:t>
+                      </a:r>
+                      <a:endParaRPr lang="fr-FR" b="1" dirty="0">
+                        <a:latin typeface="Times New Roman" charset="0"/>
+                        <a:ea typeface="Times New Roman" charset="0"/>
+                        <a:cs typeface="Times New Roman" charset="0"/>
+                      </a:endParaRPr>
+                    </a:p>
+                  </a:txBody>
+                  <a:tcPr/>
+                </a:tc>
+              </a:tr>
+            </a:tbl>
+          </a:graphicData>
+        </a:graphic>
+      </p:graphicFrame>
+      <p:graphicFrame>
+        <p:nvGraphicFramePr>
+          <p:cNvPr id="74" name="Tableau 73"/>
+          <p:cNvGraphicFramePr>
+            <a:graphicFrameLocks noGrp="1"/>
+          </p:cNvGraphicFramePr>
+          <p:nvPr>
+            <p:extLst>
+              <p:ext uri="{D42A27DB-BD31-4B8C-83A1-F6EECF244321}">
+                <p14:modId xmlns:p14="http://schemas.microsoft.com/office/powerpoint/2010/main" val="524469554"/>
+              </p:ext>
+            </p:extLst>
+          </p:nvPr>
+        </p:nvGraphicFramePr>
+        <p:xfrm>
+          <a:off x="6189780" y="399393"/>
+          <a:ext cx="1800486" cy="1097280"/>
+        </p:xfrm>
+        <a:graphic>
+          <a:graphicData uri="http://schemas.openxmlformats.org/drawingml/2006/table">
+            <a:tbl>
+              <a:tblPr firstRow="1" bandRow="1">
+                <a:tableStyleId>{5940675A-B579-460E-94D1-54222C63F5DA}</a:tableStyleId>
+              </a:tblPr>
+              <a:tblGrid>
+                <a:gridCol w="360324"/>
+                <a:gridCol w="360324"/>
+                <a:gridCol w="360324"/>
+                <a:gridCol w="359757"/>
+                <a:gridCol w="359757"/>
+              </a:tblGrid>
+              <a:tr h="341330">
+                <a:tc>
+                  <a:txBody>
+                    <a:bodyPr/>
+                    <a:lstStyle/>
+                    <a:p>
+                      <a:endParaRPr lang="fr-FR" b="0" dirty="0">
+                        <a:latin typeface="Times New Roman" charset="0"/>
+                        <a:ea typeface="Times New Roman" charset="0"/>
+                        <a:cs typeface="Times New Roman" charset="0"/>
+                      </a:endParaRPr>
+                    </a:p>
+                  </a:txBody>
+                  <a:tcPr/>
+                </a:tc>
+                <a:tc>
+                  <a:txBody>
+                    <a:bodyPr/>
+                    <a:lstStyle/>
+                    <a:p>
+                      <a:r>
+                        <a:rPr lang="fr-FR" sz="1200" b="1" dirty="0" smtClean="0">
+                          <a:solidFill>
+                            <a:schemeClr val="tx1"/>
+                          </a:solidFill>
+                          <a:latin typeface="Times New Roman" charset="0"/>
+                          <a:ea typeface="Times New Roman" charset="0"/>
+                          <a:cs typeface="Times New Roman" charset="0"/>
+                        </a:rPr>
+                        <a:t>S1</a:t>
+                      </a:r>
+                      <a:endParaRPr lang="fr-FR" sz="1200" b="1" dirty="0">
+                        <a:solidFill>
+                          <a:schemeClr val="tx1"/>
+                        </a:solidFill>
+                        <a:latin typeface="Times New Roman" charset="0"/>
+                        <a:ea typeface="Times New Roman" charset="0"/>
+                        <a:cs typeface="Times New Roman" charset="0"/>
+                      </a:endParaRPr>
+                    </a:p>
+                  </a:txBody>
+                  <a:tcPr>
+                    <a:lnR w="12700" cap="flat" cmpd="sng" algn="ctr">
+                      <a:solidFill>
+                        <a:schemeClr val="tx1"/>
+                      </a:solidFill>
+                      <a:prstDash val="solid"/>
+                      <a:round/>
+                      <a:headEnd type="none" w="med" len="med"/>
+                      <a:tailEnd type="none" w="med" len="med"/>
+                    </a:lnR>
+                  </a:tcPr>
+                </a:tc>
+                <a:tc>
+                  <a:txBody>
+                    <a:bodyPr/>
+                    <a:lstStyle/>
+                    <a:p>
+                      <a:r>
+                        <a:rPr lang="fr-FR" sz="1200" b="1" dirty="0" smtClean="0">
+                          <a:solidFill>
+                            <a:schemeClr val="tx1"/>
+                          </a:solidFill>
+                          <a:latin typeface="Times New Roman" charset="0"/>
+                          <a:ea typeface="Times New Roman" charset="0"/>
+                          <a:cs typeface="Times New Roman" charset="0"/>
+                        </a:rPr>
+                        <a:t>S2</a:t>
+                      </a:r>
+                      <a:endParaRPr lang="fr-FR" sz="1200" b="1" dirty="0">
+                        <a:solidFill>
+                          <a:schemeClr val="tx1"/>
+                        </a:solidFill>
+                        <a:latin typeface="Times New Roman" charset="0"/>
+                        <a:ea typeface="Times New Roman" charset="0"/>
+                        <a:cs typeface="Times New Roman" charset="0"/>
+                      </a:endParaRPr>
+                    </a:p>
+                  </a:txBody>
+                  <a:tcPr>
+                    <a:lnL w="12700" cap="flat" cmpd="sng" algn="ctr">
+                      <a:solidFill>
+                        <a:schemeClr val="tx1"/>
+                      </a:solidFill>
+                      <a:prstDash val="solid"/>
+                      <a:round/>
+                      <a:headEnd type="none" w="med" len="med"/>
+                      <a:tailEnd type="none" w="med" len="med"/>
+                    </a:lnL>
+                  </a:tcPr>
+                </a:tc>
+                <a:tc>
+                  <a:txBody>
+                    <a:bodyPr/>
+                    <a:lstStyle/>
+                    <a:p>
+                      <a:r>
+                        <a:rPr lang="fr-FR" sz="1200" b="1" dirty="0" smtClean="0">
+                          <a:solidFill>
+                            <a:schemeClr val="tx1"/>
+                          </a:solidFill>
+                          <a:latin typeface="Times New Roman" charset="0"/>
+                          <a:ea typeface="Times New Roman" charset="0"/>
+                          <a:cs typeface="Times New Roman" charset="0"/>
+                        </a:rPr>
+                        <a:t>S3</a:t>
+                      </a:r>
+                      <a:endParaRPr lang="fr-FR" sz="1200" b="1" dirty="0">
+                        <a:solidFill>
+                          <a:schemeClr val="tx1"/>
+                        </a:solidFill>
+                        <a:latin typeface="Times New Roman" charset="0"/>
+                        <a:ea typeface="Times New Roman" charset="0"/>
+                        <a:cs typeface="Times New Roman" charset="0"/>
+                      </a:endParaRPr>
+                    </a:p>
+                  </a:txBody>
+                  <a:tcPr/>
+                </a:tc>
+                <a:tc>
+                  <a:txBody>
+                    <a:bodyPr/>
+                    <a:lstStyle/>
+                    <a:p>
+                      <a:r>
+                        <a:rPr lang="fr-FR" sz="1200" b="1" dirty="0" smtClean="0">
+                          <a:solidFill>
+                            <a:schemeClr val="tx1"/>
+                          </a:solidFill>
+                          <a:latin typeface="Times New Roman" charset="0"/>
+                          <a:ea typeface="Times New Roman" charset="0"/>
+                          <a:cs typeface="Times New Roman" charset="0"/>
+                        </a:rPr>
+                        <a:t>S4</a:t>
+                      </a:r>
+                      <a:endParaRPr lang="fr-FR" sz="1200" b="1" dirty="0">
+                        <a:solidFill>
+                          <a:schemeClr val="tx1"/>
+                        </a:solidFill>
+                        <a:latin typeface="Times New Roman" charset="0"/>
+                        <a:ea typeface="Times New Roman" charset="0"/>
+                        <a:cs typeface="Times New Roman" charset="0"/>
+                      </a:endParaRPr>
+                    </a:p>
+                  </a:txBody>
+                  <a:tcPr/>
+                </a:tc>
+              </a:tr>
+              <a:tr h="365486">
+                <a:tc>
+                  <a:txBody>
+                    <a:bodyPr/>
+                    <a:lstStyle/>
+                    <a:p>
+                      <a:r>
+                        <a:rPr lang="fr-FR" sz="1200" b="1" dirty="0" smtClean="0">
+                          <a:latin typeface="Times New Roman" charset="0"/>
+                          <a:ea typeface="Times New Roman" charset="0"/>
+                          <a:cs typeface="Times New Roman" charset="0"/>
+                        </a:rPr>
+                        <a:t>h1</a:t>
+                      </a:r>
+                      <a:endParaRPr lang="fr-FR" sz="1200" b="1" dirty="0">
+                        <a:latin typeface="Times New Roman" charset="0"/>
+                        <a:ea typeface="Times New Roman" charset="0"/>
+                        <a:cs typeface="Times New Roman" charset="0"/>
+                      </a:endParaRPr>
+                    </a:p>
+                  </a:txBody>
+                  <a:tcPr>
+                    <a:lnB w="12700" cap="flat" cmpd="sng" algn="ctr">
+                      <a:solidFill>
+                        <a:schemeClr val="tx1"/>
+                      </a:solidFill>
+                      <a:prstDash val="solid"/>
+                      <a:round/>
+                      <a:headEnd type="none" w="med" len="med"/>
+                      <a:tailEnd type="none" w="med" len="med"/>
+                    </a:lnB>
+                  </a:tcPr>
+                </a:tc>
+                <a:tc>
+                  <a:txBody>
+                    <a:bodyPr/>
+                    <a:lstStyle/>
+                    <a:p>
+                      <a:r>
+                        <a:rPr lang="fr-FR" b="1" dirty="0" smtClean="0">
+                          <a:latin typeface="Times New Roman" charset="0"/>
+                          <a:ea typeface="Times New Roman" charset="0"/>
+                          <a:cs typeface="Times New Roman" charset="0"/>
+                        </a:rPr>
+                        <a:t>2</a:t>
+                      </a:r>
+                      <a:endParaRPr lang="fr-FR" b="1" dirty="0">
+                        <a:latin typeface="Times New Roman" charset="0"/>
+                        <a:ea typeface="Times New Roman" charset="0"/>
+                        <a:cs typeface="Times New Roman" charset="0"/>
+                      </a:endParaRPr>
+                    </a:p>
+                  </a:txBody>
+                  <a:tcPr>
+                    <a:lnR w="12700" cap="flat" cmpd="sng" algn="ctr">
+                      <a:solidFill>
+                        <a:schemeClr val="tx1"/>
+                      </a:solidFill>
+                      <a:prstDash val="solid"/>
+                      <a:round/>
+                      <a:headEnd type="none" w="med" len="med"/>
+                      <a:tailEnd type="none" w="med" len="med"/>
+                    </a:lnR>
+                    <a:lnB w="12700" cap="flat" cmpd="sng" algn="ctr">
+                      <a:solidFill>
+                        <a:schemeClr val="tx1"/>
+                      </a:solidFill>
+                      <a:prstDash val="solid"/>
+                      <a:round/>
+                      <a:headEnd type="none" w="med" len="med"/>
+                      <a:tailEnd type="none" w="med" len="med"/>
+                    </a:lnB>
+                    <a:noFill/>
+                  </a:tcPr>
+                </a:tc>
+                <a:tc>
+                  <a:txBody>
+                    <a:bodyPr/>
+                    <a:lstStyle/>
+                    <a:p>
+                      <a:r>
+                        <a:rPr lang="fr-FR" b="0" dirty="0" smtClean="0">
+                          <a:latin typeface="Times New Roman" charset="0"/>
+                          <a:ea typeface="Times New Roman" charset="0"/>
+                          <a:cs typeface="Times New Roman" charset="0"/>
+                        </a:rPr>
+                        <a:t>3</a:t>
+                      </a:r>
+                      <a:endParaRPr lang="fr-FR" b="0" dirty="0">
+                        <a:latin typeface="Times New Roman" charset="0"/>
+                        <a:ea typeface="Times New Roman" charset="0"/>
+                        <a:cs typeface="Times New Roman" charset="0"/>
+                      </a:endParaRPr>
+                    </a:p>
+                  </a:txBody>
+                  <a:tcPr>
+                    <a:lnL w="12700" cap="flat" cmpd="sng" algn="ctr">
+                      <a:solidFill>
+                        <a:schemeClr val="tx1"/>
+                      </a:solidFill>
+                      <a:prstDash val="solid"/>
+                      <a:round/>
+                      <a:headEnd type="none" w="med" len="med"/>
+                      <a:tailEnd type="none" w="med" len="med"/>
+                    </a:lnL>
+                    <a:lnB w="12700" cap="flat" cmpd="sng" algn="ctr">
+                      <a:solidFill>
+                        <a:schemeClr val="tx1"/>
+                      </a:solidFill>
+                      <a:prstDash val="solid"/>
+                      <a:round/>
+                      <a:headEnd type="none" w="med" len="med"/>
+                      <a:tailEnd type="none" w="med" len="med"/>
+                    </a:lnB>
+                  </a:tcPr>
+                </a:tc>
+                <a:tc>
+                  <a:txBody>
+                    <a:bodyPr/>
+                    <a:lstStyle/>
+                    <a:p>
+                      <a:r>
+                        <a:rPr lang="fr-FR" b="0" dirty="0" smtClean="0">
+                          <a:latin typeface="Times New Roman" charset="0"/>
+                          <a:ea typeface="Times New Roman" charset="0"/>
+                          <a:cs typeface="Times New Roman" charset="0"/>
+                        </a:rPr>
+                        <a:t>4</a:t>
+                      </a:r>
+                      <a:endParaRPr lang="fr-FR" b="0" dirty="0">
+                        <a:latin typeface="Times New Roman" charset="0"/>
+                        <a:ea typeface="Times New Roman" charset="0"/>
+                        <a:cs typeface="Times New Roman" charset="0"/>
+                      </a:endParaRPr>
+                    </a:p>
+                  </a:txBody>
+                  <a:tcPr>
+                    <a:lnB w="12700" cap="flat" cmpd="sng" algn="ctr">
+                      <a:solidFill>
+                        <a:schemeClr val="tx1"/>
+                      </a:solidFill>
+                      <a:prstDash val="solid"/>
+                      <a:round/>
+                      <a:headEnd type="none" w="med" len="med"/>
+                      <a:tailEnd type="none" w="med" len="med"/>
+                    </a:lnB>
+                  </a:tcPr>
+                </a:tc>
+                <a:tc>
+                  <a:txBody>
+                    <a:bodyPr/>
+                    <a:lstStyle/>
+                    <a:p>
+                      <a:r>
+                        <a:rPr lang="fr-FR" b="1" dirty="0" smtClean="0">
+                          <a:latin typeface="Times New Roman" charset="0"/>
+                          <a:ea typeface="Times New Roman" charset="0"/>
+                          <a:cs typeface="Times New Roman" charset="0"/>
+                        </a:rPr>
+                        <a:t>2</a:t>
+                      </a:r>
+                      <a:endParaRPr lang="fr-FR" b="1" dirty="0">
+                        <a:latin typeface="Times New Roman" charset="0"/>
+                        <a:ea typeface="Times New Roman" charset="0"/>
+                        <a:cs typeface="Times New Roman" charset="0"/>
+                      </a:endParaRPr>
+                    </a:p>
+                  </a:txBody>
+                  <a:tcPr>
+                    <a:lnB w="12700" cap="flat" cmpd="sng" algn="ctr">
+                      <a:solidFill>
+                        <a:schemeClr val="tx1"/>
+                      </a:solidFill>
+                      <a:prstDash val="solid"/>
+                      <a:round/>
+                      <a:headEnd type="none" w="med" len="med"/>
+                      <a:tailEnd type="none" w="med" len="med"/>
+                    </a:lnB>
+                    <a:noFill/>
+                  </a:tcPr>
+                </a:tc>
+              </a:tr>
+              <a:tr h="365486">
+                <a:tc>
+                  <a:txBody>
+                    <a:bodyPr/>
+                    <a:lstStyle/>
+                    <a:p>
+                      <a:r>
+                        <a:rPr lang="fr-FR" sz="1200" b="1" dirty="0" smtClean="0">
+                          <a:latin typeface="Times New Roman" charset="0"/>
+                          <a:ea typeface="Times New Roman" charset="0"/>
+                          <a:cs typeface="Times New Roman" charset="0"/>
+                        </a:rPr>
+                        <a:t>h2</a:t>
+                      </a:r>
+                      <a:endParaRPr lang="fr-FR" sz="1200" b="1" dirty="0">
+                        <a:latin typeface="Times New Roman" charset="0"/>
+                        <a:ea typeface="Times New Roman" charset="0"/>
+                        <a:cs typeface="Times New Roman" charset="0"/>
+                      </a:endParaRPr>
+                    </a:p>
+                  </a:txBody>
+                  <a:tcPr>
+                    <a:lnT w="12700" cap="flat" cmpd="sng" algn="ctr">
+                      <a:solidFill>
+                        <a:schemeClr val="tx1"/>
+                      </a:solidFill>
+                      <a:prstDash val="solid"/>
+                      <a:round/>
+                      <a:headEnd type="none" w="med" len="med"/>
+                      <a:tailEnd type="none" w="med" len="med"/>
+                    </a:lnT>
+                  </a:tcPr>
+                </a:tc>
+                <a:tc>
+                  <a:txBody>
+                    <a:bodyPr/>
+                    <a:lstStyle/>
+                    <a:p>
+                      <a:r>
+                        <a:rPr lang="fr-FR" b="1" dirty="0" smtClean="0">
+                          <a:latin typeface="Times New Roman" charset="0"/>
+                          <a:ea typeface="Times New Roman" charset="0"/>
+                          <a:cs typeface="Times New Roman" charset="0"/>
+                        </a:rPr>
+                        <a:t>2</a:t>
+                      </a:r>
+                      <a:endParaRPr lang="fr-FR" b="1" dirty="0">
+                        <a:latin typeface="Times New Roman" charset="0"/>
+                        <a:ea typeface="Times New Roman" charset="0"/>
+                        <a:cs typeface="Times New Roman" charset="0"/>
+                      </a:endParaRPr>
+                    </a:p>
+                  </a:txBody>
+                  <a:tcPr>
+                    <a:lnR w="12700" cap="flat" cmpd="sng" algn="ctr">
+                      <a:solidFill>
+                        <a:schemeClr val="tx1"/>
+                      </a:solidFill>
+                      <a:prstDash val="solid"/>
+                      <a:round/>
+                      <a:headEnd type="none" w="med" len="med"/>
+                      <a:tailEnd type="none" w="med" len="med"/>
+                    </a:lnR>
+                    <a:lnT w="12700" cap="flat" cmpd="sng" algn="ctr">
+                      <a:solidFill>
+                        <a:schemeClr val="tx1"/>
+                      </a:solidFill>
+                      <a:prstDash val="solid"/>
+                      <a:round/>
+                      <a:headEnd type="none" w="med" len="med"/>
+                      <a:tailEnd type="none" w="med" len="med"/>
+                    </a:lnT>
+                    <a:noFill/>
+                  </a:tcPr>
+                </a:tc>
+                <a:tc>
+                  <a:txBody>
+                    <a:bodyPr/>
+                    <a:lstStyle/>
+                    <a:p>
+                      <a:r>
+                        <a:rPr lang="fr-FR" b="0" dirty="0" smtClean="0">
+                          <a:latin typeface="Times New Roman" charset="0"/>
+                          <a:ea typeface="Times New Roman" charset="0"/>
+                          <a:cs typeface="Times New Roman" charset="0"/>
+                        </a:rPr>
+                        <a:t>1</a:t>
+                      </a:r>
+                      <a:endParaRPr lang="fr-FR" b="0" dirty="0">
+                        <a:latin typeface="Times New Roman" charset="0"/>
+                        <a:ea typeface="Times New Roman" charset="0"/>
+                        <a:cs typeface="Times New Roman" charset="0"/>
+                      </a:endParaRPr>
+                    </a:p>
+                  </a:txBody>
+                  <a:tcPr>
+                    <a:lnL w="12700" cap="flat" cmpd="sng" algn="ctr">
+                      <a:solidFill>
+                        <a:schemeClr val="tx1"/>
+                      </a:solidFill>
+                      <a:prstDash val="solid"/>
+                      <a:round/>
+                      <a:headEnd type="none" w="med" len="med"/>
+                      <a:tailEnd type="none" w="med" len="med"/>
+                    </a:lnL>
+                    <a:lnT w="12700" cap="flat" cmpd="sng" algn="ctr">
+                      <a:solidFill>
+                        <a:schemeClr val="tx1"/>
+                      </a:solidFill>
+                      <a:prstDash val="solid"/>
+                      <a:round/>
+                      <a:headEnd type="none" w="med" len="med"/>
+                      <a:tailEnd type="none" w="med" len="med"/>
+                    </a:lnT>
+                  </a:tcPr>
+                </a:tc>
+                <a:tc>
+                  <a:txBody>
+                    <a:bodyPr/>
+                    <a:lstStyle/>
+                    <a:p>
+                      <a:r>
+                        <a:rPr lang="fr-FR" b="0" dirty="0" smtClean="0">
+                          <a:latin typeface="Times New Roman" charset="0"/>
+                          <a:ea typeface="Times New Roman" charset="0"/>
+                          <a:cs typeface="Times New Roman" charset="0"/>
+                        </a:rPr>
+                        <a:t>3</a:t>
+                      </a:r>
+                      <a:endParaRPr lang="fr-FR" b="0" dirty="0">
+                        <a:latin typeface="Times New Roman" charset="0"/>
+                        <a:ea typeface="Times New Roman" charset="0"/>
+                        <a:cs typeface="Times New Roman" charset="0"/>
+                      </a:endParaRPr>
+                    </a:p>
+                  </a:txBody>
+                  <a:tcPr>
+                    <a:lnT w="12700" cap="flat" cmpd="sng" algn="ctr">
+                      <a:solidFill>
+                        <a:schemeClr val="tx1"/>
+                      </a:solidFill>
+                      <a:prstDash val="solid"/>
+                      <a:round/>
+                      <a:headEnd type="none" w="med" len="med"/>
+                      <a:tailEnd type="none" w="med" len="med"/>
+                    </a:lnT>
+                  </a:tcPr>
+                </a:tc>
+                <a:tc>
+                  <a:txBody>
+                    <a:bodyPr/>
+                    <a:lstStyle/>
+                    <a:p>
+                      <a:r>
+                        <a:rPr lang="fr-FR" b="1" dirty="0" smtClean="0">
+                          <a:latin typeface="Times New Roman" charset="0"/>
+                          <a:ea typeface="Times New Roman" charset="0"/>
+                          <a:cs typeface="Times New Roman" charset="0"/>
+                        </a:rPr>
+                        <a:t>2</a:t>
+                      </a:r>
+                      <a:endParaRPr lang="fr-FR" b="1" dirty="0">
+                        <a:latin typeface="Times New Roman" charset="0"/>
+                        <a:ea typeface="Times New Roman" charset="0"/>
+                        <a:cs typeface="Times New Roman" charset="0"/>
+                      </a:endParaRPr>
+                    </a:p>
+                  </a:txBody>
+                  <a:tcPr>
+                    <a:lnT w="12700" cap="flat" cmpd="sng" algn="ctr">
+                      <a:solidFill>
+                        <a:schemeClr val="tx1"/>
+                      </a:solidFill>
+                      <a:prstDash val="solid"/>
+                      <a:round/>
+                      <a:headEnd type="none" w="med" len="med"/>
+                      <a:tailEnd type="none" w="med" len="med"/>
+                    </a:lnT>
+                    <a:noFill/>
+                  </a:tcPr>
+                </a:tc>
+              </a:tr>
+            </a:tbl>
+          </a:graphicData>
+        </a:graphic>
+      </p:graphicFrame>
+      <p:sp>
+        <p:nvSpPr>
+          <p:cNvPr id="91" name="ZoneTexte 90"/>
+          <p:cNvSpPr txBox="1"/>
+          <p:nvPr/>
+        </p:nvSpPr>
+        <p:spPr>
+          <a:xfrm>
+            <a:off x="3153101" y="2238707"/>
+            <a:ext cx="2062430" cy="307777"/>
+          </a:xfrm>
+          <a:prstGeom prst="rect">
+            <a:avLst/>
+          </a:prstGeom>
+          <a:noFill/>
+        </p:spPr>
+        <p:txBody>
+          <a:bodyPr wrap="square" rtlCol="0">
+            <a:spAutoFit/>
+          </a:bodyPr>
+          <a:lstStyle/>
+          <a:p>
+            <a:pPr algn="ctr"/>
+            <a:r>
+              <a:rPr lang="fr-FR" sz="1400" dirty="0" smtClean="0">
+                <a:latin typeface="Times New Roman" charset="0"/>
+                <a:ea typeface="Times New Roman" charset="0"/>
+                <a:cs typeface="Times New Roman" charset="0"/>
+              </a:rPr>
+              <a:t>Matrice Caractéristique</a:t>
+            </a:r>
+            <a:endParaRPr lang="fr-FR" sz="1400" dirty="0">
+              <a:latin typeface="Times New Roman" charset="0"/>
+              <a:ea typeface="Times New Roman" charset="0"/>
+              <a:cs typeface="Times New Roman" charset="0"/>
+            </a:endParaRPr>
+          </a:p>
+        </p:txBody>
+      </p:sp>
+      <p:sp>
+        <p:nvSpPr>
+          <p:cNvPr id="92" name="ZoneTexte 91"/>
+          <p:cNvSpPr txBox="1"/>
+          <p:nvPr/>
+        </p:nvSpPr>
+        <p:spPr>
+          <a:xfrm>
+            <a:off x="6058808" y="1496673"/>
+            <a:ext cx="2062430" cy="307777"/>
+          </a:xfrm>
+          <a:prstGeom prst="rect">
+            <a:avLst/>
+          </a:prstGeom>
+          <a:noFill/>
+        </p:spPr>
+        <p:txBody>
+          <a:bodyPr wrap="square" rtlCol="0">
+            <a:spAutoFit/>
+          </a:bodyPr>
+          <a:lstStyle/>
+          <a:p>
+            <a:pPr algn="ctr"/>
+            <a:r>
+              <a:rPr lang="fr-FR" sz="1400" dirty="0" smtClean="0">
+                <a:latin typeface="Times New Roman" charset="0"/>
+                <a:ea typeface="Times New Roman" charset="0"/>
+                <a:cs typeface="Times New Roman" charset="0"/>
+              </a:rPr>
+              <a:t>Matrice des Signatures</a:t>
+            </a:r>
+            <a:endParaRPr lang="fr-FR" sz="1400" dirty="0">
+              <a:latin typeface="Times New Roman" charset="0"/>
+              <a:ea typeface="Times New Roman" charset="0"/>
+              <a:cs typeface="Times New Roman" charset="0"/>
+            </a:endParaRPr>
+          </a:p>
+        </p:txBody>
+      </p:sp>
+    </p:spTree>
+    <p:extLst>
+      <p:ext uri="{BB962C8B-B14F-4D97-AF65-F5344CB8AC3E}">
+        <p14:creationId xmlns:p14="http://schemas.microsoft.com/office/powerpoint/2010/main" val="1809403682"/>
+      </p:ext>
+    </p:extLst>
+  </p:cSld>
+  <p:clrMapOvr>
+    <a:masterClrMapping/>
+  </p:clrMapOvr>
+</p:sld>
+</file>
+
 <file path=ppt/theme/theme1.xml><?xml version="1.0" encoding="utf-8"?>
 <a:theme xmlns:a="http://schemas.openxmlformats.org/drawingml/2006/main" name="Thème Office">
   <a:themeElements>

--- a/ressources/psd/Présentation1.pptx
+++ b/ressources/psd/Présentation1.pptx
@@ -244,7 +244,7 @@
           <a:p>
             <a:fld id="{5A886BED-0F7D-664D-B329-5122EAE773E5}" type="datetimeFigureOut">
               <a:rPr lang="fr-FR" smtClean="0"/>
-              <a:t>27/03/2019</a:t>
+              <a:t>01/04/2019</a:t>
             </a:fld>
             <a:endParaRPr lang="fr-FR"/>
           </a:p>
@@ -414,7 +414,7 @@
           <a:p>
             <a:fld id="{5A886BED-0F7D-664D-B329-5122EAE773E5}" type="datetimeFigureOut">
               <a:rPr lang="fr-FR" smtClean="0"/>
-              <a:t>27/03/2019</a:t>
+              <a:t>01/04/2019</a:t>
             </a:fld>
             <a:endParaRPr lang="fr-FR"/>
           </a:p>
@@ -594,7 +594,7 @@
           <a:p>
             <a:fld id="{5A886BED-0F7D-664D-B329-5122EAE773E5}" type="datetimeFigureOut">
               <a:rPr lang="fr-FR" smtClean="0"/>
-              <a:t>27/03/2019</a:t>
+              <a:t>01/04/2019</a:t>
             </a:fld>
             <a:endParaRPr lang="fr-FR"/>
           </a:p>
@@ -764,7 +764,7 @@
           <a:p>
             <a:fld id="{5A886BED-0F7D-664D-B329-5122EAE773E5}" type="datetimeFigureOut">
               <a:rPr lang="fr-FR" smtClean="0"/>
-              <a:t>27/03/2019</a:t>
+              <a:t>01/04/2019</a:t>
             </a:fld>
             <a:endParaRPr lang="fr-FR"/>
           </a:p>
@@ -1010,7 +1010,7 @@
           <a:p>
             <a:fld id="{5A886BED-0F7D-664D-B329-5122EAE773E5}" type="datetimeFigureOut">
               <a:rPr lang="fr-FR" smtClean="0"/>
-              <a:t>27/03/2019</a:t>
+              <a:t>01/04/2019</a:t>
             </a:fld>
             <a:endParaRPr lang="fr-FR"/>
           </a:p>
@@ -1242,7 +1242,7 @@
           <a:p>
             <a:fld id="{5A886BED-0F7D-664D-B329-5122EAE773E5}" type="datetimeFigureOut">
               <a:rPr lang="fr-FR" smtClean="0"/>
-              <a:t>27/03/2019</a:t>
+              <a:t>01/04/2019</a:t>
             </a:fld>
             <a:endParaRPr lang="fr-FR"/>
           </a:p>
@@ -1609,7 +1609,7 @@
           <a:p>
             <a:fld id="{5A886BED-0F7D-664D-B329-5122EAE773E5}" type="datetimeFigureOut">
               <a:rPr lang="fr-FR" smtClean="0"/>
-              <a:t>27/03/2019</a:t>
+              <a:t>01/04/2019</a:t>
             </a:fld>
             <a:endParaRPr lang="fr-FR"/>
           </a:p>
@@ -1727,7 +1727,7 @@
           <a:p>
             <a:fld id="{5A886BED-0F7D-664D-B329-5122EAE773E5}" type="datetimeFigureOut">
               <a:rPr lang="fr-FR" smtClean="0"/>
-              <a:t>27/03/2019</a:t>
+              <a:t>01/04/2019</a:t>
             </a:fld>
             <a:endParaRPr lang="fr-FR"/>
           </a:p>
@@ -1822,7 +1822,7 @@
           <a:p>
             <a:fld id="{5A886BED-0F7D-664D-B329-5122EAE773E5}" type="datetimeFigureOut">
               <a:rPr lang="fr-FR" smtClean="0"/>
-              <a:t>27/03/2019</a:t>
+              <a:t>01/04/2019</a:t>
             </a:fld>
             <a:endParaRPr lang="fr-FR"/>
           </a:p>
@@ -2099,7 +2099,7 @@
           <a:p>
             <a:fld id="{5A886BED-0F7D-664D-B329-5122EAE773E5}" type="datetimeFigureOut">
               <a:rPr lang="fr-FR" smtClean="0"/>
-              <a:t>27/03/2019</a:t>
+              <a:t>01/04/2019</a:t>
             </a:fld>
             <a:endParaRPr lang="fr-FR"/>
           </a:p>
@@ -2352,7 +2352,7 @@
           <a:p>
             <a:fld id="{5A886BED-0F7D-664D-B329-5122EAE773E5}" type="datetimeFigureOut">
               <a:rPr lang="fr-FR" smtClean="0"/>
-              <a:t>27/03/2019</a:t>
+              <a:t>01/04/2019</a:t>
             </a:fld>
             <a:endParaRPr lang="fr-FR"/>
           </a:p>
@@ -2565,7 +2565,7 @@
           <a:p>
             <a:fld id="{5A886BED-0F7D-664D-B329-5122EAE773E5}" type="datetimeFigureOut">
               <a:rPr lang="fr-FR" smtClean="0"/>
-              <a:t>27/03/2019</a:t>
+              <a:t>01/04/2019</a:t>
             </a:fld>
             <a:endParaRPr lang="fr-FR"/>
           </a:p>
@@ -6258,19 +6258,6 @@
               </a:rPr>
               <a:t>2</a:t>
             </a:r>
-            <a:endParaRPr lang="fr-FR" dirty="0">
-              <a:ln>
-                <a:solidFill>
-                  <a:sysClr val="windowText" lastClr="000000"/>
-                </a:solidFill>
-              </a:ln>
-              <a:solidFill>
-                <a:schemeClr val="tx1"/>
-              </a:solidFill>
-              <a:latin typeface="Times New Roman" charset="0"/>
-              <a:ea typeface="Times New Roman" charset="0"/>
-              <a:cs typeface="Times New Roman" charset="0"/>
-            </a:endParaRPr>
           </a:p>
         </p:txBody>
       </p:sp>
@@ -6406,19 +6393,6 @@
               </a:rPr>
               <a:t>3</a:t>
             </a:r>
-            <a:endParaRPr lang="fr-FR" dirty="0">
-              <a:ln>
-                <a:solidFill>
-                  <a:sysClr val="windowText" lastClr="000000"/>
-                </a:solidFill>
-              </a:ln>
-              <a:solidFill>
-                <a:schemeClr val="tx1"/>
-              </a:solidFill>
-              <a:latin typeface="Times New Roman" charset="0"/>
-              <a:ea typeface="Times New Roman" charset="0"/>
-              <a:cs typeface="Times New Roman" charset="0"/>
-            </a:endParaRPr>
           </a:p>
         </p:txBody>
       </p:sp>
@@ -6480,19 +6454,6 @@
               </a:rPr>
               <a:t>4</a:t>
             </a:r>
-            <a:endParaRPr lang="fr-FR" dirty="0">
-              <a:ln>
-                <a:solidFill>
-                  <a:sysClr val="windowText" lastClr="000000"/>
-                </a:solidFill>
-              </a:ln>
-              <a:solidFill>
-                <a:schemeClr val="tx1"/>
-              </a:solidFill>
-              <a:latin typeface="Times New Roman" charset="0"/>
-              <a:ea typeface="Times New Roman" charset="0"/>
-              <a:cs typeface="Times New Roman" charset="0"/>
-            </a:endParaRPr>
           </a:p>
         </p:txBody>
       </p:sp>
@@ -7092,13 +7053,13 @@
           <p:nvPr>
             <p:extLst>
               <p:ext uri="{D42A27DB-BD31-4B8C-83A1-F6EECF244321}">
-                <p14:modId xmlns:p14="http://schemas.microsoft.com/office/powerpoint/2010/main" val="1287079691"/>
+                <p14:modId xmlns:p14="http://schemas.microsoft.com/office/powerpoint/2010/main" val="1381317964"/>
               </p:ext>
             </p:extLst>
           </p:nvPr>
         </p:nvGraphicFramePr>
         <p:xfrm>
-          <a:off x="3299435" y="399393"/>
+          <a:off x="505516" y="3113433"/>
           <a:ext cx="1800486" cy="1828800"/>
         </p:xfrm>
         <a:graphic>
@@ -7527,7 +7488,7 @@
                           <a:ea typeface="Times New Roman" charset="0"/>
                           <a:cs typeface="Times New Roman" charset="0"/>
                         </a:rPr>
-                        <a:t>1</a:t>
+                        <a:t>0</a:t>
                       </a:r>
                       <a:endParaRPr lang="fr-FR" b="0" dirty="0">
                         <a:latin typeface="Times New Roman" charset="0"/>
@@ -7568,39 +7529,39 @@
                           <a:ea typeface="Times New Roman" charset="0"/>
                           <a:cs typeface="Times New Roman" charset="0"/>
                         </a:rPr>
+                        <a:t>1</a:t>
+                      </a:r>
+                      <a:endParaRPr lang="fr-FR" b="0" dirty="0">
+                        <a:latin typeface="Times New Roman" charset="0"/>
+                        <a:ea typeface="Times New Roman" charset="0"/>
+                        <a:cs typeface="Times New Roman" charset="0"/>
+                      </a:endParaRPr>
+                    </a:p>
+                  </a:txBody>
+                  <a:tcPr>
+                    <a:lnT w="12700" cap="flat" cmpd="sng" algn="ctr">
+                      <a:solidFill>
+                        <a:schemeClr val="tx1"/>
+                      </a:solidFill>
+                      <a:prstDash val="solid"/>
+                      <a:round/>
+                      <a:headEnd type="none" w="med" len="med"/>
+                      <a:tailEnd type="none" w="med" len="med"/>
+                    </a:lnT>
+                  </a:tcPr>
+                </a:tc>
+                <a:tc>
+                  <a:txBody>
+                    <a:bodyPr/>
+                    <a:lstStyle/>
+                    <a:p>
+                      <a:r>
+                        <a:rPr lang="fr-FR" b="0" dirty="0" smtClean="0">
+                          <a:latin typeface="Times New Roman" charset="0"/>
+                          <a:ea typeface="Times New Roman" charset="0"/>
+                          <a:cs typeface="Times New Roman" charset="0"/>
+                        </a:rPr>
                         <a:t>0</a:t>
-                      </a:r>
-                      <a:endParaRPr lang="fr-FR" b="0" dirty="0">
-                        <a:latin typeface="Times New Roman" charset="0"/>
-                        <a:ea typeface="Times New Roman" charset="0"/>
-                        <a:cs typeface="Times New Roman" charset="0"/>
-                      </a:endParaRPr>
-                    </a:p>
-                  </a:txBody>
-                  <a:tcPr>
-                    <a:lnT w="12700" cap="flat" cmpd="sng" algn="ctr">
-                      <a:solidFill>
-                        <a:schemeClr val="tx1"/>
-                      </a:solidFill>
-                      <a:prstDash val="solid"/>
-                      <a:round/>
-                      <a:headEnd type="none" w="med" len="med"/>
-                      <a:tailEnd type="none" w="med" len="med"/>
-                    </a:lnT>
-                  </a:tcPr>
-                </a:tc>
-                <a:tc>
-                  <a:txBody>
-                    <a:bodyPr/>
-                    <a:lstStyle/>
-                    <a:p>
-                      <a:r>
-                        <a:rPr lang="fr-FR" b="0" dirty="0" smtClean="0">
-                          <a:latin typeface="Times New Roman" charset="0"/>
-                          <a:ea typeface="Times New Roman" charset="0"/>
-                          <a:cs typeface="Times New Roman" charset="0"/>
-                        </a:rPr>
-                        <a:t>1</a:t>
                       </a:r>
                       <a:endParaRPr lang="fr-FR" b="0" dirty="0">
                         <a:latin typeface="Times New Roman" charset="0"/>
@@ -7688,39 +7649,39 @@
                           <a:ea typeface="Times New Roman" charset="0"/>
                           <a:cs typeface="Times New Roman" charset="0"/>
                         </a:rPr>
+                        <a:t>1</a:t>
+                      </a:r>
+                      <a:endParaRPr lang="fr-FR" b="0" dirty="0">
+                        <a:latin typeface="Times New Roman" charset="0"/>
+                        <a:ea typeface="Times New Roman" charset="0"/>
+                        <a:cs typeface="Times New Roman" charset="0"/>
+                      </a:endParaRPr>
+                    </a:p>
+                  </a:txBody>
+                  <a:tcPr>
+                    <a:lnL w="12700" cap="flat" cmpd="sng" algn="ctr">
+                      <a:solidFill>
+                        <a:schemeClr val="tx1"/>
+                      </a:solidFill>
+                      <a:prstDash val="solid"/>
+                      <a:round/>
+                      <a:headEnd type="none" w="med" len="med"/>
+                      <a:tailEnd type="none" w="med" len="med"/>
+                    </a:lnL>
+                  </a:tcPr>
+                </a:tc>
+                <a:tc>
+                  <a:txBody>
+                    <a:bodyPr/>
+                    <a:lstStyle/>
+                    <a:p>
+                      <a:r>
+                        <a:rPr lang="fr-FR" b="0" dirty="0" smtClean="0">
+                          <a:latin typeface="Times New Roman" charset="0"/>
+                          <a:ea typeface="Times New Roman" charset="0"/>
+                          <a:cs typeface="Times New Roman" charset="0"/>
+                        </a:rPr>
                         <a:t>0</a:t>
-                      </a:r>
-                      <a:endParaRPr lang="fr-FR" b="0" dirty="0">
-                        <a:latin typeface="Times New Roman" charset="0"/>
-                        <a:ea typeface="Times New Roman" charset="0"/>
-                        <a:cs typeface="Times New Roman" charset="0"/>
-                      </a:endParaRPr>
-                    </a:p>
-                  </a:txBody>
-                  <a:tcPr>
-                    <a:lnL w="12700" cap="flat" cmpd="sng" algn="ctr">
-                      <a:solidFill>
-                        <a:schemeClr val="tx1"/>
-                      </a:solidFill>
-                      <a:prstDash val="solid"/>
-                      <a:round/>
-                      <a:headEnd type="none" w="med" len="med"/>
-                      <a:tailEnd type="none" w="med" len="med"/>
-                    </a:lnL>
-                  </a:tcPr>
-                </a:tc>
-                <a:tc>
-                  <a:txBody>
-                    <a:bodyPr/>
-                    <a:lstStyle/>
-                    <a:p>
-                      <a:r>
-                        <a:rPr lang="fr-FR" b="0" dirty="0" smtClean="0">
-                          <a:latin typeface="Times New Roman" charset="0"/>
-                          <a:ea typeface="Times New Roman" charset="0"/>
-                          <a:cs typeface="Times New Roman" charset="0"/>
-                        </a:rPr>
-                        <a:t>1</a:t>
                       </a:r>
                       <a:endParaRPr lang="fr-FR" b="0" dirty="0">
                         <a:latin typeface="Times New Roman" charset="0"/>
@@ -7899,13 +7860,13 @@
           <p:nvPr>
             <p:extLst>
               <p:ext uri="{D42A27DB-BD31-4B8C-83A1-F6EECF244321}">
-                <p14:modId xmlns:p14="http://schemas.microsoft.com/office/powerpoint/2010/main" val="1093118870"/>
+                <p14:modId xmlns:p14="http://schemas.microsoft.com/office/powerpoint/2010/main" val="1512796878"/>
               </p:ext>
             </p:extLst>
           </p:nvPr>
         </p:nvGraphicFramePr>
         <p:xfrm>
-          <a:off x="5131451" y="400929"/>
+          <a:off x="2337532" y="3114969"/>
           <a:ext cx="719514" cy="1828799"/>
         </p:xfrm>
         <a:graphic>
@@ -8213,14 +8174,14 @@
           <p:nvPr>
             <p:extLst>
               <p:ext uri="{D42A27DB-BD31-4B8C-83A1-F6EECF244321}">
-                <p14:modId xmlns:p14="http://schemas.microsoft.com/office/powerpoint/2010/main" val="524469554"/>
+                <p14:modId xmlns:p14="http://schemas.microsoft.com/office/powerpoint/2010/main" val="943076225"/>
               </p:ext>
             </p:extLst>
           </p:nvPr>
         </p:nvGraphicFramePr>
         <p:xfrm>
-          <a:off x="6189780" y="399393"/>
-          <a:ext cx="1800486" cy="1097280"/>
+          <a:off x="3363824" y="736307"/>
+          <a:ext cx="3269192" cy="4205926"/>
         </p:xfrm>
         <a:graphic>
           <a:graphicData uri="http://schemas.openxmlformats.org/drawingml/2006/table">
@@ -8229,18 +8190,20 @@
                 <a:tableStyleId>{5940675A-B579-460E-94D1-54222C63F5DA}</a:tableStyleId>
               </a:tblPr>
               <a:tblGrid>
-                <a:gridCol w="360324"/>
-                <a:gridCol w="360324"/>
-                <a:gridCol w="360324"/>
-                <a:gridCol w="359757"/>
-                <a:gridCol w="359757"/>
+                <a:gridCol w="1060690"/>
+                <a:gridCol w="432254"/>
+                <a:gridCol w="440020"/>
+                <a:gridCol w="442849"/>
+                <a:gridCol w="451944"/>
+                <a:gridCol w="441435"/>
               </a:tblGrid>
-              <a:tr h="341330">
-                <a:tc>
-                  <a:txBody>
-                    <a:bodyPr/>
-                    <a:lstStyle/>
-                    <a:p>
+              <a:tr h="365635">
+                <a:tc>
+                  <a:txBody>
+                    <a:bodyPr/>
+                    <a:lstStyle/>
+                    <a:p>
+                      <a:pPr algn="ctr"/>
                       <a:endParaRPr lang="fr-FR" b="0" dirty="0">
                         <a:latin typeface="Times New Roman" charset="0"/>
                         <a:ea typeface="Times New Roman" charset="0"/>
@@ -8248,7 +8211,81 @@
                       </a:endParaRPr>
                     </a:p>
                   </a:txBody>
-                  <a:tcPr/>
+                  <a:tcPr>
+                    <a:lnL w="12700" cmpd="sng">
+                      <a:noFill/>
+                    </a:lnL>
+                    <a:lnR w="12700" cmpd="sng">
+                      <a:noFill/>
+                    </a:lnR>
+                    <a:lnT w="12700" cmpd="sng">
+                      <a:noFill/>
+                    </a:lnT>
+                    <a:lnB w="12700" cap="flat" cmpd="sng" algn="ctr">
+                      <a:solidFill>
+                        <a:schemeClr val="tx1"/>
+                      </a:solidFill>
+                      <a:prstDash val="solid"/>
+                      <a:round/>
+                      <a:headEnd type="none" w="med" len="med"/>
+                      <a:tailEnd type="none" w="med" len="med"/>
+                    </a:lnB>
+                    <a:lnTlToBr w="12700" cmpd="sng">
+                      <a:noFill/>
+                      <a:prstDash val="solid"/>
+                    </a:lnTlToBr>
+                    <a:lnBlToTr w="12700" cmpd="sng">
+                      <a:noFill/>
+                      <a:prstDash val="solid"/>
+                    </a:lnBlToTr>
+                  </a:tcPr>
+                </a:tc>
+                <a:tc>
+                  <a:txBody>
+                    <a:bodyPr/>
+                    <a:lstStyle/>
+                    <a:p>
+                      <a:endParaRPr lang="fr-FR" b="0" dirty="0">
+                        <a:latin typeface="Times New Roman" charset="0"/>
+                        <a:ea typeface="Times New Roman" charset="0"/>
+                        <a:cs typeface="Times New Roman" charset="0"/>
+                      </a:endParaRPr>
+                    </a:p>
+                  </a:txBody>
+                  <a:tcPr>
+                    <a:lnL w="12700" cmpd="sng">
+                      <a:noFill/>
+                    </a:lnL>
+                    <a:lnR w="12700" cap="flat" cmpd="sng" algn="ctr">
+                      <a:solidFill>
+                        <a:schemeClr val="tx1"/>
+                      </a:solidFill>
+                      <a:prstDash val="solid"/>
+                      <a:round/>
+                      <a:headEnd type="none" w="med" len="med"/>
+                      <a:tailEnd type="none" w="med" len="med"/>
+                    </a:lnR>
+                    <a:lnT w="12700" cmpd="sng">
+                      <a:noFill/>
+                    </a:lnT>
+                    <a:lnB w="12700" cap="flat" cmpd="sng" algn="ctr">
+                      <a:solidFill>
+                        <a:schemeClr val="tx1"/>
+                      </a:solidFill>
+                      <a:prstDash val="solid"/>
+                      <a:round/>
+                      <a:headEnd type="none" w="med" len="med"/>
+                      <a:tailEnd type="none" w="med" len="med"/>
+                    </a:lnB>
+                    <a:lnTlToBr w="12700" cmpd="sng">
+                      <a:noFill/>
+                      <a:prstDash val="solid"/>
+                    </a:lnTlToBr>
+                    <a:lnBlToTr w="12700" cmpd="sng">
+                      <a:noFill/>
+                      <a:prstDash val="solid"/>
+                    </a:lnBlToTr>
+                  </a:tcPr>
                 </a:tc>
                 <a:tc>
                   <a:txBody>
@@ -8277,6 +8314,15 @@
                     </a:p>
                   </a:txBody>
                   <a:tcPr>
+                    <a:lnL w="12700" cap="flat" cmpd="sng" algn="ctr">
+                      <a:solidFill>
+                        <a:schemeClr val="tx1"/>
+                      </a:solidFill>
+                      <a:prstDash val="solid"/>
+                      <a:round/>
+                      <a:headEnd type="none" w="med" len="med"/>
+                      <a:tailEnd type="none" w="med" len="med"/>
+                    </a:lnL>
                     <a:lnR w="12700" cap="flat" cmpd="sng" algn="ctr">
                       <a:solidFill>
                         <a:schemeClr val="tx1"/>
@@ -8383,18 +8429,95 @@
                   <a:tcPr/>
                 </a:tc>
               </a:tr>
-              <a:tr h="365486">
-                <a:tc>
-                  <a:txBody>
-                    <a:bodyPr/>
-                    <a:lstStyle/>
-                    <a:p>
+              <a:tr h="457043">
+                <a:tc rowSpan="2">
+                  <a:txBody>
+                    <a:bodyPr/>
+                    <a:lstStyle/>
+                    <a:p>
+                      <a:pPr marL="0" marR="0" indent="0" algn="ctr" defTabSz="914400" rtl="0" eaLnBrk="1" fontAlgn="auto" latinLnBrk="0" hangingPunct="1">
+                        <a:lnSpc>
+                          <a:spcPct val="100000"/>
+                        </a:lnSpc>
+                        <a:spcBef>
+                          <a:spcPts val="0"/>
+                        </a:spcBef>
+                        <a:spcAft>
+                          <a:spcPts val="0"/>
+                        </a:spcAft>
+                        <a:buClrTx/>
+                        <a:buSzTx/>
+                        <a:buFontTx/>
+                        <a:buNone/>
+                        <a:tabLst/>
+                        <a:defRPr/>
+                      </a:pPr>
+                      <a:endParaRPr lang="fr-FR" sz="1200" b="1" dirty="0" smtClean="0">
+                        <a:latin typeface="Times New Roman" charset="0"/>
+                        <a:ea typeface="Times New Roman" charset="0"/>
+                        <a:cs typeface="Times New Roman" charset="0"/>
+                      </a:endParaRPr>
+                    </a:p>
+                    <a:p>
+                      <a:pPr marL="0" marR="0" indent="0" algn="ctr" defTabSz="914400" rtl="0" eaLnBrk="1" fontAlgn="auto" latinLnBrk="0" hangingPunct="1">
+                        <a:lnSpc>
+                          <a:spcPct val="100000"/>
+                        </a:lnSpc>
+                        <a:spcBef>
+                          <a:spcPts val="0"/>
+                        </a:spcBef>
+                        <a:spcAft>
+                          <a:spcPts val="0"/>
+                        </a:spcAft>
+                        <a:buClrTx/>
+                        <a:buSzTx/>
+                        <a:buFontTx/>
+                        <a:buNone/>
+                        <a:tabLst/>
+                        <a:defRPr/>
+                      </a:pPr>
                       <a:r>
                         <a:rPr lang="fr-FR" sz="1200" b="1" dirty="0" smtClean="0">
                           <a:latin typeface="Times New Roman" charset="0"/>
                           <a:ea typeface="Times New Roman" charset="0"/>
                           <a:cs typeface="Times New Roman" charset="0"/>
                         </a:rPr>
+                        <a:t>initialisation</a:t>
+                      </a:r>
+                    </a:p>
+                  </a:txBody>
+                  <a:tcPr>
+                    <a:lnT w="12700" cap="flat" cmpd="sng" algn="ctr">
+                      <a:solidFill>
+                        <a:schemeClr val="tx1"/>
+                      </a:solidFill>
+                      <a:prstDash val="solid"/>
+                      <a:round/>
+                      <a:headEnd type="none" w="med" len="med"/>
+                      <a:tailEnd type="none" w="med" len="med"/>
+                    </a:lnT>
+                    <a:lnB w="28575" cap="flat" cmpd="sng" algn="ctr">
+                      <a:solidFill>
+                        <a:schemeClr val="tx1"/>
+                      </a:solidFill>
+                      <a:prstDash val="solid"/>
+                      <a:round/>
+                      <a:headEnd type="none" w="med" len="med"/>
+                      <a:tailEnd type="none" w="med" len="med"/>
+                    </a:lnB>
+                  </a:tcPr>
+                </a:tc>
+                <a:tc>
+                  <a:txBody>
+                    <a:bodyPr/>
+                    <a:lstStyle/>
+                    <a:p>
+                      <a:r>
+                        <a:rPr lang="fr-FR" sz="1200" b="1" dirty="0" smtClean="0">
+                          <a:latin typeface="Times New Roman" charset="0"/>
+                          <a:ea typeface="Times New Roman" charset="0"/>
+                          <a:cs typeface="Times New Roman" charset="0"/>
+                        </a:rPr>
                         <a:t>h1</a:t>
                       </a:r>
                       <a:endParaRPr lang="fr-FR" sz="1200" b="1" dirty="0">
@@ -8405,6 +8528,24 @@
                     </a:p>
                   </a:txBody>
                   <a:tcPr>
+                    <a:lnR w="28575" cap="flat" cmpd="sng" algn="ctr">
+                      <a:solidFill>
+                        <a:schemeClr val="tx1"/>
+                      </a:solidFill>
+                      <a:prstDash val="solid"/>
+                      <a:round/>
+                      <a:headEnd type="none" w="med" len="med"/>
+                      <a:tailEnd type="none" w="med" len="med"/>
+                    </a:lnR>
+                    <a:lnT w="12700" cap="flat" cmpd="sng" algn="ctr">
+                      <a:solidFill>
+                        <a:schemeClr val="tx1"/>
+                      </a:solidFill>
+                      <a:prstDash val="solid"/>
+                      <a:round/>
+                      <a:headEnd type="none" w="med" len="med"/>
+                      <a:tailEnd type="none" w="med" len="med"/>
+                    </a:lnT>
                     <a:lnB w="12700" cap="flat" cmpd="sng" algn="ctr">
                       <a:solidFill>
                         <a:schemeClr val="tx1"/>
@@ -8421,22 +8562,57 @@
                     <a:bodyPr/>
                     <a:lstStyle/>
                     <a:p>
-                      <a:r>
-                        <a:rPr lang="fr-FR" b="1" dirty="0" smtClean="0">
-                          <a:latin typeface="Times New Roman" charset="0"/>
-                          <a:ea typeface="Times New Roman" charset="0"/>
-                          <a:cs typeface="Times New Roman" charset="0"/>
-                        </a:rPr>
-                        <a:t>2</a:t>
-                      </a:r>
-                      <a:endParaRPr lang="fr-FR" b="1" dirty="0">
-                        <a:latin typeface="Times New Roman" charset="0"/>
-                        <a:ea typeface="Times New Roman" charset="0"/>
-                        <a:cs typeface="Times New Roman" charset="0"/>
-                      </a:endParaRPr>
-                    </a:p>
-                  </a:txBody>
-                  <a:tcPr>
+                      <a:pPr marL="0" marR="0" indent="0" algn="l" defTabSz="914400" rtl="0" eaLnBrk="1" fontAlgn="auto" latinLnBrk="0" hangingPunct="1">
+                        <a:lnSpc>
+                          <a:spcPct val="100000"/>
+                        </a:lnSpc>
+                        <a:spcBef>
+                          <a:spcPts val="0"/>
+                        </a:spcBef>
+                        <a:spcAft>
+                          <a:spcPts val="0"/>
+                        </a:spcAft>
+                        <a:buClrTx/>
+                        <a:buSzTx/>
+                        <a:buFontTx/>
+                        <a:buNone/>
+                        <a:tabLst/>
+                        <a:defRPr/>
+                      </a:pPr>
+                      <a:r>
+                        <a:rPr lang="fr-FR" sz="1800" kern="1200" dirty="0" smtClean="0">
+                          <a:solidFill>
+                            <a:schemeClr val="tx1"/>
+                          </a:solidFill>
+                          <a:effectLst/>
+                          <a:latin typeface="+mn-lt"/>
+                          <a:ea typeface="+mn-ea"/>
+                          <a:cs typeface="+mn-cs"/>
+                          <a:sym typeface="Symbol" charset="2"/>
+                        </a:rPr>
+                        <a:t></a:t>
+                      </a:r>
+                      <a:endParaRPr lang="fr-FR" sz="1800" kern="1200" dirty="0" smtClean="0">
+                        <a:solidFill>
+                          <a:schemeClr val="tx1"/>
+                        </a:solidFill>
+                        <a:effectLst/>
+                        <a:latin typeface="+mn-lt"/>
+                        <a:ea typeface="+mn-ea"/>
+                        <a:cs typeface="+mn-cs"/>
+                      </a:endParaRPr>
+                    </a:p>
+                  </a:txBody>
+                  <a:tcPr>
+                    <a:lnL w="28575" cap="flat" cmpd="sng" algn="ctr">
+                      <a:solidFill>
+                        <a:schemeClr val="tx1"/>
+                      </a:solidFill>
+                      <a:prstDash val="solid"/>
+                      <a:round/>
+                      <a:headEnd type="none" w="med" len="med"/>
+                      <a:tailEnd type="none" w="med" len="med"/>
+                    </a:lnL>
                     <a:lnR w="12700" cap="flat" cmpd="sng" algn="ctr">
                       <a:solidFill>
                         <a:schemeClr val="tx1"/>
@@ -8463,18 +8639,44 @@
                     <a:bodyPr/>
                     <a:lstStyle/>
                     <a:p>
-                      <a:r>
-                        <a:rPr lang="fr-FR" b="0" dirty="0" smtClean="0">
-                          <a:latin typeface="Times New Roman" charset="0"/>
-                          <a:ea typeface="Times New Roman" charset="0"/>
-                          <a:cs typeface="Times New Roman" charset="0"/>
-                        </a:rPr>
-                        <a:t>3</a:t>
-                      </a:r>
-                      <a:endParaRPr lang="fr-FR" b="0" dirty="0">
-                        <a:latin typeface="Times New Roman" charset="0"/>
-                        <a:ea typeface="Times New Roman" charset="0"/>
-                        <a:cs typeface="Times New Roman" charset="0"/>
+                      <a:pPr marL="0" marR="0" indent="0" algn="l" defTabSz="914400" rtl="0" eaLnBrk="1" fontAlgn="auto" latinLnBrk="0" hangingPunct="1">
+                        <a:lnSpc>
+                          <a:spcPct val="100000"/>
+                        </a:lnSpc>
+                        <a:spcBef>
+                          <a:spcPts val="0"/>
+                        </a:spcBef>
+                        <a:spcAft>
+                          <a:spcPts val="0"/>
+                        </a:spcAft>
+                        <a:buClrTx/>
+                        <a:buSzTx/>
+                        <a:buFontTx/>
+                        <a:buNone/>
+                        <a:tabLst/>
+                        <a:defRPr/>
+                      </a:pPr>
+                      <a:r>
+                        <a:rPr lang="fr-FR" sz="1800" kern="1200" dirty="0" smtClean="0">
+                          <a:solidFill>
+                            <a:schemeClr val="tx1"/>
+                          </a:solidFill>
+                          <a:effectLst/>
+                          <a:latin typeface="+mn-lt"/>
+                          <a:ea typeface="+mn-ea"/>
+                          <a:cs typeface="+mn-cs"/>
+                          <a:sym typeface="Symbol" charset="2"/>
+                        </a:rPr>
+                        <a:t></a:t>
+                      </a:r>
+                      <a:endParaRPr lang="fr-FR" sz="1800" kern="1200" dirty="0" smtClean="0">
+                        <a:solidFill>
+                          <a:schemeClr val="tx1"/>
+                        </a:solidFill>
+                        <a:effectLst/>
+                        <a:latin typeface="+mn-lt"/>
+                        <a:ea typeface="+mn-ea"/>
+                        <a:cs typeface="+mn-cs"/>
                       </a:endParaRPr>
                     </a:p>
                   </a:txBody>
@@ -8504,18 +8706,44 @@
                     <a:bodyPr/>
                     <a:lstStyle/>
                     <a:p>
-                      <a:r>
-                        <a:rPr lang="fr-FR" b="0" dirty="0" smtClean="0">
-                          <a:latin typeface="Times New Roman" charset="0"/>
-                          <a:ea typeface="Times New Roman" charset="0"/>
-                          <a:cs typeface="Times New Roman" charset="0"/>
-                        </a:rPr>
-                        <a:t>4</a:t>
-                      </a:r>
-                      <a:endParaRPr lang="fr-FR" b="0" dirty="0">
-                        <a:latin typeface="Times New Roman" charset="0"/>
-                        <a:ea typeface="Times New Roman" charset="0"/>
-                        <a:cs typeface="Times New Roman" charset="0"/>
+                      <a:pPr marL="0" marR="0" indent="0" algn="l" defTabSz="914400" rtl="0" eaLnBrk="1" fontAlgn="auto" latinLnBrk="0" hangingPunct="1">
+                        <a:lnSpc>
+                          <a:spcPct val="100000"/>
+                        </a:lnSpc>
+                        <a:spcBef>
+                          <a:spcPts val="0"/>
+                        </a:spcBef>
+                        <a:spcAft>
+                          <a:spcPts val="0"/>
+                        </a:spcAft>
+                        <a:buClrTx/>
+                        <a:buSzTx/>
+                        <a:buFontTx/>
+                        <a:buNone/>
+                        <a:tabLst/>
+                        <a:defRPr/>
+                      </a:pPr>
+                      <a:r>
+                        <a:rPr lang="fr-FR" sz="1800" kern="1200" dirty="0" smtClean="0">
+                          <a:solidFill>
+                            <a:schemeClr val="tx1"/>
+                          </a:solidFill>
+                          <a:effectLst/>
+                          <a:latin typeface="+mn-lt"/>
+                          <a:ea typeface="+mn-ea"/>
+                          <a:cs typeface="+mn-cs"/>
+                          <a:sym typeface="Symbol" charset="2"/>
+                        </a:rPr>
+                        <a:t></a:t>
+                      </a:r>
+                      <a:endParaRPr lang="fr-FR" sz="1800" kern="1200" dirty="0" smtClean="0">
+                        <a:solidFill>
+                          <a:schemeClr val="tx1"/>
+                        </a:solidFill>
+                        <a:effectLst/>
+                        <a:latin typeface="+mn-lt"/>
+                        <a:ea typeface="+mn-ea"/>
+                        <a:cs typeface="+mn-cs"/>
                       </a:endParaRPr>
                     </a:p>
                   </a:txBody>
@@ -8536,18 +8764,44 @@
                     <a:bodyPr/>
                     <a:lstStyle/>
                     <a:p>
-                      <a:r>
-                        <a:rPr lang="fr-FR" b="1" dirty="0" smtClean="0">
-                          <a:latin typeface="Times New Roman" charset="0"/>
-                          <a:ea typeface="Times New Roman" charset="0"/>
-                          <a:cs typeface="Times New Roman" charset="0"/>
-                        </a:rPr>
-                        <a:t>2</a:t>
-                      </a:r>
-                      <a:endParaRPr lang="fr-FR" b="1" dirty="0">
-                        <a:latin typeface="Times New Roman" charset="0"/>
-                        <a:ea typeface="Times New Roman" charset="0"/>
-                        <a:cs typeface="Times New Roman" charset="0"/>
+                      <a:pPr marL="0" marR="0" indent="0" algn="l" defTabSz="914400" rtl="0" eaLnBrk="1" fontAlgn="auto" latinLnBrk="0" hangingPunct="1">
+                        <a:lnSpc>
+                          <a:spcPct val="100000"/>
+                        </a:lnSpc>
+                        <a:spcBef>
+                          <a:spcPts val="0"/>
+                        </a:spcBef>
+                        <a:spcAft>
+                          <a:spcPts val="0"/>
+                        </a:spcAft>
+                        <a:buClrTx/>
+                        <a:buSzTx/>
+                        <a:buFontTx/>
+                        <a:buNone/>
+                        <a:tabLst/>
+                        <a:defRPr/>
+                      </a:pPr>
+                      <a:r>
+                        <a:rPr lang="fr-FR" sz="1800" kern="1200" dirty="0" smtClean="0">
+                          <a:solidFill>
+                            <a:schemeClr val="tx1"/>
+                          </a:solidFill>
+                          <a:effectLst/>
+                          <a:latin typeface="+mn-lt"/>
+                          <a:ea typeface="+mn-ea"/>
+                          <a:cs typeface="+mn-cs"/>
+                          <a:sym typeface="Symbol" charset="2"/>
+                        </a:rPr>
+                        <a:t></a:t>
+                      </a:r>
+                      <a:endParaRPr lang="fr-FR" sz="1800" kern="1200" dirty="0" smtClean="0">
+                        <a:solidFill>
+                          <a:schemeClr val="tx1"/>
+                        </a:solidFill>
+                        <a:effectLst/>
+                        <a:latin typeface="+mn-lt"/>
+                        <a:ea typeface="+mn-ea"/>
+                        <a:cs typeface="+mn-cs"/>
                       </a:endParaRPr>
                     </a:p>
                   </a:txBody>
@@ -8565,7 +8819,31 @@
                   </a:tcPr>
                 </a:tc>
               </a:tr>
-              <a:tr h="365486">
+              <a:tr h="457043">
+                <a:tc vMerge="1">
+                  <a:txBody>
+                    <a:bodyPr/>
+                    <a:lstStyle/>
+                    <a:p>
+                      <a:endParaRPr lang="fr-FR" sz="1200" b="1" dirty="0">
+                        <a:latin typeface="Times New Roman" charset="0"/>
+                        <a:ea typeface="Times New Roman" charset="0"/>
+                        <a:cs typeface="Times New Roman" charset="0"/>
+                      </a:endParaRPr>
+                    </a:p>
+                  </a:txBody>
+                  <a:tcPr>
+                    <a:lnT w="12700" cap="flat" cmpd="sng" algn="ctr">
+                      <a:solidFill>
+                        <a:schemeClr val="tx1"/>
+                      </a:solidFill>
+                      <a:prstDash val="solid"/>
+                      <a:round/>
+                      <a:headEnd type="none" w="med" len="med"/>
+                      <a:tailEnd type="none" w="med" len="med"/>
+                    </a:lnT>
+                  </a:tcPr>
+                </a:tc>
                 <a:tc>
                   <a:txBody>
                     <a:bodyPr/>
@@ -8587,39 +8865,7 @@
                     </a:p>
                   </a:txBody>
                   <a:tcPr>
-                    <a:lnT w="12700" cap="flat" cmpd="sng" algn="ctr">
-                      <a:solidFill>
-                        <a:schemeClr val="tx1"/>
-                      </a:solidFill>
-                      <a:prstDash val="solid"/>
-                      <a:round/>
-                      <a:headEnd type="none" w="med" len="med"/>
-                      <a:tailEnd type="none" w="med" len="med"/>
-                    </a:lnT>
-                  </a:tcPr>
-                </a:tc>
-                <a:tc>
-                  <a:txBody>
-                    <a:bodyPr/>
-                    <a:lstStyle/>
-                    <a:p>
-                      <a:r>
-                        <a:rPr lang="fr-FR" b="1" dirty="0" smtClean="0">
-                          <a:latin typeface="Times New Roman" charset="0"/>
-                          <a:ea typeface="Times New Roman" charset="0"/>
-                          <a:cs typeface="Times New Roman" charset="0"/>
-                        </a:rPr>
-                        <a:t>2</a:t>
-                      </a:r>
-                      <a:endParaRPr lang="fr-FR" b="1" dirty="0">
-                        <a:latin typeface="Times New Roman" charset="0"/>
-                        <a:ea typeface="Times New Roman" charset="0"/>
-                        <a:cs typeface="Times New Roman" charset="0"/>
-                      </a:endParaRPr>
-                    </a:p>
-                  </a:txBody>
-                  <a:tcPr>
-                    <a:lnR w="12700" cap="flat" cmpd="sng" algn="ctr">
+                    <a:lnR w="28575" cap="flat" cmpd="sng" algn="ctr">
                       <a:solidFill>
                         <a:schemeClr val="tx1"/>
                       </a:solidFill>
@@ -8637,6 +8883,100 @@
                       <a:headEnd type="none" w="med" len="med"/>
                       <a:tailEnd type="none" w="med" len="med"/>
                     </a:lnT>
+                    <a:lnB w="28575" cap="flat" cmpd="sng" algn="ctr">
+                      <a:solidFill>
+                        <a:schemeClr val="tx1"/>
+                      </a:solidFill>
+                      <a:prstDash val="solid"/>
+                      <a:round/>
+                      <a:headEnd type="none" w="med" len="med"/>
+                      <a:tailEnd type="none" w="med" len="med"/>
+                    </a:lnB>
+                  </a:tcPr>
+                </a:tc>
+                <a:tc>
+                  <a:txBody>
+                    <a:bodyPr/>
+                    <a:lstStyle/>
+                    <a:p>
+                      <a:pPr marL="0" marR="0" indent="0" algn="l" defTabSz="914400" rtl="0" eaLnBrk="1" fontAlgn="auto" latinLnBrk="0" hangingPunct="1">
+                        <a:lnSpc>
+                          <a:spcPct val="100000"/>
+                        </a:lnSpc>
+                        <a:spcBef>
+                          <a:spcPts val="0"/>
+                        </a:spcBef>
+                        <a:spcAft>
+                          <a:spcPts val="0"/>
+                        </a:spcAft>
+                        <a:buClrTx/>
+                        <a:buSzTx/>
+                        <a:buFontTx/>
+                        <a:buNone/>
+                        <a:tabLst/>
+                        <a:defRPr/>
+                      </a:pPr>
+                      <a:r>
+                        <a:rPr lang="fr-FR" sz="1800" kern="1200" dirty="0" smtClean="0">
+                          <a:solidFill>
+                            <a:schemeClr val="tx1"/>
+                          </a:solidFill>
+                          <a:effectLst/>
+                          <a:latin typeface="+mn-lt"/>
+                          <a:ea typeface="+mn-ea"/>
+                          <a:cs typeface="+mn-cs"/>
+                          <a:sym typeface="Symbol" charset="2"/>
+                        </a:rPr>
+                        <a:t></a:t>
+                      </a:r>
+                      <a:endParaRPr lang="fr-FR" sz="1800" kern="1200" dirty="0" smtClean="0">
+                        <a:solidFill>
+                          <a:schemeClr val="tx1"/>
+                        </a:solidFill>
+                        <a:effectLst/>
+                        <a:latin typeface="+mn-lt"/>
+                        <a:ea typeface="+mn-ea"/>
+                        <a:cs typeface="+mn-cs"/>
+                      </a:endParaRPr>
+                    </a:p>
+                  </a:txBody>
+                  <a:tcPr>
+                    <a:lnL w="28575" cap="flat" cmpd="sng" algn="ctr">
+                      <a:solidFill>
+                        <a:schemeClr val="tx1"/>
+                      </a:solidFill>
+                      <a:prstDash val="solid"/>
+                      <a:round/>
+                      <a:headEnd type="none" w="med" len="med"/>
+                      <a:tailEnd type="none" w="med" len="med"/>
+                    </a:lnL>
+                    <a:lnR w="12700" cap="flat" cmpd="sng" algn="ctr">
+                      <a:solidFill>
+                        <a:schemeClr val="tx1"/>
+                      </a:solidFill>
+                      <a:prstDash val="solid"/>
+                      <a:round/>
+                      <a:headEnd type="none" w="med" len="med"/>
+                      <a:tailEnd type="none" w="med" len="med"/>
+                    </a:lnR>
+                    <a:lnT w="12700" cap="flat" cmpd="sng" algn="ctr">
+                      <a:solidFill>
+                        <a:schemeClr val="tx1"/>
+                      </a:solidFill>
+                      <a:prstDash val="solid"/>
+                      <a:round/>
+                      <a:headEnd type="none" w="med" len="med"/>
+                      <a:tailEnd type="none" w="med" len="med"/>
+                    </a:lnT>
+                    <a:lnB w="28575" cap="flat" cmpd="sng" algn="ctr">
+                      <a:solidFill>
+                        <a:schemeClr val="tx1"/>
+                      </a:solidFill>
+                      <a:prstDash val="solid"/>
+                      <a:round/>
+                      <a:headEnd type="none" w="med" len="med"/>
+                      <a:tailEnd type="none" w="med" len="med"/>
+                    </a:lnB>
                     <a:noFill/>
                   </a:tcPr>
                 </a:tc>
@@ -8645,18 +8985,44 @@
                     <a:bodyPr/>
                     <a:lstStyle/>
                     <a:p>
-                      <a:r>
-                        <a:rPr lang="fr-FR" b="0" dirty="0" smtClean="0">
-                          <a:latin typeface="Times New Roman" charset="0"/>
-                          <a:ea typeface="Times New Roman" charset="0"/>
-                          <a:cs typeface="Times New Roman" charset="0"/>
-                        </a:rPr>
-                        <a:t>1</a:t>
-                      </a:r>
-                      <a:endParaRPr lang="fr-FR" b="0" dirty="0">
-                        <a:latin typeface="Times New Roman" charset="0"/>
-                        <a:ea typeface="Times New Roman" charset="0"/>
-                        <a:cs typeface="Times New Roman" charset="0"/>
+                      <a:pPr marL="0" marR="0" indent="0" algn="l" defTabSz="914400" rtl="0" eaLnBrk="1" fontAlgn="auto" latinLnBrk="0" hangingPunct="1">
+                        <a:lnSpc>
+                          <a:spcPct val="100000"/>
+                        </a:lnSpc>
+                        <a:spcBef>
+                          <a:spcPts val="0"/>
+                        </a:spcBef>
+                        <a:spcAft>
+                          <a:spcPts val="0"/>
+                        </a:spcAft>
+                        <a:buClrTx/>
+                        <a:buSzTx/>
+                        <a:buFontTx/>
+                        <a:buNone/>
+                        <a:tabLst/>
+                        <a:defRPr/>
+                      </a:pPr>
+                      <a:r>
+                        <a:rPr lang="fr-FR" sz="1800" kern="1200" dirty="0" smtClean="0">
+                          <a:solidFill>
+                            <a:schemeClr val="tx1"/>
+                          </a:solidFill>
+                          <a:effectLst/>
+                          <a:latin typeface="+mn-lt"/>
+                          <a:ea typeface="+mn-ea"/>
+                          <a:cs typeface="+mn-cs"/>
+                          <a:sym typeface="Symbol" charset="2"/>
+                        </a:rPr>
+                        <a:t></a:t>
+                      </a:r>
+                      <a:endParaRPr lang="fr-FR" sz="1800" kern="1200" dirty="0" smtClean="0">
+                        <a:solidFill>
+                          <a:schemeClr val="tx1"/>
+                        </a:solidFill>
+                        <a:effectLst/>
+                        <a:latin typeface="+mn-lt"/>
+                        <a:ea typeface="+mn-ea"/>
+                        <a:cs typeface="+mn-cs"/>
                       </a:endParaRPr>
                     </a:p>
                   </a:txBody>
@@ -8679,6 +9045,260 @@
                       <a:headEnd type="none" w="med" len="med"/>
                       <a:tailEnd type="none" w="med" len="med"/>
                     </a:lnT>
+                    <a:lnB w="28575" cap="flat" cmpd="sng" algn="ctr">
+                      <a:solidFill>
+                        <a:schemeClr val="tx1"/>
+                      </a:solidFill>
+                      <a:prstDash val="solid"/>
+                      <a:round/>
+                      <a:headEnd type="none" w="med" len="med"/>
+                      <a:tailEnd type="none" w="med" len="med"/>
+                    </a:lnB>
+                  </a:tcPr>
+                </a:tc>
+                <a:tc>
+                  <a:txBody>
+                    <a:bodyPr/>
+                    <a:lstStyle/>
+                    <a:p>
+                      <a:pPr marL="0" marR="0" indent="0" algn="l" defTabSz="914400" rtl="0" eaLnBrk="1" fontAlgn="auto" latinLnBrk="0" hangingPunct="1">
+                        <a:lnSpc>
+                          <a:spcPct val="100000"/>
+                        </a:lnSpc>
+                        <a:spcBef>
+                          <a:spcPts val="0"/>
+                        </a:spcBef>
+                        <a:spcAft>
+                          <a:spcPts val="0"/>
+                        </a:spcAft>
+                        <a:buClrTx/>
+                        <a:buSzTx/>
+                        <a:buFontTx/>
+                        <a:buNone/>
+                        <a:tabLst/>
+                        <a:defRPr/>
+                      </a:pPr>
+                      <a:r>
+                        <a:rPr lang="fr-FR" sz="1800" kern="1200" dirty="0" smtClean="0">
+                          <a:solidFill>
+                            <a:schemeClr val="tx1"/>
+                          </a:solidFill>
+                          <a:effectLst/>
+                          <a:latin typeface="+mn-lt"/>
+                          <a:ea typeface="+mn-ea"/>
+                          <a:cs typeface="+mn-cs"/>
+                          <a:sym typeface="Symbol" charset="2"/>
+                        </a:rPr>
+                        <a:t></a:t>
+                      </a:r>
+                      <a:endParaRPr lang="fr-FR" sz="1800" kern="1200" dirty="0" smtClean="0">
+                        <a:solidFill>
+                          <a:schemeClr val="tx1"/>
+                        </a:solidFill>
+                        <a:effectLst/>
+                        <a:latin typeface="+mn-lt"/>
+                        <a:ea typeface="+mn-ea"/>
+                        <a:cs typeface="+mn-cs"/>
+                      </a:endParaRPr>
+                    </a:p>
+                  </a:txBody>
+                  <a:tcPr>
+                    <a:lnT w="12700" cap="flat" cmpd="sng" algn="ctr">
+                      <a:solidFill>
+                        <a:schemeClr val="tx1"/>
+                      </a:solidFill>
+                      <a:prstDash val="solid"/>
+                      <a:round/>
+                      <a:headEnd type="none" w="med" len="med"/>
+                      <a:tailEnd type="none" w="med" len="med"/>
+                    </a:lnT>
+                    <a:lnB w="28575" cap="flat" cmpd="sng" algn="ctr">
+                      <a:solidFill>
+                        <a:schemeClr val="tx1"/>
+                      </a:solidFill>
+                      <a:prstDash val="solid"/>
+                      <a:round/>
+                      <a:headEnd type="none" w="med" len="med"/>
+                      <a:tailEnd type="none" w="med" len="med"/>
+                    </a:lnB>
+                  </a:tcPr>
+                </a:tc>
+                <a:tc>
+                  <a:txBody>
+                    <a:bodyPr/>
+                    <a:lstStyle/>
+                    <a:p>
+                      <a:pPr marL="0" marR="0" indent="0" algn="l" defTabSz="914400" rtl="0" eaLnBrk="1" fontAlgn="auto" latinLnBrk="0" hangingPunct="1">
+                        <a:lnSpc>
+                          <a:spcPct val="100000"/>
+                        </a:lnSpc>
+                        <a:spcBef>
+                          <a:spcPts val="0"/>
+                        </a:spcBef>
+                        <a:spcAft>
+                          <a:spcPts val="0"/>
+                        </a:spcAft>
+                        <a:buClrTx/>
+                        <a:buSzTx/>
+                        <a:buFontTx/>
+                        <a:buNone/>
+                        <a:tabLst/>
+                        <a:defRPr/>
+                      </a:pPr>
+                      <a:r>
+                        <a:rPr lang="fr-FR" sz="1800" kern="1200" dirty="0" smtClean="0">
+                          <a:solidFill>
+                            <a:schemeClr val="tx1"/>
+                          </a:solidFill>
+                          <a:effectLst/>
+                          <a:latin typeface="+mn-lt"/>
+                          <a:ea typeface="+mn-ea"/>
+                          <a:cs typeface="+mn-cs"/>
+                          <a:sym typeface="Symbol" charset="2"/>
+                        </a:rPr>
+                        <a:t></a:t>
+                      </a:r>
+                      <a:endParaRPr lang="fr-FR" sz="1800" kern="1200" dirty="0" smtClean="0">
+                        <a:solidFill>
+                          <a:schemeClr val="tx1"/>
+                        </a:solidFill>
+                        <a:effectLst/>
+                        <a:latin typeface="+mn-lt"/>
+                        <a:ea typeface="+mn-ea"/>
+                        <a:cs typeface="+mn-cs"/>
+                      </a:endParaRPr>
+                    </a:p>
+                  </a:txBody>
+                  <a:tcPr>
+                    <a:lnT w="12700" cap="flat" cmpd="sng" algn="ctr">
+                      <a:solidFill>
+                        <a:schemeClr val="tx1"/>
+                      </a:solidFill>
+                      <a:prstDash val="solid"/>
+                      <a:round/>
+                      <a:headEnd type="none" w="med" len="med"/>
+                      <a:tailEnd type="none" w="med" len="med"/>
+                    </a:lnT>
+                    <a:lnB w="28575" cap="flat" cmpd="sng" algn="ctr">
+                      <a:solidFill>
+                        <a:schemeClr val="tx1"/>
+                      </a:solidFill>
+                      <a:prstDash val="solid"/>
+                      <a:round/>
+                      <a:headEnd type="none" w="med" len="med"/>
+                      <a:tailEnd type="none" w="med" len="med"/>
+                    </a:lnB>
+                    <a:noFill/>
+                  </a:tcPr>
+                </a:tc>
+              </a:tr>
+              <a:tr h="365635">
+                <a:tc rowSpan="2">
+                  <a:txBody>
+                    <a:bodyPr/>
+                    <a:lstStyle/>
+                    <a:p>
+                      <a:pPr algn="ctr"/>
+                      <a:endParaRPr lang="fr-FR" sz="1200" b="1" dirty="0" smtClean="0">
+                        <a:latin typeface="Times New Roman" charset="0"/>
+                        <a:ea typeface="Times New Roman" charset="0"/>
+                        <a:cs typeface="Times New Roman" charset="0"/>
+                      </a:endParaRPr>
+                    </a:p>
+                    <a:p>
+                      <a:pPr algn="ctr"/>
+                      <a:r>
+                        <a:rPr lang="fr-FR" sz="1200" b="1" dirty="0" smtClean="0">
+                          <a:latin typeface="Times New Roman" charset="0"/>
+                          <a:ea typeface="Times New Roman" charset="0"/>
+                          <a:cs typeface="Times New Roman" charset="0"/>
+                        </a:rPr>
+                        <a:t>Itération</a:t>
+                      </a:r>
+                      <a:r>
+                        <a:rPr lang="fr-FR" sz="1200" b="1" baseline="0" dirty="0" smtClean="0">
+                          <a:latin typeface="Times New Roman" charset="0"/>
+                          <a:ea typeface="Times New Roman" charset="0"/>
+                          <a:cs typeface="Times New Roman" charset="0"/>
+                        </a:rPr>
+                        <a:t> 01</a:t>
+                      </a:r>
+                      <a:endParaRPr lang="fr-FR" sz="1200" b="1" dirty="0">
+                        <a:latin typeface="Times New Roman" charset="0"/>
+                        <a:ea typeface="Times New Roman" charset="0"/>
+                        <a:cs typeface="Times New Roman" charset="0"/>
+                      </a:endParaRPr>
+                    </a:p>
+                  </a:txBody>
+                  <a:tcPr>
+                    <a:lnT w="28575" cap="flat" cmpd="sng" algn="ctr">
+                      <a:solidFill>
+                        <a:schemeClr val="tx1"/>
+                      </a:solidFill>
+                      <a:prstDash val="solid"/>
+                      <a:round/>
+                      <a:headEnd type="none" w="med" len="med"/>
+                      <a:tailEnd type="none" w="med" len="med"/>
+                    </a:lnT>
+                    <a:lnB w="28575" cap="flat" cmpd="sng" algn="ctr">
+                      <a:solidFill>
+                        <a:schemeClr val="tx1"/>
+                      </a:solidFill>
+                      <a:prstDash val="solid"/>
+                      <a:round/>
+                      <a:headEnd type="none" w="med" len="med"/>
+                      <a:tailEnd type="none" w="med" len="med"/>
+                    </a:lnB>
+                  </a:tcPr>
+                </a:tc>
+                <a:tc>
+                  <a:txBody>
+                    <a:bodyPr/>
+                    <a:lstStyle/>
+                    <a:p>
+                      <a:r>
+                        <a:rPr lang="fr-FR" sz="1200" b="1" dirty="0" smtClean="0">
+                          <a:latin typeface="Times New Roman" charset="0"/>
+                          <a:ea typeface="Times New Roman" charset="0"/>
+                          <a:cs typeface="Times New Roman" charset="0"/>
+                        </a:rPr>
+                        <a:t>h1</a:t>
+                      </a:r>
+                      <a:endParaRPr lang="fr-FR" sz="1200" b="1" dirty="0">
+                        <a:latin typeface="Times New Roman" charset="0"/>
+                        <a:ea typeface="Times New Roman" charset="0"/>
+                        <a:cs typeface="Times New Roman" charset="0"/>
+                      </a:endParaRPr>
+                    </a:p>
+                  </a:txBody>
+                  <a:tcPr>
+                    <a:lnR w="28575" cap="flat" cmpd="sng" algn="ctr">
+                      <a:solidFill>
+                        <a:schemeClr val="tx1"/>
+                      </a:solidFill>
+                      <a:prstDash val="solid"/>
+                      <a:round/>
+                      <a:headEnd type="none" w="med" len="med"/>
+                      <a:tailEnd type="none" w="med" len="med"/>
+                    </a:lnR>
+                    <a:lnT w="28575" cap="flat" cmpd="sng" algn="ctr">
+                      <a:solidFill>
+                        <a:schemeClr val="tx1"/>
+                      </a:solidFill>
+                      <a:prstDash val="solid"/>
+                      <a:round/>
+                      <a:headEnd type="none" w="med" len="med"/>
+                      <a:tailEnd type="none" w="med" len="med"/>
+                    </a:lnT>
+                    <a:lnB w="12700" cap="flat" cmpd="sng" algn="ctr">
+                      <a:solidFill>
+                        <a:schemeClr val="tx1"/>
+                      </a:solidFill>
+                      <a:prstDash val="solid"/>
+                      <a:round/>
+                      <a:headEnd type="none" w="med" len="med"/>
+                      <a:tailEnd type="none" w="med" len="med"/>
+                    </a:lnB>
                   </a:tcPr>
                 </a:tc>
                 <a:tc>
@@ -8692,6 +9312,840 @@
                           <a:ea typeface="Times New Roman" charset="0"/>
                           <a:cs typeface="Times New Roman" charset="0"/>
                         </a:rPr>
+                        <a:t>2</a:t>
+                      </a:r>
+                      <a:endParaRPr lang="fr-FR" b="0" dirty="0">
+                        <a:latin typeface="Times New Roman" charset="0"/>
+                        <a:ea typeface="Times New Roman" charset="0"/>
+                        <a:cs typeface="Times New Roman" charset="0"/>
+                      </a:endParaRPr>
+                    </a:p>
+                  </a:txBody>
+                  <a:tcPr>
+                    <a:lnL w="28575" cap="flat" cmpd="sng" algn="ctr">
+                      <a:solidFill>
+                        <a:schemeClr val="tx1"/>
+                      </a:solidFill>
+                      <a:prstDash val="solid"/>
+                      <a:round/>
+                      <a:headEnd type="none" w="med" len="med"/>
+                      <a:tailEnd type="none" w="med" len="med"/>
+                    </a:lnL>
+                    <a:lnR w="12700" cap="flat" cmpd="sng" algn="ctr">
+                      <a:solidFill>
+                        <a:schemeClr val="tx1"/>
+                      </a:solidFill>
+                      <a:prstDash val="solid"/>
+                      <a:round/>
+                      <a:headEnd type="none" w="med" len="med"/>
+                      <a:tailEnd type="none" w="med" len="med"/>
+                    </a:lnR>
+                    <a:lnT w="28575" cap="flat" cmpd="sng" algn="ctr">
+                      <a:solidFill>
+                        <a:schemeClr val="tx1"/>
+                      </a:solidFill>
+                      <a:prstDash val="solid"/>
+                      <a:round/>
+                      <a:headEnd type="none" w="med" len="med"/>
+                      <a:tailEnd type="none" w="med" len="med"/>
+                    </a:lnT>
+                    <a:lnB w="12700" cap="flat" cmpd="sng" algn="ctr">
+                      <a:solidFill>
+                        <a:schemeClr val="tx1"/>
+                      </a:solidFill>
+                      <a:prstDash val="solid"/>
+                      <a:round/>
+                      <a:headEnd type="none" w="med" len="med"/>
+                      <a:tailEnd type="none" w="med" len="med"/>
+                    </a:lnB>
+                    <a:noFill/>
+                  </a:tcPr>
+                </a:tc>
+                <a:tc>
+                  <a:txBody>
+                    <a:bodyPr/>
+                    <a:lstStyle/>
+                    <a:p>
+                      <a:pPr marL="0" marR="0" indent="0" algn="l" defTabSz="914400" rtl="0" eaLnBrk="1" fontAlgn="auto" latinLnBrk="0" hangingPunct="1">
+                        <a:lnSpc>
+                          <a:spcPct val="100000"/>
+                        </a:lnSpc>
+                        <a:spcBef>
+                          <a:spcPts val="0"/>
+                        </a:spcBef>
+                        <a:spcAft>
+                          <a:spcPts val="0"/>
+                        </a:spcAft>
+                        <a:buClrTx/>
+                        <a:buSzTx/>
+                        <a:buFontTx/>
+                        <a:buNone/>
+                        <a:tabLst/>
+                        <a:defRPr/>
+                      </a:pPr>
+                      <a:r>
+                        <a:rPr lang="fr-FR" sz="1800" kern="1200" dirty="0" smtClean="0">
+                          <a:solidFill>
+                            <a:schemeClr val="tx1"/>
+                          </a:solidFill>
+                          <a:effectLst/>
+                          <a:latin typeface="+mn-lt"/>
+                          <a:ea typeface="+mn-ea"/>
+                          <a:cs typeface="+mn-cs"/>
+                          <a:sym typeface="Symbol" charset="2"/>
+                        </a:rPr>
+                        <a:t></a:t>
+                      </a:r>
+                      <a:endParaRPr lang="fr-FR" sz="1800" kern="1200" dirty="0" smtClean="0">
+                        <a:solidFill>
+                          <a:schemeClr val="tx1"/>
+                        </a:solidFill>
+                        <a:effectLst/>
+                        <a:latin typeface="+mn-lt"/>
+                        <a:ea typeface="+mn-ea"/>
+                        <a:cs typeface="+mn-cs"/>
+                      </a:endParaRPr>
+                    </a:p>
+                  </a:txBody>
+                  <a:tcPr>
+                    <a:lnL w="12700" cap="flat" cmpd="sng" algn="ctr">
+                      <a:solidFill>
+                        <a:schemeClr val="tx1"/>
+                      </a:solidFill>
+                      <a:prstDash val="solid"/>
+                      <a:round/>
+                      <a:headEnd type="none" w="med" len="med"/>
+                      <a:tailEnd type="none" w="med" len="med"/>
+                    </a:lnL>
+                    <a:lnT w="28575" cap="flat" cmpd="sng" algn="ctr">
+                      <a:solidFill>
+                        <a:schemeClr val="tx1"/>
+                      </a:solidFill>
+                      <a:prstDash val="solid"/>
+                      <a:round/>
+                      <a:headEnd type="none" w="med" len="med"/>
+                      <a:tailEnd type="none" w="med" len="med"/>
+                    </a:lnT>
+                    <a:lnB w="12700" cap="flat" cmpd="sng" algn="ctr">
+                      <a:solidFill>
+                        <a:schemeClr val="tx1"/>
+                      </a:solidFill>
+                      <a:prstDash val="solid"/>
+                      <a:round/>
+                      <a:headEnd type="none" w="med" len="med"/>
+                      <a:tailEnd type="none" w="med" len="med"/>
+                    </a:lnB>
+                  </a:tcPr>
+                </a:tc>
+                <a:tc>
+                  <a:txBody>
+                    <a:bodyPr/>
+                    <a:lstStyle/>
+                    <a:p>
+                      <a:pPr marL="0" marR="0" indent="0" algn="l" defTabSz="914400" rtl="0" eaLnBrk="1" fontAlgn="auto" latinLnBrk="0" hangingPunct="1">
+                        <a:lnSpc>
+                          <a:spcPct val="100000"/>
+                        </a:lnSpc>
+                        <a:spcBef>
+                          <a:spcPts val="0"/>
+                        </a:spcBef>
+                        <a:spcAft>
+                          <a:spcPts val="0"/>
+                        </a:spcAft>
+                        <a:buClrTx/>
+                        <a:buSzTx/>
+                        <a:buFontTx/>
+                        <a:buNone/>
+                        <a:tabLst/>
+                        <a:defRPr/>
+                      </a:pPr>
+                      <a:r>
+                        <a:rPr lang="fr-FR" sz="1800" kern="1200" dirty="0" smtClean="0">
+                          <a:solidFill>
+                            <a:schemeClr val="tx1"/>
+                          </a:solidFill>
+                          <a:effectLst/>
+                          <a:latin typeface="+mn-lt"/>
+                          <a:ea typeface="+mn-ea"/>
+                          <a:cs typeface="+mn-cs"/>
+                          <a:sym typeface="Symbol" charset="2"/>
+                        </a:rPr>
+                        <a:t></a:t>
+                      </a:r>
+                      <a:endParaRPr lang="fr-FR" sz="1800" kern="1200" dirty="0" smtClean="0">
+                        <a:solidFill>
+                          <a:schemeClr val="tx1"/>
+                        </a:solidFill>
+                        <a:effectLst/>
+                        <a:latin typeface="+mn-lt"/>
+                        <a:ea typeface="+mn-ea"/>
+                        <a:cs typeface="+mn-cs"/>
+                      </a:endParaRPr>
+                    </a:p>
+                  </a:txBody>
+                  <a:tcPr>
+                    <a:lnT w="28575" cap="flat" cmpd="sng" algn="ctr">
+                      <a:solidFill>
+                        <a:schemeClr val="tx1"/>
+                      </a:solidFill>
+                      <a:prstDash val="solid"/>
+                      <a:round/>
+                      <a:headEnd type="none" w="med" len="med"/>
+                      <a:tailEnd type="none" w="med" len="med"/>
+                    </a:lnT>
+                    <a:lnB w="12700" cap="flat" cmpd="sng" algn="ctr">
+                      <a:solidFill>
+                        <a:schemeClr val="tx1"/>
+                      </a:solidFill>
+                      <a:prstDash val="solid"/>
+                      <a:round/>
+                      <a:headEnd type="none" w="med" len="med"/>
+                      <a:tailEnd type="none" w="med" len="med"/>
+                    </a:lnB>
+                  </a:tcPr>
+                </a:tc>
+                <a:tc>
+                  <a:txBody>
+                    <a:bodyPr/>
+                    <a:lstStyle/>
+                    <a:p>
+                      <a:r>
+                        <a:rPr lang="fr-FR" b="0" dirty="0" smtClean="0">
+                          <a:latin typeface="Times New Roman" charset="0"/>
+                          <a:ea typeface="Times New Roman" charset="0"/>
+                          <a:cs typeface="Times New Roman" charset="0"/>
+                        </a:rPr>
+                        <a:t>2</a:t>
+                      </a:r>
+                      <a:endParaRPr lang="fr-FR" b="0" dirty="0">
+                        <a:latin typeface="Times New Roman" charset="0"/>
+                        <a:ea typeface="Times New Roman" charset="0"/>
+                        <a:cs typeface="Times New Roman" charset="0"/>
+                      </a:endParaRPr>
+                    </a:p>
+                  </a:txBody>
+                  <a:tcPr>
+                    <a:lnT w="28575" cap="flat" cmpd="sng" algn="ctr">
+                      <a:solidFill>
+                        <a:schemeClr val="tx1"/>
+                      </a:solidFill>
+                      <a:prstDash val="solid"/>
+                      <a:round/>
+                      <a:headEnd type="none" w="med" len="med"/>
+                      <a:tailEnd type="none" w="med" len="med"/>
+                    </a:lnT>
+                    <a:lnB w="12700" cap="flat" cmpd="sng" algn="ctr">
+                      <a:solidFill>
+                        <a:schemeClr val="tx1"/>
+                      </a:solidFill>
+                      <a:prstDash val="solid"/>
+                      <a:round/>
+                      <a:headEnd type="none" w="med" len="med"/>
+                      <a:tailEnd type="none" w="med" len="med"/>
+                    </a:lnB>
+                    <a:noFill/>
+                  </a:tcPr>
+                </a:tc>
+              </a:tr>
+              <a:tr h="365635">
+                <a:tc vMerge="1">
+                  <a:txBody>
+                    <a:bodyPr/>
+                    <a:lstStyle/>
+                    <a:p>
+                      <a:endParaRPr lang="fr-FR" sz="1200" b="1" dirty="0">
+                        <a:latin typeface="Times New Roman" charset="0"/>
+                        <a:ea typeface="Times New Roman" charset="0"/>
+                        <a:cs typeface="Times New Roman" charset="0"/>
+                      </a:endParaRPr>
+                    </a:p>
+                  </a:txBody>
+                  <a:tcPr/>
+                </a:tc>
+                <a:tc>
+                  <a:txBody>
+                    <a:bodyPr/>
+                    <a:lstStyle/>
+                    <a:p>
+                      <a:r>
+                        <a:rPr lang="fr-FR" sz="1200" b="1" dirty="0" smtClean="0">
+                          <a:latin typeface="Times New Roman" charset="0"/>
+                          <a:ea typeface="Times New Roman" charset="0"/>
+                          <a:cs typeface="Times New Roman" charset="0"/>
+                        </a:rPr>
+                        <a:t>h2</a:t>
+                      </a:r>
+                      <a:endParaRPr lang="fr-FR" sz="1200" b="1" dirty="0">
+                        <a:latin typeface="Times New Roman" charset="0"/>
+                        <a:ea typeface="Times New Roman" charset="0"/>
+                        <a:cs typeface="Times New Roman" charset="0"/>
+                      </a:endParaRPr>
+                    </a:p>
+                  </a:txBody>
+                  <a:tcPr>
+                    <a:lnR w="28575" cap="flat" cmpd="sng" algn="ctr">
+                      <a:solidFill>
+                        <a:schemeClr val="tx1"/>
+                      </a:solidFill>
+                      <a:prstDash val="solid"/>
+                      <a:round/>
+                      <a:headEnd type="none" w="med" len="med"/>
+                      <a:tailEnd type="none" w="med" len="med"/>
+                    </a:lnR>
+                    <a:lnT w="12700" cap="flat" cmpd="sng" algn="ctr">
+                      <a:solidFill>
+                        <a:schemeClr val="tx1"/>
+                      </a:solidFill>
+                      <a:prstDash val="solid"/>
+                      <a:round/>
+                      <a:headEnd type="none" w="med" len="med"/>
+                      <a:tailEnd type="none" w="med" len="med"/>
+                    </a:lnT>
+                    <a:lnB w="28575" cap="flat" cmpd="sng" algn="ctr">
+                      <a:solidFill>
+                        <a:schemeClr val="tx1"/>
+                      </a:solidFill>
+                      <a:prstDash val="solid"/>
+                      <a:round/>
+                      <a:headEnd type="none" w="med" len="med"/>
+                      <a:tailEnd type="none" w="med" len="med"/>
+                    </a:lnB>
+                  </a:tcPr>
+                </a:tc>
+                <a:tc>
+                  <a:txBody>
+                    <a:bodyPr/>
+                    <a:lstStyle/>
+                    <a:p>
+                      <a:r>
+                        <a:rPr lang="fr-FR" b="0" dirty="0" smtClean="0">
+                          <a:latin typeface="Times New Roman" charset="0"/>
+                          <a:ea typeface="Times New Roman" charset="0"/>
+                          <a:cs typeface="Times New Roman" charset="0"/>
+                        </a:rPr>
+                        <a:t>2</a:t>
+                      </a:r>
+                      <a:endParaRPr lang="fr-FR" b="0" dirty="0">
+                        <a:latin typeface="Times New Roman" charset="0"/>
+                        <a:ea typeface="Times New Roman" charset="0"/>
+                        <a:cs typeface="Times New Roman" charset="0"/>
+                      </a:endParaRPr>
+                    </a:p>
+                  </a:txBody>
+                  <a:tcPr>
+                    <a:lnL w="28575" cap="flat" cmpd="sng" algn="ctr">
+                      <a:solidFill>
+                        <a:schemeClr val="tx1"/>
+                      </a:solidFill>
+                      <a:prstDash val="solid"/>
+                      <a:round/>
+                      <a:headEnd type="none" w="med" len="med"/>
+                      <a:tailEnd type="none" w="med" len="med"/>
+                    </a:lnL>
+                    <a:lnR w="12700" cap="flat" cmpd="sng" algn="ctr">
+                      <a:solidFill>
+                        <a:schemeClr val="tx1"/>
+                      </a:solidFill>
+                      <a:prstDash val="solid"/>
+                      <a:round/>
+                      <a:headEnd type="none" w="med" len="med"/>
+                      <a:tailEnd type="none" w="med" len="med"/>
+                    </a:lnR>
+                    <a:lnT w="12700" cap="flat" cmpd="sng" algn="ctr">
+                      <a:solidFill>
+                        <a:schemeClr val="tx1"/>
+                      </a:solidFill>
+                      <a:prstDash val="solid"/>
+                      <a:round/>
+                      <a:headEnd type="none" w="med" len="med"/>
+                      <a:tailEnd type="none" w="med" len="med"/>
+                    </a:lnT>
+                    <a:lnB w="28575" cap="flat" cmpd="sng" algn="ctr">
+                      <a:solidFill>
+                        <a:schemeClr val="tx1"/>
+                      </a:solidFill>
+                      <a:prstDash val="solid"/>
+                      <a:round/>
+                      <a:headEnd type="none" w="med" len="med"/>
+                      <a:tailEnd type="none" w="med" len="med"/>
+                    </a:lnB>
+                    <a:noFill/>
+                  </a:tcPr>
+                </a:tc>
+                <a:tc>
+                  <a:txBody>
+                    <a:bodyPr/>
+                    <a:lstStyle/>
+                    <a:p>
+                      <a:pPr marL="0" marR="0" indent="0" algn="l" defTabSz="914400" rtl="0" eaLnBrk="1" fontAlgn="auto" latinLnBrk="0" hangingPunct="1">
+                        <a:lnSpc>
+                          <a:spcPct val="100000"/>
+                        </a:lnSpc>
+                        <a:spcBef>
+                          <a:spcPts val="0"/>
+                        </a:spcBef>
+                        <a:spcAft>
+                          <a:spcPts val="0"/>
+                        </a:spcAft>
+                        <a:buClrTx/>
+                        <a:buSzTx/>
+                        <a:buFontTx/>
+                        <a:buNone/>
+                        <a:tabLst/>
+                        <a:defRPr/>
+                      </a:pPr>
+                      <a:r>
+                        <a:rPr lang="fr-FR" sz="1800" kern="1200" dirty="0" smtClean="0">
+                          <a:solidFill>
+                            <a:schemeClr val="tx1"/>
+                          </a:solidFill>
+                          <a:effectLst/>
+                          <a:latin typeface="+mn-lt"/>
+                          <a:ea typeface="+mn-ea"/>
+                          <a:cs typeface="+mn-cs"/>
+                          <a:sym typeface="Symbol" charset="2"/>
+                        </a:rPr>
+                        <a:t></a:t>
+                      </a:r>
+                      <a:endParaRPr lang="fr-FR" sz="1800" kern="1200" dirty="0" smtClean="0">
+                        <a:solidFill>
+                          <a:schemeClr val="tx1"/>
+                        </a:solidFill>
+                        <a:effectLst/>
+                        <a:latin typeface="+mn-lt"/>
+                        <a:ea typeface="+mn-ea"/>
+                        <a:cs typeface="+mn-cs"/>
+                      </a:endParaRPr>
+                    </a:p>
+                  </a:txBody>
+                  <a:tcPr>
+                    <a:lnL w="12700" cap="flat" cmpd="sng" algn="ctr">
+                      <a:solidFill>
+                        <a:schemeClr val="tx1"/>
+                      </a:solidFill>
+                      <a:prstDash val="solid"/>
+                      <a:round/>
+                      <a:headEnd type="none" w="med" len="med"/>
+                      <a:tailEnd type="none" w="med" len="med"/>
+                    </a:lnL>
+                    <a:lnT w="12700" cap="flat" cmpd="sng" algn="ctr">
+                      <a:solidFill>
+                        <a:schemeClr val="tx1"/>
+                      </a:solidFill>
+                      <a:prstDash val="solid"/>
+                      <a:round/>
+                      <a:headEnd type="none" w="med" len="med"/>
+                      <a:tailEnd type="none" w="med" len="med"/>
+                    </a:lnT>
+                    <a:lnB w="28575" cap="flat" cmpd="sng" algn="ctr">
+                      <a:solidFill>
+                        <a:schemeClr val="tx1"/>
+                      </a:solidFill>
+                      <a:prstDash val="solid"/>
+                      <a:round/>
+                      <a:headEnd type="none" w="med" len="med"/>
+                      <a:tailEnd type="none" w="med" len="med"/>
+                    </a:lnB>
+                  </a:tcPr>
+                </a:tc>
+                <a:tc>
+                  <a:txBody>
+                    <a:bodyPr/>
+                    <a:lstStyle/>
+                    <a:p>
+                      <a:pPr marL="0" marR="0" indent="0" algn="l" defTabSz="914400" rtl="0" eaLnBrk="1" fontAlgn="auto" latinLnBrk="0" hangingPunct="1">
+                        <a:lnSpc>
+                          <a:spcPct val="100000"/>
+                        </a:lnSpc>
+                        <a:spcBef>
+                          <a:spcPts val="0"/>
+                        </a:spcBef>
+                        <a:spcAft>
+                          <a:spcPts val="0"/>
+                        </a:spcAft>
+                        <a:buClrTx/>
+                        <a:buSzTx/>
+                        <a:buFontTx/>
+                        <a:buNone/>
+                        <a:tabLst/>
+                        <a:defRPr/>
+                      </a:pPr>
+                      <a:r>
+                        <a:rPr lang="fr-FR" sz="1800" kern="1200" dirty="0" smtClean="0">
+                          <a:solidFill>
+                            <a:schemeClr val="tx1"/>
+                          </a:solidFill>
+                          <a:effectLst/>
+                          <a:latin typeface="+mn-lt"/>
+                          <a:ea typeface="+mn-ea"/>
+                          <a:cs typeface="+mn-cs"/>
+                          <a:sym typeface="Symbol" charset="2"/>
+                        </a:rPr>
+                        <a:t></a:t>
+                      </a:r>
+                      <a:endParaRPr lang="fr-FR" sz="1800" kern="1200" dirty="0" smtClean="0">
+                        <a:solidFill>
+                          <a:schemeClr val="tx1"/>
+                        </a:solidFill>
+                        <a:effectLst/>
+                        <a:latin typeface="+mn-lt"/>
+                        <a:ea typeface="+mn-ea"/>
+                        <a:cs typeface="+mn-cs"/>
+                      </a:endParaRPr>
+                    </a:p>
+                  </a:txBody>
+                  <a:tcPr>
+                    <a:lnT w="12700" cap="flat" cmpd="sng" algn="ctr">
+                      <a:solidFill>
+                        <a:schemeClr val="tx1"/>
+                      </a:solidFill>
+                      <a:prstDash val="solid"/>
+                      <a:round/>
+                      <a:headEnd type="none" w="med" len="med"/>
+                      <a:tailEnd type="none" w="med" len="med"/>
+                    </a:lnT>
+                    <a:lnB w="28575" cap="flat" cmpd="sng" algn="ctr">
+                      <a:solidFill>
+                        <a:schemeClr val="tx1"/>
+                      </a:solidFill>
+                      <a:prstDash val="solid"/>
+                      <a:round/>
+                      <a:headEnd type="none" w="med" len="med"/>
+                      <a:tailEnd type="none" w="med" len="med"/>
+                    </a:lnB>
+                  </a:tcPr>
+                </a:tc>
+                <a:tc>
+                  <a:txBody>
+                    <a:bodyPr/>
+                    <a:lstStyle/>
+                    <a:p>
+                      <a:r>
+                        <a:rPr lang="fr-FR" b="0" dirty="0" smtClean="0">
+                          <a:latin typeface="Times New Roman" charset="0"/>
+                          <a:ea typeface="Times New Roman" charset="0"/>
+                          <a:cs typeface="Times New Roman" charset="0"/>
+                        </a:rPr>
+                        <a:t>2</a:t>
+                      </a:r>
+                      <a:endParaRPr lang="fr-FR" b="0" dirty="0">
+                        <a:latin typeface="Times New Roman" charset="0"/>
+                        <a:ea typeface="Times New Roman" charset="0"/>
+                        <a:cs typeface="Times New Roman" charset="0"/>
+                      </a:endParaRPr>
+                    </a:p>
+                  </a:txBody>
+                  <a:tcPr>
+                    <a:lnT w="12700" cap="flat" cmpd="sng" algn="ctr">
+                      <a:solidFill>
+                        <a:schemeClr val="tx1"/>
+                      </a:solidFill>
+                      <a:prstDash val="solid"/>
+                      <a:round/>
+                      <a:headEnd type="none" w="med" len="med"/>
+                      <a:tailEnd type="none" w="med" len="med"/>
+                    </a:lnT>
+                    <a:lnB w="28575" cap="flat" cmpd="sng" algn="ctr">
+                      <a:solidFill>
+                        <a:schemeClr val="tx1"/>
+                      </a:solidFill>
+                      <a:prstDash val="solid"/>
+                      <a:round/>
+                      <a:headEnd type="none" w="med" len="med"/>
+                      <a:tailEnd type="none" w="med" len="med"/>
+                    </a:lnB>
+                    <a:noFill/>
+                  </a:tcPr>
+                </a:tc>
+              </a:tr>
+              <a:tr h="365635">
+                <a:tc rowSpan="2">
+                  <a:txBody>
+                    <a:bodyPr/>
+                    <a:lstStyle/>
+                    <a:p>
+                      <a:pPr marL="0" marR="0" indent="0" algn="ctr" defTabSz="914400" rtl="0" eaLnBrk="1" fontAlgn="auto" latinLnBrk="0" hangingPunct="1">
+                        <a:lnSpc>
+                          <a:spcPct val="100000"/>
+                        </a:lnSpc>
+                        <a:spcBef>
+                          <a:spcPts val="0"/>
+                        </a:spcBef>
+                        <a:spcAft>
+                          <a:spcPts val="0"/>
+                        </a:spcAft>
+                        <a:buClrTx/>
+                        <a:buSzTx/>
+                        <a:buFontTx/>
+                        <a:buNone/>
+                        <a:tabLst/>
+                        <a:defRPr/>
+                      </a:pPr>
+                      <a:endParaRPr lang="fr-FR" sz="1200" b="1" dirty="0" smtClean="0">
+                        <a:latin typeface="Times New Roman" charset="0"/>
+                        <a:ea typeface="Times New Roman" charset="0"/>
+                        <a:cs typeface="Times New Roman" charset="0"/>
+                      </a:endParaRPr>
+                    </a:p>
+                    <a:p>
+                      <a:pPr marL="0" marR="0" indent="0" algn="ctr" defTabSz="914400" rtl="0" eaLnBrk="1" fontAlgn="auto" latinLnBrk="0" hangingPunct="1">
+                        <a:lnSpc>
+                          <a:spcPct val="100000"/>
+                        </a:lnSpc>
+                        <a:spcBef>
+                          <a:spcPts val="0"/>
+                        </a:spcBef>
+                        <a:spcAft>
+                          <a:spcPts val="0"/>
+                        </a:spcAft>
+                        <a:buClrTx/>
+                        <a:buSzTx/>
+                        <a:buFontTx/>
+                        <a:buNone/>
+                        <a:tabLst/>
+                        <a:defRPr/>
+                      </a:pPr>
+                      <a:r>
+                        <a:rPr lang="fr-FR" sz="1200" b="1" dirty="0" smtClean="0">
+                          <a:latin typeface="Times New Roman" charset="0"/>
+                          <a:ea typeface="Times New Roman" charset="0"/>
+                          <a:cs typeface="Times New Roman" charset="0"/>
+                        </a:rPr>
+                        <a:t>Itération</a:t>
+                      </a:r>
+                      <a:r>
+                        <a:rPr lang="fr-FR" sz="1200" b="1" baseline="0" dirty="0" smtClean="0">
+                          <a:latin typeface="Times New Roman" charset="0"/>
+                          <a:ea typeface="Times New Roman" charset="0"/>
+                          <a:cs typeface="Times New Roman" charset="0"/>
+                        </a:rPr>
+                        <a:t> 02</a:t>
+                      </a:r>
+                      <a:endParaRPr lang="fr-FR" sz="1200" b="1" dirty="0" smtClean="0">
+                        <a:latin typeface="Times New Roman" charset="0"/>
+                        <a:ea typeface="Times New Roman" charset="0"/>
+                        <a:cs typeface="Times New Roman" charset="0"/>
+                      </a:endParaRPr>
+                    </a:p>
+                  </a:txBody>
+                  <a:tcPr>
+                    <a:lnT w="28575" cap="flat" cmpd="sng" algn="ctr">
+                      <a:solidFill>
+                        <a:schemeClr val="tx1"/>
+                      </a:solidFill>
+                      <a:prstDash val="solid"/>
+                      <a:round/>
+                      <a:headEnd type="none" w="med" len="med"/>
+                      <a:tailEnd type="none" w="med" len="med"/>
+                    </a:lnT>
+                    <a:lnB w="28575" cap="flat" cmpd="sng" algn="ctr">
+                      <a:solidFill>
+                        <a:schemeClr val="tx1"/>
+                      </a:solidFill>
+                      <a:prstDash val="solid"/>
+                      <a:round/>
+                      <a:headEnd type="none" w="med" len="med"/>
+                      <a:tailEnd type="none" w="med" len="med"/>
+                    </a:lnB>
+                  </a:tcPr>
+                </a:tc>
+                <a:tc>
+                  <a:txBody>
+                    <a:bodyPr/>
+                    <a:lstStyle/>
+                    <a:p>
+                      <a:r>
+                        <a:rPr lang="fr-FR" sz="1200" b="1" dirty="0" smtClean="0">
+                          <a:latin typeface="Times New Roman" charset="0"/>
+                          <a:ea typeface="Times New Roman" charset="0"/>
+                          <a:cs typeface="Times New Roman" charset="0"/>
+                        </a:rPr>
+                        <a:t>h1</a:t>
+                      </a:r>
+                      <a:endParaRPr lang="fr-FR" sz="1200" b="1" dirty="0">
+                        <a:latin typeface="Times New Roman" charset="0"/>
+                        <a:ea typeface="Times New Roman" charset="0"/>
+                        <a:cs typeface="Times New Roman" charset="0"/>
+                      </a:endParaRPr>
+                    </a:p>
+                  </a:txBody>
+                  <a:tcPr>
+                    <a:lnR w="28575" cap="flat" cmpd="sng" algn="ctr">
+                      <a:solidFill>
+                        <a:schemeClr val="tx1"/>
+                      </a:solidFill>
+                      <a:prstDash val="solid"/>
+                      <a:round/>
+                      <a:headEnd type="none" w="med" len="med"/>
+                      <a:tailEnd type="none" w="med" len="med"/>
+                    </a:lnR>
+                    <a:lnT w="28575" cap="flat" cmpd="sng" algn="ctr">
+                      <a:solidFill>
+                        <a:schemeClr val="tx1"/>
+                      </a:solidFill>
+                      <a:prstDash val="solid"/>
+                      <a:round/>
+                      <a:headEnd type="none" w="med" len="med"/>
+                      <a:tailEnd type="none" w="med" len="med"/>
+                    </a:lnT>
+                    <a:lnB w="12700" cap="flat" cmpd="sng" algn="ctr">
+                      <a:solidFill>
+                        <a:schemeClr val="tx1"/>
+                      </a:solidFill>
+                      <a:prstDash val="solid"/>
+                      <a:round/>
+                      <a:headEnd type="none" w="med" len="med"/>
+                      <a:tailEnd type="none" w="med" len="med"/>
+                    </a:lnB>
+                  </a:tcPr>
+                </a:tc>
+                <a:tc>
+                  <a:txBody>
+                    <a:bodyPr/>
+                    <a:lstStyle/>
+                    <a:p>
+                      <a:r>
+                        <a:rPr lang="fr-FR" b="0" dirty="0" smtClean="0">
+                          <a:latin typeface="Times New Roman" charset="0"/>
+                          <a:ea typeface="Times New Roman" charset="0"/>
+                          <a:cs typeface="Times New Roman" charset="0"/>
+                        </a:rPr>
+                        <a:t>2</a:t>
+                      </a:r>
+                      <a:endParaRPr lang="fr-FR" b="0" dirty="0">
+                        <a:latin typeface="Times New Roman" charset="0"/>
+                        <a:ea typeface="Times New Roman" charset="0"/>
+                        <a:cs typeface="Times New Roman" charset="0"/>
+                      </a:endParaRPr>
+                    </a:p>
+                  </a:txBody>
+                  <a:tcPr>
+                    <a:lnL w="28575" cap="flat" cmpd="sng" algn="ctr">
+                      <a:solidFill>
+                        <a:schemeClr val="tx1"/>
+                      </a:solidFill>
+                      <a:prstDash val="solid"/>
+                      <a:round/>
+                      <a:headEnd type="none" w="med" len="med"/>
+                      <a:tailEnd type="none" w="med" len="med"/>
+                    </a:lnL>
+                    <a:lnR w="12700" cap="flat" cmpd="sng" algn="ctr">
+                      <a:solidFill>
+                        <a:schemeClr val="tx1"/>
+                      </a:solidFill>
+                      <a:prstDash val="solid"/>
+                      <a:round/>
+                      <a:headEnd type="none" w="med" len="med"/>
+                      <a:tailEnd type="none" w="med" len="med"/>
+                    </a:lnR>
+                    <a:lnT w="28575" cap="flat" cmpd="sng" algn="ctr">
+                      <a:solidFill>
+                        <a:schemeClr val="tx1"/>
+                      </a:solidFill>
+                      <a:prstDash val="solid"/>
+                      <a:round/>
+                      <a:headEnd type="none" w="med" len="med"/>
+                      <a:tailEnd type="none" w="med" len="med"/>
+                    </a:lnT>
+                    <a:lnB w="12700" cap="flat" cmpd="sng" algn="ctr">
+                      <a:solidFill>
+                        <a:schemeClr val="tx1"/>
+                      </a:solidFill>
+                      <a:prstDash val="solid"/>
+                      <a:round/>
+                      <a:headEnd type="none" w="med" len="med"/>
+                      <a:tailEnd type="none" w="med" len="med"/>
+                    </a:lnB>
+                    <a:noFill/>
+                  </a:tcPr>
+                </a:tc>
+                <a:tc>
+                  <a:txBody>
+                    <a:bodyPr/>
+                    <a:lstStyle/>
+                    <a:p>
+                      <a:pPr marL="0" marR="0" indent="0" algn="l" defTabSz="914400" rtl="0" eaLnBrk="1" fontAlgn="auto" latinLnBrk="0" hangingPunct="1">
+                        <a:lnSpc>
+                          <a:spcPct val="100000"/>
+                        </a:lnSpc>
+                        <a:spcBef>
+                          <a:spcPts val="0"/>
+                        </a:spcBef>
+                        <a:spcAft>
+                          <a:spcPts val="0"/>
+                        </a:spcAft>
+                        <a:buClrTx/>
+                        <a:buSzTx/>
+                        <a:buFontTx/>
+                        <a:buNone/>
+                        <a:tabLst/>
+                        <a:defRPr/>
+                      </a:pPr>
+                      <a:r>
+                        <a:rPr lang="fr-FR" sz="1800" kern="1200" dirty="0" smtClean="0">
+                          <a:solidFill>
+                            <a:schemeClr val="tx1"/>
+                          </a:solidFill>
+                          <a:effectLst/>
+                          <a:latin typeface="+mn-lt"/>
+                          <a:ea typeface="+mn-ea"/>
+                          <a:cs typeface="+mn-cs"/>
+                          <a:sym typeface="Symbol" charset="2"/>
+                        </a:rPr>
+                        <a:t></a:t>
+                      </a:r>
+                      <a:endParaRPr lang="fr-FR" sz="1800" kern="1200" dirty="0" smtClean="0">
+                        <a:solidFill>
+                          <a:schemeClr val="tx1"/>
+                        </a:solidFill>
+                        <a:effectLst/>
+                        <a:latin typeface="+mn-lt"/>
+                        <a:ea typeface="+mn-ea"/>
+                        <a:cs typeface="+mn-cs"/>
+                      </a:endParaRPr>
+                    </a:p>
+                  </a:txBody>
+                  <a:tcPr>
+                    <a:lnL w="12700" cap="flat" cmpd="sng" algn="ctr">
+                      <a:solidFill>
+                        <a:schemeClr val="tx1"/>
+                      </a:solidFill>
+                      <a:prstDash val="solid"/>
+                      <a:round/>
+                      <a:headEnd type="none" w="med" len="med"/>
+                      <a:tailEnd type="none" w="med" len="med"/>
+                    </a:lnL>
+                    <a:lnT w="28575" cap="flat" cmpd="sng" algn="ctr">
+                      <a:solidFill>
+                        <a:schemeClr val="tx1"/>
+                      </a:solidFill>
+                      <a:prstDash val="solid"/>
+                      <a:round/>
+                      <a:headEnd type="none" w="med" len="med"/>
+                      <a:tailEnd type="none" w="med" len="med"/>
+                    </a:lnT>
+                    <a:lnB w="12700" cap="flat" cmpd="sng" algn="ctr">
+                      <a:solidFill>
+                        <a:schemeClr val="tx1"/>
+                      </a:solidFill>
+                      <a:prstDash val="solid"/>
+                      <a:round/>
+                      <a:headEnd type="none" w="med" len="med"/>
+                      <a:tailEnd type="none" w="med" len="med"/>
+                    </a:lnB>
+                  </a:tcPr>
+                </a:tc>
+                <a:tc>
+                  <a:txBody>
+                    <a:bodyPr/>
+                    <a:lstStyle/>
+                    <a:p>
+                      <a:r>
+                        <a:rPr lang="fr-FR" b="0" dirty="0" smtClean="0">
+                          <a:latin typeface="Times New Roman" charset="0"/>
+                          <a:ea typeface="Times New Roman" charset="0"/>
+                          <a:cs typeface="Times New Roman" charset="0"/>
+                        </a:rPr>
                         <a:t>3</a:t>
                       </a:r>
                       <a:endParaRPr lang="fr-FR" b="0" dirty="0">
@@ -8702,6 +10156,114 @@
                     </a:p>
                   </a:txBody>
                   <a:tcPr>
+                    <a:lnT w="28575" cap="flat" cmpd="sng" algn="ctr">
+                      <a:solidFill>
+                        <a:schemeClr val="tx1"/>
+                      </a:solidFill>
+                      <a:prstDash val="solid"/>
+                      <a:round/>
+                      <a:headEnd type="none" w="med" len="med"/>
+                      <a:tailEnd type="none" w="med" len="med"/>
+                    </a:lnT>
+                    <a:lnB w="12700" cap="flat" cmpd="sng" algn="ctr">
+                      <a:solidFill>
+                        <a:schemeClr val="tx1"/>
+                      </a:solidFill>
+                      <a:prstDash val="solid"/>
+                      <a:round/>
+                      <a:headEnd type="none" w="med" len="med"/>
+                      <a:tailEnd type="none" w="med" len="med"/>
+                    </a:lnB>
+                  </a:tcPr>
+                </a:tc>
+                <a:tc>
+                  <a:txBody>
+                    <a:bodyPr/>
+                    <a:lstStyle/>
+                    <a:p>
+                      <a:r>
+                        <a:rPr lang="fr-FR" b="0" dirty="0" smtClean="0">
+                          <a:latin typeface="Times New Roman" charset="0"/>
+                          <a:ea typeface="Times New Roman" charset="0"/>
+                          <a:cs typeface="Times New Roman" charset="0"/>
+                        </a:rPr>
+                        <a:t>2</a:t>
+                      </a:r>
+                      <a:endParaRPr lang="fr-FR" b="0" dirty="0">
+                        <a:latin typeface="Times New Roman" charset="0"/>
+                        <a:ea typeface="Times New Roman" charset="0"/>
+                        <a:cs typeface="Times New Roman" charset="0"/>
+                      </a:endParaRPr>
+                    </a:p>
+                  </a:txBody>
+                  <a:tcPr>
+                    <a:lnT w="28575" cap="flat" cmpd="sng" algn="ctr">
+                      <a:solidFill>
+                        <a:schemeClr val="tx1"/>
+                      </a:solidFill>
+                      <a:prstDash val="solid"/>
+                      <a:round/>
+                      <a:headEnd type="none" w="med" len="med"/>
+                      <a:tailEnd type="none" w="med" len="med"/>
+                    </a:lnT>
+                    <a:lnB w="12700" cap="flat" cmpd="sng" algn="ctr">
+                      <a:solidFill>
+                        <a:schemeClr val="tx1"/>
+                      </a:solidFill>
+                      <a:prstDash val="solid"/>
+                      <a:round/>
+                      <a:headEnd type="none" w="med" len="med"/>
+                      <a:tailEnd type="none" w="med" len="med"/>
+                    </a:lnB>
+                    <a:noFill/>
+                  </a:tcPr>
+                </a:tc>
+              </a:tr>
+              <a:tr h="365635">
+                <a:tc vMerge="1">
+                  <a:txBody>
+                    <a:bodyPr/>
+                    <a:lstStyle/>
+                    <a:p>
+                      <a:endParaRPr lang="fr-FR" sz="1200" b="1" dirty="0">
+                        <a:latin typeface="Times New Roman" charset="0"/>
+                        <a:ea typeface="Times New Roman" charset="0"/>
+                        <a:cs typeface="Times New Roman" charset="0"/>
+                      </a:endParaRPr>
+                    </a:p>
+                  </a:txBody>
+                  <a:tcPr/>
+                </a:tc>
+                <a:tc>
+                  <a:txBody>
+                    <a:bodyPr/>
+                    <a:lstStyle/>
+                    <a:p>
+                      <a:r>
+                        <a:rPr lang="fr-FR" sz="1200" b="1" dirty="0" smtClean="0">
+                          <a:latin typeface="Times New Roman" charset="0"/>
+                          <a:ea typeface="Times New Roman" charset="0"/>
+                          <a:cs typeface="Times New Roman" charset="0"/>
+                        </a:rPr>
+                        <a:t>h2</a:t>
+                      </a:r>
+                      <a:endParaRPr lang="fr-FR" sz="1200" b="1" dirty="0">
+                        <a:latin typeface="Times New Roman" charset="0"/>
+                        <a:ea typeface="Times New Roman" charset="0"/>
+                        <a:cs typeface="Times New Roman" charset="0"/>
+                      </a:endParaRPr>
+                    </a:p>
+                  </a:txBody>
+                  <a:tcPr>
+                    <a:lnR w="28575" cap="flat" cmpd="sng" algn="ctr">
+                      <a:solidFill>
+                        <a:schemeClr val="tx1"/>
+                      </a:solidFill>
+                      <a:prstDash val="solid"/>
+                      <a:round/>
+                      <a:headEnd type="none" w="med" len="med"/>
+                      <a:tailEnd type="none" w="med" len="med"/>
+                    </a:lnR>
                     <a:lnT w="12700" cap="flat" cmpd="sng" algn="ctr">
                       <a:solidFill>
                         <a:schemeClr val="tx1"/>
@@ -8711,22 +10273,1351 @@
                       <a:headEnd type="none" w="med" len="med"/>
                       <a:tailEnd type="none" w="med" len="med"/>
                     </a:lnT>
-                  </a:tcPr>
-                </a:tc>
-                <a:tc>
-                  <a:txBody>
-                    <a:bodyPr/>
-                    <a:lstStyle/>
-                    <a:p>
-                      <a:r>
-                        <a:rPr lang="fr-FR" b="1" dirty="0" smtClean="0">
+                    <a:lnB w="28575" cap="flat" cmpd="sng" algn="ctr">
+                      <a:solidFill>
+                        <a:schemeClr val="tx1"/>
+                      </a:solidFill>
+                      <a:prstDash val="solid"/>
+                      <a:round/>
+                      <a:headEnd type="none" w="med" len="med"/>
+                      <a:tailEnd type="none" w="med" len="med"/>
+                    </a:lnB>
+                  </a:tcPr>
+                </a:tc>
+                <a:tc>
+                  <a:txBody>
+                    <a:bodyPr/>
+                    <a:lstStyle/>
+                    <a:p>
+                      <a:r>
+                        <a:rPr lang="fr-FR" b="0" dirty="0" smtClean="0">
                           <a:latin typeface="Times New Roman" charset="0"/>
                           <a:ea typeface="Times New Roman" charset="0"/>
                           <a:cs typeface="Times New Roman" charset="0"/>
                         </a:rPr>
                         <a:t>2</a:t>
                       </a:r>
-                      <a:endParaRPr lang="fr-FR" b="1" dirty="0">
+                      <a:endParaRPr lang="fr-FR" b="0" dirty="0">
+                        <a:latin typeface="Times New Roman" charset="0"/>
+                        <a:ea typeface="Times New Roman" charset="0"/>
+                        <a:cs typeface="Times New Roman" charset="0"/>
+                      </a:endParaRPr>
+                    </a:p>
+                  </a:txBody>
+                  <a:tcPr>
+                    <a:lnL w="28575" cap="flat" cmpd="sng" algn="ctr">
+                      <a:solidFill>
+                        <a:schemeClr val="tx1"/>
+                      </a:solidFill>
+                      <a:prstDash val="solid"/>
+                      <a:round/>
+                      <a:headEnd type="none" w="med" len="med"/>
+                      <a:tailEnd type="none" w="med" len="med"/>
+                    </a:lnL>
+                    <a:lnR w="12700" cap="flat" cmpd="sng" algn="ctr">
+                      <a:solidFill>
+                        <a:schemeClr val="tx1"/>
+                      </a:solidFill>
+                      <a:prstDash val="solid"/>
+                      <a:round/>
+                      <a:headEnd type="none" w="med" len="med"/>
+                      <a:tailEnd type="none" w="med" len="med"/>
+                    </a:lnR>
+                    <a:lnT w="12700" cap="flat" cmpd="sng" algn="ctr">
+                      <a:solidFill>
+                        <a:schemeClr val="tx1"/>
+                      </a:solidFill>
+                      <a:prstDash val="solid"/>
+                      <a:round/>
+                      <a:headEnd type="none" w="med" len="med"/>
+                      <a:tailEnd type="none" w="med" len="med"/>
+                    </a:lnT>
+                    <a:lnB w="28575" cap="flat" cmpd="sng" algn="ctr">
+                      <a:solidFill>
+                        <a:schemeClr val="tx1"/>
+                      </a:solidFill>
+                      <a:prstDash val="solid"/>
+                      <a:round/>
+                      <a:headEnd type="none" w="med" len="med"/>
+                      <a:tailEnd type="none" w="med" len="med"/>
+                    </a:lnB>
+                    <a:noFill/>
+                  </a:tcPr>
+                </a:tc>
+                <a:tc>
+                  <a:txBody>
+                    <a:bodyPr/>
+                    <a:lstStyle/>
+                    <a:p>
+                      <a:pPr marL="0" marR="0" indent="0" algn="l" defTabSz="914400" rtl="0" eaLnBrk="1" fontAlgn="auto" latinLnBrk="0" hangingPunct="1">
+                        <a:lnSpc>
+                          <a:spcPct val="100000"/>
+                        </a:lnSpc>
+                        <a:spcBef>
+                          <a:spcPts val="0"/>
+                        </a:spcBef>
+                        <a:spcAft>
+                          <a:spcPts val="0"/>
+                        </a:spcAft>
+                        <a:buClrTx/>
+                        <a:buSzTx/>
+                        <a:buFontTx/>
+                        <a:buNone/>
+                        <a:tabLst/>
+                        <a:defRPr/>
+                      </a:pPr>
+                      <a:r>
+                        <a:rPr lang="fr-FR" sz="1800" kern="1200" dirty="0" smtClean="0">
+                          <a:solidFill>
+                            <a:schemeClr val="tx1"/>
+                          </a:solidFill>
+                          <a:effectLst/>
+                          <a:latin typeface="+mn-lt"/>
+                          <a:ea typeface="+mn-ea"/>
+                          <a:cs typeface="+mn-cs"/>
+                          <a:sym typeface="Symbol" charset="2"/>
+                        </a:rPr>
+                        <a:t></a:t>
+                      </a:r>
+                      <a:endParaRPr lang="fr-FR" sz="1800" kern="1200" dirty="0" smtClean="0">
+                        <a:solidFill>
+                          <a:schemeClr val="tx1"/>
+                        </a:solidFill>
+                        <a:effectLst/>
+                        <a:latin typeface="+mn-lt"/>
+                        <a:ea typeface="+mn-ea"/>
+                        <a:cs typeface="+mn-cs"/>
+                      </a:endParaRPr>
+                    </a:p>
+                  </a:txBody>
+                  <a:tcPr>
+                    <a:lnL w="12700" cap="flat" cmpd="sng" algn="ctr">
+                      <a:solidFill>
+                        <a:schemeClr val="tx1"/>
+                      </a:solidFill>
+                      <a:prstDash val="solid"/>
+                      <a:round/>
+                      <a:headEnd type="none" w="med" len="med"/>
+                      <a:tailEnd type="none" w="med" len="med"/>
+                    </a:lnL>
+                    <a:lnT w="12700" cap="flat" cmpd="sng" algn="ctr">
+                      <a:solidFill>
+                        <a:schemeClr val="tx1"/>
+                      </a:solidFill>
+                      <a:prstDash val="solid"/>
+                      <a:round/>
+                      <a:headEnd type="none" w="med" len="med"/>
+                      <a:tailEnd type="none" w="med" len="med"/>
+                    </a:lnT>
+                    <a:lnB w="28575" cap="flat" cmpd="sng" algn="ctr">
+                      <a:solidFill>
+                        <a:schemeClr val="tx1"/>
+                      </a:solidFill>
+                      <a:prstDash val="solid"/>
+                      <a:round/>
+                      <a:headEnd type="none" w="med" len="med"/>
+                      <a:tailEnd type="none" w="med" len="med"/>
+                    </a:lnB>
+                  </a:tcPr>
+                </a:tc>
+                <a:tc>
+                  <a:txBody>
+                    <a:bodyPr/>
+                    <a:lstStyle/>
+                    <a:p>
+                      <a:r>
+                        <a:rPr lang="fr-FR" b="0" dirty="0" smtClean="0">
+                          <a:latin typeface="Times New Roman" charset="0"/>
+                          <a:ea typeface="Times New Roman" charset="0"/>
+                          <a:cs typeface="Times New Roman" charset="0"/>
+                        </a:rPr>
+                        <a:t>1</a:t>
+                      </a:r>
+                      <a:endParaRPr lang="fr-FR" b="0" dirty="0">
+                        <a:latin typeface="Times New Roman" charset="0"/>
+                        <a:ea typeface="Times New Roman" charset="0"/>
+                        <a:cs typeface="Times New Roman" charset="0"/>
+                      </a:endParaRPr>
+                    </a:p>
+                  </a:txBody>
+                  <a:tcPr>
+                    <a:lnT w="12700" cap="flat" cmpd="sng" algn="ctr">
+                      <a:solidFill>
+                        <a:schemeClr val="tx1"/>
+                      </a:solidFill>
+                      <a:prstDash val="solid"/>
+                      <a:round/>
+                      <a:headEnd type="none" w="med" len="med"/>
+                      <a:tailEnd type="none" w="med" len="med"/>
+                    </a:lnT>
+                    <a:lnB w="28575" cap="flat" cmpd="sng" algn="ctr">
+                      <a:solidFill>
+                        <a:schemeClr val="tx1"/>
+                      </a:solidFill>
+                      <a:prstDash val="solid"/>
+                      <a:round/>
+                      <a:headEnd type="none" w="med" len="med"/>
+                      <a:tailEnd type="none" w="med" len="med"/>
+                    </a:lnB>
+                  </a:tcPr>
+                </a:tc>
+                <a:tc>
+                  <a:txBody>
+                    <a:bodyPr/>
+                    <a:lstStyle/>
+                    <a:p>
+                      <a:r>
+                        <a:rPr lang="fr-FR" b="0" dirty="0" smtClean="0">
+                          <a:latin typeface="Times New Roman" charset="0"/>
+                          <a:ea typeface="Times New Roman" charset="0"/>
+                          <a:cs typeface="Times New Roman" charset="0"/>
+                        </a:rPr>
+                        <a:t>2</a:t>
+                      </a:r>
+                      <a:endParaRPr lang="fr-FR" b="0" dirty="0">
+                        <a:latin typeface="Times New Roman" charset="0"/>
+                        <a:ea typeface="Times New Roman" charset="0"/>
+                        <a:cs typeface="Times New Roman" charset="0"/>
+                      </a:endParaRPr>
+                    </a:p>
+                  </a:txBody>
+                  <a:tcPr>
+                    <a:lnT w="12700" cap="flat" cmpd="sng" algn="ctr">
+                      <a:solidFill>
+                        <a:schemeClr val="tx1"/>
+                      </a:solidFill>
+                      <a:prstDash val="solid"/>
+                      <a:round/>
+                      <a:headEnd type="none" w="med" len="med"/>
+                      <a:tailEnd type="none" w="med" len="med"/>
+                    </a:lnT>
+                    <a:lnB w="28575" cap="flat" cmpd="sng" algn="ctr">
+                      <a:solidFill>
+                        <a:schemeClr val="tx1"/>
+                      </a:solidFill>
+                      <a:prstDash val="solid"/>
+                      <a:round/>
+                      <a:headEnd type="none" w="med" len="med"/>
+                      <a:tailEnd type="none" w="med" len="med"/>
+                    </a:lnB>
+                    <a:noFill/>
+                  </a:tcPr>
+                </a:tc>
+              </a:tr>
+              <a:tr h="365635">
+                <a:tc rowSpan="2">
+                  <a:txBody>
+                    <a:bodyPr/>
+                    <a:lstStyle/>
+                    <a:p>
+                      <a:pPr marL="0" marR="0" indent="0" algn="ctr" defTabSz="914400" rtl="0" eaLnBrk="1" fontAlgn="auto" latinLnBrk="0" hangingPunct="1">
+                        <a:lnSpc>
+                          <a:spcPct val="100000"/>
+                        </a:lnSpc>
+                        <a:spcBef>
+                          <a:spcPts val="0"/>
+                        </a:spcBef>
+                        <a:spcAft>
+                          <a:spcPts val="0"/>
+                        </a:spcAft>
+                        <a:buClrTx/>
+                        <a:buSzTx/>
+                        <a:buFontTx/>
+                        <a:buNone/>
+                        <a:tabLst/>
+                        <a:defRPr/>
+                      </a:pPr>
+                      <a:endParaRPr lang="fr-FR" sz="1200" b="1" dirty="0" smtClean="0">
+                        <a:latin typeface="Times New Roman" charset="0"/>
+                        <a:ea typeface="Times New Roman" charset="0"/>
+                        <a:cs typeface="Times New Roman" charset="0"/>
+                      </a:endParaRPr>
+                    </a:p>
+                    <a:p>
+                      <a:pPr marL="0" marR="0" indent="0" algn="ctr" defTabSz="914400" rtl="0" eaLnBrk="1" fontAlgn="auto" latinLnBrk="0" hangingPunct="1">
+                        <a:lnSpc>
+                          <a:spcPct val="100000"/>
+                        </a:lnSpc>
+                        <a:spcBef>
+                          <a:spcPts val="0"/>
+                        </a:spcBef>
+                        <a:spcAft>
+                          <a:spcPts val="0"/>
+                        </a:spcAft>
+                        <a:buClrTx/>
+                        <a:buSzTx/>
+                        <a:buFontTx/>
+                        <a:buNone/>
+                        <a:tabLst/>
+                        <a:defRPr/>
+                      </a:pPr>
+                      <a:r>
+                        <a:rPr lang="fr-FR" sz="1200" b="1" dirty="0" smtClean="0">
+                          <a:latin typeface="Times New Roman" charset="0"/>
+                          <a:ea typeface="Times New Roman" charset="0"/>
+                          <a:cs typeface="Times New Roman" charset="0"/>
+                        </a:rPr>
+                        <a:t>Itération</a:t>
+                      </a:r>
+                      <a:r>
+                        <a:rPr lang="fr-FR" sz="1200" b="1" baseline="0" dirty="0" smtClean="0">
+                          <a:latin typeface="Times New Roman" charset="0"/>
+                          <a:ea typeface="Times New Roman" charset="0"/>
+                          <a:cs typeface="Times New Roman" charset="0"/>
+                        </a:rPr>
+                        <a:t> 03</a:t>
+                      </a:r>
+                      <a:endParaRPr lang="fr-FR" sz="1200" b="1" dirty="0" smtClean="0">
+                        <a:latin typeface="Times New Roman" charset="0"/>
+                        <a:ea typeface="Times New Roman" charset="0"/>
+                        <a:cs typeface="Times New Roman" charset="0"/>
+                      </a:endParaRPr>
+                    </a:p>
+                  </a:txBody>
+                  <a:tcPr>
+                    <a:lnT w="28575" cap="flat" cmpd="sng" algn="ctr">
+                      <a:solidFill>
+                        <a:schemeClr val="tx1"/>
+                      </a:solidFill>
+                      <a:prstDash val="solid"/>
+                      <a:round/>
+                      <a:headEnd type="none" w="med" len="med"/>
+                      <a:tailEnd type="none" w="med" len="med"/>
+                    </a:lnT>
+                    <a:lnB w="28575" cap="flat" cmpd="sng" algn="ctr">
+                      <a:solidFill>
+                        <a:schemeClr val="tx1"/>
+                      </a:solidFill>
+                      <a:prstDash val="solid"/>
+                      <a:round/>
+                      <a:headEnd type="none" w="med" len="med"/>
+                      <a:tailEnd type="none" w="med" len="med"/>
+                    </a:lnB>
+                  </a:tcPr>
+                </a:tc>
+                <a:tc>
+                  <a:txBody>
+                    <a:bodyPr/>
+                    <a:lstStyle/>
+                    <a:p>
+                      <a:r>
+                        <a:rPr lang="fr-FR" sz="1200" b="1" dirty="0" smtClean="0">
+                          <a:latin typeface="Times New Roman" charset="0"/>
+                          <a:ea typeface="Times New Roman" charset="0"/>
+                          <a:cs typeface="Times New Roman" charset="0"/>
+                        </a:rPr>
+                        <a:t>h1</a:t>
+                      </a:r>
+                      <a:endParaRPr lang="fr-FR" sz="1200" b="1" dirty="0">
+                        <a:latin typeface="Times New Roman" charset="0"/>
+                        <a:ea typeface="Times New Roman" charset="0"/>
+                        <a:cs typeface="Times New Roman" charset="0"/>
+                      </a:endParaRPr>
+                    </a:p>
+                  </a:txBody>
+                  <a:tcPr>
+                    <a:lnR w="28575" cap="flat" cmpd="sng" algn="ctr">
+                      <a:solidFill>
+                        <a:schemeClr val="tx1"/>
+                      </a:solidFill>
+                      <a:prstDash val="solid"/>
+                      <a:round/>
+                      <a:headEnd type="none" w="med" len="med"/>
+                      <a:tailEnd type="none" w="med" len="med"/>
+                    </a:lnR>
+                    <a:lnT w="28575" cap="flat" cmpd="sng" algn="ctr">
+                      <a:solidFill>
+                        <a:schemeClr val="tx1"/>
+                      </a:solidFill>
+                      <a:prstDash val="solid"/>
+                      <a:round/>
+                      <a:headEnd type="none" w="med" len="med"/>
+                      <a:tailEnd type="none" w="med" len="med"/>
+                    </a:lnT>
+                    <a:lnB w="12700" cap="flat" cmpd="sng" algn="ctr">
+                      <a:solidFill>
+                        <a:schemeClr val="tx1"/>
+                      </a:solidFill>
+                      <a:prstDash val="solid"/>
+                      <a:round/>
+                      <a:headEnd type="none" w="med" len="med"/>
+                      <a:tailEnd type="none" w="med" len="med"/>
+                    </a:lnB>
+                  </a:tcPr>
+                </a:tc>
+                <a:tc>
+                  <a:txBody>
+                    <a:bodyPr/>
+                    <a:lstStyle/>
+                    <a:p>
+                      <a:r>
+                        <a:rPr lang="fr-FR" b="0" dirty="0" smtClean="0">
+                          <a:latin typeface="Times New Roman" charset="0"/>
+                          <a:ea typeface="Times New Roman" charset="0"/>
+                          <a:cs typeface="Times New Roman" charset="0"/>
+                        </a:rPr>
+                        <a:t>2</a:t>
+                      </a:r>
+                      <a:endParaRPr lang="fr-FR" b="0" dirty="0">
+                        <a:latin typeface="Times New Roman" charset="0"/>
+                        <a:ea typeface="Times New Roman" charset="0"/>
+                        <a:cs typeface="Times New Roman" charset="0"/>
+                      </a:endParaRPr>
+                    </a:p>
+                  </a:txBody>
+                  <a:tcPr>
+                    <a:lnL w="28575" cap="flat" cmpd="sng" algn="ctr">
+                      <a:solidFill>
+                        <a:schemeClr val="tx1"/>
+                      </a:solidFill>
+                      <a:prstDash val="solid"/>
+                      <a:round/>
+                      <a:headEnd type="none" w="med" len="med"/>
+                      <a:tailEnd type="none" w="med" len="med"/>
+                    </a:lnL>
+                    <a:lnR w="12700" cap="flat" cmpd="sng" algn="ctr">
+                      <a:solidFill>
+                        <a:schemeClr val="tx1"/>
+                      </a:solidFill>
+                      <a:prstDash val="solid"/>
+                      <a:round/>
+                      <a:headEnd type="none" w="med" len="med"/>
+                      <a:tailEnd type="none" w="med" len="med"/>
+                    </a:lnR>
+                    <a:lnT w="28575" cap="flat" cmpd="sng" algn="ctr">
+                      <a:solidFill>
+                        <a:schemeClr val="tx1"/>
+                      </a:solidFill>
+                      <a:prstDash val="solid"/>
+                      <a:round/>
+                      <a:headEnd type="none" w="med" len="med"/>
+                      <a:tailEnd type="none" w="med" len="med"/>
+                    </a:lnT>
+                    <a:lnB w="12700" cap="flat" cmpd="sng" algn="ctr">
+                      <a:solidFill>
+                        <a:schemeClr val="tx1"/>
+                      </a:solidFill>
+                      <a:prstDash val="solid"/>
+                      <a:round/>
+                      <a:headEnd type="none" w="med" len="med"/>
+                      <a:tailEnd type="none" w="med" len="med"/>
+                    </a:lnB>
+                    <a:noFill/>
+                  </a:tcPr>
+                </a:tc>
+                <a:tc>
+                  <a:txBody>
+                    <a:bodyPr/>
+                    <a:lstStyle/>
+                    <a:p>
+                      <a:r>
+                        <a:rPr lang="fr-FR" b="0" dirty="0" smtClean="0">
+                          <a:latin typeface="Times New Roman" charset="0"/>
+                          <a:ea typeface="Times New Roman" charset="0"/>
+                          <a:cs typeface="Times New Roman" charset="0"/>
+                        </a:rPr>
+                        <a:t>4</a:t>
+                      </a:r>
+                      <a:endParaRPr lang="fr-FR" b="0" dirty="0">
+                        <a:latin typeface="Times New Roman" charset="0"/>
+                        <a:ea typeface="Times New Roman" charset="0"/>
+                        <a:cs typeface="Times New Roman" charset="0"/>
+                      </a:endParaRPr>
+                    </a:p>
+                  </a:txBody>
+                  <a:tcPr>
+                    <a:lnL w="12700" cap="flat" cmpd="sng" algn="ctr">
+                      <a:solidFill>
+                        <a:schemeClr val="tx1"/>
+                      </a:solidFill>
+                      <a:prstDash val="solid"/>
+                      <a:round/>
+                      <a:headEnd type="none" w="med" len="med"/>
+                      <a:tailEnd type="none" w="med" len="med"/>
+                    </a:lnL>
+                    <a:lnT w="28575" cap="flat" cmpd="sng" algn="ctr">
+                      <a:solidFill>
+                        <a:schemeClr val="tx1"/>
+                      </a:solidFill>
+                      <a:prstDash val="solid"/>
+                      <a:round/>
+                      <a:headEnd type="none" w="med" len="med"/>
+                      <a:tailEnd type="none" w="med" len="med"/>
+                    </a:lnT>
+                    <a:lnB w="12700" cap="flat" cmpd="sng" algn="ctr">
+                      <a:solidFill>
+                        <a:schemeClr val="tx1"/>
+                      </a:solidFill>
+                      <a:prstDash val="solid"/>
+                      <a:round/>
+                      <a:headEnd type="none" w="med" len="med"/>
+                      <a:tailEnd type="none" w="med" len="med"/>
+                    </a:lnB>
+                  </a:tcPr>
+                </a:tc>
+                <a:tc>
+                  <a:txBody>
+                    <a:bodyPr/>
+                    <a:lstStyle/>
+                    <a:p>
+                      <a:r>
+                        <a:rPr lang="fr-FR" b="0" dirty="0" smtClean="0">
+                          <a:latin typeface="Times New Roman" charset="0"/>
+                          <a:ea typeface="Times New Roman" charset="0"/>
+                          <a:cs typeface="Times New Roman" charset="0"/>
+                        </a:rPr>
+                        <a:t>3</a:t>
+                      </a:r>
+                      <a:endParaRPr lang="fr-FR" b="0" dirty="0">
+                        <a:latin typeface="Times New Roman" charset="0"/>
+                        <a:ea typeface="Times New Roman" charset="0"/>
+                        <a:cs typeface="Times New Roman" charset="0"/>
+                      </a:endParaRPr>
+                    </a:p>
+                  </a:txBody>
+                  <a:tcPr>
+                    <a:lnT w="28575" cap="flat" cmpd="sng" algn="ctr">
+                      <a:solidFill>
+                        <a:schemeClr val="tx1"/>
+                      </a:solidFill>
+                      <a:prstDash val="solid"/>
+                      <a:round/>
+                      <a:headEnd type="none" w="med" len="med"/>
+                      <a:tailEnd type="none" w="med" len="med"/>
+                    </a:lnT>
+                    <a:lnB w="12700" cap="flat" cmpd="sng" algn="ctr">
+                      <a:solidFill>
+                        <a:schemeClr val="tx1"/>
+                      </a:solidFill>
+                      <a:prstDash val="solid"/>
+                      <a:round/>
+                      <a:headEnd type="none" w="med" len="med"/>
+                      <a:tailEnd type="none" w="med" len="med"/>
+                    </a:lnB>
+                  </a:tcPr>
+                </a:tc>
+                <a:tc>
+                  <a:txBody>
+                    <a:bodyPr/>
+                    <a:lstStyle/>
+                    <a:p>
+                      <a:r>
+                        <a:rPr lang="fr-FR" b="0" dirty="0" smtClean="0">
+                          <a:latin typeface="Times New Roman" charset="0"/>
+                          <a:ea typeface="Times New Roman" charset="0"/>
+                          <a:cs typeface="Times New Roman" charset="0"/>
+                        </a:rPr>
+                        <a:t>2</a:t>
+                      </a:r>
+                      <a:endParaRPr lang="fr-FR" b="0" dirty="0">
+                        <a:latin typeface="Times New Roman" charset="0"/>
+                        <a:ea typeface="Times New Roman" charset="0"/>
+                        <a:cs typeface="Times New Roman" charset="0"/>
+                      </a:endParaRPr>
+                    </a:p>
+                  </a:txBody>
+                  <a:tcPr>
+                    <a:lnT w="28575" cap="flat" cmpd="sng" algn="ctr">
+                      <a:solidFill>
+                        <a:schemeClr val="tx1"/>
+                      </a:solidFill>
+                      <a:prstDash val="solid"/>
+                      <a:round/>
+                      <a:headEnd type="none" w="med" len="med"/>
+                      <a:tailEnd type="none" w="med" len="med"/>
+                    </a:lnT>
+                    <a:lnB w="12700" cap="flat" cmpd="sng" algn="ctr">
+                      <a:solidFill>
+                        <a:schemeClr val="tx1"/>
+                      </a:solidFill>
+                      <a:prstDash val="solid"/>
+                      <a:round/>
+                      <a:headEnd type="none" w="med" len="med"/>
+                      <a:tailEnd type="none" w="med" len="med"/>
+                    </a:lnB>
+                    <a:noFill/>
+                  </a:tcPr>
+                </a:tc>
+              </a:tr>
+              <a:tr h="365635">
+                <a:tc vMerge="1">
+                  <a:txBody>
+                    <a:bodyPr/>
+                    <a:lstStyle/>
+                    <a:p>
+                      <a:endParaRPr lang="fr-FR" sz="1200" b="1" dirty="0">
+                        <a:latin typeface="Times New Roman" charset="0"/>
+                        <a:ea typeface="Times New Roman" charset="0"/>
+                        <a:cs typeface="Times New Roman" charset="0"/>
+                      </a:endParaRPr>
+                    </a:p>
+                  </a:txBody>
+                  <a:tcPr/>
+                </a:tc>
+                <a:tc>
+                  <a:txBody>
+                    <a:bodyPr/>
+                    <a:lstStyle/>
+                    <a:p>
+                      <a:r>
+                        <a:rPr lang="fr-FR" sz="1200" b="1" dirty="0" smtClean="0">
+                          <a:latin typeface="Times New Roman" charset="0"/>
+                          <a:ea typeface="Times New Roman" charset="0"/>
+                          <a:cs typeface="Times New Roman" charset="0"/>
+                        </a:rPr>
+                        <a:t>h2</a:t>
+                      </a:r>
+                      <a:endParaRPr lang="fr-FR" sz="1200" b="1" dirty="0">
+                        <a:latin typeface="Times New Roman" charset="0"/>
+                        <a:ea typeface="Times New Roman" charset="0"/>
+                        <a:cs typeface="Times New Roman" charset="0"/>
+                      </a:endParaRPr>
+                    </a:p>
+                  </a:txBody>
+                  <a:tcPr>
+                    <a:lnR w="28575" cap="flat" cmpd="sng" algn="ctr">
+                      <a:solidFill>
+                        <a:schemeClr val="tx1"/>
+                      </a:solidFill>
+                      <a:prstDash val="solid"/>
+                      <a:round/>
+                      <a:headEnd type="none" w="med" len="med"/>
+                      <a:tailEnd type="none" w="med" len="med"/>
+                    </a:lnR>
+                    <a:lnT w="12700" cap="flat" cmpd="sng" algn="ctr">
+                      <a:solidFill>
+                        <a:schemeClr val="tx1"/>
+                      </a:solidFill>
+                      <a:prstDash val="solid"/>
+                      <a:round/>
+                      <a:headEnd type="none" w="med" len="med"/>
+                      <a:tailEnd type="none" w="med" len="med"/>
+                    </a:lnT>
+                    <a:lnB w="28575" cap="flat" cmpd="sng" algn="ctr">
+                      <a:solidFill>
+                        <a:schemeClr val="tx1"/>
+                      </a:solidFill>
+                      <a:prstDash val="solid"/>
+                      <a:round/>
+                      <a:headEnd type="none" w="med" len="med"/>
+                      <a:tailEnd type="none" w="med" len="med"/>
+                    </a:lnB>
+                  </a:tcPr>
+                </a:tc>
+                <a:tc>
+                  <a:txBody>
+                    <a:bodyPr/>
+                    <a:lstStyle/>
+                    <a:p>
+                      <a:r>
+                        <a:rPr lang="fr-FR" b="0" dirty="0" smtClean="0">
+                          <a:latin typeface="Times New Roman" charset="0"/>
+                          <a:ea typeface="Times New Roman" charset="0"/>
+                          <a:cs typeface="Times New Roman" charset="0"/>
+                        </a:rPr>
+                        <a:t>2</a:t>
+                      </a:r>
+                      <a:endParaRPr lang="fr-FR" b="0" dirty="0">
+                        <a:latin typeface="Times New Roman" charset="0"/>
+                        <a:ea typeface="Times New Roman" charset="0"/>
+                        <a:cs typeface="Times New Roman" charset="0"/>
+                      </a:endParaRPr>
+                    </a:p>
+                  </a:txBody>
+                  <a:tcPr>
+                    <a:lnL w="28575" cap="flat" cmpd="sng" algn="ctr">
+                      <a:solidFill>
+                        <a:schemeClr val="tx1"/>
+                      </a:solidFill>
+                      <a:prstDash val="solid"/>
+                      <a:round/>
+                      <a:headEnd type="none" w="med" len="med"/>
+                      <a:tailEnd type="none" w="med" len="med"/>
+                    </a:lnL>
+                    <a:lnR w="12700" cap="flat" cmpd="sng" algn="ctr">
+                      <a:solidFill>
+                        <a:schemeClr val="tx1"/>
+                      </a:solidFill>
+                      <a:prstDash val="solid"/>
+                      <a:round/>
+                      <a:headEnd type="none" w="med" len="med"/>
+                      <a:tailEnd type="none" w="med" len="med"/>
+                    </a:lnR>
+                    <a:lnT w="12700" cap="flat" cmpd="sng" algn="ctr">
+                      <a:solidFill>
+                        <a:schemeClr val="tx1"/>
+                      </a:solidFill>
+                      <a:prstDash val="solid"/>
+                      <a:round/>
+                      <a:headEnd type="none" w="med" len="med"/>
+                      <a:tailEnd type="none" w="med" len="med"/>
+                    </a:lnT>
+                    <a:lnB w="28575" cap="flat" cmpd="sng" algn="ctr">
+                      <a:solidFill>
+                        <a:schemeClr val="tx1"/>
+                      </a:solidFill>
+                      <a:prstDash val="solid"/>
+                      <a:round/>
+                      <a:headEnd type="none" w="med" len="med"/>
+                      <a:tailEnd type="none" w="med" len="med"/>
+                    </a:lnB>
+                    <a:noFill/>
+                  </a:tcPr>
+                </a:tc>
+                <a:tc>
+                  <a:txBody>
+                    <a:bodyPr/>
+                    <a:lstStyle/>
+                    <a:p>
+                      <a:r>
+                        <a:rPr lang="fr-FR" b="0" dirty="0" smtClean="0">
+                          <a:latin typeface="Times New Roman" charset="0"/>
+                          <a:ea typeface="Times New Roman" charset="0"/>
+                          <a:cs typeface="Times New Roman" charset="0"/>
+                        </a:rPr>
+                        <a:t>3</a:t>
+                      </a:r>
+                      <a:endParaRPr lang="fr-FR" b="0" dirty="0">
+                        <a:latin typeface="Times New Roman" charset="0"/>
+                        <a:ea typeface="Times New Roman" charset="0"/>
+                        <a:cs typeface="Times New Roman" charset="0"/>
+                      </a:endParaRPr>
+                    </a:p>
+                  </a:txBody>
+                  <a:tcPr>
+                    <a:lnL w="12700" cap="flat" cmpd="sng" algn="ctr">
+                      <a:solidFill>
+                        <a:schemeClr val="tx1"/>
+                      </a:solidFill>
+                      <a:prstDash val="solid"/>
+                      <a:round/>
+                      <a:headEnd type="none" w="med" len="med"/>
+                      <a:tailEnd type="none" w="med" len="med"/>
+                    </a:lnL>
+                    <a:lnT w="12700" cap="flat" cmpd="sng" algn="ctr">
+                      <a:solidFill>
+                        <a:schemeClr val="tx1"/>
+                      </a:solidFill>
+                      <a:prstDash val="solid"/>
+                      <a:round/>
+                      <a:headEnd type="none" w="med" len="med"/>
+                      <a:tailEnd type="none" w="med" len="med"/>
+                    </a:lnT>
+                    <a:lnB w="28575" cap="flat" cmpd="sng" algn="ctr">
+                      <a:solidFill>
+                        <a:schemeClr val="tx1"/>
+                      </a:solidFill>
+                      <a:prstDash val="solid"/>
+                      <a:round/>
+                      <a:headEnd type="none" w="med" len="med"/>
+                      <a:tailEnd type="none" w="med" len="med"/>
+                    </a:lnB>
+                  </a:tcPr>
+                </a:tc>
+                <a:tc>
+                  <a:txBody>
+                    <a:bodyPr/>
+                    <a:lstStyle/>
+                    <a:p>
+                      <a:r>
+                        <a:rPr lang="fr-FR" b="0" dirty="0" smtClean="0">
+                          <a:latin typeface="Times New Roman" charset="0"/>
+                          <a:ea typeface="Times New Roman" charset="0"/>
+                          <a:cs typeface="Times New Roman" charset="0"/>
+                        </a:rPr>
+                        <a:t>1</a:t>
+                      </a:r>
+                      <a:endParaRPr lang="fr-FR" b="0" dirty="0">
+                        <a:latin typeface="Times New Roman" charset="0"/>
+                        <a:ea typeface="Times New Roman" charset="0"/>
+                        <a:cs typeface="Times New Roman" charset="0"/>
+                      </a:endParaRPr>
+                    </a:p>
+                  </a:txBody>
+                  <a:tcPr>
+                    <a:lnT w="12700" cap="flat" cmpd="sng" algn="ctr">
+                      <a:solidFill>
+                        <a:schemeClr val="tx1"/>
+                      </a:solidFill>
+                      <a:prstDash val="solid"/>
+                      <a:round/>
+                      <a:headEnd type="none" w="med" len="med"/>
+                      <a:tailEnd type="none" w="med" len="med"/>
+                    </a:lnT>
+                    <a:lnB w="28575" cap="flat" cmpd="sng" algn="ctr">
+                      <a:solidFill>
+                        <a:schemeClr val="tx1"/>
+                      </a:solidFill>
+                      <a:prstDash val="solid"/>
+                      <a:round/>
+                      <a:headEnd type="none" w="med" len="med"/>
+                      <a:tailEnd type="none" w="med" len="med"/>
+                    </a:lnB>
+                  </a:tcPr>
+                </a:tc>
+                <a:tc>
+                  <a:txBody>
+                    <a:bodyPr/>
+                    <a:lstStyle/>
+                    <a:p>
+                      <a:r>
+                        <a:rPr lang="fr-FR" b="0" dirty="0" smtClean="0">
+                          <a:latin typeface="Times New Roman" charset="0"/>
+                          <a:ea typeface="Times New Roman" charset="0"/>
+                          <a:cs typeface="Times New Roman" charset="0"/>
+                        </a:rPr>
+                        <a:t>2</a:t>
+                      </a:r>
+                      <a:endParaRPr lang="fr-FR" b="0" dirty="0">
+                        <a:latin typeface="Times New Roman" charset="0"/>
+                        <a:ea typeface="Times New Roman" charset="0"/>
+                        <a:cs typeface="Times New Roman" charset="0"/>
+                      </a:endParaRPr>
+                    </a:p>
+                  </a:txBody>
+                  <a:tcPr>
+                    <a:lnT w="12700" cap="flat" cmpd="sng" algn="ctr">
+                      <a:solidFill>
+                        <a:schemeClr val="tx1"/>
+                      </a:solidFill>
+                      <a:prstDash val="solid"/>
+                      <a:round/>
+                      <a:headEnd type="none" w="med" len="med"/>
+                      <a:tailEnd type="none" w="med" len="med"/>
+                    </a:lnT>
+                    <a:lnB w="28575" cap="flat" cmpd="sng" algn="ctr">
+                      <a:solidFill>
+                        <a:schemeClr val="tx1"/>
+                      </a:solidFill>
+                      <a:prstDash val="solid"/>
+                      <a:round/>
+                      <a:headEnd type="none" w="med" len="med"/>
+                      <a:tailEnd type="none" w="med" len="med"/>
+                    </a:lnB>
+                    <a:noFill/>
+                  </a:tcPr>
+                </a:tc>
+              </a:tr>
+              <a:tr h="365635">
+                <a:tc rowSpan="2">
+                  <a:txBody>
+                    <a:bodyPr/>
+                    <a:lstStyle/>
+                    <a:p>
+                      <a:pPr marL="0" marR="0" indent="0" algn="ctr" defTabSz="914400" rtl="0" eaLnBrk="1" fontAlgn="auto" latinLnBrk="0" hangingPunct="1">
+                        <a:lnSpc>
+                          <a:spcPct val="100000"/>
+                        </a:lnSpc>
+                        <a:spcBef>
+                          <a:spcPts val="0"/>
+                        </a:spcBef>
+                        <a:spcAft>
+                          <a:spcPts val="0"/>
+                        </a:spcAft>
+                        <a:buClrTx/>
+                        <a:buSzTx/>
+                        <a:buFontTx/>
+                        <a:buNone/>
+                        <a:tabLst/>
+                        <a:defRPr/>
+                      </a:pPr>
+                      <a:endParaRPr lang="fr-FR" sz="1200" b="1" dirty="0" smtClean="0">
+                        <a:latin typeface="Times New Roman" charset="0"/>
+                        <a:ea typeface="Times New Roman" charset="0"/>
+                        <a:cs typeface="Times New Roman" charset="0"/>
+                      </a:endParaRPr>
+                    </a:p>
+                    <a:p>
+                      <a:pPr marL="0" marR="0" indent="0" algn="ctr" defTabSz="914400" rtl="0" eaLnBrk="1" fontAlgn="auto" latinLnBrk="0" hangingPunct="1">
+                        <a:lnSpc>
+                          <a:spcPct val="100000"/>
+                        </a:lnSpc>
+                        <a:spcBef>
+                          <a:spcPts val="0"/>
+                        </a:spcBef>
+                        <a:spcAft>
+                          <a:spcPts val="0"/>
+                        </a:spcAft>
+                        <a:buClrTx/>
+                        <a:buSzTx/>
+                        <a:buFontTx/>
+                        <a:buNone/>
+                        <a:tabLst/>
+                        <a:defRPr/>
+                      </a:pPr>
+                      <a:r>
+                        <a:rPr lang="fr-FR" sz="1200" b="1" dirty="0" smtClean="0">
+                          <a:latin typeface="Times New Roman" charset="0"/>
+                          <a:ea typeface="Times New Roman" charset="0"/>
+                          <a:cs typeface="Times New Roman" charset="0"/>
+                        </a:rPr>
+                        <a:t>Itération</a:t>
+                      </a:r>
+                      <a:r>
+                        <a:rPr lang="fr-FR" sz="1200" b="1" baseline="0" dirty="0" smtClean="0">
+                          <a:latin typeface="Times New Roman" charset="0"/>
+                          <a:ea typeface="Times New Roman" charset="0"/>
+                          <a:cs typeface="Times New Roman" charset="0"/>
+                        </a:rPr>
+                        <a:t> 04</a:t>
+                      </a:r>
+                      <a:endParaRPr lang="fr-FR" sz="1200" b="1" dirty="0" smtClean="0">
+                        <a:latin typeface="Times New Roman" charset="0"/>
+                        <a:ea typeface="Times New Roman" charset="0"/>
+                        <a:cs typeface="Times New Roman" charset="0"/>
+                      </a:endParaRPr>
+                    </a:p>
+                  </a:txBody>
+                  <a:tcPr>
+                    <a:lnT w="28575" cap="flat" cmpd="sng" algn="ctr">
+                      <a:solidFill>
+                        <a:schemeClr val="tx1"/>
+                      </a:solidFill>
+                      <a:prstDash val="solid"/>
+                      <a:round/>
+                      <a:headEnd type="none" w="med" len="med"/>
+                      <a:tailEnd type="none" w="med" len="med"/>
+                    </a:lnT>
+                  </a:tcPr>
+                </a:tc>
+                <a:tc>
+                  <a:txBody>
+                    <a:bodyPr/>
+                    <a:lstStyle/>
+                    <a:p>
+                      <a:r>
+                        <a:rPr lang="fr-FR" sz="1200" b="1" dirty="0" smtClean="0">
+                          <a:latin typeface="Times New Roman" charset="0"/>
+                          <a:ea typeface="Times New Roman" charset="0"/>
+                          <a:cs typeface="Times New Roman" charset="0"/>
+                        </a:rPr>
+                        <a:t>h1</a:t>
+                      </a:r>
+                      <a:endParaRPr lang="fr-FR" sz="1200" b="1" dirty="0">
+                        <a:latin typeface="Times New Roman" charset="0"/>
+                        <a:ea typeface="Times New Roman" charset="0"/>
+                        <a:cs typeface="Times New Roman" charset="0"/>
+                      </a:endParaRPr>
+                    </a:p>
+                  </a:txBody>
+                  <a:tcPr>
+                    <a:lnR w="28575" cap="flat" cmpd="sng" algn="ctr">
+                      <a:solidFill>
+                        <a:schemeClr val="tx1"/>
+                      </a:solidFill>
+                      <a:prstDash val="solid"/>
+                      <a:round/>
+                      <a:headEnd type="none" w="med" len="med"/>
+                      <a:tailEnd type="none" w="med" len="med"/>
+                    </a:lnR>
+                    <a:lnT w="28575" cap="flat" cmpd="sng" algn="ctr">
+                      <a:solidFill>
+                        <a:schemeClr val="tx1"/>
+                      </a:solidFill>
+                      <a:prstDash val="solid"/>
+                      <a:round/>
+                      <a:headEnd type="none" w="med" len="med"/>
+                      <a:tailEnd type="none" w="med" len="med"/>
+                    </a:lnT>
+                    <a:lnB w="12700" cap="flat" cmpd="sng" algn="ctr">
+                      <a:solidFill>
+                        <a:schemeClr val="tx1"/>
+                      </a:solidFill>
+                      <a:prstDash val="solid"/>
+                      <a:round/>
+                      <a:headEnd type="none" w="med" len="med"/>
+                      <a:tailEnd type="none" w="med" len="med"/>
+                    </a:lnB>
+                  </a:tcPr>
+                </a:tc>
+                <a:tc>
+                  <a:txBody>
+                    <a:bodyPr/>
+                    <a:lstStyle/>
+                    <a:p>
+                      <a:r>
+                        <a:rPr lang="fr-FR" b="0" dirty="0" smtClean="0">
+                          <a:latin typeface="Times New Roman" charset="0"/>
+                          <a:ea typeface="Times New Roman" charset="0"/>
+                          <a:cs typeface="Times New Roman" charset="0"/>
+                        </a:rPr>
+                        <a:t>1</a:t>
+                      </a:r>
+                      <a:endParaRPr lang="fr-FR" b="0" dirty="0">
+                        <a:latin typeface="Times New Roman" charset="0"/>
+                        <a:ea typeface="Times New Roman" charset="0"/>
+                        <a:cs typeface="Times New Roman" charset="0"/>
+                      </a:endParaRPr>
+                    </a:p>
+                  </a:txBody>
+                  <a:tcPr>
+                    <a:lnL w="28575" cap="flat" cmpd="sng" algn="ctr">
+                      <a:solidFill>
+                        <a:schemeClr val="tx1"/>
+                      </a:solidFill>
+                      <a:prstDash val="solid"/>
+                      <a:round/>
+                      <a:headEnd type="none" w="med" len="med"/>
+                      <a:tailEnd type="none" w="med" len="med"/>
+                    </a:lnL>
+                    <a:lnR w="12700" cap="flat" cmpd="sng" algn="ctr">
+                      <a:solidFill>
+                        <a:schemeClr val="tx1"/>
+                      </a:solidFill>
+                      <a:prstDash val="solid"/>
+                      <a:round/>
+                      <a:headEnd type="none" w="med" len="med"/>
+                      <a:tailEnd type="none" w="med" len="med"/>
+                    </a:lnR>
+                    <a:lnT w="28575" cap="flat" cmpd="sng" algn="ctr">
+                      <a:solidFill>
+                        <a:schemeClr val="tx1"/>
+                      </a:solidFill>
+                      <a:prstDash val="solid"/>
+                      <a:round/>
+                      <a:headEnd type="none" w="med" len="med"/>
+                      <a:tailEnd type="none" w="med" len="med"/>
+                    </a:lnT>
+                    <a:lnB w="12700" cap="flat" cmpd="sng" algn="ctr">
+                      <a:solidFill>
+                        <a:schemeClr val="tx1"/>
+                      </a:solidFill>
+                      <a:prstDash val="solid"/>
+                      <a:round/>
+                      <a:headEnd type="none" w="med" len="med"/>
+                      <a:tailEnd type="none" w="med" len="med"/>
+                    </a:lnB>
+                    <a:noFill/>
+                  </a:tcPr>
+                </a:tc>
+                <a:tc>
+                  <a:txBody>
+                    <a:bodyPr/>
+                    <a:lstStyle/>
+                    <a:p>
+                      <a:r>
+                        <a:rPr lang="fr-FR" b="0" dirty="0" smtClean="0">
+                          <a:latin typeface="Times New Roman" charset="0"/>
+                          <a:ea typeface="Times New Roman" charset="0"/>
+                          <a:cs typeface="Times New Roman" charset="0"/>
+                        </a:rPr>
+                        <a:t>4</a:t>
+                      </a:r>
+                      <a:endParaRPr lang="fr-FR" b="0" dirty="0">
+                        <a:latin typeface="Times New Roman" charset="0"/>
+                        <a:ea typeface="Times New Roman" charset="0"/>
+                        <a:cs typeface="Times New Roman" charset="0"/>
+                      </a:endParaRPr>
+                    </a:p>
+                  </a:txBody>
+                  <a:tcPr>
+                    <a:lnL w="12700" cap="flat" cmpd="sng" algn="ctr">
+                      <a:solidFill>
+                        <a:schemeClr val="tx1"/>
+                      </a:solidFill>
+                      <a:prstDash val="solid"/>
+                      <a:round/>
+                      <a:headEnd type="none" w="med" len="med"/>
+                      <a:tailEnd type="none" w="med" len="med"/>
+                    </a:lnL>
+                    <a:lnT w="28575" cap="flat" cmpd="sng" algn="ctr">
+                      <a:solidFill>
+                        <a:schemeClr val="tx1"/>
+                      </a:solidFill>
+                      <a:prstDash val="solid"/>
+                      <a:round/>
+                      <a:headEnd type="none" w="med" len="med"/>
+                      <a:tailEnd type="none" w="med" len="med"/>
+                    </a:lnT>
+                    <a:lnB w="12700" cap="flat" cmpd="sng" algn="ctr">
+                      <a:solidFill>
+                        <a:schemeClr val="tx1"/>
+                      </a:solidFill>
+                      <a:prstDash val="solid"/>
+                      <a:round/>
+                      <a:headEnd type="none" w="med" len="med"/>
+                      <a:tailEnd type="none" w="med" len="med"/>
+                    </a:lnB>
+                  </a:tcPr>
+                </a:tc>
+                <a:tc>
+                  <a:txBody>
+                    <a:bodyPr/>
+                    <a:lstStyle/>
+                    <a:p>
+                      <a:r>
+                        <a:rPr lang="fr-FR" b="0" dirty="0" smtClean="0">
+                          <a:latin typeface="Times New Roman" charset="0"/>
+                          <a:ea typeface="Times New Roman" charset="0"/>
+                          <a:cs typeface="Times New Roman" charset="0"/>
+                        </a:rPr>
+                        <a:t>1</a:t>
+                      </a:r>
+                      <a:endParaRPr lang="fr-FR" b="0" dirty="0">
+                        <a:latin typeface="Times New Roman" charset="0"/>
+                        <a:ea typeface="Times New Roman" charset="0"/>
+                        <a:cs typeface="Times New Roman" charset="0"/>
+                      </a:endParaRPr>
+                    </a:p>
+                  </a:txBody>
+                  <a:tcPr>
+                    <a:lnT w="28575" cap="flat" cmpd="sng" algn="ctr">
+                      <a:solidFill>
+                        <a:schemeClr val="tx1"/>
+                      </a:solidFill>
+                      <a:prstDash val="solid"/>
+                      <a:round/>
+                      <a:headEnd type="none" w="med" len="med"/>
+                      <a:tailEnd type="none" w="med" len="med"/>
+                    </a:lnT>
+                    <a:lnB w="12700" cap="flat" cmpd="sng" algn="ctr">
+                      <a:solidFill>
+                        <a:schemeClr val="tx1"/>
+                      </a:solidFill>
+                      <a:prstDash val="solid"/>
+                      <a:round/>
+                      <a:headEnd type="none" w="med" len="med"/>
+                      <a:tailEnd type="none" w="med" len="med"/>
+                    </a:lnB>
+                  </a:tcPr>
+                </a:tc>
+                <a:tc>
+                  <a:txBody>
+                    <a:bodyPr/>
+                    <a:lstStyle/>
+                    <a:p>
+                      <a:r>
+                        <a:rPr lang="fr-FR" b="0" dirty="0" smtClean="0">
+                          <a:latin typeface="Times New Roman" charset="0"/>
+                          <a:ea typeface="Times New Roman" charset="0"/>
+                          <a:cs typeface="Times New Roman" charset="0"/>
+                        </a:rPr>
+                        <a:t>1</a:t>
+                      </a:r>
+                      <a:endParaRPr lang="fr-FR" b="0" dirty="0">
+                        <a:latin typeface="Times New Roman" charset="0"/>
+                        <a:ea typeface="Times New Roman" charset="0"/>
+                        <a:cs typeface="Times New Roman" charset="0"/>
+                      </a:endParaRPr>
+                    </a:p>
+                  </a:txBody>
+                  <a:tcPr>
+                    <a:lnT w="28575" cap="flat" cmpd="sng" algn="ctr">
+                      <a:solidFill>
+                        <a:schemeClr val="tx1"/>
+                      </a:solidFill>
+                      <a:prstDash val="solid"/>
+                      <a:round/>
+                      <a:headEnd type="none" w="med" len="med"/>
+                      <a:tailEnd type="none" w="med" len="med"/>
+                    </a:lnT>
+                    <a:lnB w="12700" cap="flat" cmpd="sng" algn="ctr">
+                      <a:solidFill>
+                        <a:schemeClr val="tx1"/>
+                      </a:solidFill>
+                      <a:prstDash val="solid"/>
+                      <a:round/>
+                      <a:headEnd type="none" w="med" len="med"/>
+                      <a:tailEnd type="none" w="med" len="med"/>
+                    </a:lnB>
+                    <a:noFill/>
+                  </a:tcPr>
+                </a:tc>
+              </a:tr>
+              <a:tr h="365635">
+                <a:tc vMerge="1">
+                  <a:txBody>
+                    <a:bodyPr/>
+                    <a:lstStyle/>
+                    <a:p>
+                      <a:endParaRPr lang="fr-FR" sz="1200" b="1" dirty="0">
+                        <a:latin typeface="Times New Roman" charset="0"/>
+                        <a:ea typeface="Times New Roman" charset="0"/>
+                        <a:cs typeface="Times New Roman" charset="0"/>
+                      </a:endParaRPr>
+                    </a:p>
+                  </a:txBody>
+                  <a:tcPr/>
+                </a:tc>
+                <a:tc>
+                  <a:txBody>
+                    <a:bodyPr/>
+                    <a:lstStyle/>
+                    <a:p>
+                      <a:r>
+                        <a:rPr lang="fr-FR" sz="1200" b="1" dirty="0" smtClean="0">
+                          <a:latin typeface="Times New Roman" charset="0"/>
+                          <a:ea typeface="Times New Roman" charset="0"/>
+                          <a:cs typeface="Times New Roman" charset="0"/>
+                        </a:rPr>
+                        <a:t>h2</a:t>
+                      </a:r>
+                      <a:endParaRPr lang="fr-FR" sz="1200" b="1" dirty="0">
+                        <a:latin typeface="Times New Roman" charset="0"/>
+                        <a:ea typeface="Times New Roman" charset="0"/>
+                        <a:cs typeface="Times New Roman" charset="0"/>
+                      </a:endParaRPr>
+                    </a:p>
+                  </a:txBody>
+                  <a:tcPr>
+                    <a:lnR w="28575" cap="flat" cmpd="sng" algn="ctr">
+                      <a:solidFill>
+                        <a:schemeClr val="tx1"/>
+                      </a:solidFill>
+                      <a:prstDash val="solid"/>
+                      <a:round/>
+                      <a:headEnd type="none" w="med" len="med"/>
+                      <a:tailEnd type="none" w="med" len="med"/>
+                    </a:lnR>
+                    <a:lnT w="12700" cap="flat" cmpd="sng" algn="ctr">
+                      <a:solidFill>
+                        <a:schemeClr val="tx1"/>
+                      </a:solidFill>
+                      <a:prstDash val="solid"/>
+                      <a:round/>
+                      <a:headEnd type="none" w="med" len="med"/>
+                      <a:tailEnd type="none" w="med" len="med"/>
+                    </a:lnT>
+                  </a:tcPr>
+                </a:tc>
+                <a:tc>
+                  <a:txBody>
+                    <a:bodyPr/>
+                    <a:lstStyle/>
+                    <a:p>
+                      <a:r>
+                        <a:rPr lang="fr-FR" b="0" dirty="0" smtClean="0">
+                          <a:latin typeface="Times New Roman" charset="0"/>
+                          <a:ea typeface="Times New Roman" charset="0"/>
+                          <a:cs typeface="Times New Roman" charset="0"/>
+                        </a:rPr>
+                        <a:t>2</a:t>
+                      </a:r>
+                      <a:endParaRPr lang="fr-FR" b="0" dirty="0">
+                        <a:latin typeface="Times New Roman" charset="0"/>
+                        <a:ea typeface="Times New Roman" charset="0"/>
+                        <a:cs typeface="Times New Roman" charset="0"/>
+                      </a:endParaRPr>
+                    </a:p>
+                  </a:txBody>
+                  <a:tcPr>
+                    <a:lnL w="28575" cap="flat" cmpd="sng" algn="ctr">
+                      <a:solidFill>
+                        <a:schemeClr val="tx1"/>
+                      </a:solidFill>
+                      <a:prstDash val="solid"/>
+                      <a:round/>
+                      <a:headEnd type="none" w="med" len="med"/>
+                      <a:tailEnd type="none" w="med" len="med"/>
+                    </a:lnL>
+                    <a:lnR w="12700" cap="flat" cmpd="sng" algn="ctr">
+                      <a:solidFill>
+                        <a:schemeClr val="tx1"/>
+                      </a:solidFill>
+                      <a:prstDash val="solid"/>
+                      <a:round/>
+                      <a:headEnd type="none" w="med" len="med"/>
+                      <a:tailEnd type="none" w="med" len="med"/>
+                    </a:lnR>
+                    <a:lnT w="12700" cap="flat" cmpd="sng" algn="ctr">
+                      <a:solidFill>
+                        <a:schemeClr val="tx1"/>
+                      </a:solidFill>
+                      <a:prstDash val="solid"/>
+                      <a:round/>
+                      <a:headEnd type="none" w="med" len="med"/>
+                      <a:tailEnd type="none" w="med" len="med"/>
+                    </a:lnT>
+                    <a:noFill/>
+                  </a:tcPr>
+                </a:tc>
+                <a:tc>
+                  <a:txBody>
+                    <a:bodyPr/>
+                    <a:lstStyle/>
+                    <a:p>
+                      <a:r>
+                        <a:rPr lang="fr-FR" b="0" dirty="0" smtClean="0">
+                          <a:latin typeface="Times New Roman" charset="0"/>
+                          <a:ea typeface="Times New Roman" charset="0"/>
+                          <a:cs typeface="Times New Roman" charset="0"/>
+                        </a:rPr>
+                        <a:t>3</a:t>
+                      </a:r>
+                      <a:endParaRPr lang="fr-FR" b="0" dirty="0">
+                        <a:latin typeface="Times New Roman" charset="0"/>
+                        <a:ea typeface="Times New Roman" charset="0"/>
+                        <a:cs typeface="Times New Roman" charset="0"/>
+                      </a:endParaRPr>
+                    </a:p>
+                  </a:txBody>
+                  <a:tcPr>
+                    <a:lnL w="12700" cap="flat" cmpd="sng" algn="ctr">
+                      <a:solidFill>
+                        <a:schemeClr val="tx1"/>
+                      </a:solidFill>
+                      <a:prstDash val="solid"/>
+                      <a:round/>
+                      <a:headEnd type="none" w="med" len="med"/>
+                      <a:tailEnd type="none" w="med" len="med"/>
+                    </a:lnL>
+                    <a:lnT w="12700" cap="flat" cmpd="sng" algn="ctr">
+                      <a:solidFill>
+                        <a:schemeClr val="tx1"/>
+                      </a:solidFill>
+                      <a:prstDash val="solid"/>
+                      <a:round/>
+                      <a:headEnd type="none" w="med" len="med"/>
+                      <a:tailEnd type="none" w="med" len="med"/>
+                    </a:lnT>
+                  </a:tcPr>
+                </a:tc>
+                <a:tc>
+                  <a:txBody>
+                    <a:bodyPr/>
+                    <a:lstStyle/>
+                    <a:p>
+                      <a:r>
+                        <a:rPr lang="fr-FR" b="0" dirty="0" smtClean="0">
+                          <a:latin typeface="Times New Roman" charset="0"/>
+                          <a:ea typeface="Times New Roman" charset="0"/>
+                          <a:cs typeface="Times New Roman" charset="0"/>
+                        </a:rPr>
+                        <a:t>1</a:t>
+                      </a:r>
+                      <a:endParaRPr lang="fr-FR" b="0" dirty="0">
+                        <a:latin typeface="Times New Roman" charset="0"/>
+                        <a:ea typeface="Times New Roman" charset="0"/>
+                        <a:cs typeface="Times New Roman" charset="0"/>
+                      </a:endParaRPr>
+                    </a:p>
+                  </a:txBody>
+                  <a:tcPr>
+                    <a:lnT w="12700" cap="flat" cmpd="sng" algn="ctr">
+                      <a:solidFill>
+                        <a:schemeClr val="tx1"/>
+                      </a:solidFill>
+                      <a:prstDash val="solid"/>
+                      <a:round/>
+                      <a:headEnd type="none" w="med" len="med"/>
+                      <a:tailEnd type="none" w="med" len="med"/>
+                    </a:lnT>
+                  </a:tcPr>
+                </a:tc>
+                <a:tc>
+                  <a:txBody>
+                    <a:bodyPr/>
+                    <a:lstStyle/>
+                    <a:p>
+                      <a:r>
+                        <a:rPr lang="fr-FR" b="0" dirty="0" smtClean="0">
+                          <a:latin typeface="Times New Roman" charset="0"/>
+                          <a:ea typeface="Times New Roman" charset="0"/>
+                          <a:cs typeface="Times New Roman" charset="0"/>
+                        </a:rPr>
+                        <a:t>2</a:t>
+                      </a:r>
+                      <a:endParaRPr lang="fr-FR" b="0" dirty="0">
                         <a:latin typeface="Times New Roman" charset="0"/>
                         <a:ea typeface="Times New Roman" charset="0"/>
                         <a:cs typeface="Times New Roman" charset="0"/>
@@ -8759,7 +11650,7 @@
         </p:nvSpPr>
         <p:spPr>
           <a:xfrm>
-            <a:off x="3153101" y="2238707"/>
+            <a:off x="337004" y="4967911"/>
             <a:ext cx="2062430" cy="307777"/>
           </a:xfrm>
           <a:prstGeom prst="rect">
@@ -8798,8 +11689,8 @@
         </p:nvSpPr>
         <p:spPr>
           <a:xfrm>
-            <a:off x="6058808" y="1496673"/>
-            <a:ext cx="2062430" cy="307777"/>
+            <a:off x="3243449" y="4967911"/>
+            <a:ext cx="3509942" cy="307777"/>
           </a:xfrm>
           <a:prstGeom prst="rect">
             <a:avLst/>
@@ -8819,7 +11710,23 @@
                 <a:ea typeface="Times New Roman" charset="0"/>
                 <a:cs typeface="Times New Roman" charset="0"/>
               </a:rPr>
-              <a:t>Matrice des Signatures</a:t>
+              <a:t>Étape de calcul </a:t>
+            </a:r>
+            <a:r>
+              <a:rPr lang="fr-FR" sz="1400" smtClean="0">
+                <a:latin typeface="Times New Roman" charset="0"/>
+                <a:ea typeface="Times New Roman" charset="0"/>
+                <a:cs typeface="Times New Roman" charset="0"/>
+              </a:rPr>
+              <a:t>de la Matrice </a:t>
+            </a:r>
+            <a:r>
+              <a:rPr lang="fr-FR" sz="1400" dirty="0" smtClean="0">
+                <a:latin typeface="Times New Roman" charset="0"/>
+                <a:ea typeface="Times New Roman" charset="0"/>
+                <a:cs typeface="Times New Roman" charset="0"/>
+              </a:rPr>
+              <a:t>des Signatures</a:t>
             </a:r>
             <a:endParaRPr lang="fr-FR" sz="1400" dirty="0">
               <a:latin typeface="Times New Roman" charset="0"/>

--- a/ressources/psd/Présentation1.pptx
+++ b/ressources/psd/Présentation1.pptx
@@ -4,9 +4,14 @@
   <p:sldMasterIdLst>
     <p:sldMasterId id="2147483648" r:id="rId1"/>
   </p:sldMasterIdLst>
+  <p:notesMasterIdLst>
+    <p:notesMasterId r:id="rId6"/>
+  </p:notesMasterIdLst>
   <p:sldIdLst>
     <p:sldId id="256" r:id="rId2"/>
     <p:sldId id="257" r:id="rId3"/>
+    <p:sldId id="258" r:id="rId4"/>
+    <p:sldId id="259" r:id="rId5"/>
   </p:sldIdLst>
   <p:sldSz cx="12192000" cy="6858000"/>
   <p:notesSz cx="6858000" cy="9144000"/>
@@ -111,6 +116,6525 @@
     </p:ext>
   </p:extLst>
 </p:presentation>
+</file>
+
+<file path=ppt/diagrams/colors1.xml><?xml version="1.0" encoding="utf-8"?>
+<dgm:colorsDef xmlns:dgm="http://schemas.openxmlformats.org/drawingml/2006/diagram" xmlns:a="http://schemas.openxmlformats.org/drawingml/2006/main" uniqueId="urn:microsoft.com/office/officeart/2005/8/colors/accent0_1">
+  <dgm:title val=""/>
+  <dgm:desc val=""/>
+  <dgm:catLst>
+    <dgm:cat type="mainScheme" pri="10100"/>
+  </dgm:catLst>
+  <dgm:styleLbl name="node0">
+    <dgm:fillClrLst meth="repeat">
+      <a:schemeClr val="lt1"/>
+    </dgm:fillClrLst>
+    <dgm:linClrLst meth="repeat">
+      <a:schemeClr val="dk1">
+        <a:shade val="80000"/>
+      </a:schemeClr>
+    </dgm:linClrLst>
+    <dgm:effectClrLst/>
+    <dgm:txLinClrLst/>
+    <dgm:txFillClrLst meth="repeat">
+      <a:schemeClr val="dk1"/>
+    </dgm:txFillClrLst>
+    <dgm:txEffectClrLst/>
+  </dgm:styleLbl>
+  <dgm:styleLbl name="node1">
+    <dgm:fillClrLst meth="repeat">
+      <a:schemeClr val="lt1"/>
+    </dgm:fillClrLst>
+    <dgm:linClrLst meth="repeat">
+      <a:schemeClr val="dk1">
+        <a:shade val="80000"/>
+      </a:schemeClr>
+    </dgm:linClrLst>
+    <dgm:effectClrLst/>
+    <dgm:txLinClrLst/>
+    <dgm:txFillClrLst meth="repeat">
+      <a:schemeClr val="dk1"/>
+    </dgm:txFillClrLst>
+    <dgm:txEffectClrLst/>
+  </dgm:styleLbl>
+  <dgm:styleLbl name="alignNode1">
+    <dgm:fillClrLst meth="repeat">
+      <a:schemeClr val="lt1"/>
+    </dgm:fillClrLst>
+    <dgm:linClrLst meth="repeat">
+      <a:schemeClr val="dk1">
+        <a:shade val="80000"/>
+      </a:schemeClr>
+    </dgm:linClrLst>
+    <dgm:effectClrLst/>
+    <dgm:txLinClrLst/>
+    <dgm:txFillClrLst meth="repeat">
+      <a:schemeClr val="dk1"/>
+    </dgm:txFillClrLst>
+    <dgm:txEffectClrLst/>
+  </dgm:styleLbl>
+  <dgm:styleLbl name="lnNode1">
+    <dgm:fillClrLst meth="repeat">
+      <a:schemeClr val="lt1"/>
+    </dgm:fillClrLst>
+    <dgm:linClrLst meth="repeat">
+      <a:schemeClr val="dk1">
+        <a:shade val="80000"/>
+      </a:schemeClr>
+    </dgm:linClrLst>
+    <dgm:effectClrLst/>
+    <dgm:txLinClrLst/>
+    <dgm:txFillClrLst meth="repeat">
+      <a:schemeClr val="dk1"/>
+    </dgm:txFillClrLst>
+    <dgm:txEffectClrLst/>
+  </dgm:styleLbl>
+  <dgm:styleLbl name="vennNode1">
+    <dgm:fillClrLst meth="repeat">
+      <a:schemeClr val="lt1">
+        <a:alpha val="50000"/>
+      </a:schemeClr>
+    </dgm:fillClrLst>
+    <dgm:linClrLst meth="repeat">
+      <a:schemeClr val="dk1">
+        <a:shade val="80000"/>
+      </a:schemeClr>
+    </dgm:linClrLst>
+    <dgm:effectClrLst/>
+    <dgm:txLinClrLst/>
+    <dgm:txFillClrLst/>
+    <dgm:txEffectClrLst/>
+  </dgm:styleLbl>
+  <dgm:styleLbl name="node2">
+    <dgm:fillClrLst meth="repeat">
+      <a:schemeClr val="lt1"/>
+    </dgm:fillClrLst>
+    <dgm:linClrLst meth="repeat">
+      <a:schemeClr val="dk1">
+        <a:shade val="80000"/>
+      </a:schemeClr>
+    </dgm:linClrLst>
+    <dgm:effectClrLst/>
+    <dgm:txLinClrLst/>
+    <dgm:txFillClrLst meth="repeat">
+      <a:schemeClr val="dk1"/>
+    </dgm:txFillClrLst>
+    <dgm:txEffectClrLst/>
+  </dgm:styleLbl>
+  <dgm:styleLbl name="node3">
+    <dgm:fillClrLst meth="repeat">
+      <a:schemeClr val="lt1"/>
+    </dgm:fillClrLst>
+    <dgm:linClrLst meth="repeat">
+      <a:schemeClr val="dk1">
+        <a:shade val="80000"/>
+      </a:schemeClr>
+    </dgm:linClrLst>
+    <dgm:effectClrLst/>
+    <dgm:txLinClrLst/>
+    <dgm:txFillClrLst meth="repeat">
+      <a:schemeClr val="dk1"/>
+    </dgm:txFillClrLst>
+    <dgm:txEffectClrLst/>
+  </dgm:styleLbl>
+  <dgm:styleLbl name="node4">
+    <dgm:fillClrLst meth="repeat">
+      <a:schemeClr val="lt1"/>
+    </dgm:fillClrLst>
+    <dgm:linClrLst meth="repeat">
+      <a:schemeClr val="dk1">
+        <a:shade val="80000"/>
+      </a:schemeClr>
+    </dgm:linClrLst>
+    <dgm:effectClrLst/>
+    <dgm:txLinClrLst/>
+    <dgm:txFillClrLst meth="repeat">
+      <a:schemeClr val="dk1"/>
+    </dgm:txFillClrLst>
+    <dgm:txEffectClrLst/>
+  </dgm:styleLbl>
+  <dgm:styleLbl name="fgImgPlace1">
+    <dgm:fillClrLst meth="repeat">
+      <a:schemeClr val="dk1">
+        <a:tint val="40000"/>
+      </a:schemeClr>
+    </dgm:fillClrLst>
+    <dgm:linClrLst meth="repeat">
+      <a:schemeClr val="dk1">
+        <a:shade val="80000"/>
+      </a:schemeClr>
+    </dgm:linClrLst>
+    <dgm:effectClrLst/>
+    <dgm:txLinClrLst/>
+    <dgm:txFillClrLst meth="repeat">
+      <a:schemeClr val="lt1"/>
+    </dgm:txFillClrLst>
+    <dgm:txEffectClrLst/>
+  </dgm:styleLbl>
+  <dgm:styleLbl name="alignImgPlace1">
+    <dgm:fillClrLst meth="repeat">
+      <a:schemeClr val="dk1">
+        <a:tint val="40000"/>
+      </a:schemeClr>
+    </dgm:fillClrLst>
+    <dgm:linClrLst meth="repeat">
+      <a:schemeClr val="dk1">
+        <a:shade val="80000"/>
+      </a:schemeClr>
+    </dgm:linClrLst>
+    <dgm:effectClrLst/>
+    <dgm:txLinClrLst/>
+    <dgm:txFillClrLst meth="repeat">
+      <a:schemeClr val="lt1"/>
+    </dgm:txFillClrLst>
+    <dgm:txEffectClrLst/>
+  </dgm:styleLbl>
+  <dgm:styleLbl name="bgImgPlace1">
+    <dgm:fillClrLst meth="repeat">
+      <a:schemeClr val="dk1">
+        <a:tint val="40000"/>
+      </a:schemeClr>
+    </dgm:fillClrLst>
+    <dgm:linClrLst meth="repeat">
+      <a:schemeClr val="dk1">
+        <a:shade val="80000"/>
+      </a:schemeClr>
+    </dgm:linClrLst>
+    <dgm:effectClrLst/>
+    <dgm:txLinClrLst/>
+    <dgm:txFillClrLst meth="repeat">
+      <a:schemeClr val="lt1"/>
+    </dgm:txFillClrLst>
+    <dgm:txEffectClrLst/>
+  </dgm:styleLbl>
+  <dgm:styleLbl name="sibTrans2D1">
+    <dgm:fillClrLst meth="repeat">
+      <a:schemeClr val="dk1">
+        <a:tint val="60000"/>
+      </a:schemeClr>
+    </dgm:fillClrLst>
+    <dgm:linClrLst meth="repeat">
+      <a:schemeClr val="dk1">
+        <a:tint val="60000"/>
+      </a:schemeClr>
+    </dgm:linClrLst>
+    <dgm:effectClrLst/>
+    <dgm:txLinClrLst/>
+    <dgm:txFillClrLst meth="repeat">
+      <a:schemeClr val="dk1"/>
+    </dgm:txFillClrLst>
+    <dgm:txEffectClrLst/>
+  </dgm:styleLbl>
+  <dgm:styleLbl name="fgSibTrans2D1">
+    <dgm:fillClrLst meth="repeat">
+      <a:schemeClr val="dk1">
+        <a:tint val="60000"/>
+      </a:schemeClr>
+    </dgm:fillClrLst>
+    <dgm:linClrLst meth="repeat">
+      <a:schemeClr val="dk1">
+        <a:tint val="60000"/>
+      </a:schemeClr>
+    </dgm:linClrLst>
+    <dgm:effectClrLst/>
+    <dgm:txLinClrLst/>
+    <dgm:txFillClrLst meth="repeat">
+      <a:schemeClr val="dk1"/>
+    </dgm:txFillClrLst>
+    <dgm:txEffectClrLst/>
+  </dgm:styleLbl>
+  <dgm:styleLbl name="bgSibTrans2D1">
+    <dgm:fillClrLst meth="repeat">
+      <a:schemeClr val="dk1">
+        <a:tint val="60000"/>
+      </a:schemeClr>
+    </dgm:fillClrLst>
+    <dgm:linClrLst meth="repeat">
+      <a:schemeClr val="dk1">
+        <a:tint val="60000"/>
+      </a:schemeClr>
+    </dgm:linClrLst>
+    <dgm:effectClrLst/>
+    <dgm:txLinClrLst/>
+    <dgm:txFillClrLst meth="repeat">
+      <a:schemeClr val="dk1"/>
+    </dgm:txFillClrLst>
+    <dgm:txEffectClrLst/>
+  </dgm:styleLbl>
+  <dgm:styleLbl name="sibTrans1D1">
+    <dgm:fillClrLst meth="repeat">
+      <a:schemeClr val="dk1"/>
+    </dgm:fillClrLst>
+    <dgm:linClrLst meth="repeat">
+      <a:schemeClr val="dk1"/>
+    </dgm:linClrLst>
+    <dgm:effectClrLst/>
+    <dgm:txLinClrLst/>
+    <dgm:txFillClrLst meth="repeat">
+      <a:schemeClr val="tx1"/>
+    </dgm:txFillClrLst>
+    <dgm:txEffectClrLst/>
+  </dgm:styleLbl>
+  <dgm:styleLbl name="callout">
+    <dgm:fillClrLst meth="repeat">
+      <a:schemeClr val="dk1"/>
+    </dgm:fillClrLst>
+    <dgm:linClrLst meth="repeat">
+      <a:schemeClr val="dk1"/>
+    </dgm:linClrLst>
+    <dgm:effectClrLst/>
+    <dgm:txLinClrLst/>
+    <dgm:txFillClrLst meth="repeat">
+      <a:schemeClr val="tx1"/>
+    </dgm:txFillClrLst>
+    <dgm:txEffectClrLst/>
+  </dgm:styleLbl>
+  <dgm:styleLbl name="asst0">
+    <dgm:fillClrLst meth="repeat">
+      <a:schemeClr val="lt1"/>
+    </dgm:fillClrLst>
+    <dgm:linClrLst meth="repeat">
+      <a:schemeClr val="dk1">
+        <a:shade val="80000"/>
+      </a:schemeClr>
+    </dgm:linClrLst>
+    <dgm:effectClrLst/>
+    <dgm:txLinClrLst/>
+    <dgm:txFillClrLst meth="repeat">
+      <a:schemeClr val="dk1"/>
+    </dgm:txFillClrLst>
+    <dgm:txEffectClrLst/>
+  </dgm:styleLbl>
+  <dgm:styleLbl name="asst1">
+    <dgm:fillClrLst meth="repeat">
+      <a:schemeClr val="lt1"/>
+    </dgm:fillClrLst>
+    <dgm:linClrLst meth="repeat">
+      <a:schemeClr val="dk1">
+        <a:shade val="80000"/>
+      </a:schemeClr>
+    </dgm:linClrLst>
+    <dgm:effectClrLst/>
+    <dgm:txLinClrLst/>
+    <dgm:txFillClrLst meth="repeat">
+      <a:schemeClr val="dk1"/>
+    </dgm:txFillClrLst>
+    <dgm:txEffectClrLst/>
+  </dgm:styleLbl>
+  <dgm:styleLbl name="asst2">
+    <dgm:fillClrLst meth="repeat">
+      <a:schemeClr val="lt1"/>
+    </dgm:fillClrLst>
+    <dgm:linClrLst meth="repeat">
+      <a:schemeClr val="dk1">
+        <a:shade val="80000"/>
+      </a:schemeClr>
+    </dgm:linClrLst>
+    <dgm:effectClrLst/>
+    <dgm:txLinClrLst/>
+    <dgm:txFillClrLst meth="repeat">
+      <a:schemeClr val="dk1"/>
+    </dgm:txFillClrLst>
+    <dgm:txEffectClrLst/>
+  </dgm:styleLbl>
+  <dgm:styleLbl name="asst3">
+    <dgm:fillClrLst meth="repeat">
+      <a:schemeClr val="lt1"/>
+    </dgm:fillClrLst>
+    <dgm:linClrLst meth="repeat">
+      <a:schemeClr val="dk1">
+        <a:shade val="80000"/>
+      </a:schemeClr>
+    </dgm:linClrLst>
+    <dgm:effectClrLst/>
+    <dgm:txLinClrLst/>
+    <dgm:txFillClrLst meth="repeat">
+      <a:schemeClr val="dk1"/>
+    </dgm:txFillClrLst>
+    <dgm:txEffectClrLst/>
+  </dgm:styleLbl>
+  <dgm:styleLbl name="asst4">
+    <dgm:fillClrLst meth="repeat">
+      <a:schemeClr val="lt1"/>
+    </dgm:fillClrLst>
+    <dgm:linClrLst meth="repeat">
+      <a:schemeClr val="dk1">
+        <a:shade val="80000"/>
+      </a:schemeClr>
+    </dgm:linClrLst>
+    <dgm:effectClrLst/>
+    <dgm:txLinClrLst/>
+    <dgm:txFillClrLst meth="repeat">
+      <a:schemeClr val="dk1"/>
+    </dgm:txFillClrLst>
+    <dgm:txEffectClrLst/>
+  </dgm:styleLbl>
+  <dgm:styleLbl name="parChTrans2D1">
+    <dgm:fillClrLst meth="repeat">
+      <a:schemeClr val="dk1">
+        <a:tint val="60000"/>
+      </a:schemeClr>
+    </dgm:fillClrLst>
+    <dgm:linClrLst meth="repeat">
+      <a:schemeClr val="dk1">
+        <a:tint val="60000"/>
+      </a:schemeClr>
+    </dgm:linClrLst>
+    <dgm:effectClrLst/>
+    <dgm:txLinClrLst/>
+    <dgm:txFillClrLst/>
+    <dgm:txEffectClrLst/>
+  </dgm:styleLbl>
+  <dgm:styleLbl name="parChTrans2D2">
+    <dgm:fillClrLst meth="repeat">
+      <a:schemeClr val="dk1"/>
+    </dgm:fillClrLst>
+    <dgm:linClrLst meth="repeat">
+      <a:schemeClr val="dk1"/>
+    </dgm:linClrLst>
+    <dgm:effectClrLst/>
+    <dgm:txLinClrLst/>
+    <dgm:txFillClrLst/>
+    <dgm:txEffectClrLst/>
+  </dgm:styleLbl>
+  <dgm:styleLbl name="parChTrans2D3">
+    <dgm:fillClrLst meth="repeat">
+      <a:schemeClr val="dk1"/>
+    </dgm:fillClrLst>
+    <dgm:linClrLst meth="repeat">
+      <a:schemeClr val="dk1"/>
+    </dgm:linClrLst>
+    <dgm:effectClrLst/>
+    <dgm:txLinClrLst/>
+    <dgm:txFillClrLst/>
+    <dgm:txEffectClrLst/>
+  </dgm:styleLbl>
+  <dgm:styleLbl name="parChTrans2D4">
+    <dgm:fillClrLst meth="repeat">
+      <a:schemeClr val="dk1"/>
+    </dgm:fillClrLst>
+    <dgm:linClrLst meth="repeat">
+      <a:schemeClr val="dk1"/>
+    </dgm:linClrLst>
+    <dgm:effectClrLst/>
+    <dgm:txLinClrLst/>
+    <dgm:txFillClrLst meth="repeat">
+      <a:schemeClr val="lt1"/>
+    </dgm:txFillClrLst>
+    <dgm:txEffectClrLst/>
+  </dgm:styleLbl>
+  <dgm:styleLbl name="parChTrans1D1">
+    <dgm:fillClrLst meth="repeat">
+      <a:schemeClr val="dk1"/>
+    </dgm:fillClrLst>
+    <dgm:linClrLst meth="repeat">
+      <a:schemeClr val="dk1">
+        <a:shade val="60000"/>
+      </a:schemeClr>
+    </dgm:linClrLst>
+    <dgm:effectClrLst/>
+    <dgm:txLinClrLst/>
+    <dgm:txFillClrLst meth="repeat">
+      <a:schemeClr val="tx1"/>
+    </dgm:txFillClrLst>
+    <dgm:txEffectClrLst/>
+  </dgm:styleLbl>
+  <dgm:styleLbl name="parChTrans1D2">
+    <dgm:fillClrLst meth="repeat">
+      <a:schemeClr val="dk1"/>
+    </dgm:fillClrLst>
+    <dgm:linClrLst meth="repeat">
+      <a:schemeClr val="dk1">
+        <a:shade val="60000"/>
+      </a:schemeClr>
+    </dgm:linClrLst>
+    <dgm:effectClrLst/>
+    <dgm:txLinClrLst/>
+    <dgm:txFillClrLst meth="repeat">
+      <a:schemeClr val="tx1"/>
+    </dgm:txFillClrLst>
+    <dgm:txEffectClrLst/>
+  </dgm:styleLbl>
+  <dgm:styleLbl name="parChTrans1D3">
+    <dgm:fillClrLst meth="repeat">
+      <a:schemeClr val="dk1"/>
+    </dgm:fillClrLst>
+    <dgm:linClrLst meth="repeat">
+      <a:schemeClr val="dk1">
+        <a:shade val="80000"/>
+      </a:schemeClr>
+    </dgm:linClrLst>
+    <dgm:effectClrLst/>
+    <dgm:txLinClrLst/>
+    <dgm:txFillClrLst meth="repeat">
+      <a:schemeClr val="tx1"/>
+    </dgm:txFillClrLst>
+    <dgm:txEffectClrLst/>
+  </dgm:styleLbl>
+  <dgm:styleLbl name="parChTrans1D4">
+    <dgm:fillClrLst meth="repeat">
+      <a:schemeClr val="dk1"/>
+    </dgm:fillClrLst>
+    <dgm:linClrLst meth="repeat">
+      <a:schemeClr val="dk1">
+        <a:shade val="80000"/>
+      </a:schemeClr>
+    </dgm:linClrLst>
+    <dgm:effectClrLst/>
+    <dgm:txLinClrLst/>
+    <dgm:txFillClrLst meth="repeat">
+      <a:schemeClr val="tx1"/>
+    </dgm:txFillClrLst>
+    <dgm:txEffectClrLst/>
+  </dgm:styleLbl>
+  <dgm:styleLbl name="fgAcc1">
+    <dgm:fillClrLst meth="repeat">
+      <a:schemeClr val="dk1">
+        <a:alpha val="90000"/>
+        <a:tint val="40000"/>
+      </a:schemeClr>
+    </dgm:fillClrLst>
+    <dgm:linClrLst meth="repeat">
+      <a:schemeClr val="dk1"/>
+    </dgm:linClrLst>
+    <dgm:effectClrLst/>
+    <dgm:txLinClrLst/>
+    <dgm:txFillClrLst meth="repeat">
+      <a:schemeClr val="dk1"/>
+    </dgm:txFillClrLst>
+    <dgm:txEffectClrLst/>
+  </dgm:styleLbl>
+  <dgm:styleLbl name="conFgAcc1">
+    <dgm:fillClrLst meth="repeat">
+      <a:schemeClr val="dk1">
+        <a:alpha val="90000"/>
+        <a:tint val="40000"/>
+      </a:schemeClr>
+    </dgm:fillClrLst>
+    <dgm:linClrLst meth="repeat">
+      <a:schemeClr val="dk1"/>
+    </dgm:linClrLst>
+    <dgm:effectClrLst/>
+    <dgm:txLinClrLst/>
+    <dgm:txFillClrLst meth="repeat">
+      <a:schemeClr val="dk1"/>
+    </dgm:txFillClrLst>
+    <dgm:txEffectClrLst/>
+  </dgm:styleLbl>
+  <dgm:styleLbl name="alignAcc1">
+    <dgm:fillClrLst meth="repeat">
+      <a:schemeClr val="dk1">
+        <a:alpha val="90000"/>
+        <a:tint val="40000"/>
+      </a:schemeClr>
+    </dgm:fillClrLst>
+    <dgm:linClrLst meth="repeat">
+      <a:schemeClr val="dk1"/>
+    </dgm:linClrLst>
+    <dgm:effectClrLst/>
+    <dgm:txLinClrLst/>
+    <dgm:txFillClrLst meth="repeat">
+      <a:schemeClr val="dk1"/>
+    </dgm:txFillClrLst>
+    <dgm:txEffectClrLst/>
+  </dgm:styleLbl>
+  <dgm:styleLbl name="trAlignAcc1">
+    <dgm:fillClrLst meth="repeat">
+      <a:schemeClr val="dk1">
+        <a:alpha val="40000"/>
+        <a:tint val="40000"/>
+      </a:schemeClr>
+    </dgm:fillClrLst>
+    <dgm:linClrLst meth="repeat">
+      <a:schemeClr val="dk1"/>
+    </dgm:linClrLst>
+    <dgm:effectClrLst/>
+    <dgm:txLinClrLst/>
+    <dgm:txFillClrLst meth="repeat">
+      <a:schemeClr val="dk1"/>
+    </dgm:txFillClrLst>
+    <dgm:txEffectClrLst/>
+  </dgm:styleLbl>
+  <dgm:styleLbl name="bgAcc1">
+    <dgm:fillClrLst meth="repeat">
+      <a:schemeClr val="dk1">
+        <a:alpha val="90000"/>
+        <a:tint val="40000"/>
+      </a:schemeClr>
+    </dgm:fillClrLst>
+    <dgm:linClrLst meth="repeat">
+      <a:schemeClr val="dk1"/>
+    </dgm:linClrLst>
+    <dgm:effectClrLst/>
+    <dgm:txLinClrLst/>
+    <dgm:txFillClrLst meth="repeat">
+      <a:schemeClr val="dk1"/>
+    </dgm:txFillClrLst>
+    <dgm:txEffectClrLst/>
+  </dgm:styleLbl>
+  <dgm:styleLbl name="solidFgAcc1">
+    <dgm:fillClrLst meth="repeat">
+      <a:schemeClr val="lt1"/>
+    </dgm:fillClrLst>
+    <dgm:linClrLst meth="repeat">
+      <a:schemeClr val="dk1"/>
+    </dgm:linClrLst>
+    <dgm:effectClrLst/>
+    <dgm:txLinClrLst/>
+    <dgm:txFillClrLst meth="repeat">
+      <a:schemeClr val="dk1"/>
+    </dgm:txFillClrLst>
+    <dgm:txEffectClrLst/>
+  </dgm:styleLbl>
+  <dgm:styleLbl name="solidAlignAcc1">
+    <dgm:fillClrLst meth="repeat">
+      <a:schemeClr val="lt1"/>
+    </dgm:fillClrLst>
+    <dgm:linClrLst meth="repeat">
+      <a:schemeClr val="dk1"/>
+    </dgm:linClrLst>
+    <dgm:effectClrLst/>
+    <dgm:txLinClrLst/>
+    <dgm:txFillClrLst meth="repeat">
+      <a:schemeClr val="dk1"/>
+    </dgm:txFillClrLst>
+    <dgm:txEffectClrLst/>
+  </dgm:styleLbl>
+  <dgm:styleLbl name="solidBgAcc1">
+    <dgm:fillClrLst meth="repeat">
+      <a:schemeClr val="lt1"/>
+    </dgm:fillClrLst>
+    <dgm:linClrLst meth="repeat">
+      <a:schemeClr val="dk1"/>
+    </dgm:linClrLst>
+    <dgm:effectClrLst/>
+    <dgm:txLinClrLst/>
+    <dgm:txFillClrLst meth="repeat">
+      <a:schemeClr val="dk1"/>
+    </dgm:txFillClrLst>
+    <dgm:txEffectClrLst/>
+  </dgm:styleLbl>
+  <dgm:styleLbl name="fgAccFollowNode1">
+    <dgm:fillClrLst meth="repeat">
+      <a:schemeClr val="lt1">
+        <a:alpha val="90000"/>
+        <a:tint val="40000"/>
+      </a:schemeClr>
+    </dgm:fillClrLst>
+    <dgm:linClrLst meth="repeat">
+      <a:schemeClr val="dk1">
+        <a:alpha val="90000"/>
+      </a:schemeClr>
+    </dgm:linClrLst>
+    <dgm:effectClrLst/>
+    <dgm:txLinClrLst/>
+    <dgm:txFillClrLst meth="repeat">
+      <a:schemeClr val="dk1"/>
+    </dgm:txFillClrLst>
+    <dgm:txEffectClrLst/>
+  </dgm:styleLbl>
+  <dgm:styleLbl name="alignAccFollowNode1">
+    <dgm:fillClrLst meth="repeat">
+      <a:schemeClr val="lt1">
+        <a:alpha val="90000"/>
+        <a:tint val="40000"/>
+      </a:schemeClr>
+    </dgm:fillClrLst>
+    <dgm:linClrLst meth="repeat">
+      <a:schemeClr val="dk1">
+        <a:alpha val="90000"/>
+      </a:schemeClr>
+    </dgm:linClrLst>
+    <dgm:effectClrLst/>
+    <dgm:txLinClrLst/>
+    <dgm:txFillClrLst meth="repeat">
+      <a:schemeClr val="dk1"/>
+    </dgm:txFillClrLst>
+    <dgm:txEffectClrLst/>
+  </dgm:styleLbl>
+  <dgm:styleLbl name="bgAccFollowNode1">
+    <dgm:fillClrLst meth="repeat">
+      <a:schemeClr val="lt1">
+        <a:alpha val="90000"/>
+        <a:tint val="40000"/>
+      </a:schemeClr>
+    </dgm:fillClrLst>
+    <dgm:linClrLst meth="repeat">
+      <a:schemeClr val="dk1">
+        <a:alpha val="90000"/>
+      </a:schemeClr>
+    </dgm:linClrLst>
+    <dgm:effectClrLst/>
+    <dgm:txLinClrLst/>
+    <dgm:txFillClrLst meth="repeat">
+      <a:schemeClr val="dk1"/>
+    </dgm:txFillClrLst>
+    <dgm:txEffectClrLst/>
+  </dgm:styleLbl>
+  <dgm:styleLbl name="fgAcc0">
+    <dgm:fillClrLst meth="repeat">
+      <a:schemeClr val="dk1">
+        <a:alpha val="90000"/>
+        <a:tint val="40000"/>
+      </a:schemeClr>
+    </dgm:fillClrLst>
+    <dgm:linClrLst meth="repeat">
+      <a:schemeClr val="dk1"/>
+    </dgm:linClrLst>
+    <dgm:effectClrLst/>
+    <dgm:txLinClrLst/>
+    <dgm:txFillClrLst meth="repeat">
+      <a:schemeClr val="dk1"/>
+    </dgm:txFillClrLst>
+    <dgm:txEffectClrLst/>
+  </dgm:styleLbl>
+  <dgm:styleLbl name="fgAcc2">
+    <dgm:fillClrLst meth="repeat">
+      <a:schemeClr val="dk1">
+        <a:alpha val="90000"/>
+        <a:tint val="40000"/>
+      </a:schemeClr>
+    </dgm:fillClrLst>
+    <dgm:linClrLst meth="repeat">
+      <a:schemeClr val="dk1"/>
+    </dgm:linClrLst>
+    <dgm:effectClrLst/>
+    <dgm:txLinClrLst/>
+    <dgm:txFillClrLst meth="repeat">
+      <a:schemeClr val="dk1"/>
+    </dgm:txFillClrLst>
+    <dgm:txEffectClrLst/>
+  </dgm:styleLbl>
+  <dgm:styleLbl name="fgAcc3">
+    <dgm:fillClrLst meth="repeat">
+      <a:schemeClr val="dk1">
+        <a:alpha val="90000"/>
+        <a:tint val="40000"/>
+      </a:schemeClr>
+    </dgm:fillClrLst>
+    <dgm:linClrLst meth="repeat">
+      <a:schemeClr val="dk1"/>
+    </dgm:linClrLst>
+    <dgm:effectClrLst/>
+    <dgm:txLinClrLst/>
+    <dgm:txFillClrLst meth="repeat">
+      <a:schemeClr val="dk1"/>
+    </dgm:txFillClrLst>
+    <dgm:txEffectClrLst/>
+  </dgm:styleLbl>
+  <dgm:styleLbl name="fgAcc4">
+    <dgm:fillClrLst meth="repeat">
+      <a:schemeClr val="dk1">
+        <a:alpha val="90000"/>
+        <a:tint val="40000"/>
+      </a:schemeClr>
+    </dgm:fillClrLst>
+    <dgm:linClrLst meth="repeat">
+      <a:schemeClr val="dk1"/>
+    </dgm:linClrLst>
+    <dgm:effectClrLst/>
+    <dgm:txLinClrLst/>
+    <dgm:txFillClrLst meth="repeat">
+      <a:schemeClr val="dk1"/>
+    </dgm:txFillClrLst>
+    <dgm:txEffectClrLst/>
+  </dgm:styleLbl>
+  <dgm:styleLbl name="bgShp">
+    <dgm:fillClrLst meth="repeat">
+      <a:schemeClr val="dk1">
+        <a:tint val="40000"/>
+      </a:schemeClr>
+    </dgm:fillClrLst>
+    <dgm:linClrLst meth="repeat">
+      <a:schemeClr val="dk1"/>
+    </dgm:linClrLst>
+    <dgm:effectClrLst/>
+    <dgm:txLinClrLst/>
+    <dgm:txFillClrLst meth="repeat">
+      <a:schemeClr val="dk1"/>
+    </dgm:txFillClrLst>
+    <dgm:txEffectClrLst/>
+  </dgm:styleLbl>
+  <dgm:styleLbl name="dkBgShp">
+    <dgm:fillClrLst meth="repeat">
+      <a:schemeClr val="dk1">
+        <a:shade val="80000"/>
+      </a:schemeClr>
+    </dgm:fillClrLst>
+    <dgm:linClrLst meth="repeat">
+      <a:schemeClr val="dk1"/>
+    </dgm:linClrLst>
+    <dgm:effectClrLst/>
+    <dgm:txLinClrLst/>
+    <dgm:txFillClrLst meth="repeat">
+      <a:schemeClr val="lt1"/>
+    </dgm:txFillClrLst>
+    <dgm:txEffectClrLst/>
+  </dgm:styleLbl>
+  <dgm:styleLbl name="trBgShp">
+    <dgm:fillClrLst meth="repeat">
+      <a:schemeClr val="dk1">
+        <a:tint val="50000"/>
+        <a:alpha val="40000"/>
+      </a:schemeClr>
+    </dgm:fillClrLst>
+    <dgm:linClrLst meth="repeat">
+      <a:schemeClr val="dk1"/>
+    </dgm:linClrLst>
+    <dgm:effectClrLst/>
+    <dgm:txLinClrLst/>
+    <dgm:txFillClrLst meth="repeat">
+      <a:schemeClr val="lt1"/>
+    </dgm:txFillClrLst>
+    <dgm:txEffectClrLst/>
+  </dgm:styleLbl>
+  <dgm:styleLbl name="fgShp">
+    <dgm:fillClrLst meth="repeat">
+      <a:schemeClr val="dk1">
+        <a:tint val="60000"/>
+      </a:schemeClr>
+    </dgm:fillClrLst>
+    <dgm:linClrLst meth="repeat">
+      <a:schemeClr val="lt1"/>
+    </dgm:linClrLst>
+    <dgm:effectClrLst/>
+    <dgm:txLinClrLst/>
+    <dgm:txFillClrLst meth="repeat">
+      <a:schemeClr val="dk1"/>
+    </dgm:txFillClrLst>
+    <dgm:txEffectClrLst/>
+  </dgm:styleLbl>
+  <dgm:styleLbl name="revTx">
+    <dgm:fillClrLst meth="repeat">
+      <a:schemeClr val="lt1">
+        <a:alpha val="0"/>
+      </a:schemeClr>
+    </dgm:fillClrLst>
+    <dgm:linClrLst meth="repeat">
+      <a:schemeClr val="dk1">
+        <a:alpha val="0"/>
+      </a:schemeClr>
+    </dgm:linClrLst>
+    <dgm:effectClrLst/>
+    <dgm:txLinClrLst/>
+    <dgm:txFillClrLst meth="repeat">
+      <a:schemeClr val="tx1"/>
+    </dgm:txFillClrLst>
+    <dgm:txEffectClrLst/>
+  </dgm:styleLbl>
+</dgm:colorsDef>
+</file>
+
+<file path=ppt/diagrams/colors2.xml><?xml version="1.0" encoding="utf-8"?>
+<dgm:colorsDef xmlns:dgm="http://schemas.openxmlformats.org/drawingml/2006/diagram" xmlns:a="http://schemas.openxmlformats.org/drawingml/2006/main" uniqueId="urn:microsoft.com/office/officeart/2005/8/colors/accent0_1">
+  <dgm:title val=""/>
+  <dgm:desc val=""/>
+  <dgm:catLst>
+    <dgm:cat type="mainScheme" pri="10100"/>
+  </dgm:catLst>
+  <dgm:styleLbl name="node0">
+    <dgm:fillClrLst meth="repeat">
+      <a:schemeClr val="lt1"/>
+    </dgm:fillClrLst>
+    <dgm:linClrLst meth="repeat">
+      <a:schemeClr val="dk1">
+        <a:shade val="80000"/>
+      </a:schemeClr>
+    </dgm:linClrLst>
+    <dgm:effectClrLst/>
+    <dgm:txLinClrLst/>
+    <dgm:txFillClrLst meth="repeat">
+      <a:schemeClr val="dk1"/>
+    </dgm:txFillClrLst>
+    <dgm:txEffectClrLst/>
+  </dgm:styleLbl>
+  <dgm:styleLbl name="node1">
+    <dgm:fillClrLst meth="repeat">
+      <a:schemeClr val="lt1"/>
+    </dgm:fillClrLst>
+    <dgm:linClrLst meth="repeat">
+      <a:schemeClr val="dk1">
+        <a:shade val="80000"/>
+      </a:schemeClr>
+    </dgm:linClrLst>
+    <dgm:effectClrLst/>
+    <dgm:txLinClrLst/>
+    <dgm:txFillClrLst meth="repeat">
+      <a:schemeClr val="dk1"/>
+    </dgm:txFillClrLst>
+    <dgm:txEffectClrLst/>
+  </dgm:styleLbl>
+  <dgm:styleLbl name="alignNode1">
+    <dgm:fillClrLst meth="repeat">
+      <a:schemeClr val="lt1"/>
+    </dgm:fillClrLst>
+    <dgm:linClrLst meth="repeat">
+      <a:schemeClr val="dk1">
+        <a:shade val="80000"/>
+      </a:schemeClr>
+    </dgm:linClrLst>
+    <dgm:effectClrLst/>
+    <dgm:txLinClrLst/>
+    <dgm:txFillClrLst meth="repeat">
+      <a:schemeClr val="dk1"/>
+    </dgm:txFillClrLst>
+    <dgm:txEffectClrLst/>
+  </dgm:styleLbl>
+  <dgm:styleLbl name="lnNode1">
+    <dgm:fillClrLst meth="repeat">
+      <a:schemeClr val="lt1"/>
+    </dgm:fillClrLst>
+    <dgm:linClrLst meth="repeat">
+      <a:schemeClr val="dk1">
+        <a:shade val="80000"/>
+      </a:schemeClr>
+    </dgm:linClrLst>
+    <dgm:effectClrLst/>
+    <dgm:txLinClrLst/>
+    <dgm:txFillClrLst meth="repeat">
+      <a:schemeClr val="dk1"/>
+    </dgm:txFillClrLst>
+    <dgm:txEffectClrLst/>
+  </dgm:styleLbl>
+  <dgm:styleLbl name="vennNode1">
+    <dgm:fillClrLst meth="repeat">
+      <a:schemeClr val="lt1">
+        <a:alpha val="50000"/>
+      </a:schemeClr>
+    </dgm:fillClrLst>
+    <dgm:linClrLst meth="repeat">
+      <a:schemeClr val="dk1">
+        <a:shade val="80000"/>
+      </a:schemeClr>
+    </dgm:linClrLst>
+    <dgm:effectClrLst/>
+    <dgm:txLinClrLst/>
+    <dgm:txFillClrLst/>
+    <dgm:txEffectClrLst/>
+  </dgm:styleLbl>
+  <dgm:styleLbl name="node2">
+    <dgm:fillClrLst meth="repeat">
+      <a:schemeClr val="lt1"/>
+    </dgm:fillClrLst>
+    <dgm:linClrLst meth="repeat">
+      <a:schemeClr val="dk1">
+        <a:shade val="80000"/>
+      </a:schemeClr>
+    </dgm:linClrLst>
+    <dgm:effectClrLst/>
+    <dgm:txLinClrLst/>
+    <dgm:txFillClrLst meth="repeat">
+      <a:schemeClr val="dk1"/>
+    </dgm:txFillClrLst>
+    <dgm:txEffectClrLst/>
+  </dgm:styleLbl>
+  <dgm:styleLbl name="node3">
+    <dgm:fillClrLst meth="repeat">
+      <a:schemeClr val="lt1"/>
+    </dgm:fillClrLst>
+    <dgm:linClrLst meth="repeat">
+      <a:schemeClr val="dk1">
+        <a:shade val="80000"/>
+      </a:schemeClr>
+    </dgm:linClrLst>
+    <dgm:effectClrLst/>
+    <dgm:txLinClrLst/>
+    <dgm:txFillClrLst meth="repeat">
+      <a:schemeClr val="dk1"/>
+    </dgm:txFillClrLst>
+    <dgm:txEffectClrLst/>
+  </dgm:styleLbl>
+  <dgm:styleLbl name="node4">
+    <dgm:fillClrLst meth="repeat">
+      <a:schemeClr val="lt1"/>
+    </dgm:fillClrLst>
+    <dgm:linClrLst meth="repeat">
+      <a:schemeClr val="dk1">
+        <a:shade val="80000"/>
+      </a:schemeClr>
+    </dgm:linClrLst>
+    <dgm:effectClrLst/>
+    <dgm:txLinClrLst/>
+    <dgm:txFillClrLst meth="repeat">
+      <a:schemeClr val="dk1"/>
+    </dgm:txFillClrLst>
+    <dgm:txEffectClrLst/>
+  </dgm:styleLbl>
+  <dgm:styleLbl name="fgImgPlace1">
+    <dgm:fillClrLst meth="repeat">
+      <a:schemeClr val="dk1">
+        <a:tint val="40000"/>
+      </a:schemeClr>
+    </dgm:fillClrLst>
+    <dgm:linClrLst meth="repeat">
+      <a:schemeClr val="dk1">
+        <a:shade val="80000"/>
+      </a:schemeClr>
+    </dgm:linClrLst>
+    <dgm:effectClrLst/>
+    <dgm:txLinClrLst/>
+    <dgm:txFillClrLst meth="repeat">
+      <a:schemeClr val="lt1"/>
+    </dgm:txFillClrLst>
+    <dgm:txEffectClrLst/>
+  </dgm:styleLbl>
+  <dgm:styleLbl name="alignImgPlace1">
+    <dgm:fillClrLst meth="repeat">
+      <a:schemeClr val="dk1">
+        <a:tint val="40000"/>
+      </a:schemeClr>
+    </dgm:fillClrLst>
+    <dgm:linClrLst meth="repeat">
+      <a:schemeClr val="dk1">
+        <a:shade val="80000"/>
+      </a:schemeClr>
+    </dgm:linClrLst>
+    <dgm:effectClrLst/>
+    <dgm:txLinClrLst/>
+    <dgm:txFillClrLst meth="repeat">
+      <a:schemeClr val="lt1"/>
+    </dgm:txFillClrLst>
+    <dgm:txEffectClrLst/>
+  </dgm:styleLbl>
+  <dgm:styleLbl name="bgImgPlace1">
+    <dgm:fillClrLst meth="repeat">
+      <a:schemeClr val="dk1">
+        <a:tint val="40000"/>
+      </a:schemeClr>
+    </dgm:fillClrLst>
+    <dgm:linClrLst meth="repeat">
+      <a:schemeClr val="dk1">
+        <a:shade val="80000"/>
+      </a:schemeClr>
+    </dgm:linClrLst>
+    <dgm:effectClrLst/>
+    <dgm:txLinClrLst/>
+    <dgm:txFillClrLst meth="repeat">
+      <a:schemeClr val="lt1"/>
+    </dgm:txFillClrLst>
+    <dgm:txEffectClrLst/>
+  </dgm:styleLbl>
+  <dgm:styleLbl name="sibTrans2D1">
+    <dgm:fillClrLst meth="repeat">
+      <a:schemeClr val="dk1">
+        <a:tint val="60000"/>
+      </a:schemeClr>
+    </dgm:fillClrLst>
+    <dgm:linClrLst meth="repeat">
+      <a:schemeClr val="dk1">
+        <a:tint val="60000"/>
+      </a:schemeClr>
+    </dgm:linClrLst>
+    <dgm:effectClrLst/>
+    <dgm:txLinClrLst/>
+    <dgm:txFillClrLst meth="repeat">
+      <a:schemeClr val="dk1"/>
+    </dgm:txFillClrLst>
+    <dgm:txEffectClrLst/>
+  </dgm:styleLbl>
+  <dgm:styleLbl name="fgSibTrans2D1">
+    <dgm:fillClrLst meth="repeat">
+      <a:schemeClr val="dk1">
+        <a:tint val="60000"/>
+      </a:schemeClr>
+    </dgm:fillClrLst>
+    <dgm:linClrLst meth="repeat">
+      <a:schemeClr val="dk1">
+        <a:tint val="60000"/>
+      </a:schemeClr>
+    </dgm:linClrLst>
+    <dgm:effectClrLst/>
+    <dgm:txLinClrLst/>
+    <dgm:txFillClrLst meth="repeat">
+      <a:schemeClr val="dk1"/>
+    </dgm:txFillClrLst>
+    <dgm:txEffectClrLst/>
+  </dgm:styleLbl>
+  <dgm:styleLbl name="bgSibTrans2D1">
+    <dgm:fillClrLst meth="repeat">
+      <a:schemeClr val="dk1">
+        <a:tint val="60000"/>
+      </a:schemeClr>
+    </dgm:fillClrLst>
+    <dgm:linClrLst meth="repeat">
+      <a:schemeClr val="dk1">
+        <a:tint val="60000"/>
+      </a:schemeClr>
+    </dgm:linClrLst>
+    <dgm:effectClrLst/>
+    <dgm:txLinClrLst/>
+    <dgm:txFillClrLst meth="repeat">
+      <a:schemeClr val="dk1"/>
+    </dgm:txFillClrLst>
+    <dgm:txEffectClrLst/>
+  </dgm:styleLbl>
+  <dgm:styleLbl name="sibTrans1D1">
+    <dgm:fillClrLst meth="repeat">
+      <a:schemeClr val="dk1"/>
+    </dgm:fillClrLst>
+    <dgm:linClrLst meth="repeat">
+      <a:schemeClr val="dk1"/>
+    </dgm:linClrLst>
+    <dgm:effectClrLst/>
+    <dgm:txLinClrLst/>
+    <dgm:txFillClrLst meth="repeat">
+      <a:schemeClr val="tx1"/>
+    </dgm:txFillClrLst>
+    <dgm:txEffectClrLst/>
+  </dgm:styleLbl>
+  <dgm:styleLbl name="callout">
+    <dgm:fillClrLst meth="repeat">
+      <a:schemeClr val="dk1"/>
+    </dgm:fillClrLst>
+    <dgm:linClrLst meth="repeat">
+      <a:schemeClr val="dk1"/>
+    </dgm:linClrLst>
+    <dgm:effectClrLst/>
+    <dgm:txLinClrLst/>
+    <dgm:txFillClrLst meth="repeat">
+      <a:schemeClr val="tx1"/>
+    </dgm:txFillClrLst>
+    <dgm:txEffectClrLst/>
+  </dgm:styleLbl>
+  <dgm:styleLbl name="asst0">
+    <dgm:fillClrLst meth="repeat">
+      <a:schemeClr val="lt1"/>
+    </dgm:fillClrLst>
+    <dgm:linClrLst meth="repeat">
+      <a:schemeClr val="dk1">
+        <a:shade val="80000"/>
+      </a:schemeClr>
+    </dgm:linClrLst>
+    <dgm:effectClrLst/>
+    <dgm:txLinClrLst/>
+    <dgm:txFillClrLst meth="repeat">
+      <a:schemeClr val="dk1"/>
+    </dgm:txFillClrLst>
+    <dgm:txEffectClrLst/>
+  </dgm:styleLbl>
+  <dgm:styleLbl name="asst1">
+    <dgm:fillClrLst meth="repeat">
+      <a:schemeClr val="lt1"/>
+    </dgm:fillClrLst>
+    <dgm:linClrLst meth="repeat">
+      <a:schemeClr val="dk1">
+        <a:shade val="80000"/>
+      </a:schemeClr>
+    </dgm:linClrLst>
+    <dgm:effectClrLst/>
+    <dgm:txLinClrLst/>
+    <dgm:txFillClrLst meth="repeat">
+      <a:schemeClr val="dk1"/>
+    </dgm:txFillClrLst>
+    <dgm:txEffectClrLst/>
+  </dgm:styleLbl>
+  <dgm:styleLbl name="asst2">
+    <dgm:fillClrLst meth="repeat">
+      <a:schemeClr val="lt1"/>
+    </dgm:fillClrLst>
+    <dgm:linClrLst meth="repeat">
+      <a:schemeClr val="dk1">
+        <a:shade val="80000"/>
+      </a:schemeClr>
+    </dgm:linClrLst>
+    <dgm:effectClrLst/>
+    <dgm:txLinClrLst/>
+    <dgm:txFillClrLst meth="repeat">
+      <a:schemeClr val="dk1"/>
+    </dgm:txFillClrLst>
+    <dgm:txEffectClrLst/>
+  </dgm:styleLbl>
+  <dgm:styleLbl name="asst3">
+    <dgm:fillClrLst meth="repeat">
+      <a:schemeClr val="lt1"/>
+    </dgm:fillClrLst>
+    <dgm:linClrLst meth="repeat">
+      <a:schemeClr val="dk1">
+        <a:shade val="80000"/>
+      </a:schemeClr>
+    </dgm:linClrLst>
+    <dgm:effectClrLst/>
+    <dgm:txLinClrLst/>
+    <dgm:txFillClrLst meth="repeat">
+      <a:schemeClr val="dk1"/>
+    </dgm:txFillClrLst>
+    <dgm:txEffectClrLst/>
+  </dgm:styleLbl>
+  <dgm:styleLbl name="asst4">
+    <dgm:fillClrLst meth="repeat">
+      <a:schemeClr val="lt1"/>
+    </dgm:fillClrLst>
+    <dgm:linClrLst meth="repeat">
+      <a:schemeClr val="dk1">
+        <a:shade val="80000"/>
+      </a:schemeClr>
+    </dgm:linClrLst>
+    <dgm:effectClrLst/>
+    <dgm:txLinClrLst/>
+    <dgm:txFillClrLst meth="repeat">
+      <a:schemeClr val="dk1"/>
+    </dgm:txFillClrLst>
+    <dgm:txEffectClrLst/>
+  </dgm:styleLbl>
+  <dgm:styleLbl name="parChTrans2D1">
+    <dgm:fillClrLst meth="repeat">
+      <a:schemeClr val="dk1">
+        <a:tint val="60000"/>
+      </a:schemeClr>
+    </dgm:fillClrLst>
+    <dgm:linClrLst meth="repeat">
+      <a:schemeClr val="dk1">
+        <a:tint val="60000"/>
+      </a:schemeClr>
+    </dgm:linClrLst>
+    <dgm:effectClrLst/>
+    <dgm:txLinClrLst/>
+    <dgm:txFillClrLst/>
+    <dgm:txEffectClrLst/>
+  </dgm:styleLbl>
+  <dgm:styleLbl name="parChTrans2D2">
+    <dgm:fillClrLst meth="repeat">
+      <a:schemeClr val="dk1"/>
+    </dgm:fillClrLst>
+    <dgm:linClrLst meth="repeat">
+      <a:schemeClr val="dk1"/>
+    </dgm:linClrLst>
+    <dgm:effectClrLst/>
+    <dgm:txLinClrLst/>
+    <dgm:txFillClrLst/>
+    <dgm:txEffectClrLst/>
+  </dgm:styleLbl>
+  <dgm:styleLbl name="parChTrans2D3">
+    <dgm:fillClrLst meth="repeat">
+      <a:schemeClr val="dk1"/>
+    </dgm:fillClrLst>
+    <dgm:linClrLst meth="repeat">
+      <a:schemeClr val="dk1"/>
+    </dgm:linClrLst>
+    <dgm:effectClrLst/>
+    <dgm:txLinClrLst/>
+    <dgm:txFillClrLst/>
+    <dgm:txEffectClrLst/>
+  </dgm:styleLbl>
+  <dgm:styleLbl name="parChTrans2D4">
+    <dgm:fillClrLst meth="repeat">
+      <a:schemeClr val="dk1"/>
+    </dgm:fillClrLst>
+    <dgm:linClrLst meth="repeat">
+      <a:schemeClr val="dk1"/>
+    </dgm:linClrLst>
+    <dgm:effectClrLst/>
+    <dgm:txLinClrLst/>
+    <dgm:txFillClrLst meth="repeat">
+      <a:schemeClr val="lt1"/>
+    </dgm:txFillClrLst>
+    <dgm:txEffectClrLst/>
+  </dgm:styleLbl>
+  <dgm:styleLbl name="parChTrans1D1">
+    <dgm:fillClrLst meth="repeat">
+      <a:schemeClr val="dk1"/>
+    </dgm:fillClrLst>
+    <dgm:linClrLst meth="repeat">
+      <a:schemeClr val="dk1">
+        <a:shade val="60000"/>
+      </a:schemeClr>
+    </dgm:linClrLst>
+    <dgm:effectClrLst/>
+    <dgm:txLinClrLst/>
+    <dgm:txFillClrLst meth="repeat">
+      <a:schemeClr val="tx1"/>
+    </dgm:txFillClrLst>
+    <dgm:txEffectClrLst/>
+  </dgm:styleLbl>
+  <dgm:styleLbl name="parChTrans1D2">
+    <dgm:fillClrLst meth="repeat">
+      <a:schemeClr val="dk1"/>
+    </dgm:fillClrLst>
+    <dgm:linClrLst meth="repeat">
+      <a:schemeClr val="dk1">
+        <a:shade val="60000"/>
+      </a:schemeClr>
+    </dgm:linClrLst>
+    <dgm:effectClrLst/>
+    <dgm:txLinClrLst/>
+    <dgm:txFillClrLst meth="repeat">
+      <a:schemeClr val="tx1"/>
+    </dgm:txFillClrLst>
+    <dgm:txEffectClrLst/>
+  </dgm:styleLbl>
+  <dgm:styleLbl name="parChTrans1D3">
+    <dgm:fillClrLst meth="repeat">
+      <a:schemeClr val="dk1"/>
+    </dgm:fillClrLst>
+    <dgm:linClrLst meth="repeat">
+      <a:schemeClr val="dk1">
+        <a:shade val="80000"/>
+      </a:schemeClr>
+    </dgm:linClrLst>
+    <dgm:effectClrLst/>
+    <dgm:txLinClrLst/>
+    <dgm:txFillClrLst meth="repeat">
+      <a:schemeClr val="tx1"/>
+    </dgm:txFillClrLst>
+    <dgm:txEffectClrLst/>
+  </dgm:styleLbl>
+  <dgm:styleLbl name="parChTrans1D4">
+    <dgm:fillClrLst meth="repeat">
+      <a:schemeClr val="dk1"/>
+    </dgm:fillClrLst>
+    <dgm:linClrLst meth="repeat">
+      <a:schemeClr val="dk1">
+        <a:shade val="80000"/>
+      </a:schemeClr>
+    </dgm:linClrLst>
+    <dgm:effectClrLst/>
+    <dgm:txLinClrLst/>
+    <dgm:txFillClrLst meth="repeat">
+      <a:schemeClr val="tx1"/>
+    </dgm:txFillClrLst>
+    <dgm:txEffectClrLst/>
+  </dgm:styleLbl>
+  <dgm:styleLbl name="fgAcc1">
+    <dgm:fillClrLst meth="repeat">
+      <a:schemeClr val="dk1">
+        <a:alpha val="90000"/>
+        <a:tint val="40000"/>
+      </a:schemeClr>
+    </dgm:fillClrLst>
+    <dgm:linClrLst meth="repeat">
+      <a:schemeClr val="dk1"/>
+    </dgm:linClrLst>
+    <dgm:effectClrLst/>
+    <dgm:txLinClrLst/>
+    <dgm:txFillClrLst meth="repeat">
+      <a:schemeClr val="dk1"/>
+    </dgm:txFillClrLst>
+    <dgm:txEffectClrLst/>
+  </dgm:styleLbl>
+  <dgm:styleLbl name="conFgAcc1">
+    <dgm:fillClrLst meth="repeat">
+      <a:schemeClr val="dk1">
+        <a:alpha val="90000"/>
+        <a:tint val="40000"/>
+      </a:schemeClr>
+    </dgm:fillClrLst>
+    <dgm:linClrLst meth="repeat">
+      <a:schemeClr val="dk1"/>
+    </dgm:linClrLst>
+    <dgm:effectClrLst/>
+    <dgm:txLinClrLst/>
+    <dgm:txFillClrLst meth="repeat">
+      <a:schemeClr val="dk1"/>
+    </dgm:txFillClrLst>
+    <dgm:txEffectClrLst/>
+  </dgm:styleLbl>
+  <dgm:styleLbl name="alignAcc1">
+    <dgm:fillClrLst meth="repeat">
+      <a:schemeClr val="dk1">
+        <a:alpha val="90000"/>
+        <a:tint val="40000"/>
+      </a:schemeClr>
+    </dgm:fillClrLst>
+    <dgm:linClrLst meth="repeat">
+      <a:schemeClr val="dk1"/>
+    </dgm:linClrLst>
+    <dgm:effectClrLst/>
+    <dgm:txLinClrLst/>
+    <dgm:txFillClrLst meth="repeat">
+      <a:schemeClr val="dk1"/>
+    </dgm:txFillClrLst>
+    <dgm:txEffectClrLst/>
+  </dgm:styleLbl>
+  <dgm:styleLbl name="trAlignAcc1">
+    <dgm:fillClrLst meth="repeat">
+      <a:schemeClr val="dk1">
+        <a:alpha val="40000"/>
+        <a:tint val="40000"/>
+      </a:schemeClr>
+    </dgm:fillClrLst>
+    <dgm:linClrLst meth="repeat">
+      <a:schemeClr val="dk1"/>
+    </dgm:linClrLst>
+    <dgm:effectClrLst/>
+    <dgm:txLinClrLst/>
+    <dgm:txFillClrLst meth="repeat">
+      <a:schemeClr val="dk1"/>
+    </dgm:txFillClrLst>
+    <dgm:txEffectClrLst/>
+  </dgm:styleLbl>
+  <dgm:styleLbl name="bgAcc1">
+    <dgm:fillClrLst meth="repeat">
+      <a:schemeClr val="dk1">
+        <a:alpha val="90000"/>
+        <a:tint val="40000"/>
+      </a:schemeClr>
+    </dgm:fillClrLst>
+    <dgm:linClrLst meth="repeat">
+      <a:schemeClr val="dk1"/>
+    </dgm:linClrLst>
+    <dgm:effectClrLst/>
+    <dgm:txLinClrLst/>
+    <dgm:txFillClrLst meth="repeat">
+      <a:schemeClr val="dk1"/>
+    </dgm:txFillClrLst>
+    <dgm:txEffectClrLst/>
+  </dgm:styleLbl>
+  <dgm:styleLbl name="solidFgAcc1">
+    <dgm:fillClrLst meth="repeat">
+      <a:schemeClr val="lt1"/>
+    </dgm:fillClrLst>
+    <dgm:linClrLst meth="repeat">
+      <a:schemeClr val="dk1"/>
+    </dgm:linClrLst>
+    <dgm:effectClrLst/>
+    <dgm:txLinClrLst/>
+    <dgm:txFillClrLst meth="repeat">
+      <a:schemeClr val="dk1"/>
+    </dgm:txFillClrLst>
+    <dgm:txEffectClrLst/>
+  </dgm:styleLbl>
+  <dgm:styleLbl name="solidAlignAcc1">
+    <dgm:fillClrLst meth="repeat">
+      <a:schemeClr val="lt1"/>
+    </dgm:fillClrLst>
+    <dgm:linClrLst meth="repeat">
+      <a:schemeClr val="dk1"/>
+    </dgm:linClrLst>
+    <dgm:effectClrLst/>
+    <dgm:txLinClrLst/>
+    <dgm:txFillClrLst meth="repeat">
+      <a:schemeClr val="dk1"/>
+    </dgm:txFillClrLst>
+    <dgm:txEffectClrLst/>
+  </dgm:styleLbl>
+  <dgm:styleLbl name="solidBgAcc1">
+    <dgm:fillClrLst meth="repeat">
+      <a:schemeClr val="lt1"/>
+    </dgm:fillClrLst>
+    <dgm:linClrLst meth="repeat">
+      <a:schemeClr val="dk1"/>
+    </dgm:linClrLst>
+    <dgm:effectClrLst/>
+    <dgm:txLinClrLst/>
+    <dgm:txFillClrLst meth="repeat">
+      <a:schemeClr val="dk1"/>
+    </dgm:txFillClrLst>
+    <dgm:txEffectClrLst/>
+  </dgm:styleLbl>
+  <dgm:styleLbl name="fgAccFollowNode1">
+    <dgm:fillClrLst meth="repeat">
+      <a:schemeClr val="lt1">
+        <a:alpha val="90000"/>
+        <a:tint val="40000"/>
+      </a:schemeClr>
+    </dgm:fillClrLst>
+    <dgm:linClrLst meth="repeat">
+      <a:schemeClr val="dk1">
+        <a:alpha val="90000"/>
+      </a:schemeClr>
+    </dgm:linClrLst>
+    <dgm:effectClrLst/>
+    <dgm:txLinClrLst/>
+    <dgm:txFillClrLst meth="repeat">
+      <a:schemeClr val="dk1"/>
+    </dgm:txFillClrLst>
+    <dgm:txEffectClrLst/>
+  </dgm:styleLbl>
+  <dgm:styleLbl name="alignAccFollowNode1">
+    <dgm:fillClrLst meth="repeat">
+      <a:schemeClr val="lt1">
+        <a:alpha val="90000"/>
+        <a:tint val="40000"/>
+      </a:schemeClr>
+    </dgm:fillClrLst>
+    <dgm:linClrLst meth="repeat">
+      <a:schemeClr val="dk1">
+        <a:alpha val="90000"/>
+      </a:schemeClr>
+    </dgm:linClrLst>
+    <dgm:effectClrLst/>
+    <dgm:txLinClrLst/>
+    <dgm:txFillClrLst meth="repeat">
+      <a:schemeClr val="dk1"/>
+    </dgm:txFillClrLst>
+    <dgm:txEffectClrLst/>
+  </dgm:styleLbl>
+  <dgm:styleLbl name="bgAccFollowNode1">
+    <dgm:fillClrLst meth="repeat">
+      <a:schemeClr val="lt1">
+        <a:alpha val="90000"/>
+        <a:tint val="40000"/>
+      </a:schemeClr>
+    </dgm:fillClrLst>
+    <dgm:linClrLst meth="repeat">
+      <a:schemeClr val="dk1">
+        <a:alpha val="90000"/>
+      </a:schemeClr>
+    </dgm:linClrLst>
+    <dgm:effectClrLst/>
+    <dgm:txLinClrLst/>
+    <dgm:txFillClrLst meth="repeat">
+      <a:schemeClr val="dk1"/>
+    </dgm:txFillClrLst>
+    <dgm:txEffectClrLst/>
+  </dgm:styleLbl>
+  <dgm:styleLbl name="fgAcc0">
+    <dgm:fillClrLst meth="repeat">
+      <a:schemeClr val="dk1">
+        <a:alpha val="90000"/>
+        <a:tint val="40000"/>
+      </a:schemeClr>
+    </dgm:fillClrLst>
+    <dgm:linClrLst meth="repeat">
+      <a:schemeClr val="dk1"/>
+    </dgm:linClrLst>
+    <dgm:effectClrLst/>
+    <dgm:txLinClrLst/>
+    <dgm:txFillClrLst meth="repeat">
+      <a:schemeClr val="dk1"/>
+    </dgm:txFillClrLst>
+    <dgm:txEffectClrLst/>
+  </dgm:styleLbl>
+  <dgm:styleLbl name="fgAcc2">
+    <dgm:fillClrLst meth="repeat">
+      <a:schemeClr val="dk1">
+        <a:alpha val="90000"/>
+        <a:tint val="40000"/>
+      </a:schemeClr>
+    </dgm:fillClrLst>
+    <dgm:linClrLst meth="repeat">
+      <a:schemeClr val="dk1"/>
+    </dgm:linClrLst>
+    <dgm:effectClrLst/>
+    <dgm:txLinClrLst/>
+    <dgm:txFillClrLst meth="repeat">
+      <a:schemeClr val="dk1"/>
+    </dgm:txFillClrLst>
+    <dgm:txEffectClrLst/>
+  </dgm:styleLbl>
+  <dgm:styleLbl name="fgAcc3">
+    <dgm:fillClrLst meth="repeat">
+      <a:schemeClr val="dk1">
+        <a:alpha val="90000"/>
+        <a:tint val="40000"/>
+      </a:schemeClr>
+    </dgm:fillClrLst>
+    <dgm:linClrLst meth="repeat">
+      <a:schemeClr val="dk1"/>
+    </dgm:linClrLst>
+    <dgm:effectClrLst/>
+    <dgm:txLinClrLst/>
+    <dgm:txFillClrLst meth="repeat">
+      <a:schemeClr val="dk1"/>
+    </dgm:txFillClrLst>
+    <dgm:txEffectClrLst/>
+  </dgm:styleLbl>
+  <dgm:styleLbl name="fgAcc4">
+    <dgm:fillClrLst meth="repeat">
+      <a:schemeClr val="dk1">
+        <a:alpha val="90000"/>
+        <a:tint val="40000"/>
+      </a:schemeClr>
+    </dgm:fillClrLst>
+    <dgm:linClrLst meth="repeat">
+      <a:schemeClr val="dk1"/>
+    </dgm:linClrLst>
+    <dgm:effectClrLst/>
+    <dgm:txLinClrLst/>
+    <dgm:txFillClrLst meth="repeat">
+      <a:schemeClr val="dk1"/>
+    </dgm:txFillClrLst>
+    <dgm:txEffectClrLst/>
+  </dgm:styleLbl>
+  <dgm:styleLbl name="bgShp">
+    <dgm:fillClrLst meth="repeat">
+      <a:schemeClr val="dk1">
+        <a:tint val="40000"/>
+      </a:schemeClr>
+    </dgm:fillClrLst>
+    <dgm:linClrLst meth="repeat">
+      <a:schemeClr val="dk1"/>
+    </dgm:linClrLst>
+    <dgm:effectClrLst/>
+    <dgm:txLinClrLst/>
+    <dgm:txFillClrLst meth="repeat">
+      <a:schemeClr val="dk1"/>
+    </dgm:txFillClrLst>
+    <dgm:txEffectClrLst/>
+  </dgm:styleLbl>
+  <dgm:styleLbl name="dkBgShp">
+    <dgm:fillClrLst meth="repeat">
+      <a:schemeClr val="dk1">
+        <a:shade val="80000"/>
+      </a:schemeClr>
+    </dgm:fillClrLst>
+    <dgm:linClrLst meth="repeat">
+      <a:schemeClr val="dk1"/>
+    </dgm:linClrLst>
+    <dgm:effectClrLst/>
+    <dgm:txLinClrLst/>
+    <dgm:txFillClrLst meth="repeat">
+      <a:schemeClr val="lt1"/>
+    </dgm:txFillClrLst>
+    <dgm:txEffectClrLst/>
+  </dgm:styleLbl>
+  <dgm:styleLbl name="trBgShp">
+    <dgm:fillClrLst meth="repeat">
+      <a:schemeClr val="dk1">
+        <a:tint val="50000"/>
+        <a:alpha val="40000"/>
+      </a:schemeClr>
+    </dgm:fillClrLst>
+    <dgm:linClrLst meth="repeat">
+      <a:schemeClr val="dk1"/>
+    </dgm:linClrLst>
+    <dgm:effectClrLst/>
+    <dgm:txLinClrLst/>
+    <dgm:txFillClrLst meth="repeat">
+      <a:schemeClr val="lt1"/>
+    </dgm:txFillClrLst>
+    <dgm:txEffectClrLst/>
+  </dgm:styleLbl>
+  <dgm:styleLbl name="fgShp">
+    <dgm:fillClrLst meth="repeat">
+      <a:schemeClr val="dk1">
+        <a:tint val="60000"/>
+      </a:schemeClr>
+    </dgm:fillClrLst>
+    <dgm:linClrLst meth="repeat">
+      <a:schemeClr val="lt1"/>
+    </dgm:linClrLst>
+    <dgm:effectClrLst/>
+    <dgm:txLinClrLst/>
+    <dgm:txFillClrLst meth="repeat">
+      <a:schemeClr val="dk1"/>
+    </dgm:txFillClrLst>
+    <dgm:txEffectClrLst/>
+  </dgm:styleLbl>
+  <dgm:styleLbl name="revTx">
+    <dgm:fillClrLst meth="repeat">
+      <a:schemeClr val="lt1">
+        <a:alpha val="0"/>
+      </a:schemeClr>
+    </dgm:fillClrLst>
+    <dgm:linClrLst meth="repeat">
+      <a:schemeClr val="dk1">
+        <a:alpha val="0"/>
+      </a:schemeClr>
+    </dgm:linClrLst>
+    <dgm:effectClrLst/>
+    <dgm:txLinClrLst/>
+    <dgm:txFillClrLst meth="repeat">
+      <a:schemeClr val="tx1"/>
+    </dgm:txFillClrLst>
+    <dgm:txEffectClrLst/>
+  </dgm:styleLbl>
+</dgm:colorsDef>
+</file>
+
+<file path=ppt/diagrams/data1.xml><?xml version="1.0" encoding="utf-8"?>
+<dgm:dataModel xmlns:dgm="http://schemas.openxmlformats.org/drawingml/2006/diagram" xmlns:a="http://schemas.openxmlformats.org/drawingml/2006/main">
+  <dgm:ptLst>
+    <dgm:pt modelId="{4FA175D9-466C-FC42-9B9C-45BCB1DBB681}" type="doc">
+      <dgm:prSet loTypeId="urn:microsoft.com/office/officeart/2005/8/layout/hierarchy6" loCatId="" qsTypeId="urn:microsoft.com/office/officeart/2005/8/quickstyle/simple1" qsCatId="simple" csTypeId="urn:microsoft.com/office/officeart/2005/8/colors/accent0_1" csCatId="mainScheme" phldr="1"/>
+      <dgm:spPr/>
+      <dgm:t>
+        <a:bodyPr/>
+        <a:lstStyle/>
+        <a:p>
+          <a:endParaRPr lang="fr-FR"/>
+        </a:p>
+      </dgm:t>
+    </dgm:pt>
+    <dgm:pt modelId="{67C99E68-C852-844B-BCAF-5CF1D0411DF7}">
+      <dgm:prSet phldrT="[Texte]" custT="1"/>
+      <dgm:spPr/>
+      <dgm:t>
+        <a:bodyPr/>
+        <a:lstStyle/>
+        <a:p>
+          <a:r>
+            <a:rPr lang="fr-FR" sz="1200" dirty="0" smtClean="0"/>
+            <a:t>Vocabulaire</a:t>
+          </a:r>
+          <a:endParaRPr lang="fr-FR" sz="1200" dirty="0"/>
+        </a:p>
+      </dgm:t>
+    </dgm:pt>
+    <dgm:pt modelId="{1C1D933E-792B-DC48-8650-59F6E5D12E7F}" type="parTrans" cxnId="{A70838B0-5BFB-7141-B502-6CF2F8C54D97}">
+      <dgm:prSet/>
+      <dgm:spPr/>
+      <dgm:t>
+        <a:bodyPr/>
+        <a:lstStyle/>
+        <a:p>
+          <a:endParaRPr lang="fr-FR" sz="1200"/>
+        </a:p>
+      </dgm:t>
+    </dgm:pt>
+    <dgm:pt modelId="{76A51FAE-0E2F-1246-9A27-B032A2373D43}" type="sibTrans" cxnId="{A70838B0-5BFB-7141-B502-6CF2F8C54D97}">
+      <dgm:prSet/>
+      <dgm:spPr/>
+      <dgm:t>
+        <a:bodyPr/>
+        <a:lstStyle/>
+        <a:p>
+          <a:endParaRPr lang="fr-FR" sz="1200"/>
+        </a:p>
+      </dgm:t>
+    </dgm:pt>
+    <dgm:pt modelId="{119EC07E-99B2-0F44-A351-D886CCCCDAA5}">
+      <dgm:prSet phldrT="[Texte]" custT="1"/>
+      <dgm:spPr/>
+      <dgm:t>
+        <a:bodyPr/>
+        <a:lstStyle/>
+        <a:p>
+          <a:r>
+            <a:rPr lang="fr-FR" sz="1200" dirty="0" smtClean="0"/>
+            <a:t>Agrégation</a:t>
+          </a:r>
+          <a:endParaRPr lang="fr-FR" sz="1200" dirty="0"/>
+        </a:p>
+      </dgm:t>
+    </dgm:pt>
+    <dgm:pt modelId="{CE0D1749-2D27-C641-8707-F9E4C6DE8D9F}" type="parTrans" cxnId="{390C55C0-1182-934E-9008-9EFEC007175E}">
+      <dgm:prSet/>
+      <dgm:spPr/>
+      <dgm:t>
+        <a:bodyPr/>
+        <a:lstStyle/>
+        <a:p>
+          <a:endParaRPr lang="fr-FR" sz="1200"/>
+        </a:p>
+      </dgm:t>
+    </dgm:pt>
+    <dgm:pt modelId="{2F4B2F13-EC73-F24B-A9BB-A840B9A9C0D5}" type="sibTrans" cxnId="{390C55C0-1182-934E-9008-9EFEC007175E}">
+      <dgm:prSet/>
+      <dgm:spPr/>
+      <dgm:t>
+        <a:bodyPr/>
+        <a:lstStyle/>
+        <a:p>
+          <a:endParaRPr lang="fr-FR" sz="1200"/>
+        </a:p>
+      </dgm:t>
+    </dgm:pt>
+    <dgm:pt modelId="{2D1C0674-3A4A-4147-A331-23FC2DBA2399}">
+      <dgm:prSet phldrT="[Texte]" custT="1"/>
+      <dgm:spPr/>
+      <dgm:t>
+        <a:bodyPr/>
+        <a:lstStyle/>
+        <a:p>
+          <a:r>
+            <a:rPr lang="fr-FR" sz="1200" dirty="0" smtClean="0"/>
+            <a:t>Méthodes de </a:t>
+          </a:r>
+          <a:r>
+            <a:rPr lang="fr-FR" sz="1200" dirty="0" err="1" smtClean="0"/>
+            <a:t>clustering</a:t>
+          </a:r>
+          <a:endParaRPr lang="fr-FR" sz="1200" dirty="0"/>
+        </a:p>
+      </dgm:t>
+    </dgm:pt>
+    <dgm:pt modelId="{2B196B73-3A19-8D49-8276-47AE98E2FFD8}" type="parTrans" cxnId="{BEAED715-0BB3-AE45-8D2E-55FDBB70DE54}">
+      <dgm:prSet/>
+      <dgm:spPr/>
+      <dgm:t>
+        <a:bodyPr/>
+        <a:lstStyle/>
+        <a:p>
+          <a:endParaRPr lang="fr-FR" sz="1200"/>
+        </a:p>
+      </dgm:t>
+    </dgm:pt>
+    <dgm:pt modelId="{37DE6AA4-B7A6-ED43-898F-E79CAE1CE44E}" type="sibTrans" cxnId="{BEAED715-0BB3-AE45-8D2E-55FDBB70DE54}">
+      <dgm:prSet/>
+      <dgm:spPr/>
+      <dgm:t>
+        <a:bodyPr/>
+        <a:lstStyle/>
+        <a:p>
+          <a:endParaRPr lang="fr-FR" sz="1200"/>
+        </a:p>
+      </dgm:t>
+    </dgm:pt>
+    <dgm:pt modelId="{751C47AF-0A0D-9E49-9AF6-322FB5A6D85B}">
+      <dgm:prSet phldrT="[Texte]" custT="1"/>
+      <dgm:spPr/>
+      <dgm:t>
+        <a:bodyPr/>
+        <a:lstStyle/>
+        <a:p>
+          <a:r>
+            <a:rPr lang="fr-FR" sz="1200" dirty="0" smtClean="0"/>
+            <a:t>Propriétés de la matrice d'adjacence</a:t>
+          </a:r>
+          <a:endParaRPr lang="fr-FR" sz="1200" dirty="0"/>
+        </a:p>
+      </dgm:t>
+    </dgm:pt>
+    <dgm:pt modelId="{B82EFF38-71E6-D541-9450-2337FF5A5D4C}" type="parTrans" cxnId="{76FD9BD5-5DBF-AD46-B27E-08CC34B7B622}">
+      <dgm:prSet/>
+      <dgm:spPr/>
+      <dgm:t>
+        <a:bodyPr/>
+        <a:lstStyle/>
+        <a:p>
+          <a:endParaRPr lang="fr-FR" sz="1200"/>
+        </a:p>
+      </dgm:t>
+    </dgm:pt>
+    <dgm:pt modelId="{5058EE52-0819-1B45-B4DB-88E5EB9031DC}" type="sibTrans" cxnId="{76FD9BD5-5DBF-AD46-B27E-08CC34B7B622}">
+      <dgm:prSet/>
+      <dgm:spPr/>
+      <dgm:t>
+        <a:bodyPr/>
+        <a:lstStyle/>
+        <a:p>
+          <a:endParaRPr lang="fr-FR" sz="1200"/>
+        </a:p>
+      </dgm:t>
+    </dgm:pt>
+    <dgm:pt modelId="{D771BBE3-1C8B-3644-BB47-2BAB9D675245}">
+      <dgm:prSet phldrT="[Texte]" custT="1"/>
+      <dgm:spPr/>
+      <dgm:t>
+        <a:bodyPr/>
+        <a:lstStyle/>
+        <a:p>
+          <a:r>
+            <a:rPr lang="fr-FR" sz="1200" dirty="0" smtClean="0"/>
+            <a:t>Des liens des motifs</a:t>
+          </a:r>
+          <a:endParaRPr lang="fr-FR" sz="1200" dirty="0"/>
+        </a:p>
+      </dgm:t>
+    </dgm:pt>
+    <dgm:pt modelId="{8857CE9E-5FEA-F149-A2FB-7906FF2442ED}" type="parTrans" cxnId="{A85AE8CD-B7A2-5A4A-ACE2-EF8B2E43B88A}">
+      <dgm:prSet/>
+      <dgm:spPr/>
+      <dgm:t>
+        <a:bodyPr/>
+        <a:lstStyle/>
+        <a:p>
+          <a:endParaRPr lang="fr-FR" sz="1200"/>
+        </a:p>
+      </dgm:t>
+    </dgm:pt>
+    <dgm:pt modelId="{173730EF-753C-2843-B12B-9FEA9F0BDC18}" type="sibTrans" cxnId="{A85AE8CD-B7A2-5A4A-ACE2-EF8B2E43B88A}">
+      <dgm:prSet/>
+      <dgm:spPr/>
+      <dgm:t>
+        <a:bodyPr/>
+        <a:lstStyle/>
+        <a:p>
+          <a:endParaRPr lang="fr-FR" sz="1200"/>
+        </a:p>
+      </dgm:t>
+    </dgm:pt>
+    <dgm:pt modelId="{D9BD5B19-D21B-8446-AB40-2D46DFB038D6}">
+      <dgm:prSet phldrT="[Texte]" custT="1"/>
+      <dgm:spPr/>
+      <dgm:t>
+        <a:bodyPr/>
+        <a:lstStyle/>
+        <a:p>
+          <a:r>
+            <a:rPr lang="fr-FR" sz="1200" dirty="0" smtClean="0"/>
+            <a:t>Des nœuds des motifs</a:t>
+          </a:r>
+          <a:endParaRPr lang="fr-FR" sz="1200" dirty="0"/>
+        </a:p>
+      </dgm:t>
+    </dgm:pt>
+    <dgm:pt modelId="{888EC12F-4252-B944-AE71-92C25CE963F7}" type="parTrans" cxnId="{DA7F09CC-E040-9C4F-9608-620073903D03}">
+      <dgm:prSet/>
+      <dgm:spPr/>
+      <dgm:t>
+        <a:bodyPr/>
+        <a:lstStyle/>
+        <a:p>
+          <a:endParaRPr lang="fr-FR" sz="1200"/>
+        </a:p>
+      </dgm:t>
+    </dgm:pt>
+    <dgm:pt modelId="{806E3B5D-460F-0540-923C-196C8DAC66E4}" type="sibTrans" cxnId="{DA7F09CC-E040-9C4F-9608-620073903D03}">
+      <dgm:prSet/>
+      <dgm:spPr/>
+      <dgm:t>
+        <a:bodyPr/>
+        <a:lstStyle/>
+        <a:p>
+          <a:endParaRPr lang="fr-FR" sz="1200"/>
+        </a:p>
+      </dgm:t>
+    </dgm:pt>
+    <dgm:pt modelId="{233DBD2D-5645-C646-9EBD-124E6E693FE5}">
+      <dgm:prSet phldrT="[Texte]" custT="1"/>
+      <dgm:spPr/>
+      <dgm:t>
+        <a:bodyPr/>
+        <a:lstStyle/>
+        <a:p>
+          <a:r>
+            <a:rPr lang="fr-FR" sz="1200" dirty="0" smtClean="0"/>
+            <a:t>Méthodes de compression basées sur l’extraction de Motifs</a:t>
+          </a:r>
+          <a:endParaRPr lang="fr-FR" sz="1200" dirty="0"/>
+        </a:p>
+      </dgm:t>
+    </dgm:pt>
+    <dgm:pt modelId="{F09E0E67-B25D-374D-B939-096E20FFC0E1}" type="sibTrans" cxnId="{F8B68903-FB24-C24A-A5A4-0D78B7AA1F43}">
+      <dgm:prSet/>
+      <dgm:spPr/>
+      <dgm:t>
+        <a:bodyPr/>
+        <a:lstStyle/>
+        <a:p>
+          <a:endParaRPr lang="fr-FR" sz="1200"/>
+        </a:p>
+      </dgm:t>
+    </dgm:pt>
+    <dgm:pt modelId="{10D25740-8435-D449-A843-FD0FB2032792}" type="parTrans" cxnId="{F8B68903-FB24-C24A-A5A4-0D78B7AA1F43}">
+      <dgm:prSet/>
+      <dgm:spPr/>
+      <dgm:t>
+        <a:bodyPr/>
+        <a:lstStyle/>
+        <a:p>
+          <a:endParaRPr lang="fr-FR" sz="1200"/>
+        </a:p>
+      </dgm:t>
+    </dgm:pt>
+    <dgm:pt modelId="{BF910C58-F1E4-E04A-BE95-0203F4D46DFE}" type="pres">
+      <dgm:prSet presAssocID="{4FA175D9-466C-FC42-9B9C-45BCB1DBB681}" presName="mainComposite" presStyleCnt="0">
+        <dgm:presLayoutVars>
+          <dgm:chPref val="1"/>
+          <dgm:dir/>
+          <dgm:animOne val="branch"/>
+          <dgm:animLvl val="lvl"/>
+          <dgm:resizeHandles val="exact"/>
+        </dgm:presLayoutVars>
+      </dgm:prSet>
+      <dgm:spPr/>
+    </dgm:pt>
+    <dgm:pt modelId="{2FF8FB34-B21F-3649-A745-B81734DB0793}" type="pres">
+      <dgm:prSet presAssocID="{4FA175D9-466C-FC42-9B9C-45BCB1DBB681}" presName="hierFlow" presStyleCnt="0"/>
+      <dgm:spPr/>
+    </dgm:pt>
+    <dgm:pt modelId="{74FB30C9-C424-A044-AC89-6B8E27AB5B35}" type="pres">
+      <dgm:prSet presAssocID="{4FA175D9-466C-FC42-9B9C-45BCB1DBB681}" presName="hierChild1" presStyleCnt="0">
+        <dgm:presLayoutVars>
+          <dgm:chPref val="1"/>
+          <dgm:animOne val="branch"/>
+          <dgm:animLvl val="lvl"/>
+        </dgm:presLayoutVars>
+      </dgm:prSet>
+      <dgm:spPr/>
+    </dgm:pt>
+    <dgm:pt modelId="{A78A71E7-7960-F740-BFA9-703BAF4F750D}" type="pres">
+      <dgm:prSet presAssocID="{233DBD2D-5645-C646-9EBD-124E6E693FE5}" presName="Name14" presStyleCnt="0"/>
+      <dgm:spPr/>
+    </dgm:pt>
+    <dgm:pt modelId="{E19D0E37-DD6D-CB46-806B-E3D4EA68EFEA}" type="pres">
+      <dgm:prSet presAssocID="{233DBD2D-5645-C646-9EBD-124E6E693FE5}" presName="level1Shape" presStyleLbl="node0" presStyleIdx="0" presStyleCnt="1" custScaleX="1490772" custScaleY="56996" custLinFactNeighborX="6675" custLinFactNeighborY="4079">
+        <dgm:presLayoutVars>
+          <dgm:chPref val="3"/>
+        </dgm:presLayoutVars>
+      </dgm:prSet>
+      <dgm:spPr/>
+      <dgm:t>
+        <a:bodyPr/>
+        <a:lstStyle/>
+        <a:p>
+          <a:endParaRPr lang="fr-FR"/>
+        </a:p>
+      </dgm:t>
+    </dgm:pt>
+    <dgm:pt modelId="{6BF9838C-1072-E640-B133-B16D85DAAD32}" type="pres">
+      <dgm:prSet presAssocID="{233DBD2D-5645-C646-9EBD-124E6E693FE5}" presName="hierChild2" presStyleCnt="0"/>
+      <dgm:spPr/>
+    </dgm:pt>
+    <dgm:pt modelId="{6AE2D685-5C0E-8F48-BE17-F18DD679F00B}" type="pres">
+      <dgm:prSet presAssocID="{1C1D933E-792B-DC48-8650-59F6E5D12E7F}" presName="Name19" presStyleLbl="parChTrans1D2" presStyleIdx="0" presStyleCnt="2"/>
+      <dgm:spPr/>
+    </dgm:pt>
+    <dgm:pt modelId="{E8C8FFD1-6655-AA48-ADBB-EFE7EE06969F}" type="pres">
+      <dgm:prSet presAssocID="{67C99E68-C852-844B-BCAF-5CF1D0411DF7}" presName="Name21" presStyleCnt="0"/>
+      <dgm:spPr/>
+    </dgm:pt>
+    <dgm:pt modelId="{82C99869-25AC-F446-AD5B-D3A43B3A2DD4}" type="pres">
+      <dgm:prSet presAssocID="{67C99E68-C852-844B-BCAF-5CF1D0411DF7}" presName="level2Shape" presStyleLbl="node2" presStyleIdx="0" presStyleCnt="2" custScaleX="713741" custScaleY="53401" custLinFactNeighborX="15872" custLinFactNeighborY="-6538"/>
+      <dgm:spPr/>
+    </dgm:pt>
+    <dgm:pt modelId="{DAA2B92E-84ED-CE45-A812-87AF0EB3C95B}" type="pres">
+      <dgm:prSet presAssocID="{67C99E68-C852-844B-BCAF-5CF1D0411DF7}" presName="hierChild3" presStyleCnt="0"/>
+      <dgm:spPr/>
+    </dgm:pt>
+    <dgm:pt modelId="{1E585202-9991-9948-87B0-9E6F7ABC670E}" type="pres">
+      <dgm:prSet presAssocID="{B82EFF38-71E6-D541-9450-2337FF5A5D4C}" presName="Name19" presStyleLbl="parChTrans1D3" presStyleIdx="0" presStyleCnt="4"/>
+      <dgm:spPr/>
+    </dgm:pt>
+    <dgm:pt modelId="{0D722B6F-9E10-B742-A875-4C6BB9F62F92}" type="pres">
+      <dgm:prSet presAssocID="{751C47AF-0A0D-9E49-9AF6-322FB5A6D85B}" presName="Name21" presStyleCnt="0"/>
+      <dgm:spPr/>
+    </dgm:pt>
+    <dgm:pt modelId="{6CF32258-A341-D443-878F-11774E6B20B6}" type="pres">
+      <dgm:prSet presAssocID="{751C47AF-0A0D-9E49-9AF6-322FB5A6D85B}" presName="level2Shape" presStyleLbl="node3" presStyleIdx="0" presStyleCnt="4" custScaleX="327702" custScaleY="54661" custLinFactNeighborX="9616" custLinFactNeighborY="-180"/>
+      <dgm:spPr/>
+    </dgm:pt>
+    <dgm:pt modelId="{04B58E79-488B-CA4F-9F2F-9444B19E481A}" type="pres">
+      <dgm:prSet presAssocID="{751C47AF-0A0D-9E49-9AF6-322FB5A6D85B}" presName="hierChild3" presStyleCnt="0"/>
+      <dgm:spPr/>
+    </dgm:pt>
+    <dgm:pt modelId="{0F918A13-252C-274D-8721-B5960C9FE744}" type="pres">
+      <dgm:prSet presAssocID="{2B196B73-3A19-8D49-8276-47AE98E2FFD8}" presName="Name19" presStyleLbl="parChTrans1D3" presStyleIdx="1" presStyleCnt="4"/>
+      <dgm:spPr/>
+    </dgm:pt>
+    <dgm:pt modelId="{87FCDF04-2852-E94D-9CEC-CA01340E8E9E}" type="pres">
+      <dgm:prSet presAssocID="{2D1C0674-3A4A-4147-A331-23FC2DBA2399}" presName="Name21" presStyleCnt="0"/>
+      <dgm:spPr/>
+    </dgm:pt>
+    <dgm:pt modelId="{4E9546E7-37B1-6642-B537-6218F7EAD6EB}" type="pres">
+      <dgm:prSet presAssocID="{2D1C0674-3A4A-4147-A331-23FC2DBA2399}" presName="level2Shape" presStyleLbl="node3" presStyleIdx="1" presStyleCnt="4" custScaleX="339447" custScaleY="54661" custLinFactNeighborX="21968"/>
+      <dgm:spPr/>
+    </dgm:pt>
+    <dgm:pt modelId="{7C5B5F38-D93D-6A41-9FFC-CE734B46C3BD}" type="pres">
+      <dgm:prSet presAssocID="{2D1C0674-3A4A-4147-A331-23FC2DBA2399}" presName="hierChild3" presStyleCnt="0"/>
+      <dgm:spPr/>
+    </dgm:pt>
+    <dgm:pt modelId="{84C849D4-8D00-6140-BE01-D6B56F3FC2A1}" type="pres">
+      <dgm:prSet presAssocID="{CE0D1749-2D27-C641-8707-F9E4C6DE8D9F}" presName="Name19" presStyleLbl="parChTrans1D2" presStyleIdx="1" presStyleCnt="2"/>
+      <dgm:spPr/>
+    </dgm:pt>
+    <dgm:pt modelId="{E32157C9-3291-1044-A941-F999784E4D69}" type="pres">
+      <dgm:prSet presAssocID="{119EC07E-99B2-0F44-A351-D886CCCCDAA5}" presName="Name21" presStyleCnt="0"/>
+      <dgm:spPr/>
+    </dgm:pt>
+    <dgm:pt modelId="{8D62BC4C-4354-E049-B3CC-1B187E727CBA}" type="pres">
+      <dgm:prSet presAssocID="{119EC07E-99B2-0F44-A351-D886CCCCDAA5}" presName="level2Shape" presStyleLbl="node2" presStyleIdx="1" presStyleCnt="2" custScaleX="768057" custScaleY="56657" custLinFactNeighborX="-3788" custLinFactNeighborY="-7314"/>
+      <dgm:spPr/>
+    </dgm:pt>
+    <dgm:pt modelId="{941F7B01-CB32-034E-8C19-E77A6D047EB9}" type="pres">
+      <dgm:prSet presAssocID="{119EC07E-99B2-0F44-A351-D886CCCCDAA5}" presName="hierChild3" presStyleCnt="0"/>
+      <dgm:spPr/>
+    </dgm:pt>
+    <dgm:pt modelId="{98AE4800-255A-CC46-81D4-1FE846AFEF4E}" type="pres">
+      <dgm:prSet presAssocID="{888EC12F-4252-B944-AE71-92C25CE963F7}" presName="Name19" presStyleLbl="parChTrans1D3" presStyleIdx="2" presStyleCnt="4"/>
+      <dgm:spPr/>
+    </dgm:pt>
+    <dgm:pt modelId="{7684C1E5-11A4-9E42-AF72-585F6D190567}" type="pres">
+      <dgm:prSet presAssocID="{D9BD5B19-D21B-8446-AB40-2D46DFB038D6}" presName="Name21" presStyleCnt="0"/>
+      <dgm:spPr/>
+    </dgm:pt>
+    <dgm:pt modelId="{78D07536-54CD-444A-A3B3-573696D04A52}" type="pres">
+      <dgm:prSet presAssocID="{D9BD5B19-D21B-8446-AB40-2D46DFB038D6}" presName="level2Shape" presStyleLbl="node3" presStyleIdx="2" presStyleCnt="4" custScaleX="384716" custScaleY="54661" custLinFactNeighborX="-1054" custLinFactNeighborY="-2374"/>
+      <dgm:spPr/>
+    </dgm:pt>
+    <dgm:pt modelId="{1D46C497-0A7D-DC4F-ACC9-CAEA570F0E34}" type="pres">
+      <dgm:prSet presAssocID="{D9BD5B19-D21B-8446-AB40-2D46DFB038D6}" presName="hierChild3" presStyleCnt="0"/>
+      <dgm:spPr/>
+    </dgm:pt>
+    <dgm:pt modelId="{D83DC47F-8992-7240-AABB-5593FB74EBCE}" type="pres">
+      <dgm:prSet presAssocID="{8857CE9E-5FEA-F149-A2FB-7906FF2442ED}" presName="Name19" presStyleLbl="parChTrans1D3" presStyleIdx="3" presStyleCnt="4"/>
+      <dgm:spPr/>
+    </dgm:pt>
+    <dgm:pt modelId="{6D7BAE33-1933-1A44-BD50-5DDF19877C36}" type="pres">
+      <dgm:prSet presAssocID="{D771BBE3-1C8B-3644-BB47-2BAB9D675245}" presName="Name21" presStyleCnt="0"/>
+      <dgm:spPr/>
+    </dgm:pt>
+    <dgm:pt modelId="{E10281B8-574A-FD4A-A466-8FB45B5BFA05}" type="pres">
+      <dgm:prSet presAssocID="{D771BBE3-1C8B-3644-BB47-2BAB9D675245}" presName="level2Shape" presStyleLbl="node3" presStyleIdx="3" presStyleCnt="4" custScaleX="355528" custScaleY="54661" custLinFactNeighborX="-5625" custLinFactNeighborY="-4395"/>
+      <dgm:spPr/>
+    </dgm:pt>
+    <dgm:pt modelId="{7F2B7C8C-4092-4A42-A57A-7C6A74E34EEA}" type="pres">
+      <dgm:prSet presAssocID="{D771BBE3-1C8B-3644-BB47-2BAB9D675245}" presName="hierChild3" presStyleCnt="0"/>
+      <dgm:spPr/>
+    </dgm:pt>
+    <dgm:pt modelId="{EE50C198-ECBF-8A4D-8503-0DC373074A31}" type="pres">
+      <dgm:prSet presAssocID="{4FA175D9-466C-FC42-9B9C-45BCB1DBB681}" presName="bgShapesFlow" presStyleCnt="0"/>
+      <dgm:spPr/>
+    </dgm:pt>
+  </dgm:ptLst>
+  <dgm:cxnLst>
+    <dgm:cxn modelId="{B96A2219-A536-8248-8A14-830D1BC868E6}" type="presOf" srcId="{D771BBE3-1C8B-3644-BB47-2BAB9D675245}" destId="{E10281B8-574A-FD4A-A466-8FB45B5BFA05}" srcOrd="0" destOrd="0" presId="urn:microsoft.com/office/officeart/2005/8/layout/hierarchy6"/>
+    <dgm:cxn modelId="{76FD9BD5-5DBF-AD46-B27E-08CC34B7B622}" srcId="{67C99E68-C852-844B-BCAF-5CF1D0411DF7}" destId="{751C47AF-0A0D-9E49-9AF6-322FB5A6D85B}" srcOrd="0" destOrd="0" parTransId="{B82EFF38-71E6-D541-9450-2337FF5A5D4C}" sibTransId="{5058EE52-0819-1B45-B4DB-88E5EB9031DC}"/>
+    <dgm:cxn modelId="{C729C99B-9C32-8441-98DC-AF42E32A6FE8}" type="presOf" srcId="{D9BD5B19-D21B-8446-AB40-2D46DFB038D6}" destId="{78D07536-54CD-444A-A3B3-573696D04A52}" srcOrd="0" destOrd="0" presId="urn:microsoft.com/office/officeart/2005/8/layout/hierarchy6"/>
+    <dgm:cxn modelId="{BEAED715-0BB3-AE45-8D2E-55FDBB70DE54}" srcId="{67C99E68-C852-844B-BCAF-5CF1D0411DF7}" destId="{2D1C0674-3A4A-4147-A331-23FC2DBA2399}" srcOrd="1" destOrd="0" parTransId="{2B196B73-3A19-8D49-8276-47AE98E2FFD8}" sibTransId="{37DE6AA4-B7A6-ED43-898F-E79CAE1CE44E}"/>
+    <dgm:cxn modelId="{0CF8FBE7-C706-C541-86F6-D50E240094AA}" type="presOf" srcId="{2B196B73-3A19-8D49-8276-47AE98E2FFD8}" destId="{0F918A13-252C-274D-8721-B5960C9FE744}" srcOrd="0" destOrd="0" presId="urn:microsoft.com/office/officeart/2005/8/layout/hierarchy6"/>
+    <dgm:cxn modelId="{DA7F09CC-E040-9C4F-9608-620073903D03}" srcId="{119EC07E-99B2-0F44-A351-D886CCCCDAA5}" destId="{D9BD5B19-D21B-8446-AB40-2D46DFB038D6}" srcOrd="0" destOrd="0" parTransId="{888EC12F-4252-B944-AE71-92C25CE963F7}" sibTransId="{806E3B5D-460F-0540-923C-196C8DAC66E4}"/>
+    <dgm:cxn modelId="{1A504EDB-A628-9041-8876-DABC17B518F5}" type="presOf" srcId="{67C99E68-C852-844B-BCAF-5CF1D0411DF7}" destId="{82C99869-25AC-F446-AD5B-D3A43B3A2DD4}" srcOrd="0" destOrd="0" presId="urn:microsoft.com/office/officeart/2005/8/layout/hierarchy6"/>
+    <dgm:cxn modelId="{BA9A14E8-9D7A-D042-A8E6-0AF61B1BA1D7}" type="presOf" srcId="{B82EFF38-71E6-D541-9450-2337FF5A5D4C}" destId="{1E585202-9991-9948-87B0-9E6F7ABC670E}" srcOrd="0" destOrd="0" presId="urn:microsoft.com/office/officeart/2005/8/layout/hierarchy6"/>
+    <dgm:cxn modelId="{0AE691BF-A873-2843-A0C4-02926D85BBF8}" type="presOf" srcId="{2D1C0674-3A4A-4147-A331-23FC2DBA2399}" destId="{4E9546E7-37B1-6642-B537-6218F7EAD6EB}" srcOrd="0" destOrd="0" presId="urn:microsoft.com/office/officeart/2005/8/layout/hierarchy6"/>
+    <dgm:cxn modelId="{5B4748E8-1C8A-C140-A7D8-72873CFB08EB}" type="presOf" srcId="{751C47AF-0A0D-9E49-9AF6-322FB5A6D85B}" destId="{6CF32258-A341-D443-878F-11774E6B20B6}" srcOrd="0" destOrd="0" presId="urn:microsoft.com/office/officeart/2005/8/layout/hierarchy6"/>
+    <dgm:cxn modelId="{059E9B10-DBB8-AE46-830C-45DE5DE08A72}" type="presOf" srcId="{CE0D1749-2D27-C641-8707-F9E4C6DE8D9F}" destId="{84C849D4-8D00-6140-BE01-D6B56F3FC2A1}" srcOrd="0" destOrd="0" presId="urn:microsoft.com/office/officeart/2005/8/layout/hierarchy6"/>
+    <dgm:cxn modelId="{390C55C0-1182-934E-9008-9EFEC007175E}" srcId="{233DBD2D-5645-C646-9EBD-124E6E693FE5}" destId="{119EC07E-99B2-0F44-A351-D886CCCCDAA5}" srcOrd="1" destOrd="0" parTransId="{CE0D1749-2D27-C641-8707-F9E4C6DE8D9F}" sibTransId="{2F4B2F13-EC73-F24B-A9BB-A840B9A9C0D5}"/>
+    <dgm:cxn modelId="{9230F4C5-2796-F644-BC44-BD102307E800}" type="presOf" srcId="{1C1D933E-792B-DC48-8650-59F6E5D12E7F}" destId="{6AE2D685-5C0E-8F48-BE17-F18DD679F00B}" srcOrd="0" destOrd="0" presId="urn:microsoft.com/office/officeart/2005/8/layout/hierarchy6"/>
+    <dgm:cxn modelId="{A70838B0-5BFB-7141-B502-6CF2F8C54D97}" srcId="{233DBD2D-5645-C646-9EBD-124E6E693FE5}" destId="{67C99E68-C852-844B-BCAF-5CF1D0411DF7}" srcOrd="0" destOrd="0" parTransId="{1C1D933E-792B-DC48-8650-59F6E5D12E7F}" sibTransId="{76A51FAE-0E2F-1246-9A27-B032A2373D43}"/>
+    <dgm:cxn modelId="{B129D485-432C-9B49-881D-A63879C950D5}" type="presOf" srcId="{8857CE9E-5FEA-F149-A2FB-7906FF2442ED}" destId="{D83DC47F-8992-7240-AABB-5593FB74EBCE}" srcOrd="0" destOrd="0" presId="urn:microsoft.com/office/officeart/2005/8/layout/hierarchy6"/>
+    <dgm:cxn modelId="{F8B68903-FB24-C24A-A5A4-0D78B7AA1F43}" srcId="{4FA175D9-466C-FC42-9B9C-45BCB1DBB681}" destId="{233DBD2D-5645-C646-9EBD-124E6E693FE5}" srcOrd="0" destOrd="0" parTransId="{10D25740-8435-D449-A843-FD0FB2032792}" sibTransId="{F09E0E67-B25D-374D-B939-096E20FFC0E1}"/>
+    <dgm:cxn modelId="{AEB1AA94-388E-AD40-8642-3BE888157214}" type="presOf" srcId="{4FA175D9-466C-FC42-9B9C-45BCB1DBB681}" destId="{BF910C58-F1E4-E04A-BE95-0203F4D46DFE}" srcOrd="0" destOrd="0" presId="urn:microsoft.com/office/officeart/2005/8/layout/hierarchy6"/>
+    <dgm:cxn modelId="{A94BD5DB-39A0-8646-BD44-9EAF4870FDC9}" type="presOf" srcId="{888EC12F-4252-B944-AE71-92C25CE963F7}" destId="{98AE4800-255A-CC46-81D4-1FE846AFEF4E}" srcOrd="0" destOrd="0" presId="urn:microsoft.com/office/officeart/2005/8/layout/hierarchy6"/>
+    <dgm:cxn modelId="{A85AE8CD-B7A2-5A4A-ACE2-EF8B2E43B88A}" srcId="{119EC07E-99B2-0F44-A351-D886CCCCDAA5}" destId="{D771BBE3-1C8B-3644-BB47-2BAB9D675245}" srcOrd="1" destOrd="0" parTransId="{8857CE9E-5FEA-F149-A2FB-7906FF2442ED}" sibTransId="{173730EF-753C-2843-B12B-9FEA9F0BDC18}"/>
+    <dgm:cxn modelId="{4B44F706-C71E-F74C-963F-74B43DB9F4F0}" type="presOf" srcId="{233DBD2D-5645-C646-9EBD-124E6E693FE5}" destId="{E19D0E37-DD6D-CB46-806B-E3D4EA68EFEA}" srcOrd="0" destOrd="0" presId="urn:microsoft.com/office/officeart/2005/8/layout/hierarchy6"/>
+    <dgm:cxn modelId="{BFC53CA8-0595-DE45-968E-331AABA6C3EE}" type="presOf" srcId="{119EC07E-99B2-0F44-A351-D886CCCCDAA5}" destId="{8D62BC4C-4354-E049-B3CC-1B187E727CBA}" srcOrd="0" destOrd="0" presId="urn:microsoft.com/office/officeart/2005/8/layout/hierarchy6"/>
+    <dgm:cxn modelId="{6EC098BC-0640-AD4F-8EE5-9230BEC27918}" type="presParOf" srcId="{BF910C58-F1E4-E04A-BE95-0203F4D46DFE}" destId="{2FF8FB34-B21F-3649-A745-B81734DB0793}" srcOrd="0" destOrd="0" presId="urn:microsoft.com/office/officeart/2005/8/layout/hierarchy6"/>
+    <dgm:cxn modelId="{35A17C64-8EE4-9244-945A-117482E542BA}" type="presParOf" srcId="{2FF8FB34-B21F-3649-A745-B81734DB0793}" destId="{74FB30C9-C424-A044-AC89-6B8E27AB5B35}" srcOrd="0" destOrd="0" presId="urn:microsoft.com/office/officeart/2005/8/layout/hierarchy6"/>
+    <dgm:cxn modelId="{73ED6C72-DA42-424E-8D89-4E19D0762719}" type="presParOf" srcId="{74FB30C9-C424-A044-AC89-6B8E27AB5B35}" destId="{A78A71E7-7960-F740-BFA9-703BAF4F750D}" srcOrd="0" destOrd="0" presId="urn:microsoft.com/office/officeart/2005/8/layout/hierarchy6"/>
+    <dgm:cxn modelId="{A0CE1FF3-30FB-D740-9C49-9401122B7D14}" type="presParOf" srcId="{A78A71E7-7960-F740-BFA9-703BAF4F750D}" destId="{E19D0E37-DD6D-CB46-806B-E3D4EA68EFEA}" srcOrd="0" destOrd="0" presId="urn:microsoft.com/office/officeart/2005/8/layout/hierarchy6"/>
+    <dgm:cxn modelId="{6E99B884-0065-C44B-AB32-27A413B56D6E}" type="presParOf" srcId="{A78A71E7-7960-F740-BFA9-703BAF4F750D}" destId="{6BF9838C-1072-E640-B133-B16D85DAAD32}" srcOrd="1" destOrd="0" presId="urn:microsoft.com/office/officeart/2005/8/layout/hierarchy6"/>
+    <dgm:cxn modelId="{353E2AF1-EEDA-5E47-9989-D1A93CB108B3}" type="presParOf" srcId="{6BF9838C-1072-E640-B133-B16D85DAAD32}" destId="{6AE2D685-5C0E-8F48-BE17-F18DD679F00B}" srcOrd="0" destOrd="0" presId="urn:microsoft.com/office/officeart/2005/8/layout/hierarchy6"/>
+    <dgm:cxn modelId="{2B1A771B-959D-A441-9A95-C345DA5FEF7B}" type="presParOf" srcId="{6BF9838C-1072-E640-B133-B16D85DAAD32}" destId="{E8C8FFD1-6655-AA48-ADBB-EFE7EE06969F}" srcOrd="1" destOrd="0" presId="urn:microsoft.com/office/officeart/2005/8/layout/hierarchy6"/>
+    <dgm:cxn modelId="{106787C2-2425-674C-91E3-577815A04F71}" type="presParOf" srcId="{E8C8FFD1-6655-AA48-ADBB-EFE7EE06969F}" destId="{82C99869-25AC-F446-AD5B-D3A43B3A2DD4}" srcOrd="0" destOrd="0" presId="urn:microsoft.com/office/officeart/2005/8/layout/hierarchy6"/>
+    <dgm:cxn modelId="{0B9E9392-189B-0542-A2F7-1738F0A17C61}" type="presParOf" srcId="{E8C8FFD1-6655-AA48-ADBB-EFE7EE06969F}" destId="{DAA2B92E-84ED-CE45-A812-87AF0EB3C95B}" srcOrd="1" destOrd="0" presId="urn:microsoft.com/office/officeart/2005/8/layout/hierarchy6"/>
+    <dgm:cxn modelId="{6F741CD1-2AFC-3848-94C4-915D0F5DE659}" type="presParOf" srcId="{DAA2B92E-84ED-CE45-A812-87AF0EB3C95B}" destId="{1E585202-9991-9948-87B0-9E6F7ABC670E}" srcOrd="0" destOrd="0" presId="urn:microsoft.com/office/officeart/2005/8/layout/hierarchy6"/>
+    <dgm:cxn modelId="{EC8E03EA-2339-2D43-ACE0-F344F44F172B}" type="presParOf" srcId="{DAA2B92E-84ED-CE45-A812-87AF0EB3C95B}" destId="{0D722B6F-9E10-B742-A875-4C6BB9F62F92}" srcOrd="1" destOrd="0" presId="urn:microsoft.com/office/officeart/2005/8/layout/hierarchy6"/>
+    <dgm:cxn modelId="{F80501E7-C8B0-3B4E-BD0D-2A7C9462E254}" type="presParOf" srcId="{0D722B6F-9E10-B742-A875-4C6BB9F62F92}" destId="{6CF32258-A341-D443-878F-11774E6B20B6}" srcOrd="0" destOrd="0" presId="urn:microsoft.com/office/officeart/2005/8/layout/hierarchy6"/>
+    <dgm:cxn modelId="{28FB9B69-6C5D-694A-A514-5376ABBB6F2B}" type="presParOf" srcId="{0D722B6F-9E10-B742-A875-4C6BB9F62F92}" destId="{04B58E79-488B-CA4F-9F2F-9444B19E481A}" srcOrd="1" destOrd="0" presId="urn:microsoft.com/office/officeart/2005/8/layout/hierarchy6"/>
+    <dgm:cxn modelId="{DD19C484-69B0-FD46-A971-16BB283E726E}" type="presParOf" srcId="{DAA2B92E-84ED-CE45-A812-87AF0EB3C95B}" destId="{0F918A13-252C-274D-8721-B5960C9FE744}" srcOrd="2" destOrd="0" presId="urn:microsoft.com/office/officeart/2005/8/layout/hierarchy6"/>
+    <dgm:cxn modelId="{62C22EE9-2994-DC42-B6A5-C20F28EA011B}" type="presParOf" srcId="{DAA2B92E-84ED-CE45-A812-87AF0EB3C95B}" destId="{87FCDF04-2852-E94D-9CEC-CA01340E8E9E}" srcOrd="3" destOrd="0" presId="urn:microsoft.com/office/officeart/2005/8/layout/hierarchy6"/>
+    <dgm:cxn modelId="{FFFFD77A-84EC-AD4E-BE12-51A3F22799CC}" type="presParOf" srcId="{87FCDF04-2852-E94D-9CEC-CA01340E8E9E}" destId="{4E9546E7-37B1-6642-B537-6218F7EAD6EB}" srcOrd="0" destOrd="0" presId="urn:microsoft.com/office/officeart/2005/8/layout/hierarchy6"/>
+    <dgm:cxn modelId="{505C46B6-3B41-DB4A-BC05-417D994956D9}" type="presParOf" srcId="{87FCDF04-2852-E94D-9CEC-CA01340E8E9E}" destId="{7C5B5F38-D93D-6A41-9FFC-CE734B46C3BD}" srcOrd="1" destOrd="0" presId="urn:microsoft.com/office/officeart/2005/8/layout/hierarchy6"/>
+    <dgm:cxn modelId="{83BA6BCC-FAF9-C04D-8AD9-3DECC98BC288}" type="presParOf" srcId="{6BF9838C-1072-E640-B133-B16D85DAAD32}" destId="{84C849D4-8D00-6140-BE01-D6B56F3FC2A1}" srcOrd="2" destOrd="0" presId="urn:microsoft.com/office/officeart/2005/8/layout/hierarchy6"/>
+    <dgm:cxn modelId="{65BA96E5-2EAE-1E48-AC51-DD431F69303F}" type="presParOf" srcId="{6BF9838C-1072-E640-B133-B16D85DAAD32}" destId="{E32157C9-3291-1044-A941-F999784E4D69}" srcOrd="3" destOrd="0" presId="urn:microsoft.com/office/officeart/2005/8/layout/hierarchy6"/>
+    <dgm:cxn modelId="{FF49632E-F177-E947-9F5B-821EB2C44A6B}" type="presParOf" srcId="{E32157C9-3291-1044-A941-F999784E4D69}" destId="{8D62BC4C-4354-E049-B3CC-1B187E727CBA}" srcOrd="0" destOrd="0" presId="urn:microsoft.com/office/officeart/2005/8/layout/hierarchy6"/>
+    <dgm:cxn modelId="{BC012221-FD13-604C-91FD-60D6435D249C}" type="presParOf" srcId="{E32157C9-3291-1044-A941-F999784E4D69}" destId="{941F7B01-CB32-034E-8C19-E77A6D047EB9}" srcOrd="1" destOrd="0" presId="urn:microsoft.com/office/officeart/2005/8/layout/hierarchy6"/>
+    <dgm:cxn modelId="{40C943CD-E6ED-B94C-93AF-AE44146E0730}" type="presParOf" srcId="{941F7B01-CB32-034E-8C19-E77A6D047EB9}" destId="{98AE4800-255A-CC46-81D4-1FE846AFEF4E}" srcOrd="0" destOrd="0" presId="urn:microsoft.com/office/officeart/2005/8/layout/hierarchy6"/>
+    <dgm:cxn modelId="{AE58208F-E790-534E-9C6C-1E35B421FC95}" type="presParOf" srcId="{941F7B01-CB32-034E-8C19-E77A6D047EB9}" destId="{7684C1E5-11A4-9E42-AF72-585F6D190567}" srcOrd="1" destOrd="0" presId="urn:microsoft.com/office/officeart/2005/8/layout/hierarchy6"/>
+    <dgm:cxn modelId="{15570348-AF2D-404C-A95C-2E3B6933AD8E}" type="presParOf" srcId="{7684C1E5-11A4-9E42-AF72-585F6D190567}" destId="{78D07536-54CD-444A-A3B3-573696D04A52}" srcOrd="0" destOrd="0" presId="urn:microsoft.com/office/officeart/2005/8/layout/hierarchy6"/>
+    <dgm:cxn modelId="{1008377B-CBF7-B445-BEFB-102C085F58AF}" type="presParOf" srcId="{7684C1E5-11A4-9E42-AF72-585F6D190567}" destId="{1D46C497-0A7D-DC4F-ACC9-CAEA570F0E34}" srcOrd="1" destOrd="0" presId="urn:microsoft.com/office/officeart/2005/8/layout/hierarchy6"/>
+    <dgm:cxn modelId="{227801B9-686C-CE4D-8CCF-EE2D9D8B4389}" type="presParOf" srcId="{941F7B01-CB32-034E-8C19-E77A6D047EB9}" destId="{D83DC47F-8992-7240-AABB-5593FB74EBCE}" srcOrd="2" destOrd="0" presId="urn:microsoft.com/office/officeart/2005/8/layout/hierarchy6"/>
+    <dgm:cxn modelId="{806781B2-73D2-C741-8A12-D9F7C7A822E0}" type="presParOf" srcId="{941F7B01-CB32-034E-8C19-E77A6D047EB9}" destId="{6D7BAE33-1933-1A44-BD50-5DDF19877C36}" srcOrd="3" destOrd="0" presId="urn:microsoft.com/office/officeart/2005/8/layout/hierarchy6"/>
+    <dgm:cxn modelId="{9EDFD8BA-AB79-2840-9FAD-4902850869A2}" type="presParOf" srcId="{6D7BAE33-1933-1A44-BD50-5DDF19877C36}" destId="{E10281B8-574A-FD4A-A466-8FB45B5BFA05}" srcOrd="0" destOrd="0" presId="urn:microsoft.com/office/officeart/2005/8/layout/hierarchy6"/>
+    <dgm:cxn modelId="{4EB52EB9-4572-EC40-82C5-962146561036}" type="presParOf" srcId="{6D7BAE33-1933-1A44-BD50-5DDF19877C36}" destId="{7F2B7C8C-4092-4A42-A57A-7C6A74E34EEA}" srcOrd="1" destOrd="0" presId="urn:microsoft.com/office/officeart/2005/8/layout/hierarchy6"/>
+    <dgm:cxn modelId="{9F66FBA4-9A88-5D48-9AA0-FDAB4CD1454A}" type="presParOf" srcId="{BF910C58-F1E4-E04A-BE95-0203F4D46DFE}" destId="{EE50C198-ECBF-8A4D-8503-0DC373074A31}" srcOrd="1" destOrd="0" presId="urn:microsoft.com/office/officeart/2005/8/layout/hierarchy6"/>
+  </dgm:cxnLst>
+  <dgm:bg/>
+  <dgm:whole/>
+  <dgm:extLst>
+    <a:ext uri="http://schemas.microsoft.com/office/drawing/2008/diagram">
+      <dsp:dataModelExt xmlns:dsp="http://schemas.microsoft.com/office/drawing/2008/diagram" relId="rId6" minVer="http://schemas.openxmlformats.org/drawingml/2006/diagram"/>
+    </a:ext>
+  </dgm:extLst>
+</dgm:dataModel>
+</file>
+
+<file path=ppt/diagrams/data2.xml><?xml version="1.0" encoding="utf-8"?>
+<dgm:dataModel xmlns:dgm="http://schemas.openxmlformats.org/drawingml/2006/diagram" xmlns:a="http://schemas.openxmlformats.org/drawingml/2006/main">
+  <dgm:ptLst>
+    <dgm:pt modelId="{4FA175D9-466C-FC42-9B9C-45BCB1DBB681}" type="doc">
+      <dgm:prSet loTypeId="urn:microsoft.com/office/officeart/2008/layout/HorizontalMultiLevelHierarchy" loCatId="" qsTypeId="urn:microsoft.com/office/officeart/2005/8/quickstyle/simple1" qsCatId="simple" csTypeId="urn:microsoft.com/office/officeart/2005/8/colors/accent0_1" csCatId="mainScheme" phldr="1"/>
+      <dgm:spPr/>
+      <dgm:t>
+        <a:bodyPr/>
+        <a:lstStyle/>
+        <a:p>
+          <a:endParaRPr lang="fr-FR"/>
+        </a:p>
+      </dgm:t>
+    </dgm:pt>
+    <dgm:pt modelId="{233DBD2D-5645-C646-9EBD-124E6E693FE5}">
+      <dgm:prSet phldrT="[Texte]" custT="1">
+        <dgm:style>
+          <a:lnRef idx="2">
+            <a:schemeClr val="dk1"/>
+          </a:lnRef>
+          <a:fillRef idx="1">
+            <a:schemeClr val="lt1"/>
+          </a:fillRef>
+          <a:effectRef idx="0">
+            <a:schemeClr val="dk1"/>
+          </a:effectRef>
+          <a:fontRef idx="minor">
+            <a:schemeClr val="dk1"/>
+          </a:fontRef>
+        </dgm:style>
+      </dgm:prSet>
+      <dgm:spPr/>
+      <dgm:t>
+        <a:bodyPr/>
+        <a:lstStyle/>
+        <a:p>
+          <a:r>
+            <a:rPr lang="fr-FR" sz="1200" dirty="0" smtClean="0"/>
+            <a:t>Méthodes de compression basées  </a:t>
+          </a:r>
+          <a:r>
+            <a:rPr lang="fr-FR" sz="1200" dirty="0" smtClean="0"/>
+            <a:t>sur les arbres k2-trees</a:t>
+          </a:r>
+          <a:endParaRPr lang="fr-FR" sz="1200" dirty="0"/>
+        </a:p>
+      </dgm:t>
+    </dgm:pt>
+    <dgm:pt modelId="{F09E0E67-B25D-374D-B939-096E20FFC0E1}" type="sibTrans" cxnId="{F8B68903-FB24-C24A-A5A4-0D78B7AA1F43}">
+      <dgm:prSet/>
+      <dgm:spPr/>
+      <dgm:t>
+        <a:bodyPr/>
+        <a:lstStyle/>
+        <a:p>
+          <a:endParaRPr lang="fr-FR" sz="1200"/>
+        </a:p>
+      </dgm:t>
+    </dgm:pt>
+    <dgm:pt modelId="{10D25740-8435-D449-A843-FD0FB2032792}" type="parTrans" cxnId="{F8B68903-FB24-C24A-A5A4-0D78B7AA1F43}">
+      <dgm:prSet/>
+      <dgm:spPr/>
+      <dgm:t>
+        <a:bodyPr/>
+        <a:lstStyle/>
+        <a:p>
+          <a:endParaRPr lang="fr-FR" sz="1200"/>
+        </a:p>
+      </dgm:t>
+    </dgm:pt>
+    <dgm:pt modelId="{4D735AD4-1EED-7543-9D04-703DE2DC6662}" type="pres">
+      <dgm:prSet presAssocID="{4FA175D9-466C-FC42-9B9C-45BCB1DBB681}" presName="Name0" presStyleCnt="0">
+        <dgm:presLayoutVars>
+          <dgm:chPref val="1"/>
+          <dgm:dir/>
+          <dgm:animOne val="branch"/>
+          <dgm:animLvl val="lvl"/>
+          <dgm:resizeHandles val="exact"/>
+        </dgm:presLayoutVars>
+      </dgm:prSet>
+      <dgm:spPr/>
+    </dgm:pt>
+    <dgm:pt modelId="{B203C500-B605-7D48-85C7-2F05EF84625D}" type="pres">
+      <dgm:prSet presAssocID="{233DBD2D-5645-C646-9EBD-124E6E693FE5}" presName="root1" presStyleCnt="0"/>
+      <dgm:spPr/>
+    </dgm:pt>
+    <dgm:pt modelId="{394DDC52-4E59-3A45-AFCF-21EBBD04A4D7}" type="pres">
+      <dgm:prSet presAssocID="{233DBD2D-5645-C646-9EBD-124E6E693FE5}" presName="LevelOneTextNode" presStyleLbl="node0" presStyleIdx="0" presStyleCnt="1" custScaleX="29706">
+        <dgm:presLayoutVars>
+          <dgm:chPref val="3"/>
+        </dgm:presLayoutVars>
+      </dgm:prSet>
+      <dgm:spPr/>
+      <dgm:t>
+        <a:bodyPr/>
+        <a:lstStyle/>
+        <a:p>
+          <a:endParaRPr lang="fr-FR"/>
+        </a:p>
+      </dgm:t>
+    </dgm:pt>
+    <dgm:pt modelId="{31CC69D2-DDB3-3243-A98F-513406339998}" type="pres">
+      <dgm:prSet presAssocID="{233DBD2D-5645-C646-9EBD-124E6E693FE5}" presName="level2hierChild" presStyleCnt="0"/>
+      <dgm:spPr/>
+    </dgm:pt>
+  </dgm:ptLst>
+  <dgm:cxnLst>
+    <dgm:cxn modelId="{EC577BEA-6D4F-E54F-8F3D-FAEE5AEB9CE0}" type="presOf" srcId="{4FA175D9-466C-FC42-9B9C-45BCB1DBB681}" destId="{4D735AD4-1EED-7543-9D04-703DE2DC6662}" srcOrd="0" destOrd="0" presId="urn:microsoft.com/office/officeart/2008/layout/HorizontalMultiLevelHierarchy"/>
+    <dgm:cxn modelId="{F8B68903-FB24-C24A-A5A4-0D78B7AA1F43}" srcId="{4FA175D9-466C-FC42-9B9C-45BCB1DBB681}" destId="{233DBD2D-5645-C646-9EBD-124E6E693FE5}" srcOrd="0" destOrd="0" parTransId="{10D25740-8435-D449-A843-FD0FB2032792}" sibTransId="{F09E0E67-B25D-374D-B939-096E20FFC0E1}"/>
+    <dgm:cxn modelId="{721FA090-7776-A54F-8DA4-930E72866231}" type="presOf" srcId="{233DBD2D-5645-C646-9EBD-124E6E693FE5}" destId="{394DDC52-4E59-3A45-AFCF-21EBBD04A4D7}" srcOrd="0" destOrd="0" presId="urn:microsoft.com/office/officeart/2008/layout/HorizontalMultiLevelHierarchy"/>
+    <dgm:cxn modelId="{BFC99634-4EAE-5043-87DB-FE5BA7246020}" type="presParOf" srcId="{4D735AD4-1EED-7543-9D04-703DE2DC6662}" destId="{B203C500-B605-7D48-85C7-2F05EF84625D}" srcOrd="0" destOrd="0" presId="urn:microsoft.com/office/officeart/2008/layout/HorizontalMultiLevelHierarchy"/>
+    <dgm:cxn modelId="{D852E1D8-9BD7-5147-9ACC-F110C29557E1}" type="presParOf" srcId="{B203C500-B605-7D48-85C7-2F05EF84625D}" destId="{394DDC52-4E59-3A45-AFCF-21EBBD04A4D7}" srcOrd="0" destOrd="0" presId="urn:microsoft.com/office/officeart/2008/layout/HorizontalMultiLevelHierarchy"/>
+    <dgm:cxn modelId="{9D05F73D-50D3-2844-8364-59CCCBA4B33E}" type="presParOf" srcId="{B203C500-B605-7D48-85C7-2F05EF84625D}" destId="{31CC69D2-DDB3-3243-A98F-513406339998}" srcOrd="1" destOrd="0" presId="urn:microsoft.com/office/officeart/2008/layout/HorizontalMultiLevelHierarchy"/>
+  </dgm:cxnLst>
+  <dgm:bg/>
+  <dgm:whole/>
+  <dgm:extLst>
+    <a:ext uri="http://schemas.microsoft.com/office/drawing/2008/diagram">
+      <dsp:dataModelExt xmlns:dsp="http://schemas.microsoft.com/office/drawing/2008/diagram" relId="rId11" minVer="http://schemas.openxmlformats.org/drawingml/2006/diagram"/>
+    </a:ext>
+  </dgm:extLst>
+</dgm:dataModel>
+</file>
+
+<file path=ppt/diagrams/drawing1.xml><?xml version="1.0" encoding="utf-8"?>
+<dsp:drawing xmlns:dgm="http://schemas.openxmlformats.org/drawingml/2006/diagram" xmlns:dsp="http://schemas.microsoft.com/office/drawing/2008/diagram" xmlns:a="http://schemas.openxmlformats.org/drawingml/2006/main">
+  <dsp:spTree>
+    <dsp:nvGrpSpPr>
+      <dsp:cNvPr id="0" name=""/>
+      <dsp:cNvGrpSpPr/>
+    </dsp:nvGrpSpPr>
+    <dsp:grpSpPr/>
+    <dsp:sp modelId="{E19D0E37-DD6D-CB46-806B-E3D4EA68EFEA}">
+      <dsp:nvSpPr>
+        <dsp:cNvPr id="0" name=""/>
+        <dsp:cNvSpPr/>
+      </dsp:nvSpPr>
+      <dsp:spPr>
+        <a:xfrm>
+          <a:off x="128792" y="242493"/>
+          <a:ext cx="10751056" cy="274026"/>
+        </a:xfrm>
+        <a:prstGeom prst="roundRect">
+          <a:avLst>
+            <a:gd name="adj" fmla="val 10000"/>
+          </a:avLst>
+        </a:prstGeom>
+        <a:solidFill>
+          <a:schemeClr val="lt1">
+            <a:hueOff val="0"/>
+            <a:satOff val="0"/>
+            <a:lumOff val="0"/>
+            <a:alphaOff val="0"/>
+          </a:schemeClr>
+        </a:solidFill>
+        <a:ln w="12700" cap="flat" cmpd="sng" algn="ctr">
+          <a:solidFill>
+            <a:schemeClr val="dk1">
+              <a:shade val="80000"/>
+              <a:hueOff val="0"/>
+              <a:satOff val="0"/>
+              <a:lumOff val="0"/>
+              <a:alphaOff val="0"/>
+            </a:schemeClr>
+          </a:solidFill>
+          <a:prstDash val="solid"/>
+          <a:miter lim="800000"/>
+        </a:ln>
+        <a:effectLst/>
+      </dsp:spPr>
+      <dsp:style>
+        <a:lnRef idx="2">
+          <a:scrgbClr r="0" g="0" b="0"/>
+        </a:lnRef>
+        <a:fillRef idx="1">
+          <a:scrgbClr r="0" g="0" b="0"/>
+        </a:fillRef>
+        <a:effectRef idx="0">
+          <a:scrgbClr r="0" g="0" b="0"/>
+        </a:effectRef>
+        <a:fontRef idx="minor">
+          <a:schemeClr val="lt1"/>
+        </a:fontRef>
+      </dsp:style>
+      <dsp:txBody>
+        <a:bodyPr spcFirstLastPara="0" vert="horz" wrap="square" lIns="45720" tIns="45720" rIns="45720" bIns="45720" numCol="1" spcCol="1270" anchor="ctr" anchorCtr="0">
+          <a:noAutofit/>
+        </a:bodyPr>
+        <a:lstStyle/>
+        <a:p>
+          <a:pPr lvl="0" algn="ctr" defTabSz="533400">
+            <a:lnSpc>
+              <a:spcPct val="90000"/>
+            </a:lnSpc>
+            <a:spcBef>
+              <a:spcPct val="0"/>
+            </a:spcBef>
+            <a:spcAft>
+              <a:spcPct val="35000"/>
+            </a:spcAft>
+          </a:pPr>
+          <a:r>
+            <a:rPr lang="fr-FR" sz="1200" kern="1200" dirty="0" smtClean="0"/>
+            <a:t>Méthodes de compression basées sur l’extraction de Motifs</a:t>
+          </a:r>
+          <a:endParaRPr lang="fr-FR" sz="1200" kern="1200" dirty="0"/>
+        </a:p>
+      </dsp:txBody>
+      <dsp:txXfrm>
+        <a:off x="136818" y="250519"/>
+        <a:ext cx="10735004" cy="257974"/>
+      </dsp:txXfrm>
+    </dsp:sp>
+    <dsp:sp modelId="{6AE2D685-5C0E-8F48-BE17-F18DD679F00B}">
+      <dsp:nvSpPr>
+        <dsp:cNvPr id="0" name=""/>
+        <dsp:cNvSpPr/>
+      </dsp:nvSpPr>
+      <dsp:spPr>
+        <a:xfrm>
+          <a:off x="2692957" y="516519"/>
+          <a:ext cx="2811362" cy="141268"/>
+        </a:xfrm>
+        <a:custGeom>
+          <a:avLst/>
+          <a:gdLst/>
+          <a:ahLst/>
+          <a:cxnLst/>
+          <a:rect l="0" t="0" r="0" b="0"/>
+          <a:pathLst>
+            <a:path>
+              <a:moveTo>
+                <a:pt x="2811362" y="0"/>
+              </a:moveTo>
+              <a:lnTo>
+                <a:pt x="2811362" y="70634"/>
+              </a:lnTo>
+              <a:lnTo>
+                <a:pt x="0" y="70634"/>
+              </a:lnTo>
+              <a:lnTo>
+                <a:pt x="0" y="141268"/>
+              </a:lnTo>
+            </a:path>
+          </a:pathLst>
+        </a:custGeom>
+        <a:noFill/>
+        <a:ln w="12700" cap="flat" cmpd="sng" algn="ctr">
+          <a:solidFill>
+            <a:schemeClr val="dk1">
+              <a:shade val="60000"/>
+              <a:hueOff val="0"/>
+              <a:satOff val="0"/>
+              <a:lumOff val="0"/>
+              <a:alphaOff val="0"/>
+            </a:schemeClr>
+          </a:solidFill>
+          <a:prstDash val="solid"/>
+          <a:miter lim="800000"/>
+        </a:ln>
+        <a:effectLst/>
+      </dsp:spPr>
+      <dsp:style>
+        <a:lnRef idx="2">
+          <a:scrgbClr r="0" g="0" b="0"/>
+        </a:lnRef>
+        <a:fillRef idx="0">
+          <a:scrgbClr r="0" g="0" b="0"/>
+        </a:fillRef>
+        <a:effectRef idx="0">
+          <a:scrgbClr r="0" g="0" b="0"/>
+        </a:effectRef>
+        <a:fontRef idx="minor"/>
+      </dsp:style>
+    </dsp:sp>
+    <dsp:sp modelId="{82C99869-25AC-F446-AD5B-D3A43B3A2DD4}">
+      <dsp:nvSpPr>
+        <dsp:cNvPr id="0" name=""/>
+        <dsp:cNvSpPr/>
+      </dsp:nvSpPr>
+      <dsp:spPr>
+        <a:xfrm>
+          <a:off x="119301" y="657788"/>
+          <a:ext cx="5147312" cy="256742"/>
+        </a:xfrm>
+        <a:prstGeom prst="roundRect">
+          <a:avLst>
+            <a:gd name="adj" fmla="val 10000"/>
+          </a:avLst>
+        </a:prstGeom>
+        <a:solidFill>
+          <a:schemeClr val="lt1">
+            <a:hueOff val="0"/>
+            <a:satOff val="0"/>
+            <a:lumOff val="0"/>
+            <a:alphaOff val="0"/>
+          </a:schemeClr>
+        </a:solidFill>
+        <a:ln w="12700" cap="flat" cmpd="sng" algn="ctr">
+          <a:solidFill>
+            <a:schemeClr val="dk1">
+              <a:shade val="80000"/>
+              <a:hueOff val="0"/>
+              <a:satOff val="0"/>
+              <a:lumOff val="0"/>
+              <a:alphaOff val="0"/>
+            </a:schemeClr>
+          </a:solidFill>
+          <a:prstDash val="solid"/>
+          <a:miter lim="800000"/>
+        </a:ln>
+        <a:effectLst/>
+      </dsp:spPr>
+      <dsp:style>
+        <a:lnRef idx="2">
+          <a:scrgbClr r="0" g="0" b="0"/>
+        </a:lnRef>
+        <a:fillRef idx="1">
+          <a:scrgbClr r="0" g="0" b="0"/>
+        </a:fillRef>
+        <a:effectRef idx="0">
+          <a:scrgbClr r="0" g="0" b="0"/>
+        </a:effectRef>
+        <a:fontRef idx="minor">
+          <a:schemeClr val="lt1"/>
+        </a:fontRef>
+      </dsp:style>
+      <dsp:txBody>
+        <a:bodyPr spcFirstLastPara="0" vert="horz" wrap="square" lIns="45720" tIns="45720" rIns="45720" bIns="45720" numCol="1" spcCol="1270" anchor="ctr" anchorCtr="0">
+          <a:noAutofit/>
+        </a:bodyPr>
+        <a:lstStyle/>
+        <a:p>
+          <a:pPr lvl="0" algn="ctr" defTabSz="533400">
+            <a:lnSpc>
+              <a:spcPct val="90000"/>
+            </a:lnSpc>
+            <a:spcBef>
+              <a:spcPct val="0"/>
+            </a:spcBef>
+            <a:spcAft>
+              <a:spcPct val="35000"/>
+            </a:spcAft>
+          </a:pPr>
+          <a:r>
+            <a:rPr lang="fr-FR" sz="1200" kern="1200" dirty="0" smtClean="0"/>
+            <a:t>Vocabulaire</a:t>
+          </a:r>
+          <a:endParaRPr lang="fr-FR" sz="1200" kern="1200" dirty="0"/>
+        </a:p>
+      </dsp:txBody>
+      <dsp:txXfrm>
+        <a:off x="126821" y="665308"/>
+        <a:ext cx="5132272" cy="241702"/>
+      </dsp:txXfrm>
+    </dsp:sp>
+    <dsp:sp modelId="{1E585202-9991-9948-87B0-9E6F7ABC670E}">
+      <dsp:nvSpPr>
+        <dsp:cNvPr id="0" name=""/>
+        <dsp:cNvSpPr/>
+      </dsp:nvSpPr>
+      <dsp:spPr>
+        <a:xfrm>
+          <a:off x="1315663" y="914530"/>
+          <a:ext cx="1377293" cy="222881"/>
+        </a:xfrm>
+        <a:custGeom>
+          <a:avLst/>
+          <a:gdLst/>
+          <a:ahLst/>
+          <a:cxnLst/>
+          <a:rect l="0" t="0" r="0" b="0"/>
+          <a:pathLst>
+            <a:path>
+              <a:moveTo>
+                <a:pt x="1377293" y="0"/>
+              </a:moveTo>
+              <a:lnTo>
+                <a:pt x="1377293" y="111440"/>
+              </a:lnTo>
+              <a:lnTo>
+                <a:pt x="0" y="111440"/>
+              </a:lnTo>
+              <a:lnTo>
+                <a:pt x="0" y="222881"/>
+              </a:lnTo>
+            </a:path>
+          </a:pathLst>
+        </a:custGeom>
+        <a:noFill/>
+        <a:ln w="12700" cap="flat" cmpd="sng" algn="ctr">
+          <a:solidFill>
+            <a:schemeClr val="dk1">
+              <a:shade val="80000"/>
+              <a:hueOff val="0"/>
+              <a:satOff val="0"/>
+              <a:lumOff val="0"/>
+              <a:alphaOff val="0"/>
+            </a:schemeClr>
+          </a:solidFill>
+          <a:prstDash val="solid"/>
+          <a:miter lim="800000"/>
+        </a:ln>
+        <a:effectLst/>
+      </dsp:spPr>
+      <dsp:style>
+        <a:lnRef idx="2">
+          <a:scrgbClr r="0" g="0" b="0"/>
+        </a:lnRef>
+        <a:fillRef idx="0">
+          <a:scrgbClr r="0" g="0" b="0"/>
+        </a:fillRef>
+        <a:effectRef idx="0">
+          <a:scrgbClr r="0" g="0" b="0"/>
+        </a:effectRef>
+        <a:fontRef idx="minor"/>
+      </dsp:style>
+    </dsp:sp>
+    <dsp:sp modelId="{6CF32258-A341-D443-878F-11774E6B20B6}">
+      <dsp:nvSpPr>
+        <dsp:cNvPr id="0" name=""/>
+        <dsp:cNvSpPr/>
+      </dsp:nvSpPr>
+      <dsp:spPr>
+        <a:xfrm>
+          <a:off x="134013" y="1137411"/>
+          <a:ext cx="2363300" cy="262800"/>
+        </a:xfrm>
+        <a:prstGeom prst="roundRect">
+          <a:avLst>
+            <a:gd name="adj" fmla="val 10000"/>
+          </a:avLst>
+        </a:prstGeom>
+        <a:solidFill>
+          <a:schemeClr val="lt1">
+            <a:hueOff val="0"/>
+            <a:satOff val="0"/>
+            <a:lumOff val="0"/>
+            <a:alphaOff val="0"/>
+          </a:schemeClr>
+        </a:solidFill>
+        <a:ln w="12700" cap="flat" cmpd="sng" algn="ctr">
+          <a:solidFill>
+            <a:schemeClr val="dk1">
+              <a:shade val="80000"/>
+              <a:hueOff val="0"/>
+              <a:satOff val="0"/>
+              <a:lumOff val="0"/>
+              <a:alphaOff val="0"/>
+            </a:schemeClr>
+          </a:solidFill>
+          <a:prstDash val="solid"/>
+          <a:miter lim="800000"/>
+        </a:ln>
+        <a:effectLst/>
+      </dsp:spPr>
+      <dsp:style>
+        <a:lnRef idx="2">
+          <a:scrgbClr r="0" g="0" b="0"/>
+        </a:lnRef>
+        <a:fillRef idx="1">
+          <a:scrgbClr r="0" g="0" b="0"/>
+        </a:fillRef>
+        <a:effectRef idx="0">
+          <a:scrgbClr r="0" g="0" b="0"/>
+        </a:effectRef>
+        <a:fontRef idx="minor">
+          <a:schemeClr val="lt1"/>
+        </a:fontRef>
+      </dsp:style>
+      <dsp:txBody>
+        <a:bodyPr spcFirstLastPara="0" vert="horz" wrap="square" lIns="45720" tIns="45720" rIns="45720" bIns="45720" numCol="1" spcCol="1270" anchor="ctr" anchorCtr="0">
+          <a:noAutofit/>
+        </a:bodyPr>
+        <a:lstStyle/>
+        <a:p>
+          <a:pPr lvl="0" algn="ctr" defTabSz="533400">
+            <a:lnSpc>
+              <a:spcPct val="90000"/>
+            </a:lnSpc>
+            <a:spcBef>
+              <a:spcPct val="0"/>
+            </a:spcBef>
+            <a:spcAft>
+              <a:spcPct val="35000"/>
+            </a:spcAft>
+          </a:pPr>
+          <a:r>
+            <a:rPr lang="fr-FR" sz="1200" kern="1200" dirty="0" smtClean="0"/>
+            <a:t>Propriétés de la matrice d'adjacence</a:t>
+          </a:r>
+          <a:endParaRPr lang="fr-FR" sz="1200" kern="1200" dirty="0"/>
+        </a:p>
+      </dsp:txBody>
+      <dsp:txXfrm>
+        <a:off x="141710" y="1145108"/>
+        <a:ext cx="2347906" cy="247406"/>
+      </dsp:txXfrm>
+    </dsp:sp>
+    <dsp:sp modelId="{0F918A13-252C-274D-8721-B5960C9FE744}">
+      <dsp:nvSpPr>
+        <dsp:cNvPr id="0" name=""/>
+        <dsp:cNvSpPr/>
+      </dsp:nvSpPr>
+      <dsp:spPr>
+        <a:xfrm>
+          <a:off x="2692957" y="914530"/>
+          <a:ext cx="1333789" cy="223746"/>
+        </a:xfrm>
+        <a:custGeom>
+          <a:avLst/>
+          <a:gdLst/>
+          <a:ahLst/>
+          <a:cxnLst/>
+          <a:rect l="0" t="0" r="0" b="0"/>
+          <a:pathLst>
+            <a:path>
+              <a:moveTo>
+                <a:pt x="0" y="0"/>
+              </a:moveTo>
+              <a:lnTo>
+                <a:pt x="0" y="111873"/>
+              </a:lnTo>
+              <a:lnTo>
+                <a:pt x="1333789" y="111873"/>
+              </a:lnTo>
+              <a:lnTo>
+                <a:pt x="1333789" y="223746"/>
+              </a:lnTo>
+            </a:path>
+          </a:pathLst>
+        </a:custGeom>
+        <a:noFill/>
+        <a:ln w="12700" cap="flat" cmpd="sng" algn="ctr">
+          <a:solidFill>
+            <a:schemeClr val="dk1">
+              <a:shade val="80000"/>
+              <a:hueOff val="0"/>
+              <a:satOff val="0"/>
+              <a:lumOff val="0"/>
+              <a:alphaOff val="0"/>
+            </a:schemeClr>
+          </a:solidFill>
+          <a:prstDash val="solid"/>
+          <a:miter lim="800000"/>
+        </a:ln>
+        <a:effectLst/>
+      </dsp:spPr>
+      <dsp:style>
+        <a:lnRef idx="2">
+          <a:scrgbClr r="0" g="0" b="0"/>
+        </a:lnRef>
+        <a:fillRef idx="0">
+          <a:scrgbClr r="0" g="0" b="0"/>
+        </a:fillRef>
+        <a:effectRef idx="0">
+          <a:scrgbClr r="0" g="0" b="0"/>
+        </a:effectRef>
+        <a:fontRef idx="minor"/>
+      </dsp:style>
+    </dsp:sp>
+    <dsp:sp modelId="{4E9546E7-37B1-6642-B537-6218F7EAD6EB}">
+      <dsp:nvSpPr>
+        <dsp:cNvPr id="0" name=""/>
+        <dsp:cNvSpPr/>
+      </dsp:nvSpPr>
+      <dsp:spPr>
+        <a:xfrm>
+          <a:off x="2802745" y="1138277"/>
+          <a:ext cx="2448002" cy="262800"/>
+        </a:xfrm>
+        <a:prstGeom prst="roundRect">
+          <a:avLst>
+            <a:gd name="adj" fmla="val 10000"/>
+          </a:avLst>
+        </a:prstGeom>
+        <a:solidFill>
+          <a:schemeClr val="lt1">
+            <a:hueOff val="0"/>
+            <a:satOff val="0"/>
+            <a:lumOff val="0"/>
+            <a:alphaOff val="0"/>
+          </a:schemeClr>
+        </a:solidFill>
+        <a:ln w="12700" cap="flat" cmpd="sng" algn="ctr">
+          <a:solidFill>
+            <a:schemeClr val="dk1">
+              <a:shade val="80000"/>
+              <a:hueOff val="0"/>
+              <a:satOff val="0"/>
+              <a:lumOff val="0"/>
+              <a:alphaOff val="0"/>
+            </a:schemeClr>
+          </a:solidFill>
+          <a:prstDash val="solid"/>
+          <a:miter lim="800000"/>
+        </a:ln>
+        <a:effectLst/>
+      </dsp:spPr>
+      <dsp:style>
+        <a:lnRef idx="2">
+          <a:scrgbClr r="0" g="0" b="0"/>
+        </a:lnRef>
+        <a:fillRef idx="1">
+          <a:scrgbClr r="0" g="0" b="0"/>
+        </a:fillRef>
+        <a:effectRef idx="0">
+          <a:scrgbClr r="0" g="0" b="0"/>
+        </a:effectRef>
+        <a:fontRef idx="minor">
+          <a:schemeClr val="lt1"/>
+        </a:fontRef>
+      </dsp:style>
+      <dsp:txBody>
+        <a:bodyPr spcFirstLastPara="0" vert="horz" wrap="square" lIns="45720" tIns="45720" rIns="45720" bIns="45720" numCol="1" spcCol="1270" anchor="ctr" anchorCtr="0">
+          <a:noAutofit/>
+        </a:bodyPr>
+        <a:lstStyle/>
+        <a:p>
+          <a:pPr lvl="0" algn="ctr" defTabSz="533400">
+            <a:lnSpc>
+              <a:spcPct val="90000"/>
+            </a:lnSpc>
+            <a:spcBef>
+              <a:spcPct val="0"/>
+            </a:spcBef>
+            <a:spcAft>
+              <a:spcPct val="35000"/>
+            </a:spcAft>
+          </a:pPr>
+          <a:r>
+            <a:rPr lang="fr-FR" sz="1200" kern="1200" dirty="0" smtClean="0"/>
+            <a:t>Méthodes de </a:t>
+          </a:r>
+          <a:r>
+            <a:rPr lang="fr-FR" sz="1200" kern="1200" dirty="0" err="1" smtClean="0"/>
+            <a:t>clustering</a:t>
+          </a:r>
+          <a:endParaRPr lang="fr-FR" sz="1200" kern="1200" dirty="0"/>
+        </a:p>
+      </dsp:txBody>
+      <dsp:txXfrm>
+        <a:off x="2810442" y="1145974"/>
+        <a:ext cx="2432608" cy="247406"/>
+      </dsp:txXfrm>
+    </dsp:sp>
+    <dsp:sp modelId="{84C849D4-8D00-6140-BE01-D6B56F3FC2A1}">
+      <dsp:nvSpPr>
+        <dsp:cNvPr id="0" name=""/>
+        <dsp:cNvSpPr/>
+      </dsp:nvSpPr>
+      <dsp:spPr>
+        <a:xfrm>
+          <a:off x="5504320" y="516519"/>
+          <a:ext cx="2606375" cy="137537"/>
+        </a:xfrm>
+        <a:custGeom>
+          <a:avLst/>
+          <a:gdLst/>
+          <a:ahLst/>
+          <a:cxnLst/>
+          <a:rect l="0" t="0" r="0" b="0"/>
+          <a:pathLst>
+            <a:path>
+              <a:moveTo>
+                <a:pt x="0" y="0"/>
+              </a:moveTo>
+              <a:lnTo>
+                <a:pt x="0" y="68768"/>
+              </a:lnTo>
+              <a:lnTo>
+                <a:pt x="2606375" y="68768"/>
+              </a:lnTo>
+              <a:lnTo>
+                <a:pt x="2606375" y="137537"/>
+              </a:lnTo>
+            </a:path>
+          </a:pathLst>
+        </a:custGeom>
+        <a:noFill/>
+        <a:ln w="12700" cap="flat" cmpd="sng" algn="ctr">
+          <a:solidFill>
+            <a:schemeClr val="dk1">
+              <a:shade val="60000"/>
+              <a:hueOff val="0"/>
+              <a:satOff val="0"/>
+              <a:lumOff val="0"/>
+              <a:alphaOff val="0"/>
+            </a:schemeClr>
+          </a:solidFill>
+          <a:prstDash val="solid"/>
+          <a:miter lim="800000"/>
+        </a:ln>
+        <a:effectLst/>
+      </dsp:spPr>
+      <dsp:style>
+        <a:lnRef idx="2">
+          <a:scrgbClr r="0" g="0" b="0"/>
+        </a:lnRef>
+        <a:fillRef idx="0">
+          <a:scrgbClr r="0" g="0" b="0"/>
+        </a:fillRef>
+        <a:effectRef idx="0">
+          <a:scrgbClr r="0" g="0" b="0"/>
+        </a:effectRef>
+        <a:fontRef idx="minor"/>
+      </dsp:style>
+    </dsp:sp>
+    <dsp:sp modelId="{8D62BC4C-4354-E049-B3CC-1B187E727CBA}">
+      <dsp:nvSpPr>
+        <dsp:cNvPr id="0" name=""/>
+        <dsp:cNvSpPr/>
+      </dsp:nvSpPr>
+      <dsp:spPr>
+        <a:xfrm>
+          <a:off x="5341183" y="654057"/>
+          <a:ext cx="5539025" cy="272396"/>
+        </a:xfrm>
+        <a:prstGeom prst="roundRect">
+          <a:avLst>
+            <a:gd name="adj" fmla="val 10000"/>
+          </a:avLst>
+        </a:prstGeom>
+        <a:solidFill>
+          <a:schemeClr val="lt1">
+            <a:hueOff val="0"/>
+            <a:satOff val="0"/>
+            <a:lumOff val="0"/>
+            <a:alphaOff val="0"/>
+          </a:schemeClr>
+        </a:solidFill>
+        <a:ln w="12700" cap="flat" cmpd="sng" algn="ctr">
+          <a:solidFill>
+            <a:schemeClr val="dk1">
+              <a:shade val="80000"/>
+              <a:hueOff val="0"/>
+              <a:satOff val="0"/>
+              <a:lumOff val="0"/>
+              <a:alphaOff val="0"/>
+            </a:schemeClr>
+          </a:solidFill>
+          <a:prstDash val="solid"/>
+          <a:miter lim="800000"/>
+        </a:ln>
+        <a:effectLst/>
+      </dsp:spPr>
+      <dsp:style>
+        <a:lnRef idx="2">
+          <a:scrgbClr r="0" g="0" b="0"/>
+        </a:lnRef>
+        <a:fillRef idx="1">
+          <a:scrgbClr r="0" g="0" b="0"/>
+        </a:fillRef>
+        <a:effectRef idx="0">
+          <a:scrgbClr r="0" g="0" b="0"/>
+        </a:effectRef>
+        <a:fontRef idx="minor">
+          <a:schemeClr val="lt1"/>
+        </a:fontRef>
+      </dsp:style>
+      <dsp:txBody>
+        <a:bodyPr spcFirstLastPara="0" vert="horz" wrap="square" lIns="45720" tIns="45720" rIns="45720" bIns="45720" numCol="1" spcCol="1270" anchor="ctr" anchorCtr="0">
+          <a:noAutofit/>
+        </a:bodyPr>
+        <a:lstStyle/>
+        <a:p>
+          <a:pPr lvl="0" algn="ctr" defTabSz="533400">
+            <a:lnSpc>
+              <a:spcPct val="90000"/>
+            </a:lnSpc>
+            <a:spcBef>
+              <a:spcPct val="0"/>
+            </a:spcBef>
+            <a:spcAft>
+              <a:spcPct val="35000"/>
+            </a:spcAft>
+          </a:pPr>
+          <a:r>
+            <a:rPr lang="fr-FR" sz="1200" kern="1200" dirty="0" smtClean="0"/>
+            <a:t>Agrégation</a:t>
+          </a:r>
+          <a:endParaRPr lang="fr-FR" sz="1200" kern="1200" dirty="0"/>
+        </a:p>
+      </dsp:txBody>
+      <dsp:txXfrm>
+        <a:off x="5349161" y="662035"/>
+        <a:ext cx="5523069" cy="256440"/>
+      </dsp:txXfrm>
+    </dsp:sp>
+    <dsp:sp modelId="{98AE4800-255A-CC46-81D4-1FE846AFEF4E}">
+      <dsp:nvSpPr>
+        <dsp:cNvPr id="0" name=""/>
+        <dsp:cNvSpPr/>
+      </dsp:nvSpPr>
+      <dsp:spPr>
+        <a:xfrm>
+          <a:off x="6740249" y="926454"/>
+          <a:ext cx="1370446" cy="216063"/>
+        </a:xfrm>
+        <a:custGeom>
+          <a:avLst/>
+          <a:gdLst/>
+          <a:ahLst/>
+          <a:cxnLst/>
+          <a:rect l="0" t="0" r="0" b="0"/>
+          <a:pathLst>
+            <a:path>
+              <a:moveTo>
+                <a:pt x="1370446" y="0"/>
+              </a:moveTo>
+              <a:lnTo>
+                <a:pt x="1370446" y="108031"/>
+              </a:lnTo>
+              <a:lnTo>
+                <a:pt x="0" y="108031"/>
+              </a:lnTo>
+              <a:lnTo>
+                <a:pt x="0" y="216063"/>
+              </a:lnTo>
+            </a:path>
+          </a:pathLst>
+        </a:custGeom>
+        <a:noFill/>
+        <a:ln w="12700" cap="flat" cmpd="sng" algn="ctr">
+          <a:solidFill>
+            <a:schemeClr val="dk1">
+              <a:shade val="80000"/>
+              <a:hueOff val="0"/>
+              <a:satOff val="0"/>
+              <a:lumOff val="0"/>
+              <a:alphaOff val="0"/>
+            </a:schemeClr>
+          </a:solidFill>
+          <a:prstDash val="solid"/>
+          <a:miter lim="800000"/>
+        </a:ln>
+        <a:effectLst/>
+      </dsp:spPr>
+      <dsp:style>
+        <a:lnRef idx="2">
+          <a:scrgbClr r="0" g="0" b="0"/>
+        </a:lnRef>
+        <a:fillRef idx="0">
+          <a:scrgbClr r="0" g="0" b="0"/>
+        </a:fillRef>
+        <a:effectRef idx="0">
+          <a:scrgbClr r="0" g="0" b="0"/>
+        </a:effectRef>
+        <a:fontRef idx="minor"/>
+      </dsp:style>
+    </dsp:sp>
+    <dsp:sp modelId="{78D07536-54CD-444A-A3B3-573696D04A52}">
+      <dsp:nvSpPr>
+        <dsp:cNvPr id="0" name=""/>
+        <dsp:cNvSpPr/>
+      </dsp:nvSpPr>
+      <dsp:spPr>
+        <a:xfrm>
+          <a:off x="5353014" y="1142517"/>
+          <a:ext cx="2774470" cy="262800"/>
+        </a:xfrm>
+        <a:prstGeom prst="roundRect">
+          <a:avLst>
+            <a:gd name="adj" fmla="val 10000"/>
+          </a:avLst>
+        </a:prstGeom>
+        <a:solidFill>
+          <a:schemeClr val="lt1">
+            <a:hueOff val="0"/>
+            <a:satOff val="0"/>
+            <a:lumOff val="0"/>
+            <a:alphaOff val="0"/>
+          </a:schemeClr>
+        </a:solidFill>
+        <a:ln w="12700" cap="flat" cmpd="sng" algn="ctr">
+          <a:solidFill>
+            <a:schemeClr val="dk1">
+              <a:shade val="80000"/>
+              <a:hueOff val="0"/>
+              <a:satOff val="0"/>
+              <a:lumOff val="0"/>
+              <a:alphaOff val="0"/>
+            </a:schemeClr>
+          </a:solidFill>
+          <a:prstDash val="solid"/>
+          <a:miter lim="800000"/>
+        </a:ln>
+        <a:effectLst/>
+      </dsp:spPr>
+      <dsp:style>
+        <a:lnRef idx="2">
+          <a:scrgbClr r="0" g="0" b="0"/>
+        </a:lnRef>
+        <a:fillRef idx="1">
+          <a:scrgbClr r="0" g="0" b="0"/>
+        </a:fillRef>
+        <a:effectRef idx="0">
+          <a:scrgbClr r="0" g="0" b="0"/>
+        </a:effectRef>
+        <a:fontRef idx="minor">
+          <a:schemeClr val="lt1"/>
+        </a:fontRef>
+      </dsp:style>
+      <dsp:txBody>
+        <a:bodyPr spcFirstLastPara="0" vert="horz" wrap="square" lIns="45720" tIns="45720" rIns="45720" bIns="45720" numCol="1" spcCol="1270" anchor="ctr" anchorCtr="0">
+          <a:noAutofit/>
+        </a:bodyPr>
+        <a:lstStyle/>
+        <a:p>
+          <a:pPr lvl="0" algn="ctr" defTabSz="533400">
+            <a:lnSpc>
+              <a:spcPct val="90000"/>
+            </a:lnSpc>
+            <a:spcBef>
+              <a:spcPct val="0"/>
+            </a:spcBef>
+            <a:spcAft>
+              <a:spcPct val="35000"/>
+            </a:spcAft>
+          </a:pPr>
+          <a:r>
+            <a:rPr lang="fr-FR" sz="1200" kern="1200" dirty="0" smtClean="0"/>
+            <a:t>Des nœuds des motifs</a:t>
+          </a:r>
+          <a:endParaRPr lang="fr-FR" sz="1200" kern="1200" dirty="0"/>
+        </a:p>
+      </dsp:txBody>
+      <dsp:txXfrm>
+        <a:off x="5360711" y="1150214"/>
+        <a:ext cx="2759076" cy="247406"/>
+      </dsp:txXfrm>
+    </dsp:sp>
+    <dsp:sp modelId="{D83DC47F-8992-7240-AABB-5593FB74EBCE}">
+      <dsp:nvSpPr>
+        <dsp:cNvPr id="0" name=""/>
+        <dsp:cNvSpPr/>
+      </dsp:nvSpPr>
+      <dsp:spPr>
+        <a:xfrm>
+          <a:off x="8110696" y="926454"/>
+          <a:ext cx="1482163" cy="206347"/>
+        </a:xfrm>
+        <a:custGeom>
+          <a:avLst/>
+          <a:gdLst/>
+          <a:ahLst/>
+          <a:cxnLst/>
+          <a:rect l="0" t="0" r="0" b="0"/>
+          <a:pathLst>
+            <a:path>
+              <a:moveTo>
+                <a:pt x="0" y="0"/>
+              </a:moveTo>
+              <a:lnTo>
+                <a:pt x="0" y="103173"/>
+              </a:lnTo>
+              <a:lnTo>
+                <a:pt x="1482163" y="103173"/>
+              </a:lnTo>
+              <a:lnTo>
+                <a:pt x="1482163" y="206347"/>
+              </a:lnTo>
+            </a:path>
+          </a:pathLst>
+        </a:custGeom>
+        <a:noFill/>
+        <a:ln w="12700" cap="flat" cmpd="sng" algn="ctr">
+          <a:solidFill>
+            <a:schemeClr val="dk1">
+              <a:shade val="80000"/>
+              <a:hueOff val="0"/>
+              <a:satOff val="0"/>
+              <a:lumOff val="0"/>
+              <a:alphaOff val="0"/>
+            </a:schemeClr>
+          </a:solidFill>
+          <a:prstDash val="solid"/>
+          <a:miter lim="800000"/>
+        </a:ln>
+        <a:effectLst/>
+      </dsp:spPr>
+      <dsp:style>
+        <a:lnRef idx="2">
+          <a:scrgbClr r="0" g="0" b="0"/>
+        </a:lnRef>
+        <a:fillRef idx="0">
+          <a:scrgbClr r="0" g="0" b="0"/>
+        </a:fillRef>
+        <a:effectRef idx="0">
+          <a:scrgbClr r="0" g="0" b="0"/>
+        </a:effectRef>
+        <a:fontRef idx="minor"/>
+      </dsp:style>
+    </dsp:sp>
+    <dsp:sp modelId="{E10281B8-574A-FD4A-A466-8FB45B5BFA05}">
+      <dsp:nvSpPr>
+        <dsp:cNvPr id="0" name=""/>
+        <dsp:cNvSpPr/>
+      </dsp:nvSpPr>
+      <dsp:spPr>
+        <a:xfrm>
+          <a:off x="8310872" y="1132801"/>
+          <a:ext cx="2563974" cy="262800"/>
+        </a:xfrm>
+        <a:prstGeom prst="roundRect">
+          <a:avLst>
+            <a:gd name="adj" fmla="val 10000"/>
+          </a:avLst>
+        </a:prstGeom>
+        <a:solidFill>
+          <a:schemeClr val="lt1">
+            <a:hueOff val="0"/>
+            <a:satOff val="0"/>
+            <a:lumOff val="0"/>
+            <a:alphaOff val="0"/>
+          </a:schemeClr>
+        </a:solidFill>
+        <a:ln w="12700" cap="flat" cmpd="sng" algn="ctr">
+          <a:solidFill>
+            <a:schemeClr val="dk1">
+              <a:shade val="80000"/>
+              <a:hueOff val="0"/>
+              <a:satOff val="0"/>
+              <a:lumOff val="0"/>
+              <a:alphaOff val="0"/>
+            </a:schemeClr>
+          </a:solidFill>
+          <a:prstDash val="solid"/>
+          <a:miter lim="800000"/>
+        </a:ln>
+        <a:effectLst/>
+      </dsp:spPr>
+      <dsp:style>
+        <a:lnRef idx="2">
+          <a:scrgbClr r="0" g="0" b="0"/>
+        </a:lnRef>
+        <a:fillRef idx="1">
+          <a:scrgbClr r="0" g="0" b="0"/>
+        </a:fillRef>
+        <a:effectRef idx="0">
+          <a:scrgbClr r="0" g="0" b="0"/>
+        </a:effectRef>
+        <a:fontRef idx="minor">
+          <a:schemeClr val="lt1"/>
+        </a:fontRef>
+      </dsp:style>
+      <dsp:txBody>
+        <a:bodyPr spcFirstLastPara="0" vert="horz" wrap="square" lIns="45720" tIns="45720" rIns="45720" bIns="45720" numCol="1" spcCol="1270" anchor="ctr" anchorCtr="0">
+          <a:noAutofit/>
+        </a:bodyPr>
+        <a:lstStyle/>
+        <a:p>
+          <a:pPr lvl="0" algn="ctr" defTabSz="533400">
+            <a:lnSpc>
+              <a:spcPct val="90000"/>
+            </a:lnSpc>
+            <a:spcBef>
+              <a:spcPct val="0"/>
+            </a:spcBef>
+            <a:spcAft>
+              <a:spcPct val="35000"/>
+            </a:spcAft>
+          </a:pPr>
+          <a:r>
+            <a:rPr lang="fr-FR" sz="1200" kern="1200" dirty="0" smtClean="0"/>
+            <a:t>Des liens des motifs</a:t>
+          </a:r>
+          <a:endParaRPr lang="fr-FR" sz="1200" kern="1200" dirty="0"/>
+        </a:p>
+      </dsp:txBody>
+      <dsp:txXfrm>
+        <a:off x="8318569" y="1140498"/>
+        <a:ext cx="2548580" cy="247406"/>
+      </dsp:txXfrm>
+    </dsp:sp>
+  </dsp:spTree>
+</dsp:drawing>
+</file>
+
+<file path=ppt/diagrams/drawing2.xml><?xml version="1.0" encoding="utf-8"?>
+<dsp:drawing xmlns:dgm="http://schemas.openxmlformats.org/drawingml/2006/diagram" xmlns:dsp="http://schemas.microsoft.com/office/drawing/2008/diagram" xmlns:a="http://schemas.openxmlformats.org/drawingml/2006/main">
+  <dsp:spTree>
+    <dsp:nvGrpSpPr>
+      <dsp:cNvPr id="0" name=""/>
+      <dsp:cNvGrpSpPr/>
+    </dsp:nvGrpSpPr>
+    <dsp:grpSpPr/>
+    <dsp:sp modelId="{394DDC52-4E59-3A45-AFCF-21EBBD04A4D7}">
+      <dsp:nvSpPr>
+        <dsp:cNvPr id="0" name=""/>
+        <dsp:cNvSpPr/>
+      </dsp:nvSpPr>
+      <dsp:spPr>
+        <a:xfrm rot="16200000">
+          <a:off x="2988722" y="2331913"/>
+          <a:ext cx="4942805" cy="278978"/>
+        </a:xfrm>
+        <a:prstGeom prst="rect">
+          <a:avLst/>
+        </a:prstGeom>
+        <a:solidFill>
+          <a:schemeClr val="lt1"/>
+        </a:solidFill>
+        <a:ln w="12700" cap="flat" cmpd="sng" algn="ctr">
+          <a:solidFill>
+            <a:schemeClr val="dk1"/>
+          </a:solidFill>
+          <a:prstDash val="solid"/>
+          <a:miter lim="800000"/>
+        </a:ln>
+        <a:effectLst/>
+      </dsp:spPr>
+      <dsp:style>
+        <a:lnRef idx="2">
+          <a:schemeClr val="dk1"/>
+        </a:lnRef>
+        <a:fillRef idx="1">
+          <a:schemeClr val="lt1"/>
+        </a:fillRef>
+        <a:effectRef idx="0">
+          <a:schemeClr val="dk1"/>
+        </a:effectRef>
+        <a:fontRef idx="minor">
+          <a:schemeClr val="dk1"/>
+        </a:fontRef>
+      </dsp:style>
+      <dsp:txBody>
+        <a:bodyPr spcFirstLastPara="0" vert="horz" wrap="square" lIns="7620" tIns="7620" rIns="7620" bIns="7620" numCol="1" spcCol="1270" anchor="ctr" anchorCtr="0">
+          <a:noAutofit/>
+        </a:bodyPr>
+        <a:lstStyle/>
+        <a:p>
+          <a:pPr lvl="0" algn="ctr" defTabSz="533400">
+            <a:lnSpc>
+              <a:spcPct val="90000"/>
+            </a:lnSpc>
+            <a:spcBef>
+              <a:spcPct val="0"/>
+            </a:spcBef>
+            <a:spcAft>
+              <a:spcPct val="35000"/>
+            </a:spcAft>
+          </a:pPr>
+          <a:r>
+            <a:rPr lang="fr-FR" sz="1200" kern="1200" dirty="0" smtClean="0"/>
+            <a:t>Méthodes de compression basées  </a:t>
+          </a:r>
+          <a:r>
+            <a:rPr lang="fr-FR" sz="1200" kern="1200" dirty="0" smtClean="0"/>
+            <a:t>sur les arbres k2-trees</a:t>
+          </a:r>
+          <a:endParaRPr lang="fr-FR" sz="1200" kern="1200" dirty="0"/>
+        </a:p>
+      </dsp:txBody>
+      <dsp:txXfrm>
+        <a:off x="2988722" y="2331913"/>
+        <a:ext cx="4942805" cy="278978"/>
+      </dsp:txXfrm>
+    </dsp:sp>
+  </dsp:spTree>
+</dsp:drawing>
+</file>
+
+<file path=ppt/diagrams/layout1.xml><?xml version="1.0" encoding="utf-8"?>
+<dgm:layoutDef xmlns:dgm="http://schemas.openxmlformats.org/drawingml/2006/diagram" xmlns:a="http://schemas.openxmlformats.org/drawingml/2006/main" uniqueId="urn:microsoft.com/office/officeart/2005/8/layout/hierarchy6">
+  <dgm:title val=""/>
+  <dgm:desc val=""/>
+  <dgm:catLst>
+    <dgm:cat type="hierarchy" pri="3000"/>
+  </dgm:catLst>
+  <dgm:sampData>
+    <dgm:dataModel>
+      <dgm:ptLst>
+        <dgm:pt modelId="0" type="doc"/>
+        <dgm:pt modelId="1">
+          <dgm:prSet phldr="1"/>
+        </dgm:pt>
+        <dgm:pt modelId="2">
+          <dgm:prSet phldr="1"/>
+        </dgm:pt>
+        <dgm:pt modelId="21">
+          <dgm:prSet phldr="1"/>
+        </dgm:pt>
+        <dgm:pt modelId="22">
+          <dgm:prSet phldr="1"/>
+        </dgm:pt>
+        <dgm:pt modelId="3">
+          <dgm:prSet phldr="1"/>
+        </dgm:pt>
+        <dgm:pt modelId="31">
+          <dgm:prSet phldr="1"/>
+        </dgm:pt>
+        <dgm:pt modelId="4">
+          <dgm:prSet phldr="1"/>
+        </dgm:pt>
+        <dgm:pt modelId="5">
+          <dgm:prSet phldr="1"/>
+        </dgm:pt>
+        <dgm:pt modelId="6">
+          <dgm:prSet phldr="1"/>
+        </dgm:pt>
+      </dgm:ptLst>
+      <dgm:cxnLst>
+        <dgm:cxn modelId="7" srcId="0" destId="1" srcOrd="0" destOrd="0"/>
+        <dgm:cxn modelId="8" srcId="1" destId="2" srcOrd="0" destOrd="0"/>
+        <dgm:cxn modelId="9" srcId="1" destId="3" srcOrd="1" destOrd="0"/>
+        <dgm:cxn modelId="23" srcId="2" destId="21" srcOrd="0" destOrd="0"/>
+        <dgm:cxn modelId="24" srcId="2" destId="22" srcOrd="1" destOrd="0"/>
+        <dgm:cxn modelId="33" srcId="3" destId="31" srcOrd="0" destOrd="0"/>
+        <dgm:cxn modelId="10" srcId="0" destId="4" srcOrd="1" destOrd="0"/>
+        <dgm:cxn modelId="11" srcId="0" destId="5" srcOrd="2" destOrd="0"/>
+        <dgm:cxn modelId="12" srcId="0" destId="6" srcOrd="3" destOrd="0"/>
+      </dgm:cxnLst>
+      <dgm:bg/>
+      <dgm:whole/>
+    </dgm:dataModel>
+  </dgm:sampData>
+  <dgm:styleData>
+    <dgm:dataModel>
+      <dgm:ptLst>
+        <dgm:pt modelId="0" type="doc"/>
+        <dgm:pt modelId="1"/>
+        <dgm:pt modelId="11"/>
+        <dgm:pt modelId="12"/>
+        <dgm:pt modelId="2"/>
+        <dgm:pt modelId="3"/>
+      </dgm:ptLst>
+      <dgm:cxnLst>
+        <dgm:cxn modelId="4" srcId="0" destId="1" srcOrd="0" destOrd="0"/>
+        <dgm:cxn modelId="13" srcId="1" destId="11" srcOrd="0" destOrd="0"/>
+        <dgm:cxn modelId="14" srcId="1" destId="12" srcOrd="1" destOrd="0"/>
+        <dgm:cxn modelId="5" srcId="0" destId="2" srcOrd="1" destOrd="0"/>
+        <dgm:cxn modelId="6" srcId="0" destId="3" srcOrd="2" destOrd="0"/>
+      </dgm:cxnLst>
+      <dgm:bg/>
+      <dgm:whole/>
+    </dgm:dataModel>
+  </dgm:styleData>
+  <dgm:clrData>
+    <dgm:dataModel>
+      <dgm:ptLst>
+        <dgm:pt modelId="0" type="doc"/>
+        <dgm:pt modelId="1"/>
+        <dgm:pt modelId="2"/>
+        <dgm:pt modelId="21"/>
+        <dgm:pt modelId="211"/>
+        <dgm:pt modelId="3"/>
+        <dgm:pt modelId="31"/>
+        <dgm:pt modelId="311"/>
+        <dgm:pt modelId="4"/>
+        <dgm:pt modelId="5"/>
+        <dgm:pt modelId="6"/>
+        <dgm:pt modelId="7"/>
+      </dgm:ptLst>
+      <dgm:cxnLst>
+        <dgm:cxn modelId="8" srcId="0" destId="1" srcOrd="0" destOrd="0"/>
+        <dgm:cxn modelId="9" srcId="1" destId="2" srcOrd="0" destOrd="0"/>
+        <dgm:cxn modelId="10" srcId="1" destId="3" srcOrd="1" destOrd="0"/>
+        <dgm:cxn modelId="23" srcId="2" destId="21" srcOrd="0" destOrd="0"/>
+        <dgm:cxn modelId="24" srcId="21" destId="211" srcOrd="0" destOrd="0"/>
+        <dgm:cxn modelId="33" srcId="3" destId="31" srcOrd="0" destOrd="0"/>
+        <dgm:cxn modelId="34" srcId="31" destId="311" srcOrd="0" destOrd="0"/>
+        <dgm:cxn modelId="11" srcId="0" destId="4" srcOrd="1" destOrd="0"/>
+        <dgm:cxn modelId="12" srcId="0" destId="5" srcOrd="2" destOrd="0"/>
+        <dgm:cxn modelId="13" srcId="0" destId="6" srcOrd="3" destOrd="0"/>
+        <dgm:cxn modelId="14" srcId="0" destId="7" srcOrd="4" destOrd="0"/>
+      </dgm:cxnLst>
+      <dgm:bg/>
+      <dgm:whole/>
+    </dgm:dataModel>
+  </dgm:clrData>
+  <dgm:layoutNode name="mainComposite">
+    <dgm:varLst>
+      <dgm:chPref val="1"/>
+      <dgm:dir/>
+      <dgm:animOne val="branch"/>
+      <dgm:animLvl val="lvl"/>
+      <dgm:resizeHandles val="exact"/>
+    </dgm:varLst>
+    <dgm:alg type="composite">
+      <dgm:param type="vertAlign" val="mid"/>
+      <dgm:param type="horzAlign" val="ctr"/>
+    </dgm:alg>
+    <dgm:shape xmlns:r="http://schemas.openxmlformats.org/officeDocument/2006/relationships" r:blip="">
+      <dgm:adjLst/>
+    </dgm:shape>
+    <dgm:presOf/>
+    <dgm:choose name="Name0">
+      <dgm:if name="Name1" axis="ch" ptType="node" func="cnt" op="gte" val="2">
+        <dgm:choose name="Name2">
+          <dgm:if name="Name3" func="var" arg="dir" op="equ" val="norm">
+            <dgm:constrLst>
+              <dgm:constr type="l" for="ch" forName="hierFlow" refType="w" fact="0.3"/>
+              <dgm:constr type="t" for="ch" forName="hierFlow"/>
+              <dgm:constr type="r" for="ch" forName="hierFlow" refType="w" fact="0.98"/>
+              <dgm:constr type="b" for="ch" forName="hierFlow" refType="h" fact="0.98"/>
+              <dgm:constr type="l" for="ch" forName="bgShapesFlow"/>
+              <dgm:constr type="t" for="ch" forName="bgShapesFlow"/>
+              <dgm:constr type="r" for="ch" forName="bgShapesFlow" refType="w"/>
+              <dgm:constr type="b" for="ch" forName="bgShapesFlow" refType="h"/>
+              <dgm:constr type="w" for="des" forName="level1Shape" refType="w"/>
+              <dgm:constr type="h" for="des" forName="level1Shape" refType="w" refFor="des" refForName="level1Shape" fact="0.66667"/>
+              <dgm:constr type="w" for="des" forName="level2Shape" refType="w" refFor="des" refForName="level1Shape" op="equ"/>
+              <dgm:constr type="h" for="des" forName="level2Shape" refType="h" refFor="des" refForName="level1Shape" op="equ"/>
+              <dgm:constr type="sp" for="des" refType="h" refFor="des" refForName="level1Shape" op="equ" fact="0.4"/>
+              <dgm:constr type="sibSp" for="des" forName="hierChild1" refType="w" refFor="des" refForName="level1Shape" op="equ" fact="0.3"/>
+              <dgm:constr type="sibSp" for="des" forName="hierChild2" refType="sibSp" refFor="des" refForName="hierChild1" op="equ"/>
+              <dgm:constr type="sibSp" for="des" forName="hierChild3" refType="sibSp" refFor="des" refForName="hierChild1" op="equ"/>
+              <dgm:constr type="userA" for="des" refType="h" refFor="des" refForName="level1Shape" op="equ"/>
+              <dgm:constr type="userB" for="des" refType="sp" refFor="des" op="equ"/>
+              <dgm:constr type="h" for="des" forName="firstBuf" refType="h" refFor="des" refForName="level1Shape" fact="0.1"/>
+            </dgm:constrLst>
+          </dgm:if>
+          <dgm:else name="Name4">
+            <dgm:constrLst>
+              <dgm:constr type="l" for="ch" forName="hierFlow" refType="w" fact="0.02"/>
+              <dgm:constr type="t" for="ch" forName="hierFlow"/>
+              <dgm:constr type="r" for="ch" forName="hierFlow" refType="w" fact="0.7"/>
+              <dgm:constr type="b" for="ch" forName="hierFlow" refType="h" fact="0.98"/>
+              <dgm:constr type="l" for="ch" forName="bgShapesFlow"/>
+              <dgm:constr type="t" for="ch" forName="bgShapesFlow"/>
+              <dgm:constr type="r" for="ch" forName="bgShapesFlow" refType="w"/>
+              <dgm:constr type="b" for="ch" forName="bgShapesFlow" refType="h"/>
+              <dgm:constr type="w" for="des" forName="level1Shape" refType="w"/>
+              <dgm:constr type="h" for="des" forName="level1Shape" refType="w" refFor="des" refForName="level1Shape" fact="0.66667"/>
+              <dgm:constr type="w" for="des" forName="level2Shape" refType="w" refFor="des" refForName="level1Shape" op="equ"/>
+              <dgm:constr type="h" for="des" forName="level2Shape" refType="h" refFor="des" refForName="level1Shape" op="equ"/>
+              <dgm:constr type="sp" for="des" refType="h" refFor="des" refForName="level1Shape" op="equ" fact="0.4"/>
+              <dgm:constr type="sibSp" for="des" forName="hierChild1" refType="w" refFor="des" refForName="level1Shape" op="equ" fact="0.3"/>
+              <dgm:constr type="sibSp" for="des" forName="hierChild2" refType="sibSp" refFor="des" refForName="hierChild1" op="equ"/>
+              <dgm:constr type="sibSp" for="des" forName="hierChild3" refType="sibSp" refFor="des" refForName="hierChild1" op="equ"/>
+              <dgm:constr type="userA" for="des" refType="h" refFor="des" refForName="level1Shape" op="equ"/>
+              <dgm:constr type="userB" for="des" refType="sp" refFor="des" op="equ"/>
+              <dgm:constr type="h" for="des" forName="firstBuf" refType="h" refFor="des" refForName="level1Shape" fact="0.1"/>
+            </dgm:constrLst>
+          </dgm:else>
+        </dgm:choose>
+      </dgm:if>
+      <dgm:else name="Name5">
+        <dgm:constrLst>
+          <dgm:constr type="l" for="ch" forName="hierFlow"/>
+          <dgm:constr type="t" for="ch" forName="hierFlow"/>
+          <dgm:constr type="r" for="ch" forName="hierFlow" refType="w"/>
+          <dgm:constr type="b" for="ch" forName="hierFlow" refType="h"/>
+          <dgm:constr type="l" for="ch" forName="bgShapesFlow"/>
+          <dgm:constr type="t" for="ch" forName="bgShapesFlow"/>
+          <dgm:constr type="r" for="ch" forName="bgShapesFlow" refType="w"/>
+          <dgm:constr type="b" for="ch" forName="bgShapesFlow" refType="h"/>
+          <dgm:constr type="w" for="des" forName="level1Shape" refType="w"/>
+          <dgm:constr type="h" for="des" forName="level1Shape" refType="w" refFor="des" refForName="level1Shape" fact="0.66667"/>
+          <dgm:constr type="w" for="des" forName="level2Shape" refType="w" refFor="des" refForName="level1Shape" op="equ"/>
+          <dgm:constr type="h" for="des" forName="level2Shape" refType="h" refFor="des" refForName="level1Shape" op="equ"/>
+          <dgm:constr type="sp" for="des" refType="h" refFor="des" refForName="level1Shape" op="equ" fact="0.4"/>
+          <dgm:constr type="sibSp" for="des" forName="hierChild1" refType="w" refFor="des" refForName="level1Shape" op="equ" fact="0.3"/>
+          <dgm:constr type="sibSp" for="des" forName="hierChild2" refType="sibSp" refFor="des" refForName="hierChild1" op="equ"/>
+          <dgm:constr type="sibSp" for="des" forName="hierChild3" refType="sibSp" refFor="des" refForName="hierChild1" op="equ"/>
+          <dgm:constr type="userA" for="des" refType="h" refFor="des" refForName="level1Shape" op="equ"/>
+          <dgm:constr type="userB" for="des" refType="sp" refFor="des" op="equ"/>
+          <dgm:constr type="h" for="des" forName="firstBuf" refType="h" refFor="des" refForName="level1Shape" fact="0.1"/>
+        </dgm:constrLst>
+      </dgm:else>
+    </dgm:choose>
+    <dgm:ruleLst/>
+    <dgm:layoutNode name="hierFlow">
+      <dgm:alg type="lin">
+        <dgm:param type="linDir" val="fromT"/>
+        <dgm:param type="nodeVertAlign" val="t"/>
+        <dgm:param type="vertAlign" val="t"/>
+        <dgm:param type="nodeHorzAlign" val="ctr"/>
+        <dgm:param type="fallback" val="2D"/>
+      </dgm:alg>
+      <dgm:shape xmlns:r="http://schemas.openxmlformats.org/officeDocument/2006/relationships" r:blip="">
+        <dgm:adjLst/>
+      </dgm:shape>
+      <dgm:presOf/>
+      <dgm:constrLst/>
+      <dgm:ruleLst/>
+      <dgm:choose name="Name6">
+        <dgm:if name="Name7" axis="ch" ptType="node" func="cnt" op="gte" val="2">
+          <dgm:layoutNode name="firstBuf">
+            <dgm:alg type="sp"/>
+            <dgm:shape xmlns:r="http://schemas.openxmlformats.org/officeDocument/2006/relationships" r:blip="">
+              <dgm:adjLst/>
+            </dgm:shape>
+            <dgm:presOf/>
+            <dgm:constrLst/>
+            <dgm:ruleLst/>
+          </dgm:layoutNode>
+        </dgm:if>
+        <dgm:else name="Name8"/>
+      </dgm:choose>
+      <dgm:layoutNode name="hierChild1">
+        <dgm:varLst>
+          <dgm:chPref val="1"/>
+          <dgm:animOne val="branch"/>
+          <dgm:animLvl val="lvl"/>
+        </dgm:varLst>
+        <dgm:choose name="Name9">
+          <dgm:if name="Name10" func="var" arg="dir" op="equ" val="norm">
+            <dgm:alg type="hierChild">
+              <dgm:param type="linDir" val="fromL"/>
+              <dgm:param type="vertAlign" val="t"/>
+            </dgm:alg>
+          </dgm:if>
+          <dgm:else name="Name11">
+            <dgm:alg type="hierChild">
+              <dgm:param type="linDir" val="fromR"/>
+              <dgm:param type="vertAlign" val="t"/>
+            </dgm:alg>
+          </dgm:else>
+        </dgm:choose>
+        <dgm:shape xmlns:r="http://schemas.openxmlformats.org/officeDocument/2006/relationships" r:blip="">
+          <dgm:adjLst/>
+        </dgm:shape>
+        <dgm:presOf/>
+        <dgm:constrLst>
+          <dgm:constr type="primFontSz" for="des" ptType="node" op="equ"/>
+        </dgm:constrLst>
+        <dgm:ruleLst/>
+        <dgm:forEach name="Name12" axis="ch" cnt="3">
+          <dgm:forEach name="Name13" axis="self" ptType="node">
+            <dgm:layoutNode name="Name14">
+              <dgm:alg type="hierRoot"/>
+              <dgm:shape xmlns:r="http://schemas.openxmlformats.org/officeDocument/2006/relationships" r:blip="">
+                <dgm:adjLst/>
+              </dgm:shape>
+              <dgm:presOf/>
+              <dgm:constrLst/>
+              <dgm:ruleLst/>
+              <dgm:layoutNode name="level1Shape" styleLbl="node0">
+                <dgm:varLst>
+                  <dgm:chPref val="3"/>
+                </dgm:varLst>
+                <dgm:alg type="tx"/>
+                <dgm:shape xmlns:r="http://schemas.openxmlformats.org/officeDocument/2006/relationships" type="roundRect" r:blip="">
+                  <dgm:adjLst>
+                    <dgm:adj idx="1" val="0.1"/>
+                  </dgm:adjLst>
+                </dgm:shape>
+                <dgm:presOf axis="self"/>
+                <dgm:constrLst>
+                  <dgm:constr type="primFontSz" val="65"/>
+                  <dgm:constr type="tMarg" refType="primFontSz" fact="0.3"/>
+                  <dgm:constr type="bMarg" refType="primFontSz" fact="0.3"/>
+                  <dgm:constr type="lMarg" refType="primFontSz" fact="0.3"/>
+                  <dgm:constr type="rMarg" refType="primFontSz" fact="0.3"/>
+                </dgm:constrLst>
+                <dgm:ruleLst>
+                  <dgm:rule type="primFontSz" val="5" fact="NaN" max="NaN"/>
+                </dgm:ruleLst>
+              </dgm:layoutNode>
+              <dgm:layoutNode name="hierChild2">
+                <dgm:choose name="Name15">
+                  <dgm:if name="Name16" func="var" arg="dir" op="equ" val="norm">
+                    <dgm:alg type="hierChild">
+                      <dgm:param type="linDir" val="fromL"/>
+                    </dgm:alg>
+                  </dgm:if>
+                  <dgm:else name="Name17">
+                    <dgm:alg type="hierChild">
+                      <dgm:param type="linDir" val="fromR"/>
+                    </dgm:alg>
+                  </dgm:else>
+                </dgm:choose>
+                <dgm:shape xmlns:r="http://schemas.openxmlformats.org/officeDocument/2006/relationships" r:blip="">
+                  <dgm:adjLst/>
+                </dgm:shape>
+                <dgm:presOf/>
+                <dgm:constrLst/>
+                <dgm:ruleLst/>
+                <dgm:forEach name="repeat" axis="ch">
+                  <dgm:forEach name="Name18" axis="self" ptType="parTrans" cnt="1">
+                    <dgm:layoutNode name="Name19">
+                      <dgm:alg type="conn">
+                        <dgm:param type="dim" val="1D"/>
+                        <dgm:param type="endSty" val="noArr"/>
+                        <dgm:param type="connRout" val="bend"/>
+                        <dgm:param type="begPts" val="bCtr"/>
+                        <dgm:param type="endPts" val="tCtr"/>
+                      </dgm:alg>
+                      <dgm:shape xmlns:r="http://schemas.openxmlformats.org/officeDocument/2006/relationships" type="conn" r:blip="">
+                        <dgm:adjLst/>
+                      </dgm:shape>
+                      <dgm:presOf axis="self"/>
+                      <dgm:constrLst>
+                        <dgm:constr type="w" val="1"/>
+                        <dgm:constr type="h" val="1"/>
+                        <dgm:constr type="begPad"/>
+                        <dgm:constr type="endPad"/>
+                      </dgm:constrLst>
+                      <dgm:ruleLst/>
+                    </dgm:layoutNode>
+                  </dgm:forEach>
+                  <dgm:forEach name="Name20" axis="self" ptType="node">
+                    <dgm:layoutNode name="Name21">
+                      <dgm:alg type="hierRoot"/>
+                      <dgm:shape xmlns:r="http://schemas.openxmlformats.org/officeDocument/2006/relationships" r:blip="">
+                        <dgm:adjLst/>
+                      </dgm:shape>
+                      <dgm:presOf/>
+                      <dgm:constrLst/>
+                      <dgm:ruleLst/>
+                      <dgm:layoutNode name="level2Shape">
+                        <dgm:alg type="tx"/>
+                        <dgm:shape xmlns:r="http://schemas.openxmlformats.org/officeDocument/2006/relationships" type="roundRect" r:blip="">
+                          <dgm:adjLst>
+                            <dgm:adj idx="1" val="0.1"/>
+                          </dgm:adjLst>
+                        </dgm:shape>
+                        <dgm:presOf axis="self"/>
+                        <dgm:constrLst>
+                          <dgm:constr type="primFontSz" val="65"/>
+                          <dgm:constr type="tMarg" refType="primFontSz" fact="0.3"/>
+                          <dgm:constr type="bMarg" refType="primFontSz" fact="0.3"/>
+                          <dgm:constr type="lMarg" refType="primFontSz" fact="0.3"/>
+                          <dgm:constr type="rMarg" refType="primFontSz" fact="0.3"/>
+                        </dgm:constrLst>
+                        <dgm:ruleLst>
+                          <dgm:rule type="primFontSz" val="5" fact="NaN" max="NaN"/>
+                        </dgm:ruleLst>
+                      </dgm:layoutNode>
+                      <dgm:layoutNode name="hierChild3">
+                        <dgm:choose name="Name22">
+                          <dgm:if name="Name23" func="var" arg="dir" op="equ" val="norm">
+                            <dgm:alg type="hierChild">
+                              <dgm:param type="linDir" val="fromL"/>
+                            </dgm:alg>
+                          </dgm:if>
+                          <dgm:else name="Name24">
+                            <dgm:alg type="hierChild">
+                              <dgm:param type="linDir" val="fromR"/>
+                            </dgm:alg>
+                          </dgm:else>
+                        </dgm:choose>
+                        <dgm:shape xmlns:r="http://schemas.openxmlformats.org/officeDocument/2006/relationships" r:blip="">
+                          <dgm:adjLst/>
+                        </dgm:shape>
+                        <dgm:presOf/>
+                        <dgm:constrLst/>
+                        <dgm:ruleLst/>
+                        <dgm:forEach name="Name25" ref="repeat"/>
+                      </dgm:layoutNode>
+                    </dgm:layoutNode>
+                  </dgm:forEach>
+                </dgm:forEach>
+              </dgm:layoutNode>
+            </dgm:layoutNode>
+          </dgm:forEach>
+        </dgm:forEach>
+      </dgm:layoutNode>
+    </dgm:layoutNode>
+    <dgm:layoutNode name="bgShapesFlow">
+      <dgm:alg type="lin">
+        <dgm:param type="linDir" val="fromT"/>
+        <dgm:param type="nodeVertAlign" val="t"/>
+        <dgm:param type="vertAlign" val="t"/>
+        <dgm:param type="nodeHorzAlign" val="ctr"/>
+      </dgm:alg>
+      <dgm:shape xmlns:r="http://schemas.openxmlformats.org/officeDocument/2006/relationships" r:blip="">
+        <dgm:adjLst/>
+      </dgm:shape>
+      <dgm:presOf/>
+      <dgm:constrLst>
+        <dgm:constr type="userB"/>
+        <dgm:constr type="w" for="ch" forName="rectComp" refType="w"/>
+        <dgm:constr type="h" for="ch" forName="rectComp" refType="h"/>
+        <dgm:constr type="w" for="des" forName="bgRect" refType="w"/>
+        <dgm:constr type="primFontSz" for="des" forName="bgRectTx" op="equ"/>
+      </dgm:constrLst>
+      <dgm:ruleLst/>
+      <dgm:forEach name="Name26" axis="ch" ptType="node" st="2">
+        <dgm:layoutNode name="rectComp">
+          <dgm:alg type="composite">
+            <dgm:param type="vertAlign" val="t"/>
+            <dgm:param type="horzAlign" val="ctr"/>
+          </dgm:alg>
+          <dgm:shape xmlns:r="http://schemas.openxmlformats.org/officeDocument/2006/relationships" r:blip="">
+            <dgm:adjLst/>
+          </dgm:shape>
+          <dgm:presOf/>
+          <dgm:choose name="Name27">
+            <dgm:if name="Name28" func="var" arg="dir" op="equ" val="norm">
+              <dgm:constrLst>
+                <dgm:constr type="userA"/>
+                <dgm:constr type="l" for="ch" forName="bgRect"/>
+                <dgm:constr type="t" for="ch" forName="bgRect"/>
+                <dgm:constr type="h" for="ch" forName="bgRect" refType="userA" fact="1.2"/>
+                <dgm:constr type="l" for="ch" forName="bgRectTx"/>
+                <dgm:constr type="t" for="ch" forName="bgRectTx"/>
+                <dgm:constr type="w" for="ch" forName="bgRectTx" refType="w" refFor="ch" refForName="bgRect" fact="0.3"/>
+                <dgm:constr type="h" for="ch" forName="bgRectTx" refType="h" refFor="ch" refForName="bgRect" op="equ"/>
+              </dgm:constrLst>
+            </dgm:if>
+            <dgm:else name="Name29">
+              <dgm:constrLst>
+                <dgm:constr type="userA"/>
+                <dgm:constr type="l" for="ch" forName="bgRect"/>
+                <dgm:constr type="t" for="ch" forName="bgRect"/>
+                <dgm:constr type="h" for="ch" forName="bgRect" refType="userA" fact="1.2"/>
+                <dgm:constr type="r" for="ch" forName="bgRectTx" refType="w"/>
+                <dgm:constr type="t" for="ch" forName="bgRectTx"/>
+                <dgm:constr type="w" for="ch" forName="bgRectTx" refType="w" refFor="ch" refForName="bgRect" fact="0.3"/>
+                <dgm:constr type="h" for="ch" forName="bgRectTx" refType="h" refFor="ch" refForName="bgRect" op="equ"/>
+              </dgm:constrLst>
+            </dgm:else>
+          </dgm:choose>
+          <dgm:ruleLst/>
+          <dgm:layoutNode name="bgRect" styleLbl="bgShp">
+            <dgm:alg type="sp"/>
+            <dgm:shape xmlns:r="http://schemas.openxmlformats.org/officeDocument/2006/relationships" type="roundRect" r:blip="" zOrderOff="-999">
+              <dgm:adjLst>
+                <dgm:adj idx="1" val="0.1"/>
+              </dgm:adjLst>
+            </dgm:shape>
+            <dgm:presOf axis="desOrSelf" ptType="node"/>
+            <dgm:constrLst/>
+            <dgm:ruleLst/>
+          </dgm:layoutNode>
+          <dgm:layoutNode name="bgRectTx" styleLbl="bgShp">
+            <dgm:varLst>
+              <dgm:bulletEnabled val="1"/>
+            </dgm:varLst>
+            <dgm:alg type="tx"/>
+            <dgm:presOf axis="desOrSelf" ptType="node"/>
+            <dgm:shape xmlns:r="http://schemas.openxmlformats.org/officeDocument/2006/relationships" type="rect" r:blip="" zOrderOff="-999" hideGeom="1">
+              <dgm:adjLst/>
+            </dgm:shape>
+            <dgm:constrLst>
+              <dgm:constr type="primFontSz" val="65"/>
+            </dgm:constrLst>
+            <dgm:ruleLst>
+              <dgm:rule type="primFontSz" val="5" fact="NaN" max="NaN"/>
+            </dgm:ruleLst>
+          </dgm:layoutNode>
+        </dgm:layoutNode>
+        <dgm:choose name="Name30">
+          <dgm:if name="Name31" axis="self" ptType="node" func="revPos" op="gte" val="2">
+            <dgm:layoutNode name="spComp">
+              <dgm:alg type="composite">
+                <dgm:param type="vertAlign" val="t"/>
+                <dgm:param type="horzAlign" val="ctr"/>
+              </dgm:alg>
+              <dgm:shape xmlns:r="http://schemas.openxmlformats.org/officeDocument/2006/relationships" r:blip="">
+                <dgm:adjLst/>
+              </dgm:shape>
+              <dgm:presOf/>
+              <dgm:constrLst>
+                <dgm:constr type="userA"/>
+                <dgm:constr type="userB"/>
+                <dgm:constr type="l" for="ch" forName="vSp"/>
+                <dgm:constr type="t" for="ch" forName="vSp"/>
+                <dgm:constr type="h" for="ch" forName="vSp" refType="userB"/>
+                <dgm:constr type="hOff" for="ch" forName="vSp" refType="userA" fact="-0.2"/>
+              </dgm:constrLst>
+              <dgm:ruleLst/>
+              <dgm:layoutNode name="vSp">
+                <dgm:alg type="sp"/>
+                <dgm:shape xmlns:r="http://schemas.openxmlformats.org/officeDocument/2006/relationships" r:blip="">
+                  <dgm:adjLst/>
+                </dgm:shape>
+                <dgm:presOf/>
+                <dgm:constrLst/>
+                <dgm:ruleLst/>
+              </dgm:layoutNode>
+            </dgm:layoutNode>
+          </dgm:if>
+          <dgm:else name="Name32"/>
+        </dgm:choose>
+      </dgm:forEach>
+    </dgm:layoutNode>
+  </dgm:layoutNode>
+</dgm:layoutDef>
+</file>
+
+<file path=ppt/diagrams/layout2.xml><?xml version="1.0" encoding="utf-8"?>
+<dgm:layoutDef xmlns:dgm="http://schemas.openxmlformats.org/drawingml/2006/diagram" xmlns:a="http://schemas.openxmlformats.org/drawingml/2006/main" uniqueId="urn:microsoft.com/office/officeart/2008/layout/HorizontalMultiLevelHierarchy">
+  <dgm:title val=""/>
+  <dgm:desc val=""/>
+  <dgm:catLst>
+    <dgm:cat type="hierarchy" pri="4600"/>
+  </dgm:catLst>
+  <dgm:sampData>
+    <dgm:dataModel>
+      <dgm:ptLst>
+        <dgm:pt modelId="0" type="doc"/>
+        <dgm:pt modelId="1">
+          <dgm:prSet phldr="1"/>
+        </dgm:pt>
+        <dgm:pt modelId="11">
+          <dgm:prSet phldr="1"/>
+        </dgm:pt>
+        <dgm:pt modelId="12">
+          <dgm:prSet phldr="1"/>
+        </dgm:pt>
+        <dgm:pt modelId="13">
+          <dgm:prSet phldr="1"/>
+        </dgm:pt>
+      </dgm:ptLst>
+      <dgm:cxnLst>
+        <dgm:cxn modelId="2" srcId="0" destId="1" srcOrd="0" destOrd="0"/>
+        <dgm:cxn modelId="3" srcId="1" destId="11" srcOrd="0" destOrd="0"/>
+        <dgm:cxn modelId="4" srcId="1" destId="12" srcOrd="1" destOrd="0"/>
+        <dgm:cxn modelId="5" srcId="1" destId="13" srcOrd="2" destOrd="0"/>
+      </dgm:cxnLst>
+      <dgm:bg/>
+      <dgm:whole/>
+    </dgm:dataModel>
+  </dgm:sampData>
+  <dgm:styleData>
+    <dgm:dataModel>
+      <dgm:ptLst>
+        <dgm:pt modelId="0" type="doc"/>
+        <dgm:pt modelId="1">
+          <dgm:prSet phldr="1"/>
+        </dgm:pt>
+        <dgm:pt modelId="11">
+          <dgm:prSet phldr="1"/>
+        </dgm:pt>
+        <dgm:pt modelId="12">
+          <dgm:prSet phldr="1"/>
+        </dgm:pt>
+      </dgm:ptLst>
+      <dgm:cxnLst>
+        <dgm:cxn modelId="2" srcId="0" destId="1" srcOrd="0" destOrd="0"/>
+        <dgm:cxn modelId="3" srcId="1" destId="11" srcOrd="0" destOrd="0"/>
+        <dgm:cxn modelId="4" srcId="1" destId="12" srcOrd="1" destOrd="0"/>
+      </dgm:cxnLst>
+      <dgm:bg/>
+      <dgm:whole/>
+    </dgm:dataModel>
+  </dgm:styleData>
+  <dgm:clrData>
+    <dgm:dataModel>
+      <dgm:ptLst>
+        <dgm:pt modelId="0" type="doc"/>
+        <dgm:pt modelId="1">
+          <dgm:prSet phldr="1"/>
+        </dgm:pt>
+        <dgm:pt modelId="11">
+          <dgm:prSet phldr="1"/>
+        </dgm:pt>
+        <dgm:pt modelId="12">
+          <dgm:prSet phldr="1"/>
+        </dgm:pt>
+        <dgm:pt modelId="13">
+          <dgm:prSet phldr="1"/>
+        </dgm:pt>
+      </dgm:ptLst>
+      <dgm:cxnLst>
+        <dgm:cxn modelId="2" srcId="0" destId="1" srcOrd="0" destOrd="0"/>
+        <dgm:cxn modelId="3" srcId="1" destId="11" srcOrd="0" destOrd="0"/>
+        <dgm:cxn modelId="4" srcId="1" destId="12" srcOrd="1" destOrd="0"/>
+        <dgm:cxn modelId="5" srcId="1" destId="13" srcOrd="2" destOrd="0"/>
+      </dgm:cxnLst>
+      <dgm:bg/>
+      <dgm:whole/>
+    </dgm:dataModel>
+  </dgm:clrData>
+  <dgm:layoutNode name="Name0">
+    <dgm:varLst>
+      <dgm:chPref val="1"/>
+      <dgm:dir/>
+      <dgm:animOne val="branch"/>
+      <dgm:animLvl val="lvl"/>
+      <dgm:resizeHandles val="exact"/>
+    </dgm:varLst>
+    <dgm:choose name="Name1">
+      <dgm:if name="Name2" func="var" arg="dir" op="equ" val="norm">
+        <dgm:alg type="hierChild">
+          <dgm:param type="linDir" val="fromT"/>
+          <dgm:param type="chAlign" val="l"/>
+        </dgm:alg>
+      </dgm:if>
+      <dgm:else name="Name3">
+        <dgm:alg type="hierChild">
+          <dgm:param type="linDir" val="fromT"/>
+          <dgm:param type="chAlign" val="r"/>
+        </dgm:alg>
+      </dgm:else>
+    </dgm:choose>
+    <dgm:shape xmlns:r="http://schemas.openxmlformats.org/officeDocument/2006/relationships" r:blip="">
+      <dgm:adjLst/>
+    </dgm:shape>
+    <dgm:presOf/>
+    <dgm:constrLst>
+      <dgm:constr type="h" for="des" forName="LevelOneTextNode" refType="h"/>
+      <dgm:constr type="w" for="des" forName="LevelOneTextNode" refType="h" refFor="des" refForName="LevelOneTextNode" fact="0.19"/>
+      <dgm:constr type="h" for="des" forName="LevelTwoTextNode" refType="w" refFor="des" refForName="LevelOneTextNode"/>
+      <dgm:constr type="w" for="des" forName="LevelTwoTextNode" refType="h" refFor="des" refForName="LevelTwoTextNode" fact="3.28"/>
+      <dgm:constr type="sibSp" refType="h" refFor="des" refForName="LevelTwoTextNode" op="equ" fact="0.25"/>
+      <dgm:constr type="sibSp" for="des" forName="level2hierChild" refType="h" refFor="des" refForName="LevelTwoTextNode" op="equ" fact="0.25"/>
+      <dgm:constr type="sibSp" for="des" forName="level3hierChild" refType="h" refFor="des" refForName="LevelTwoTextNode" op="equ" fact="0.25"/>
+      <dgm:constr type="sp" for="des" forName="root1" refType="w" refFor="des" refForName="LevelTwoTextNode" fact="0.2"/>
+      <dgm:constr type="sp" for="des" forName="root2" refType="sp" refFor="des" refForName="root1" op="equ"/>
+      <dgm:constr type="primFontSz" for="des" forName="LevelOneTextNode" op="equ" val="65"/>
+      <dgm:constr type="primFontSz" for="des" forName="LevelTwoTextNode" op="equ" val="65"/>
+      <dgm:constr type="primFontSz" for="des" forName="LevelTwoTextNode" refType="primFontSz" refFor="des" refForName="LevelOneTextNode" op="lte"/>
+      <dgm:constr type="primFontSz" for="des" forName="connTx" op="equ" val="50"/>
+      <dgm:constr type="primFontSz" for="des" forName="connTx" refType="primFontSz" refFor="des" refForName="LevelOneTextNode" op="lte" fact="0.78"/>
+    </dgm:constrLst>
+    <dgm:forEach name="Name4" axis="ch">
+      <dgm:forEach name="Name5" axis="self" ptType="node">
+        <dgm:layoutNode name="root1">
+          <dgm:choose name="Name6">
+            <dgm:if name="Name7" func="var" arg="dir" op="equ" val="norm">
+              <dgm:alg type="hierRoot">
+                <dgm:param type="hierAlign" val="lCtrCh"/>
+              </dgm:alg>
+            </dgm:if>
+            <dgm:else name="Name8">
+              <dgm:alg type="hierRoot">
+                <dgm:param type="hierAlign" val="rCtrCh"/>
+              </dgm:alg>
+            </dgm:else>
+          </dgm:choose>
+          <dgm:shape xmlns:r="http://schemas.openxmlformats.org/officeDocument/2006/relationships" r:blip="">
+            <dgm:adjLst/>
+          </dgm:shape>
+          <dgm:presOf/>
+          <dgm:layoutNode name="LevelOneTextNode" styleLbl="node0">
+            <dgm:varLst>
+              <dgm:chPref val="3"/>
+            </dgm:varLst>
+            <dgm:alg type="tx">
+              <dgm:param type="autoTxRot" val="grav"/>
+            </dgm:alg>
+            <dgm:choose name="Name9">
+              <dgm:if name="Name10" func="var" arg="dir" op="equ" val="norm">
+                <dgm:shape xmlns:r="http://schemas.openxmlformats.org/officeDocument/2006/relationships" rot="270" type="rect" r:blip="">
+                  <dgm:adjLst/>
+                </dgm:shape>
+              </dgm:if>
+              <dgm:else name="Name11">
+                <dgm:shape xmlns:r="http://schemas.openxmlformats.org/officeDocument/2006/relationships" rot="90" type="rect" r:blip="">
+                  <dgm:adjLst/>
+                </dgm:shape>
+              </dgm:else>
+            </dgm:choose>
+            <dgm:presOf axis="self"/>
+            <dgm:constrLst>
+              <dgm:constr type="tMarg" refType="primFontSz" fact="0.05"/>
+              <dgm:constr type="bMarg" refType="primFontSz" fact="0.05"/>
+              <dgm:constr type="lMarg" refType="primFontSz" fact="0.05"/>
+              <dgm:constr type="rMarg" refType="primFontSz" fact="0.05"/>
+            </dgm:constrLst>
+            <dgm:ruleLst>
+              <dgm:rule type="primFontSz" val="2" fact="NaN" max="NaN"/>
+            </dgm:ruleLst>
+          </dgm:layoutNode>
+          <dgm:layoutNode name="level2hierChild">
+            <dgm:choose name="Name12">
+              <dgm:if name="Name13" func="var" arg="dir" op="equ" val="norm">
+                <dgm:alg type="hierChild">
+                  <dgm:param type="linDir" val="fromT"/>
+                  <dgm:param type="chAlign" val="l"/>
+                </dgm:alg>
+              </dgm:if>
+              <dgm:else name="Name14">
+                <dgm:alg type="hierChild">
+                  <dgm:param type="linDir" val="fromT"/>
+                  <dgm:param type="chAlign" val="r"/>
+                </dgm:alg>
+              </dgm:else>
+            </dgm:choose>
+            <dgm:shape xmlns:r="http://schemas.openxmlformats.org/officeDocument/2006/relationships" r:blip="">
+              <dgm:adjLst/>
+            </dgm:shape>
+            <dgm:presOf/>
+            <dgm:forEach name="repeat" axis="ch">
+              <dgm:forEach name="Name15" axis="self" ptType="parTrans" cnt="1">
+                <dgm:layoutNode name="conn2-1">
+                  <dgm:choose name="Name16">
+                    <dgm:if name="Name17" func="var" arg="dir" op="equ" val="norm">
+                      <dgm:alg type="conn">
+                        <dgm:param type="dim" val="1D"/>
+                        <dgm:param type="begPts" val="midR"/>
+                        <dgm:param type="endPts" val="midL"/>
+                        <dgm:param type="endSty" val="noArr"/>
+                        <dgm:param type="connRout" val="bend"/>
+                      </dgm:alg>
+                    </dgm:if>
+                    <dgm:else name="Name18">
+                      <dgm:alg type="conn">
+                        <dgm:param type="dim" val="1D"/>
+                        <dgm:param type="begPts" val="midL"/>
+                        <dgm:param type="endPts" val="midR"/>
+                        <dgm:param type="endSty" val="noArr"/>
+                        <dgm:param type="connRout" val="bend"/>
+                      </dgm:alg>
+                    </dgm:else>
+                  </dgm:choose>
+                  <dgm:shape xmlns:r="http://schemas.openxmlformats.org/officeDocument/2006/relationships" type="conn" r:blip="" zOrderOff="-99999">
+                    <dgm:adjLst/>
+                  </dgm:shape>
+                  <dgm:presOf axis="self"/>
+                  <dgm:constrLst>
+                    <dgm:constr type="w" val="1"/>
+                    <dgm:constr type="h" val="5"/>
+                    <dgm:constr type="connDist"/>
+                    <dgm:constr type="begPad"/>
+                    <dgm:constr type="endPad"/>
+                    <dgm:constr type="userA" for="ch" refType="connDist"/>
+                  </dgm:constrLst>
+                  <dgm:layoutNode name="connTx">
+                    <dgm:alg type="tx">
+                      <dgm:param type="autoTxRot" val="grav"/>
+                    </dgm:alg>
+                    <dgm:shape xmlns:r="http://schemas.openxmlformats.org/officeDocument/2006/relationships" type="rect" r:blip="" hideGeom="1">
+                      <dgm:adjLst/>
+                    </dgm:shape>
+                    <dgm:presOf axis="self"/>
+                    <dgm:constrLst>
+                      <dgm:constr type="userA"/>
+                      <dgm:constr type="w" refType="userA" fact="0.05"/>
+                      <dgm:constr type="h" refType="userA" fact="0.05"/>
+                      <dgm:constr type="lMarg" val="1"/>
+                      <dgm:constr type="rMarg" val="1"/>
+                      <dgm:constr type="tMarg"/>
+                      <dgm:constr type="bMarg"/>
+                    </dgm:constrLst>
+                    <dgm:ruleLst>
+                      <dgm:rule type="h" val="NaN" fact="0.25" max="NaN"/>
+                      <dgm:rule type="w" val="NaN" fact="0.8" max="NaN"/>
+                      <dgm:rule type="primFontSz" val="5" fact="NaN" max="NaN"/>
+                    </dgm:ruleLst>
+                  </dgm:layoutNode>
+                </dgm:layoutNode>
+              </dgm:forEach>
+              <dgm:forEach name="Name19" axis="self" ptType="node">
+                <dgm:layoutNode name="root2">
+                  <dgm:choose name="Name20">
+                    <dgm:if name="Name21" func="var" arg="dir" op="equ" val="norm">
+                      <dgm:alg type="hierRoot">
+                        <dgm:param type="hierAlign" val="lCtrCh"/>
+                      </dgm:alg>
+                    </dgm:if>
+                    <dgm:else name="Name22">
+                      <dgm:alg type="hierRoot">
+                        <dgm:param type="hierAlign" val="rCtrCh"/>
+                      </dgm:alg>
+                    </dgm:else>
+                  </dgm:choose>
+                  <dgm:shape xmlns:r="http://schemas.openxmlformats.org/officeDocument/2006/relationships" r:blip="">
+                    <dgm:adjLst/>
+                  </dgm:shape>
+                  <dgm:presOf/>
+                  <dgm:layoutNode name="LevelTwoTextNode">
+                    <dgm:varLst>
+                      <dgm:chPref val="3"/>
+                    </dgm:varLst>
+                    <dgm:alg type="tx"/>
+                    <dgm:shape xmlns:r="http://schemas.openxmlformats.org/officeDocument/2006/relationships" type="rect" r:blip="">
+                      <dgm:adjLst/>
+                    </dgm:shape>
+                    <dgm:presOf axis="self"/>
+                    <dgm:constrLst>
+                      <dgm:constr type="tMarg" refType="primFontSz" fact="0.05"/>
+                      <dgm:constr type="bMarg" refType="primFontSz" fact="0.05"/>
+                      <dgm:constr type="lMarg" refType="primFontSz" fact="0.05"/>
+                      <dgm:constr type="rMarg" refType="primFontSz" fact="0.05"/>
+                    </dgm:constrLst>
+                    <dgm:ruleLst>
+                      <dgm:rule type="primFontSz" val="2" fact="NaN" max="NaN"/>
+                    </dgm:ruleLst>
+                  </dgm:layoutNode>
+                  <dgm:layoutNode name="level3hierChild">
+                    <dgm:choose name="Name23">
+                      <dgm:if name="Name24" func="var" arg="dir" op="equ" val="norm">
+                        <dgm:alg type="hierChild">
+                          <dgm:param type="linDir" val="fromT"/>
+                          <dgm:param type="chAlign" val="l"/>
+                        </dgm:alg>
+                      </dgm:if>
+                      <dgm:else name="Name25">
+                        <dgm:alg type="hierChild">
+                          <dgm:param type="linDir" val="fromT"/>
+                          <dgm:param type="chAlign" val="r"/>
+                        </dgm:alg>
+                      </dgm:else>
+                    </dgm:choose>
+                    <dgm:shape xmlns:r="http://schemas.openxmlformats.org/officeDocument/2006/relationships" r:blip="">
+                      <dgm:adjLst/>
+                    </dgm:shape>
+                    <dgm:presOf/>
+                    <dgm:forEach name="Name26" ref="repeat"/>
+                  </dgm:layoutNode>
+                </dgm:layoutNode>
+              </dgm:forEach>
+            </dgm:forEach>
+          </dgm:layoutNode>
+        </dgm:layoutNode>
+      </dgm:forEach>
+    </dgm:forEach>
+  </dgm:layoutNode>
+</dgm:layoutDef>
+</file>
+
+<file path=ppt/diagrams/quickStyle1.xml><?xml version="1.0" encoding="utf-8"?>
+<dgm:styleDef xmlns:dgm="http://schemas.openxmlformats.org/drawingml/2006/diagram" xmlns:a="http://schemas.openxmlformats.org/drawingml/2006/main" uniqueId="urn:microsoft.com/office/officeart/2005/8/quickstyle/simple1">
+  <dgm:title val=""/>
+  <dgm:desc val=""/>
+  <dgm:catLst>
+    <dgm:cat type="simple" pri="10100"/>
+  </dgm:catLst>
+  <dgm:scene3d>
+    <a:camera prst="orthographicFront"/>
+    <a:lightRig rig="threePt" dir="t"/>
+  </dgm:scene3d>
+  <dgm:styleLbl name="node0">
+    <dgm:scene3d>
+      <a:camera prst="orthographicFront"/>
+      <a:lightRig rig="threePt" dir="t"/>
+    </dgm:scene3d>
+    <dgm:sp3d/>
+    <dgm:txPr/>
+    <dgm:style>
+      <a:lnRef idx="2">
+        <a:scrgbClr r="0" g="0" b="0"/>
+      </a:lnRef>
+      <a:fillRef idx="1">
+        <a:scrgbClr r="0" g="0" b="0"/>
+      </a:fillRef>
+      <a:effectRef idx="0">
+        <a:scrgbClr r="0" g="0" b="0"/>
+      </a:effectRef>
+      <a:fontRef idx="minor">
+        <a:schemeClr val="lt1"/>
+      </a:fontRef>
+    </dgm:style>
+  </dgm:styleLbl>
+  <dgm:styleLbl name="lnNode1">
+    <dgm:scene3d>
+      <a:camera prst="orthographicFront"/>
+      <a:lightRig rig="threePt" dir="t"/>
+    </dgm:scene3d>
+    <dgm:sp3d/>
+    <dgm:txPr/>
+    <dgm:style>
+      <a:lnRef idx="2">
+        <a:scrgbClr r="0" g="0" b="0"/>
+      </a:lnRef>
+      <a:fillRef idx="1">
+        <a:scrgbClr r="0" g="0" b="0"/>
+      </a:fillRef>
+      <a:effectRef idx="0">
+        <a:scrgbClr r="0" g="0" b="0"/>
+      </a:effectRef>
+      <a:fontRef idx="minor">
+        <a:schemeClr val="lt1"/>
+      </a:fontRef>
+    </dgm:style>
+  </dgm:styleLbl>
+  <dgm:styleLbl name="vennNode1">
+    <dgm:scene3d>
+      <a:camera prst="orthographicFront"/>
+      <a:lightRig rig="threePt" dir="t"/>
+    </dgm:scene3d>
+    <dgm:sp3d/>
+    <dgm:txPr/>
+    <dgm:style>
+      <a:lnRef idx="2">
+        <a:scrgbClr r="0" g="0" b="0"/>
+      </a:lnRef>
+      <a:fillRef idx="1">
+        <a:scrgbClr r="0" g="0" b="0"/>
+      </a:fillRef>
+      <a:effectRef idx="0">
+        <a:scrgbClr r="0" g="0" b="0"/>
+      </a:effectRef>
+      <a:fontRef idx="minor">
+        <a:schemeClr val="tx1"/>
+      </a:fontRef>
+    </dgm:style>
+  </dgm:styleLbl>
+  <dgm:styleLbl name="alignNode1">
+    <dgm:scene3d>
+      <a:camera prst="orthographicFront"/>
+      <a:lightRig rig="threePt" dir="t"/>
+    </dgm:scene3d>
+    <dgm:sp3d/>
+    <dgm:txPr/>
+    <dgm:style>
+      <a:lnRef idx="2">
+        <a:scrgbClr r="0" g="0" b="0"/>
+      </a:lnRef>
+      <a:fillRef idx="1">
+        <a:scrgbClr r="0" g="0" b="0"/>
+      </a:fillRef>
+      <a:effectRef idx="0">
+        <a:scrgbClr r="0" g="0" b="0"/>
+      </a:effectRef>
+      <a:fontRef idx="minor">
+        <a:schemeClr val="lt1"/>
+      </a:fontRef>
+    </dgm:style>
+  </dgm:styleLbl>
+  <dgm:styleLbl name="node1">
+    <dgm:scene3d>
+      <a:camera prst="orthographicFront"/>
+      <a:lightRig rig="threePt" dir="t"/>
+    </dgm:scene3d>
+    <dgm:sp3d/>
+    <dgm:txPr/>
+    <dgm:style>
+      <a:lnRef idx="2">
+        <a:scrgbClr r="0" g="0" b="0"/>
+      </a:lnRef>
+      <a:fillRef idx="1">
+        <a:scrgbClr r="0" g="0" b="0"/>
+      </a:fillRef>
+      <a:effectRef idx="0">
+        <a:scrgbClr r="0" g="0" b="0"/>
+      </a:effectRef>
+      <a:fontRef idx="minor">
+        <a:schemeClr val="lt1"/>
+      </a:fontRef>
+    </dgm:style>
+  </dgm:styleLbl>
+  <dgm:styleLbl name="node2">
+    <dgm:scene3d>
+      <a:camera prst="orthographicFront"/>
+      <a:lightRig rig="threePt" dir="t"/>
+    </dgm:scene3d>
+    <dgm:sp3d/>
+    <dgm:txPr/>
+    <dgm:style>
+      <a:lnRef idx="2">
+        <a:scrgbClr r="0" g="0" b="0"/>
+      </a:lnRef>
+      <a:fillRef idx="1">
+        <a:scrgbClr r="0" g="0" b="0"/>
+      </a:fillRef>
+      <a:effectRef idx="0">
+        <a:scrgbClr r="0" g="0" b="0"/>
+      </a:effectRef>
+      <a:fontRef idx="minor">
+        <a:schemeClr val="lt1"/>
+      </a:fontRef>
+    </dgm:style>
+  </dgm:styleLbl>
+  <dgm:styleLbl name="node3">
+    <dgm:scene3d>
+      <a:camera prst="orthographicFront"/>
+      <a:lightRig rig="threePt" dir="t"/>
+    </dgm:scene3d>
+    <dgm:sp3d/>
+    <dgm:txPr/>
+    <dgm:style>
+      <a:lnRef idx="2">
+        <a:scrgbClr r="0" g="0" b="0"/>
+      </a:lnRef>
+      <a:fillRef idx="1">
+        <a:scrgbClr r="0" g="0" b="0"/>
+      </a:fillRef>
+      <a:effectRef idx="0">
+        <a:scrgbClr r="0" g="0" b="0"/>
+      </a:effectRef>
+      <a:fontRef idx="minor">
+        <a:schemeClr val="lt1"/>
+      </a:fontRef>
+    </dgm:style>
+  </dgm:styleLbl>
+  <dgm:styleLbl name="node4">
+    <dgm:scene3d>
+      <a:camera prst="orthographicFront"/>
+      <a:lightRig rig="threePt" dir="t"/>
+    </dgm:scene3d>
+    <dgm:sp3d/>
+    <dgm:txPr/>
+    <dgm:style>
+      <a:lnRef idx="2">
+        <a:scrgbClr r="0" g="0" b="0"/>
+      </a:lnRef>
+      <a:fillRef idx="1">
+        <a:scrgbClr r="0" g="0" b="0"/>
+      </a:fillRef>
+      <a:effectRef idx="0">
+        <a:scrgbClr r="0" g="0" b="0"/>
+      </a:effectRef>
+      <a:fontRef idx="minor">
+        <a:schemeClr val="lt1"/>
+      </a:fontRef>
+    </dgm:style>
+  </dgm:styleLbl>
+  <dgm:styleLbl name="fgImgPlace1">
+    <dgm:scene3d>
+      <a:camera prst="orthographicFront"/>
+      <a:lightRig rig="threePt" dir="t"/>
+    </dgm:scene3d>
+    <dgm:sp3d/>
+    <dgm:txPr/>
+    <dgm:style>
+      <a:lnRef idx="2">
+        <a:scrgbClr r="0" g="0" b="0"/>
+      </a:lnRef>
+      <a:fillRef idx="1">
+        <a:scrgbClr r="0" g="0" b="0"/>
+      </a:fillRef>
+      <a:effectRef idx="0">
+        <a:scrgbClr r="0" g="0" b="0"/>
+      </a:effectRef>
+      <a:fontRef idx="minor"/>
+    </dgm:style>
+  </dgm:styleLbl>
+  <dgm:styleLbl name="alignImgPlace1">
+    <dgm:scene3d>
+      <a:camera prst="orthographicFront"/>
+      <a:lightRig rig="threePt" dir="t"/>
+    </dgm:scene3d>
+    <dgm:sp3d/>
+    <dgm:txPr/>
+    <dgm:style>
+      <a:lnRef idx="2">
+        <a:scrgbClr r="0" g="0" b="0"/>
+      </a:lnRef>
+      <a:fillRef idx="1">
+        <a:scrgbClr r="0" g="0" b="0"/>
+      </a:fillRef>
+      <a:effectRef idx="0">
+        <a:scrgbClr r="0" g="0" b="0"/>
+      </a:effectRef>
+      <a:fontRef idx="minor"/>
+    </dgm:style>
+  </dgm:styleLbl>
+  <dgm:styleLbl name="bgImgPlace1">
+    <dgm:scene3d>
+      <a:camera prst="orthographicFront"/>
+      <a:lightRig rig="threePt" dir="t"/>
+    </dgm:scene3d>
+    <dgm:sp3d/>
+    <dgm:txPr/>
+    <dgm:style>
+      <a:lnRef idx="2">
+        <a:scrgbClr r="0" g="0" b="0"/>
+      </a:lnRef>
+      <a:fillRef idx="1">
+        <a:scrgbClr r="0" g="0" b="0"/>
+      </a:fillRef>
+      <a:effectRef idx="0">
+        <a:scrgbClr r="0" g="0" b="0"/>
+      </a:effectRef>
+      <a:fontRef idx="minor"/>
+    </dgm:style>
+  </dgm:styleLbl>
+  <dgm:styleLbl name="sibTrans2D1">
+    <dgm:scene3d>
+      <a:camera prst="orthographicFront"/>
+      <a:lightRig rig="threePt" dir="t"/>
+    </dgm:scene3d>
+    <dgm:sp3d/>
+    <dgm:txPr/>
+    <dgm:style>
+      <a:lnRef idx="0">
+        <a:scrgbClr r="0" g="0" b="0"/>
+      </a:lnRef>
+      <a:fillRef idx="1">
+        <a:scrgbClr r="0" g="0" b="0"/>
+      </a:fillRef>
+      <a:effectRef idx="0">
+        <a:scrgbClr r="0" g="0" b="0"/>
+      </a:effectRef>
+      <a:fontRef idx="minor">
+        <a:schemeClr val="lt1"/>
+      </a:fontRef>
+    </dgm:style>
+  </dgm:styleLbl>
+  <dgm:styleLbl name="fgSibTrans2D1">
+    <dgm:scene3d>
+      <a:camera prst="orthographicFront"/>
+      <a:lightRig rig="threePt" dir="t"/>
+    </dgm:scene3d>
+    <dgm:sp3d/>
+    <dgm:txPr/>
+    <dgm:style>
+      <a:lnRef idx="0">
+        <a:scrgbClr r="0" g="0" b="0"/>
+      </a:lnRef>
+      <a:fillRef idx="1">
+        <a:scrgbClr r="0" g="0" b="0"/>
+      </a:fillRef>
+      <a:effectRef idx="0">
+        <a:scrgbClr r="0" g="0" b="0"/>
+      </a:effectRef>
+      <a:fontRef idx="minor">
+        <a:schemeClr val="lt1"/>
+      </a:fontRef>
+    </dgm:style>
+  </dgm:styleLbl>
+  <dgm:styleLbl name="bgSibTrans2D1">
+    <dgm:scene3d>
+      <a:camera prst="orthographicFront"/>
+      <a:lightRig rig="threePt" dir="t"/>
+    </dgm:scene3d>
+    <dgm:sp3d/>
+    <dgm:txPr/>
+    <dgm:style>
+      <a:lnRef idx="0">
+        <a:scrgbClr r="0" g="0" b="0"/>
+      </a:lnRef>
+      <a:fillRef idx="1">
+        <a:scrgbClr r="0" g="0" b="0"/>
+      </a:fillRef>
+      <a:effectRef idx="0">
+        <a:scrgbClr r="0" g="0" b="0"/>
+      </a:effectRef>
+      <a:fontRef idx="minor">
+        <a:schemeClr val="lt1"/>
+      </a:fontRef>
+    </dgm:style>
+  </dgm:styleLbl>
+  <dgm:styleLbl name="sibTrans1D1">
+    <dgm:scene3d>
+      <a:camera prst="orthographicFront"/>
+      <a:lightRig rig="threePt" dir="t"/>
+    </dgm:scene3d>
+    <dgm:sp3d/>
+    <dgm:txPr/>
+    <dgm:style>
+      <a:lnRef idx="1">
+        <a:scrgbClr r="0" g="0" b="0"/>
+      </a:lnRef>
+      <a:fillRef idx="0">
+        <a:scrgbClr r="0" g="0" b="0"/>
+      </a:fillRef>
+      <a:effectRef idx="0">
+        <a:scrgbClr r="0" g="0" b="0"/>
+      </a:effectRef>
+      <a:fontRef idx="minor"/>
+    </dgm:style>
+  </dgm:styleLbl>
+  <dgm:styleLbl name="callout">
+    <dgm:scene3d>
+      <a:camera prst="orthographicFront"/>
+      <a:lightRig rig="threePt" dir="t"/>
+    </dgm:scene3d>
+    <dgm:sp3d/>
+    <dgm:txPr/>
+    <dgm:style>
+      <a:lnRef idx="2">
+        <a:scrgbClr r="0" g="0" b="0"/>
+      </a:lnRef>
+      <a:fillRef idx="1">
+        <a:scrgbClr r="0" g="0" b="0"/>
+      </a:fillRef>
+      <a:effectRef idx="0">
+        <a:scrgbClr r="0" g="0" b="0"/>
+      </a:effectRef>
+      <a:fontRef idx="minor"/>
+    </dgm:style>
+  </dgm:styleLbl>
+  <dgm:styleLbl name="asst0">
+    <dgm:scene3d>
+      <a:camera prst="orthographicFront"/>
+      <a:lightRig rig="threePt" dir="t"/>
+    </dgm:scene3d>
+    <dgm:sp3d/>
+    <dgm:txPr/>
+    <dgm:style>
+      <a:lnRef idx="2">
+        <a:scrgbClr r="0" g="0" b="0"/>
+      </a:lnRef>
+      <a:fillRef idx="1">
+        <a:scrgbClr r="0" g="0" b="0"/>
+      </a:fillRef>
+      <a:effectRef idx="0">
+        <a:scrgbClr r="0" g="0" b="0"/>
+      </a:effectRef>
+      <a:fontRef idx="minor">
+        <a:schemeClr val="lt1"/>
+      </a:fontRef>
+    </dgm:style>
+  </dgm:styleLbl>
+  <dgm:styleLbl name="asst1">
+    <dgm:scene3d>
+      <a:camera prst="orthographicFront"/>
+      <a:lightRig rig="threePt" dir="t"/>
+    </dgm:scene3d>
+    <dgm:sp3d/>
+    <dgm:txPr/>
+    <dgm:style>
+      <a:lnRef idx="2">
+        <a:scrgbClr r="0" g="0" b="0"/>
+      </a:lnRef>
+      <a:fillRef idx="1">
+        <a:scrgbClr r="0" g="0" b="0"/>
+      </a:fillRef>
+      <a:effectRef idx="0">
+        <a:scrgbClr r="0" g="0" b="0"/>
+      </a:effectRef>
+      <a:fontRef idx="minor">
+        <a:schemeClr val="lt1"/>
+      </a:fontRef>
+    </dgm:style>
+  </dgm:styleLbl>
+  <dgm:styleLbl name="asst2">
+    <dgm:scene3d>
+      <a:camera prst="orthographicFront"/>
+      <a:lightRig rig="threePt" dir="t"/>
+    </dgm:scene3d>
+    <dgm:sp3d/>
+    <dgm:txPr/>
+    <dgm:style>
+      <a:lnRef idx="2">
+        <a:scrgbClr r="0" g="0" b="0"/>
+      </a:lnRef>
+      <a:fillRef idx="1">
+        <a:scrgbClr r="0" g="0" b="0"/>
+      </a:fillRef>
+      <a:effectRef idx="0">
+        <a:scrgbClr r="0" g="0" b="0"/>
+      </a:effectRef>
+      <a:fontRef idx="minor">
+        <a:schemeClr val="lt1"/>
+      </a:fontRef>
+    </dgm:style>
+  </dgm:styleLbl>
+  <dgm:styleLbl name="asst3">
+    <dgm:scene3d>
+      <a:camera prst="orthographicFront"/>
+      <a:lightRig rig="threePt" dir="t"/>
+    </dgm:scene3d>
+    <dgm:sp3d/>
+    <dgm:txPr/>
+    <dgm:style>
+      <a:lnRef idx="2">
+        <a:scrgbClr r="0" g="0" b="0"/>
+      </a:lnRef>
+      <a:fillRef idx="1">
+        <a:scrgbClr r="0" g="0" b="0"/>
+      </a:fillRef>
+      <a:effectRef idx="0">
+        <a:scrgbClr r="0" g="0" b="0"/>
+      </a:effectRef>
+      <a:fontRef idx="minor">
+        <a:schemeClr val="lt1"/>
+      </a:fontRef>
+    </dgm:style>
+  </dgm:styleLbl>
+  <dgm:styleLbl name="asst4">
+    <dgm:scene3d>
+      <a:camera prst="orthographicFront"/>
+      <a:lightRig rig="threePt" dir="t"/>
+    </dgm:scene3d>
+    <dgm:sp3d/>
+    <dgm:txPr/>
+    <dgm:style>
+      <a:lnRef idx="2">
+        <a:scrgbClr r="0" g="0" b="0"/>
+      </a:lnRef>
+      <a:fillRef idx="1">
+        <a:scrgbClr r="0" g="0" b="0"/>
+      </a:fillRef>
+      <a:effectRef idx="0">
+        <a:scrgbClr r="0" g="0" b="0"/>
+      </a:effectRef>
+      <a:fontRef idx="minor">
+        <a:schemeClr val="lt1"/>
+      </a:fontRef>
+    </dgm:style>
+  </dgm:styleLbl>
+  <dgm:styleLbl name="parChTrans2D1">
+    <dgm:scene3d>
+      <a:camera prst="orthographicFront"/>
+      <a:lightRig rig="threePt" dir="t"/>
+    </dgm:scene3d>
+    <dgm:sp3d/>
+    <dgm:txPr/>
+    <dgm:style>
+      <a:lnRef idx="2">
+        <a:scrgbClr r="0" g="0" b="0"/>
+      </a:lnRef>
+      <a:fillRef idx="1">
+        <a:scrgbClr r="0" g="0" b="0"/>
+      </a:fillRef>
+      <a:effectRef idx="0">
+        <a:scrgbClr r="0" g="0" b="0"/>
+      </a:effectRef>
+      <a:fontRef idx="minor">
+        <a:schemeClr val="lt1"/>
+      </a:fontRef>
+    </dgm:style>
+  </dgm:styleLbl>
+  <dgm:styleLbl name="parChTrans2D2">
+    <dgm:scene3d>
+      <a:camera prst="orthographicFront"/>
+      <a:lightRig rig="threePt" dir="t"/>
+    </dgm:scene3d>
+    <dgm:sp3d/>
+    <dgm:txPr/>
+    <dgm:style>
+      <a:lnRef idx="2">
+        <a:scrgbClr r="0" g="0" b="0"/>
+      </a:lnRef>
+      <a:fillRef idx="1">
+        <a:scrgbClr r="0" g="0" b="0"/>
+      </a:fillRef>
+      <a:effectRef idx="0">
+        <a:scrgbClr r="0" g="0" b="0"/>
+      </a:effectRef>
+      <a:fontRef idx="minor">
+        <a:schemeClr val="lt1"/>
+      </a:fontRef>
+    </dgm:style>
+  </dgm:styleLbl>
+  <dgm:styleLbl name="parChTrans2D3">
+    <dgm:scene3d>
+      <a:camera prst="orthographicFront"/>
+      <a:lightRig rig="threePt" dir="t"/>
+    </dgm:scene3d>
+    <dgm:sp3d/>
+    <dgm:txPr/>
+    <dgm:style>
+      <a:lnRef idx="2">
+        <a:scrgbClr r="0" g="0" b="0"/>
+      </a:lnRef>
+      <a:fillRef idx="1">
+        <a:scrgbClr r="0" g="0" b="0"/>
+      </a:fillRef>
+      <a:effectRef idx="0">
+        <a:scrgbClr r="0" g="0" b="0"/>
+      </a:effectRef>
+      <a:fontRef idx="minor">
+        <a:schemeClr val="lt1"/>
+      </a:fontRef>
+    </dgm:style>
+  </dgm:styleLbl>
+  <dgm:styleLbl name="parChTrans2D4">
+    <dgm:scene3d>
+      <a:camera prst="orthographicFront"/>
+      <a:lightRig rig="threePt" dir="t"/>
+    </dgm:scene3d>
+    <dgm:sp3d/>
+    <dgm:txPr/>
+    <dgm:style>
+      <a:lnRef idx="2">
+        <a:scrgbClr r="0" g="0" b="0"/>
+      </a:lnRef>
+      <a:fillRef idx="1">
+        <a:scrgbClr r="0" g="0" b="0"/>
+      </a:fillRef>
+      <a:effectRef idx="0">
+        <a:scrgbClr r="0" g="0" b="0"/>
+      </a:effectRef>
+      <a:fontRef idx="minor">
+        <a:schemeClr val="lt1"/>
+      </a:fontRef>
+    </dgm:style>
+  </dgm:styleLbl>
+  <dgm:styleLbl name="parChTrans1D1">
+    <dgm:scene3d>
+      <a:camera prst="orthographicFront"/>
+      <a:lightRig rig="threePt" dir="t"/>
+    </dgm:scene3d>
+    <dgm:sp3d/>
+    <dgm:txPr/>
+    <dgm:style>
+      <a:lnRef idx="2">
+        <a:scrgbClr r="0" g="0" b="0"/>
+      </a:lnRef>
+      <a:fillRef idx="0">
+        <a:scrgbClr r="0" g="0" b="0"/>
+      </a:fillRef>
+      <a:effectRef idx="0">
+        <a:scrgbClr r="0" g="0" b="0"/>
+      </a:effectRef>
+      <a:fontRef idx="minor"/>
+    </dgm:style>
+  </dgm:styleLbl>
+  <dgm:styleLbl name="parChTrans1D2">
+    <dgm:scene3d>
+      <a:camera prst="orthographicFront"/>
+      <a:lightRig rig="threePt" dir="t"/>
+    </dgm:scene3d>
+    <dgm:sp3d/>
+    <dgm:txPr/>
+    <dgm:style>
+      <a:lnRef idx="2">
+        <a:scrgbClr r="0" g="0" b="0"/>
+      </a:lnRef>
+      <a:fillRef idx="0">
+        <a:scrgbClr r="0" g="0" b="0"/>
+      </a:fillRef>
+      <a:effectRef idx="0">
+        <a:scrgbClr r="0" g="0" b="0"/>
+      </a:effectRef>
+      <a:fontRef idx="minor"/>
+    </dgm:style>
+  </dgm:styleLbl>
+  <dgm:styleLbl name="parChTrans1D3">
+    <dgm:scene3d>
+      <a:camera prst="orthographicFront"/>
+      <a:lightRig rig="threePt" dir="t"/>
+    </dgm:scene3d>
+    <dgm:sp3d/>
+    <dgm:txPr/>
+    <dgm:style>
+      <a:lnRef idx="2">
+        <a:scrgbClr r="0" g="0" b="0"/>
+      </a:lnRef>
+      <a:fillRef idx="0">
+        <a:scrgbClr r="0" g="0" b="0"/>
+      </a:fillRef>
+      <a:effectRef idx="0">
+        <a:scrgbClr r="0" g="0" b="0"/>
+      </a:effectRef>
+      <a:fontRef idx="minor"/>
+    </dgm:style>
+  </dgm:styleLbl>
+  <dgm:styleLbl name="parChTrans1D4">
+    <dgm:scene3d>
+      <a:camera prst="orthographicFront"/>
+      <a:lightRig rig="threePt" dir="t"/>
+    </dgm:scene3d>
+    <dgm:sp3d/>
+    <dgm:txPr/>
+    <dgm:style>
+      <a:lnRef idx="2">
+        <a:scrgbClr r="0" g="0" b="0"/>
+      </a:lnRef>
+      <a:fillRef idx="0">
+        <a:scrgbClr r="0" g="0" b="0"/>
+      </a:fillRef>
+      <a:effectRef idx="0">
+        <a:scrgbClr r="0" g="0" b="0"/>
+      </a:effectRef>
+      <a:fontRef idx="minor"/>
+    </dgm:style>
+  </dgm:styleLbl>
+  <dgm:styleLbl name="fgAcc1">
+    <dgm:scene3d>
+      <a:camera prst="orthographicFront"/>
+      <a:lightRig rig="threePt" dir="t"/>
+    </dgm:scene3d>
+    <dgm:sp3d/>
+    <dgm:txPr/>
+    <dgm:style>
+      <a:lnRef idx="2">
+        <a:scrgbClr r="0" g="0" b="0"/>
+      </a:lnRef>
+      <a:fillRef idx="1">
+        <a:scrgbClr r="0" g="0" b="0"/>
+      </a:fillRef>
+      <a:effectRef idx="0">
+        <a:scrgbClr r="0" g="0" b="0"/>
+      </a:effectRef>
+      <a:fontRef idx="minor"/>
+    </dgm:style>
+  </dgm:styleLbl>
+  <dgm:styleLbl name="conFgAcc1">
+    <dgm:scene3d>
+      <a:camera prst="orthographicFront"/>
+      <a:lightRig rig="threePt" dir="t"/>
+    </dgm:scene3d>
+    <dgm:sp3d/>
+    <dgm:txPr/>
+    <dgm:style>
+      <a:lnRef idx="2">
+        <a:scrgbClr r="0" g="0" b="0"/>
+      </a:lnRef>
+      <a:fillRef idx="1">
+        <a:scrgbClr r="0" g="0" b="0"/>
+      </a:fillRef>
+      <a:effectRef idx="0">
+        <a:scrgbClr r="0" g="0" b="0"/>
+      </a:effectRef>
+      <a:fontRef idx="minor"/>
+    </dgm:style>
+  </dgm:styleLbl>
+  <dgm:styleLbl name="alignAcc1">
+    <dgm:scene3d>
+      <a:camera prst="orthographicFront"/>
+      <a:lightRig rig="threePt" dir="t"/>
+    </dgm:scene3d>
+    <dgm:sp3d/>
+    <dgm:txPr/>
+    <dgm:style>
+      <a:lnRef idx="2">
+        <a:scrgbClr r="0" g="0" b="0"/>
+      </a:lnRef>
+      <a:fillRef idx="1">
+        <a:scrgbClr r="0" g="0" b="0"/>
+      </a:fillRef>
+      <a:effectRef idx="0">
+        <a:scrgbClr r="0" g="0" b="0"/>
+      </a:effectRef>
+      <a:fontRef idx="minor"/>
+    </dgm:style>
+  </dgm:styleLbl>
+  <dgm:styleLbl name="trAlignAcc1">
+    <dgm:scene3d>
+      <a:camera prst="orthographicFront"/>
+      <a:lightRig rig="threePt" dir="t"/>
+    </dgm:scene3d>
+    <dgm:sp3d/>
+    <dgm:txPr/>
+    <dgm:style>
+      <a:lnRef idx="1">
+        <a:scrgbClr r="0" g="0" b="0"/>
+      </a:lnRef>
+      <a:fillRef idx="1">
+        <a:scrgbClr r="0" g="0" b="0"/>
+      </a:fillRef>
+      <a:effectRef idx="0">
+        <a:scrgbClr r="0" g="0" b="0"/>
+      </a:effectRef>
+      <a:fontRef idx="minor"/>
+    </dgm:style>
+  </dgm:styleLbl>
+  <dgm:styleLbl name="bgAcc1">
+    <dgm:scene3d>
+      <a:camera prst="orthographicFront"/>
+      <a:lightRig rig="threePt" dir="t"/>
+    </dgm:scene3d>
+    <dgm:sp3d/>
+    <dgm:txPr/>
+    <dgm:style>
+      <a:lnRef idx="2">
+        <a:scrgbClr r="0" g="0" b="0"/>
+      </a:lnRef>
+      <a:fillRef idx="1">
+        <a:scrgbClr r="0" g="0" b="0"/>
+      </a:fillRef>
+      <a:effectRef idx="0">
+        <a:scrgbClr r="0" g="0" b="0"/>
+      </a:effectRef>
+      <a:fontRef idx="minor"/>
+    </dgm:style>
+  </dgm:styleLbl>
+  <dgm:styleLbl name="solidFgAcc1">
+    <dgm:scene3d>
+      <a:camera prst="orthographicFront"/>
+      <a:lightRig rig="threePt" dir="t"/>
+    </dgm:scene3d>
+    <dgm:sp3d/>
+    <dgm:txPr/>
+    <dgm:style>
+      <a:lnRef idx="2">
+        <a:scrgbClr r="0" g="0" b="0"/>
+      </a:lnRef>
+      <a:fillRef idx="1">
+        <a:scrgbClr r="0" g="0" b="0"/>
+      </a:fillRef>
+      <a:effectRef idx="0">
+        <a:scrgbClr r="0" g="0" b="0"/>
+      </a:effectRef>
+      <a:fontRef idx="minor"/>
+    </dgm:style>
+  </dgm:styleLbl>
+  <dgm:styleLbl name="solidAlignAcc1">
+    <dgm:scene3d>
+      <a:camera prst="orthographicFront"/>
+      <a:lightRig rig="threePt" dir="t"/>
+    </dgm:scene3d>
+    <dgm:sp3d/>
+    <dgm:txPr/>
+    <dgm:style>
+      <a:lnRef idx="2">
+        <a:scrgbClr r="0" g="0" b="0"/>
+      </a:lnRef>
+      <a:fillRef idx="1">
+        <a:scrgbClr r="0" g="0" b="0"/>
+      </a:fillRef>
+      <a:effectRef idx="0">
+        <a:scrgbClr r="0" g="0" b="0"/>
+      </a:effectRef>
+      <a:fontRef idx="minor"/>
+    </dgm:style>
+  </dgm:styleLbl>
+  <dgm:styleLbl name="solidBgAcc1">
+    <dgm:scene3d>
+      <a:camera prst="orthographicFront"/>
+      <a:lightRig rig="threePt" dir="t"/>
+    </dgm:scene3d>
+    <dgm:sp3d/>
+    <dgm:txPr/>
+    <dgm:style>
+      <a:lnRef idx="2">
+        <a:scrgbClr r="0" g="0" b="0"/>
+      </a:lnRef>
+      <a:fillRef idx="1">
+        <a:scrgbClr r="0" g="0" b="0"/>
+      </a:fillRef>
+      <a:effectRef idx="0">
+        <a:scrgbClr r="0" g="0" b="0"/>
+      </a:effectRef>
+      <a:fontRef idx="minor"/>
+    </dgm:style>
+  </dgm:styleLbl>
+  <dgm:styleLbl name="fgAccFollowNode1">
+    <dgm:scene3d>
+      <a:camera prst="orthographicFront"/>
+      <a:lightRig rig="threePt" dir="t"/>
+    </dgm:scene3d>
+    <dgm:sp3d/>
+    <dgm:txPr/>
+    <dgm:style>
+      <a:lnRef idx="2">
+        <a:scrgbClr r="0" g="0" b="0"/>
+      </a:lnRef>
+      <a:fillRef idx="1">
+        <a:scrgbClr r="0" g="0" b="0"/>
+      </a:fillRef>
+      <a:effectRef idx="0">
+        <a:scrgbClr r="0" g="0" b="0"/>
+      </a:effectRef>
+      <a:fontRef idx="minor"/>
+    </dgm:style>
+  </dgm:styleLbl>
+  <dgm:styleLbl name="alignAccFollowNode1">
+    <dgm:scene3d>
+      <a:camera prst="orthographicFront"/>
+      <a:lightRig rig="threePt" dir="t"/>
+    </dgm:scene3d>
+    <dgm:sp3d/>
+    <dgm:txPr/>
+    <dgm:style>
+      <a:lnRef idx="2">
+        <a:scrgbClr r="0" g="0" b="0"/>
+      </a:lnRef>
+      <a:fillRef idx="1">
+        <a:scrgbClr r="0" g="0" b="0"/>
+      </a:fillRef>
+      <a:effectRef idx="0">
+        <a:scrgbClr r="0" g="0" b="0"/>
+      </a:effectRef>
+      <a:fontRef idx="minor"/>
+    </dgm:style>
+  </dgm:styleLbl>
+  <dgm:styleLbl name="bgAccFollowNode1">
+    <dgm:scene3d>
+      <a:camera prst="orthographicFront"/>
+      <a:lightRig rig="threePt" dir="t"/>
+    </dgm:scene3d>
+    <dgm:sp3d/>
+    <dgm:txPr/>
+    <dgm:style>
+      <a:lnRef idx="2">
+        <a:scrgbClr r="0" g="0" b="0"/>
+      </a:lnRef>
+      <a:fillRef idx="1">
+        <a:scrgbClr r="0" g="0" b="0"/>
+      </a:fillRef>
+      <a:effectRef idx="0">
+        <a:scrgbClr r="0" g="0" b="0"/>
+      </a:effectRef>
+      <a:fontRef idx="minor"/>
+    </dgm:style>
+  </dgm:styleLbl>
+  <dgm:styleLbl name="fgAcc0">
+    <dgm:scene3d>
+      <a:camera prst="orthographicFront"/>
+      <a:lightRig rig="threePt" dir="t"/>
+    </dgm:scene3d>
+    <dgm:sp3d/>
+    <dgm:txPr/>
+    <dgm:style>
+      <a:lnRef idx="2">
+        <a:scrgbClr r="0" g="0" b="0"/>
+      </a:lnRef>
+      <a:fillRef idx="1">
+        <a:scrgbClr r="0" g="0" b="0"/>
+      </a:fillRef>
+      <a:effectRef idx="0">
+        <a:scrgbClr r="0" g="0" b="0"/>
+      </a:effectRef>
+      <a:fontRef idx="minor"/>
+    </dgm:style>
+  </dgm:styleLbl>
+  <dgm:styleLbl name="fgAcc2">
+    <dgm:scene3d>
+      <a:camera prst="orthographicFront"/>
+      <a:lightRig rig="threePt" dir="t"/>
+    </dgm:scene3d>
+    <dgm:sp3d/>
+    <dgm:txPr/>
+    <dgm:style>
+      <a:lnRef idx="2">
+        <a:scrgbClr r="0" g="0" b="0"/>
+      </a:lnRef>
+      <a:fillRef idx="1">
+        <a:scrgbClr r="0" g="0" b="0"/>
+      </a:fillRef>
+      <a:effectRef idx="0">
+        <a:scrgbClr r="0" g="0" b="0"/>
+      </a:effectRef>
+      <a:fontRef idx="minor"/>
+    </dgm:style>
+  </dgm:styleLbl>
+  <dgm:styleLbl name="fgAcc3">
+    <dgm:scene3d>
+      <a:camera prst="orthographicFront"/>
+      <a:lightRig rig="threePt" dir="t"/>
+    </dgm:scene3d>
+    <dgm:sp3d/>
+    <dgm:txPr/>
+    <dgm:style>
+      <a:lnRef idx="2">
+        <a:scrgbClr r="0" g="0" b="0"/>
+      </a:lnRef>
+      <a:fillRef idx="1">
+        <a:scrgbClr r="0" g="0" b="0"/>
+      </a:fillRef>
+      <a:effectRef idx="0">
+        <a:scrgbClr r="0" g="0" b="0"/>
+      </a:effectRef>
+      <a:fontRef idx="minor"/>
+    </dgm:style>
+  </dgm:styleLbl>
+  <dgm:styleLbl name="fgAcc4">
+    <dgm:scene3d>
+      <a:camera prst="orthographicFront"/>
+      <a:lightRig rig="threePt" dir="t"/>
+    </dgm:scene3d>
+    <dgm:sp3d/>
+    <dgm:txPr/>
+    <dgm:style>
+      <a:lnRef idx="2">
+        <a:scrgbClr r="0" g="0" b="0"/>
+      </a:lnRef>
+      <a:fillRef idx="1">
+        <a:scrgbClr r="0" g="0" b="0"/>
+      </a:fillRef>
+      <a:effectRef idx="0">
+        <a:scrgbClr r="0" g="0" b="0"/>
+      </a:effectRef>
+      <a:fontRef idx="minor"/>
+    </dgm:style>
+  </dgm:styleLbl>
+  <dgm:styleLbl name="bgShp">
+    <dgm:scene3d>
+      <a:camera prst="orthographicFront"/>
+      <a:lightRig rig="threePt" dir="t"/>
+    </dgm:scene3d>
+    <dgm:sp3d/>
+    <dgm:txPr/>
+    <dgm:style>
+      <a:lnRef idx="0">
+        <a:scrgbClr r="0" g="0" b="0"/>
+      </a:lnRef>
+      <a:fillRef idx="1">
+        <a:scrgbClr r="0" g="0" b="0"/>
+      </a:fillRef>
+      <a:effectRef idx="0">
+        <a:scrgbClr r="0" g="0" b="0"/>
+      </a:effectRef>
+      <a:fontRef idx="minor"/>
+    </dgm:style>
+  </dgm:styleLbl>
+  <dgm:styleLbl name="dkBgShp">
+    <dgm:scene3d>
+      <a:camera prst="orthographicFront"/>
+      <a:lightRig rig="threePt" dir="t"/>
+    </dgm:scene3d>
+    <dgm:sp3d/>
+    <dgm:txPr/>
+    <dgm:style>
+      <a:lnRef idx="0">
+        <a:scrgbClr r="0" g="0" b="0"/>
+      </a:lnRef>
+      <a:fillRef idx="1">
+        <a:scrgbClr r="0" g="0" b="0"/>
+      </a:fillRef>
+      <a:effectRef idx="0">
+        <a:scrgbClr r="0" g="0" b="0"/>
+      </a:effectRef>
+      <a:fontRef idx="minor"/>
+    </dgm:style>
+  </dgm:styleLbl>
+  <dgm:styleLbl name="trBgShp">
+    <dgm:scene3d>
+      <a:camera prst="orthographicFront"/>
+      <a:lightRig rig="threePt" dir="t"/>
+    </dgm:scene3d>
+    <dgm:sp3d/>
+    <dgm:txPr/>
+    <dgm:style>
+      <a:lnRef idx="0">
+        <a:scrgbClr r="0" g="0" b="0"/>
+      </a:lnRef>
+      <a:fillRef idx="1">
+        <a:scrgbClr r="0" g="0" b="0"/>
+      </a:fillRef>
+      <a:effectRef idx="0">
+        <a:scrgbClr r="0" g="0" b="0"/>
+      </a:effectRef>
+      <a:fontRef idx="minor"/>
+    </dgm:style>
+  </dgm:styleLbl>
+  <dgm:styleLbl name="fgShp">
+    <dgm:scene3d>
+      <a:camera prst="orthographicFront"/>
+      <a:lightRig rig="threePt" dir="t"/>
+    </dgm:scene3d>
+    <dgm:sp3d/>
+    <dgm:txPr/>
+    <dgm:style>
+      <a:lnRef idx="2">
+        <a:scrgbClr r="0" g="0" b="0"/>
+      </a:lnRef>
+      <a:fillRef idx="1">
+        <a:scrgbClr r="0" g="0" b="0"/>
+      </a:fillRef>
+      <a:effectRef idx="0">
+        <a:scrgbClr r="0" g="0" b="0"/>
+      </a:effectRef>
+      <a:fontRef idx="minor"/>
+    </dgm:style>
+  </dgm:styleLbl>
+  <dgm:styleLbl name="revTx">
+    <dgm:scene3d>
+      <a:camera prst="orthographicFront"/>
+      <a:lightRig rig="threePt" dir="t"/>
+    </dgm:scene3d>
+    <dgm:sp3d/>
+    <dgm:txPr/>
+    <dgm:style>
+      <a:lnRef idx="0">
+        <a:scrgbClr r="0" g="0" b="0"/>
+      </a:lnRef>
+      <a:fillRef idx="0">
+        <a:scrgbClr r="0" g="0" b="0"/>
+      </a:fillRef>
+      <a:effectRef idx="0">
+        <a:scrgbClr r="0" g="0" b="0"/>
+      </a:effectRef>
+      <a:fontRef idx="minor"/>
+    </dgm:style>
+  </dgm:styleLbl>
+</dgm:styleDef>
+</file>
+
+<file path=ppt/diagrams/quickStyle2.xml><?xml version="1.0" encoding="utf-8"?>
+<dgm:styleDef xmlns:dgm="http://schemas.openxmlformats.org/drawingml/2006/diagram" xmlns:a="http://schemas.openxmlformats.org/drawingml/2006/main" uniqueId="urn:microsoft.com/office/officeart/2005/8/quickstyle/simple1">
+  <dgm:title val=""/>
+  <dgm:desc val=""/>
+  <dgm:catLst>
+    <dgm:cat type="simple" pri="10100"/>
+  </dgm:catLst>
+  <dgm:scene3d>
+    <a:camera prst="orthographicFront"/>
+    <a:lightRig rig="threePt" dir="t"/>
+  </dgm:scene3d>
+  <dgm:styleLbl name="node0">
+    <dgm:scene3d>
+      <a:camera prst="orthographicFront"/>
+      <a:lightRig rig="threePt" dir="t"/>
+    </dgm:scene3d>
+    <dgm:sp3d/>
+    <dgm:txPr/>
+    <dgm:style>
+      <a:lnRef idx="2">
+        <a:scrgbClr r="0" g="0" b="0"/>
+      </a:lnRef>
+      <a:fillRef idx="1">
+        <a:scrgbClr r="0" g="0" b="0"/>
+      </a:fillRef>
+      <a:effectRef idx="0">
+        <a:scrgbClr r="0" g="0" b="0"/>
+      </a:effectRef>
+      <a:fontRef idx="minor">
+        <a:schemeClr val="lt1"/>
+      </a:fontRef>
+    </dgm:style>
+  </dgm:styleLbl>
+  <dgm:styleLbl name="lnNode1">
+    <dgm:scene3d>
+      <a:camera prst="orthographicFront"/>
+      <a:lightRig rig="threePt" dir="t"/>
+    </dgm:scene3d>
+    <dgm:sp3d/>
+    <dgm:txPr/>
+    <dgm:style>
+      <a:lnRef idx="2">
+        <a:scrgbClr r="0" g="0" b="0"/>
+      </a:lnRef>
+      <a:fillRef idx="1">
+        <a:scrgbClr r="0" g="0" b="0"/>
+      </a:fillRef>
+      <a:effectRef idx="0">
+        <a:scrgbClr r="0" g="0" b="0"/>
+      </a:effectRef>
+      <a:fontRef idx="minor">
+        <a:schemeClr val="lt1"/>
+      </a:fontRef>
+    </dgm:style>
+  </dgm:styleLbl>
+  <dgm:styleLbl name="vennNode1">
+    <dgm:scene3d>
+      <a:camera prst="orthographicFront"/>
+      <a:lightRig rig="threePt" dir="t"/>
+    </dgm:scene3d>
+    <dgm:sp3d/>
+    <dgm:txPr/>
+    <dgm:style>
+      <a:lnRef idx="2">
+        <a:scrgbClr r="0" g="0" b="0"/>
+      </a:lnRef>
+      <a:fillRef idx="1">
+        <a:scrgbClr r="0" g="0" b="0"/>
+      </a:fillRef>
+      <a:effectRef idx="0">
+        <a:scrgbClr r="0" g="0" b="0"/>
+      </a:effectRef>
+      <a:fontRef idx="minor">
+        <a:schemeClr val="tx1"/>
+      </a:fontRef>
+    </dgm:style>
+  </dgm:styleLbl>
+  <dgm:styleLbl name="alignNode1">
+    <dgm:scene3d>
+      <a:camera prst="orthographicFront"/>
+      <a:lightRig rig="threePt" dir="t"/>
+    </dgm:scene3d>
+    <dgm:sp3d/>
+    <dgm:txPr/>
+    <dgm:style>
+      <a:lnRef idx="2">
+        <a:scrgbClr r="0" g="0" b="0"/>
+      </a:lnRef>
+      <a:fillRef idx="1">
+        <a:scrgbClr r="0" g="0" b="0"/>
+      </a:fillRef>
+      <a:effectRef idx="0">
+        <a:scrgbClr r="0" g="0" b="0"/>
+      </a:effectRef>
+      <a:fontRef idx="minor">
+        <a:schemeClr val="lt1"/>
+      </a:fontRef>
+    </dgm:style>
+  </dgm:styleLbl>
+  <dgm:styleLbl name="node1">
+    <dgm:scene3d>
+      <a:camera prst="orthographicFront"/>
+      <a:lightRig rig="threePt" dir="t"/>
+    </dgm:scene3d>
+    <dgm:sp3d/>
+    <dgm:txPr/>
+    <dgm:style>
+      <a:lnRef idx="2">
+        <a:scrgbClr r="0" g="0" b="0"/>
+      </a:lnRef>
+      <a:fillRef idx="1">
+        <a:scrgbClr r="0" g="0" b="0"/>
+      </a:fillRef>
+      <a:effectRef idx="0">
+        <a:scrgbClr r="0" g="0" b="0"/>
+      </a:effectRef>
+      <a:fontRef idx="minor">
+        <a:schemeClr val="lt1"/>
+      </a:fontRef>
+    </dgm:style>
+  </dgm:styleLbl>
+  <dgm:styleLbl name="node2">
+    <dgm:scene3d>
+      <a:camera prst="orthographicFront"/>
+      <a:lightRig rig="threePt" dir="t"/>
+    </dgm:scene3d>
+    <dgm:sp3d/>
+    <dgm:txPr/>
+    <dgm:style>
+      <a:lnRef idx="2">
+        <a:scrgbClr r="0" g="0" b="0"/>
+      </a:lnRef>
+      <a:fillRef idx="1">
+        <a:scrgbClr r="0" g="0" b="0"/>
+      </a:fillRef>
+      <a:effectRef idx="0">
+        <a:scrgbClr r="0" g="0" b="0"/>
+      </a:effectRef>
+      <a:fontRef idx="minor">
+        <a:schemeClr val="lt1"/>
+      </a:fontRef>
+    </dgm:style>
+  </dgm:styleLbl>
+  <dgm:styleLbl name="node3">
+    <dgm:scene3d>
+      <a:camera prst="orthographicFront"/>
+      <a:lightRig rig="threePt" dir="t"/>
+    </dgm:scene3d>
+    <dgm:sp3d/>
+    <dgm:txPr/>
+    <dgm:style>
+      <a:lnRef idx="2">
+        <a:scrgbClr r="0" g="0" b="0"/>
+      </a:lnRef>
+      <a:fillRef idx="1">
+        <a:scrgbClr r="0" g="0" b="0"/>
+      </a:fillRef>
+      <a:effectRef idx="0">
+        <a:scrgbClr r="0" g="0" b="0"/>
+      </a:effectRef>
+      <a:fontRef idx="minor">
+        <a:schemeClr val="lt1"/>
+      </a:fontRef>
+    </dgm:style>
+  </dgm:styleLbl>
+  <dgm:styleLbl name="node4">
+    <dgm:scene3d>
+      <a:camera prst="orthographicFront"/>
+      <a:lightRig rig="threePt" dir="t"/>
+    </dgm:scene3d>
+    <dgm:sp3d/>
+    <dgm:txPr/>
+    <dgm:style>
+      <a:lnRef idx="2">
+        <a:scrgbClr r="0" g="0" b="0"/>
+      </a:lnRef>
+      <a:fillRef idx="1">
+        <a:scrgbClr r="0" g="0" b="0"/>
+      </a:fillRef>
+      <a:effectRef idx="0">
+        <a:scrgbClr r="0" g="0" b="0"/>
+      </a:effectRef>
+      <a:fontRef idx="minor">
+        <a:schemeClr val="lt1"/>
+      </a:fontRef>
+    </dgm:style>
+  </dgm:styleLbl>
+  <dgm:styleLbl name="fgImgPlace1">
+    <dgm:scene3d>
+      <a:camera prst="orthographicFront"/>
+      <a:lightRig rig="threePt" dir="t"/>
+    </dgm:scene3d>
+    <dgm:sp3d/>
+    <dgm:txPr/>
+    <dgm:style>
+      <a:lnRef idx="2">
+        <a:scrgbClr r="0" g="0" b="0"/>
+      </a:lnRef>
+      <a:fillRef idx="1">
+        <a:scrgbClr r="0" g="0" b="0"/>
+      </a:fillRef>
+      <a:effectRef idx="0">
+        <a:scrgbClr r="0" g="0" b="0"/>
+      </a:effectRef>
+      <a:fontRef idx="minor"/>
+    </dgm:style>
+  </dgm:styleLbl>
+  <dgm:styleLbl name="alignImgPlace1">
+    <dgm:scene3d>
+      <a:camera prst="orthographicFront"/>
+      <a:lightRig rig="threePt" dir="t"/>
+    </dgm:scene3d>
+    <dgm:sp3d/>
+    <dgm:txPr/>
+    <dgm:style>
+      <a:lnRef idx="2">
+        <a:scrgbClr r="0" g="0" b="0"/>
+      </a:lnRef>
+      <a:fillRef idx="1">
+        <a:scrgbClr r="0" g="0" b="0"/>
+      </a:fillRef>
+      <a:effectRef idx="0">
+        <a:scrgbClr r="0" g="0" b="0"/>
+      </a:effectRef>
+      <a:fontRef idx="minor"/>
+    </dgm:style>
+  </dgm:styleLbl>
+  <dgm:styleLbl name="bgImgPlace1">
+    <dgm:scene3d>
+      <a:camera prst="orthographicFront"/>
+      <a:lightRig rig="threePt" dir="t"/>
+    </dgm:scene3d>
+    <dgm:sp3d/>
+    <dgm:txPr/>
+    <dgm:style>
+      <a:lnRef idx="2">
+        <a:scrgbClr r="0" g="0" b="0"/>
+      </a:lnRef>
+      <a:fillRef idx="1">
+        <a:scrgbClr r="0" g="0" b="0"/>
+      </a:fillRef>
+      <a:effectRef idx="0">
+        <a:scrgbClr r="0" g="0" b="0"/>
+      </a:effectRef>
+      <a:fontRef idx="minor"/>
+    </dgm:style>
+  </dgm:styleLbl>
+  <dgm:styleLbl name="sibTrans2D1">
+    <dgm:scene3d>
+      <a:camera prst="orthographicFront"/>
+      <a:lightRig rig="threePt" dir="t"/>
+    </dgm:scene3d>
+    <dgm:sp3d/>
+    <dgm:txPr/>
+    <dgm:style>
+      <a:lnRef idx="0">
+        <a:scrgbClr r="0" g="0" b="0"/>
+      </a:lnRef>
+      <a:fillRef idx="1">
+        <a:scrgbClr r="0" g="0" b="0"/>
+      </a:fillRef>
+      <a:effectRef idx="0">
+        <a:scrgbClr r="0" g="0" b="0"/>
+      </a:effectRef>
+      <a:fontRef idx="minor">
+        <a:schemeClr val="lt1"/>
+      </a:fontRef>
+    </dgm:style>
+  </dgm:styleLbl>
+  <dgm:styleLbl name="fgSibTrans2D1">
+    <dgm:scene3d>
+      <a:camera prst="orthographicFront"/>
+      <a:lightRig rig="threePt" dir="t"/>
+    </dgm:scene3d>
+    <dgm:sp3d/>
+    <dgm:txPr/>
+    <dgm:style>
+      <a:lnRef idx="0">
+        <a:scrgbClr r="0" g="0" b="0"/>
+      </a:lnRef>
+      <a:fillRef idx="1">
+        <a:scrgbClr r="0" g="0" b="0"/>
+      </a:fillRef>
+      <a:effectRef idx="0">
+        <a:scrgbClr r="0" g="0" b="0"/>
+      </a:effectRef>
+      <a:fontRef idx="minor">
+        <a:schemeClr val="lt1"/>
+      </a:fontRef>
+    </dgm:style>
+  </dgm:styleLbl>
+  <dgm:styleLbl name="bgSibTrans2D1">
+    <dgm:scene3d>
+      <a:camera prst="orthographicFront"/>
+      <a:lightRig rig="threePt" dir="t"/>
+    </dgm:scene3d>
+    <dgm:sp3d/>
+    <dgm:txPr/>
+    <dgm:style>
+      <a:lnRef idx="0">
+        <a:scrgbClr r="0" g="0" b="0"/>
+      </a:lnRef>
+      <a:fillRef idx="1">
+        <a:scrgbClr r="0" g="0" b="0"/>
+      </a:fillRef>
+      <a:effectRef idx="0">
+        <a:scrgbClr r="0" g="0" b="0"/>
+      </a:effectRef>
+      <a:fontRef idx="minor">
+        <a:schemeClr val="lt1"/>
+      </a:fontRef>
+    </dgm:style>
+  </dgm:styleLbl>
+  <dgm:styleLbl name="sibTrans1D1">
+    <dgm:scene3d>
+      <a:camera prst="orthographicFront"/>
+      <a:lightRig rig="threePt" dir="t"/>
+    </dgm:scene3d>
+    <dgm:sp3d/>
+    <dgm:txPr/>
+    <dgm:style>
+      <a:lnRef idx="1">
+        <a:scrgbClr r="0" g="0" b="0"/>
+      </a:lnRef>
+      <a:fillRef idx="0">
+        <a:scrgbClr r="0" g="0" b="0"/>
+      </a:fillRef>
+      <a:effectRef idx="0">
+        <a:scrgbClr r="0" g="0" b="0"/>
+      </a:effectRef>
+      <a:fontRef idx="minor"/>
+    </dgm:style>
+  </dgm:styleLbl>
+  <dgm:styleLbl name="callout">
+    <dgm:scene3d>
+      <a:camera prst="orthographicFront"/>
+      <a:lightRig rig="threePt" dir="t"/>
+    </dgm:scene3d>
+    <dgm:sp3d/>
+    <dgm:txPr/>
+    <dgm:style>
+      <a:lnRef idx="2">
+        <a:scrgbClr r="0" g="0" b="0"/>
+      </a:lnRef>
+      <a:fillRef idx="1">
+        <a:scrgbClr r="0" g="0" b="0"/>
+      </a:fillRef>
+      <a:effectRef idx="0">
+        <a:scrgbClr r="0" g="0" b="0"/>
+      </a:effectRef>
+      <a:fontRef idx="minor"/>
+    </dgm:style>
+  </dgm:styleLbl>
+  <dgm:styleLbl name="asst0">
+    <dgm:scene3d>
+      <a:camera prst="orthographicFront"/>
+      <a:lightRig rig="threePt" dir="t"/>
+    </dgm:scene3d>
+    <dgm:sp3d/>
+    <dgm:txPr/>
+    <dgm:style>
+      <a:lnRef idx="2">
+        <a:scrgbClr r="0" g="0" b="0"/>
+      </a:lnRef>
+      <a:fillRef idx="1">
+        <a:scrgbClr r="0" g="0" b="0"/>
+      </a:fillRef>
+      <a:effectRef idx="0">
+        <a:scrgbClr r="0" g="0" b="0"/>
+      </a:effectRef>
+      <a:fontRef idx="minor">
+        <a:schemeClr val="lt1"/>
+      </a:fontRef>
+    </dgm:style>
+  </dgm:styleLbl>
+  <dgm:styleLbl name="asst1">
+    <dgm:scene3d>
+      <a:camera prst="orthographicFront"/>
+      <a:lightRig rig="threePt" dir="t"/>
+    </dgm:scene3d>
+    <dgm:sp3d/>
+    <dgm:txPr/>
+    <dgm:style>
+      <a:lnRef idx="2">
+        <a:scrgbClr r="0" g="0" b="0"/>
+      </a:lnRef>
+      <a:fillRef idx="1">
+        <a:scrgbClr r="0" g="0" b="0"/>
+      </a:fillRef>
+      <a:effectRef idx="0">
+        <a:scrgbClr r="0" g="0" b="0"/>
+      </a:effectRef>
+      <a:fontRef idx="minor">
+        <a:schemeClr val="lt1"/>
+      </a:fontRef>
+    </dgm:style>
+  </dgm:styleLbl>
+  <dgm:styleLbl name="asst2">
+    <dgm:scene3d>
+      <a:camera prst="orthographicFront"/>
+      <a:lightRig rig="threePt" dir="t"/>
+    </dgm:scene3d>
+    <dgm:sp3d/>
+    <dgm:txPr/>
+    <dgm:style>
+      <a:lnRef idx="2">
+        <a:scrgbClr r="0" g="0" b="0"/>
+      </a:lnRef>
+      <a:fillRef idx="1">
+        <a:scrgbClr r="0" g="0" b="0"/>
+      </a:fillRef>
+      <a:effectRef idx="0">
+        <a:scrgbClr r="0" g="0" b="0"/>
+      </a:effectRef>
+      <a:fontRef idx="minor">
+        <a:schemeClr val="lt1"/>
+      </a:fontRef>
+    </dgm:style>
+  </dgm:styleLbl>
+  <dgm:styleLbl name="asst3">
+    <dgm:scene3d>
+      <a:camera prst="orthographicFront"/>
+      <a:lightRig rig="threePt" dir="t"/>
+    </dgm:scene3d>
+    <dgm:sp3d/>
+    <dgm:txPr/>
+    <dgm:style>
+      <a:lnRef idx="2">
+        <a:scrgbClr r="0" g="0" b="0"/>
+      </a:lnRef>
+      <a:fillRef idx="1">
+        <a:scrgbClr r="0" g="0" b="0"/>
+      </a:fillRef>
+      <a:effectRef idx="0">
+        <a:scrgbClr r="0" g="0" b="0"/>
+      </a:effectRef>
+      <a:fontRef idx="minor">
+        <a:schemeClr val="lt1"/>
+      </a:fontRef>
+    </dgm:style>
+  </dgm:styleLbl>
+  <dgm:styleLbl name="asst4">
+    <dgm:scene3d>
+      <a:camera prst="orthographicFront"/>
+      <a:lightRig rig="threePt" dir="t"/>
+    </dgm:scene3d>
+    <dgm:sp3d/>
+    <dgm:txPr/>
+    <dgm:style>
+      <a:lnRef idx="2">
+        <a:scrgbClr r="0" g="0" b="0"/>
+      </a:lnRef>
+      <a:fillRef idx="1">
+        <a:scrgbClr r="0" g="0" b="0"/>
+      </a:fillRef>
+      <a:effectRef idx="0">
+        <a:scrgbClr r="0" g="0" b="0"/>
+      </a:effectRef>
+      <a:fontRef idx="minor">
+        <a:schemeClr val="lt1"/>
+      </a:fontRef>
+    </dgm:style>
+  </dgm:styleLbl>
+  <dgm:styleLbl name="parChTrans2D1">
+    <dgm:scene3d>
+      <a:camera prst="orthographicFront"/>
+      <a:lightRig rig="threePt" dir="t"/>
+    </dgm:scene3d>
+    <dgm:sp3d/>
+    <dgm:txPr/>
+    <dgm:style>
+      <a:lnRef idx="2">
+        <a:scrgbClr r="0" g="0" b="0"/>
+      </a:lnRef>
+      <a:fillRef idx="1">
+        <a:scrgbClr r="0" g="0" b="0"/>
+      </a:fillRef>
+      <a:effectRef idx="0">
+        <a:scrgbClr r="0" g="0" b="0"/>
+      </a:effectRef>
+      <a:fontRef idx="minor">
+        <a:schemeClr val="lt1"/>
+      </a:fontRef>
+    </dgm:style>
+  </dgm:styleLbl>
+  <dgm:styleLbl name="parChTrans2D2">
+    <dgm:scene3d>
+      <a:camera prst="orthographicFront"/>
+      <a:lightRig rig="threePt" dir="t"/>
+    </dgm:scene3d>
+    <dgm:sp3d/>
+    <dgm:txPr/>
+    <dgm:style>
+      <a:lnRef idx="2">
+        <a:scrgbClr r="0" g="0" b="0"/>
+      </a:lnRef>
+      <a:fillRef idx="1">
+        <a:scrgbClr r="0" g="0" b="0"/>
+      </a:fillRef>
+      <a:effectRef idx="0">
+        <a:scrgbClr r="0" g="0" b="0"/>
+      </a:effectRef>
+      <a:fontRef idx="minor">
+        <a:schemeClr val="lt1"/>
+      </a:fontRef>
+    </dgm:style>
+  </dgm:styleLbl>
+  <dgm:styleLbl name="parChTrans2D3">
+    <dgm:scene3d>
+      <a:camera prst="orthographicFront"/>
+      <a:lightRig rig="threePt" dir="t"/>
+    </dgm:scene3d>
+    <dgm:sp3d/>
+    <dgm:txPr/>
+    <dgm:style>
+      <a:lnRef idx="2">
+        <a:scrgbClr r="0" g="0" b="0"/>
+      </a:lnRef>
+      <a:fillRef idx="1">
+        <a:scrgbClr r="0" g="0" b="0"/>
+      </a:fillRef>
+      <a:effectRef idx="0">
+        <a:scrgbClr r="0" g="0" b="0"/>
+      </a:effectRef>
+      <a:fontRef idx="minor">
+        <a:schemeClr val="lt1"/>
+      </a:fontRef>
+    </dgm:style>
+  </dgm:styleLbl>
+  <dgm:styleLbl name="parChTrans2D4">
+    <dgm:scene3d>
+      <a:camera prst="orthographicFront"/>
+      <a:lightRig rig="threePt" dir="t"/>
+    </dgm:scene3d>
+    <dgm:sp3d/>
+    <dgm:txPr/>
+    <dgm:style>
+      <a:lnRef idx="2">
+        <a:scrgbClr r="0" g="0" b="0"/>
+      </a:lnRef>
+      <a:fillRef idx="1">
+        <a:scrgbClr r="0" g="0" b="0"/>
+      </a:fillRef>
+      <a:effectRef idx="0">
+        <a:scrgbClr r="0" g="0" b="0"/>
+      </a:effectRef>
+      <a:fontRef idx="minor">
+        <a:schemeClr val="lt1"/>
+      </a:fontRef>
+    </dgm:style>
+  </dgm:styleLbl>
+  <dgm:styleLbl name="parChTrans1D1">
+    <dgm:scene3d>
+      <a:camera prst="orthographicFront"/>
+      <a:lightRig rig="threePt" dir="t"/>
+    </dgm:scene3d>
+    <dgm:sp3d/>
+    <dgm:txPr/>
+    <dgm:style>
+      <a:lnRef idx="2">
+        <a:scrgbClr r="0" g="0" b="0"/>
+      </a:lnRef>
+      <a:fillRef idx="0">
+        <a:scrgbClr r="0" g="0" b="0"/>
+      </a:fillRef>
+      <a:effectRef idx="0">
+        <a:scrgbClr r="0" g="0" b="0"/>
+      </a:effectRef>
+      <a:fontRef idx="minor"/>
+    </dgm:style>
+  </dgm:styleLbl>
+  <dgm:styleLbl name="parChTrans1D2">
+    <dgm:scene3d>
+      <a:camera prst="orthographicFront"/>
+      <a:lightRig rig="threePt" dir="t"/>
+    </dgm:scene3d>
+    <dgm:sp3d/>
+    <dgm:txPr/>
+    <dgm:style>
+      <a:lnRef idx="2">
+        <a:scrgbClr r="0" g="0" b="0"/>
+      </a:lnRef>
+      <a:fillRef idx="0">
+        <a:scrgbClr r="0" g="0" b="0"/>
+      </a:fillRef>
+      <a:effectRef idx="0">
+        <a:scrgbClr r="0" g="0" b="0"/>
+      </a:effectRef>
+      <a:fontRef idx="minor"/>
+    </dgm:style>
+  </dgm:styleLbl>
+  <dgm:styleLbl name="parChTrans1D3">
+    <dgm:scene3d>
+      <a:camera prst="orthographicFront"/>
+      <a:lightRig rig="threePt" dir="t"/>
+    </dgm:scene3d>
+    <dgm:sp3d/>
+    <dgm:txPr/>
+    <dgm:style>
+      <a:lnRef idx="2">
+        <a:scrgbClr r="0" g="0" b="0"/>
+      </a:lnRef>
+      <a:fillRef idx="0">
+        <a:scrgbClr r="0" g="0" b="0"/>
+      </a:fillRef>
+      <a:effectRef idx="0">
+        <a:scrgbClr r="0" g="0" b="0"/>
+      </a:effectRef>
+      <a:fontRef idx="minor"/>
+    </dgm:style>
+  </dgm:styleLbl>
+  <dgm:styleLbl name="parChTrans1D4">
+    <dgm:scene3d>
+      <a:camera prst="orthographicFront"/>
+      <a:lightRig rig="threePt" dir="t"/>
+    </dgm:scene3d>
+    <dgm:sp3d/>
+    <dgm:txPr/>
+    <dgm:style>
+      <a:lnRef idx="2">
+        <a:scrgbClr r="0" g="0" b="0"/>
+      </a:lnRef>
+      <a:fillRef idx="0">
+        <a:scrgbClr r="0" g="0" b="0"/>
+      </a:fillRef>
+      <a:effectRef idx="0">
+        <a:scrgbClr r="0" g="0" b="0"/>
+      </a:effectRef>
+      <a:fontRef idx="minor"/>
+    </dgm:style>
+  </dgm:styleLbl>
+  <dgm:styleLbl name="fgAcc1">
+    <dgm:scene3d>
+      <a:camera prst="orthographicFront"/>
+      <a:lightRig rig="threePt" dir="t"/>
+    </dgm:scene3d>
+    <dgm:sp3d/>
+    <dgm:txPr/>
+    <dgm:style>
+      <a:lnRef idx="2">
+        <a:scrgbClr r="0" g="0" b="0"/>
+      </a:lnRef>
+      <a:fillRef idx="1">
+        <a:scrgbClr r="0" g="0" b="0"/>
+      </a:fillRef>
+      <a:effectRef idx="0">
+        <a:scrgbClr r="0" g="0" b="0"/>
+      </a:effectRef>
+      <a:fontRef idx="minor"/>
+    </dgm:style>
+  </dgm:styleLbl>
+  <dgm:styleLbl name="conFgAcc1">
+    <dgm:scene3d>
+      <a:camera prst="orthographicFront"/>
+      <a:lightRig rig="threePt" dir="t"/>
+    </dgm:scene3d>
+    <dgm:sp3d/>
+    <dgm:txPr/>
+    <dgm:style>
+      <a:lnRef idx="2">
+        <a:scrgbClr r="0" g="0" b="0"/>
+      </a:lnRef>
+      <a:fillRef idx="1">
+        <a:scrgbClr r="0" g="0" b="0"/>
+      </a:fillRef>
+      <a:effectRef idx="0">
+        <a:scrgbClr r="0" g="0" b="0"/>
+      </a:effectRef>
+      <a:fontRef idx="minor"/>
+    </dgm:style>
+  </dgm:styleLbl>
+  <dgm:styleLbl name="alignAcc1">
+    <dgm:scene3d>
+      <a:camera prst="orthographicFront"/>
+      <a:lightRig rig="threePt" dir="t"/>
+    </dgm:scene3d>
+    <dgm:sp3d/>
+    <dgm:txPr/>
+    <dgm:style>
+      <a:lnRef idx="2">
+        <a:scrgbClr r="0" g="0" b="0"/>
+      </a:lnRef>
+      <a:fillRef idx="1">
+        <a:scrgbClr r="0" g="0" b="0"/>
+      </a:fillRef>
+      <a:effectRef idx="0">
+        <a:scrgbClr r="0" g="0" b="0"/>
+      </a:effectRef>
+      <a:fontRef idx="minor"/>
+    </dgm:style>
+  </dgm:styleLbl>
+  <dgm:styleLbl name="trAlignAcc1">
+    <dgm:scene3d>
+      <a:camera prst="orthographicFront"/>
+      <a:lightRig rig="threePt" dir="t"/>
+    </dgm:scene3d>
+    <dgm:sp3d/>
+    <dgm:txPr/>
+    <dgm:style>
+      <a:lnRef idx="1">
+        <a:scrgbClr r="0" g="0" b="0"/>
+      </a:lnRef>
+      <a:fillRef idx="1">
+        <a:scrgbClr r="0" g="0" b="0"/>
+      </a:fillRef>
+      <a:effectRef idx="0">
+        <a:scrgbClr r="0" g="0" b="0"/>
+      </a:effectRef>
+      <a:fontRef idx="minor"/>
+    </dgm:style>
+  </dgm:styleLbl>
+  <dgm:styleLbl name="bgAcc1">
+    <dgm:scene3d>
+      <a:camera prst="orthographicFront"/>
+      <a:lightRig rig="threePt" dir="t"/>
+    </dgm:scene3d>
+    <dgm:sp3d/>
+    <dgm:txPr/>
+    <dgm:style>
+      <a:lnRef idx="2">
+        <a:scrgbClr r="0" g="0" b="0"/>
+      </a:lnRef>
+      <a:fillRef idx="1">
+        <a:scrgbClr r="0" g="0" b="0"/>
+      </a:fillRef>
+      <a:effectRef idx="0">
+        <a:scrgbClr r="0" g="0" b="0"/>
+      </a:effectRef>
+      <a:fontRef idx="minor"/>
+    </dgm:style>
+  </dgm:styleLbl>
+  <dgm:styleLbl name="solidFgAcc1">
+    <dgm:scene3d>
+      <a:camera prst="orthographicFront"/>
+      <a:lightRig rig="threePt" dir="t"/>
+    </dgm:scene3d>
+    <dgm:sp3d/>
+    <dgm:txPr/>
+    <dgm:style>
+      <a:lnRef idx="2">
+        <a:scrgbClr r="0" g="0" b="0"/>
+      </a:lnRef>
+      <a:fillRef idx="1">
+        <a:scrgbClr r="0" g="0" b="0"/>
+      </a:fillRef>
+      <a:effectRef idx="0">
+        <a:scrgbClr r="0" g="0" b="0"/>
+      </a:effectRef>
+      <a:fontRef idx="minor"/>
+    </dgm:style>
+  </dgm:styleLbl>
+  <dgm:styleLbl name="solidAlignAcc1">
+    <dgm:scene3d>
+      <a:camera prst="orthographicFront"/>
+      <a:lightRig rig="threePt" dir="t"/>
+    </dgm:scene3d>
+    <dgm:sp3d/>
+    <dgm:txPr/>
+    <dgm:style>
+      <a:lnRef idx="2">
+        <a:scrgbClr r="0" g="0" b="0"/>
+      </a:lnRef>
+      <a:fillRef idx="1">
+        <a:scrgbClr r="0" g="0" b="0"/>
+      </a:fillRef>
+      <a:effectRef idx="0">
+        <a:scrgbClr r="0" g="0" b="0"/>
+      </a:effectRef>
+      <a:fontRef idx="minor"/>
+    </dgm:style>
+  </dgm:styleLbl>
+  <dgm:styleLbl name="solidBgAcc1">
+    <dgm:scene3d>
+      <a:camera prst="orthographicFront"/>
+      <a:lightRig rig="threePt" dir="t"/>
+    </dgm:scene3d>
+    <dgm:sp3d/>
+    <dgm:txPr/>
+    <dgm:style>
+      <a:lnRef idx="2">
+        <a:scrgbClr r="0" g="0" b="0"/>
+      </a:lnRef>
+      <a:fillRef idx="1">
+        <a:scrgbClr r="0" g="0" b="0"/>
+      </a:fillRef>
+      <a:effectRef idx="0">
+        <a:scrgbClr r="0" g="0" b="0"/>
+      </a:effectRef>
+      <a:fontRef idx="minor"/>
+    </dgm:style>
+  </dgm:styleLbl>
+  <dgm:styleLbl name="fgAccFollowNode1">
+    <dgm:scene3d>
+      <a:camera prst="orthographicFront"/>
+      <a:lightRig rig="threePt" dir="t"/>
+    </dgm:scene3d>
+    <dgm:sp3d/>
+    <dgm:txPr/>
+    <dgm:style>
+      <a:lnRef idx="2">
+        <a:scrgbClr r="0" g="0" b="0"/>
+      </a:lnRef>
+      <a:fillRef idx="1">
+        <a:scrgbClr r="0" g="0" b="0"/>
+      </a:fillRef>
+      <a:effectRef idx="0">
+        <a:scrgbClr r="0" g="0" b="0"/>
+      </a:effectRef>
+      <a:fontRef idx="minor"/>
+    </dgm:style>
+  </dgm:styleLbl>
+  <dgm:styleLbl name="alignAccFollowNode1">
+    <dgm:scene3d>
+      <a:camera prst="orthographicFront"/>
+      <a:lightRig rig="threePt" dir="t"/>
+    </dgm:scene3d>
+    <dgm:sp3d/>
+    <dgm:txPr/>
+    <dgm:style>
+      <a:lnRef idx="2">
+        <a:scrgbClr r="0" g="0" b="0"/>
+      </a:lnRef>
+      <a:fillRef idx="1">
+        <a:scrgbClr r="0" g="0" b="0"/>
+      </a:fillRef>
+      <a:effectRef idx="0">
+        <a:scrgbClr r="0" g="0" b="0"/>
+      </a:effectRef>
+      <a:fontRef idx="minor"/>
+    </dgm:style>
+  </dgm:styleLbl>
+  <dgm:styleLbl name="bgAccFollowNode1">
+    <dgm:scene3d>
+      <a:camera prst="orthographicFront"/>
+      <a:lightRig rig="threePt" dir="t"/>
+    </dgm:scene3d>
+    <dgm:sp3d/>
+    <dgm:txPr/>
+    <dgm:style>
+      <a:lnRef idx="2">
+        <a:scrgbClr r="0" g="0" b="0"/>
+      </a:lnRef>
+      <a:fillRef idx="1">
+        <a:scrgbClr r="0" g="0" b="0"/>
+      </a:fillRef>
+      <a:effectRef idx="0">
+        <a:scrgbClr r="0" g="0" b="0"/>
+      </a:effectRef>
+      <a:fontRef idx="minor"/>
+    </dgm:style>
+  </dgm:styleLbl>
+  <dgm:styleLbl name="fgAcc0">
+    <dgm:scene3d>
+      <a:camera prst="orthographicFront"/>
+      <a:lightRig rig="threePt" dir="t"/>
+    </dgm:scene3d>
+    <dgm:sp3d/>
+    <dgm:txPr/>
+    <dgm:style>
+      <a:lnRef idx="2">
+        <a:scrgbClr r="0" g="0" b="0"/>
+      </a:lnRef>
+      <a:fillRef idx="1">
+        <a:scrgbClr r="0" g="0" b="0"/>
+      </a:fillRef>
+      <a:effectRef idx="0">
+        <a:scrgbClr r="0" g="0" b="0"/>
+      </a:effectRef>
+      <a:fontRef idx="minor"/>
+    </dgm:style>
+  </dgm:styleLbl>
+  <dgm:styleLbl name="fgAcc2">
+    <dgm:scene3d>
+      <a:camera prst="orthographicFront"/>
+      <a:lightRig rig="threePt" dir="t"/>
+    </dgm:scene3d>
+    <dgm:sp3d/>
+    <dgm:txPr/>
+    <dgm:style>
+      <a:lnRef idx="2">
+        <a:scrgbClr r="0" g="0" b="0"/>
+      </a:lnRef>
+      <a:fillRef idx="1">
+        <a:scrgbClr r="0" g="0" b="0"/>
+      </a:fillRef>
+      <a:effectRef idx="0">
+        <a:scrgbClr r="0" g="0" b="0"/>
+      </a:effectRef>
+      <a:fontRef idx="minor"/>
+    </dgm:style>
+  </dgm:styleLbl>
+  <dgm:styleLbl name="fgAcc3">
+    <dgm:scene3d>
+      <a:camera prst="orthographicFront"/>
+      <a:lightRig rig="threePt" dir="t"/>
+    </dgm:scene3d>
+    <dgm:sp3d/>
+    <dgm:txPr/>
+    <dgm:style>
+      <a:lnRef idx="2">
+        <a:scrgbClr r="0" g="0" b="0"/>
+      </a:lnRef>
+      <a:fillRef idx="1">
+        <a:scrgbClr r="0" g="0" b="0"/>
+      </a:fillRef>
+      <a:effectRef idx="0">
+        <a:scrgbClr r="0" g="0" b="0"/>
+      </a:effectRef>
+      <a:fontRef idx="minor"/>
+    </dgm:style>
+  </dgm:styleLbl>
+  <dgm:styleLbl name="fgAcc4">
+    <dgm:scene3d>
+      <a:camera prst="orthographicFront"/>
+      <a:lightRig rig="threePt" dir="t"/>
+    </dgm:scene3d>
+    <dgm:sp3d/>
+    <dgm:txPr/>
+    <dgm:style>
+      <a:lnRef idx="2">
+        <a:scrgbClr r="0" g="0" b="0"/>
+      </a:lnRef>
+      <a:fillRef idx="1">
+        <a:scrgbClr r="0" g="0" b="0"/>
+      </a:fillRef>
+      <a:effectRef idx="0">
+        <a:scrgbClr r="0" g="0" b="0"/>
+      </a:effectRef>
+      <a:fontRef idx="minor"/>
+    </dgm:style>
+  </dgm:styleLbl>
+  <dgm:styleLbl name="bgShp">
+    <dgm:scene3d>
+      <a:camera prst="orthographicFront"/>
+      <a:lightRig rig="threePt" dir="t"/>
+    </dgm:scene3d>
+    <dgm:sp3d/>
+    <dgm:txPr/>
+    <dgm:style>
+      <a:lnRef idx="0">
+        <a:scrgbClr r="0" g="0" b="0"/>
+      </a:lnRef>
+      <a:fillRef idx="1">
+        <a:scrgbClr r="0" g="0" b="0"/>
+      </a:fillRef>
+      <a:effectRef idx="0">
+        <a:scrgbClr r="0" g="0" b="0"/>
+      </a:effectRef>
+      <a:fontRef idx="minor"/>
+    </dgm:style>
+  </dgm:styleLbl>
+  <dgm:styleLbl name="dkBgShp">
+    <dgm:scene3d>
+      <a:camera prst="orthographicFront"/>
+      <a:lightRig rig="threePt" dir="t"/>
+    </dgm:scene3d>
+    <dgm:sp3d/>
+    <dgm:txPr/>
+    <dgm:style>
+      <a:lnRef idx="0">
+        <a:scrgbClr r="0" g="0" b="0"/>
+      </a:lnRef>
+      <a:fillRef idx="1">
+        <a:scrgbClr r="0" g="0" b="0"/>
+      </a:fillRef>
+      <a:effectRef idx="0">
+        <a:scrgbClr r="0" g="0" b="0"/>
+      </a:effectRef>
+      <a:fontRef idx="minor"/>
+    </dgm:style>
+  </dgm:styleLbl>
+  <dgm:styleLbl name="trBgShp">
+    <dgm:scene3d>
+      <a:camera prst="orthographicFront"/>
+      <a:lightRig rig="threePt" dir="t"/>
+    </dgm:scene3d>
+    <dgm:sp3d/>
+    <dgm:txPr/>
+    <dgm:style>
+      <a:lnRef idx="0">
+        <a:scrgbClr r="0" g="0" b="0"/>
+      </a:lnRef>
+      <a:fillRef idx="1">
+        <a:scrgbClr r="0" g="0" b="0"/>
+      </a:fillRef>
+      <a:effectRef idx="0">
+        <a:scrgbClr r="0" g="0" b="0"/>
+      </a:effectRef>
+      <a:fontRef idx="minor"/>
+    </dgm:style>
+  </dgm:styleLbl>
+  <dgm:styleLbl name="fgShp">
+    <dgm:scene3d>
+      <a:camera prst="orthographicFront"/>
+      <a:lightRig rig="threePt" dir="t"/>
+    </dgm:scene3d>
+    <dgm:sp3d/>
+    <dgm:txPr/>
+    <dgm:style>
+      <a:lnRef idx="2">
+        <a:scrgbClr r="0" g="0" b="0"/>
+      </a:lnRef>
+      <a:fillRef idx="1">
+        <a:scrgbClr r="0" g="0" b="0"/>
+      </a:fillRef>
+      <a:effectRef idx="0">
+        <a:scrgbClr r="0" g="0" b="0"/>
+      </a:effectRef>
+      <a:fontRef idx="minor"/>
+    </dgm:style>
+  </dgm:styleLbl>
+  <dgm:styleLbl name="revTx">
+    <dgm:scene3d>
+      <a:camera prst="orthographicFront"/>
+      <a:lightRig rig="threePt" dir="t"/>
+    </dgm:scene3d>
+    <dgm:sp3d/>
+    <dgm:txPr/>
+    <dgm:style>
+      <a:lnRef idx="0">
+        <a:scrgbClr r="0" g="0" b="0"/>
+      </a:lnRef>
+      <a:fillRef idx="0">
+        <a:scrgbClr r="0" g="0" b="0"/>
+      </a:fillRef>
+      <a:effectRef idx="0">
+        <a:scrgbClr r="0" g="0" b="0"/>
+      </a:effectRef>
+      <a:fontRef idx="minor"/>
+    </dgm:style>
+  </dgm:styleLbl>
+</dgm:styleDef>
+</file>
+
+<file path=ppt/notesMasters/notesMaster1.xml><?xml version="1.0" encoding="utf-8"?>
+<p:notesMaster xmlns:a="http://schemas.openxmlformats.org/drawingml/2006/main" xmlns:r="http://schemas.openxmlformats.org/officeDocument/2006/relationships" xmlns:p="http://schemas.openxmlformats.org/presentationml/2006/main">
+  <p:cSld>
+    <p:bg>
+      <p:bgRef idx="1001">
+        <a:schemeClr val="bg1"/>
+      </p:bgRef>
+    </p:bg>
+    <p:spTree>
+      <p:nvGrpSpPr>
+        <p:cNvPr id="1" name=""/>
+        <p:cNvGrpSpPr/>
+        <p:nvPr/>
+      </p:nvGrpSpPr>
+      <p:grpSpPr>
+        <a:xfrm>
+          <a:off x="0" y="0"/>
+          <a:ext cx="0" cy="0"/>
+          <a:chOff x="0" y="0"/>
+          <a:chExt cx="0" cy="0"/>
+        </a:xfrm>
+      </p:grpSpPr>
+      <p:sp>
+        <p:nvSpPr>
+          <p:cNvPr id="2" name="Espace réservé de l’en-tête 1"/>
+          <p:cNvSpPr>
+            <a:spLocks noGrp="1"/>
+          </p:cNvSpPr>
+          <p:nvPr>
+            <p:ph type="hdr" sz="quarter"/>
+          </p:nvPr>
+        </p:nvSpPr>
+        <p:spPr>
+          <a:xfrm>
+            <a:off x="0" y="0"/>
+            <a:ext cx="2971800" cy="458788"/>
+          </a:xfrm>
+          <a:prstGeom prst="rect">
+            <a:avLst/>
+          </a:prstGeom>
+        </p:spPr>
+        <p:txBody>
+          <a:bodyPr vert="horz" lIns="91440" tIns="45720" rIns="91440" bIns="45720" rtlCol="0"/>
+          <a:lstStyle>
+            <a:lvl1pPr algn="l">
+              <a:defRPr sz="1200"/>
+            </a:lvl1pPr>
+          </a:lstStyle>
+          <a:p>
+            <a:endParaRPr lang="fr-FR"/>
+          </a:p>
+        </p:txBody>
+      </p:sp>
+      <p:sp>
+        <p:nvSpPr>
+          <p:cNvPr id="3" name="Espace réservé de la date 2"/>
+          <p:cNvSpPr>
+            <a:spLocks noGrp="1"/>
+          </p:cNvSpPr>
+          <p:nvPr>
+            <p:ph type="dt" idx="1"/>
+          </p:nvPr>
+        </p:nvSpPr>
+        <p:spPr>
+          <a:xfrm>
+            <a:off x="3884613" y="0"/>
+            <a:ext cx="2971800" cy="458788"/>
+          </a:xfrm>
+          <a:prstGeom prst="rect">
+            <a:avLst/>
+          </a:prstGeom>
+        </p:spPr>
+        <p:txBody>
+          <a:bodyPr vert="horz" lIns="91440" tIns="45720" rIns="91440" bIns="45720" rtlCol="0"/>
+          <a:lstStyle>
+            <a:lvl1pPr algn="r">
+              <a:defRPr sz="1200"/>
+            </a:lvl1pPr>
+          </a:lstStyle>
+          <a:p>
+            <a:fld id="{20491FA1-C348-FC47-B52B-56CB588C49A8}" type="datetimeFigureOut">
+              <a:rPr lang="fr-FR" smtClean="0"/>
+              <a:t>12/04/2019</a:t>
+            </a:fld>
+            <a:endParaRPr lang="fr-FR"/>
+          </a:p>
+        </p:txBody>
+      </p:sp>
+      <p:sp>
+        <p:nvSpPr>
+          <p:cNvPr id="4" name="Espace réservé de l’image des diapositives 3"/>
+          <p:cNvSpPr>
+            <a:spLocks noGrp="1" noRot="1" noChangeAspect="1"/>
+          </p:cNvSpPr>
+          <p:nvPr>
+            <p:ph type="sldImg" idx="2"/>
+          </p:nvPr>
+        </p:nvSpPr>
+        <p:spPr>
+          <a:xfrm>
+            <a:off x="685800" y="1143000"/>
+            <a:ext cx="5486400" cy="3086100"/>
+          </a:xfrm>
+          <a:prstGeom prst="rect">
+            <a:avLst/>
+          </a:prstGeom>
+          <a:noFill/>
+          <a:ln w="12700">
+            <a:solidFill>
+              <a:prstClr val="black"/>
+            </a:solidFill>
+          </a:ln>
+        </p:spPr>
+        <p:txBody>
+          <a:bodyPr vert="horz" lIns="91440" tIns="45720" rIns="91440" bIns="45720" rtlCol="0" anchor="ctr"/>
+          <a:lstStyle/>
+          <a:p>
+            <a:endParaRPr lang="fr-FR"/>
+          </a:p>
+        </p:txBody>
+      </p:sp>
+      <p:sp>
+        <p:nvSpPr>
+          <p:cNvPr id="5" name="Espace réservé des commentaires 4"/>
+          <p:cNvSpPr>
+            <a:spLocks noGrp="1"/>
+          </p:cNvSpPr>
+          <p:nvPr>
+            <p:ph type="body" sz="quarter" idx="3"/>
+          </p:nvPr>
+        </p:nvSpPr>
+        <p:spPr>
+          <a:xfrm>
+            <a:off x="685800" y="4400550"/>
+            <a:ext cx="5486400" cy="3600450"/>
+          </a:xfrm>
+          <a:prstGeom prst="rect">
+            <a:avLst/>
+          </a:prstGeom>
+        </p:spPr>
+        <p:txBody>
+          <a:bodyPr vert="horz" lIns="91440" tIns="45720" rIns="91440" bIns="45720" rtlCol="0"/>
+          <a:lstStyle/>
+          <a:p>
+            <a:pPr lvl="0"/>
+            <a:r>
+              <a:rPr lang="fr-FR" smtClean="0"/>
+              <a:t>Cliquez pour modifier les styles du texte du masque</a:t>
+            </a:r>
+          </a:p>
+          <a:p>
+            <a:pPr lvl="1"/>
+            <a:r>
+              <a:rPr lang="fr-FR" smtClean="0"/>
+              <a:t>Deuxième niveau</a:t>
+            </a:r>
+          </a:p>
+          <a:p>
+            <a:pPr lvl="2"/>
+            <a:r>
+              <a:rPr lang="fr-FR" smtClean="0"/>
+              <a:t>Troisième niveau</a:t>
+            </a:r>
+          </a:p>
+          <a:p>
+            <a:pPr lvl="3"/>
+            <a:r>
+              <a:rPr lang="fr-FR" smtClean="0"/>
+              <a:t>Quatrième niveau</a:t>
+            </a:r>
+          </a:p>
+          <a:p>
+            <a:pPr lvl="4"/>
+            <a:r>
+              <a:rPr lang="fr-FR" smtClean="0"/>
+              <a:t>Cinquième niveau</a:t>
+            </a:r>
+            <a:endParaRPr lang="fr-FR"/>
+          </a:p>
+        </p:txBody>
+      </p:sp>
+      <p:sp>
+        <p:nvSpPr>
+          <p:cNvPr id="6" name="Espace réservé du pied de page 5"/>
+          <p:cNvSpPr>
+            <a:spLocks noGrp="1"/>
+          </p:cNvSpPr>
+          <p:nvPr>
+            <p:ph type="ftr" sz="quarter" idx="4"/>
+          </p:nvPr>
+        </p:nvSpPr>
+        <p:spPr>
+          <a:xfrm>
+            <a:off x="0" y="8685213"/>
+            <a:ext cx="2971800" cy="458787"/>
+          </a:xfrm>
+          <a:prstGeom prst="rect">
+            <a:avLst/>
+          </a:prstGeom>
+        </p:spPr>
+        <p:txBody>
+          <a:bodyPr vert="horz" lIns="91440" tIns="45720" rIns="91440" bIns="45720" rtlCol="0" anchor="b"/>
+          <a:lstStyle>
+            <a:lvl1pPr algn="l">
+              <a:defRPr sz="1200"/>
+            </a:lvl1pPr>
+          </a:lstStyle>
+          <a:p>
+            <a:endParaRPr lang="fr-FR"/>
+          </a:p>
+        </p:txBody>
+      </p:sp>
+      <p:sp>
+        <p:nvSpPr>
+          <p:cNvPr id="7" name="Espace réservé du numéro de diapositive 6"/>
+          <p:cNvSpPr>
+            <a:spLocks noGrp="1"/>
+          </p:cNvSpPr>
+          <p:nvPr>
+            <p:ph type="sldNum" sz="quarter" idx="5"/>
+          </p:nvPr>
+        </p:nvSpPr>
+        <p:spPr>
+          <a:xfrm>
+            <a:off x="3884613" y="8685213"/>
+            <a:ext cx="2971800" cy="458787"/>
+          </a:xfrm>
+          <a:prstGeom prst="rect">
+            <a:avLst/>
+          </a:prstGeom>
+        </p:spPr>
+        <p:txBody>
+          <a:bodyPr vert="horz" lIns="91440" tIns="45720" rIns="91440" bIns="45720" rtlCol="0" anchor="b"/>
+          <a:lstStyle>
+            <a:lvl1pPr algn="r">
+              <a:defRPr sz="1200"/>
+            </a:lvl1pPr>
+          </a:lstStyle>
+          <a:p>
+            <a:fld id="{1CE198CE-B989-454F-B59F-5B8F621B0645}" type="slidenum">
+              <a:rPr lang="fr-FR" smtClean="0"/>
+              <a:t>‹#›</a:t>
+            </a:fld>
+            <a:endParaRPr lang="fr-FR"/>
+          </a:p>
+        </p:txBody>
+      </p:sp>
+    </p:spTree>
+    <p:extLst>
+      <p:ext uri="{BB962C8B-B14F-4D97-AF65-F5344CB8AC3E}">
+        <p14:creationId xmlns:p14="http://schemas.microsoft.com/office/powerpoint/2010/main" val="531361697"/>
+      </p:ext>
+    </p:extLst>
+  </p:cSld>
+  <p:clrMap bg1="lt1" tx1="dk1" bg2="lt2" tx2="dk2" accent1="accent1" accent2="accent2" accent3="accent3" accent4="accent4" accent5="accent5" accent6="accent6" hlink="hlink" folHlink="folHlink"/>
+  <p:notesStyle>
+    <a:lvl1pPr marL="0" algn="l" defTabSz="914400" rtl="0" eaLnBrk="1" latinLnBrk="0" hangingPunct="1">
+      <a:defRPr sz="1200" kern="1200">
+        <a:solidFill>
+          <a:schemeClr val="tx1"/>
+        </a:solidFill>
+        <a:latin typeface="+mn-lt"/>
+        <a:ea typeface="+mn-ea"/>
+        <a:cs typeface="+mn-cs"/>
+      </a:defRPr>
+    </a:lvl1pPr>
+    <a:lvl2pPr marL="457200" algn="l" defTabSz="914400" rtl="0" eaLnBrk="1" latinLnBrk="0" hangingPunct="1">
+      <a:defRPr sz="1200" kern="1200">
+        <a:solidFill>
+          <a:schemeClr val="tx1"/>
+        </a:solidFill>
+        <a:latin typeface="+mn-lt"/>
+        <a:ea typeface="+mn-ea"/>
+        <a:cs typeface="+mn-cs"/>
+      </a:defRPr>
+    </a:lvl2pPr>
+    <a:lvl3pPr marL="914400" algn="l" defTabSz="914400" rtl="0" eaLnBrk="1" latinLnBrk="0" hangingPunct="1">
+      <a:defRPr sz="1200" kern="1200">
+        <a:solidFill>
+          <a:schemeClr val="tx1"/>
+        </a:solidFill>
+        <a:latin typeface="+mn-lt"/>
+        <a:ea typeface="+mn-ea"/>
+        <a:cs typeface="+mn-cs"/>
+      </a:defRPr>
+    </a:lvl3pPr>
+    <a:lvl4pPr marL="1371600" algn="l" defTabSz="914400" rtl="0" eaLnBrk="1" latinLnBrk="0" hangingPunct="1">
+      <a:defRPr sz="1200" kern="1200">
+        <a:solidFill>
+          <a:schemeClr val="tx1"/>
+        </a:solidFill>
+        <a:latin typeface="+mn-lt"/>
+        <a:ea typeface="+mn-ea"/>
+        <a:cs typeface="+mn-cs"/>
+      </a:defRPr>
+    </a:lvl4pPr>
+    <a:lvl5pPr marL="1828800" algn="l" defTabSz="914400" rtl="0" eaLnBrk="1" latinLnBrk="0" hangingPunct="1">
+      <a:defRPr sz="1200" kern="1200">
+        <a:solidFill>
+          <a:schemeClr val="tx1"/>
+        </a:solidFill>
+        <a:latin typeface="+mn-lt"/>
+        <a:ea typeface="+mn-ea"/>
+        <a:cs typeface="+mn-cs"/>
+      </a:defRPr>
+    </a:lvl5pPr>
+    <a:lvl6pPr marL="2286000" algn="l" defTabSz="914400" rtl="0" eaLnBrk="1" latinLnBrk="0" hangingPunct="1">
+      <a:defRPr sz="1200" kern="1200">
+        <a:solidFill>
+          <a:schemeClr val="tx1"/>
+        </a:solidFill>
+        <a:latin typeface="+mn-lt"/>
+        <a:ea typeface="+mn-ea"/>
+        <a:cs typeface="+mn-cs"/>
+      </a:defRPr>
+    </a:lvl6pPr>
+    <a:lvl7pPr marL="2743200" algn="l" defTabSz="914400" rtl="0" eaLnBrk="1" latinLnBrk="0" hangingPunct="1">
+      <a:defRPr sz="1200" kern="1200">
+        <a:solidFill>
+          <a:schemeClr val="tx1"/>
+        </a:solidFill>
+        <a:latin typeface="+mn-lt"/>
+        <a:ea typeface="+mn-ea"/>
+        <a:cs typeface="+mn-cs"/>
+      </a:defRPr>
+    </a:lvl7pPr>
+    <a:lvl8pPr marL="3200400" algn="l" defTabSz="914400" rtl="0" eaLnBrk="1" latinLnBrk="0" hangingPunct="1">
+      <a:defRPr sz="1200" kern="1200">
+        <a:solidFill>
+          <a:schemeClr val="tx1"/>
+        </a:solidFill>
+        <a:latin typeface="+mn-lt"/>
+        <a:ea typeface="+mn-ea"/>
+        <a:cs typeface="+mn-cs"/>
+      </a:defRPr>
+    </a:lvl8pPr>
+    <a:lvl9pPr marL="3657600" algn="l" defTabSz="914400" rtl="0" eaLnBrk="1" latinLnBrk="0" hangingPunct="1">
+      <a:defRPr sz="1200" kern="1200">
+        <a:solidFill>
+          <a:schemeClr val="tx1"/>
+        </a:solidFill>
+        <a:latin typeface="+mn-lt"/>
+        <a:ea typeface="+mn-ea"/>
+        <a:cs typeface="+mn-cs"/>
+      </a:defRPr>
+    </a:lvl9pPr>
+  </p:notesStyle>
+</p:notesMaster>
 </file>
 
 <file path=ppt/slideLayouts/slideLayout1.xml><?xml version="1.0" encoding="utf-8"?>
@@ -244,7 +6768,7 @@
           <a:p>
             <a:fld id="{5A886BED-0F7D-664D-B329-5122EAE773E5}" type="datetimeFigureOut">
               <a:rPr lang="fr-FR" smtClean="0"/>
-              <a:t>01/04/2019</a:t>
+              <a:t>12/04/2019</a:t>
             </a:fld>
             <a:endParaRPr lang="fr-FR"/>
           </a:p>
@@ -414,7 +6938,7 @@
           <a:p>
             <a:fld id="{5A886BED-0F7D-664D-B329-5122EAE773E5}" type="datetimeFigureOut">
               <a:rPr lang="fr-FR" smtClean="0"/>
-              <a:t>01/04/2019</a:t>
+              <a:t>12/04/2019</a:t>
             </a:fld>
             <a:endParaRPr lang="fr-FR"/>
           </a:p>
@@ -594,7 +7118,7 @@
           <a:p>
             <a:fld id="{5A886BED-0F7D-664D-B329-5122EAE773E5}" type="datetimeFigureOut">
               <a:rPr lang="fr-FR" smtClean="0"/>
-              <a:t>01/04/2019</a:t>
+              <a:t>12/04/2019</a:t>
             </a:fld>
             <a:endParaRPr lang="fr-FR"/>
           </a:p>
@@ -764,7 +7288,7 @@
           <a:p>
             <a:fld id="{5A886BED-0F7D-664D-B329-5122EAE773E5}" type="datetimeFigureOut">
               <a:rPr lang="fr-FR" smtClean="0"/>
-              <a:t>01/04/2019</a:t>
+              <a:t>12/04/2019</a:t>
             </a:fld>
             <a:endParaRPr lang="fr-FR"/>
           </a:p>
@@ -1010,7 +7534,7 @@
           <a:p>
             <a:fld id="{5A886BED-0F7D-664D-B329-5122EAE773E5}" type="datetimeFigureOut">
               <a:rPr lang="fr-FR" smtClean="0"/>
-              <a:t>01/04/2019</a:t>
+              <a:t>12/04/2019</a:t>
             </a:fld>
             <a:endParaRPr lang="fr-FR"/>
           </a:p>
@@ -1242,7 +7766,7 @@
           <a:p>
             <a:fld id="{5A886BED-0F7D-664D-B329-5122EAE773E5}" type="datetimeFigureOut">
               <a:rPr lang="fr-FR" smtClean="0"/>
-              <a:t>01/04/2019</a:t>
+              <a:t>12/04/2019</a:t>
             </a:fld>
             <a:endParaRPr lang="fr-FR"/>
           </a:p>
@@ -1609,7 +8133,7 @@
           <a:p>
             <a:fld id="{5A886BED-0F7D-664D-B329-5122EAE773E5}" type="datetimeFigureOut">
               <a:rPr lang="fr-FR" smtClean="0"/>
-              <a:t>01/04/2019</a:t>
+              <a:t>12/04/2019</a:t>
             </a:fld>
             <a:endParaRPr lang="fr-FR"/>
           </a:p>
@@ -1727,7 +8251,7 @@
           <a:p>
             <a:fld id="{5A886BED-0F7D-664D-B329-5122EAE773E5}" type="datetimeFigureOut">
               <a:rPr lang="fr-FR" smtClean="0"/>
-              <a:t>01/04/2019</a:t>
+              <a:t>12/04/2019</a:t>
             </a:fld>
             <a:endParaRPr lang="fr-FR"/>
           </a:p>
@@ -1822,7 +8346,7 @@
           <a:p>
             <a:fld id="{5A886BED-0F7D-664D-B329-5122EAE773E5}" type="datetimeFigureOut">
               <a:rPr lang="fr-FR" smtClean="0"/>
-              <a:t>01/04/2019</a:t>
+              <a:t>12/04/2019</a:t>
             </a:fld>
             <a:endParaRPr lang="fr-FR"/>
           </a:p>
@@ -2099,7 +8623,7 @@
           <a:p>
             <a:fld id="{5A886BED-0F7D-664D-B329-5122EAE773E5}" type="datetimeFigureOut">
               <a:rPr lang="fr-FR" smtClean="0"/>
-              <a:t>01/04/2019</a:t>
+              <a:t>12/04/2019</a:t>
             </a:fld>
             <a:endParaRPr lang="fr-FR"/>
           </a:p>
@@ -2352,7 +8876,7 @@
           <a:p>
             <a:fld id="{5A886BED-0F7D-664D-B329-5122EAE773E5}" type="datetimeFigureOut">
               <a:rPr lang="fr-FR" smtClean="0"/>
-              <a:t>01/04/2019</a:t>
+              <a:t>12/04/2019</a:t>
             </a:fld>
             <a:endParaRPr lang="fr-FR"/>
           </a:p>
@@ -2565,7 +9089,7 @@
           <a:p>
             <a:fld id="{5A886BED-0F7D-664D-B329-5122EAE773E5}" type="datetimeFigureOut">
               <a:rPr lang="fr-FR" smtClean="0"/>
-              <a:t>01/04/2019</a:t>
+              <a:t>12/04/2019</a:t>
             </a:fld>
             <a:endParaRPr lang="fr-FR"/>
           </a:p>
@@ -11749,6 +18273,286 @@
 </p:sld>
 </file>
 
+<file path=ppt/slides/slide3.xml><?xml version="1.0" encoding="utf-8"?>
+<p:sld xmlns:a="http://schemas.openxmlformats.org/drawingml/2006/main" xmlns:r="http://schemas.openxmlformats.org/officeDocument/2006/relationships" xmlns:p="http://schemas.openxmlformats.org/presentationml/2006/main">
+  <p:cSld>
+    <p:spTree>
+      <p:nvGrpSpPr>
+        <p:cNvPr id="1" name=""/>
+        <p:cNvGrpSpPr/>
+        <p:nvPr/>
+      </p:nvGrpSpPr>
+      <p:grpSpPr>
+        <a:xfrm>
+          <a:off x="0" y="0"/>
+          <a:ext cx="0" cy="0"/>
+          <a:chOff x="0" y="0"/>
+          <a:chExt cx="0" cy="0"/>
+        </a:xfrm>
+      </p:grpSpPr>
+      <p:pic>
+        <p:nvPicPr>
+          <p:cNvPr id="4" name="Image 3"/>
+          <p:cNvPicPr>
+            <a:picLocks noChangeAspect="1"/>
+          </p:cNvPicPr>
+          <p:nvPr/>
+        </p:nvPicPr>
+        <p:blipFill>
+          <a:blip r:embed="rId2">
+            <a:extLst>
+              <a:ext uri="{28A0092B-C50C-407E-A947-70E740481C1C}">
+                <a14:useLocalDpi xmlns:a14="http://schemas.microsoft.com/office/drawing/2010/main" val="0"/>
+              </a:ext>
+            </a:extLst>
+          </a:blip>
+          <a:stretch>
+            <a:fillRect/>
+          </a:stretch>
+        </p:blipFill>
+        <p:spPr>
+          <a:xfrm>
+            <a:off x="241300" y="114300"/>
+            <a:ext cx="11696700" cy="6629400"/>
+          </a:xfrm>
+          <a:prstGeom prst="rect">
+            <a:avLst/>
+          </a:prstGeom>
+        </p:spPr>
+      </p:pic>
+    </p:spTree>
+    <p:extLst>
+      <p:ext uri="{BB962C8B-B14F-4D97-AF65-F5344CB8AC3E}">
+        <p14:creationId xmlns:p14="http://schemas.microsoft.com/office/powerpoint/2010/main" val="1419693829"/>
+      </p:ext>
+    </p:extLst>
+  </p:cSld>
+  <p:clrMapOvr>
+    <a:masterClrMapping/>
+  </p:clrMapOvr>
+</p:sld>
+</file>
+
+<file path=ppt/slides/slide4.xml><?xml version="1.0" encoding="utf-8"?>
+<p:sld xmlns:a="http://schemas.openxmlformats.org/drawingml/2006/main" xmlns:r="http://schemas.openxmlformats.org/officeDocument/2006/relationships" xmlns:p="http://schemas.openxmlformats.org/presentationml/2006/main">
+  <p:cSld>
+    <p:spTree>
+      <p:nvGrpSpPr>
+        <p:cNvPr id="1" name=""/>
+        <p:cNvGrpSpPr/>
+        <p:nvPr/>
+      </p:nvGrpSpPr>
+      <p:grpSpPr>
+        <a:xfrm>
+          <a:off x="0" y="0"/>
+          <a:ext cx="0" cy="0"/>
+          <a:chOff x="0" y="0"/>
+          <a:chExt cx="0" cy="0"/>
+        </a:xfrm>
+      </p:grpSpPr>
+      <p:graphicFrame>
+        <p:nvGraphicFramePr>
+          <p:cNvPr id="5" name="Diagramme 4"/>
+          <p:cNvGraphicFramePr/>
+          <p:nvPr>
+            <p:extLst>
+              <p:ext uri="{D42A27DB-BD31-4B8C-83A1-F6EECF244321}">
+                <p14:modId xmlns:p14="http://schemas.microsoft.com/office/powerpoint/2010/main" val="170040378"/>
+              </p:ext>
+            </p:extLst>
+          </p:nvPr>
+        </p:nvGraphicFramePr>
+        <p:xfrm>
+          <a:off x="1061965" y="-84084"/>
+          <a:ext cx="10920250" cy="1639614"/>
+        </p:xfrm>
+        <a:graphic>
+          <a:graphicData uri="http://schemas.openxmlformats.org/drawingml/2006/diagram">
+            <dgm:relIds xmlns:dgm="http://schemas.openxmlformats.org/drawingml/2006/diagram" xmlns:r="http://schemas.openxmlformats.org/officeDocument/2006/relationships" r:dm="rId2" r:lo="rId3" r:qs="rId4" r:cs="rId5"/>
+          </a:graphicData>
+        </a:graphic>
+      </p:graphicFrame>
+      <p:graphicFrame>
+        <p:nvGraphicFramePr>
+          <p:cNvPr id="8" name="Diagramme 7"/>
+          <p:cNvGraphicFramePr/>
+          <p:nvPr>
+            <p:extLst>
+              <p:ext uri="{D42A27DB-BD31-4B8C-83A1-F6EECF244321}">
+                <p14:modId xmlns:p14="http://schemas.microsoft.com/office/powerpoint/2010/main" val="695733484"/>
+              </p:ext>
+            </p:extLst>
+          </p:nvPr>
+        </p:nvGraphicFramePr>
+        <p:xfrm>
+          <a:off x="-4668275" y="1489524"/>
+          <a:ext cx="10920250" cy="4942806"/>
+        </p:xfrm>
+        <a:graphic>
+          <a:graphicData uri="http://schemas.openxmlformats.org/drawingml/2006/diagram">
+            <dgm:relIds xmlns:dgm="http://schemas.openxmlformats.org/drawingml/2006/diagram" xmlns:r="http://schemas.openxmlformats.org/officeDocument/2006/relationships" r:dm="rId7" r:lo="rId8" r:qs="rId9" r:cs="rId10"/>
+          </a:graphicData>
+        </a:graphic>
+      </p:graphicFrame>
+      <p:sp>
+        <p:nvSpPr>
+          <p:cNvPr id="10" name="Rectangle à coins arrondis 9"/>
+          <p:cNvSpPr/>
+          <p:nvPr/>
+        </p:nvSpPr>
+        <p:spPr>
+          <a:xfrm>
+            <a:off x="9412224" y="1489524"/>
+            <a:ext cx="2487168" cy="4167564"/>
+          </a:xfrm>
+          <a:prstGeom prst="roundRect">
+            <a:avLst>
+              <a:gd name="adj" fmla="val 4412"/>
+            </a:avLst>
+          </a:prstGeom>
+        </p:spPr>
+        <p:style>
+          <a:lnRef idx="2">
+            <a:schemeClr val="dk1"/>
+          </a:lnRef>
+          <a:fillRef idx="1">
+            <a:schemeClr val="lt1"/>
+          </a:fillRef>
+          <a:effectRef idx="0">
+            <a:schemeClr val="dk1"/>
+          </a:effectRef>
+          <a:fontRef idx="minor">
+            <a:schemeClr val="dk1"/>
+          </a:fontRef>
+        </p:style>
+        <p:txBody>
+          <a:bodyPr rtlCol="0" anchor="ctr"/>
+          <a:lstStyle/>
+          <a:p>
+            <a:pPr marL="285750" indent="-285750" algn="ctr">
+              <a:buFontTx/>
+              <a:buChar char="-"/>
+            </a:pPr>
+            <a:r>
+              <a:rPr lang="fr-FR" dirty="0" smtClean="0"/>
+              <a:t>DSM </a:t>
+            </a:r>
+            <a:r>
+              <a:rPr lang="fr-FR" dirty="0"/>
+              <a:t>(</a:t>
+            </a:r>
+            <a:r>
+              <a:rPr lang="fr-FR" dirty="0" err="1"/>
+              <a:t>Hernández</a:t>
+            </a:r>
+            <a:r>
+              <a:rPr lang="fr-FR" dirty="0"/>
+              <a:t> and Navarro, 2014). </a:t>
+            </a:r>
+            <a:endParaRPr lang="fr-FR" dirty="0"/>
+          </a:p>
+          <a:p>
+            <a:pPr marL="285750" indent="-285750" algn="ctr">
+              <a:buFontTx/>
+              <a:buChar char="-"/>
+            </a:pPr>
+            <a:endParaRPr lang="fr-FR" dirty="0" smtClean="0"/>
+          </a:p>
+        </p:txBody>
+      </p:sp>
+      <p:sp>
+        <p:nvSpPr>
+          <p:cNvPr id="11" name="Rectangle à coins arrondis 10"/>
+          <p:cNvSpPr/>
+          <p:nvPr/>
+        </p:nvSpPr>
+        <p:spPr>
+          <a:xfrm>
+            <a:off x="3806219" y="1641924"/>
+            <a:ext cx="2487168" cy="4167564"/>
+          </a:xfrm>
+          <a:prstGeom prst="roundRect">
+            <a:avLst>
+              <a:gd name="adj" fmla="val 4412"/>
+            </a:avLst>
+          </a:prstGeom>
+        </p:spPr>
+        <p:style>
+          <a:lnRef idx="2">
+            <a:schemeClr val="dk1"/>
+          </a:lnRef>
+          <a:fillRef idx="1">
+            <a:schemeClr val="lt1"/>
+          </a:fillRef>
+          <a:effectRef idx="0">
+            <a:schemeClr val="dk1"/>
+          </a:effectRef>
+          <a:fontRef idx="minor">
+            <a:schemeClr val="dk1"/>
+          </a:fontRef>
+        </p:style>
+        <p:txBody>
+          <a:bodyPr rtlCol="0" anchor="ctr"/>
+          <a:lstStyle/>
+          <a:p>
+            <a:pPr marL="285750" indent="-285750" algn="ctr">
+              <a:buFontTx/>
+              <a:buChar char="-"/>
+            </a:pPr>
+            <a:r>
+              <a:rPr lang="fr-FR" dirty="0" err="1" smtClean="0"/>
+              <a:t>VoG</a:t>
+            </a:r>
+            <a:endParaRPr lang="fr-FR" dirty="0" smtClean="0"/>
+          </a:p>
+          <a:p>
+            <a:pPr marL="285750" indent="-285750" algn="ctr">
+              <a:buFontTx/>
+              <a:buChar char="-"/>
+            </a:pPr>
+            <a:r>
+              <a:rPr lang="fr-FR" dirty="0" err="1" smtClean="0"/>
+              <a:t>VoG-Overlapp</a:t>
+            </a:r>
+            <a:endParaRPr lang="fr-FR" dirty="0" smtClean="0"/>
+          </a:p>
+          <a:p>
+            <a:pPr marL="285750" indent="-285750" algn="ctr">
+              <a:buFontTx/>
+              <a:buChar char="-"/>
+            </a:pPr>
+            <a:r>
+              <a:rPr lang="fr-FR" dirty="0" err="1" smtClean="0"/>
+              <a:t>TimeCrunch</a:t>
+            </a:r>
+            <a:endParaRPr lang="fr-FR" dirty="0" smtClean="0"/>
+          </a:p>
+          <a:p>
+            <a:pPr marL="285750" indent="-285750" algn="ctr">
+              <a:buFontTx/>
+              <a:buChar char="-"/>
+            </a:pPr>
+            <a:r>
+              <a:rPr lang="fr-FR" dirty="0" err="1" smtClean="0"/>
+              <a:t>CanDenSE</a:t>
+            </a:r>
+            <a:endParaRPr lang="fr-FR" dirty="0" smtClean="0"/>
+          </a:p>
+        </p:txBody>
+      </p:sp>
+    </p:spTree>
+    <p:extLst>
+      <p:ext uri="{BB962C8B-B14F-4D97-AF65-F5344CB8AC3E}">
+        <p14:creationId xmlns:p14="http://schemas.microsoft.com/office/powerpoint/2010/main" val="810314569"/>
+      </p:ext>
+    </p:extLst>
+  </p:cSld>
+  <p:clrMapOvr>
+    <a:masterClrMapping/>
+  </p:clrMapOvr>
+</p:sld>
+</file>
+
 <file path=ppt/theme/theme1.xml><?xml version="1.0" encoding="utf-8"?>
 <a:theme xmlns:a="http://schemas.openxmlformats.org/drawingml/2006/main" name="Thème Office">
   <a:themeElements>
@@ -12008,4 +18812,265 @@
     </a:ext>
   </a:extLst>
 </a:theme>
+</file>
+
+<file path=ppt/theme/theme2.xml><?xml version="1.0" encoding="utf-8"?>
+<a:theme xmlns:a="http://schemas.openxmlformats.org/drawingml/2006/main" name="Thème Office">
+  <a:themeElements>
+    <a:clrScheme name="Bureau">
+      <a:dk1>
+        <a:sysClr val="windowText" lastClr="000000"/>
+      </a:dk1>
+      <a:lt1>
+        <a:sysClr val="window" lastClr="FFFFFF"/>
+      </a:lt1>
+      <a:dk2>
+        <a:srgbClr val="44546A"/>
+      </a:dk2>
+      <a:lt2>
+        <a:srgbClr val="E7E6E6"/>
+      </a:lt2>
+      <a:accent1>
+        <a:srgbClr val="4472C4"/>
+      </a:accent1>
+      <a:accent2>
+        <a:srgbClr val="ED7D31"/>
+      </a:accent2>
+      <a:accent3>
+        <a:srgbClr val="A5A5A5"/>
+      </a:accent3>
+      <a:accent4>
+        <a:srgbClr val="FFC000"/>
+      </a:accent4>
+      <a:accent5>
+        <a:srgbClr val="5B9BD5"/>
+      </a:accent5>
+      <a:accent6>
+        <a:srgbClr val="70AD47"/>
+      </a:accent6>
+      <a:hlink>
+        <a:srgbClr val="0563C1"/>
+      </a:hlink>
+      <a:folHlink>
+        <a:srgbClr val="954F72"/>
+      </a:folHlink>
+    </a:clrScheme>
+    <a:fontScheme name="Bureau">
+      <a:majorFont>
+        <a:latin typeface="Calibri Light" panose="020F0302020204030204"/>
+        <a:ea typeface=""/>
+        <a:cs typeface=""/>
+        <a:font script="Jpan" typeface="Yu Gothic Light"/>
+        <a:font script="Hang" typeface="맑은 고딕"/>
+        <a:font script="Hans" typeface="DengXian Light"/>
+        <a:font script="Hant" typeface="新細明體"/>
+        <a:font script="Arab" typeface="Times New Roman"/>
+        <a:font script="Hebr" typeface="Times New Roman"/>
+        <a:font script="Thai" typeface="Angsana New"/>
+        <a:font script="Ethi" typeface="Nyala"/>
+        <a:font script="Beng" typeface="Vrinda"/>
+        <a:font script="Gujr" typeface="Shruti"/>
+        <a:font script="Khmr" typeface="MoolBoran"/>
+        <a:font script="Knda" typeface="Tunga"/>
+        <a:font script="Guru" typeface="Raavi"/>
+        <a:font script="Cans" typeface="Euphemia"/>
+        <a:font script="Cher" typeface="Plantagenet Cherokee"/>
+        <a:font script="Yiii" typeface="Microsoft Yi Baiti"/>
+        <a:font script="Tibt" typeface="Microsoft Himalaya"/>
+        <a:font script="Thaa" typeface="MV Boli"/>
+        <a:font script="Deva" typeface="Mangal"/>
+        <a:font script="Telu" typeface="Gautami"/>
+        <a:font script="Taml" typeface="Latha"/>
+        <a:font script="Syrc" typeface="Estrangelo Edessa"/>
+        <a:font script="Orya" typeface="Kalinga"/>
+        <a:font script="Mlym" typeface="Kartika"/>
+        <a:font script="Laoo" typeface="DokChampa"/>
+        <a:font script="Sinh" typeface="Iskoola Pota"/>
+        <a:font script="Mong" typeface="Mongolian Baiti"/>
+        <a:font script="Viet" typeface="Times New Roman"/>
+        <a:font script="Uigh" typeface="Microsoft Uighur"/>
+        <a:font script="Geor" typeface="Sylfaen"/>
+      </a:majorFont>
+      <a:minorFont>
+        <a:latin typeface="Calibri" panose="020F0502020204030204"/>
+        <a:ea typeface=""/>
+        <a:cs typeface=""/>
+        <a:font script="Jpan" typeface="Yu Gothic"/>
+        <a:font script="Hang" typeface="맑은 고딕"/>
+        <a:font script="Hans" typeface="DengXian"/>
+        <a:font script="Hant" typeface="新細明體"/>
+        <a:font script="Arab" typeface="Arial"/>
+        <a:font script="Hebr" typeface="Arial"/>
+        <a:font script="Thai" typeface="Cordia New"/>
+        <a:font script="Ethi" typeface="Nyala"/>
+        <a:font script="Beng" typeface="Vrinda"/>
+        <a:font script="Gujr" typeface="Shruti"/>
+        <a:font script="Khmr" typeface="DaunPenh"/>
+        <a:font script="Knda" typeface="Tunga"/>
+        <a:font script="Guru" typeface="Raavi"/>
+        <a:font script="Cans" typeface="Euphemia"/>
+        <a:font script="Cher" typeface="Plantagenet Cherokee"/>
+        <a:font script="Yiii" typeface="Microsoft Yi Baiti"/>
+        <a:font script="Tibt" typeface="Microsoft Himalaya"/>
+        <a:font script="Thaa" typeface="MV Boli"/>
+        <a:font script="Deva" typeface="Mangal"/>
+        <a:font script="Telu" typeface="Gautami"/>
+        <a:font script="Taml" typeface="Latha"/>
+        <a:font script="Syrc" typeface="Estrangelo Edessa"/>
+        <a:font script="Orya" typeface="Kalinga"/>
+        <a:font script="Mlym" typeface="Kartika"/>
+        <a:font script="Laoo" typeface="DokChampa"/>
+        <a:font script="Sinh" typeface="Iskoola Pota"/>
+        <a:font script="Mong" typeface="Mongolian Baiti"/>
+        <a:font script="Viet" typeface="Arial"/>
+        <a:font script="Uigh" typeface="Microsoft Uighur"/>
+        <a:font script="Geor" typeface="Sylfaen"/>
+      </a:minorFont>
+    </a:fontScheme>
+    <a:fmtScheme name="Bureau">
+      <a:fillStyleLst>
+        <a:solidFill>
+          <a:schemeClr val="phClr"/>
+        </a:solidFill>
+        <a:gradFill rotWithShape="1">
+          <a:gsLst>
+            <a:gs pos="0">
+              <a:schemeClr val="phClr">
+                <a:lumMod val="110000"/>
+                <a:satMod val="105000"/>
+                <a:tint val="67000"/>
+              </a:schemeClr>
+            </a:gs>
+            <a:gs pos="50000">
+              <a:schemeClr val="phClr">
+                <a:lumMod val="105000"/>
+                <a:satMod val="103000"/>
+                <a:tint val="73000"/>
+              </a:schemeClr>
+            </a:gs>
+            <a:gs pos="100000">
+              <a:schemeClr val="phClr">
+                <a:lumMod val="105000"/>
+                <a:satMod val="109000"/>
+                <a:tint val="81000"/>
+              </a:schemeClr>
+            </a:gs>
+          </a:gsLst>
+          <a:lin ang="5400000" scaled="0"/>
+        </a:gradFill>
+        <a:gradFill rotWithShape="1">
+          <a:gsLst>
+            <a:gs pos="0">
+              <a:schemeClr val="phClr">
+                <a:satMod val="103000"/>
+                <a:lumMod val="102000"/>
+                <a:tint val="94000"/>
+              </a:schemeClr>
+            </a:gs>
+            <a:gs pos="50000">
+              <a:schemeClr val="phClr">
+                <a:satMod val="110000"/>
+                <a:lumMod val="100000"/>
+                <a:shade val="100000"/>
+              </a:schemeClr>
+            </a:gs>
+            <a:gs pos="100000">
+              <a:schemeClr val="phClr">
+                <a:lumMod val="99000"/>
+                <a:satMod val="120000"/>
+                <a:shade val="78000"/>
+              </a:schemeClr>
+            </a:gs>
+          </a:gsLst>
+          <a:lin ang="5400000" scaled="0"/>
+        </a:gradFill>
+      </a:fillStyleLst>
+      <a:lnStyleLst>
+        <a:ln w="6350" cap="flat" cmpd="sng" algn="ctr">
+          <a:solidFill>
+            <a:schemeClr val="phClr"/>
+          </a:solidFill>
+          <a:prstDash val="solid"/>
+          <a:miter lim="800000"/>
+        </a:ln>
+        <a:ln w="12700" cap="flat" cmpd="sng" algn="ctr">
+          <a:solidFill>
+            <a:schemeClr val="phClr"/>
+          </a:solidFill>
+          <a:prstDash val="solid"/>
+          <a:miter lim="800000"/>
+        </a:ln>
+        <a:ln w="19050" cap="flat" cmpd="sng" algn="ctr">
+          <a:solidFill>
+            <a:schemeClr val="phClr"/>
+          </a:solidFill>
+          <a:prstDash val="solid"/>
+          <a:miter lim="800000"/>
+        </a:ln>
+      </a:lnStyleLst>
+      <a:effectStyleLst>
+        <a:effectStyle>
+          <a:effectLst/>
+        </a:effectStyle>
+        <a:effectStyle>
+          <a:effectLst/>
+        </a:effectStyle>
+        <a:effectStyle>
+          <a:effectLst>
+            <a:outerShdw blurRad="57150" dist="19050" dir="5400000" algn="ctr" rotWithShape="0">
+              <a:srgbClr val="000000">
+                <a:alpha val="63000"/>
+              </a:srgbClr>
+            </a:outerShdw>
+          </a:effectLst>
+        </a:effectStyle>
+      </a:effectStyleLst>
+      <a:bgFillStyleLst>
+        <a:solidFill>
+          <a:schemeClr val="phClr"/>
+        </a:solidFill>
+        <a:solidFill>
+          <a:schemeClr val="phClr">
+            <a:tint val="95000"/>
+            <a:satMod val="170000"/>
+          </a:schemeClr>
+        </a:solidFill>
+        <a:gradFill rotWithShape="1">
+          <a:gsLst>
+            <a:gs pos="0">
+              <a:schemeClr val="phClr">
+                <a:tint val="93000"/>
+                <a:satMod val="150000"/>
+                <a:shade val="98000"/>
+                <a:lumMod val="102000"/>
+              </a:schemeClr>
+            </a:gs>
+            <a:gs pos="50000">
+              <a:schemeClr val="phClr">
+                <a:tint val="98000"/>
+                <a:satMod val="130000"/>
+                <a:shade val="90000"/>
+                <a:lumMod val="103000"/>
+              </a:schemeClr>
+            </a:gs>
+            <a:gs pos="100000">
+              <a:schemeClr val="phClr">
+                <a:shade val="63000"/>
+                <a:satMod val="120000"/>
+              </a:schemeClr>
+            </a:gs>
+          </a:gsLst>
+          <a:lin ang="5400000" scaled="0"/>
+        </a:gradFill>
+      </a:bgFillStyleLst>
+    </a:fmtScheme>
+  </a:themeElements>
+  <a:objectDefaults/>
+  <a:extraClrSchemeLst/>
+  <a:extLst>
+    <a:ext uri="{05A4C25C-085E-4340-85A3-A5531E510DB2}">
+      <thm15:themeFamily xmlns:thm15="http://schemas.microsoft.com/office/thememl/2012/main" name="Office Theme" id="{62F939B6-93AF-4DB8-9C6B-D6C7DFDC589F}" vid="{4A3C46E8-61CC-4603-A589-7422A47A8E4A}"/>
+    </a:ext>
+  </a:extLst>
+</a:theme>
 </file>
--- a/ressources/psd/Présentation1.pptx
+++ b/ressources/psd/Présentation1.pptx
@@ -925,813 +925,6 @@
 </dgm:colorsDef>
 </file>
 
-<file path=ppt/diagrams/colors2.xml><?xml version="1.0" encoding="utf-8"?>
-<dgm:colorsDef xmlns:dgm="http://schemas.openxmlformats.org/drawingml/2006/diagram" xmlns:a="http://schemas.openxmlformats.org/drawingml/2006/main" uniqueId="urn:microsoft.com/office/officeart/2005/8/colors/accent0_1">
-  <dgm:title val=""/>
-  <dgm:desc val=""/>
-  <dgm:catLst>
-    <dgm:cat type="mainScheme" pri="10100"/>
-  </dgm:catLst>
-  <dgm:styleLbl name="node0">
-    <dgm:fillClrLst meth="repeat">
-      <a:schemeClr val="lt1"/>
-    </dgm:fillClrLst>
-    <dgm:linClrLst meth="repeat">
-      <a:schemeClr val="dk1">
-        <a:shade val="80000"/>
-      </a:schemeClr>
-    </dgm:linClrLst>
-    <dgm:effectClrLst/>
-    <dgm:txLinClrLst/>
-    <dgm:txFillClrLst meth="repeat">
-      <a:schemeClr val="dk1"/>
-    </dgm:txFillClrLst>
-    <dgm:txEffectClrLst/>
-  </dgm:styleLbl>
-  <dgm:styleLbl name="node1">
-    <dgm:fillClrLst meth="repeat">
-      <a:schemeClr val="lt1"/>
-    </dgm:fillClrLst>
-    <dgm:linClrLst meth="repeat">
-      <a:schemeClr val="dk1">
-        <a:shade val="80000"/>
-      </a:schemeClr>
-    </dgm:linClrLst>
-    <dgm:effectClrLst/>
-    <dgm:txLinClrLst/>
-    <dgm:txFillClrLst meth="repeat">
-      <a:schemeClr val="dk1"/>
-    </dgm:txFillClrLst>
-    <dgm:txEffectClrLst/>
-  </dgm:styleLbl>
-  <dgm:styleLbl name="alignNode1">
-    <dgm:fillClrLst meth="repeat">
-      <a:schemeClr val="lt1"/>
-    </dgm:fillClrLst>
-    <dgm:linClrLst meth="repeat">
-      <a:schemeClr val="dk1">
-        <a:shade val="80000"/>
-      </a:schemeClr>
-    </dgm:linClrLst>
-    <dgm:effectClrLst/>
-    <dgm:txLinClrLst/>
-    <dgm:txFillClrLst meth="repeat">
-      <a:schemeClr val="dk1"/>
-    </dgm:txFillClrLst>
-    <dgm:txEffectClrLst/>
-  </dgm:styleLbl>
-  <dgm:styleLbl name="lnNode1">
-    <dgm:fillClrLst meth="repeat">
-      <a:schemeClr val="lt1"/>
-    </dgm:fillClrLst>
-    <dgm:linClrLst meth="repeat">
-      <a:schemeClr val="dk1">
-        <a:shade val="80000"/>
-      </a:schemeClr>
-    </dgm:linClrLst>
-    <dgm:effectClrLst/>
-    <dgm:txLinClrLst/>
-    <dgm:txFillClrLst meth="repeat">
-      <a:schemeClr val="dk1"/>
-    </dgm:txFillClrLst>
-    <dgm:txEffectClrLst/>
-  </dgm:styleLbl>
-  <dgm:styleLbl name="vennNode1">
-    <dgm:fillClrLst meth="repeat">
-      <a:schemeClr val="lt1">
-        <a:alpha val="50000"/>
-      </a:schemeClr>
-    </dgm:fillClrLst>
-    <dgm:linClrLst meth="repeat">
-      <a:schemeClr val="dk1">
-        <a:shade val="80000"/>
-      </a:schemeClr>
-    </dgm:linClrLst>
-    <dgm:effectClrLst/>
-    <dgm:txLinClrLst/>
-    <dgm:txFillClrLst/>
-    <dgm:txEffectClrLst/>
-  </dgm:styleLbl>
-  <dgm:styleLbl name="node2">
-    <dgm:fillClrLst meth="repeat">
-      <a:schemeClr val="lt1"/>
-    </dgm:fillClrLst>
-    <dgm:linClrLst meth="repeat">
-      <a:schemeClr val="dk1">
-        <a:shade val="80000"/>
-      </a:schemeClr>
-    </dgm:linClrLst>
-    <dgm:effectClrLst/>
-    <dgm:txLinClrLst/>
-    <dgm:txFillClrLst meth="repeat">
-      <a:schemeClr val="dk1"/>
-    </dgm:txFillClrLst>
-    <dgm:txEffectClrLst/>
-  </dgm:styleLbl>
-  <dgm:styleLbl name="node3">
-    <dgm:fillClrLst meth="repeat">
-      <a:schemeClr val="lt1"/>
-    </dgm:fillClrLst>
-    <dgm:linClrLst meth="repeat">
-      <a:schemeClr val="dk1">
-        <a:shade val="80000"/>
-      </a:schemeClr>
-    </dgm:linClrLst>
-    <dgm:effectClrLst/>
-    <dgm:txLinClrLst/>
-    <dgm:txFillClrLst meth="repeat">
-      <a:schemeClr val="dk1"/>
-    </dgm:txFillClrLst>
-    <dgm:txEffectClrLst/>
-  </dgm:styleLbl>
-  <dgm:styleLbl name="node4">
-    <dgm:fillClrLst meth="repeat">
-      <a:schemeClr val="lt1"/>
-    </dgm:fillClrLst>
-    <dgm:linClrLst meth="repeat">
-      <a:schemeClr val="dk1">
-        <a:shade val="80000"/>
-      </a:schemeClr>
-    </dgm:linClrLst>
-    <dgm:effectClrLst/>
-    <dgm:txLinClrLst/>
-    <dgm:txFillClrLst meth="repeat">
-      <a:schemeClr val="dk1"/>
-    </dgm:txFillClrLst>
-    <dgm:txEffectClrLst/>
-  </dgm:styleLbl>
-  <dgm:styleLbl name="fgImgPlace1">
-    <dgm:fillClrLst meth="repeat">
-      <a:schemeClr val="dk1">
-        <a:tint val="40000"/>
-      </a:schemeClr>
-    </dgm:fillClrLst>
-    <dgm:linClrLst meth="repeat">
-      <a:schemeClr val="dk1">
-        <a:shade val="80000"/>
-      </a:schemeClr>
-    </dgm:linClrLst>
-    <dgm:effectClrLst/>
-    <dgm:txLinClrLst/>
-    <dgm:txFillClrLst meth="repeat">
-      <a:schemeClr val="lt1"/>
-    </dgm:txFillClrLst>
-    <dgm:txEffectClrLst/>
-  </dgm:styleLbl>
-  <dgm:styleLbl name="alignImgPlace1">
-    <dgm:fillClrLst meth="repeat">
-      <a:schemeClr val="dk1">
-        <a:tint val="40000"/>
-      </a:schemeClr>
-    </dgm:fillClrLst>
-    <dgm:linClrLst meth="repeat">
-      <a:schemeClr val="dk1">
-        <a:shade val="80000"/>
-      </a:schemeClr>
-    </dgm:linClrLst>
-    <dgm:effectClrLst/>
-    <dgm:txLinClrLst/>
-    <dgm:txFillClrLst meth="repeat">
-      <a:schemeClr val="lt1"/>
-    </dgm:txFillClrLst>
-    <dgm:txEffectClrLst/>
-  </dgm:styleLbl>
-  <dgm:styleLbl name="bgImgPlace1">
-    <dgm:fillClrLst meth="repeat">
-      <a:schemeClr val="dk1">
-        <a:tint val="40000"/>
-      </a:schemeClr>
-    </dgm:fillClrLst>
-    <dgm:linClrLst meth="repeat">
-      <a:schemeClr val="dk1">
-        <a:shade val="80000"/>
-      </a:schemeClr>
-    </dgm:linClrLst>
-    <dgm:effectClrLst/>
-    <dgm:txLinClrLst/>
-    <dgm:txFillClrLst meth="repeat">
-      <a:schemeClr val="lt1"/>
-    </dgm:txFillClrLst>
-    <dgm:txEffectClrLst/>
-  </dgm:styleLbl>
-  <dgm:styleLbl name="sibTrans2D1">
-    <dgm:fillClrLst meth="repeat">
-      <a:schemeClr val="dk1">
-        <a:tint val="60000"/>
-      </a:schemeClr>
-    </dgm:fillClrLst>
-    <dgm:linClrLst meth="repeat">
-      <a:schemeClr val="dk1">
-        <a:tint val="60000"/>
-      </a:schemeClr>
-    </dgm:linClrLst>
-    <dgm:effectClrLst/>
-    <dgm:txLinClrLst/>
-    <dgm:txFillClrLst meth="repeat">
-      <a:schemeClr val="dk1"/>
-    </dgm:txFillClrLst>
-    <dgm:txEffectClrLst/>
-  </dgm:styleLbl>
-  <dgm:styleLbl name="fgSibTrans2D1">
-    <dgm:fillClrLst meth="repeat">
-      <a:schemeClr val="dk1">
-        <a:tint val="60000"/>
-      </a:schemeClr>
-    </dgm:fillClrLst>
-    <dgm:linClrLst meth="repeat">
-      <a:schemeClr val="dk1">
-        <a:tint val="60000"/>
-      </a:schemeClr>
-    </dgm:linClrLst>
-    <dgm:effectClrLst/>
-    <dgm:txLinClrLst/>
-    <dgm:txFillClrLst meth="repeat">
-      <a:schemeClr val="dk1"/>
-    </dgm:txFillClrLst>
-    <dgm:txEffectClrLst/>
-  </dgm:styleLbl>
-  <dgm:styleLbl name="bgSibTrans2D1">
-    <dgm:fillClrLst meth="repeat">
-      <a:schemeClr val="dk1">
-        <a:tint val="60000"/>
-      </a:schemeClr>
-    </dgm:fillClrLst>
-    <dgm:linClrLst meth="repeat">
-      <a:schemeClr val="dk1">
-        <a:tint val="60000"/>
-      </a:schemeClr>
-    </dgm:linClrLst>
-    <dgm:effectClrLst/>
-    <dgm:txLinClrLst/>
-    <dgm:txFillClrLst meth="repeat">
-      <a:schemeClr val="dk1"/>
-    </dgm:txFillClrLst>
-    <dgm:txEffectClrLst/>
-  </dgm:styleLbl>
-  <dgm:styleLbl name="sibTrans1D1">
-    <dgm:fillClrLst meth="repeat">
-      <a:schemeClr val="dk1"/>
-    </dgm:fillClrLst>
-    <dgm:linClrLst meth="repeat">
-      <a:schemeClr val="dk1"/>
-    </dgm:linClrLst>
-    <dgm:effectClrLst/>
-    <dgm:txLinClrLst/>
-    <dgm:txFillClrLst meth="repeat">
-      <a:schemeClr val="tx1"/>
-    </dgm:txFillClrLst>
-    <dgm:txEffectClrLst/>
-  </dgm:styleLbl>
-  <dgm:styleLbl name="callout">
-    <dgm:fillClrLst meth="repeat">
-      <a:schemeClr val="dk1"/>
-    </dgm:fillClrLst>
-    <dgm:linClrLst meth="repeat">
-      <a:schemeClr val="dk1"/>
-    </dgm:linClrLst>
-    <dgm:effectClrLst/>
-    <dgm:txLinClrLst/>
-    <dgm:txFillClrLst meth="repeat">
-      <a:schemeClr val="tx1"/>
-    </dgm:txFillClrLst>
-    <dgm:txEffectClrLst/>
-  </dgm:styleLbl>
-  <dgm:styleLbl name="asst0">
-    <dgm:fillClrLst meth="repeat">
-      <a:schemeClr val="lt1"/>
-    </dgm:fillClrLst>
-    <dgm:linClrLst meth="repeat">
-      <a:schemeClr val="dk1">
-        <a:shade val="80000"/>
-      </a:schemeClr>
-    </dgm:linClrLst>
-    <dgm:effectClrLst/>
-    <dgm:txLinClrLst/>
-    <dgm:txFillClrLst meth="repeat">
-      <a:schemeClr val="dk1"/>
-    </dgm:txFillClrLst>
-    <dgm:txEffectClrLst/>
-  </dgm:styleLbl>
-  <dgm:styleLbl name="asst1">
-    <dgm:fillClrLst meth="repeat">
-      <a:schemeClr val="lt1"/>
-    </dgm:fillClrLst>
-    <dgm:linClrLst meth="repeat">
-      <a:schemeClr val="dk1">
-        <a:shade val="80000"/>
-      </a:schemeClr>
-    </dgm:linClrLst>
-    <dgm:effectClrLst/>
-    <dgm:txLinClrLst/>
-    <dgm:txFillClrLst meth="repeat">
-      <a:schemeClr val="dk1"/>
-    </dgm:txFillClrLst>
-    <dgm:txEffectClrLst/>
-  </dgm:styleLbl>
-  <dgm:styleLbl name="asst2">
-    <dgm:fillClrLst meth="repeat">
-      <a:schemeClr val="lt1"/>
-    </dgm:fillClrLst>
-    <dgm:linClrLst meth="repeat">
-      <a:schemeClr val="dk1">
-        <a:shade val="80000"/>
-      </a:schemeClr>
-    </dgm:linClrLst>
-    <dgm:effectClrLst/>
-    <dgm:txLinClrLst/>
-    <dgm:txFillClrLst meth="repeat">
-      <a:schemeClr val="dk1"/>
-    </dgm:txFillClrLst>
-    <dgm:txEffectClrLst/>
-  </dgm:styleLbl>
-  <dgm:styleLbl name="asst3">
-    <dgm:fillClrLst meth="repeat">
-      <a:schemeClr val="lt1"/>
-    </dgm:fillClrLst>
-    <dgm:linClrLst meth="repeat">
-      <a:schemeClr val="dk1">
-        <a:shade val="80000"/>
-      </a:schemeClr>
-    </dgm:linClrLst>
-    <dgm:effectClrLst/>
-    <dgm:txLinClrLst/>
-    <dgm:txFillClrLst meth="repeat">
-      <a:schemeClr val="dk1"/>
-    </dgm:txFillClrLst>
-    <dgm:txEffectClrLst/>
-  </dgm:styleLbl>
-  <dgm:styleLbl name="asst4">
-    <dgm:fillClrLst meth="repeat">
-      <a:schemeClr val="lt1"/>
-    </dgm:fillClrLst>
-    <dgm:linClrLst meth="repeat">
-      <a:schemeClr val="dk1">
-        <a:shade val="80000"/>
-      </a:schemeClr>
-    </dgm:linClrLst>
-    <dgm:effectClrLst/>
-    <dgm:txLinClrLst/>
-    <dgm:txFillClrLst meth="repeat">
-      <a:schemeClr val="dk1"/>
-    </dgm:txFillClrLst>
-    <dgm:txEffectClrLst/>
-  </dgm:styleLbl>
-  <dgm:styleLbl name="parChTrans2D1">
-    <dgm:fillClrLst meth="repeat">
-      <a:schemeClr val="dk1">
-        <a:tint val="60000"/>
-      </a:schemeClr>
-    </dgm:fillClrLst>
-    <dgm:linClrLst meth="repeat">
-      <a:schemeClr val="dk1">
-        <a:tint val="60000"/>
-      </a:schemeClr>
-    </dgm:linClrLst>
-    <dgm:effectClrLst/>
-    <dgm:txLinClrLst/>
-    <dgm:txFillClrLst/>
-    <dgm:txEffectClrLst/>
-  </dgm:styleLbl>
-  <dgm:styleLbl name="parChTrans2D2">
-    <dgm:fillClrLst meth="repeat">
-      <a:schemeClr val="dk1"/>
-    </dgm:fillClrLst>
-    <dgm:linClrLst meth="repeat">
-      <a:schemeClr val="dk1"/>
-    </dgm:linClrLst>
-    <dgm:effectClrLst/>
-    <dgm:txLinClrLst/>
-    <dgm:txFillClrLst/>
-    <dgm:txEffectClrLst/>
-  </dgm:styleLbl>
-  <dgm:styleLbl name="parChTrans2D3">
-    <dgm:fillClrLst meth="repeat">
-      <a:schemeClr val="dk1"/>
-    </dgm:fillClrLst>
-    <dgm:linClrLst meth="repeat">
-      <a:schemeClr val="dk1"/>
-    </dgm:linClrLst>
-    <dgm:effectClrLst/>
-    <dgm:txLinClrLst/>
-    <dgm:txFillClrLst/>
-    <dgm:txEffectClrLst/>
-  </dgm:styleLbl>
-  <dgm:styleLbl name="parChTrans2D4">
-    <dgm:fillClrLst meth="repeat">
-      <a:schemeClr val="dk1"/>
-    </dgm:fillClrLst>
-    <dgm:linClrLst meth="repeat">
-      <a:schemeClr val="dk1"/>
-    </dgm:linClrLst>
-    <dgm:effectClrLst/>
-    <dgm:txLinClrLst/>
-    <dgm:txFillClrLst meth="repeat">
-      <a:schemeClr val="lt1"/>
-    </dgm:txFillClrLst>
-    <dgm:txEffectClrLst/>
-  </dgm:styleLbl>
-  <dgm:styleLbl name="parChTrans1D1">
-    <dgm:fillClrLst meth="repeat">
-      <a:schemeClr val="dk1"/>
-    </dgm:fillClrLst>
-    <dgm:linClrLst meth="repeat">
-      <a:schemeClr val="dk1">
-        <a:shade val="60000"/>
-      </a:schemeClr>
-    </dgm:linClrLst>
-    <dgm:effectClrLst/>
-    <dgm:txLinClrLst/>
-    <dgm:txFillClrLst meth="repeat">
-      <a:schemeClr val="tx1"/>
-    </dgm:txFillClrLst>
-    <dgm:txEffectClrLst/>
-  </dgm:styleLbl>
-  <dgm:styleLbl name="parChTrans1D2">
-    <dgm:fillClrLst meth="repeat">
-      <a:schemeClr val="dk1"/>
-    </dgm:fillClrLst>
-    <dgm:linClrLst meth="repeat">
-      <a:schemeClr val="dk1">
-        <a:shade val="60000"/>
-      </a:schemeClr>
-    </dgm:linClrLst>
-    <dgm:effectClrLst/>
-    <dgm:txLinClrLst/>
-    <dgm:txFillClrLst meth="repeat">
-      <a:schemeClr val="tx1"/>
-    </dgm:txFillClrLst>
-    <dgm:txEffectClrLst/>
-  </dgm:styleLbl>
-  <dgm:styleLbl name="parChTrans1D3">
-    <dgm:fillClrLst meth="repeat">
-      <a:schemeClr val="dk1"/>
-    </dgm:fillClrLst>
-    <dgm:linClrLst meth="repeat">
-      <a:schemeClr val="dk1">
-        <a:shade val="80000"/>
-      </a:schemeClr>
-    </dgm:linClrLst>
-    <dgm:effectClrLst/>
-    <dgm:txLinClrLst/>
-    <dgm:txFillClrLst meth="repeat">
-      <a:schemeClr val="tx1"/>
-    </dgm:txFillClrLst>
-    <dgm:txEffectClrLst/>
-  </dgm:styleLbl>
-  <dgm:styleLbl name="parChTrans1D4">
-    <dgm:fillClrLst meth="repeat">
-      <a:schemeClr val="dk1"/>
-    </dgm:fillClrLst>
-    <dgm:linClrLst meth="repeat">
-      <a:schemeClr val="dk1">
-        <a:shade val="80000"/>
-      </a:schemeClr>
-    </dgm:linClrLst>
-    <dgm:effectClrLst/>
-    <dgm:txLinClrLst/>
-    <dgm:txFillClrLst meth="repeat">
-      <a:schemeClr val="tx1"/>
-    </dgm:txFillClrLst>
-    <dgm:txEffectClrLst/>
-  </dgm:styleLbl>
-  <dgm:styleLbl name="fgAcc1">
-    <dgm:fillClrLst meth="repeat">
-      <a:schemeClr val="dk1">
-        <a:alpha val="90000"/>
-        <a:tint val="40000"/>
-      </a:schemeClr>
-    </dgm:fillClrLst>
-    <dgm:linClrLst meth="repeat">
-      <a:schemeClr val="dk1"/>
-    </dgm:linClrLst>
-    <dgm:effectClrLst/>
-    <dgm:txLinClrLst/>
-    <dgm:txFillClrLst meth="repeat">
-      <a:schemeClr val="dk1"/>
-    </dgm:txFillClrLst>
-    <dgm:txEffectClrLst/>
-  </dgm:styleLbl>
-  <dgm:styleLbl name="conFgAcc1">
-    <dgm:fillClrLst meth="repeat">
-      <a:schemeClr val="dk1">
-        <a:alpha val="90000"/>
-        <a:tint val="40000"/>
-      </a:schemeClr>
-    </dgm:fillClrLst>
-    <dgm:linClrLst meth="repeat">
-      <a:schemeClr val="dk1"/>
-    </dgm:linClrLst>
-    <dgm:effectClrLst/>
-    <dgm:txLinClrLst/>
-    <dgm:txFillClrLst meth="repeat">
-      <a:schemeClr val="dk1"/>
-    </dgm:txFillClrLst>
-    <dgm:txEffectClrLst/>
-  </dgm:styleLbl>
-  <dgm:styleLbl name="alignAcc1">
-    <dgm:fillClrLst meth="repeat">
-      <a:schemeClr val="dk1">
-        <a:alpha val="90000"/>
-        <a:tint val="40000"/>
-      </a:schemeClr>
-    </dgm:fillClrLst>
-    <dgm:linClrLst meth="repeat">
-      <a:schemeClr val="dk1"/>
-    </dgm:linClrLst>
-    <dgm:effectClrLst/>
-    <dgm:txLinClrLst/>
-    <dgm:txFillClrLst meth="repeat">
-      <a:schemeClr val="dk1"/>
-    </dgm:txFillClrLst>
-    <dgm:txEffectClrLst/>
-  </dgm:styleLbl>
-  <dgm:styleLbl name="trAlignAcc1">
-    <dgm:fillClrLst meth="repeat">
-      <a:schemeClr val="dk1">
-        <a:alpha val="40000"/>
-        <a:tint val="40000"/>
-      </a:schemeClr>
-    </dgm:fillClrLst>
-    <dgm:linClrLst meth="repeat">
-      <a:schemeClr val="dk1"/>
-    </dgm:linClrLst>
-    <dgm:effectClrLst/>
-    <dgm:txLinClrLst/>
-    <dgm:txFillClrLst meth="repeat">
-      <a:schemeClr val="dk1"/>
-    </dgm:txFillClrLst>
-    <dgm:txEffectClrLst/>
-  </dgm:styleLbl>
-  <dgm:styleLbl name="bgAcc1">
-    <dgm:fillClrLst meth="repeat">
-      <a:schemeClr val="dk1">
-        <a:alpha val="90000"/>
-        <a:tint val="40000"/>
-      </a:schemeClr>
-    </dgm:fillClrLst>
-    <dgm:linClrLst meth="repeat">
-      <a:schemeClr val="dk1"/>
-    </dgm:linClrLst>
-    <dgm:effectClrLst/>
-    <dgm:txLinClrLst/>
-    <dgm:txFillClrLst meth="repeat">
-      <a:schemeClr val="dk1"/>
-    </dgm:txFillClrLst>
-    <dgm:txEffectClrLst/>
-  </dgm:styleLbl>
-  <dgm:styleLbl name="solidFgAcc1">
-    <dgm:fillClrLst meth="repeat">
-      <a:schemeClr val="lt1"/>
-    </dgm:fillClrLst>
-    <dgm:linClrLst meth="repeat">
-      <a:schemeClr val="dk1"/>
-    </dgm:linClrLst>
-    <dgm:effectClrLst/>
-    <dgm:txLinClrLst/>
-    <dgm:txFillClrLst meth="repeat">
-      <a:schemeClr val="dk1"/>
-    </dgm:txFillClrLst>
-    <dgm:txEffectClrLst/>
-  </dgm:styleLbl>
-  <dgm:styleLbl name="solidAlignAcc1">
-    <dgm:fillClrLst meth="repeat">
-      <a:schemeClr val="lt1"/>
-    </dgm:fillClrLst>
-    <dgm:linClrLst meth="repeat">
-      <a:schemeClr val="dk1"/>
-    </dgm:linClrLst>
-    <dgm:effectClrLst/>
-    <dgm:txLinClrLst/>
-    <dgm:txFillClrLst meth="repeat">
-      <a:schemeClr val="dk1"/>
-    </dgm:txFillClrLst>
-    <dgm:txEffectClrLst/>
-  </dgm:styleLbl>
-  <dgm:styleLbl name="solidBgAcc1">
-    <dgm:fillClrLst meth="repeat">
-      <a:schemeClr val="lt1"/>
-    </dgm:fillClrLst>
-    <dgm:linClrLst meth="repeat">
-      <a:schemeClr val="dk1"/>
-    </dgm:linClrLst>
-    <dgm:effectClrLst/>
-    <dgm:txLinClrLst/>
-    <dgm:txFillClrLst meth="repeat">
-      <a:schemeClr val="dk1"/>
-    </dgm:txFillClrLst>
-    <dgm:txEffectClrLst/>
-  </dgm:styleLbl>
-  <dgm:styleLbl name="fgAccFollowNode1">
-    <dgm:fillClrLst meth="repeat">
-      <a:schemeClr val="lt1">
-        <a:alpha val="90000"/>
-        <a:tint val="40000"/>
-      </a:schemeClr>
-    </dgm:fillClrLst>
-    <dgm:linClrLst meth="repeat">
-      <a:schemeClr val="dk1">
-        <a:alpha val="90000"/>
-      </a:schemeClr>
-    </dgm:linClrLst>
-    <dgm:effectClrLst/>
-    <dgm:txLinClrLst/>
-    <dgm:txFillClrLst meth="repeat">
-      <a:schemeClr val="dk1"/>
-    </dgm:txFillClrLst>
-    <dgm:txEffectClrLst/>
-  </dgm:styleLbl>
-  <dgm:styleLbl name="alignAccFollowNode1">
-    <dgm:fillClrLst meth="repeat">
-      <a:schemeClr val="lt1">
-        <a:alpha val="90000"/>
-        <a:tint val="40000"/>
-      </a:schemeClr>
-    </dgm:fillClrLst>
-    <dgm:linClrLst meth="repeat">
-      <a:schemeClr val="dk1">
-        <a:alpha val="90000"/>
-      </a:schemeClr>
-    </dgm:linClrLst>
-    <dgm:effectClrLst/>
-    <dgm:txLinClrLst/>
-    <dgm:txFillClrLst meth="repeat">
-      <a:schemeClr val="dk1"/>
-    </dgm:txFillClrLst>
-    <dgm:txEffectClrLst/>
-  </dgm:styleLbl>
-  <dgm:styleLbl name="bgAccFollowNode1">
-    <dgm:fillClrLst meth="repeat">
-      <a:schemeClr val="lt1">
-        <a:alpha val="90000"/>
-        <a:tint val="40000"/>
-      </a:schemeClr>
-    </dgm:fillClrLst>
-    <dgm:linClrLst meth="repeat">
-      <a:schemeClr val="dk1">
-        <a:alpha val="90000"/>
-      </a:schemeClr>
-    </dgm:linClrLst>
-    <dgm:effectClrLst/>
-    <dgm:txLinClrLst/>
-    <dgm:txFillClrLst meth="repeat">
-      <a:schemeClr val="dk1"/>
-    </dgm:txFillClrLst>
-    <dgm:txEffectClrLst/>
-  </dgm:styleLbl>
-  <dgm:styleLbl name="fgAcc0">
-    <dgm:fillClrLst meth="repeat">
-      <a:schemeClr val="dk1">
-        <a:alpha val="90000"/>
-        <a:tint val="40000"/>
-      </a:schemeClr>
-    </dgm:fillClrLst>
-    <dgm:linClrLst meth="repeat">
-      <a:schemeClr val="dk1"/>
-    </dgm:linClrLst>
-    <dgm:effectClrLst/>
-    <dgm:txLinClrLst/>
-    <dgm:txFillClrLst meth="repeat">
-      <a:schemeClr val="dk1"/>
-    </dgm:txFillClrLst>
-    <dgm:txEffectClrLst/>
-  </dgm:styleLbl>
-  <dgm:styleLbl name="fgAcc2">
-    <dgm:fillClrLst meth="repeat">
-      <a:schemeClr val="dk1">
-        <a:alpha val="90000"/>
-        <a:tint val="40000"/>
-      </a:schemeClr>
-    </dgm:fillClrLst>
-    <dgm:linClrLst meth="repeat">
-      <a:schemeClr val="dk1"/>
-    </dgm:linClrLst>
-    <dgm:effectClrLst/>
-    <dgm:txLinClrLst/>
-    <dgm:txFillClrLst meth="repeat">
-      <a:schemeClr val="dk1"/>
-    </dgm:txFillClrLst>
-    <dgm:txEffectClrLst/>
-  </dgm:styleLbl>
-  <dgm:styleLbl name="fgAcc3">
-    <dgm:fillClrLst meth="repeat">
-      <a:schemeClr val="dk1">
-        <a:alpha val="90000"/>
-        <a:tint val="40000"/>
-      </a:schemeClr>
-    </dgm:fillClrLst>
-    <dgm:linClrLst meth="repeat">
-      <a:schemeClr val="dk1"/>
-    </dgm:linClrLst>
-    <dgm:effectClrLst/>
-    <dgm:txLinClrLst/>
-    <dgm:txFillClrLst meth="repeat">
-      <a:schemeClr val="dk1"/>
-    </dgm:txFillClrLst>
-    <dgm:txEffectClrLst/>
-  </dgm:styleLbl>
-  <dgm:styleLbl name="fgAcc4">
-    <dgm:fillClrLst meth="repeat">
-      <a:schemeClr val="dk1">
-        <a:alpha val="90000"/>
-        <a:tint val="40000"/>
-      </a:schemeClr>
-    </dgm:fillClrLst>
-    <dgm:linClrLst meth="repeat">
-      <a:schemeClr val="dk1"/>
-    </dgm:linClrLst>
-    <dgm:effectClrLst/>
-    <dgm:txLinClrLst/>
-    <dgm:txFillClrLst meth="repeat">
-      <a:schemeClr val="dk1"/>
-    </dgm:txFillClrLst>
-    <dgm:txEffectClrLst/>
-  </dgm:styleLbl>
-  <dgm:styleLbl name="bgShp">
-    <dgm:fillClrLst meth="repeat">
-      <a:schemeClr val="dk1">
-        <a:tint val="40000"/>
-      </a:schemeClr>
-    </dgm:fillClrLst>
-    <dgm:linClrLst meth="repeat">
-      <a:schemeClr val="dk1"/>
-    </dgm:linClrLst>
-    <dgm:effectClrLst/>
-    <dgm:txLinClrLst/>
-    <dgm:txFillClrLst meth="repeat">
-      <a:schemeClr val="dk1"/>
-    </dgm:txFillClrLst>
-    <dgm:txEffectClrLst/>
-  </dgm:styleLbl>
-  <dgm:styleLbl name="dkBgShp">
-    <dgm:fillClrLst meth="repeat">
-      <a:schemeClr val="dk1">
-        <a:shade val="80000"/>
-      </a:schemeClr>
-    </dgm:fillClrLst>
-    <dgm:linClrLst meth="repeat">
-      <a:schemeClr val="dk1"/>
-    </dgm:linClrLst>
-    <dgm:effectClrLst/>
-    <dgm:txLinClrLst/>
-    <dgm:txFillClrLst meth="repeat">
-      <a:schemeClr val="lt1"/>
-    </dgm:txFillClrLst>
-    <dgm:txEffectClrLst/>
-  </dgm:styleLbl>
-  <dgm:styleLbl name="trBgShp">
-    <dgm:fillClrLst meth="repeat">
-      <a:schemeClr val="dk1">
-        <a:tint val="50000"/>
-        <a:alpha val="40000"/>
-      </a:schemeClr>
-    </dgm:fillClrLst>
-    <dgm:linClrLst meth="repeat">
-      <a:schemeClr val="dk1"/>
-    </dgm:linClrLst>
-    <dgm:effectClrLst/>
-    <dgm:txLinClrLst/>
-    <dgm:txFillClrLst meth="repeat">
-      <a:schemeClr val="lt1"/>
-    </dgm:txFillClrLst>
-    <dgm:txEffectClrLst/>
-  </dgm:styleLbl>
-  <dgm:styleLbl name="fgShp">
-    <dgm:fillClrLst meth="repeat">
-      <a:schemeClr val="dk1">
-        <a:tint val="60000"/>
-      </a:schemeClr>
-    </dgm:fillClrLst>
-    <dgm:linClrLst meth="repeat">
-      <a:schemeClr val="lt1"/>
-    </dgm:linClrLst>
-    <dgm:effectClrLst/>
-    <dgm:txLinClrLst/>
-    <dgm:txFillClrLst meth="repeat">
-      <a:schemeClr val="dk1"/>
-    </dgm:txFillClrLst>
-    <dgm:txEffectClrLst/>
-  </dgm:styleLbl>
-  <dgm:styleLbl name="revTx">
-    <dgm:fillClrLst meth="repeat">
-      <a:schemeClr val="lt1">
-        <a:alpha val="0"/>
-      </a:schemeClr>
-    </dgm:fillClrLst>
-    <dgm:linClrLst meth="repeat">
-      <a:schemeClr val="dk1">
-        <a:alpha val="0"/>
-      </a:schemeClr>
-    </dgm:linClrLst>
-    <dgm:effectClrLst/>
-    <dgm:txLinClrLst/>
-    <dgm:txFillClrLst meth="repeat">
-      <a:schemeClr val="tx1"/>
-    </dgm:txFillClrLst>
-    <dgm:txEffectClrLst/>
-  </dgm:styleLbl>
-</dgm:colorsDef>
-</file>
-
 <file path=ppt/diagrams/data1.xml><?xml version="1.0" encoding="utf-8"?>
 <dgm:dataModel xmlns:dgm="http://schemas.openxmlformats.org/drawingml/2006/diagram" xmlns:a="http://schemas.openxmlformats.org/drawingml/2006/main">
   <dgm:ptLst>
@@ -1743,232 +936,6 @@
         <a:lstStyle/>
         <a:p>
           <a:endParaRPr lang="fr-FR"/>
-        </a:p>
-      </dgm:t>
-    </dgm:pt>
-    <dgm:pt modelId="{67C99E68-C852-844B-BCAF-5CF1D0411DF7}">
-      <dgm:prSet phldrT="[Texte]" custT="1"/>
-      <dgm:spPr/>
-      <dgm:t>
-        <a:bodyPr/>
-        <a:lstStyle/>
-        <a:p>
-          <a:r>
-            <a:rPr lang="fr-FR" sz="1200" dirty="0" smtClean="0"/>
-            <a:t>Vocabulaire</a:t>
-          </a:r>
-          <a:endParaRPr lang="fr-FR" sz="1200" dirty="0"/>
-        </a:p>
-      </dgm:t>
-    </dgm:pt>
-    <dgm:pt modelId="{1C1D933E-792B-DC48-8650-59F6E5D12E7F}" type="parTrans" cxnId="{A70838B0-5BFB-7141-B502-6CF2F8C54D97}">
-      <dgm:prSet/>
-      <dgm:spPr/>
-      <dgm:t>
-        <a:bodyPr/>
-        <a:lstStyle/>
-        <a:p>
-          <a:endParaRPr lang="fr-FR" sz="1200"/>
-        </a:p>
-      </dgm:t>
-    </dgm:pt>
-    <dgm:pt modelId="{76A51FAE-0E2F-1246-9A27-B032A2373D43}" type="sibTrans" cxnId="{A70838B0-5BFB-7141-B502-6CF2F8C54D97}">
-      <dgm:prSet/>
-      <dgm:spPr/>
-      <dgm:t>
-        <a:bodyPr/>
-        <a:lstStyle/>
-        <a:p>
-          <a:endParaRPr lang="fr-FR" sz="1200"/>
-        </a:p>
-      </dgm:t>
-    </dgm:pt>
-    <dgm:pt modelId="{119EC07E-99B2-0F44-A351-D886CCCCDAA5}">
-      <dgm:prSet phldrT="[Texte]" custT="1"/>
-      <dgm:spPr/>
-      <dgm:t>
-        <a:bodyPr/>
-        <a:lstStyle/>
-        <a:p>
-          <a:r>
-            <a:rPr lang="fr-FR" sz="1200" dirty="0" smtClean="0"/>
-            <a:t>Agrégation</a:t>
-          </a:r>
-          <a:endParaRPr lang="fr-FR" sz="1200" dirty="0"/>
-        </a:p>
-      </dgm:t>
-    </dgm:pt>
-    <dgm:pt modelId="{CE0D1749-2D27-C641-8707-F9E4C6DE8D9F}" type="parTrans" cxnId="{390C55C0-1182-934E-9008-9EFEC007175E}">
-      <dgm:prSet/>
-      <dgm:spPr/>
-      <dgm:t>
-        <a:bodyPr/>
-        <a:lstStyle/>
-        <a:p>
-          <a:endParaRPr lang="fr-FR" sz="1200"/>
-        </a:p>
-      </dgm:t>
-    </dgm:pt>
-    <dgm:pt modelId="{2F4B2F13-EC73-F24B-A9BB-A840B9A9C0D5}" type="sibTrans" cxnId="{390C55C0-1182-934E-9008-9EFEC007175E}">
-      <dgm:prSet/>
-      <dgm:spPr/>
-      <dgm:t>
-        <a:bodyPr/>
-        <a:lstStyle/>
-        <a:p>
-          <a:endParaRPr lang="fr-FR" sz="1200"/>
-        </a:p>
-      </dgm:t>
-    </dgm:pt>
-    <dgm:pt modelId="{2D1C0674-3A4A-4147-A331-23FC2DBA2399}">
-      <dgm:prSet phldrT="[Texte]" custT="1"/>
-      <dgm:spPr/>
-      <dgm:t>
-        <a:bodyPr/>
-        <a:lstStyle/>
-        <a:p>
-          <a:r>
-            <a:rPr lang="fr-FR" sz="1200" dirty="0" smtClean="0"/>
-            <a:t>Méthodes de </a:t>
-          </a:r>
-          <a:r>
-            <a:rPr lang="fr-FR" sz="1200" dirty="0" err="1" smtClean="0"/>
-            <a:t>clustering</a:t>
-          </a:r>
-          <a:endParaRPr lang="fr-FR" sz="1200" dirty="0"/>
-        </a:p>
-      </dgm:t>
-    </dgm:pt>
-    <dgm:pt modelId="{2B196B73-3A19-8D49-8276-47AE98E2FFD8}" type="parTrans" cxnId="{BEAED715-0BB3-AE45-8D2E-55FDBB70DE54}">
-      <dgm:prSet/>
-      <dgm:spPr/>
-      <dgm:t>
-        <a:bodyPr/>
-        <a:lstStyle/>
-        <a:p>
-          <a:endParaRPr lang="fr-FR" sz="1200"/>
-        </a:p>
-      </dgm:t>
-    </dgm:pt>
-    <dgm:pt modelId="{37DE6AA4-B7A6-ED43-898F-E79CAE1CE44E}" type="sibTrans" cxnId="{BEAED715-0BB3-AE45-8D2E-55FDBB70DE54}">
-      <dgm:prSet/>
-      <dgm:spPr/>
-      <dgm:t>
-        <a:bodyPr/>
-        <a:lstStyle/>
-        <a:p>
-          <a:endParaRPr lang="fr-FR" sz="1200"/>
-        </a:p>
-      </dgm:t>
-    </dgm:pt>
-    <dgm:pt modelId="{751C47AF-0A0D-9E49-9AF6-322FB5A6D85B}">
-      <dgm:prSet phldrT="[Texte]" custT="1"/>
-      <dgm:spPr/>
-      <dgm:t>
-        <a:bodyPr/>
-        <a:lstStyle/>
-        <a:p>
-          <a:r>
-            <a:rPr lang="fr-FR" sz="1200" dirty="0" smtClean="0"/>
-            <a:t>Propriétés de la matrice d'adjacence</a:t>
-          </a:r>
-          <a:endParaRPr lang="fr-FR" sz="1200" dirty="0"/>
-        </a:p>
-      </dgm:t>
-    </dgm:pt>
-    <dgm:pt modelId="{B82EFF38-71E6-D541-9450-2337FF5A5D4C}" type="parTrans" cxnId="{76FD9BD5-5DBF-AD46-B27E-08CC34B7B622}">
-      <dgm:prSet/>
-      <dgm:spPr/>
-      <dgm:t>
-        <a:bodyPr/>
-        <a:lstStyle/>
-        <a:p>
-          <a:endParaRPr lang="fr-FR" sz="1200"/>
-        </a:p>
-      </dgm:t>
-    </dgm:pt>
-    <dgm:pt modelId="{5058EE52-0819-1B45-B4DB-88E5EB9031DC}" type="sibTrans" cxnId="{76FD9BD5-5DBF-AD46-B27E-08CC34B7B622}">
-      <dgm:prSet/>
-      <dgm:spPr/>
-      <dgm:t>
-        <a:bodyPr/>
-        <a:lstStyle/>
-        <a:p>
-          <a:endParaRPr lang="fr-FR" sz="1200"/>
-        </a:p>
-      </dgm:t>
-    </dgm:pt>
-    <dgm:pt modelId="{D771BBE3-1C8B-3644-BB47-2BAB9D675245}">
-      <dgm:prSet phldrT="[Texte]" custT="1"/>
-      <dgm:spPr/>
-      <dgm:t>
-        <a:bodyPr/>
-        <a:lstStyle/>
-        <a:p>
-          <a:r>
-            <a:rPr lang="fr-FR" sz="1200" dirty="0" smtClean="0"/>
-            <a:t>Des liens des motifs</a:t>
-          </a:r>
-          <a:endParaRPr lang="fr-FR" sz="1200" dirty="0"/>
-        </a:p>
-      </dgm:t>
-    </dgm:pt>
-    <dgm:pt modelId="{8857CE9E-5FEA-F149-A2FB-7906FF2442ED}" type="parTrans" cxnId="{A85AE8CD-B7A2-5A4A-ACE2-EF8B2E43B88A}">
-      <dgm:prSet/>
-      <dgm:spPr/>
-      <dgm:t>
-        <a:bodyPr/>
-        <a:lstStyle/>
-        <a:p>
-          <a:endParaRPr lang="fr-FR" sz="1200"/>
-        </a:p>
-      </dgm:t>
-    </dgm:pt>
-    <dgm:pt modelId="{173730EF-753C-2843-B12B-9FEA9F0BDC18}" type="sibTrans" cxnId="{A85AE8CD-B7A2-5A4A-ACE2-EF8B2E43B88A}">
-      <dgm:prSet/>
-      <dgm:spPr/>
-      <dgm:t>
-        <a:bodyPr/>
-        <a:lstStyle/>
-        <a:p>
-          <a:endParaRPr lang="fr-FR" sz="1200"/>
-        </a:p>
-      </dgm:t>
-    </dgm:pt>
-    <dgm:pt modelId="{D9BD5B19-D21B-8446-AB40-2D46DFB038D6}">
-      <dgm:prSet phldrT="[Texte]" custT="1"/>
-      <dgm:spPr/>
-      <dgm:t>
-        <a:bodyPr/>
-        <a:lstStyle/>
-        <a:p>
-          <a:r>
-            <a:rPr lang="fr-FR" sz="1200" dirty="0" smtClean="0"/>
-            <a:t>Des nœuds des motifs</a:t>
-          </a:r>
-          <a:endParaRPr lang="fr-FR" sz="1200" dirty="0"/>
-        </a:p>
-      </dgm:t>
-    </dgm:pt>
-    <dgm:pt modelId="{888EC12F-4252-B944-AE71-92C25CE963F7}" type="parTrans" cxnId="{DA7F09CC-E040-9C4F-9608-620073903D03}">
-      <dgm:prSet/>
-      <dgm:spPr/>
-      <dgm:t>
-        <a:bodyPr/>
-        <a:lstStyle/>
-        <a:p>
-          <a:endParaRPr lang="fr-FR" sz="1200"/>
-        </a:p>
-      </dgm:t>
-    </dgm:pt>
-    <dgm:pt modelId="{806E3B5D-460F-0540-923C-196C8DAC66E4}" type="sibTrans" cxnId="{DA7F09CC-E040-9C4F-9608-620073903D03}">
-      <dgm:prSet/>
-      <dgm:spPr/>
-      <dgm:t>
-        <a:bodyPr/>
-        <a:lstStyle/>
-        <a:p>
-          <a:endParaRPr lang="fr-FR" sz="1200"/>
         </a:p>
       </dgm:t>
     </dgm:pt>
@@ -2020,6 +987,13 @@
         </dgm:presLayoutVars>
       </dgm:prSet>
       <dgm:spPr/>
+      <dgm:t>
+        <a:bodyPr/>
+        <a:lstStyle/>
+        <a:p>
+          <a:endParaRPr lang="fr-FR"/>
+        </a:p>
+      </dgm:t>
     </dgm:pt>
     <dgm:pt modelId="{2FF8FB34-B21F-3649-A745-B81734DB0793}" type="pres">
       <dgm:prSet presAssocID="{4FA175D9-466C-FC42-9B9C-45BCB1DBB681}" presName="hierFlow" presStyleCnt="0"/>
@@ -2040,7 +1014,7 @@
       <dgm:spPr/>
     </dgm:pt>
     <dgm:pt modelId="{E19D0E37-DD6D-CB46-806B-E3D4EA68EFEA}" type="pres">
-      <dgm:prSet presAssocID="{233DBD2D-5645-C646-9EBD-124E6E693FE5}" presName="level1Shape" presStyleLbl="node0" presStyleIdx="0" presStyleCnt="1" custScaleX="1490772" custScaleY="56996" custLinFactNeighborX="6675" custLinFactNeighborY="4079">
+      <dgm:prSet presAssocID="{233DBD2D-5645-C646-9EBD-124E6E693FE5}" presName="level1Shape" presStyleLbl="node0" presStyleIdx="0" presStyleCnt="1" custScaleX="1490772" custScaleY="56996" custLinFactNeighborX="698" custLinFactNeighborY="-25908">
         <dgm:presLayoutVars>
           <dgm:chPref val="3"/>
         </dgm:presLayoutVars>
@@ -2058,158 +1032,20 @@
       <dgm:prSet presAssocID="{233DBD2D-5645-C646-9EBD-124E6E693FE5}" presName="hierChild2" presStyleCnt="0"/>
       <dgm:spPr/>
     </dgm:pt>
-    <dgm:pt modelId="{6AE2D685-5C0E-8F48-BE17-F18DD679F00B}" type="pres">
-      <dgm:prSet presAssocID="{1C1D933E-792B-DC48-8650-59F6E5D12E7F}" presName="Name19" presStyleLbl="parChTrans1D2" presStyleIdx="0" presStyleCnt="2"/>
-      <dgm:spPr/>
-    </dgm:pt>
-    <dgm:pt modelId="{E8C8FFD1-6655-AA48-ADBB-EFE7EE06969F}" type="pres">
-      <dgm:prSet presAssocID="{67C99E68-C852-844B-BCAF-5CF1D0411DF7}" presName="Name21" presStyleCnt="0"/>
-      <dgm:spPr/>
-    </dgm:pt>
-    <dgm:pt modelId="{82C99869-25AC-F446-AD5B-D3A43B3A2DD4}" type="pres">
-      <dgm:prSet presAssocID="{67C99E68-C852-844B-BCAF-5CF1D0411DF7}" presName="level2Shape" presStyleLbl="node2" presStyleIdx="0" presStyleCnt="2" custScaleX="713741" custScaleY="53401" custLinFactNeighborX="15872" custLinFactNeighborY="-6538"/>
-      <dgm:spPr/>
-    </dgm:pt>
-    <dgm:pt modelId="{DAA2B92E-84ED-CE45-A812-87AF0EB3C95B}" type="pres">
-      <dgm:prSet presAssocID="{67C99E68-C852-844B-BCAF-5CF1D0411DF7}" presName="hierChild3" presStyleCnt="0"/>
-      <dgm:spPr/>
-    </dgm:pt>
-    <dgm:pt modelId="{1E585202-9991-9948-87B0-9E6F7ABC670E}" type="pres">
-      <dgm:prSet presAssocID="{B82EFF38-71E6-D541-9450-2337FF5A5D4C}" presName="Name19" presStyleLbl="parChTrans1D3" presStyleIdx="0" presStyleCnt="4"/>
-      <dgm:spPr/>
-    </dgm:pt>
-    <dgm:pt modelId="{0D722B6F-9E10-B742-A875-4C6BB9F62F92}" type="pres">
-      <dgm:prSet presAssocID="{751C47AF-0A0D-9E49-9AF6-322FB5A6D85B}" presName="Name21" presStyleCnt="0"/>
-      <dgm:spPr/>
-    </dgm:pt>
-    <dgm:pt modelId="{6CF32258-A341-D443-878F-11774E6B20B6}" type="pres">
-      <dgm:prSet presAssocID="{751C47AF-0A0D-9E49-9AF6-322FB5A6D85B}" presName="level2Shape" presStyleLbl="node3" presStyleIdx="0" presStyleCnt="4" custScaleX="327702" custScaleY="54661" custLinFactNeighborX="9616" custLinFactNeighborY="-180"/>
-      <dgm:spPr/>
-    </dgm:pt>
-    <dgm:pt modelId="{04B58E79-488B-CA4F-9F2F-9444B19E481A}" type="pres">
-      <dgm:prSet presAssocID="{751C47AF-0A0D-9E49-9AF6-322FB5A6D85B}" presName="hierChild3" presStyleCnt="0"/>
-      <dgm:spPr/>
-    </dgm:pt>
-    <dgm:pt modelId="{0F918A13-252C-274D-8721-B5960C9FE744}" type="pres">
-      <dgm:prSet presAssocID="{2B196B73-3A19-8D49-8276-47AE98E2FFD8}" presName="Name19" presStyleLbl="parChTrans1D3" presStyleIdx="1" presStyleCnt="4"/>
-      <dgm:spPr/>
-    </dgm:pt>
-    <dgm:pt modelId="{87FCDF04-2852-E94D-9CEC-CA01340E8E9E}" type="pres">
-      <dgm:prSet presAssocID="{2D1C0674-3A4A-4147-A331-23FC2DBA2399}" presName="Name21" presStyleCnt="0"/>
-      <dgm:spPr/>
-    </dgm:pt>
-    <dgm:pt modelId="{4E9546E7-37B1-6642-B537-6218F7EAD6EB}" type="pres">
-      <dgm:prSet presAssocID="{2D1C0674-3A4A-4147-A331-23FC2DBA2399}" presName="level2Shape" presStyleLbl="node3" presStyleIdx="1" presStyleCnt="4" custScaleX="339447" custScaleY="54661" custLinFactNeighborX="21968"/>
-      <dgm:spPr/>
-    </dgm:pt>
-    <dgm:pt modelId="{7C5B5F38-D93D-6A41-9FFC-CE734B46C3BD}" type="pres">
-      <dgm:prSet presAssocID="{2D1C0674-3A4A-4147-A331-23FC2DBA2399}" presName="hierChild3" presStyleCnt="0"/>
-      <dgm:spPr/>
-    </dgm:pt>
-    <dgm:pt modelId="{84C849D4-8D00-6140-BE01-D6B56F3FC2A1}" type="pres">
-      <dgm:prSet presAssocID="{CE0D1749-2D27-C641-8707-F9E4C6DE8D9F}" presName="Name19" presStyleLbl="parChTrans1D2" presStyleIdx="1" presStyleCnt="2"/>
-      <dgm:spPr/>
-    </dgm:pt>
-    <dgm:pt modelId="{E32157C9-3291-1044-A941-F999784E4D69}" type="pres">
-      <dgm:prSet presAssocID="{119EC07E-99B2-0F44-A351-D886CCCCDAA5}" presName="Name21" presStyleCnt="0"/>
-      <dgm:spPr/>
-    </dgm:pt>
-    <dgm:pt modelId="{8D62BC4C-4354-E049-B3CC-1B187E727CBA}" type="pres">
-      <dgm:prSet presAssocID="{119EC07E-99B2-0F44-A351-D886CCCCDAA5}" presName="level2Shape" presStyleLbl="node2" presStyleIdx="1" presStyleCnt="2" custScaleX="768057" custScaleY="56657" custLinFactNeighborX="-3788" custLinFactNeighborY="-7314"/>
-      <dgm:spPr/>
-    </dgm:pt>
-    <dgm:pt modelId="{941F7B01-CB32-034E-8C19-E77A6D047EB9}" type="pres">
-      <dgm:prSet presAssocID="{119EC07E-99B2-0F44-A351-D886CCCCDAA5}" presName="hierChild3" presStyleCnt="0"/>
-      <dgm:spPr/>
-    </dgm:pt>
-    <dgm:pt modelId="{98AE4800-255A-CC46-81D4-1FE846AFEF4E}" type="pres">
-      <dgm:prSet presAssocID="{888EC12F-4252-B944-AE71-92C25CE963F7}" presName="Name19" presStyleLbl="parChTrans1D3" presStyleIdx="2" presStyleCnt="4"/>
-      <dgm:spPr/>
-    </dgm:pt>
-    <dgm:pt modelId="{7684C1E5-11A4-9E42-AF72-585F6D190567}" type="pres">
-      <dgm:prSet presAssocID="{D9BD5B19-D21B-8446-AB40-2D46DFB038D6}" presName="Name21" presStyleCnt="0"/>
-      <dgm:spPr/>
-    </dgm:pt>
-    <dgm:pt modelId="{78D07536-54CD-444A-A3B3-573696D04A52}" type="pres">
-      <dgm:prSet presAssocID="{D9BD5B19-D21B-8446-AB40-2D46DFB038D6}" presName="level2Shape" presStyleLbl="node3" presStyleIdx="2" presStyleCnt="4" custScaleX="384716" custScaleY="54661" custLinFactNeighborX="-1054" custLinFactNeighborY="-2374"/>
-      <dgm:spPr/>
-    </dgm:pt>
-    <dgm:pt modelId="{1D46C497-0A7D-DC4F-ACC9-CAEA570F0E34}" type="pres">
-      <dgm:prSet presAssocID="{D9BD5B19-D21B-8446-AB40-2D46DFB038D6}" presName="hierChild3" presStyleCnt="0"/>
-      <dgm:spPr/>
-    </dgm:pt>
-    <dgm:pt modelId="{D83DC47F-8992-7240-AABB-5593FB74EBCE}" type="pres">
-      <dgm:prSet presAssocID="{8857CE9E-5FEA-F149-A2FB-7906FF2442ED}" presName="Name19" presStyleLbl="parChTrans1D3" presStyleIdx="3" presStyleCnt="4"/>
-      <dgm:spPr/>
-    </dgm:pt>
-    <dgm:pt modelId="{6D7BAE33-1933-1A44-BD50-5DDF19877C36}" type="pres">
-      <dgm:prSet presAssocID="{D771BBE3-1C8B-3644-BB47-2BAB9D675245}" presName="Name21" presStyleCnt="0"/>
-      <dgm:spPr/>
-    </dgm:pt>
-    <dgm:pt modelId="{E10281B8-574A-FD4A-A466-8FB45B5BFA05}" type="pres">
-      <dgm:prSet presAssocID="{D771BBE3-1C8B-3644-BB47-2BAB9D675245}" presName="level2Shape" presStyleLbl="node3" presStyleIdx="3" presStyleCnt="4" custScaleX="355528" custScaleY="54661" custLinFactNeighborX="-5625" custLinFactNeighborY="-4395"/>
-      <dgm:spPr/>
-    </dgm:pt>
-    <dgm:pt modelId="{7F2B7C8C-4092-4A42-A57A-7C6A74E34EEA}" type="pres">
-      <dgm:prSet presAssocID="{D771BBE3-1C8B-3644-BB47-2BAB9D675245}" presName="hierChild3" presStyleCnt="0"/>
-      <dgm:spPr/>
-    </dgm:pt>
     <dgm:pt modelId="{EE50C198-ECBF-8A4D-8503-0DC373074A31}" type="pres">
       <dgm:prSet presAssocID="{4FA175D9-466C-FC42-9B9C-45BCB1DBB681}" presName="bgShapesFlow" presStyleCnt="0"/>
       <dgm:spPr/>
     </dgm:pt>
   </dgm:ptLst>
   <dgm:cxnLst>
-    <dgm:cxn modelId="{B96A2219-A536-8248-8A14-830D1BC868E6}" type="presOf" srcId="{D771BBE3-1C8B-3644-BB47-2BAB9D675245}" destId="{E10281B8-574A-FD4A-A466-8FB45B5BFA05}" srcOrd="0" destOrd="0" presId="urn:microsoft.com/office/officeart/2005/8/layout/hierarchy6"/>
-    <dgm:cxn modelId="{76FD9BD5-5DBF-AD46-B27E-08CC34B7B622}" srcId="{67C99E68-C852-844B-BCAF-5CF1D0411DF7}" destId="{751C47AF-0A0D-9E49-9AF6-322FB5A6D85B}" srcOrd="0" destOrd="0" parTransId="{B82EFF38-71E6-D541-9450-2337FF5A5D4C}" sibTransId="{5058EE52-0819-1B45-B4DB-88E5EB9031DC}"/>
-    <dgm:cxn modelId="{C729C99B-9C32-8441-98DC-AF42E32A6FE8}" type="presOf" srcId="{D9BD5B19-D21B-8446-AB40-2D46DFB038D6}" destId="{78D07536-54CD-444A-A3B3-573696D04A52}" srcOrd="0" destOrd="0" presId="urn:microsoft.com/office/officeart/2005/8/layout/hierarchy6"/>
-    <dgm:cxn modelId="{BEAED715-0BB3-AE45-8D2E-55FDBB70DE54}" srcId="{67C99E68-C852-844B-BCAF-5CF1D0411DF7}" destId="{2D1C0674-3A4A-4147-A331-23FC2DBA2399}" srcOrd="1" destOrd="0" parTransId="{2B196B73-3A19-8D49-8276-47AE98E2FFD8}" sibTransId="{37DE6AA4-B7A6-ED43-898F-E79CAE1CE44E}"/>
-    <dgm:cxn modelId="{0CF8FBE7-C706-C541-86F6-D50E240094AA}" type="presOf" srcId="{2B196B73-3A19-8D49-8276-47AE98E2FFD8}" destId="{0F918A13-252C-274D-8721-B5960C9FE744}" srcOrd="0" destOrd="0" presId="urn:microsoft.com/office/officeart/2005/8/layout/hierarchy6"/>
-    <dgm:cxn modelId="{DA7F09CC-E040-9C4F-9608-620073903D03}" srcId="{119EC07E-99B2-0F44-A351-D886CCCCDAA5}" destId="{D9BD5B19-D21B-8446-AB40-2D46DFB038D6}" srcOrd="0" destOrd="0" parTransId="{888EC12F-4252-B944-AE71-92C25CE963F7}" sibTransId="{806E3B5D-460F-0540-923C-196C8DAC66E4}"/>
-    <dgm:cxn modelId="{1A504EDB-A628-9041-8876-DABC17B518F5}" type="presOf" srcId="{67C99E68-C852-844B-BCAF-5CF1D0411DF7}" destId="{82C99869-25AC-F446-AD5B-D3A43B3A2DD4}" srcOrd="0" destOrd="0" presId="urn:microsoft.com/office/officeart/2005/8/layout/hierarchy6"/>
-    <dgm:cxn modelId="{BA9A14E8-9D7A-D042-A8E6-0AF61B1BA1D7}" type="presOf" srcId="{B82EFF38-71E6-D541-9450-2337FF5A5D4C}" destId="{1E585202-9991-9948-87B0-9E6F7ABC670E}" srcOrd="0" destOrd="0" presId="urn:microsoft.com/office/officeart/2005/8/layout/hierarchy6"/>
-    <dgm:cxn modelId="{0AE691BF-A873-2843-A0C4-02926D85BBF8}" type="presOf" srcId="{2D1C0674-3A4A-4147-A331-23FC2DBA2399}" destId="{4E9546E7-37B1-6642-B537-6218F7EAD6EB}" srcOrd="0" destOrd="0" presId="urn:microsoft.com/office/officeart/2005/8/layout/hierarchy6"/>
-    <dgm:cxn modelId="{5B4748E8-1C8A-C140-A7D8-72873CFB08EB}" type="presOf" srcId="{751C47AF-0A0D-9E49-9AF6-322FB5A6D85B}" destId="{6CF32258-A341-D443-878F-11774E6B20B6}" srcOrd="0" destOrd="0" presId="urn:microsoft.com/office/officeart/2005/8/layout/hierarchy6"/>
-    <dgm:cxn modelId="{059E9B10-DBB8-AE46-830C-45DE5DE08A72}" type="presOf" srcId="{CE0D1749-2D27-C641-8707-F9E4C6DE8D9F}" destId="{84C849D4-8D00-6140-BE01-D6B56F3FC2A1}" srcOrd="0" destOrd="0" presId="urn:microsoft.com/office/officeart/2005/8/layout/hierarchy6"/>
-    <dgm:cxn modelId="{390C55C0-1182-934E-9008-9EFEC007175E}" srcId="{233DBD2D-5645-C646-9EBD-124E6E693FE5}" destId="{119EC07E-99B2-0F44-A351-D886CCCCDAA5}" srcOrd="1" destOrd="0" parTransId="{CE0D1749-2D27-C641-8707-F9E4C6DE8D9F}" sibTransId="{2F4B2F13-EC73-F24B-A9BB-A840B9A9C0D5}"/>
-    <dgm:cxn modelId="{9230F4C5-2796-F644-BC44-BD102307E800}" type="presOf" srcId="{1C1D933E-792B-DC48-8650-59F6E5D12E7F}" destId="{6AE2D685-5C0E-8F48-BE17-F18DD679F00B}" srcOrd="0" destOrd="0" presId="urn:microsoft.com/office/officeart/2005/8/layout/hierarchy6"/>
-    <dgm:cxn modelId="{A70838B0-5BFB-7141-B502-6CF2F8C54D97}" srcId="{233DBD2D-5645-C646-9EBD-124E6E693FE5}" destId="{67C99E68-C852-844B-BCAF-5CF1D0411DF7}" srcOrd="0" destOrd="0" parTransId="{1C1D933E-792B-DC48-8650-59F6E5D12E7F}" sibTransId="{76A51FAE-0E2F-1246-9A27-B032A2373D43}"/>
-    <dgm:cxn modelId="{B129D485-432C-9B49-881D-A63879C950D5}" type="presOf" srcId="{8857CE9E-5FEA-F149-A2FB-7906FF2442ED}" destId="{D83DC47F-8992-7240-AABB-5593FB74EBCE}" srcOrd="0" destOrd="0" presId="urn:microsoft.com/office/officeart/2005/8/layout/hierarchy6"/>
+    <dgm:cxn modelId="{4B44F706-C71E-F74C-963F-74B43DB9F4F0}" type="presOf" srcId="{233DBD2D-5645-C646-9EBD-124E6E693FE5}" destId="{E19D0E37-DD6D-CB46-806B-E3D4EA68EFEA}" srcOrd="0" destOrd="0" presId="urn:microsoft.com/office/officeart/2005/8/layout/hierarchy6"/>
+    <dgm:cxn modelId="{AEB1AA94-388E-AD40-8642-3BE888157214}" type="presOf" srcId="{4FA175D9-466C-FC42-9B9C-45BCB1DBB681}" destId="{BF910C58-F1E4-E04A-BE95-0203F4D46DFE}" srcOrd="0" destOrd="0" presId="urn:microsoft.com/office/officeart/2005/8/layout/hierarchy6"/>
     <dgm:cxn modelId="{F8B68903-FB24-C24A-A5A4-0D78B7AA1F43}" srcId="{4FA175D9-466C-FC42-9B9C-45BCB1DBB681}" destId="{233DBD2D-5645-C646-9EBD-124E6E693FE5}" srcOrd="0" destOrd="0" parTransId="{10D25740-8435-D449-A843-FD0FB2032792}" sibTransId="{F09E0E67-B25D-374D-B939-096E20FFC0E1}"/>
-    <dgm:cxn modelId="{AEB1AA94-388E-AD40-8642-3BE888157214}" type="presOf" srcId="{4FA175D9-466C-FC42-9B9C-45BCB1DBB681}" destId="{BF910C58-F1E4-E04A-BE95-0203F4D46DFE}" srcOrd="0" destOrd="0" presId="urn:microsoft.com/office/officeart/2005/8/layout/hierarchy6"/>
-    <dgm:cxn modelId="{A94BD5DB-39A0-8646-BD44-9EAF4870FDC9}" type="presOf" srcId="{888EC12F-4252-B944-AE71-92C25CE963F7}" destId="{98AE4800-255A-CC46-81D4-1FE846AFEF4E}" srcOrd="0" destOrd="0" presId="urn:microsoft.com/office/officeart/2005/8/layout/hierarchy6"/>
-    <dgm:cxn modelId="{A85AE8CD-B7A2-5A4A-ACE2-EF8B2E43B88A}" srcId="{119EC07E-99B2-0F44-A351-D886CCCCDAA5}" destId="{D771BBE3-1C8B-3644-BB47-2BAB9D675245}" srcOrd="1" destOrd="0" parTransId="{8857CE9E-5FEA-F149-A2FB-7906FF2442ED}" sibTransId="{173730EF-753C-2843-B12B-9FEA9F0BDC18}"/>
-    <dgm:cxn modelId="{4B44F706-C71E-F74C-963F-74B43DB9F4F0}" type="presOf" srcId="{233DBD2D-5645-C646-9EBD-124E6E693FE5}" destId="{E19D0E37-DD6D-CB46-806B-E3D4EA68EFEA}" srcOrd="0" destOrd="0" presId="urn:microsoft.com/office/officeart/2005/8/layout/hierarchy6"/>
-    <dgm:cxn modelId="{BFC53CA8-0595-DE45-968E-331AABA6C3EE}" type="presOf" srcId="{119EC07E-99B2-0F44-A351-D886CCCCDAA5}" destId="{8D62BC4C-4354-E049-B3CC-1B187E727CBA}" srcOrd="0" destOrd="0" presId="urn:microsoft.com/office/officeart/2005/8/layout/hierarchy6"/>
     <dgm:cxn modelId="{6EC098BC-0640-AD4F-8EE5-9230BEC27918}" type="presParOf" srcId="{BF910C58-F1E4-E04A-BE95-0203F4D46DFE}" destId="{2FF8FB34-B21F-3649-A745-B81734DB0793}" srcOrd="0" destOrd="0" presId="urn:microsoft.com/office/officeart/2005/8/layout/hierarchy6"/>
     <dgm:cxn modelId="{35A17C64-8EE4-9244-945A-117482E542BA}" type="presParOf" srcId="{2FF8FB34-B21F-3649-A745-B81734DB0793}" destId="{74FB30C9-C424-A044-AC89-6B8E27AB5B35}" srcOrd="0" destOrd="0" presId="urn:microsoft.com/office/officeart/2005/8/layout/hierarchy6"/>
     <dgm:cxn modelId="{73ED6C72-DA42-424E-8D89-4E19D0762719}" type="presParOf" srcId="{74FB30C9-C424-A044-AC89-6B8E27AB5B35}" destId="{A78A71E7-7960-F740-BFA9-703BAF4F750D}" srcOrd="0" destOrd="0" presId="urn:microsoft.com/office/officeart/2005/8/layout/hierarchy6"/>
     <dgm:cxn modelId="{A0CE1FF3-30FB-D740-9C49-9401122B7D14}" type="presParOf" srcId="{A78A71E7-7960-F740-BFA9-703BAF4F750D}" destId="{E19D0E37-DD6D-CB46-806B-E3D4EA68EFEA}" srcOrd="0" destOrd="0" presId="urn:microsoft.com/office/officeart/2005/8/layout/hierarchy6"/>
     <dgm:cxn modelId="{6E99B884-0065-C44B-AB32-27A413B56D6E}" type="presParOf" srcId="{A78A71E7-7960-F740-BFA9-703BAF4F750D}" destId="{6BF9838C-1072-E640-B133-B16D85DAAD32}" srcOrd="1" destOrd="0" presId="urn:microsoft.com/office/officeart/2005/8/layout/hierarchy6"/>
-    <dgm:cxn modelId="{353E2AF1-EEDA-5E47-9989-D1A93CB108B3}" type="presParOf" srcId="{6BF9838C-1072-E640-B133-B16D85DAAD32}" destId="{6AE2D685-5C0E-8F48-BE17-F18DD679F00B}" srcOrd="0" destOrd="0" presId="urn:microsoft.com/office/officeart/2005/8/layout/hierarchy6"/>
-    <dgm:cxn modelId="{2B1A771B-959D-A441-9A95-C345DA5FEF7B}" type="presParOf" srcId="{6BF9838C-1072-E640-B133-B16D85DAAD32}" destId="{E8C8FFD1-6655-AA48-ADBB-EFE7EE06969F}" srcOrd="1" destOrd="0" presId="urn:microsoft.com/office/officeart/2005/8/layout/hierarchy6"/>
-    <dgm:cxn modelId="{106787C2-2425-674C-91E3-577815A04F71}" type="presParOf" srcId="{E8C8FFD1-6655-AA48-ADBB-EFE7EE06969F}" destId="{82C99869-25AC-F446-AD5B-D3A43B3A2DD4}" srcOrd="0" destOrd="0" presId="urn:microsoft.com/office/officeart/2005/8/layout/hierarchy6"/>
-    <dgm:cxn modelId="{0B9E9392-189B-0542-A2F7-1738F0A17C61}" type="presParOf" srcId="{E8C8FFD1-6655-AA48-ADBB-EFE7EE06969F}" destId="{DAA2B92E-84ED-CE45-A812-87AF0EB3C95B}" srcOrd="1" destOrd="0" presId="urn:microsoft.com/office/officeart/2005/8/layout/hierarchy6"/>
-    <dgm:cxn modelId="{6F741CD1-2AFC-3848-94C4-915D0F5DE659}" type="presParOf" srcId="{DAA2B92E-84ED-CE45-A812-87AF0EB3C95B}" destId="{1E585202-9991-9948-87B0-9E6F7ABC670E}" srcOrd="0" destOrd="0" presId="urn:microsoft.com/office/officeart/2005/8/layout/hierarchy6"/>
-    <dgm:cxn modelId="{EC8E03EA-2339-2D43-ACE0-F344F44F172B}" type="presParOf" srcId="{DAA2B92E-84ED-CE45-A812-87AF0EB3C95B}" destId="{0D722B6F-9E10-B742-A875-4C6BB9F62F92}" srcOrd="1" destOrd="0" presId="urn:microsoft.com/office/officeart/2005/8/layout/hierarchy6"/>
-    <dgm:cxn modelId="{F80501E7-C8B0-3B4E-BD0D-2A7C9462E254}" type="presParOf" srcId="{0D722B6F-9E10-B742-A875-4C6BB9F62F92}" destId="{6CF32258-A341-D443-878F-11774E6B20B6}" srcOrd="0" destOrd="0" presId="urn:microsoft.com/office/officeart/2005/8/layout/hierarchy6"/>
-    <dgm:cxn modelId="{28FB9B69-6C5D-694A-A514-5376ABBB6F2B}" type="presParOf" srcId="{0D722B6F-9E10-B742-A875-4C6BB9F62F92}" destId="{04B58E79-488B-CA4F-9F2F-9444B19E481A}" srcOrd="1" destOrd="0" presId="urn:microsoft.com/office/officeart/2005/8/layout/hierarchy6"/>
-    <dgm:cxn modelId="{DD19C484-69B0-FD46-A971-16BB283E726E}" type="presParOf" srcId="{DAA2B92E-84ED-CE45-A812-87AF0EB3C95B}" destId="{0F918A13-252C-274D-8721-B5960C9FE744}" srcOrd="2" destOrd="0" presId="urn:microsoft.com/office/officeart/2005/8/layout/hierarchy6"/>
-    <dgm:cxn modelId="{62C22EE9-2994-DC42-B6A5-C20F28EA011B}" type="presParOf" srcId="{DAA2B92E-84ED-CE45-A812-87AF0EB3C95B}" destId="{87FCDF04-2852-E94D-9CEC-CA01340E8E9E}" srcOrd="3" destOrd="0" presId="urn:microsoft.com/office/officeart/2005/8/layout/hierarchy6"/>
-    <dgm:cxn modelId="{FFFFD77A-84EC-AD4E-BE12-51A3F22799CC}" type="presParOf" srcId="{87FCDF04-2852-E94D-9CEC-CA01340E8E9E}" destId="{4E9546E7-37B1-6642-B537-6218F7EAD6EB}" srcOrd="0" destOrd="0" presId="urn:microsoft.com/office/officeart/2005/8/layout/hierarchy6"/>
-    <dgm:cxn modelId="{505C46B6-3B41-DB4A-BC05-417D994956D9}" type="presParOf" srcId="{87FCDF04-2852-E94D-9CEC-CA01340E8E9E}" destId="{7C5B5F38-D93D-6A41-9FFC-CE734B46C3BD}" srcOrd="1" destOrd="0" presId="urn:microsoft.com/office/officeart/2005/8/layout/hierarchy6"/>
-    <dgm:cxn modelId="{83BA6BCC-FAF9-C04D-8AD9-3DECC98BC288}" type="presParOf" srcId="{6BF9838C-1072-E640-B133-B16D85DAAD32}" destId="{84C849D4-8D00-6140-BE01-D6B56F3FC2A1}" srcOrd="2" destOrd="0" presId="urn:microsoft.com/office/officeart/2005/8/layout/hierarchy6"/>
-    <dgm:cxn modelId="{65BA96E5-2EAE-1E48-AC51-DD431F69303F}" type="presParOf" srcId="{6BF9838C-1072-E640-B133-B16D85DAAD32}" destId="{E32157C9-3291-1044-A941-F999784E4D69}" srcOrd="3" destOrd="0" presId="urn:microsoft.com/office/officeart/2005/8/layout/hierarchy6"/>
-    <dgm:cxn modelId="{FF49632E-F177-E947-9F5B-821EB2C44A6B}" type="presParOf" srcId="{E32157C9-3291-1044-A941-F999784E4D69}" destId="{8D62BC4C-4354-E049-B3CC-1B187E727CBA}" srcOrd="0" destOrd="0" presId="urn:microsoft.com/office/officeart/2005/8/layout/hierarchy6"/>
-    <dgm:cxn modelId="{BC012221-FD13-604C-91FD-60D6435D249C}" type="presParOf" srcId="{E32157C9-3291-1044-A941-F999784E4D69}" destId="{941F7B01-CB32-034E-8C19-E77A6D047EB9}" srcOrd="1" destOrd="0" presId="urn:microsoft.com/office/officeart/2005/8/layout/hierarchy6"/>
-    <dgm:cxn modelId="{40C943CD-E6ED-B94C-93AF-AE44146E0730}" type="presParOf" srcId="{941F7B01-CB32-034E-8C19-E77A6D047EB9}" destId="{98AE4800-255A-CC46-81D4-1FE846AFEF4E}" srcOrd="0" destOrd="0" presId="urn:microsoft.com/office/officeart/2005/8/layout/hierarchy6"/>
-    <dgm:cxn modelId="{AE58208F-E790-534E-9C6C-1E35B421FC95}" type="presParOf" srcId="{941F7B01-CB32-034E-8C19-E77A6D047EB9}" destId="{7684C1E5-11A4-9E42-AF72-585F6D190567}" srcOrd="1" destOrd="0" presId="urn:microsoft.com/office/officeart/2005/8/layout/hierarchy6"/>
-    <dgm:cxn modelId="{15570348-AF2D-404C-A95C-2E3B6933AD8E}" type="presParOf" srcId="{7684C1E5-11A4-9E42-AF72-585F6D190567}" destId="{78D07536-54CD-444A-A3B3-573696D04A52}" srcOrd="0" destOrd="0" presId="urn:microsoft.com/office/officeart/2005/8/layout/hierarchy6"/>
-    <dgm:cxn modelId="{1008377B-CBF7-B445-BEFB-102C085F58AF}" type="presParOf" srcId="{7684C1E5-11A4-9E42-AF72-585F6D190567}" destId="{1D46C497-0A7D-DC4F-ACC9-CAEA570F0E34}" srcOrd="1" destOrd="0" presId="urn:microsoft.com/office/officeart/2005/8/layout/hierarchy6"/>
-    <dgm:cxn modelId="{227801B9-686C-CE4D-8CCF-EE2D9D8B4389}" type="presParOf" srcId="{941F7B01-CB32-034E-8C19-E77A6D047EB9}" destId="{D83DC47F-8992-7240-AABB-5593FB74EBCE}" srcOrd="2" destOrd="0" presId="urn:microsoft.com/office/officeart/2005/8/layout/hierarchy6"/>
-    <dgm:cxn modelId="{806781B2-73D2-C741-8A12-D9F7C7A822E0}" type="presParOf" srcId="{941F7B01-CB32-034E-8C19-E77A6D047EB9}" destId="{6D7BAE33-1933-1A44-BD50-5DDF19877C36}" srcOrd="3" destOrd="0" presId="urn:microsoft.com/office/officeart/2005/8/layout/hierarchy6"/>
-    <dgm:cxn modelId="{9EDFD8BA-AB79-2840-9FAD-4902850869A2}" type="presParOf" srcId="{6D7BAE33-1933-1A44-BD50-5DDF19877C36}" destId="{E10281B8-574A-FD4A-A466-8FB45B5BFA05}" srcOrd="0" destOrd="0" presId="urn:microsoft.com/office/officeart/2005/8/layout/hierarchy6"/>
-    <dgm:cxn modelId="{4EB52EB9-4572-EC40-82C5-962146561036}" type="presParOf" srcId="{6D7BAE33-1933-1A44-BD50-5DDF19877C36}" destId="{7F2B7C8C-4092-4A42-A57A-7C6A74E34EEA}" srcOrd="1" destOrd="0" presId="urn:microsoft.com/office/officeart/2005/8/layout/hierarchy6"/>
     <dgm:cxn modelId="{9F66FBA4-9A88-5D48-9AA0-FDAB4CD1454A}" type="presParOf" srcId="{BF910C58-F1E4-E04A-BE95-0203F4D46DFE}" destId="{EE50C198-ECBF-8A4D-8503-0DC373074A31}" srcOrd="1" destOrd="0" presId="urn:microsoft.com/office/officeart/2005/8/layout/hierarchy6"/>
   </dgm:cxnLst>
   <dgm:bg/>
@@ -2217,130 +1053,6 @@
   <dgm:extLst>
     <a:ext uri="http://schemas.microsoft.com/office/drawing/2008/diagram">
       <dsp:dataModelExt xmlns:dsp="http://schemas.microsoft.com/office/drawing/2008/diagram" relId="rId6" minVer="http://schemas.openxmlformats.org/drawingml/2006/diagram"/>
-    </a:ext>
-  </dgm:extLst>
-</dgm:dataModel>
-</file>
-
-<file path=ppt/diagrams/data2.xml><?xml version="1.0" encoding="utf-8"?>
-<dgm:dataModel xmlns:dgm="http://schemas.openxmlformats.org/drawingml/2006/diagram" xmlns:a="http://schemas.openxmlformats.org/drawingml/2006/main">
-  <dgm:ptLst>
-    <dgm:pt modelId="{4FA175D9-466C-FC42-9B9C-45BCB1DBB681}" type="doc">
-      <dgm:prSet loTypeId="urn:microsoft.com/office/officeart/2008/layout/HorizontalMultiLevelHierarchy" loCatId="" qsTypeId="urn:microsoft.com/office/officeart/2005/8/quickstyle/simple1" qsCatId="simple" csTypeId="urn:microsoft.com/office/officeart/2005/8/colors/accent0_1" csCatId="mainScheme" phldr="1"/>
-      <dgm:spPr/>
-      <dgm:t>
-        <a:bodyPr/>
-        <a:lstStyle/>
-        <a:p>
-          <a:endParaRPr lang="fr-FR"/>
-        </a:p>
-      </dgm:t>
-    </dgm:pt>
-    <dgm:pt modelId="{233DBD2D-5645-C646-9EBD-124E6E693FE5}">
-      <dgm:prSet phldrT="[Texte]" custT="1">
-        <dgm:style>
-          <a:lnRef idx="2">
-            <a:schemeClr val="dk1"/>
-          </a:lnRef>
-          <a:fillRef idx="1">
-            <a:schemeClr val="lt1"/>
-          </a:fillRef>
-          <a:effectRef idx="0">
-            <a:schemeClr val="dk1"/>
-          </a:effectRef>
-          <a:fontRef idx="minor">
-            <a:schemeClr val="dk1"/>
-          </a:fontRef>
-        </dgm:style>
-      </dgm:prSet>
-      <dgm:spPr/>
-      <dgm:t>
-        <a:bodyPr/>
-        <a:lstStyle/>
-        <a:p>
-          <a:r>
-            <a:rPr lang="fr-FR" sz="1200" dirty="0" smtClean="0"/>
-            <a:t>Méthodes de compression basées  </a:t>
-          </a:r>
-          <a:r>
-            <a:rPr lang="fr-FR" sz="1200" dirty="0" smtClean="0"/>
-            <a:t>sur les arbres k2-trees</a:t>
-          </a:r>
-          <a:endParaRPr lang="fr-FR" sz="1200" dirty="0"/>
-        </a:p>
-      </dgm:t>
-    </dgm:pt>
-    <dgm:pt modelId="{F09E0E67-B25D-374D-B939-096E20FFC0E1}" type="sibTrans" cxnId="{F8B68903-FB24-C24A-A5A4-0D78B7AA1F43}">
-      <dgm:prSet/>
-      <dgm:spPr/>
-      <dgm:t>
-        <a:bodyPr/>
-        <a:lstStyle/>
-        <a:p>
-          <a:endParaRPr lang="fr-FR" sz="1200"/>
-        </a:p>
-      </dgm:t>
-    </dgm:pt>
-    <dgm:pt modelId="{10D25740-8435-D449-A843-FD0FB2032792}" type="parTrans" cxnId="{F8B68903-FB24-C24A-A5A4-0D78B7AA1F43}">
-      <dgm:prSet/>
-      <dgm:spPr/>
-      <dgm:t>
-        <a:bodyPr/>
-        <a:lstStyle/>
-        <a:p>
-          <a:endParaRPr lang="fr-FR" sz="1200"/>
-        </a:p>
-      </dgm:t>
-    </dgm:pt>
-    <dgm:pt modelId="{4D735AD4-1EED-7543-9D04-703DE2DC6662}" type="pres">
-      <dgm:prSet presAssocID="{4FA175D9-466C-FC42-9B9C-45BCB1DBB681}" presName="Name0" presStyleCnt="0">
-        <dgm:presLayoutVars>
-          <dgm:chPref val="1"/>
-          <dgm:dir/>
-          <dgm:animOne val="branch"/>
-          <dgm:animLvl val="lvl"/>
-          <dgm:resizeHandles val="exact"/>
-        </dgm:presLayoutVars>
-      </dgm:prSet>
-      <dgm:spPr/>
-    </dgm:pt>
-    <dgm:pt modelId="{B203C500-B605-7D48-85C7-2F05EF84625D}" type="pres">
-      <dgm:prSet presAssocID="{233DBD2D-5645-C646-9EBD-124E6E693FE5}" presName="root1" presStyleCnt="0"/>
-      <dgm:spPr/>
-    </dgm:pt>
-    <dgm:pt modelId="{394DDC52-4E59-3A45-AFCF-21EBBD04A4D7}" type="pres">
-      <dgm:prSet presAssocID="{233DBD2D-5645-C646-9EBD-124E6E693FE5}" presName="LevelOneTextNode" presStyleLbl="node0" presStyleIdx="0" presStyleCnt="1" custScaleX="29706">
-        <dgm:presLayoutVars>
-          <dgm:chPref val="3"/>
-        </dgm:presLayoutVars>
-      </dgm:prSet>
-      <dgm:spPr/>
-      <dgm:t>
-        <a:bodyPr/>
-        <a:lstStyle/>
-        <a:p>
-          <a:endParaRPr lang="fr-FR"/>
-        </a:p>
-      </dgm:t>
-    </dgm:pt>
-    <dgm:pt modelId="{31CC69D2-DDB3-3243-A98F-513406339998}" type="pres">
-      <dgm:prSet presAssocID="{233DBD2D-5645-C646-9EBD-124E6E693FE5}" presName="level2hierChild" presStyleCnt="0"/>
-      <dgm:spPr/>
-    </dgm:pt>
-  </dgm:ptLst>
-  <dgm:cxnLst>
-    <dgm:cxn modelId="{EC577BEA-6D4F-E54F-8F3D-FAEE5AEB9CE0}" type="presOf" srcId="{4FA175D9-466C-FC42-9B9C-45BCB1DBB681}" destId="{4D735AD4-1EED-7543-9D04-703DE2DC6662}" srcOrd="0" destOrd="0" presId="urn:microsoft.com/office/officeart/2008/layout/HorizontalMultiLevelHierarchy"/>
-    <dgm:cxn modelId="{F8B68903-FB24-C24A-A5A4-0D78B7AA1F43}" srcId="{4FA175D9-466C-FC42-9B9C-45BCB1DBB681}" destId="{233DBD2D-5645-C646-9EBD-124E6E693FE5}" srcOrd="0" destOrd="0" parTransId="{10D25740-8435-D449-A843-FD0FB2032792}" sibTransId="{F09E0E67-B25D-374D-B939-096E20FFC0E1}"/>
-    <dgm:cxn modelId="{721FA090-7776-A54F-8DA4-930E72866231}" type="presOf" srcId="{233DBD2D-5645-C646-9EBD-124E6E693FE5}" destId="{394DDC52-4E59-3A45-AFCF-21EBBD04A4D7}" srcOrd="0" destOrd="0" presId="urn:microsoft.com/office/officeart/2008/layout/HorizontalMultiLevelHierarchy"/>
-    <dgm:cxn modelId="{BFC99634-4EAE-5043-87DB-FE5BA7246020}" type="presParOf" srcId="{4D735AD4-1EED-7543-9D04-703DE2DC6662}" destId="{B203C500-B605-7D48-85C7-2F05EF84625D}" srcOrd="0" destOrd="0" presId="urn:microsoft.com/office/officeart/2008/layout/HorizontalMultiLevelHierarchy"/>
-    <dgm:cxn modelId="{D852E1D8-9BD7-5147-9ACC-F110C29557E1}" type="presParOf" srcId="{B203C500-B605-7D48-85C7-2F05EF84625D}" destId="{394DDC52-4E59-3A45-AFCF-21EBBD04A4D7}" srcOrd="0" destOrd="0" presId="urn:microsoft.com/office/officeart/2008/layout/HorizontalMultiLevelHierarchy"/>
-    <dgm:cxn modelId="{9D05F73D-50D3-2844-8364-59CCCBA4B33E}" type="presParOf" srcId="{B203C500-B605-7D48-85C7-2F05EF84625D}" destId="{31CC69D2-DDB3-3243-A98F-513406339998}" srcOrd="1" destOrd="0" presId="urn:microsoft.com/office/officeart/2008/layout/HorizontalMultiLevelHierarchy"/>
-  </dgm:cxnLst>
-  <dgm:bg/>
-  <dgm:whole/>
-  <dgm:extLst>
-    <a:ext uri="http://schemas.microsoft.com/office/drawing/2008/diagram">
-      <dsp:dataModelExt xmlns:dsp="http://schemas.microsoft.com/office/drawing/2008/diagram" relId="rId11" minVer="http://schemas.openxmlformats.org/drawingml/2006/diagram"/>
     </a:ext>
   </dgm:extLst>
 </dgm:dataModel>
@@ -2361,8 +1073,8 @@
       </dsp:nvSpPr>
       <dsp:spPr>
         <a:xfrm>
-          <a:off x="128792" y="242493"/>
-          <a:ext cx="10751056" cy="274026"/>
+          <a:off x="10213" y="554364"/>
+          <a:ext cx="10910036" cy="278078"/>
         </a:xfrm>
         <a:prstGeom prst="roundRect">
           <a:avLst>
@@ -2431,954 +1143,8 @@
         </a:p>
       </dsp:txBody>
       <dsp:txXfrm>
-        <a:off x="136818" y="250519"/>
-        <a:ext cx="10735004" cy="257974"/>
-      </dsp:txXfrm>
-    </dsp:sp>
-    <dsp:sp modelId="{6AE2D685-5C0E-8F48-BE17-F18DD679F00B}">
-      <dsp:nvSpPr>
-        <dsp:cNvPr id="0" name=""/>
-        <dsp:cNvSpPr/>
-      </dsp:nvSpPr>
-      <dsp:spPr>
-        <a:xfrm>
-          <a:off x="2692957" y="516519"/>
-          <a:ext cx="2811362" cy="141268"/>
-        </a:xfrm>
-        <a:custGeom>
-          <a:avLst/>
-          <a:gdLst/>
-          <a:ahLst/>
-          <a:cxnLst/>
-          <a:rect l="0" t="0" r="0" b="0"/>
-          <a:pathLst>
-            <a:path>
-              <a:moveTo>
-                <a:pt x="2811362" y="0"/>
-              </a:moveTo>
-              <a:lnTo>
-                <a:pt x="2811362" y="70634"/>
-              </a:lnTo>
-              <a:lnTo>
-                <a:pt x="0" y="70634"/>
-              </a:lnTo>
-              <a:lnTo>
-                <a:pt x="0" y="141268"/>
-              </a:lnTo>
-            </a:path>
-          </a:pathLst>
-        </a:custGeom>
-        <a:noFill/>
-        <a:ln w="12700" cap="flat" cmpd="sng" algn="ctr">
-          <a:solidFill>
-            <a:schemeClr val="dk1">
-              <a:shade val="60000"/>
-              <a:hueOff val="0"/>
-              <a:satOff val="0"/>
-              <a:lumOff val="0"/>
-              <a:alphaOff val="0"/>
-            </a:schemeClr>
-          </a:solidFill>
-          <a:prstDash val="solid"/>
-          <a:miter lim="800000"/>
-        </a:ln>
-        <a:effectLst/>
-      </dsp:spPr>
-      <dsp:style>
-        <a:lnRef idx="2">
-          <a:scrgbClr r="0" g="0" b="0"/>
-        </a:lnRef>
-        <a:fillRef idx="0">
-          <a:scrgbClr r="0" g="0" b="0"/>
-        </a:fillRef>
-        <a:effectRef idx="0">
-          <a:scrgbClr r="0" g="0" b="0"/>
-        </a:effectRef>
-        <a:fontRef idx="minor"/>
-      </dsp:style>
-    </dsp:sp>
-    <dsp:sp modelId="{82C99869-25AC-F446-AD5B-D3A43B3A2DD4}">
-      <dsp:nvSpPr>
-        <dsp:cNvPr id="0" name=""/>
-        <dsp:cNvSpPr/>
-      </dsp:nvSpPr>
-      <dsp:spPr>
-        <a:xfrm>
-          <a:off x="119301" y="657788"/>
-          <a:ext cx="5147312" cy="256742"/>
-        </a:xfrm>
-        <a:prstGeom prst="roundRect">
-          <a:avLst>
-            <a:gd name="adj" fmla="val 10000"/>
-          </a:avLst>
-        </a:prstGeom>
-        <a:solidFill>
-          <a:schemeClr val="lt1">
-            <a:hueOff val="0"/>
-            <a:satOff val="0"/>
-            <a:lumOff val="0"/>
-            <a:alphaOff val="0"/>
-          </a:schemeClr>
-        </a:solidFill>
-        <a:ln w="12700" cap="flat" cmpd="sng" algn="ctr">
-          <a:solidFill>
-            <a:schemeClr val="dk1">
-              <a:shade val="80000"/>
-              <a:hueOff val="0"/>
-              <a:satOff val="0"/>
-              <a:lumOff val="0"/>
-              <a:alphaOff val="0"/>
-            </a:schemeClr>
-          </a:solidFill>
-          <a:prstDash val="solid"/>
-          <a:miter lim="800000"/>
-        </a:ln>
-        <a:effectLst/>
-      </dsp:spPr>
-      <dsp:style>
-        <a:lnRef idx="2">
-          <a:scrgbClr r="0" g="0" b="0"/>
-        </a:lnRef>
-        <a:fillRef idx="1">
-          <a:scrgbClr r="0" g="0" b="0"/>
-        </a:fillRef>
-        <a:effectRef idx="0">
-          <a:scrgbClr r="0" g="0" b="0"/>
-        </a:effectRef>
-        <a:fontRef idx="minor">
-          <a:schemeClr val="lt1"/>
-        </a:fontRef>
-      </dsp:style>
-      <dsp:txBody>
-        <a:bodyPr spcFirstLastPara="0" vert="horz" wrap="square" lIns="45720" tIns="45720" rIns="45720" bIns="45720" numCol="1" spcCol="1270" anchor="ctr" anchorCtr="0">
-          <a:noAutofit/>
-        </a:bodyPr>
-        <a:lstStyle/>
-        <a:p>
-          <a:pPr lvl="0" algn="ctr" defTabSz="533400">
-            <a:lnSpc>
-              <a:spcPct val="90000"/>
-            </a:lnSpc>
-            <a:spcBef>
-              <a:spcPct val="0"/>
-            </a:spcBef>
-            <a:spcAft>
-              <a:spcPct val="35000"/>
-            </a:spcAft>
-          </a:pPr>
-          <a:r>
-            <a:rPr lang="fr-FR" sz="1200" kern="1200" dirty="0" smtClean="0"/>
-            <a:t>Vocabulaire</a:t>
-          </a:r>
-          <a:endParaRPr lang="fr-FR" sz="1200" kern="1200" dirty="0"/>
-        </a:p>
-      </dsp:txBody>
-      <dsp:txXfrm>
-        <a:off x="126821" y="665308"/>
-        <a:ext cx="5132272" cy="241702"/>
-      </dsp:txXfrm>
-    </dsp:sp>
-    <dsp:sp modelId="{1E585202-9991-9948-87B0-9E6F7ABC670E}">
-      <dsp:nvSpPr>
-        <dsp:cNvPr id="0" name=""/>
-        <dsp:cNvSpPr/>
-      </dsp:nvSpPr>
-      <dsp:spPr>
-        <a:xfrm>
-          <a:off x="1315663" y="914530"/>
-          <a:ext cx="1377293" cy="222881"/>
-        </a:xfrm>
-        <a:custGeom>
-          <a:avLst/>
-          <a:gdLst/>
-          <a:ahLst/>
-          <a:cxnLst/>
-          <a:rect l="0" t="0" r="0" b="0"/>
-          <a:pathLst>
-            <a:path>
-              <a:moveTo>
-                <a:pt x="1377293" y="0"/>
-              </a:moveTo>
-              <a:lnTo>
-                <a:pt x="1377293" y="111440"/>
-              </a:lnTo>
-              <a:lnTo>
-                <a:pt x="0" y="111440"/>
-              </a:lnTo>
-              <a:lnTo>
-                <a:pt x="0" y="222881"/>
-              </a:lnTo>
-            </a:path>
-          </a:pathLst>
-        </a:custGeom>
-        <a:noFill/>
-        <a:ln w="12700" cap="flat" cmpd="sng" algn="ctr">
-          <a:solidFill>
-            <a:schemeClr val="dk1">
-              <a:shade val="80000"/>
-              <a:hueOff val="0"/>
-              <a:satOff val="0"/>
-              <a:lumOff val="0"/>
-              <a:alphaOff val="0"/>
-            </a:schemeClr>
-          </a:solidFill>
-          <a:prstDash val="solid"/>
-          <a:miter lim="800000"/>
-        </a:ln>
-        <a:effectLst/>
-      </dsp:spPr>
-      <dsp:style>
-        <a:lnRef idx="2">
-          <a:scrgbClr r="0" g="0" b="0"/>
-        </a:lnRef>
-        <a:fillRef idx="0">
-          <a:scrgbClr r="0" g="0" b="0"/>
-        </a:fillRef>
-        <a:effectRef idx="0">
-          <a:scrgbClr r="0" g="0" b="0"/>
-        </a:effectRef>
-        <a:fontRef idx="minor"/>
-      </dsp:style>
-    </dsp:sp>
-    <dsp:sp modelId="{6CF32258-A341-D443-878F-11774E6B20B6}">
-      <dsp:nvSpPr>
-        <dsp:cNvPr id="0" name=""/>
-        <dsp:cNvSpPr/>
-      </dsp:nvSpPr>
-      <dsp:spPr>
-        <a:xfrm>
-          <a:off x="134013" y="1137411"/>
-          <a:ext cx="2363300" cy="262800"/>
-        </a:xfrm>
-        <a:prstGeom prst="roundRect">
-          <a:avLst>
-            <a:gd name="adj" fmla="val 10000"/>
-          </a:avLst>
-        </a:prstGeom>
-        <a:solidFill>
-          <a:schemeClr val="lt1">
-            <a:hueOff val="0"/>
-            <a:satOff val="0"/>
-            <a:lumOff val="0"/>
-            <a:alphaOff val="0"/>
-          </a:schemeClr>
-        </a:solidFill>
-        <a:ln w="12700" cap="flat" cmpd="sng" algn="ctr">
-          <a:solidFill>
-            <a:schemeClr val="dk1">
-              <a:shade val="80000"/>
-              <a:hueOff val="0"/>
-              <a:satOff val="0"/>
-              <a:lumOff val="0"/>
-              <a:alphaOff val="0"/>
-            </a:schemeClr>
-          </a:solidFill>
-          <a:prstDash val="solid"/>
-          <a:miter lim="800000"/>
-        </a:ln>
-        <a:effectLst/>
-      </dsp:spPr>
-      <dsp:style>
-        <a:lnRef idx="2">
-          <a:scrgbClr r="0" g="0" b="0"/>
-        </a:lnRef>
-        <a:fillRef idx="1">
-          <a:scrgbClr r="0" g="0" b="0"/>
-        </a:fillRef>
-        <a:effectRef idx="0">
-          <a:scrgbClr r="0" g="0" b="0"/>
-        </a:effectRef>
-        <a:fontRef idx="minor">
-          <a:schemeClr val="lt1"/>
-        </a:fontRef>
-      </dsp:style>
-      <dsp:txBody>
-        <a:bodyPr spcFirstLastPara="0" vert="horz" wrap="square" lIns="45720" tIns="45720" rIns="45720" bIns="45720" numCol="1" spcCol="1270" anchor="ctr" anchorCtr="0">
-          <a:noAutofit/>
-        </a:bodyPr>
-        <a:lstStyle/>
-        <a:p>
-          <a:pPr lvl="0" algn="ctr" defTabSz="533400">
-            <a:lnSpc>
-              <a:spcPct val="90000"/>
-            </a:lnSpc>
-            <a:spcBef>
-              <a:spcPct val="0"/>
-            </a:spcBef>
-            <a:spcAft>
-              <a:spcPct val="35000"/>
-            </a:spcAft>
-          </a:pPr>
-          <a:r>
-            <a:rPr lang="fr-FR" sz="1200" kern="1200" dirty="0" smtClean="0"/>
-            <a:t>Propriétés de la matrice d'adjacence</a:t>
-          </a:r>
-          <a:endParaRPr lang="fr-FR" sz="1200" kern="1200" dirty="0"/>
-        </a:p>
-      </dsp:txBody>
-      <dsp:txXfrm>
-        <a:off x="141710" y="1145108"/>
-        <a:ext cx="2347906" cy="247406"/>
-      </dsp:txXfrm>
-    </dsp:sp>
-    <dsp:sp modelId="{0F918A13-252C-274D-8721-B5960C9FE744}">
-      <dsp:nvSpPr>
-        <dsp:cNvPr id="0" name=""/>
-        <dsp:cNvSpPr/>
-      </dsp:nvSpPr>
-      <dsp:spPr>
-        <a:xfrm>
-          <a:off x="2692957" y="914530"/>
-          <a:ext cx="1333789" cy="223746"/>
-        </a:xfrm>
-        <a:custGeom>
-          <a:avLst/>
-          <a:gdLst/>
-          <a:ahLst/>
-          <a:cxnLst/>
-          <a:rect l="0" t="0" r="0" b="0"/>
-          <a:pathLst>
-            <a:path>
-              <a:moveTo>
-                <a:pt x="0" y="0"/>
-              </a:moveTo>
-              <a:lnTo>
-                <a:pt x="0" y="111873"/>
-              </a:lnTo>
-              <a:lnTo>
-                <a:pt x="1333789" y="111873"/>
-              </a:lnTo>
-              <a:lnTo>
-                <a:pt x="1333789" y="223746"/>
-              </a:lnTo>
-            </a:path>
-          </a:pathLst>
-        </a:custGeom>
-        <a:noFill/>
-        <a:ln w="12700" cap="flat" cmpd="sng" algn="ctr">
-          <a:solidFill>
-            <a:schemeClr val="dk1">
-              <a:shade val="80000"/>
-              <a:hueOff val="0"/>
-              <a:satOff val="0"/>
-              <a:lumOff val="0"/>
-              <a:alphaOff val="0"/>
-            </a:schemeClr>
-          </a:solidFill>
-          <a:prstDash val="solid"/>
-          <a:miter lim="800000"/>
-        </a:ln>
-        <a:effectLst/>
-      </dsp:spPr>
-      <dsp:style>
-        <a:lnRef idx="2">
-          <a:scrgbClr r="0" g="0" b="0"/>
-        </a:lnRef>
-        <a:fillRef idx="0">
-          <a:scrgbClr r="0" g="0" b="0"/>
-        </a:fillRef>
-        <a:effectRef idx="0">
-          <a:scrgbClr r="0" g="0" b="0"/>
-        </a:effectRef>
-        <a:fontRef idx="minor"/>
-      </dsp:style>
-    </dsp:sp>
-    <dsp:sp modelId="{4E9546E7-37B1-6642-B537-6218F7EAD6EB}">
-      <dsp:nvSpPr>
-        <dsp:cNvPr id="0" name=""/>
-        <dsp:cNvSpPr/>
-      </dsp:nvSpPr>
-      <dsp:spPr>
-        <a:xfrm>
-          <a:off x="2802745" y="1138277"/>
-          <a:ext cx="2448002" cy="262800"/>
-        </a:xfrm>
-        <a:prstGeom prst="roundRect">
-          <a:avLst>
-            <a:gd name="adj" fmla="val 10000"/>
-          </a:avLst>
-        </a:prstGeom>
-        <a:solidFill>
-          <a:schemeClr val="lt1">
-            <a:hueOff val="0"/>
-            <a:satOff val="0"/>
-            <a:lumOff val="0"/>
-            <a:alphaOff val="0"/>
-          </a:schemeClr>
-        </a:solidFill>
-        <a:ln w="12700" cap="flat" cmpd="sng" algn="ctr">
-          <a:solidFill>
-            <a:schemeClr val="dk1">
-              <a:shade val="80000"/>
-              <a:hueOff val="0"/>
-              <a:satOff val="0"/>
-              <a:lumOff val="0"/>
-              <a:alphaOff val="0"/>
-            </a:schemeClr>
-          </a:solidFill>
-          <a:prstDash val="solid"/>
-          <a:miter lim="800000"/>
-        </a:ln>
-        <a:effectLst/>
-      </dsp:spPr>
-      <dsp:style>
-        <a:lnRef idx="2">
-          <a:scrgbClr r="0" g="0" b="0"/>
-        </a:lnRef>
-        <a:fillRef idx="1">
-          <a:scrgbClr r="0" g="0" b="0"/>
-        </a:fillRef>
-        <a:effectRef idx="0">
-          <a:scrgbClr r="0" g="0" b="0"/>
-        </a:effectRef>
-        <a:fontRef idx="minor">
-          <a:schemeClr val="lt1"/>
-        </a:fontRef>
-      </dsp:style>
-      <dsp:txBody>
-        <a:bodyPr spcFirstLastPara="0" vert="horz" wrap="square" lIns="45720" tIns="45720" rIns="45720" bIns="45720" numCol="1" spcCol="1270" anchor="ctr" anchorCtr="0">
-          <a:noAutofit/>
-        </a:bodyPr>
-        <a:lstStyle/>
-        <a:p>
-          <a:pPr lvl="0" algn="ctr" defTabSz="533400">
-            <a:lnSpc>
-              <a:spcPct val="90000"/>
-            </a:lnSpc>
-            <a:spcBef>
-              <a:spcPct val="0"/>
-            </a:spcBef>
-            <a:spcAft>
-              <a:spcPct val="35000"/>
-            </a:spcAft>
-          </a:pPr>
-          <a:r>
-            <a:rPr lang="fr-FR" sz="1200" kern="1200" dirty="0" smtClean="0"/>
-            <a:t>Méthodes de </a:t>
-          </a:r>
-          <a:r>
-            <a:rPr lang="fr-FR" sz="1200" kern="1200" dirty="0" err="1" smtClean="0"/>
-            <a:t>clustering</a:t>
-          </a:r>
-          <a:endParaRPr lang="fr-FR" sz="1200" kern="1200" dirty="0"/>
-        </a:p>
-      </dsp:txBody>
-      <dsp:txXfrm>
-        <a:off x="2810442" y="1145974"/>
-        <a:ext cx="2432608" cy="247406"/>
-      </dsp:txXfrm>
-    </dsp:sp>
-    <dsp:sp modelId="{84C849D4-8D00-6140-BE01-D6B56F3FC2A1}">
-      <dsp:nvSpPr>
-        <dsp:cNvPr id="0" name=""/>
-        <dsp:cNvSpPr/>
-      </dsp:nvSpPr>
-      <dsp:spPr>
-        <a:xfrm>
-          <a:off x="5504320" y="516519"/>
-          <a:ext cx="2606375" cy="137537"/>
-        </a:xfrm>
-        <a:custGeom>
-          <a:avLst/>
-          <a:gdLst/>
-          <a:ahLst/>
-          <a:cxnLst/>
-          <a:rect l="0" t="0" r="0" b="0"/>
-          <a:pathLst>
-            <a:path>
-              <a:moveTo>
-                <a:pt x="0" y="0"/>
-              </a:moveTo>
-              <a:lnTo>
-                <a:pt x="0" y="68768"/>
-              </a:lnTo>
-              <a:lnTo>
-                <a:pt x="2606375" y="68768"/>
-              </a:lnTo>
-              <a:lnTo>
-                <a:pt x="2606375" y="137537"/>
-              </a:lnTo>
-            </a:path>
-          </a:pathLst>
-        </a:custGeom>
-        <a:noFill/>
-        <a:ln w="12700" cap="flat" cmpd="sng" algn="ctr">
-          <a:solidFill>
-            <a:schemeClr val="dk1">
-              <a:shade val="60000"/>
-              <a:hueOff val="0"/>
-              <a:satOff val="0"/>
-              <a:lumOff val="0"/>
-              <a:alphaOff val="0"/>
-            </a:schemeClr>
-          </a:solidFill>
-          <a:prstDash val="solid"/>
-          <a:miter lim="800000"/>
-        </a:ln>
-        <a:effectLst/>
-      </dsp:spPr>
-      <dsp:style>
-        <a:lnRef idx="2">
-          <a:scrgbClr r="0" g="0" b="0"/>
-        </a:lnRef>
-        <a:fillRef idx="0">
-          <a:scrgbClr r="0" g="0" b="0"/>
-        </a:fillRef>
-        <a:effectRef idx="0">
-          <a:scrgbClr r="0" g="0" b="0"/>
-        </a:effectRef>
-        <a:fontRef idx="minor"/>
-      </dsp:style>
-    </dsp:sp>
-    <dsp:sp modelId="{8D62BC4C-4354-E049-B3CC-1B187E727CBA}">
-      <dsp:nvSpPr>
-        <dsp:cNvPr id="0" name=""/>
-        <dsp:cNvSpPr/>
-      </dsp:nvSpPr>
-      <dsp:spPr>
-        <a:xfrm>
-          <a:off x="5341183" y="654057"/>
-          <a:ext cx="5539025" cy="272396"/>
-        </a:xfrm>
-        <a:prstGeom prst="roundRect">
-          <a:avLst>
-            <a:gd name="adj" fmla="val 10000"/>
-          </a:avLst>
-        </a:prstGeom>
-        <a:solidFill>
-          <a:schemeClr val="lt1">
-            <a:hueOff val="0"/>
-            <a:satOff val="0"/>
-            <a:lumOff val="0"/>
-            <a:alphaOff val="0"/>
-          </a:schemeClr>
-        </a:solidFill>
-        <a:ln w="12700" cap="flat" cmpd="sng" algn="ctr">
-          <a:solidFill>
-            <a:schemeClr val="dk1">
-              <a:shade val="80000"/>
-              <a:hueOff val="0"/>
-              <a:satOff val="0"/>
-              <a:lumOff val="0"/>
-              <a:alphaOff val="0"/>
-            </a:schemeClr>
-          </a:solidFill>
-          <a:prstDash val="solid"/>
-          <a:miter lim="800000"/>
-        </a:ln>
-        <a:effectLst/>
-      </dsp:spPr>
-      <dsp:style>
-        <a:lnRef idx="2">
-          <a:scrgbClr r="0" g="0" b="0"/>
-        </a:lnRef>
-        <a:fillRef idx="1">
-          <a:scrgbClr r="0" g="0" b="0"/>
-        </a:fillRef>
-        <a:effectRef idx="0">
-          <a:scrgbClr r="0" g="0" b="0"/>
-        </a:effectRef>
-        <a:fontRef idx="minor">
-          <a:schemeClr val="lt1"/>
-        </a:fontRef>
-      </dsp:style>
-      <dsp:txBody>
-        <a:bodyPr spcFirstLastPara="0" vert="horz" wrap="square" lIns="45720" tIns="45720" rIns="45720" bIns="45720" numCol="1" spcCol="1270" anchor="ctr" anchorCtr="0">
-          <a:noAutofit/>
-        </a:bodyPr>
-        <a:lstStyle/>
-        <a:p>
-          <a:pPr lvl="0" algn="ctr" defTabSz="533400">
-            <a:lnSpc>
-              <a:spcPct val="90000"/>
-            </a:lnSpc>
-            <a:spcBef>
-              <a:spcPct val="0"/>
-            </a:spcBef>
-            <a:spcAft>
-              <a:spcPct val="35000"/>
-            </a:spcAft>
-          </a:pPr>
-          <a:r>
-            <a:rPr lang="fr-FR" sz="1200" kern="1200" dirty="0" smtClean="0"/>
-            <a:t>Agrégation</a:t>
-          </a:r>
-          <a:endParaRPr lang="fr-FR" sz="1200" kern="1200" dirty="0"/>
-        </a:p>
-      </dsp:txBody>
-      <dsp:txXfrm>
-        <a:off x="5349161" y="662035"/>
-        <a:ext cx="5523069" cy="256440"/>
-      </dsp:txXfrm>
-    </dsp:sp>
-    <dsp:sp modelId="{98AE4800-255A-CC46-81D4-1FE846AFEF4E}">
-      <dsp:nvSpPr>
-        <dsp:cNvPr id="0" name=""/>
-        <dsp:cNvSpPr/>
-      </dsp:nvSpPr>
-      <dsp:spPr>
-        <a:xfrm>
-          <a:off x="6740249" y="926454"/>
-          <a:ext cx="1370446" cy="216063"/>
-        </a:xfrm>
-        <a:custGeom>
-          <a:avLst/>
-          <a:gdLst/>
-          <a:ahLst/>
-          <a:cxnLst/>
-          <a:rect l="0" t="0" r="0" b="0"/>
-          <a:pathLst>
-            <a:path>
-              <a:moveTo>
-                <a:pt x="1370446" y="0"/>
-              </a:moveTo>
-              <a:lnTo>
-                <a:pt x="1370446" y="108031"/>
-              </a:lnTo>
-              <a:lnTo>
-                <a:pt x="0" y="108031"/>
-              </a:lnTo>
-              <a:lnTo>
-                <a:pt x="0" y="216063"/>
-              </a:lnTo>
-            </a:path>
-          </a:pathLst>
-        </a:custGeom>
-        <a:noFill/>
-        <a:ln w="12700" cap="flat" cmpd="sng" algn="ctr">
-          <a:solidFill>
-            <a:schemeClr val="dk1">
-              <a:shade val="80000"/>
-              <a:hueOff val="0"/>
-              <a:satOff val="0"/>
-              <a:lumOff val="0"/>
-              <a:alphaOff val="0"/>
-            </a:schemeClr>
-          </a:solidFill>
-          <a:prstDash val="solid"/>
-          <a:miter lim="800000"/>
-        </a:ln>
-        <a:effectLst/>
-      </dsp:spPr>
-      <dsp:style>
-        <a:lnRef idx="2">
-          <a:scrgbClr r="0" g="0" b="0"/>
-        </a:lnRef>
-        <a:fillRef idx="0">
-          <a:scrgbClr r="0" g="0" b="0"/>
-        </a:fillRef>
-        <a:effectRef idx="0">
-          <a:scrgbClr r="0" g="0" b="0"/>
-        </a:effectRef>
-        <a:fontRef idx="minor"/>
-      </dsp:style>
-    </dsp:sp>
-    <dsp:sp modelId="{78D07536-54CD-444A-A3B3-573696D04A52}">
-      <dsp:nvSpPr>
-        <dsp:cNvPr id="0" name=""/>
-        <dsp:cNvSpPr/>
-      </dsp:nvSpPr>
-      <dsp:spPr>
-        <a:xfrm>
-          <a:off x="5353014" y="1142517"/>
-          <a:ext cx="2774470" cy="262800"/>
-        </a:xfrm>
-        <a:prstGeom prst="roundRect">
-          <a:avLst>
-            <a:gd name="adj" fmla="val 10000"/>
-          </a:avLst>
-        </a:prstGeom>
-        <a:solidFill>
-          <a:schemeClr val="lt1">
-            <a:hueOff val="0"/>
-            <a:satOff val="0"/>
-            <a:lumOff val="0"/>
-            <a:alphaOff val="0"/>
-          </a:schemeClr>
-        </a:solidFill>
-        <a:ln w="12700" cap="flat" cmpd="sng" algn="ctr">
-          <a:solidFill>
-            <a:schemeClr val="dk1">
-              <a:shade val="80000"/>
-              <a:hueOff val="0"/>
-              <a:satOff val="0"/>
-              <a:lumOff val="0"/>
-              <a:alphaOff val="0"/>
-            </a:schemeClr>
-          </a:solidFill>
-          <a:prstDash val="solid"/>
-          <a:miter lim="800000"/>
-        </a:ln>
-        <a:effectLst/>
-      </dsp:spPr>
-      <dsp:style>
-        <a:lnRef idx="2">
-          <a:scrgbClr r="0" g="0" b="0"/>
-        </a:lnRef>
-        <a:fillRef idx="1">
-          <a:scrgbClr r="0" g="0" b="0"/>
-        </a:fillRef>
-        <a:effectRef idx="0">
-          <a:scrgbClr r="0" g="0" b="0"/>
-        </a:effectRef>
-        <a:fontRef idx="minor">
-          <a:schemeClr val="lt1"/>
-        </a:fontRef>
-      </dsp:style>
-      <dsp:txBody>
-        <a:bodyPr spcFirstLastPara="0" vert="horz" wrap="square" lIns="45720" tIns="45720" rIns="45720" bIns="45720" numCol="1" spcCol="1270" anchor="ctr" anchorCtr="0">
-          <a:noAutofit/>
-        </a:bodyPr>
-        <a:lstStyle/>
-        <a:p>
-          <a:pPr lvl="0" algn="ctr" defTabSz="533400">
-            <a:lnSpc>
-              <a:spcPct val="90000"/>
-            </a:lnSpc>
-            <a:spcBef>
-              <a:spcPct val="0"/>
-            </a:spcBef>
-            <a:spcAft>
-              <a:spcPct val="35000"/>
-            </a:spcAft>
-          </a:pPr>
-          <a:r>
-            <a:rPr lang="fr-FR" sz="1200" kern="1200" dirty="0" smtClean="0"/>
-            <a:t>Des nœuds des motifs</a:t>
-          </a:r>
-          <a:endParaRPr lang="fr-FR" sz="1200" kern="1200" dirty="0"/>
-        </a:p>
-      </dsp:txBody>
-      <dsp:txXfrm>
-        <a:off x="5360711" y="1150214"/>
-        <a:ext cx="2759076" cy="247406"/>
-      </dsp:txXfrm>
-    </dsp:sp>
-    <dsp:sp modelId="{D83DC47F-8992-7240-AABB-5593FB74EBCE}">
-      <dsp:nvSpPr>
-        <dsp:cNvPr id="0" name=""/>
-        <dsp:cNvSpPr/>
-      </dsp:nvSpPr>
-      <dsp:spPr>
-        <a:xfrm>
-          <a:off x="8110696" y="926454"/>
-          <a:ext cx="1482163" cy="206347"/>
-        </a:xfrm>
-        <a:custGeom>
-          <a:avLst/>
-          <a:gdLst/>
-          <a:ahLst/>
-          <a:cxnLst/>
-          <a:rect l="0" t="0" r="0" b="0"/>
-          <a:pathLst>
-            <a:path>
-              <a:moveTo>
-                <a:pt x="0" y="0"/>
-              </a:moveTo>
-              <a:lnTo>
-                <a:pt x="0" y="103173"/>
-              </a:lnTo>
-              <a:lnTo>
-                <a:pt x="1482163" y="103173"/>
-              </a:lnTo>
-              <a:lnTo>
-                <a:pt x="1482163" y="206347"/>
-              </a:lnTo>
-            </a:path>
-          </a:pathLst>
-        </a:custGeom>
-        <a:noFill/>
-        <a:ln w="12700" cap="flat" cmpd="sng" algn="ctr">
-          <a:solidFill>
-            <a:schemeClr val="dk1">
-              <a:shade val="80000"/>
-              <a:hueOff val="0"/>
-              <a:satOff val="0"/>
-              <a:lumOff val="0"/>
-              <a:alphaOff val="0"/>
-            </a:schemeClr>
-          </a:solidFill>
-          <a:prstDash val="solid"/>
-          <a:miter lim="800000"/>
-        </a:ln>
-        <a:effectLst/>
-      </dsp:spPr>
-      <dsp:style>
-        <a:lnRef idx="2">
-          <a:scrgbClr r="0" g="0" b="0"/>
-        </a:lnRef>
-        <a:fillRef idx="0">
-          <a:scrgbClr r="0" g="0" b="0"/>
-        </a:fillRef>
-        <a:effectRef idx="0">
-          <a:scrgbClr r="0" g="0" b="0"/>
-        </a:effectRef>
-        <a:fontRef idx="minor"/>
-      </dsp:style>
-    </dsp:sp>
-    <dsp:sp modelId="{E10281B8-574A-FD4A-A466-8FB45B5BFA05}">
-      <dsp:nvSpPr>
-        <dsp:cNvPr id="0" name=""/>
-        <dsp:cNvSpPr/>
-      </dsp:nvSpPr>
-      <dsp:spPr>
-        <a:xfrm>
-          <a:off x="8310872" y="1132801"/>
-          <a:ext cx="2563974" cy="262800"/>
-        </a:xfrm>
-        <a:prstGeom prst="roundRect">
-          <a:avLst>
-            <a:gd name="adj" fmla="val 10000"/>
-          </a:avLst>
-        </a:prstGeom>
-        <a:solidFill>
-          <a:schemeClr val="lt1">
-            <a:hueOff val="0"/>
-            <a:satOff val="0"/>
-            <a:lumOff val="0"/>
-            <a:alphaOff val="0"/>
-          </a:schemeClr>
-        </a:solidFill>
-        <a:ln w="12700" cap="flat" cmpd="sng" algn="ctr">
-          <a:solidFill>
-            <a:schemeClr val="dk1">
-              <a:shade val="80000"/>
-              <a:hueOff val="0"/>
-              <a:satOff val="0"/>
-              <a:lumOff val="0"/>
-              <a:alphaOff val="0"/>
-            </a:schemeClr>
-          </a:solidFill>
-          <a:prstDash val="solid"/>
-          <a:miter lim="800000"/>
-        </a:ln>
-        <a:effectLst/>
-      </dsp:spPr>
-      <dsp:style>
-        <a:lnRef idx="2">
-          <a:scrgbClr r="0" g="0" b="0"/>
-        </a:lnRef>
-        <a:fillRef idx="1">
-          <a:scrgbClr r="0" g="0" b="0"/>
-        </a:fillRef>
-        <a:effectRef idx="0">
-          <a:scrgbClr r="0" g="0" b="0"/>
-        </a:effectRef>
-        <a:fontRef idx="minor">
-          <a:schemeClr val="lt1"/>
-        </a:fontRef>
-      </dsp:style>
-      <dsp:txBody>
-        <a:bodyPr spcFirstLastPara="0" vert="horz" wrap="square" lIns="45720" tIns="45720" rIns="45720" bIns="45720" numCol="1" spcCol="1270" anchor="ctr" anchorCtr="0">
-          <a:noAutofit/>
-        </a:bodyPr>
-        <a:lstStyle/>
-        <a:p>
-          <a:pPr lvl="0" algn="ctr" defTabSz="533400">
-            <a:lnSpc>
-              <a:spcPct val="90000"/>
-            </a:lnSpc>
-            <a:spcBef>
-              <a:spcPct val="0"/>
-            </a:spcBef>
-            <a:spcAft>
-              <a:spcPct val="35000"/>
-            </a:spcAft>
-          </a:pPr>
-          <a:r>
-            <a:rPr lang="fr-FR" sz="1200" kern="1200" dirty="0" smtClean="0"/>
-            <a:t>Des liens des motifs</a:t>
-          </a:r>
-          <a:endParaRPr lang="fr-FR" sz="1200" kern="1200" dirty="0"/>
-        </a:p>
-      </dsp:txBody>
-      <dsp:txXfrm>
-        <a:off x="8318569" y="1140498"/>
-        <a:ext cx="2548580" cy="247406"/>
-      </dsp:txXfrm>
-    </dsp:sp>
-  </dsp:spTree>
-</dsp:drawing>
-</file>
-
-<file path=ppt/diagrams/drawing2.xml><?xml version="1.0" encoding="utf-8"?>
-<dsp:drawing xmlns:dgm="http://schemas.openxmlformats.org/drawingml/2006/diagram" xmlns:dsp="http://schemas.microsoft.com/office/drawing/2008/diagram" xmlns:a="http://schemas.openxmlformats.org/drawingml/2006/main">
-  <dsp:spTree>
-    <dsp:nvGrpSpPr>
-      <dsp:cNvPr id="0" name=""/>
-      <dsp:cNvGrpSpPr/>
-    </dsp:nvGrpSpPr>
-    <dsp:grpSpPr/>
-    <dsp:sp modelId="{394DDC52-4E59-3A45-AFCF-21EBBD04A4D7}">
-      <dsp:nvSpPr>
-        <dsp:cNvPr id="0" name=""/>
-        <dsp:cNvSpPr/>
-      </dsp:nvSpPr>
-      <dsp:spPr>
-        <a:xfrm rot="16200000">
-          <a:off x="2988722" y="2331913"/>
-          <a:ext cx="4942805" cy="278978"/>
-        </a:xfrm>
-        <a:prstGeom prst="rect">
-          <a:avLst/>
-        </a:prstGeom>
-        <a:solidFill>
-          <a:schemeClr val="lt1"/>
-        </a:solidFill>
-        <a:ln w="12700" cap="flat" cmpd="sng" algn="ctr">
-          <a:solidFill>
-            <a:schemeClr val="dk1"/>
-          </a:solidFill>
-          <a:prstDash val="solid"/>
-          <a:miter lim="800000"/>
-        </a:ln>
-        <a:effectLst/>
-      </dsp:spPr>
-      <dsp:style>
-        <a:lnRef idx="2">
-          <a:schemeClr val="dk1"/>
-        </a:lnRef>
-        <a:fillRef idx="1">
-          <a:schemeClr val="lt1"/>
-        </a:fillRef>
-        <a:effectRef idx="0">
-          <a:schemeClr val="dk1"/>
-        </a:effectRef>
-        <a:fontRef idx="minor">
-          <a:schemeClr val="dk1"/>
-        </a:fontRef>
-      </dsp:style>
-      <dsp:txBody>
-        <a:bodyPr spcFirstLastPara="0" vert="horz" wrap="square" lIns="7620" tIns="7620" rIns="7620" bIns="7620" numCol="1" spcCol="1270" anchor="ctr" anchorCtr="0">
-          <a:noAutofit/>
-        </a:bodyPr>
-        <a:lstStyle/>
-        <a:p>
-          <a:pPr lvl="0" algn="ctr" defTabSz="533400">
-            <a:lnSpc>
-              <a:spcPct val="90000"/>
-            </a:lnSpc>
-            <a:spcBef>
-              <a:spcPct val="0"/>
-            </a:spcBef>
-            <a:spcAft>
-              <a:spcPct val="35000"/>
-            </a:spcAft>
-          </a:pPr>
-          <a:r>
-            <a:rPr lang="fr-FR" sz="1200" kern="1200" dirty="0" smtClean="0"/>
-            <a:t>Méthodes de compression basées  </a:t>
-          </a:r>
-          <a:r>
-            <a:rPr lang="fr-FR" sz="1200" kern="1200" dirty="0" smtClean="0"/>
-            <a:t>sur les arbres k2-trees</a:t>
-          </a:r>
-          <a:endParaRPr lang="fr-FR" sz="1200" kern="1200" dirty="0"/>
-        </a:p>
-      </dsp:txBody>
-      <dsp:txXfrm>
-        <a:off x="2988722" y="2331913"/>
-        <a:ext cx="4942805" cy="278978"/>
+        <a:off x="18358" y="562509"/>
+        <a:ext cx="10893746" cy="261788"/>
       </dsp:txXfrm>
     </dsp:sp>
   </dsp:spTree>
@@ -3896,1364 +1662,7 @@
 </dgm:layoutDef>
 </file>
 
-<file path=ppt/diagrams/layout2.xml><?xml version="1.0" encoding="utf-8"?>
-<dgm:layoutDef xmlns:dgm="http://schemas.openxmlformats.org/drawingml/2006/diagram" xmlns:a="http://schemas.openxmlformats.org/drawingml/2006/main" uniqueId="urn:microsoft.com/office/officeart/2008/layout/HorizontalMultiLevelHierarchy">
-  <dgm:title val=""/>
-  <dgm:desc val=""/>
-  <dgm:catLst>
-    <dgm:cat type="hierarchy" pri="4600"/>
-  </dgm:catLst>
-  <dgm:sampData>
-    <dgm:dataModel>
-      <dgm:ptLst>
-        <dgm:pt modelId="0" type="doc"/>
-        <dgm:pt modelId="1">
-          <dgm:prSet phldr="1"/>
-        </dgm:pt>
-        <dgm:pt modelId="11">
-          <dgm:prSet phldr="1"/>
-        </dgm:pt>
-        <dgm:pt modelId="12">
-          <dgm:prSet phldr="1"/>
-        </dgm:pt>
-        <dgm:pt modelId="13">
-          <dgm:prSet phldr="1"/>
-        </dgm:pt>
-      </dgm:ptLst>
-      <dgm:cxnLst>
-        <dgm:cxn modelId="2" srcId="0" destId="1" srcOrd="0" destOrd="0"/>
-        <dgm:cxn modelId="3" srcId="1" destId="11" srcOrd="0" destOrd="0"/>
-        <dgm:cxn modelId="4" srcId="1" destId="12" srcOrd="1" destOrd="0"/>
-        <dgm:cxn modelId="5" srcId="1" destId="13" srcOrd="2" destOrd="0"/>
-      </dgm:cxnLst>
-      <dgm:bg/>
-      <dgm:whole/>
-    </dgm:dataModel>
-  </dgm:sampData>
-  <dgm:styleData>
-    <dgm:dataModel>
-      <dgm:ptLst>
-        <dgm:pt modelId="0" type="doc"/>
-        <dgm:pt modelId="1">
-          <dgm:prSet phldr="1"/>
-        </dgm:pt>
-        <dgm:pt modelId="11">
-          <dgm:prSet phldr="1"/>
-        </dgm:pt>
-        <dgm:pt modelId="12">
-          <dgm:prSet phldr="1"/>
-        </dgm:pt>
-      </dgm:ptLst>
-      <dgm:cxnLst>
-        <dgm:cxn modelId="2" srcId="0" destId="1" srcOrd="0" destOrd="0"/>
-        <dgm:cxn modelId="3" srcId="1" destId="11" srcOrd="0" destOrd="0"/>
-        <dgm:cxn modelId="4" srcId="1" destId="12" srcOrd="1" destOrd="0"/>
-      </dgm:cxnLst>
-      <dgm:bg/>
-      <dgm:whole/>
-    </dgm:dataModel>
-  </dgm:styleData>
-  <dgm:clrData>
-    <dgm:dataModel>
-      <dgm:ptLst>
-        <dgm:pt modelId="0" type="doc"/>
-        <dgm:pt modelId="1">
-          <dgm:prSet phldr="1"/>
-        </dgm:pt>
-        <dgm:pt modelId="11">
-          <dgm:prSet phldr="1"/>
-        </dgm:pt>
-        <dgm:pt modelId="12">
-          <dgm:prSet phldr="1"/>
-        </dgm:pt>
-        <dgm:pt modelId="13">
-          <dgm:prSet phldr="1"/>
-        </dgm:pt>
-      </dgm:ptLst>
-      <dgm:cxnLst>
-        <dgm:cxn modelId="2" srcId="0" destId="1" srcOrd="0" destOrd="0"/>
-        <dgm:cxn modelId="3" srcId="1" destId="11" srcOrd="0" destOrd="0"/>
-        <dgm:cxn modelId="4" srcId="1" destId="12" srcOrd="1" destOrd="0"/>
-        <dgm:cxn modelId="5" srcId="1" destId="13" srcOrd="2" destOrd="0"/>
-      </dgm:cxnLst>
-      <dgm:bg/>
-      <dgm:whole/>
-    </dgm:dataModel>
-  </dgm:clrData>
-  <dgm:layoutNode name="Name0">
-    <dgm:varLst>
-      <dgm:chPref val="1"/>
-      <dgm:dir/>
-      <dgm:animOne val="branch"/>
-      <dgm:animLvl val="lvl"/>
-      <dgm:resizeHandles val="exact"/>
-    </dgm:varLst>
-    <dgm:choose name="Name1">
-      <dgm:if name="Name2" func="var" arg="dir" op="equ" val="norm">
-        <dgm:alg type="hierChild">
-          <dgm:param type="linDir" val="fromT"/>
-          <dgm:param type="chAlign" val="l"/>
-        </dgm:alg>
-      </dgm:if>
-      <dgm:else name="Name3">
-        <dgm:alg type="hierChild">
-          <dgm:param type="linDir" val="fromT"/>
-          <dgm:param type="chAlign" val="r"/>
-        </dgm:alg>
-      </dgm:else>
-    </dgm:choose>
-    <dgm:shape xmlns:r="http://schemas.openxmlformats.org/officeDocument/2006/relationships" r:blip="">
-      <dgm:adjLst/>
-    </dgm:shape>
-    <dgm:presOf/>
-    <dgm:constrLst>
-      <dgm:constr type="h" for="des" forName="LevelOneTextNode" refType="h"/>
-      <dgm:constr type="w" for="des" forName="LevelOneTextNode" refType="h" refFor="des" refForName="LevelOneTextNode" fact="0.19"/>
-      <dgm:constr type="h" for="des" forName="LevelTwoTextNode" refType="w" refFor="des" refForName="LevelOneTextNode"/>
-      <dgm:constr type="w" for="des" forName="LevelTwoTextNode" refType="h" refFor="des" refForName="LevelTwoTextNode" fact="3.28"/>
-      <dgm:constr type="sibSp" refType="h" refFor="des" refForName="LevelTwoTextNode" op="equ" fact="0.25"/>
-      <dgm:constr type="sibSp" for="des" forName="level2hierChild" refType="h" refFor="des" refForName="LevelTwoTextNode" op="equ" fact="0.25"/>
-      <dgm:constr type="sibSp" for="des" forName="level3hierChild" refType="h" refFor="des" refForName="LevelTwoTextNode" op="equ" fact="0.25"/>
-      <dgm:constr type="sp" for="des" forName="root1" refType="w" refFor="des" refForName="LevelTwoTextNode" fact="0.2"/>
-      <dgm:constr type="sp" for="des" forName="root2" refType="sp" refFor="des" refForName="root1" op="equ"/>
-      <dgm:constr type="primFontSz" for="des" forName="LevelOneTextNode" op="equ" val="65"/>
-      <dgm:constr type="primFontSz" for="des" forName="LevelTwoTextNode" op="equ" val="65"/>
-      <dgm:constr type="primFontSz" for="des" forName="LevelTwoTextNode" refType="primFontSz" refFor="des" refForName="LevelOneTextNode" op="lte"/>
-      <dgm:constr type="primFontSz" for="des" forName="connTx" op="equ" val="50"/>
-      <dgm:constr type="primFontSz" for="des" forName="connTx" refType="primFontSz" refFor="des" refForName="LevelOneTextNode" op="lte" fact="0.78"/>
-    </dgm:constrLst>
-    <dgm:forEach name="Name4" axis="ch">
-      <dgm:forEach name="Name5" axis="self" ptType="node">
-        <dgm:layoutNode name="root1">
-          <dgm:choose name="Name6">
-            <dgm:if name="Name7" func="var" arg="dir" op="equ" val="norm">
-              <dgm:alg type="hierRoot">
-                <dgm:param type="hierAlign" val="lCtrCh"/>
-              </dgm:alg>
-            </dgm:if>
-            <dgm:else name="Name8">
-              <dgm:alg type="hierRoot">
-                <dgm:param type="hierAlign" val="rCtrCh"/>
-              </dgm:alg>
-            </dgm:else>
-          </dgm:choose>
-          <dgm:shape xmlns:r="http://schemas.openxmlformats.org/officeDocument/2006/relationships" r:blip="">
-            <dgm:adjLst/>
-          </dgm:shape>
-          <dgm:presOf/>
-          <dgm:layoutNode name="LevelOneTextNode" styleLbl="node0">
-            <dgm:varLst>
-              <dgm:chPref val="3"/>
-            </dgm:varLst>
-            <dgm:alg type="tx">
-              <dgm:param type="autoTxRot" val="grav"/>
-            </dgm:alg>
-            <dgm:choose name="Name9">
-              <dgm:if name="Name10" func="var" arg="dir" op="equ" val="norm">
-                <dgm:shape xmlns:r="http://schemas.openxmlformats.org/officeDocument/2006/relationships" rot="270" type="rect" r:blip="">
-                  <dgm:adjLst/>
-                </dgm:shape>
-              </dgm:if>
-              <dgm:else name="Name11">
-                <dgm:shape xmlns:r="http://schemas.openxmlformats.org/officeDocument/2006/relationships" rot="90" type="rect" r:blip="">
-                  <dgm:adjLst/>
-                </dgm:shape>
-              </dgm:else>
-            </dgm:choose>
-            <dgm:presOf axis="self"/>
-            <dgm:constrLst>
-              <dgm:constr type="tMarg" refType="primFontSz" fact="0.05"/>
-              <dgm:constr type="bMarg" refType="primFontSz" fact="0.05"/>
-              <dgm:constr type="lMarg" refType="primFontSz" fact="0.05"/>
-              <dgm:constr type="rMarg" refType="primFontSz" fact="0.05"/>
-            </dgm:constrLst>
-            <dgm:ruleLst>
-              <dgm:rule type="primFontSz" val="2" fact="NaN" max="NaN"/>
-            </dgm:ruleLst>
-          </dgm:layoutNode>
-          <dgm:layoutNode name="level2hierChild">
-            <dgm:choose name="Name12">
-              <dgm:if name="Name13" func="var" arg="dir" op="equ" val="norm">
-                <dgm:alg type="hierChild">
-                  <dgm:param type="linDir" val="fromT"/>
-                  <dgm:param type="chAlign" val="l"/>
-                </dgm:alg>
-              </dgm:if>
-              <dgm:else name="Name14">
-                <dgm:alg type="hierChild">
-                  <dgm:param type="linDir" val="fromT"/>
-                  <dgm:param type="chAlign" val="r"/>
-                </dgm:alg>
-              </dgm:else>
-            </dgm:choose>
-            <dgm:shape xmlns:r="http://schemas.openxmlformats.org/officeDocument/2006/relationships" r:blip="">
-              <dgm:adjLst/>
-            </dgm:shape>
-            <dgm:presOf/>
-            <dgm:forEach name="repeat" axis="ch">
-              <dgm:forEach name="Name15" axis="self" ptType="parTrans" cnt="1">
-                <dgm:layoutNode name="conn2-1">
-                  <dgm:choose name="Name16">
-                    <dgm:if name="Name17" func="var" arg="dir" op="equ" val="norm">
-                      <dgm:alg type="conn">
-                        <dgm:param type="dim" val="1D"/>
-                        <dgm:param type="begPts" val="midR"/>
-                        <dgm:param type="endPts" val="midL"/>
-                        <dgm:param type="endSty" val="noArr"/>
-                        <dgm:param type="connRout" val="bend"/>
-                      </dgm:alg>
-                    </dgm:if>
-                    <dgm:else name="Name18">
-                      <dgm:alg type="conn">
-                        <dgm:param type="dim" val="1D"/>
-                        <dgm:param type="begPts" val="midL"/>
-                        <dgm:param type="endPts" val="midR"/>
-                        <dgm:param type="endSty" val="noArr"/>
-                        <dgm:param type="connRout" val="bend"/>
-                      </dgm:alg>
-                    </dgm:else>
-                  </dgm:choose>
-                  <dgm:shape xmlns:r="http://schemas.openxmlformats.org/officeDocument/2006/relationships" type="conn" r:blip="" zOrderOff="-99999">
-                    <dgm:adjLst/>
-                  </dgm:shape>
-                  <dgm:presOf axis="self"/>
-                  <dgm:constrLst>
-                    <dgm:constr type="w" val="1"/>
-                    <dgm:constr type="h" val="5"/>
-                    <dgm:constr type="connDist"/>
-                    <dgm:constr type="begPad"/>
-                    <dgm:constr type="endPad"/>
-                    <dgm:constr type="userA" for="ch" refType="connDist"/>
-                  </dgm:constrLst>
-                  <dgm:layoutNode name="connTx">
-                    <dgm:alg type="tx">
-                      <dgm:param type="autoTxRot" val="grav"/>
-                    </dgm:alg>
-                    <dgm:shape xmlns:r="http://schemas.openxmlformats.org/officeDocument/2006/relationships" type="rect" r:blip="" hideGeom="1">
-                      <dgm:adjLst/>
-                    </dgm:shape>
-                    <dgm:presOf axis="self"/>
-                    <dgm:constrLst>
-                      <dgm:constr type="userA"/>
-                      <dgm:constr type="w" refType="userA" fact="0.05"/>
-                      <dgm:constr type="h" refType="userA" fact="0.05"/>
-                      <dgm:constr type="lMarg" val="1"/>
-                      <dgm:constr type="rMarg" val="1"/>
-                      <dgm:constr type="tMarg"/>
-                      <dgm:constr type="bMarg"/>
-                    </dgm:constrLst>
-                    <dgm:ruleLst>
-                      <dgm:rule type="h" val="NaN" fact="0.25" max="NaN"/>
-                      <dgm:rule type="w" val="NaN" fact="0.8" max="NaN"/>
-                      <dgm:rule type="primFontSz" val="5" fact="NaN" max="NaN"/>
-                    </dgm:ruleLst>
-                  </dgm:layoutNode>
-                </dgm:layoutNode>
-              </dgm:forEach>
-              <dgm:forEach name="Name19" axis="self" ptType="node">
-                <dgm:layoutNode name="root2">
-                  <dgm:choose name="Name20">
-                    <dgm:if name="Name21" func="var" arg="dir" op="equ" val="norm">
-                      <dgm:alg type="hierRoot">
-                        <dgm:param type="hierAlign" val="lCtrCh"/>
-                      </dgm:alg>
-                    </dgm:if>
-                    <dgm:else name="Name22">
-                      <dgm:alg type="hierRoot">
-                        <dgm:param type="hierAlign" val="rCtrCh"/>
-                      </dgm:alg>
-                    </dgm:else>
-                  </dgm:choose>
-                  <dgm:shape xmlns:r="http://schemas.openxmlformats.org/officeDocument/2006/relationships" r:blip="">
-                    <dgm:adjLst/>
-                  </dgm:shape>
-                  <dgm:presOf/>
-                  <dgm:layoutNode name="LevelTwoTextNode">
-                    <dgm:varLst>
-                      <dgm:chPref val="3"/>
-                    </dgm:varLst>
-                    <dgm:alg type="tx"/>
-                    <dgm:shape xmlns:r="http://schemas.openxmlformats.org/officeDocument/2006/relationships" type="rect" r:blip="">
-                      <dgm:adjLst/>
-                    </dgm:shape>
-                    <dgm:presOf axis="self"/>
-                    <dgm:constrLst>
-                      <dgm:constr type="tMarg" refType="primFontSz" fact="0.05"/>
-                      <dgm:constr type="bMarg" refType="primFontSz" fact="0.05"/>
-                      <dgm:constr type="lMarg" refType="primFontSz" fact="0.05"/>
-                      <dgm:constr type="rMarg" refType="primFontSz" fact="0.05"/>
-                    </dgm:constrLst>
-                    <dgm:ruleLst>
-                      <dgm:rule type="primFontSz" val="2" fact="NaN" max="NaN"/>
-                    </dgm:ruleLst>
-                  </dgm:layoutNode>
-                  <dgm:layoutNode name="level3hierChild">
-                    <dgm:choose name="Name23">
-                      <dgm:if name="Name24" func="var" arg="dir" op="equ" val="norm">
-                        <dgm:alg type="hierChild">
-                          <dgm:param type="linDir" val="fromT"/>
-                          <dgm:param type="chAlign" val="l"/>
-                        </dgm:alg>
-                      </dgm:if>
-                      <dgm:else name="Name25">
-                        <dgm:alg type="hierChild">
-                          <dgm:param type="linDir" val="fromT"/>
-                          <dgm:param type="chAlign" val="r"/>
-                        </dgm:alg>
-                      </dgm:else>
-                    </dgm:choose>
-                    <dgm:shape xmlns:r="http://schemas.openxmlformats.org/officeDocument/2006/relationships" r:blip="">
-                      <dgm:adjLst/>
-                    </dgm:shape>
-                    <dgm:presOf/>
-                    <dgm:forEach name="Name26" ref="repeat"/>
-                  </dgm:layoutNode>
-                </dgm:layoutNode>
-              </dgm:forEach>
-            </dgm:forEach>
-          </dgm:layoutNode>
-        </dgm:layoutNode>
-      </dgm:forEach>
-    </dgm:forEach>
-  </dgm:layoutNode>
-</dgm:layoutDef>
-</file>
-
 <file path=ppt/diagrams/quickStyle1.xml><?xml version="1.0" encoding="utf-8"?>
-<dgm:styleDef xmlns:dgm="http://schemas.openxmlformats.org/drawingml/2006/diagram" xmlns:a="http://schemas.openxmlformats.org/drawingml/2006/main" uniqueId="urn:microsoft.com/office/officeart/2005/8/quickstyle/simple1">
-  <dgm:title val=""/>
-  <dgm:desc val=""/>
-  <dgm:catLst>
-    <dgm:cat type="simple" pri="10100"/>
-  </dgm:catLst>
-  <dgm:scene3d>
-    <a:camera prst="orthographicFront"/>
-    <a:lightRig rig="threePt" dir="t"/>
-  </dgm:scene3d>
-  <dgm:styleLbl name="node0">
-    <dgm:scene3d>
-      <a:camera prst="orthographicFront"/>
-      <a:lightRig rig="threePt" dir="t"/>
-    </dgm:scene3d>
-    <dgm:sp3d/>
-    <dgm:txPr/>
-    <dgm:style>
-      <a:lnRef idx="2">
-        <a:scrgbClr r="0" g="0" b="0"/>
-      </a:lnRef>
-      <a:fillRef idx="1">
-        <a:scrgbClr r="0" g="0" b="0"/>
-      </a:fillRef>
-      <a:effectRef idx="0">
-        <a:scrgbClr r="0" g="0" b="0"/>
-      </a:effectRef>
-      <a:fontRef idx="minor">
-        <a:schemeClr val="lt1"/>
-      </a:fontRef>
-    </dgm:style>
-  </dgm:styleLbl>
-  <dgm:styleLbl name="lnNode1">
-    <dgm:scene3d>
-      <a:camera prst="orthographicFront"/>
-      <a:lightRig rig="threePt" dir="t"/>
-    </dgm:scene3d>
-    <dgm:sp3d/>
-    <dgm:txPr/>
-    <dgm:style>
-      <a:lnRef idx="2">
-        <a:scrgbClr r="0" g="0" b="0"/>
-      </a:lnRef>
-      <a:fillRef idx="1">
-        <a:scrgbClr r="0" g="0" b="0"/>
-      </a:fillRef>
-      <a:effectRef idx="0">
-        <a:scrgbClr r="0" g="0" b="0"/>
-      </a:effectRef>
-      <a:fontRef idx="minor">
-        <a:schemeClr val="lt1"/>
-      </a:fontRef>
-    </dgm:style>
-  </dgm:styleLbl>
-  <dgm:styleLbl name="vennNode1">
-    <dgm:scene3d>
-      <a:camera prst="orthographicFront"/>
-      <a:lightRig rig="threePt" dir="t"/>
-    </dgm:scene3d>
-    <dgm:sp3d/>
-    <dgm:txPr/>
-    <dgm:style>
-      <a:lnRef idx="2">
-        <a:scrgbClr r="0" g="0" b="0"/>
-      </a:lnRef>
-      <a:fillRef idx="1">
-        <a:scrgbClr r="0" g="0" b="0"/>
-      </a:fillRef>
-      <a:effectRef idx="0">
-        <a:scrgbClr r="0" g="0" b="0"/>
-      </a:effectRef>
-      <a:fontRef idx="minor">
-        <a:schemeClr val="tx1"/>
-      </a:fontRef>
-    </dgm:style>
-  </dgm:styleLbl>
-  <dgm:styleLbl name="alignNode1">
-    <dgm:scene3d>
-      <a:camera prst="orthographicFront"/>
-      <a:lightRig rig="threePt" dir="t"/>
-    </dgm:scene3d>
-    <dgm:sp3d/>
-    <dgm:txPr/>
-    <dgm:style>
-      <a:lnRef idx="2">
-        <a:scrgbClr r="0" g="0" b="0"/>
-      </a:lnRef>
-      <a:fillRef idx="1">
-        <a:scrgbClr r="0" g="0" b="0"/>
-      </a:fillRef>
-      <a:effectRef idx="0">
-        <a:scrgbClr r="0" g="0" b="0"/>
-      </a:effectRef>
-      <a:fontRef idx="minor">
-        <a:schemeClr val="lt1"/>
-      </a:fontRef>
-    </dgm:style>
-  </dgm:styleLbl>
-  <dgm:styleLbl name="node1">
-    <dgm:scene3d>
-      <a:camera prst="orthographicFront"/>
-      <a:lightRig rig="threePt" dir="t"/>
-    </dgm:scene3d>
-    <dgm:sp3d/>
-    <dgm:txPr/>
-    <dgm:style>
-      <a:lnRef idx="2">
-        <a:scrgbClr r="0" g="0" b="0"/>
-      </a:lnRef>
-      <a:fillRef idx="1">
-        <a:scrgbClr r="0" g="0" b="0"/>
-      </a:fillRef>
-      <a:effectRef idx="0">
-        <a:scrgbClr r="0" g="0" b="0"/>
-      </a:effectRef>
-      <a:fontRef idx="minor">
-        <a:schemeClr val="lt1"/>
-      </a:fontRef>
-    </dgm:style>
-  </dgm:styleLbl>
-  <dgm:styleLbl name="node2">
-    <dgm:scene3d>
-      <a:camera prst="orthographicFront"/>
-      <a:lightRig rig="threePt" dir="t"/>
-    </dgm:scene3d>
-    <dgm:sp3d/>
-    <dgm:txPr/>
-    <dgm:style>
-      <a:lnRef idx="2">
-        <a:scrgbClr r="0" g="0" b="0"/>
-      </a:lnRef>
-      <a:fillRef idx="1">
-        <a:scrgbClr r="0" g="0" b="0"/>
-      </a:fillRef>
-      <a:effectRef idx="0">
-        <a:scrgbClr r="0" g="0" b="0"/>
-      </a:effectRef>
-      <a:fontRef idx="minor">
-        <a:schemeClr val="lt1"/>
-      </a:fontRef>
-    </dgm:style>
-  </dgm:styleLbl>
-  <dgm:styleLbl name="node3">
-    <dgm:scene3d>
-      <a:camera prst="orthographicFront"/>
-      <a:lightRig rig="threePt" dir="t"/>
-    </dgm:scene3d>
-    <dgm:sp3d/>
-    <dgm:txPr/>
-    <dgm:style>
-      <a:lnRef idx="2">
-        <a:scrgbClr r="0" g="0" b="0"/>
-      </a:lnRef>
-      <a:fillRef idx="1">
-        <a:scrgbClr r="0" g="0" b="0"/>
-      </a:fillRef>
-      <a:effectRef idx="0">
-        <a:scrgbClr r="0" g="0" b="0"/>
-      </a:effectRef>
-      <a:fontRef idx="minor">
-        <a:schemeClr val="lt1"/>
-      </a:fontRef>
-    </dgm:style>
-  </dgm:styleLbl>
-  <dgm:styleLbl name="node4">
-    <dgm:scene3d>
-      <a:camera prst="orthographicFront"/>
-      <a:lightRig rig="threePt" dir="t"/>
-    </dgm:scene3d>
-    <dgm:sp3d/>
-    <dgm:txPr/>
-    <dgm:style>
-      <a:lnRef idx="2">
-        <a:scrgbClr r="0" g="0" b="0"/>
-      </a:lnRef>
-      <a:fillRef idx="1">
-        <a:scrgbClr r="0" g="0" b="0"/>
-      </a:fillRef>
-      <a:effectRef idx="0">
-        <a:scrgbClr r="0" g="0" b="0"/>
-      </a:effectRef>
-      <a:fontRef idx="minor">
-        <a:schemeClr val="lt1"/>
-      </a:fontRef>
-    </dgm:style>
-  </dgm:styleLbl>
-  <dgm:styleLbl name="fgImgPlace1">
-    <dgm:scene3d>
-      <a:camera prst="orthographicFront"/>
-      <a:lightRig rig="threePt" dir="t"/>
-    </dgm:scene3d>
-    <dgm:sp3d/>
-    <dgm:txPr/>
-    <dgm:style>
-      <a:lnRef idx="2">
-        <a:scrgbClr r="0" g="0" b="0"/>
-      </a:lnRef>
-      <a:fillRef idx="1">
-        <a:scrgbClr r="0" g="0" b="0"/>
-      </a:fillRef>
-      <a:effectRef idx="0">
-        <a:scrgbClr r="0" g="0" b="0"/>
-      </a:effectRef>
-      <a:fontRef idx="minor"/>
-    </dgm:style>
-  </dgm:styleLbl>
-  <dgm:styleLbl name="alignImgPlace1">
-    <dgm:scene3d>
-      <a:camera prst="orthographicFront"/>
-      <a:lightRig rig="threePt" dir="t"/>
-    </dgm:scene3d>
-    <dgm:sp3d/>
-    <dgm:txPr/>
-    <dgm:style>
-      <a:lnRef idx="2">
-        <a:scrgbClr r="0" g="0" b="0"/>
-      </a:lnRef>
-      <a:fillRef idx="1">
-        <a:scrgbClr r="0" g="0" b="0"/>
-      </a:fillRef>
-      <a:effectRef idx="0">
-        <a:scrgbClr r="0" g="0" b="0"/>
-      </a:effectRef>
-      <a:fontRef idx="minor"/>
-    </dgm:style>
-  </dgm:styleLbl>
-  <dgm:styleLbl name="bgImgPlace1">
-    <dgm:scene3d>
-      <a:camera prst="orthographicFront"/>
-      <a:lightRig rig="threePt" dir="t"/>
-    </dgm:scene3d>
-    <dgm:sp3d/>
-    <dgm:txPr/>
-    <dgm:style>
-      <a:lnRef idx="2">
-        <a:scrgbClr r="0" g="0" b="0"/>
-      </a:lnRef>
-      <a:fillRef idx="1">
-        <a:scrgbClr r="0" g="0" b="0"/>
-      </a:fillRef>
-      <a:effectRef idx="0">
-        <a:scrgbClr r="0" g="0" b="0"/>
-      </a:effectRef>
-      <a:fontRef idx="minor"/>
-    </dgm:style>
-  </dgm:styleLbl>
-  <dgm:styleLbl name="sibTrans2D1">
-    <dgm:scene3d>
-      <a:camera prst="orthographicFront"/>
-      <a:lightRig rig="threePt" dir="t"/>
-    </dgm:scene3d>
-    <dgm:sp3d/>
-    <dgm:txPr/>
-    <dgm:style>
-      <a:lnRef idx="0">
-        <a:scrgbClr r="0" g="0" b="0"/>
-      </a:lnRef>
-      <a:fillRef idx="1">
-        <a:scrgbClr r="0" g="0" b="0"/>
-      </a:fillRef>
-      <a:effectRef idx="0">
-        <a:scrgbClr r="0" g="0" b="0"/>
-      </a:effectRef>
-      <a:fontRef idx="minor">
-        <a:schemeClr val="lt1"/>
-      </a:fontRef>
-    </dgm:style>
-  </dgm:styleLbl>
-  <dgm:styleLbl name="fgSibTrans2D1">
-    <dgm:scene3d>
-      <a:camera prst="orthographicFront"/>
-      <a:lightRig rig="threePt" dir="t"/>
-    </dgm:scene3d>
-    <dgm:sp3d/>
-    <dgm:txPr/>
-    <dgm:style>
-      <a:lnRef idx="0">
-        <a:scrgbClr r="0" g="0" b="0"/>
-      </a:lnRef>
-      <a:fillRef idx="1">
-        <a:scrgbClr r="0" g="0" b="0"/>
-      </a:fillRef>
-      <a:effectRef idx="0">
-        <a:scrgbClr r="0" g="0" b="0"/>
-      </a:effectRef>
-      <a:fontRef idx="minor">
-        <a:schemeClr val="lt1"/>
-      </a:fontRef>
-    </dgm:style>
-  </dgm:styleLbl>
-  <dgm:styleLbl name="bgSibTrans2D1">
-    <dgm:scene3d>
-      <a:camera prst="orthographicFront"/>
-      <a:lightRig rig="threePt" dir="t"/>
-    </dgm:scene3d>
-    <dgm:sp3d/>
-    <dgm:txPr/>
-    <dgm:style>
-      <a:lnRef idx="0">
-        <a:scrgbClr r="0" g="0" b="0"/>
-      </a:lnRef>
-      <a:fillRef idx="1">
-        <a:scrgbClr r="0" g="0" b="0"/>
-      </a:fillRef>
-      <a:effectRef idx="0">
-        <a:scrgbClr r="0" g="0" b="0"/>
-      </a:effectRef>
-      <a:fontRef idx="minor">
-        <a:schemeClr val="lt1"/>
-      </a:fontRef>
-    </dgm:style>
-  </dgm:styleLbl>
-  <dgm:styleLbl name="sibTrans1D1">
-    <dgm:scene3d>
-      <a:camera prst="orthographicFront"/>
-      <a:lightRig rig="threePt" dir="t"/>
-    </dgm:scene3d>
-    <dgm:sp3d/>
-    <dgm:txPr/>
-    <dgm:style>
-      <a:lnRef idx="1">
-        <a:scrgbClr r="0" g="0" b="0"/>
-      </a:lnRef>
-      <a:fillRef idx="0">
-        <a:scrgbClr r="0" g="0" b="0"/>
-      </a:fillRef>
-      <a:effectRef idx="0">
-        <a:scrgbClr r="0" g="0" b="0"/>
-      </a:effectRef>
-      <a:fontRef idx="minor"/>
-    </dgm:style>
-  </dgm:styleLbl>
-  <dgm:styleLbl name="callout">
-    <dgm:scene3d>
-      <a:camera prst="orthographicFront"/>
-      <a:lightRig rig="threePt" dir="t"/>
-    </dgm:scene3d>
-    <dgm:sp3d/>
-    <dgm:txPr/>
-    <dgm:style>
-      <a:lnRef idx="2">
-        <a:scrgbClr r="0" g="0" b="0"/>
-      </a:lnRef>
-      <a:fillRef idx="1">
-        <a:scrgbClr r="0" g="0" b="0"/>
-      </a:fillRef>
-      <a:effectRef idx="0">
-        <a:scrgbClr r="0" g="0" b="0"/>
-      </a:effectRef>
-      <a:fontRef idx="minor"/>
-    </dgm:style>
-  </dgm:styleLbl>
-  <dgm:styleLbl name="asst0">
-    <dgm:scene3d>
-      <a:camera prst="orthographicFront"/>
-      <a:lightRig rig="threePt" dir="t"/>
-    </dgm:scene3d>
-    <dgm:sp3d/>
-    <dgm:txPr/>
-    <dgm:style>
-      <a:lnRef idx="2">
-        <a:scrgbClr r="0" g="0" b="0"/>
-      </a:lnRef>
-      <a:fillRef idx="1">
-        <a:scrgbClr r="0" g="0" b="0"/>
-      </a:fillRef>
-      <a:effectRef idx="0">
-        <a:scrgbClr r="0" g="0" b="0"/>
-      </a:effectRef>
-      <a:fontRef idx="minor">
-        <a:schemeClr val="lt1"/>
-      </a:fontRef>
-    </dgm:style>
-  </dgm:styleLbl>
-  <dgm:styleLbl name="asst1">
-    <dgm:scene3d>
-      <a:camera prst="orthographicFront"/>
-      <a:lightRig rig="threePt" dir="t"/>
-    </dgm:scene3d>
-    <dgm:sp3d/>
-    <dgm:txPr/>
-    <dgm:style>
-      <a:lnRef idx="2">
-        <a:scrgbClr r="0" g="0" b="0"/>
-      </a:lnRef>
-      <a:fillRef idx="1">
-        <a:scrgbClr r="0" g="0" b="0"/>
-      </a:fillRef>
-      <a:effectRef idx="0">
-        <a:scrgbClr r="0" g="0" b="0"/>
-      </a:effectRef>
-      <a:fontRef idx="minor">
-        <a:schemeClr val="lt1"/>
-      </a:fontRef>
-    </dgm:style>
-  </dgm:styleLbl>
-  <dgm:styleLbl name="asst2">
-    <dgm:scene3d>
-      <a:camera prst="orthographicFront"/>
-      <a:lightRig rig="threePt" dir="t"/>
-    </dgm:scene3d>
-    <dgm:sp3d/>
-    <dgm:txPr/>
-    <dgm:style>
-      <a:lnRef idx="2">
-        <a:scrgbClr r="0" g="0" b="0"/>
-      </a:lnRef>
-      <a:fillRef idx="1">
-        <a:scrgbClr r="0" g="0" b="0"/>
-      </a:fillRef>
-      <a:effectRef idx="0">
-        <a:scrgbClr r="0" g="0" b="0"/>
-      </a:effectRef>
-      <a:fontRef idx="minor">
-        <a:schemeClr val="lt1"/>
-      </a:fontRef>
-    </dgm:style>
-  </dgm:styleLbl>
-  <dgm:styleLbl name="asst3">
-    <dgm:scene3d>
-      <a:camera prst="orthographicFront"/>
-      <a:lightRig rig="threePt" dir="t"/>
-    </dgm:scene3d>
-    <dgm:sp3d/>
-    <dgm:txPr/>
-    <dgm:style>
-      <a:lnRef idx="2">
-        <a:scrgbClr r="0" g="0" b="0"/>
-      </a:lnRef>
-      <a:fillRef idx="1">
-        <a:scrgbClr r="0" g="0" b="0"/>
-      </a:fillRef>
-      <a:effectRef idx="0">
-        <a:scrgbClr r="0" g="0" b="0"/>
-      </a:effectRef>
-      <a:fontRef idx="minor">
-        <a:schemeClr val="lt1"/>
-      </a:fontRef>
-    </dgm:style>
-  </dgm:styleLbl>
-  <dgm:styleLbl name="asst4">
-    <dgm:scene3d>
-      <a:camera prst="orthographicFront"/>
-      <a:lightRig rig="threePt" dir="t"/>
-    </dgm:scene3d>
-    <dgm:sp3d/>
-    <dgm:txPr/>
-    <dgm:style>
-      <a:lnRef idx="2">
-        <a:scrgbClr r="0" g="0" b="0"/>
-      </a:lnRef>
-      <a:fillRef idx="1">
-        <a:scrgbClr r="0" g="0" b="0"/>
-      </a:fillRef>
-      <a:effectRef idx="0">
-        <a:scrgbClr r="0" g="0" b="0"/>
-      </a:effectRef>
-      <a:fontRef idx="minor">
-        <a:schemeClr val="lt1"/>
-      </a:fontRef>
-    </dgm:style>
-  </dgm:styleLbl>
-  <dgm:styleLbl name="parChTrans2D1">
-    <dgm:scene3d>
-      <a:camera prst="orthographicFront"/>
-      <a:lightRig rig="threePt" dir="t"/>
-    </dgm:scene3d>
-    <dgm:sp3d/>
-    <dgm:txPr/>
-    <dgm:style>
-      <a:lnRef idx="2">
-        <a:scrgbClr r="0" g="0" b="0"/>
-      </a:lnRef>
-      <a:fillRef idx="1">
-        <a:scrgbClr r="0" g="0" b="0"/>
-      </a:fillRef>
-      <a:effectRef idx="0">
-        <a:scrgbClr r="0" g="0" b="0"/>
-      </a:effectRef>
-      <a:fontRef idx="minor">
-        <a:schemeClr val="lt1"/>
-      </a:fontRef>
-    </dgm:style>
-  </dgm:styleLbl>
-  <dgm:styleLbl name="parChTrans2D2">
-    <dgm:scene3d>
-      <a:camera prst="orthographicFront"/>
-      <a:lightRig rig="threePt" dir="t"/>
-    </dgm:scene3d>
-    <dgm:sp3d/>
-    <dgm:txPr/>
-    <dgm:style>
-      <a:lnRef idx="2">
-        <a:scrgbClr r="0" g="0" b="0"/>
-      </a:lnRef>
-      <a:fillRef idx="1">
-        <a:scrgbClr r="0" g="0" b="0"/>
-      </a:fillRef>
-      <a:effectRef idx="0">
-        <a:scrgbClr r="0" g="0" b="0"/>
-      </a:effectRef>
-      <a:fontRef idx="minor">
-        <a:schemeClr val="lt1"/>
-      </a:fontRef>
-    </dgm:style>
-  </dgm:styleLbl>
-  <dgm:styleLbl name="parChTrans2D3">
-    <dgm:scene3d>
-      <a:camera prst="orthographicFront"/>
-      <a:lightRig rig="threePt" dir="t"/>
-    </dgm:scene3d>
-    <dgm:sp3d/>
-    <dgm:txPr/>
-    <dgm:style>
-      <a:lnRef idx="2">
-        <a:scrgbClr r="0" g="0" b="0"/>
-      </a:lnRef>
-      <a:fillRef idx="1">
-        <a:scrgbClr r="0" g="0" b="0"/>
-      </a:fillRef>
-      <a:effectRef idx="0">
-        <a:scrgbClr r="0" g="0" b="0"/>
-      </a:effectRef>
-      <a:fontRef idx="minor">
-        <a:schemeClr val="lt1"/>
-      </a:fontRef>
-    </dgm:style>
-  </dgm:styleLbl>
-  <dgm:styleLbl name="parChTrans2D4">
-    <dgm:scene3d>
-      <a:camera prst="orthographicFront"/>
-      <a:lightRig rig="threePt" dir="t"/>
-    </dgm:scene3d>
-    <dgm:sp3d/>
-    <dgm:txPr/>
-    <dgm:style>
-      <a:lnRef idx="2">
-        <a:scrgbClr r="0" g="0" b="0"/>
-      </a:lnRef>
-      <a:fillRef idx="1">
-        <a:scrgbClr r="0" g="0" b="0"/>
-      </a:fillRef>
-      <a:effectRef idx="0">
-        <a:scrgbClr r="0" g="0" b="0"/>
-      </a:effectRef>
-      <a:fontRef idx="minor">
-        <a:schemeClr val="lt1"/>
-      </a:fontRef>
-    </dgm:style>
-  </dgm:styleLbl>
-  <dgm:styleLbl name="parChTrans1D1">
-    <dgm:scene3d>
-      <a:camera prst="orthographicFront"/>
-      <a:lightRig rig="threePt" dir="t"/>
-    </dgm:scene3d>
-    <dgm:sp3d/>
-    <dgm:txPr/>
-    <dgm:style>
-      <a:lnRef idx="2">
-        <a:scrgbClr r="0" g="0" b="0"/>
-      </a:lnRef>
-      <a:fillRef idx="0">
-        <a:scrgbClr r="0" g="0" b="0"/>
-      </a:fillRef>
-      <a:effectRef idx="0">
-        <a:scrgbClr r="0" g="0" b="0"/>
-      </a:effectRef>
-      <a:fontRef idx="minor"/>
-    </dgm:style>
-  </dgm:styleLbl>
-  <dgm:styleLbl name="parChTrans1D2">
-    <dgm:scene3d>
-      <a:camera prst="orthographicFront"/>
-      <a:lightRig rig="threePt" dir="t"/>
-    </dgm:scene3d>
-    <dgm:sp3d/>
-    <dgm:txPr/>
-    <dgm:style>
-      <a:lnRef idx="2">
-        <a:scrgbClr r="0" g="0" b="0"/>
-      </a:lnRef>
-      <a:fillRef idx="0">
-        <a:scrgbClr r="0" g="0" b="0"/>
-      </a:fillRef>
-      <a:effectRef idx="0">
-        <a:scrgbClr r="0" g="0" b="0"/>
-      </a:effectRef>
-      <a:fontRef idx="minor"/>
-    </dgm:style>
-  </dgm:styleLbl>
-  <dgm:styleLbl name="parChTrans1D3">
-    <dgm:scene3d>
-      <a:camera prst="orthographicFront"/>
-      <a:lightRig rig="threePt" dir="t"/>
-    </dgm:scene3d>
-    <dgm:sp3d/>
-    <dgm:txPr/>
-    <dgm:style>
-      <a:lnRef idx="2">
-        <a:scrgbClr r="0" g="0" b="0"/>
-      </a:lnRef>
-      <a:fillRef idx="0">
-        <a:scrgbClr r="0" g="0" b="0"/>
-      </a:fillRef>
-      <a:effectRef idx="0">
-        <a:scrgbClr r="0" g="0" b="0"/>
-      </a:effectRef>
-      <a:fontRef idx="minor"/>
-    </dgm:style>
-  </dgm:styleLbl>
-  <dgm:styleLbl name="parChTrans1D4">
-    <dgm:scene3d>
-      <a:camera prst="orthographicFront"/>
-      <a:lightRig rig="threePt" dir="t"/>
-    </dgm:scene3d>
-    <dgm:sp3d/>
-    <dgm:txPr/>
-    <dgm:style>
-      <a:lnRef idx="2">
-        <a:scrgbClr r="0" g="0" b="0"/>
-      </a:lnRef>
-      <a:fillRef idx="0">
-        <a:scrgbClr r="0" g="0" b="0"/>
-      </a:fillRef>
-      <a:effectRef idx="0">
-        <a:scrgbClr r="0" g="0" b="0"/>
-      </a:effectRef>
-      <a:fontRef idx="minor"/>
-    </dgm:style>
-  </dgm:styleLbl>
-  <dgm:styleLbl name="fgAcc1">
-    <dgm:scene3d>
-      <a:camera prst="orthographicFront"/>
-      <a:lightRig rig="threePt" dir="t"/>
-    </dgm:scene3d>
-    <dgm:sp3d/>
-    <dgm:txPr/>
-    <dgm:style>
-      <a:lnRef idx="2">
-        <a:scrgbClr r="0" g="0" b="0"/>
-      </a:lnRef>
-      <a:fillRef idx="1">
-        <a:scrgbClr r="0" g="0" b="0"/>
-      </a:fillRef>
-      <a:effectRef idx="0">
-        <a:scrgbClr r="0" g="0" b="0"/>
-      </a:effectRef>
-      <a:fontRef idx="minor"/>
-    </dgm:style>
-  </dgm:styleLbl>
-  <dgm:styleLbl name="conFgAcc1">
-    <dgm:scene3d>
-      <a:camera prst="orthographicFront"/>
-      <a:lightRig rig="threePt" dir="t"/>
-    </dgm:scene3d>
-    <dgm:sp3d/>
-    <dgm:txPr/>
-    <dgm:style>
-      <a:lnRef idx="2">
-        <a:scrgbClr r="0" g="0" b="0"/>
-      </a:lnRef>
-      <a:fillRef idx="1">
-        <a:scrgbClr r="0" g="0" b="0"/>
-      </a:fillRef>
-      <a:effectRef idx="0">
-        <a:scrgbClr r="0" g="0" b="0"/>
-      </a:effectRef>
-      <a:fontRef idx="minor"/>
-    </dgm:style>
-  </dgm:styleLbl>
-  <dgm:styleLbl name="alignAcc1">
-    <dgm:scene3d>
-      <a:camera prst="orthographicFront"/>
-      <a:lightRig rig="threePt" dir="t"/>
-    </dgm:scene3d>
-    <dgm:sp3d/>
-    <dgm:txPr/>
-    <dgm:style>
-      <a:lnRef idx="2">
-        <a:scrgbClr r="0" g="0" b="0"/>
-      </a:lnRef>
-      <a:fillRef idx="1">
-        <a:scrgbClr r="0" g="0" b="0"/>
-      </a:fillRef>
-      <a:effectRef idx="0">
-        <a:scrgbClr r="0" g="0" b="0"/>
-      </a:effectRef>
-      <a:fontRef idx="minor"/>
-    </dgm:style>
-  </dgm:styleLbl>
-  <dgm:styleLbl name="trAlignAcc1">
-    <dgm:scene3d>
-      <a:camera prst="orthographicFront"/>
-      <a:lightRig rig="threePt" dir="t"/>
-    </dgm:scene3d>
-    <dgm:sp3d/>
-    <dgm:txPr/>
-    <dgm:style>
-      <a:lnRef idx="1">
-        <a:scrgbClr r="0" g="0" b="0"/>
-      </a:lnRef>
-      <a:fillRef idx="1">
-        <a:scrgbClr r="0" g="0" b="0"/>
-      </a:fillRef>
-      <a:effectRef idx="0">
-        <a:scrgbClr r="0" g="0" b="0"/>
-      </a:effectRef>
-      <a:fontRef idx="minor"/>
-    </dgm:style>
-  </dgm:styleLbl>
-  <dgm:styleLbl name="bgAcc1">
-    <dgm:scene3d>
-      <a:camera prst="orthographicFront"/>
-      <a:lightRig rig="threePt" dir="t"/>
-    </dgm:scene3d>
-    <dgm:sp3d/>
-    <dgm:txPr/>
-    <dgm:style>
-      <a:lnRef idx="2">
-        <a:scrgbClr r="0" g="0" b="0"/>
-      </a:lnRef>
-      <a:fillRef idx="1">
-        <a:scrgbClr r="0" g="0" b="0"/>
-      </a:fillRef>
-      <a:effectRef idx="0">
-        <a:scrgbClr r="0" g="0" b="0"/>
-      </a:effectRef>
-      <a:fontRef idx="minor"/>
-    </dgm:style>
-  </dgm:styleLbl>
-  <dgm:styleLbl name="solidFgAcc1">
-    <dgm:scene3d>
-      <a:camera prst="orthographicFront"/>
-      <a:lightRig rig="threePt" dir="t"/>
-    </dgm:scene3d>
-    <dgm:sp3d/>
-    <dgm:txPr/>
-    <dgm:style>
-      <a:lnRef idx="2">
-        <a:scrgbClr r="0" g="0" b="0"/>
-      </a:lnRef>
-      <a:fillRef idx="1">
-        <a:scrgbClr r="0" g="0" b="0"/>
-      </a:fillRef>
-      <a:effectRef idx="0">
-        <a:scrgbClr r="0" g="0" b="0"/>
-      </a:effectRef>
-      <a:fontRef idx="minor"/>
-    </dgm:style>
-  </dgm:styleLbl>
-  <dgm:styleLbl name="solidAlignAcc1">
-    <dgm:scene3d>
-      <a:camera prst="orthographicFront"/>
-      <a:lightRig rig="threePt" dir="t"/>
-    </dgm:scene3d>
-    <dgm:sp3d/>
-    <dgm:txPr/>
-    <dgm:style>
-      <a:lnRef idx="2">
-        <a:scrgbClr r="0" g="0" b="0"/>
-      </a:lnRef>
-      <a:fillRef idx="1">
-        <a:scrgbClr r="0" g="0" b="0"/>
-      </a:fillRef>
-      <a:effectRef idx="0">
-        <a:scrgbClr r="0" g="0" b="0"/>
-      </a:effectRef>
-      <a:fontRef idx="minor"/>
-    </dgm:style>
-  </dgm:styleLbl>
-  <dgm:styleLbl name="solidBgAcc1">
-    <dgm:scene3d>
-      <a:camera prst="orthographicFront"/>
-      <a:lightRig rig="threePt" dir="t"/>
-    </dgm:scene3d>
-    <dgm:sp3d/>
-    <dgm:txPr/>
-    <dgm:style>
-      <a:lnRef idx="2">
-        <a:scrgbClr r="0" g="0" b="0"/>
-      </a:lnRef>
-      <a:fillRef idx="1">
-        <a:scrgbClr r="0" g="0" b="0"/>
-      </a:fillRef>
-      <a:effectRef idx="0">
-        <a:scrgbClr r="0" g="0" b="0"/>
-      </a:effectRef>
-      <a:fontRef idx="minor"/>
-    </dgm:style>
-  </dgm:styleLbl>
-  <dgm:styleLbl name="fgAccFollowNode1">
-    <dgm:scene3d>
-      <a:camera prst="orthographicFront"/>
-      <a:lightRig rig="threePt" dir="t"/>
-    </dgm:scene3d>
-    <dgm:sp3d/>
-    <dgm:txPr/>
-    <dgm:style>
-      <a:lnRef idx="2">
-        <a:scrgbClr r="0" g="0" b="0"/>
-      </a:lnRef>
-      <a:fillRef idx="1">
-        <a:scrgbClr r="0" g="0" b="0"/>
-      </a:fillRef>
-      <a:effectRef idx="0">
-        <a:scrgbClr r="0" g="0" b="0"/>
-      </a:effectRef>
-      <a:fontRef idx="minor"/>
-    </dgm:style>
-  </dgm:styleLbl>
-  <dgm:styleLbl name="alignAccFollowNode1">
-    <dgm:scene3d>
-      <a:camera prst="orthographicFront"/>
-      <a:lightRig rig="threePt" dir="t"/>
-    </dgm:scene3d>
-    <dgm:sp3d/>
-    <dgm:txPr/>
-    <dgm:style>
-      <a:lnRef idx="2">
-        <a:scrgbClr r="0" g="0" b="0"/>
-      </a:lnRef>
-      <a:fillRef idx="1">
-        <a:scrgbClr r="0" g="0" b="0"/>
-      </a:fillRef>
-      <a:effectRef idx="0">
-        <a:scrgbClr r="0" g="0" b="0"/>
-      </a:effectRef>
-      <a:fontRef idx="minor"/>
-    </dgm:style>
-  </dgm:styleLbl>
-  <dgm:styleLbl name="bgAccFollowNode1">
-    <dgm:scene3d>
-      <a:camera prst="orthographicFront"/>
-      <a:lightRig rig="threePt" dir="t"/>
-    </dgm:scene3d>
-    <dgm:sp3d/>
-    <dgm:txPr/>
-    <dgm:style>
-      <a:lnRef idx="2">
-        <a:scrgbClr r="0" g="0" b="0"/>
-      </a:lnRef>
-      <a:fillRef idx="1">
-        <a:scrgbClr r="0" g="0" b="0"/>
-      </a:fillRef>
-      <a:effectRef idx="0">
-        <a:scrgbClr r="0" g="0" b="0"/>
-      </a:effectRef>
-      <a:fontRef idx="minor"/>
-    </dgm:style>
-  </dgm:styleLbl>
-  <dgm:styleLbl name="fgAcc0">
-    <dgm:scene3d>
-      <a:camera prst="orthographicFront"/>
-      <a:lightRig rig="threePt" dir="t"/>
-    </dgm:scene3d>
-    <dgm:sp3d/>
-    <dgm:txPr/>
-    <dgm:style>
-      <a:lnRef idx="2">
-        <a:scrgbClr r="0" g="0" b="0"/>
-      </a:lnRef>
-      <a:fillRef idx="1">
-        <a:scrgbClr r="0" g="0" b="0"/>
-      </a:fillRef>
-      <a:effectRef idx="0">
-        <a:scrgbClr r="0" g="0" b="0"/>
-      </a:effectRef>
-      <a:fontRef idx="minor"/>
-    </dgm:style>
-  </dgm:styleLbl>
-  <dgm:styleLbl name="fgAcc2">
-    <dgm:scene3d>
-      <a:camera prst="orthographicFront"/>
-      <a:lightRig rig="threePt" dir="t"/>
-    </dgm:scene3d>
-    <dgm:sp3d/>
-    <dgm:txPr/>
-    <dgm:style>
-      <a:lnRef idx="2">
-        <a:scrgbClr r="0" g="0" b="0"/>
-      </a:lnRef>
-      <a:fillRef idx="1">
-        <a:scrgbClr r="0" g="0" b="0"/>
-      </a:fillRef>
-      <a:effectRef idx="0">
-        <a:scrgbClr r="0" g="0" b="0"/>
-      </a:effectRef>
-      <a:fontRef idx="minor"/>
-    </dgm:style>
-  </dgm:styleLbl>
-  <dgm:styleLbl name="fgAcc3">
-    <dgm:scene3d>
-      <a:camera prst="orthographicFront"/>
-      <a:lightRig rig="threePt" dir="t"/>
-    </dgm:scene3d>
-    <dgm:sp3d/>
-    <dgm:txPr/>
-    <dgm:style>
-      <a:lnRef idx="2">
-        <a:scrgbClr r="0" g="0" b="0"/>
-      </a:lnRef>
-      <a:fillRef idx="1">
-        <a:scrgbClr r="0" g="0" b="0"/>
-      </a:fillRef>
-      <a:effectRef idx="0">
-        <a:scrgbClr r="0" g="0" b="0"/>
-      </a:effectRef>
-      <a:fontRef idx="minor"/>
-    </dgm:style>
-  </dgm:styleLbl>
-  <dgm:styleLbl name="fgAcc4">
-    <dgm:scene3d>
-      <a:camera prst="orthographicFront"/>
-      <a:lightRig rig="threePt" dir="t"/>
-    </dgm:scene3d>
-    <dgm:sp3d/>
-    <dgm:txPr/>
-    <dgm:style>
-      <a:lnRef idx="2">
-        <a:scrgbClr r="0" g="0" b="0"/>
-      </a:lnRef>
-      <a:fillRef idx="1">
-        <a:scrgbClr r="0" g="0" b="0"/>
-      </a:fillRef>
-      <a:effectRef idx="0">
-        <a:scrgbClr r="0" g="0" b="0"/>
-      </a:effectRef>
-      <a:fontRef idx="minor"/>
-    </dgm:style>
-  </dgm:styleLbl>
-  <dgm:styleLbl name="bgShp">
-    <dgm:scene3d>
-      <a:camera prst="orthographicFront"/>
-      <a:lightRig rig="threePt" dir="t"/>
-    </dgm:scene3d>
-    <dgm:sp3d/>
-    <dgm:txPr/>
-    <dgm:style>
-      <a:lnRef idx="0">
-        <a:scrgbClr r="0" g="0" b="0"/>
-      </a:lnRef>
-      <a:fillRef idx="1">
-        <a:scrgbClr r="0" g="0" b="0"/>
-      </a:fillRef>
-      <a:effectRef idx="0">
-        <a:scrgbClr r="0" g="0" b="0"/>
-      </a:effectRef>
-      <a:fontRef idx="minor"/>
-    </dgm:style>
-  </dgm:styleLbl>
-  <dgm:styleLbl name="dkBgShp">
-    <dgm:scene3d>
-      <a:camera prst="orthographicFront"/>
-      <a:lightRig rig="threePt" dir="t"/>
-    </dgm:scene3d>
-    <dgm:sp3d/>
-    <dgm:txPr/>
-    <dgm:style>
-      <a:lnRef idx="0">
-        <a:scrgbClr r="0" g="0" b="0"/>
-      </a:lnRef>
-      <a:fillRef idx="1">
-        <a:scrgbClr r="0" g="0" b="0"/>
-      </a:fillRef>
-      <a:effectRef idx="0">
-        <a:scrgbClr r="0" g="0" b="0"/>
-      </a:effectRef>
-      <a:fontRef idx="minor"/>
-    </dgm:style>
-  </dgm:styleLbl>
-  <dgm:styleLbl name="trBgShp">
-    <dgm:scene3d>
-      <a:camera prst="orthographicFront"/>
-      <a:lightRig rig="threePt" dir="t"/>
-    </dgm:scene3d>
-    <dgm:sp3d/>
-    <dgm:txPr/>
-    <dgm:style>
-      <a:lnRef idx="0">
-        <a:scrgbClr r="0" g="0" b="0"/>
-      </a:lnRef>
-      <a:fillRef idx="1">
-        <a:scrgbClr r="0" g="0" b="0"/>
-      </a:fillRef>
-      <a:effectRef idx="0">
-        <a:scrgbClr r="0" g="0" b="0"/>
-      </a:effectRef>
-      <a:fontRef idx="minor"/>
-    </dgm:style>
-  </dgm:styleLbl>
-  <dgm:styleLbl name="fgShp">
-    <dgm:scene3d>
-      <a:camera prst="orthographicFront"/>
-      <a:lightRig rig="threePt" dir="t"/>
-    </dgm:scene3d>
-    <dgm:sp3d/>
-    <dgm:txPr/>
-    <dgm:style>
-      <a:lnRef idx="2">
-        <a:scrgbClr r="0" g="0" b="0"/>
-      </a:lnRef>
-      <a:fillRef idx="1">
-        <a:scrgbClr r="0" g="0" b="0"/>
-      </a:fillRef>
-      <a:effectRef idx="0">
-        <a:scrgbClr r="0" g="0" b="0"/>
-      </a:effectRef>
-      <a:fontRef idx="minor"/>
-    </dgm:style>
-  </dgm:styleLbl>
-  <dgm:styleLbl name="revTx">
-    <dgm:scene3d>
-      <a:camera prst="orthographicFront"/>
-      <a:lightRig rig="threePt" dir="t"/>
-    </dgm:scene3d>
-    <dgm:sp3d/>
-    <dgm:txPr/>
-    <dgm:style>
-      <a:lnRef idx="0">
-        <a:scrgbClr r="0" g="0" b="0"/>
-      </a:lnRef>
-      <a:fillRef idx="0">
-        <a:scrgbClr r="0" g="0" b="0"/>
-      </a:fillRef>
-      <a:effectRef idx="0">
-        <a:scrgbClr r="0" g="0" b="0"/>
-      </a:effectRef>
-      <a:fontRef idx="minor"/>
-    </dgm:style>
-  </dgm:styleLbl>
-</dgm:styleDef>
-</file>
-
-<file path=ppt/diagrams/quickStyle2.xml><?xml version="1.0" encoding="utf-8"?>
 <dgm:styleDef xmlns:dgm="http://schemas.openxmlformats.org/drawingml/2006/diagram" xmlns:a="http://schemas.openxmlformats.org/drawingml/2006/main" uniqueId="urn:microsoft.com/office/officeart/2005/8/quickstyle/simple1">
   <dgm:title val=""/>
   <dgm:desc val=""/>
@@ -6369,7 +2778,7 @@
           <a:p>
             <a:fld id="{20491FA1-C348-FC47-B52B-56CB588C49A8}" type="datetimeFigureOut">
               <a:rPr lang="fr-FR" smtClean="0"/>
-              <a:t>12/04/2019</a:t>
+              <a:t>28/04/2019</a:t>
             </a:fld>
             <a:endParaRPr lang="fr-FR"/>
           </a:p>
@@ -6768,7 +3177,7 @@
           <a:p>
             <a:fld id="{5A886BED-0F7D-664D-B329-5122EAE773E5}" type="datetimeFigureOut">
               <a:rPr lang="fr-FR" smtClean="0"/>
-              <a:t>12/04/2019</a:t>
+              <a:t>28/04/2019</a:t>
             </a:fld>
             <a:endParaRPr lang="fr-FR"/>
           </a:p>
@@ -6938,7 +3347,7 @@
           <a:p>
             <a:fld id="{5A886BED-0F7D-664D-B329-5122EAE773E5}" type="datetimeFigureOut">
               <a:rPr lang="fr-FR" smtClean="0"/>
-              <a:t>12/04/2019</a:t>
+              <a:t>28/04/2019</a:t>
             </a:fld>
             <a:endParaRPr lang="fr-FR"/>
           </a:p>
@@ -7118,7 +3527,7 @@
           <a:p>
             <a:fld id="{5A886BED-0F7D-664D-B329-5122EAE773E5}" type="datetimeFigureOut">
               <a:rPr lang="fr-FR" smtClean="0"/>
-              <a:t>12/04/2019</a:t>
+              <a:t>28/04/2019</a:t>
             </a:fld>
             <a:endParaRPr lang="fr-FR"/>
           </a:p>
@@ -7288,7 +3697,7 @@
           <a:p>
             <a:fld id="{5A886BED-0F7D-664D-B329-5122EAE773E5}" type="datetimeFigureOut">
               <a:rPr lang="fr-FR" smtClean="0"/>
-              <a:t>12/04/2019</a:t>
+              <a:t>28/04/2019</a:t>
             </a:fld>
             <a:endParaRPr lang="fr-FR"/>
           </a:p>
@@ -7534,7 +3943,7 @@
           <a:p>
             <a:fld id="{5A886BED-0F7D-664D-B329-5122EAE773E5}" type="datetimeFigureOut">
               <a:rPr lang="fr-FR" smtClean="0"/>
-              <a:t>12/04/2019</a:t>
+              <a:t>28/04/2019</a:t>
             </a:fld>
             <a:endParaRPr lang="fr-FR"/>
           </a:p>
@@ -7766,7 +4175,7 @@
           <a:p>
             <a:fld id="{5A886BED-0F7D-664D-B329-5122EAE773E5}" type="datetimeFigureOut">
               <a:rPr lang="fr-FR" smtClean="0"/>
-              <a:t>12/04/2019</a:t>
+              <a:t>28/04/2019</a:t>
             </a:fld>
             <a:endParaRPr lang="fr-FR"/>
           </a:p>
@@ -8133,7 +4542,7 @@
           <a:p>
             <a:fld id="{5A886BED-0F7D-664D-B329-5122EAE773E5}" type="datetimeFigureOut">
               <a:rPr lang="fr-FR" smtClean="0"/>
-              <a:t>12/04/2019</a:t>
+              <a:t>28/04/2019</a:t>
             </a:fld>
             <a:endParaRPr lang="fr-FR"/>
           </a:p>
@@ -8251,7 +4660,7 @@
           <a:p>
             <a:fld id="{5A886BED-0F7D-664D-B329-5122EAE773E5}" type="datetimeFigureOut">
               <a:rPr lang="fr-FR" smtClean="0"/>
-              <a:t>12/04/2019</a:t>
+              <a:t>28/04/2019</a:t>
             </a:fld>
             <a:endParaRPr lang="fr-FR"/>
           </a:p>
@@ -8346,7 +4755,7 @@
           <a:p>
             <a:fld id="{5A886BED-0F7D-664D-B329-5122EAE773E5}" type="datetimeFigureOut">
               <a:rPr lang="fr-FR" smtClean="0"/>
-              <a:t>12/04/2019</a:t>
+              <a:t>28/04/2019</a:t>
             </a:fld>
             <a:endParaRPr lang="fr-FR"/>
           </a:p>
@@ -8623,7 +5032,7 @@
           <a:p>
             <a:fld id="{5A886BED-0F7D-664D-B329-5122EAE773E5}" type="datetimeFigureOut">
               <a:rPr lang="fr-FR" smtClean="0"/>
-              <a:t>12/04/2019</a:t>
+              <a:t>28/04/2019</a:t>
             </a:fld>
             <a:endParaRPr lang="fr-FR"/>
           </a:p>
@@ -8876,7 +5285,7 @@
           <a:p>
             <a:fld id="{5A886BED-0F7D-664D-B329-5122EAE773E5}" type="datetimeFigureOut">
               <a:rPr lang="fr-FR" smtClean="0"/>
-              <a:t>12/04/2019</a:t>
+              <a:t>28/04/2019</a:t>
             </a:fld>
             <a:endParaRPr lang="fr-FR"/>
           </a:p>
@@ -9089,7 +5498,7 @@
           <a:p>
             <a:fld id="{5A886BED-0F7D-664D-B329-5122EAE773E5}" type="datetimeFigureOut">
               <a:rPr lang="fr-FR" smtClean="0"/>
-              <a:t>12/04/2019</a:t>
+              <a:t>28/04/2019</a:t>
             </a:fld>
             <a:endParaRPr lang="fr-FR"/>
           </a:p>
@@ -18357,7 +14766,7 @@
           <p:nvPr>
             <p:extLst>
               <p:ext uri="{D42A27DB-BD31-4B8C-83A1-F6EECF244321}">
-                <p14:modId xmlns:p14="http://schemas.microsoft.com/office/powerpoint/2010/main" val="170040378"/>
+                <p14:modId xmlns:p14="http://schemas.microsoft.com/office/powerpoint/2010/main" val="1017626658"/>
               </p:ext>
             </p:extLst>
           </p:nvPr>
@@ -18372,174 +14781,528 @@
           </a:graphicData>
         </a:graphic>
       </p:graphicFrame>
-      <p:graphicFrame>
-        <p:nvGraphicFramePr>
-          <p:cNvPr id="8" name="Diagramme 7"/>
-          <p:cNvGraphicFramePr/>
-          <p:nvPr>
-            <p:extLst>
-              <p:ext uri="{D42A27DB-BD31-4B8C-83A1-F6EECF244321}">
-                <p14:modId xmlns:p14="http://schemas.microsoft.com/office/powerpoint/2010/main" val="695733484"/>
-              </p:ext>
-            </p:extLst>
-          </p:nvPr>
-        </p:nvGraphicFramePr>
-        <p:xfrm>
-          <a:off x="-4668275" y="1489524"/>
-          <a:ext cx="10920250" cy="4942806"/>
-        </p:xfrm>
-        <a:graphic>
-          <a:graphicData uri="http://schemas.openxmlformats.org/drawingml/2006/diagram">
-            <dgm:relIds xmlns:dgm="http://schemas.openxmlformats.org/drawingml/2006/diagram" xmlns:r="http://schemas.openxmlformats.org/officeDocument/2006/relationships" r:dm="rId7" r:lo="rId8" r:qs="rId9" r:cs="rId10"/>
-          </a:graphicData>
-        </a:graphic>
-      </p:graphicFrame>
+      <p:grpSp>
+        <p:nvGrpSpPr>
+          <p:cNvPr id="6" name="Grouper 5"/>
+          <p:cNvGrpSpPr/>
+          <p:nvPr/>
+        </p:nvGrpSpPr>
+        <p:grpSpPr>
+          <a:xfrm rot="16200000">
+            <a:off x="-2431110" y="3660103"/>
+            <a:ext cx="5539025" cy="272396"/>
+            <a:chOff x="5341183" y="654057"/>
+            <a:chExt cx="5539025" cy="272396"/>
+          </a:xfrm>
+        </p:grpSpPr>
+        <p:sp>
+          <p:nvSpPr>
+            <p:cNvPr id="18" name="Rectangle à coins arrondis 17"/>
+            <p:cNvSpPr/>
+            <p:nvPr/>
+          </p:nvSpPr>
+          <p:spPr>
+            <a:xfrm>
+              <a:off x="5341183" y="654057"/>
+              <a:ext cx="5539025" cy="272396"/>
+            </a:xfrm>
+            <a:prstGeom prst="roundRect">
+              <a:avLst>
+                <a:gd name="adj" fmla="val 10000"/>
+              </a:avLst>
+            </a:prstGeom>
+          </p:spPr>
+          <p:style>
+            <a:lnRef idx="2">
+              <a:schemeClr val="dk1">
+                <a:shade val="80000"/>
+                <a:hueOff val="0"/>
+                <a:satOff val="0"/>
+                <a:lumOff val="0"/>
+                <a:alphaOff val="0"/>
+              </a:schemeClr>
+            </a:lnRef>
+            <a:fillRef idx="1">
+              <a:schemeClr val="lt1">
+                <a:hueOff val="0"/>
+                <a:satOff val="0"/>
+                <a:lumOff val="0"/>
+                <a:alphaOff val="0"/>
+              </a:schemeClr>
+            </a:fillRef>
+            <a:effectRef idx="0">
+              <a:schemeClr val="lt1">
+                <a:hueOff val="0"/>
+                <a:satOff val="0"/>
+                <a:lumOff val="0"/>
+                <a:alphaOff val="0"/>
+              </a:schemeClr>
+            </a:effectRef>
+            <a:fontRef idx="minor">
+              <a:schemeClr val="dk1">
+                <a:hueOff val="0"/>
+                <a:satOff val="0"/>
+                <a:lumOff val="0"/>
+                <a:alphaOff val="0"/>
+              </a:schemeClr>
+            </a:fontRef>
+          </p:style>
+        </p:sp>
+        <p:sp>
+          <p:nvSpPr>
+            <p:cNvPr id="19" name="Rectangle 18"/>
+            <p:cNvSpPr/>
+            <p:nvPr/>
+          </p:nvSpPr>
+          <p:spPr>
+            <a:xfrm>
+              <a:off x="5349161" y="662035"/>
+              <a:ext cx="5523069" cy="256440"/>
+            </a:xfrm>
+            <a:prstGeom prst="rect">
+              <a:avLst/>
+            </a:prstGeom>
+          </p:spPr>
+          <p:style>
+            <a:lnRef idx="0">
+              <a:scrgbClr r="0" g="0" b="0"/>
+            </a:lnRef>
+            <a:fillRef idx="0">
+              <a:scrgbClr r="0" g="0" b="0"/>
+            </a:fillRef>
+            <a:effectRef idx="0">
+              <a:scrgbClr r="0" g="0" b="0"/>
+            </a:effectRef>
+            <a:fontRef idx="minor">
+              <a:schemeClr val="dk1">
+                <a:hueOff val="0"/>
+                <a:satOff val="0"/>
+                <a:lumOff val="0"/>
+                <a:alphaOff val="0"/>
+              </a:schemeClr>
+            </a:fontRef>
+          </p:style>
+          <p:txBody>
+            <a:bodyPr spcFirstLastPara="0" vert="horz" wrap="square" lIns="45720" tIns="45720" rIns="45720" bIns="45720" numCol="1" spcCol="1270" anchor="ctr" anchorCtr="0">
+              <a:noAutofit/>
+            </a:bodyPr>
+            <a:lstStyle/>
+            <a:p>
+              <a:pPr lvl="0" algn="ctr" defTabSz="533400">
+                <a:lnSpc>
+                  <a:spcPct val="90000"/>
+                </a:lnSpc>
+                <a:spcBef>
+                  <a:spcPct val="0"/>
+                </a:spcBef>
+                <a:spcAft>
+                  <a:spcPct val="35000"/>
+                </a:spcAft>
+              </a:pPr>
+              <a:r>
+                <a:rPr lang="fr-FR" sz="1200" kern="1200" dirty="0" smtClean="0"/>
+                <a:t>Agrégation</a:t>
+              </a:r>
+              <a:endParaRPr lang="fr-FR" sz="1200" kern="1200" dirty="0"/>
+            </a:p>
+          </p:txBody>
+        </p:sp>
+      </p:grpSp>
       <p:sp>
         <p:nvSpPr>
-          <p:cNvPr id="10" name="Rectangle à coins arrondis 9"/>
+          <p:cNvPr id="7" name="Connecteur droit 5"/>
           <p:cNvSpPr/>
           <p:nvPr/>
         </p:nvSpPr>
         <p:spPr>
-          <a:xfrm>
-            <a:off x="9412224" y="1489524"/>
-            <a:ext cx="2487168" cy="4167564"/>
+          <a:xfrm rot="16200000">
+            <a:off x="-105872" y="4361300"/>
+            <a:ext cx="1370446" cy="216063"/>
           </a:xfrm>
-          <a:prstGeom prst="roundRect">
-            <a:avLst>
-              <a:gd name="adj" fmla="val 4412"/>
-            </a:avLst>
-          </a:prstGeom>
+          <a:custGeom>
+            <a:avLst/>
+            <a:gdLst/>
+            <a:ahLst/>
+            <a:cxnLst/>
+            <a:rect l="0" t="0" r="0" b="0"/>
+            <a:pathLst>
+              <a:path>
+                <a:moveTo>
+                  <a:pt x="1370446" y="0"/>
+                </a:moveTo>
+                <a:lnTo>
+                  <a:pt x="1370446" y="108031"/>
+                </a:lnTo>
+                <a:lnTo>
+                  <a:pt x="0" y="108031"/>
+                </a:lnTo>
+                <a:lnTo>
+                  <a:pt x="0" y="216063"/>
+                </a:lnTo>
+              </a:path>
+            </a:pathLst>
+          </a:custGeom>
+          <a:noFill/>
         </p:spPr>
         <p:style>
           <a:lnRef idx="2">
-            <a:schemeClr val="dk1"/>
+            <a:schemeClr val="dk1">
+              <a:shade val="80000"/>
+              <a:hueOff val="0"/>
+              <a:satOff val="0"/>
+              <a:lumOff val="0"/>
+              <a:alphaOff val="0"/>
+            </a:schemeClr>
           </a:lnRef>
-          <a:fillRef idx="1">
-            <a:schemeClr val="lt1"/>
+          <a:fillRef idx="0">
+            <a:scrgbClr r="0" g="0" b="0"/>
           </a:fillRef>
           <a:effectRef idx="0">
-            <a:schemeClr val="dk1"/>
+            <a:schemeClr val="dk1">
+              <a:hueOff val="0"/>
+              <a:satOff val="0"/>
+              <a:lumOff val="0"/>
+              <a:alphaOff val="0"/>
+            </a:schemeClr>
           </a:effectRef>
           <a:fontRef idx="minor">
-            <a:schemeClr val="dk1"/>
+            <a:schemeClr val="tx1">
+              <a:hueOff val="0"/>
+              <a:satOff val="0"/>
+              <a:lumOff val="0"/>
+              <a:alphaOff val="0"/>
+            </a:schemeClr>
           </a:fontRef>
         </p:style>
         <p:txBody>
-          <a:bodyPr rtlCol="0" anchor="ctr"/>
+          <a:bodyPr/>
           <a:lstStyle/>
           <a:p>
-            <a:pPr marL="285750" indent="-285750" algn="ctr">
-              <a:buFontTx/>
-              <a:buChar char="-"/>
-            </a:pPr>
-            <a:r>
-              <a:rPr lang="fr-FR" dirty="0" smtClean="0"/>
-              <a:t>DSM </a:t>
-            </a:r>
-            <a:r>
-              <a:rPr lang="fr-FR" dirty="0"/>
-              <a:t>(</a:t>
-            </a:r>
-            <a:r>
-              <a:rPr lang="fr-FR" dirty="0" err="1"/>
-              <a:t>Hernández</a:t>
-            </a:r>
-            <a:r>
-              <a:rPr lang="fr-FR" dirty="0"/>
-              <a:t> and Navarro, 2014). </a:t>
-            </a:r>
             <a:endParaRPr lang="fr-FR" dirty="0"/>
-          </a:p>
-          <a:p>
-            <a:pPr marL="285750" indent="-285750" algn="ctr">
-              <a:buFontTx/>
-              <a:buChar char="-"/>
-            </a:pPr>
-            <a:endParaRPr lang="fr-FR" dirty="0" smtClean="0"/>
           </a:p>
         </p:txBody>
       </p:sp>
+      <p:grpSp>
+        <p:nvGrpSpPr>
+          <p:cNvPr id="9" name="Grouper 8"/>
+          <p:cNvGrpSpPr/>
+          <p:nvPr/>
+        </p:nvGrpSpPr>
+        <p:grpSpPr>
+          <a:xfrm rot="16200000">
+            <a:off x="-583847" y="5023155"/>
+            <a:ext cx="2774470" cy="262800"/>
+            <a:chOff x="5353014" y="1142517"/>
+            <a:chExt cx="2774470" cy="262800"/>
+          </a:xfrm>
+        </p:grpSpPr>
+        <p:sp>
+          <p:nvSpPr>
+            <p:cNvPr id="16" name="Rectangle à coins arrondis 15"/>
+            <p:cNvSpPr/>
+            <p:nvPr/>
+          </p:nvSpPr>
+          <p:spPr>
+            <a:xfrm>
+              <a:off x="5353014" y="1142517"/>
+              <a:ext cx="2774470" cy="262800"/>
+            </a:xfrm>
+            <a:prstGeom prst="roundRect">
+              <a:avLst>
+                <a:gd name="adj" fmla="val 10000"/>
+              </a:avLst>
+            </a:prstGeom>
+          </p:spPr>
+          <p:style>
+            <a:lnRef idx="2">
+              <a:schemeClr val="dk1">
+                <a:shade val="80000"/>
+                <a:hueOff val="0"/>
+                <a:satOff val="0"/>
+                <a:lumOff val="0"/>
+                <a:alphaOff val="0"/>
+              </a:schemeClr>
+            </a:lnRef>
+            <a:fillRef idx="1">
+              <a:schemeClr val="lt1">
+                <a:hueOff val="0"/>
+                <a:satOff val="0"/>
+                <a:lumOff val="0"/>
+                <a:alphaOff val="0"/>
+              </a:schemeClr>
+            </a:fillRef>
+            <a:effectRef idx="0">
+              <a:schemeClr val="lt1">
+                <a:hueOff val="0"/>
+                <a:satOff val="0"/>
+                <a:lumOff val="0"/>
+                <a:alphaOff val="0"/>
+              </a:schemeClr>
+            </a:effectRef>
+            <a:fontRef idx="minor">
+              <a:schemeClr val="dk1">
+                <a:hueOff val="0"/>
+                <a:satOff val="0"/>
+                <a:lumOff val="0"/>
+                <a:alphaOff val="0"/>
+              </a:schemeClr>
+            </a:fontRef>
+          </p:style>
+        </p:sp>
+        <p:sp>
+          <p:nvSpPr>
+            <p:cNvPr id="17" name="Rectangle 16"/>
+            <p:cNvSpPr/>
+            <p:nvPr/>
+          </p:nvSpPr>
+          <p:spPr>
+            <a:xfrm>
+              <a:off x="5360711" y="1150214"/>
+              <a:ext cx="2759076" cy="247406"/>
+            </a:xfrm>
+            <a:prstGeom prst="rect">
+              <a:avLst/>
+            </a:prstGeom>
+          </p:spPr>
+          <p:style>
+            <a:lnRef idx="0">
+              <a:scrgbClr r="0" g="0" b="0"/>
+            </a:lnRef>
+            <a:fillRef idx="0">
+              <a:scrgbClr r="0" g="0" b="0"/>
+            </a:fillRef>
+            <a:effectRef idx="0">
+              <a:scrgbClr r="0" g="0" b="0"/>
+            </a:effectRef>
+            <a:fontRef idx="minor">
+              <a:schemeClr val="dk1">
+                <a:hueOff val="0"/>
+                <a:satOff val="0"/>
+                <a:lumOff val="0"/>
+                <a:alphaOff val="0"/>
+              </a:schemeClr>
+            </a:fontRef>
+          </p:style>
+          <p:txBody>
+            <a:bodyPr spcFirstLastPara="0" vert="horz" wrap="square" lIns="45720" tIns="45720" rIns="45720" bIns="45720" numCol="1" spcCol="1270" anchor="ctr" anchorCtr="0">
+              <a:noAutofit/>
+            </a:bodyPr>
+            <a:lstStyle/>
+            <a:p>
+              <a:pPr lvl="0" algn="ctr" defTabSz="533400">
+                <a:lnSpc>
+                  <a:spcPct val="90000"/>
+                </a:lnSpc>
+                <a:spcBef>
+                  <a:spcPct val="0"/>
+                </a:spcBef>
+                <a:spcAft>
+                  <a:spcPct val="35000"/>
+                </a:spcAft>
+              </a:pPr>
+              <a:r>
+                <a:rPr lang="fr-FR" sz="1200" kern="1200" dirty="0" smtClean="0"/>
+                <a:t>Des nœuds des motifs</a:t>
+              </a:r>
+              <a:endParaRPr lang="fr-FR" sz="1200" kern="1200" dirty="0"/>
+            </a:p>
+          </p:txBody>
+        </p:sp>
+      </p:grpSp>
       <p:sp>
         <p:nvSpPr>
-          <p:cNvPr id="11" name="Rectangle à coins arrondis 10"/>
+          <p:cNvPr id="12" name="Connecteur droit 8"/>
           <p:cNvSpPr/>
           <p:nvPr/>
         </p:nvSpPr>
         <p:spPr>
-          <a:xfrm>
-            <a:off x="3806219" y="1641924"/>
-            <a:ext cx="2487168" cy="4167564"/>
+          <a:xfrm rot="16200000">
+            <a:off x="-155610" y="2952046"/>
+            <a:ext cx="1482163" cy="206347"/>
           </a:xfrm>
-          <a:prstGeom prst="roundRect">
-            <a:avLst>
-              <a:gd name="adj" fmla="val 4412"/>
-            </a:avLst>
-          </a:prstGeom>
+          <a:custGeom>
+            <a:avLst/>
+            <a:gdLst/>
+            <a:ahLst/>
+            <a:cxnLst/>
+            <a:rect l="0" t="0" r="0" b="0"/>
+            <a:pathLst>
+              <a:path>
+                <a:moveTo>
+                  <a:pt x="0" y="0"/>
+                </a:moveTo>
+                <a:lnTo>
+                  <a:pt x="0" y="103173"/>
+                </a:lnTo>
+                <a:lnTo>
+                  <a:pt x="1482163" y="103173"/>
+                </a:lnTo>
+                <a:lnTo>
+                  <a:pt x="1482163" y="206347"/>
+                </a:lnTo>
+              </a:path>
+            </a:pathLst>
+          </a:custGeom>
+          <a:noFill/>
         </p:spPr>
         <p:style>
           <a:lnRef idx="2">
-            <a:schemeClr val="dk1"/>
+            <a:schemeClr val="dk1">
+              <a:shade val="80000"/>
+              <a:hueOff val="0"/>
+              <a:satOff val="0"/>
+              <a:lumOff val="0"/>
+              <a:alphaOff val="0"/>
+            </a:schemeClr>
           </a:lnRef>
-          <a:fillRef idx="1">
-            <a:schemeClr val="lt1"/>
+          <a:fillRef idx="0">
+            <a:scrgbClr r="0" g="0" b="0"/>
           </a:fillRef>
           <a:effectRef idx="0">
-            <a:schemeClr val="dk1"/>
+            <a:schemeClr val="dk1">
+              <a:hueOff val="0"/>
+              <a:satOff val="0"/>
+              <a:lumOff val="0"/>
+              <a:alphaOff val="0"/>
+            </a:schemeClr>
           </a:effectRef>
           <a:fontRef idx="minor">
-            <a:schemeClr val="dk1"/>
+            <a:schemeClr val="tx1">
+              <a:hueOff val="0"/>
+              <a:satOff val="0"/>
+              <a:lumOff val="0"/>
+              <a:alphaOff val="0"/>
+            </a:schemeClr>
           </a:fontRef>
         </p:style>
-        <p:txBody>
-          <a:bodyPr rtlCol="0" anchor="ctr"/>
-          <a:lstStyle/>
-          <a:p>
-            <a:pPr marL="285750" indent="-285750" algn="ctr">
-              <a:buFontTx/>
-              <a:buChar char="-"/>
-            </a:pPr>
-            <a:r>
-              <a:rPr lang="fr-FR" dirty="0" err="1" smtClean="0"/>
-              <a:t>VoG</a:t>
-            </a:r>
-            <a:endParaRPr lang="fr-FR" dirty="0" smtClean="0"/>
-          </a:p>
-          <a:p>
-            <a:pPr marL="285750" indent="-285750" algn="ctr">
-              <a:buFontTx/>
-              <a:buChar char="-"/>
-            </a:pPr>
-            <a:r>
-              <a:rPr lang="fr-FR" dirty="0" err="1" smtClean="0"/>
-              <a:t>VoG-Overlapp</a:t>
-            </a:r>
-            <a:endParaRPr lang="fr-FR" dirty="0" smtClean="0"/>
-          </a:p>
-          <a:p>
-            <a:pPr marL="285750" indent="-285750" algn="ctr">
-              <a:buFontTx/>
-              <a:buChar char="-"/>
-            </a:pPr>
-            <a:r>
-              <a:rPr lang="fr-FR" dirty="0" err="1" smtClean="0"/>
-              <a:t>TimeCrunch</a:t>
-            </a:r>
-            <a:endParaRPr lang="fr-FR" dirty="0" smtClean="0"/>
-          </a:p>
-          <a:p>
-            <a:pPr marL="285750" indent="-285750" algn="ctr">
-              <a:buFontTx/>
-              <a:buChar char="-"/>
-            </a:pPr>
-            <a:r>
-              <a:rPr lang="fr-FR" dirty="0" err="1" smtClean="0"/>
-              <a:t>CanDenSE</a:t>
-            </a:r>
-            <a:endParaRPr lang="fr-FR" dirty="0" smtClean="0"/>
-          </a:p>
-        </p:txBody>
       </p:sp>
+      <p:grpSp>
+        <p:nvGrpSpPr>
+          <p:cNvPr id="13" name="Grouper 12"/>
+          <p:cNvGrpSpPr/>
+          <p:nvPr/>
+        </p:nvGrpSpPr>
+        <p:grpSpPr>
+          <a:xfrm rot="16200000">
+            <a:off x="-470902" y="2185353"/>
+            <a:ext cx="2563974" cy="262800"/>
+            <a:chOff x="8310872" y="1132801"/>
+            <a:chExt cx="2563974" cy="262800"/>
+          </a:xfrm>
+        </p:grpSpPr>
+        <p:sp>
+          <p:nvSpPr>
+            <p:cNvPr id="14" name="Rectangle à coins arrondis 13"/>
+            <p:cNvSpPr/>
+            <p:nvPr/>
+          </p:nvSpPr>
+          <p:spPr>
+            <a:xfrm>
+              <a:off x="8310872" y="1132801"/>
+              <a:ext cx="2563974" cy="262800"/>
+            </a:xfrm>
+            <a:prstGeom prst="roundRect">
+              <a:avLst>
+                <a:gd name="adj" fmla="val 10000"/>
+              </a:avLst>
+            </a:prstGeom>
+          </p:spPr>
+          <p:style>
+            <a:lnRef idx="2">
+              <a:schemeClr val="dk1">
+                <a:shade val="80000"/>
+                <a:hueOff val="0"/>
+                <a:satOff val="0"/>
+                <a:lumOff val="0"/>
+                <a:alphaOff val="0"/>
+              </a:schemeClr>
+            </a:lnRef>
+            <a:fillRef idx="1">
+              <a:schemeClr val="lt1">
+                <a:hueOff val="0"/>
+                <a:satOff val="0"/>
+                <a:lumOff val="0"/>
+                <a:alphaOff val="0"/>
+              </a:schemeClr>
+            </a:fillRef>
+            <a:effectRef idx="0">
+              <a:schemeClr val="lt1">
+                <a:hueOff val="0"/>
+                <a:satOff val="0"/>
+                <a:lumOff val="0"/>
+                <a:alphaOff val="0"/>
+              </a:schemeClr>
+            </a:effectRef>
+            <a:fontRef idx="minor">
+              <a:schemeClr val="dk1">
+                <a:hueOff val="0"/>
+                <a:satOff val="0"/>
+                <a:lumOff val="0"/>
+                <a:alphaOff val="0"/>
+              </a:schemeClr>
+            </a:fontRef>
+          </p:style>
+        </p:sp>
+        <p:sp>
+          <p:nvSpPr>
+            <p:cNvPr id="15" name="Rectangle 14"/>
+            <p:cNvSpPr/>
+            <p:nvPr/>
+          </p:nvSpPr>
+          <p:spPr>
+            <a:xfrm>
+              <a:off x="8318569" y="1140498"/>
+              <a:ext cx="2548580" cy="247406"/>
+            </a:xfrm>
+            <a:prstGeom prst="rect">
+              <a:avLst/>
+            </a:prstGeom>
+          </p:spPr>
+          <p:style>
+            <a:lnRef idx="0">
+              <a:scrgbClr r="0" g="0" b="0"/>
+            </a:lnRef>
+            <a:fillRef idx="0">
+              <a:scrgbClr r="0" g="0" b="0"/>
+            </a:fillRef>
+            <a:effectRef idx="0">
+              <a:scrgbClr r="0" g="0" b="0"/>
+            </a:effectRef>
+            <a:fontRef idx="minor">
+              <a:schemeClr val="dk1">
+                <a:hueOff val="0"/>
+                <a:satOff val="0"/>
+                <a:lumOff val="0"/>
+                <a:alphaOff val="0"/>
+              </a:schemeClr>
+            </a:fontRef>
+          </p:style>
+          <p:txBody>
+            <a:bodyPr spcFirstLastPara="0" vert="horz" wrap="square" lIns="45720" tIns="45720" rIns="45720" bIns="45720" numCol="1" spcCol="1270" anchor="ctr" anchorCtr="0">
+              <a:noAutofit/>
+            </a:bodyPr>
+            <a:lstStyle/>
+            <a:p>
+              <a:pPr lvl="0" algn="ctr" defTabSz="533400">
+                <a:lnSpc>
+                  <a:spcPct val="90000"/>
+                </a:lnSpc>
+                <a:spcBef>
+                  <a:spcPct val="0"/>
+                </a:spcBef>
+                <a:spcAft>
+                  <a:spcPct val="35000"/>
+                </a:spcAft>
+              </a:pPr>
+              <a:r>
+                <a:rPr lang="fr-FR" sz="1200" kern="1200" dirty="0" smtClean="0"/>
+                <a:t>Des liens des motifs</a:t>
+              </a:r>
+              <a:endParaRPr lang="fr-FR" sz="1200" kern="1200" dirty="0"/>
+            </a:p>
+          </p:txBody>
+        </p:sp>
+      </p:grpSp>
     </p:spTree>
     <p:extLst>
       <p:ext uri="{BB962C8B-B14F-4D97-AF65-F5344CB8AC3E}">

--- a/ressources/psd/Présentation1.pptx
+++ b/ressources/psd/Présentation1.pptx
@@ -5,13 +5,14 @@
     <p:sldMasterId id="2147483648" r:id="rId1"/>
   </p:sldMasterIdLst>
   <p:notesMasterIdLst>
-    <p:notesMasterId r:id="rId6"/>
+    <p:notesMasterId r:id="rId7"/>
   </p:notesMasterIdLst>
   <p:sldIdLst>
     <p:sldId id="256" r:id="rId2"/>
     <p:sldId id="257" r:id="rId3"/>
     <p:sldId id="258" r:id="rId4"/>
     <p:sldId id="259" r:id="rId5"/>
+    <p:sldId id="260" r:id="rId6"/>
   </p:sldIdLst>
   <p:sldSz cx="12192000" cy="6858000"/>
   <p:notesSz cx="6858000" cy="9144000"/>
@@ -1039,8 +1040,8 @@
   </dgm:ptLst>
   <dgm:cxnLst>
     <dgm:cxn modelId="{4B44F706-C71E-F74C-963F-74B43DB9F4F0}" type="presOf" srcId="{233DBD2D-5645-C646-9EBD-124E6E693FE5}" destId="{E19D0E37-DD6D-CB46-806B-E3D4EA68EFEA}" srcOrd="0" destOrd="0" presId="urn:microsoft.com/office/officeart/2005/8/layout/hierarchy6"/>
+    <dgm:cxn modelId="{F8B68903-FB24-C24A-A5A4-0D78B7AA1F43}" srcId="{4FA175D9-466C-FC42-9B9C-45BCB1DBB681}" destId="{233DBD2D-5645-C646-9EBD-124E6E693FE5}" srcOrd="0" destOrd="0" parTransId="{10D25740-8435-D449-A843-FD0FB2032792}" sibTransId="{F09E0E67-B25D-374D-B939-096E20FFC0E1}"/>
     <dgm:cxn modelId="{AEB1AA94-388E-AD40-8642-3BE888157214}" type="presOf" srcId="{4FA175D9-466C-FC42-9B9C-45BCB1DBB681}" destId="{BF910C58-F1E4-E04A-BE95-0203F4D46DFE}" srcOrd="0" destOrd="0" presId="urn:microsoft.com/office/officeart/2005/8/layout/hierarchy6"/>
-    <dgm:cxn modelId="{F8B68903-FB24-C24A-A5A4-0D78B7AA1F43}" srcId="{4FA175D9-466C-FC42-9B9C-45BCB1DBB681}" destId="{233DBD2D-5645-C646-9EBD-124E6E693FE5}" srcOrd="0" destOrd="0" parTransId="{10D25740-8435-D449-A843-FD0FB2032792}" sibTransId="{F09E0E67-B25D-374D-B939-096E20FFC0E1}"/>
     <dgm:cxn modelId="{6EC098BC-0640-AD4F-8EE5-9230BEC27918}" type="presParOf" srcId="{BF910C58-F1E4-E04A-BE95-0203F4D46DFE}" destId="{2FF8FB34-B21F-3649-A745-B81734DB0793}" srcOrd="0" destOrd="0" presId="urn:microsoft.com/office/officeart/2005/8/layout/hierarchy6"/>
     <dgm:cxn modelId="{35A17C64-8EE4-9244-945A-117482E542BA}" type="presParOf" srcId="{2FF8FB34-B21F-3649-A745-B81734DB0793}" destId="{74FB30C9-C424-A044-AC89-6B8E27AB5B35}" srcOrd="0" destOrd="0" presId="urn:microsoft.com/office/officeart/2005/8/layout/hierarchy6"/>
     <dgm:cxn modelId="{73ED6C72-DA42-424E-8D89-4E19D0762719}" type="presParOf" srcId="{74FB30C9-C424-A044-AC89-6B8E27AB5B35}" destId="{A78A71E7-7960-F740-BFA9-703BAF4F750D}" srcOrd="0" destOrd="0" presId="urn:microsoft.com/office/officeart/2005/8/layout/hierarchy6"/>
@@ -2778,7 +2779,7 @@
           <a:p>
             <a:fld id="{20491FA1-C348-FC47-B52B-56CB588C49A8}" type="datetimeFigureOut">
               <a:rPr lang="fr-FR" smtClean="0"/>
-              <a:t>28/04/2019</a:t>
+              <a:t>16/05/2019</a:t>
             </a:fld>
             <a:endParaRPr lang="fr-FR"/>
           </a:p>
@@ -3177,7 +3178,7 @@
           <a:p>
             <a:fld id="{5A886BED-0F7D-664D-B329-5122EAE773E5}" type="datetimeFigureOut">
               <a:rPr lang="fr-FR" smtClean="0"/>
-              <a:t>28/04/2019</a:t>
+              <a:t>16/05/2019</a:t>
             </a:fld>
             <a:endParaRPr lang="fr-FR"/>
           </a:p>
@@ -3347,7 +3348,7 @@
           <a:p>
             <a:fld id="{5A886BED-0F7D-664D-B329-5122EAE773E5}" type="datetimeFigureOut">
               <a:rPr lang="fr-FR" smtClean="0"/>
-              <a:t>28/04/2019</a:t>
+              <a:t>16/05/2019</a:t>
             </a:fld>
             <a:endParaRPr lang="fr-FR"/>
           </a:p>
@@ -3527,7 +3528,7 @@
           <a:p>
             <a:fld id="{5A886BED-0F7D-664D-B329-5122EAE773E5}" type="datetimeFigureOut">
               <a:rPr lang="fr-FR" smtClean="0"/>
-              <a:t>28/04/2019</a:t>
+              <a:t>16/05/2019</a:t>
             </a:fld>
             <a:endParaRPr lang="fr-FR"/>
           </a:p>
@@ -3697,7 +3698,7 @@
           <a:p>
             <a:fld id="{5A886BED-0F7D-664D-B329-5122EAE773E5}" type="datetimeFigureOut">
               <a:rPr lang="fr-FR" smtClean="0"/>
-              <a:t>28/04/2019</a:t>
+              <a:t>16/05/2019</a:t>
             </a:fld>
             <a:endParaRPr lang="fr-FR"/>
           </a:p>
@@ -3943,7 +3944,7 @@
           <a:p>
             <a:fld id="{5A886BED-0F7D-664D-B329-5122EAE773E5}" type="datetimeFigureOut">
               <a:rPr lang="fr-FR" smtClean="0"/>
-              <a:t>28/04/2019</a:t>
+              <a:t>16/05/2019</a:t>
             </a:fld>
             <a:endParaRPr lang="fr-FR"/>
           </a:p>
@@ -4175,7 +4176,7 @@
           <a:p>
             <a:fld id="{5A886BED-0F7D-664D-B329-5122EAE773E5}" type="datetimeFigureOut">
               <a:rPr lang="fr-FR" smtClean="0"/>
-              <a:t>28/04/2019</a:t>
+              <a:t>16/05/2019</a:t>
             </a:fld>
             <a:endParaRPr lang="fr-FR"/>
           </a:p>
@@ -4542,7 +4543,7 @@
           <a:p>
             <a:fld id="{5A886BED-0F7D-664D-B329-5122EAE773E5}" type="datetimeFigureOut">
               <a:rPr lang="fr-FR" smtClean="0"/>
-              <a:t>28/04/2019</a:t>
+              <a:t>16/05/2019</a:t>
             </a:fld>
             <a:endParaRPr lang="fr-FR"/>
           </a:p>
@@ -4660,7 +4661,7 @@
           <a:p>
             <a:fld id="{5A886BED-0F7D-664D-B329-5122EAE773E5}" type="datetimeFigureOut">
               <a:rPr lang="fr-FR" smtClean="0"/>
-              <a:t>28/04/2019</a:t>
+              <a:t>16/05/2019</a:t>
             </a:fld>
             <a:endParaRPr lang="fr-FR"/>
           </a:p>
@@ -4755,7 +4756,7 @@
           <a:p>
             <a:fld id="{5A886BED-0F7D-664D-B329-5122EAE773E5}" type="datetimeFigureOut">
               <a:rPr lang="fr-FR" smtClean="0"/>
-              <a:t>28/04/2019</a:t>
+              <a:t>16/05/2019</a:t>
             </a:fld>
             <a:endParaRPr lang="fr-FR"/>
           </a:p>
@@ -5032,7 +5033,7 @@
           <a:p>
             <a:fld id="{5A886BED-0F7D-664D-B329-5122EAE773E5}" type="datetimeFigureOut">
               <a:rPr lang="fr-FR" smtClean="0"/>
-              <a:t>28/04/2019</a:t>
+              <a:t>16/05/2019</a:t>
             </a:fld>
             <a:endParaRPr lang="fr-FR"/>
           </a:p>
@@ -5285,7 +5286,7 @@
           <a:p>
             <a:fld id="{5A886BED-0F7D-664D-B329-5122EAE773E5}" type="datetimeFigureOut">
               <a:rPr lang="fr-FR" smtClean="0"/>
-              <a:t>28/04/2019</a:t>
+              <a:t>16/05/2019</a:t>
             </a:fld>
             <a:endParaRPr lang="fr-FR"/>
           </a:p>
@@ -5498,7 +5499,7 @@
           <a:p>
             <a:fld id="{5A886BED-0F7D-664D-B329-5122EAE773E5}" type="datetimeFigureOut">
               <a:rPr lang="fr-FR" smtClean="0"/>
-              <a:t>28/04/2019</a:t>
+              <a:t>16/05/2019</a:t>
             </a:fld>
             <a:endParaRPr lang="fr-FR"/>
           </a:p>
@@ -15316,6 +15317,708 @@
 </p:sld>
 </file>
 
+<file path=ppt/slides/slide5.xml><?xml version="1.0" encoding="utf-8"?>
+<p:sld xmlns:a="http://schemas.openxmlformats.org/drawingml/2006/main" xmlns:r="http://schemas.openxmlformats.org/officeDocument/2006/relationships" xmlns:p="http://schemas.openxmlformats.org/presentationml/2006/main">
+  <p:cSld>
+    <p:spTree>
+      <p:nvGrpSpPr>
+        <p:cNvPr id="1" name=""/>
+        <p:cNvGrpSpPr/>
+        <p:nvPr/>
+      </p:nvGrpSpPr>
+      <p:grpSpPr>
+        <a:xfrm>
+          <a:off x="0" y="0"/>
+          <a:ext cx="0" cy="0"/>
+          <a:chOff x="0" y="0"/>
+          <a:chExt cx="0" cy="0"/>
+        </a:xfrm>
+      </p:grpSpPr>
+      <p:sp>
+        <p:nvSpPr>
+          <p:cNvPr id="4" name="Rectangle à coins arrondis 3"/>
+          <p:cNvSpPr/>
+          <p:nvPr/>
+        </p:nvSpPr>
+        <p:spPr>
+          <a:xfrm>
+            <a:off x="2659118" y="945932"/>
+            <a:ext cx="1996965" cy="599089"/>
+          </a:xfrm>
+          <a:prstGeom prst="roundRect">
+            <a:avLst/>
+          </a:prstGeom>
+        </p:spPr>
+        <p:style>
+          <a:lnRef idx="2">
+            <a:schemeClr val="dk1"/>
+          </a:lnRef>
+          <a:fillRef idx="1">
+            <a:schemeClr val="lt1"/>
+          </a:fillRef>
+          <a:effectRef idx="0">
+            <a:schemeClr val="dk1"/>
+          </a:effectRef>
+          <a:fontRef idx="minor">
+            <a:schemeClr val="dk1"/>
+          </a:fontRef>
+        </p:style>
+        <p:txBody>
+          <a:bodyPr rtlCol="0" anchor="ctr"/>
+          <a:lstStyle/>
+          <a:p>
+            <a:pPr algn="ctr"/>
+            <a:r>
+              <a:rPr lang="fr-FR" smtClean="0"/>
+              <a:t>Compression</a:t>
+            </a:r>
+            <a:endParaRPr lang="fr-FR"/>
+          </a:p>
+        </p:txBody>
+      </p:sp>
+      <p:sp>
+        <p:nvSpPr>
+          <p:cNvPr id="5" name="Rectangle à coins arrondis 4"/>
+          <p:cNvSpPr/>
+          <p:nvPr/>
+        </p:nvSpPr>
+        <p:spPr>
+          <a:xfrm>
+            <a:off x="7824953" y="945933"/>
+            <a:ext cx="1996965" cy="599089"/>
+          </a:xfrm>
+          <a:prstGeom prst="roundRect">
+            <a:avLst/>
+          </a:prstGeom>
+        </p:spPr>
+        <p:style>
+          <a:lnRef idx="2">
+            <a:schemeClr val="dk1"/>
+          </a:lnRef>
+          <a:fillRef idx="1">
+            <a:schemeClr val="lt1"/>
+          </a:fillRef>
+          <a:effectRef idx="0">
+            <a:schemeClr val="dk1"/>
+          </a:effectRef>
+          <a:fontRef idx="minor">
+            <a:schemeClr val="dk1"/>
+          </a:fontRef>
+        </p:style>
+        <p:txBody>
+          <a:bodyPr rtlCol="0" anchor="ctr"/>
+          <a:lstStyle/>
+          <a:p>
+            <a:pPr algn="ctr"/>
+            <a:r>
+              <a:rPr lang="fr-FR" smtClean="0"/>
+              <a:t>Décompression</a:t>
+            </a:r>
+            <a:endParaRPr lang="fr-FR" dirty="0"/>
+          </a:p>
+        </p:txBody>
+      </p:sp>
+      <p:cxnSp>
+        <p:nvCxnSpPr>
+          <p:cNvPr id="8" name="Connecteur droit avec flèche 7"/>
+          <p:cNvCxnSpPr/>
+          <p:nvPr/>
+        </p:nvCxnSpPr>
+        <p:spPr>
+          <a:xfrm flipV="1">
+            <a:off x="4656083" y="1245476"/>
+            <a:ext cx="819807" cy="7882"/>
+          </a:xfrm>
+          <a:prstGeom prst="straightConnector1">
+            <a:avLst/>
+          </a:prstGeom>
+          <a:ln>
+            <a:tailEnd type="triangle"/>
+          </a:ln>
+        </p:spPr>
+        <p:style>
+          <a:lnRef idx="3">
+            <a:schemeClr val="dk1"/>
+          </a:lnRef>
+          <a:fillRef idx="0">
+            <a:schemeClr val="dk1"/>
+          </a:fillRef>
+          <a:effectRef idx="2">
+            <a:schemeClr val="dk1"/>
+          </a:effectRef>
+          <a:fontRef idx="minor">
+            <a:schemeClr val="tx1"/>
+          </a:fontRef>
+        </p:style>
+      </p:cxnSp>
+      <p:cxnSp>
+        <p:nvCxnSpPr>
+          <p:cNvPr id="10" name="Connecteur droit avec flèche 9"/>
+          <p:cNvCxnSpPr/>
+          <p:nvPr/>
+        </p:nvCxnSpPr>
+        <p:spPr>
+          <a:xfrm flipV="1">
+            <a:off x="1839311" y="1253358"/>
+            <a:ext cx="819807" cy="7882"/>
+          </a:xfrm>
+          <a:prstGeom prst="straightConnector1">
+            <a:avLst/>
+          </a:prstGeom>
+          <a:ln>
+            <a:tailEnd type="triangle"/>
+          </a:ln>
+        </p:spPr>
+        <p:style>
+          <a:lnRef idx="3">
+            <a:schemeClr val="dk1"/>
+          </a:lnRef>
+          <a:fillRef idx="0">
+            <a:schemeClr val="dk1"/>
+          </a:fillRef>
+          <a:effectRef idx="2">
+            <a:schemeClr val="dk1"/>
+          </a:effectRef>
+          <a:fontRef idx="minor">
+            <a:schemeClr val="tx1"/>
+          </a:fontRef>
+        </p:style>
+      </p:cxnSp>
+      <p:cxnSp>
+        <p:nvCxnSpPr>
+          <p:cNvPr id="11" name="Connecteur droit avec flèche 10"/>
+          <p:cNvCxnSpPr/>
+          <p:nvPr/>
+        </p:nvCxnSpPr>
+        <p:spPr>
+          <a:xfrm flipV="1">
+            <a:off x="7005146" y="1250730"/>
+            <a:ext cx="819807" cy="7882"/>
+          </a:xfrm>
+          <a:prstGeom prst="straightConnector1">
+            <a:avLst/>
+          </a:prstGeom>
+          <a:ln>
+            <a:tailEnd type="triangle"/>
+          </a:ln>
+        </p:spPr>
+        <p:style>
+          <a:lnRef idx="3">
+            <a:schemeClr val="dk1"/>
+          </a:lnRef>
+          <a:fillRef idx="0">
+            <a:schemeClr val="dk1"/>
+          </a:fillRef>
+          <a:effectRef idx="2">
+            <a:schemeClr val="dk1"/>
+          </a:effectRef>
+          <a:fontRef idx="minor">
+            <a:schemeClr val="tx1"/>
+          </a:fontRef>
+        </p:style>
+      </p:cxnSp>
+      <p:cxnSp>
+        <p:nvCxnSpPr>
+          <p:cNvPr id="12" name="Connecteur droit avec flèche 11"/>
+          <p:cNvCxnSpPr/>
+          <p:nvPr/>
+        </p:nvCxnSpPr>
+        <p:spPr>
+          <a:xfrm flipV="1">
+            <a:off x="9821918" y="1261240"/>
+            <a:ext cx="819807" cy="7882"/>
+          </a:xfrm>
+          <a:prstGeom prst="straightConnector1">
+            <a:avLst/>
+          </a:prstGeom>
+          <a:ln>
+            <a:tailEnd type="triangle"/>
+          </a:ln>
+        </p:spPr>
+        <p:style>
+          <a:lnRef idx="3">
+            <a:schemeClr val="dk1"/>
+          </a:lnRef>
+          <a:fillRef idx="0">
+            <a:schemeClr val="dk1"/>
+          </a:fillRef>
+          <a:effectRef idx="2">
+            <a:schemeClr val="dk1"/>
+          </a:effectRef>
+          <a:fontRef idx="minor">
+            <a:schemeClr val="tx1"/>
+          </a:fontRef>
+        </p:style>
+      </p:cxnSp>
+      <p:sp>
+        <p:nvSpPr>
+          <p:cNvPr id="19" name="Rectangle à coins arrondis 18"/>
+          <p:cNvSpPr/>
+          <p:nvPr/>
+        </p:nvSpPr>
+        <p:spPr>
+          <a:xfrm>
+            <a:off x="2659118" y="4051739"/>
+            <a:ext cx="1996965" cy="599089"/>
+          </a:xfrm>
+          <a:prstGeom prst="roundRect">
+            <a:avLst/>
+          </a:prstGeom>
+        </p:spPr>
+        <p:style>
+          <a:lnRef idx="2">
+            <a:schemeClr val="dk1"/>
+          </a:lnRef>
+          <a:fillRef idx="1">
+            <a:schemeClr val="lt1"/>
+          </a:fillRef>
+          <a:effectRef idx="0">
+            <a:schemeClr val="dk1"/>
+          </a:effectRef>
+          <a:fontRef idx="minor">
+            <a:schemeClr val="dk1"/>
+          </a:fontRef>
+        </p:style>
+        <p:txBody>
+          <a:bodyPr rtlCol="0" anchor="ctr"/>
+          <a:lstStyle/>
+          <a:p>
+            <a:pPr algn="ctr"/>
+            <a:r>
+              <a:rPr lang="fr-FR" smtClean="0"/>
+              <a:t>Compression</a:t>
+            </a:r>
+            <a:endParaRPr lang="fr-FR"/>
+          </a:p>
+        </p:txBody>
+      </p:sp>
+      <p:sp>
+        <p:nvSpPr>
+          <p:cNvPr id="20" name="Rectangle à coins arrondis 19"/>
+          <p:cNvSpPr/>
+          <p:nvPr/>
+        </p:nvSpPr>
+        <p:spPr>
+          <a:xfrm>
+            <a:off x="7824953" y="4051740"/>
+            <a:ext cx="1996965" cy="599089"/>
+          </a:xfrm>
+          <a:prstGeom prst="roundRect">
+            <a:avLst/>
+          </a:prstGeom>
+        </p:spPr>
+        <p:style>
+          <a:lnRef idx="2">
+            <a:schemeClr val="dk1"/>
+          </a:lnRef>
+          <a:fillRef idx="1">
+            <a:schemeClr val="lt1"/>
+          </a:fillRef>
+          <a:effectRef idx="0">
+            <a:schemeClr val="dk1"/>
+          </a:effectRef>
+          <a:fontRef idx="minor">
+            <a:schemeClr val="dk1"/>
+          </a:fontRef>
+        </p:style>
+        <p:txBody>
+          <a:bodyPr rtlCol="0" anchor="ctr"/>
+          <a:lstStyle/>
+          <a:p>
+            <a:pPr algn="ctr"/>
+            <a:r>
+              <a:rPr lang="fr-FR" smtClean="0"/>
+              <a:t>Décompression</a:t>
+            </a:r>
+            <a:endParaRPr lang="fr-FR" dirty="0"/>
+          </a:p>
+        </p:txBody>
+      </p:sp>
+      <p:cxnSp>
+        <p:nvCxnSpPr>
+          <p:cNvPr id="21" name="Connecteur droit avec flèche 20"/>
+          <p:cNvCxnSpPr/>
+          <p:nvPr/>
+        </p:nvCxnSpPr>
+        <p:spPr>
+          <a:xfrm flipV="1">
+            <a:off x="4656083" y="4351283"/>
+            <a:ext cx="819807" cy="7882"/>
+          </a:xfrm>
+          <a:prstGeom prst="straightConnector1">
+            <a:avLst/>
+          </a:prstGeom>
+          <a:ln>
+            <a:tailEnd type="triangle"/>
+          </a:ln>
+        </p:spPr>
+        <p:style>
+          <a:lnRef idx="3">
+            <a:schemeClr val="dk1"/>
+          </a:lnRef>
+          <a:fillRef idx="0">
+            <a:schemeClr val="dk1"/>
+          </a:fillRef>
+          <a:effectRef idx="2">
+            <a:schemeClr val="dk1"/>
+          </a:effectRef>
+          <a:fontRef idx="minor">
+            <a:schemeClr val="tx1"/>
+          </a:fontRef>
+        </p:style>
+      </p:cxnSp>
+      <p:cxnSp>
+        <p:nvCxnSpPr>
+          <p:cNvPr id="22" name="Connecteur droit avec flèche 21"/>
+          <p:cNvCxnSpPr/>
+          <p:nvPr/>
+        </p:nvCxnSpPr>
+        <p:spPr>
+          <a:xfrm flipV="1">
+            <a:off x="1839311" y="4359165"/>
+            <a:ext cx="819807" cy="7882"/>
+          </a:xfrm>
+          <a:prstGeom prst="straightConnector1">
+            <a:avLst/>
+          </a:prstGeom>
+          <a:ln>
+            <a:tailEnd type="triangle"/>
+          </a:ln>
+        </p:spPr>
+        <p:style>
+          <a:lnRef idx="3">
+            <a:schemeClr val="dk1"/>
+          </a:lnRef>
+          <a:fillRef idx="0">
+            <a:schemeClr val="dk1"/>
+          </a:fillRef>
+          <a:effectRef idx="2">
+            <a:schemeClr val="dk1"/>
+          </a:effectRef>
+          <a:fontRef idx="minor">
+            <a:schemeClr val="tx1"/>
+          </a:fontRef>
+        </p:style>
+      </p:cxnSp>
+      <p:cxnSp>
+        <p:nvCxnSpPr>
+          <p:cNvPr id="23" name="Connecteur droit avec flèche 22"/>
+          <p:cNvCxnSpPr/>
+          <p:nvPr/>
+        </p:nvCxnSpPr>
+        <p:spPr>
+          <a:xfrm flipV="1">
+            <a:off x="7005146" y="4356537"/>
+            <a:ext cx="819807" cy="7882"/>
+          </a:xfrm>
+          <a:prstGeom prst="straightConnector1">
+            <a:avLst/>
+          </a:prstGeom>
+          <a:ln>
+            <a:tailEnd type="triangle"/>
+          </a:ln>
+        </p:spPr>
+        <p:style>
+          <a:lnRef idx="3">
+            <a:schemeClr val="dk1"/>
+          </a:lnRef>
+          <a:fillRef idx="0">
+            <a:schemeClr val="dk1"/>
+          </a:fillRef>
+          <a:effectRef idx="2">
+            <a:schemeClr val="dk1"/>
+          </a:effectRef>
+          <a:fontRef idx="minor">
+            <a:schemeClr val="tx1"/>
+          </a:fontRef>
+        </p:style>
+      </p:cxnSp>
+      <p:cxnSp>
+        <p:nvCxnSpPr>
+          <p:cNvPr id="24" name="Connecteur droit avec flèche 23"/>
+          <p:cNvCxnSpPr/>
+          <p:nvPr/>
+        </p:nvCxnSpPr>
+        <p:spPr>
+          <a:xfrm flipV="1">
+            <a:off x="9821918" y="4367047"/>
+            <a:ext cx="819807" cy="7882"/>
+          </a:xfrm>
+          <a:prstGeom prst="straightConnector1">
+            <a:avLst/>
+          </a:prstGeom>
+          <a:ln>
+            <a:tailEnd type="triangle"/>
+          </a:ln>
+        </p:spPr>
+        <p:style>
+          <a:lnRef idx="3">
+            <a:schemeClr val="dk1"/>
+          </a:lnRef>
+          <a:fillRef idx="0">
+            <a:schemeClr val="dk1"/>
+          </a:fillRef>
+          <a:effectRef idx="2">
+            <a:schemeClr val="dk1"/>
+          </a:effectRef>
+          <a:fontRef idx="minor">
+            <a:schemeClr val="tx1"/>
+          </a:fontRef>
+        </p:style>
+      </p:cxnSp>
+      <p:sp>
+        <p:nvSpPr>
+          <p:cNvPr id="25" name="ZoneTexte 24"/>
+          <p:cNvSpPr txBox="1"/>
+          <p:nvPr/>
+        </p:nvSpPr>
+        <p:spPr>
+          <a:xfrm>
+            <a:off x="2102070" y="849133"/>
+            <a:ext cx="557048" cy="369332"/>
+          </a:xfrm>
+          <a:prstGeom prst="rect">
+            <a:avLst/>
+          </a:prstGeom>
+          <a:noFill/>
+        </p:spPr>
+        <p:txBody>
+          <a:bodyPr wrap="square" rtlCol="0">
+            <a:spAutoFit/>
+          </a:bodyPr>
+          <a:lstStyle/>
+          <a:p>
+            <a:r>
+              <a:rPr lang="fr-FR" smtClean="0"/>
+              <a:t>G</a:t>
+            </a:r>
+            <a:endParaRPr lang="fr-FR"/>
+          </a:p>
+        </p:txBody>
+      </p:sp>
+      <p:sp>
+        <p:nvSpPr>
+          <p:cNvPr id="26" name="ZoneTexte 25"/>
+          <p:cNvSpPr txBox="1"/>
+          <p:nvPr/>
+        </p:nvSpPr>
+        <p:spPr>
+          <a:xfrm>
+            <a:off x="4863663" y="884026"/>
+            <a:ext cx="557048" cy="369332"/>
+          </a:xfrm>
+          <a:prstGeom prst="rect">
+            <a:avLst/>
+          </a:prstGeom>
+          <a:noFill/>
+        </p:spPr>
+        <p:txBody>
+          <a:bodyPr wrap="square" rtlCol="0">
+            <a:spAutoFit/>
+          </a:bodyPr>
+          <a:lstStyle/>
+          <a:p>
+            <a:r>
+              <a:rPr lang="fr-FR" dirty="0" smtClean="0"/>
+              <a:t>G’</a:t>
+            </a:r>
+            <a:endParaRPr lang="fr-FR" dirty="0"/>
+          </a:p>
+        </p:txBody>
+      </p:sp>
+      <p:sp>
+        <p:nvSpPr>
+          <p:cNvPr id="27" name="ZoneTexte 26"/>
+          <p:cNvSpPr txBox="1"/>
+          <p:nvPr/>
+        </p:nvSpPr>
+        <p:spPr>
+          <a:xfrm>
+            <a:off x="7212726" y="891908"/>
+            <a:ext cx="557048" cy="369332"/>
+          </a:xfrm>
+          <a:prstGeom prst="rect">
+            <a:avLst/>
+          </a:prstGeom>
+          <a:noFill/>
+        </p:spPr>
+        <p:txBody>
+          <a:bodyPr wrap="square" rtlCol="0">
+            <a:spAutoFit/>
+          </a:bodyPr>
+          <a:lstStyle/>
+          <a:p>
+            <a:r>
+              <a:rPr lang="fr-FR" dirty="0" smtClean="0"/>
+              <a:t>G’</a:t>
+            </a:r>
+            <a:endParaRPr lang="fr-FR" dirty="0"/>
+          </a:p>
+        </p:txBody>
+      </p:sp>
+      <p:sp>
+        <p:nvSpPr>
+          <p:cNvPr id="28" name="ZoneTexte 27"/>
+          <p:cNvSpPr txBox="1"/>
+          <p:nvPr/>
+        </p:nvSpPr>
+        <p:spPr>
+          <a:xfrm>
+            <a:off x="10047893" y="899790"/>
+            <a:ext cx="557048" cy="369332"/>
+          </a:xfrm>
+          <a:prstGeom prst="rect">
+            <a:avLst/>
+          </a:prstGeom>
+          <a:noFill/>
+        </p:spPr>
+        <p:txBody>
+          <a:bodyPr wrap="square" rtlCol="0">
+            <a:spAutoFit/>
+          </a:bodyPr>
+          <a:lstStyle/>
+          <a:p>
+            <a:r>
+              <a:rPr lang="fr-FR" smtClean="0"/>
+              <a:t>G</a:t>
+            </a:r>
+            <a:endParaRPr lang="fr-FR"/>
+          </a:p>
+        </p:txBody>
+      </p:sp>
+      <p:sp>
+        <p:nvSpPr>
+          <p:cNvPr id="29" name="ZoneTexte 28"/>
+          <p:cNvSpPr txBox="1"/>
+          <p:nvPr/>
+        </p:nvSpPr>
+        <p:spPr>
+          <a:xfrm>
+            <a:off x="2102070" y="3954940"/>
+            <a:ext cx="557048" cy="369332"/>
+          </a:xfrm>
+          <a:prstGeom prst="rect">
+            <a:avLst/>
+          </a:prstGeom>
+          <a:noFill/>
+        </p:spPr>
+        <p:txBody>
+          <a:bodyPr wrap="square" rtlCol="0">
+            <a:spAutoFit/>
+          </a:bodyPr>
+          <a:lstStyle/>
+          <a:p>
+            <a:r>
+              <a:rPr lang="fr-FR" smtClean="0"/>
+              <a:t>G</a:t>
+            </a:r>
+            <a:endParaRPr lang="fr-FR"/>
+          </a:p>
+        </p:txBody>
+      </p:sp>
+      <p:sp>
+        <p:nvSpPr>
+          <p:cNvPr id="30" name="ZoneTexte 29"/>
+          <p:cNvSpPr txBox="1"/>
+          <p:nvPr/>
+        </p:nvSpPr>
+        <p:spPr>
+          <a:xfrm>
+            <a:off x="4863663" y="3963297"/>
+            <a:ext cx="557048" cy="369332"/>
+          </a:xfrm>
+          <a:prstGeom prst="rect">
+            <a:avLst/>
+          </a:prstGeom>
+          <a:noFill/>
+        </p:spPr>
+        <p:txBody>
+          <a:bodyPr wrap="square" rtlCol="0">
+            <a:spAutoFit/>
+          </a:bodyPr>
+          <a:lstStyle/>
+          <a:p>
+            <a:r>
+              <a:rPr lang="fr-FR" dirty="0" smtClean="0"/>
+              <a:t>G’</a:t>
+            </a:r>
+            <a:endParaRPr lang="fr-FR" dirty="0"/>
+          </a:p>
+        </p:txBody>
+      </p:sp>
+      <p:sp>
+        <p:nvSpPr>
+          <p:cNvPr id="31" name="ZoneTexte 30"/>
+          <p:cNvSpPr txBox="1"/>
+          <p:nvPr/>
+        </p:nvSpPr>
+        <p:spPr>
+          <a:xfrm>
+            <a:off x="7212726" y="3953626"/>
+            <a:ext cx="557048" cy="369332"/>
+          </a:xfrm>
+          <a:prstGeom prst="rect">
+            <a:avLst/>
+          </a:prstGeom>
+          <a:noFill/>
+        </p:spPr>
+        <p:txBody>
+          <a:bodyPr wrap="square" rtlCol="0">
+            <a:spAutoFit/>
+          </a:bodyPr>
+          <a:lstStyle/>
+          <a:p>
+            <a:r>
+              <a:rPr lang="fr-FR" dirty="0" smtClean="0"/>
+              <a:t>G’</a:t>
+            </a:r>
+            <a:endParaRPr lang="fr-FR" dirty="0"/>
+          </a:p>
+        </p:txBody>
+      </p:sp>
+      <p:sp>
+        <p:nvSpPr>
+          <p:cNvPr id="32" name="ZoneTexte 31"/>
+          <p:cNvSpPr txBox="1"/>
+          <p:nvPr/>
+        </p:nvSpPr>
+        <p:spPr>
+          <a:xfrm>
+            <a:off x="10018360" y="3963297"/>
+            <a:ext cx="557048" cy="369332"/>
+          </a:xfrm>
+          <a:prstGeom prst="rect">
+            <a:avLst/>
+          </a:prstGeom>
+          <a:noFill/>
+        </p:spPr>
+        <p:txBody>
+          <a:bodyPr wrap="square" rtlCol="0">
+            <a:spAutoFit/>
+          </a:bodyPr>
+          <a:lstStyle/>
+          <a:p>
+            <a:r>
+              <a:rPr lang="fr-FR" dirty="0" smtClean="0"/>
+              <a:t>G’’</a:t>
+            </a:r>
+            <a:endParaRPr lang="fr-FR" dirty="0"/>
+          </a:p>
+        </p:txBody>
+      </p:sp>
+    </p:spTree>
+    <p:extLst>
+      <p:ext uri="{BB962C8B-B14F-4D97-AF65-F5344CB8AC3E}">
+        <p14:creationId xmlns:p14="http://schemas.microsoft.com/office/powerpoint/2010/main" val="1882928346"/>
+      </p:ext>
+    </p:extLst>
+  </p:cSld>
+  <p:clrMapOvr>
+    <a:masterClrMapping/>
+  </p:clrMapOvr>
+</p:sld>
+</file>
+
 <file path=ppt/theme/theme1.xml><?xml version="1.0" encoding="utf-8"?>
 <a:theme xmlns:a="http://schemas.openxmlformats.org/drawingml/2006/main" name="Thème Office">
   <a:themeElements>

--- a/ressources/psd/Présentation1.pptx
+++ b/ressources/psd/Présentation1.pptx
@@ -5,7 +5,7 @@
     <p:sldMasterId id="2147483648" r:id="rId1"/>
   </p:sldMasterIdLst>
   <p:notesMasterIdLst>
-    <p:notesMasterId r:id="rId7"/>
+    <p:notesMasterId r:id="rId8"/>
   </p:notesMasterIdLst>
   <p:sldIdLst>
     <p:sldId id="256" r:id="rId2"/>
@@ -13,6 +13,7 @@
     <p:sldId id="258" r:id="rId4"/>
     <p:sldId id="259" r:id="rId5"/>
     <p:sldId id="260" r:id="rId6"/>
+    <p:sldId id="261" r:id="rId7"/>
   </p:sldIdLst>
   <p:sldSz cx="12192000" cy="6858000"/>
   <p:notesSz cx="6858000" cy="9144000"/>
@@ -2779,7 +2780,7 @@
           <a:p>
             <a:fld id="{20491FA1-C348-FC47-B52B-56CB588C49A8}" type="datetimeFigureOut">
               <a:rPr lang="fr-FR" smtClean="0"/>
-              <a:t>16/05/2019</a:t>
+              <a:t>02/06/2019</a:t>
             </a:fld>
             <a:endParaRPr lang="fr-FR"/>
           </a:p>
@@ -3178,7 +3179,7 @@
           <a:p>
             <a:fld id="{5A886BED-0F7D-664D-B329-5122EAE773E5}" type="datetimeFigureOut">
               <a:rPr lang="fr-FR" smtClean="0"/>
-              <a:t>16/05/2019</a:t>
+              <a:t>02/06/2019</a:t>
             </a:fld>
             <a:endParaRPr lang="fr-FR"/>
           </a:p>
@@ -3348,7 +3349,7 @@
           <a:p>
             <a:fld id="{5A886BED-0F7D-664D-B329-5122EAE773E5}" type="datetimeFigureOut">
               <a:rPr lang="fr-FR" smtClean="0"/>
-              <a:t>16/05/2019</a:t>
+              <a:t>02/06/2019</a:t>
             </a:fld>
             <a:endParaRPr lang="fr-FR"/>
           </a:p>
@@ -3528,7 +3529,7 @@
           <a:p>
             <a:fld id="{5A886BED-0F7D-664D-B329-5122EAE773E5}" type="datetimeFigureOut">
               <a:rPr lang="fr-FR" smtClean="0"/>
-              <a:t>16/05/2019</a:t>
+              <a:t>02/06/2019</a:t>
             </a:fld>
             <a:endParaRPr lang="fr-FR"/>
           </a:p>
@@ -3698,7 +3699,7 @@
           <a:p>
             <a:fld id="{5A886BED-0F7D-664D-B329-5122EAE773E5}" type="datetimeFigureOut">
               <a:rPr lang="fr-FR" smtClean="0"/>
-              <a:t>16/05/2019</a:t>
+              <a:t>02/06/2019</a:t>
             </a:fld>
             <a:endParaRPr lang="fr-FR"/>
           </a:p>
@@ -3944,7 +3945,7 @@
           <a:p>
             <a:fld id="{5A886BED-0F7D-664D-B329-5122EAE773E5}" type="datetimeFigureOut">
               <a:rPr lang="fr-FR" smtClean="0"/>
-              <a:t>16/05/2019</a:t>
+              <a:t>02/06/2019</a:t>
             </a:fld>
             <a:endParaRPr lang="fr-FR"/>
           </a:p>
@@ -4176,7 +4177,7 @@
           <a:p>
             <a:fld id="{5A886BED-0F7D-664D-B329-5122EAE773E5}" type="datetimeFigureOut">
               <a:rPr lang="fr-FR" smtClean="0"/>
-              <a:t>16/05/2019</a:t>
+              <a:t>02/06/2019</a:t>
             </a:fld>
             <a:endParaRPr lang="fr-FR"/>
           </a:p>
@@ -4543,7 +4544,7 @@
           <a:p>
             <a:fld id="{5A886BED-0F7D-664D-B329-5122EAE773E5}" type="datetimeFigureOut">
               <a:rPr lang="fr-FR" smtClean="0"/>
-              <a:t>16/05/2019</a:t>
+              <a:t>02/06/2019</a:t>
             </a:fld>
             <a:endParaRPr lang="fr-FR"/>
           </a:p>
@@ -4661,7 +4662,7 @@
           <a:p>
             <a:fld id="{5A886BED-0F7D-664D-B329-5122EAE773E5}" type="datetimeFigureOut">
               <a:rPr lang="fr-FR" smtClean="0"/>
-              <a:t>16/05/2019</a:t>
+              <a:t>02/06/2019</a:t>
             </a:fld>
             <a:endParaRPr lang="fr-FR"/>
           </a:p>
@@ -4756,7 +4757,7 @@
           <a:p>
             <a:fld id="{5A886BED-0F7D-664D-B329-5122EAE773E5}" type="datetimeFigureOut">
               <a:rPr lang="fr-FR" smtClean="0"/>
-              <a:t>16/05/2019</a:t>
+              <a:t>02/06/2019</a:t>
             </a:fld>
             <a:endParaRPr lang="fr-FR"/>
           </a:p>
@@ -5033,7 +5034,7 @@
           <a:p>
             <a:fld id="{5A886BED-0F7D-664D-B329-5122EAE773E5}" type="datetimeFigureOut">
               <a:rPr lang="fr-FR" smtClean="0"/>
-              <a:t>16/05/2019</a:t>
+              <a:t>02/06/2019</a:t>
             </a:fld>
             <a:endParaRPr lang="fr-FR"/>
           </a:p>
@@ -5286,7 +5287,7 @@
           <a:p>
             <a:fld id="{5A886BED-0F7D-664D-B329-5122EAE773E5}" type="datetimeFigureOut">
               <a:rPr lang="fr-FR" smtClean="0"/>
-              <a:t>16/05/2019</a:t>
+              <a:t>02/06/2019</a:t>
             </a:fld>
             <a:endParaRPr lang="fr-FR"/>
           </a:p>
@@ -5499,7 +5500,7 @@
           <a:p>
             <a:fld id="{5A886BED-0F7D-664D-B329-5122EAE773E5}" type="datetimeFigureOut">
               <a:rPr lang="fr-FR" smtClean="0"/>
-              <a:t>16/05/2019</a:t>
+              <a:t>02/06/2019</a:t>
             </a:fld>
             <a:endParaRPr lang="fr-FR"/>
           </a:p>
@@ -8907,12 +8908,28 @@
           <a:lstStyle/>
           <a:p>
             <a:r>
-              <a:rPr lang="fr-FR" dirty="0"/>
+              <a:rPr lang="fr-FR" dirty="0" err="1"/>
               <a:t>t</a:t>
             </a:r>
             <a:r>
               <a:rPr lang="fr-FR" dirty="0" smtClean="0"/>
-              <a:t> = 0	         t = 1		  t = 2 </a:t>
+              <a:t> = 0	         </a:t>
+            </a:r>
+            <a:r>
+              <a:rPr lang="fr-FR" dirty="0" err="1" smtClean="0"/>
+              <a:t>t</a:t>
+            </a:r>
+            <a:r>
+              <a:rPr lang="fr-FR" dirty="0" smtClean="0"/>
+              <a:t> = 1		  </a:t>
+            </a:r>
+            <a:r>
+              <a:rPr lang="fr-FR" dirty="0" err="1" smtClean="0"/>
+              <a:t>t</a:t>
+            </a:r>
+            <a:r>
+              <a:rPr lang="fr-FR" dirty="0" smtClean="0"/>
+              <a:t> = 2 </a:t>
             </a:r>
             <a:endParaRPr lang="fr-FR" dirty="0"/>
           </a:p>
@@ -8941,12 +8958,28 @@
           <a:lstStyle/>
           <a:p>
             <a:r>
-              <a:rPr lang="fr-FR" dirty="0"/>
+              <a:rPr lang="fr-FR" dirty="0" err="1"/>
               <a:t>t</a:t>
             </a:r>
             <a:r>
               <a:rPr lang="fr-FR" dirty="0" smtClean="0"/>
-              <a:t> = 0	         t = 1		  t = 2 </a:t>
+              <a:t> = 0	         </a:t>
+            </a:r>
+            <a:r>
+              <a:rPr lang="fr-FR" dirty="0" err="1" smtClean="0"/>
+              <a:t>t</a:t>
+            </a:r>
+            <a:r>
+              <a:rPr lang="fr-FR" dirty="0" smtClean="0"/>
+              <a:t> = 1		  </a:t>
+            </a:r>
+            <a:r>
+              <a:rPr lang="fr-FR" dirty="0" err="1" smtClean="0"/>
+              <a:t>t</a:t>
+            </a:r>
+            <a:r>
+              <a:rPr lang="fr-FR" dirty="0" smtClean="0"/>
+              <a:t> = 2 </a:t>
             </a:r>
             <a:endParaRPr lang="fr-FR" dirty="0"/>
           </a:p>
@@ -16019,6 +16052,3671 @@
 </p:sld>
 </file>
 
+<file path=ppt/slides/slide6.xml><?xml version="1.0" encoding="utf-8"?>
+<p:sld xmlns:a="http://schemas.openxmlformats.org/drawingml/2006/main" xmlns:r="http://schemas.openxmlformats.org/officeDocument/2006/relationships" xmlns:p="http://schemas.openxmlformats.org/presentationml/2006/main">
+  <p:cSld>
+    <p:spTree>
+      <p:nvGrpSpPr>
+        <p:cNvPr id="1" name=""/>
+        <p:cNvGrpSpPr/>
+        <p:nvPr/>
+      </p:nvGrpSpPr>
+      <p:grpSpPr>
+        <a:xfrm>
+          <a:off x="0" y="0"/>
+          <a:ext cx="0" cy="0"/>
+          <a:chOff x="0" y="0"/>
+          <a:chExt cx="0" cy="0"/>
+        </a:xfrm>
+      </p:grpSpPr>
+      <p:graphicFrame>
+        <p:nvGraphicFramePr>
+          <p:cNvPr id="4" name="Tableau 3"/>
+          <p:cNvGraphicFramePr>
+            <a:graphicFrameLocks noGrp="1"/>
+          </p:cNvGraphicFramePr>
+          <p:nvPr>
+            <p:extLst>
+              <p:ext uri="{D42A27DB-BD31-4B8C-83A1-F6EECF244321}">
+                <p14:modId xmlns:p14="http://schemas.microsoft.com/office/powerpoint/2010/main" val="1385248785"/>
+              </p:ext>
+            </p:extLst>
+          </p:nvPr>
+        </p:nvGraphicFramePr>
+        <p:xfrm>
+          <a:off x="649686" y="813044"/>
+          <a:ext cx="3647832" cy="3395136"/>
+        </p:xfrm>
+        <a:graphic>
+          <a:graphicData uri="http://schemas.openxmlformats.org/drawingml/2006/table">
+            <a:tbl>
+              <a:tblPr firstRow="1" bandRow="1">
+                <a:tableStyleId>{5940675A-B579-460E-94D1-54222C63F5DA}</a:tableStyleId>
+              </a:tblPr>
+              <a:tblGrid>
+                <a:gridCol w="455979"/>
+                <a:gridCol w="455979"/>
+                <a:gridCol w="455979"/>
+                <a:gridCol w="455979"/>
+                <a:gridCol w="455979"/>
+                <a:gridCol w="455979"/>
+                <a:gridCol w="455979"/>
+                <a:gridCol w="455979"/>
+              </a:tblGrid>
+              <a:tr h="424392">
+                <a:tc>
+                  <a:txBody>
+                    <a:bodyPr/>
+                    <a:lstStyle/>
+                    <a:p>
+                      <a:pPr algn="ctr"/>
+                      <a:r>
+                        <a:rPr lang="fr-FR" dirty="0" smtClean="0"/>
+                        <a:t>1</a:t>
+                      </a:r>
+                      <a:endParaRPr lang="fr-FR" dirty="0"/>
+                    </a:p>
+                  </a:txBody>
+                  <a:tcPr/>
+                </a:tc>
+                <a:tc>
+                  <a:txBody>
+                    <a:bodyPr/>
+                    <a:lstStyle/>
+                    <a:p>
+                      <a:pPr algn="ctr"/>
+                      <a:r>
+                        <a:rPr lang="fr-FR" dirty="0" smtClean="0"/>
+                        <a:t>1</a:t>
+                      </a:r>
+                      <a:endParaRPr lang="fr-FR" dirty="0"/>
+                    </a:p>
+                  </a:txBody>
+                  <a:tcPr/>
+                </a:tc>
+                <a:tc>
+                  <a:txBody>
+                    <a:bodyPr/>
+                    <a:lstStyle/>
+                    <a:p>
+                      <a:pPr algn="ctr"/>
+                      <a:r>
+                        <a:rPr lang="fr-FR" dirty="0" smtClean="0"/>
+                        <a:t>0</a:t>
+                      </a:r>
+                      <a:endParaRPr lang="fr-FR" dirty="0"/>
+                    </a:p>
+                  </a:txBody>
+                  <a:tcPr/>
+                </a:tc>
+                <a:tc>
+                  <a:txBody>
+                    <a:bodyPr/>
+                    <a:lstStyle/>
+                    <a:p>
+                      <a:pPr algn="ctr"/>
+                      <a:r>
+                        <a:rPr lang="fr-FR" dirty="0" smtClean="0"/>
+                        <a:t>0</a:t>
+                      </a:r>
+                      <a:endParaRPr lang="fr-FR" dirty="0"/>
+                    </a:p>
+                  </a:txBody>
+                  <a:tcPr/>
+                </a:tc>
+                <a:tc>
+                  <a:txBody>
+                    <a:bodyPr/>
+                    <a:lstStyle/>
+                    <a:p>
+                      <a:pPr algn="ctr"/>
+                      <a:r>
+                        <a:rPr lang="fr-FR" dirty="0" smtClean="0"/>
+                        <a:t>1</a:t>
+                      </a:r>
+                      <a:endParaRPr lang="fr-FR" dirty="0"/>
+                    </a:p>
+                  </a:txBody>
+                  <a:tcPr/>
+                </a:tc>
+                <a:tc>
+                  <a:txBody>
+                    <a:bodyPr/>
+                    <a:lstStyle/>
+                    <a:p>
+                      <a:pPr algn="ctr"/>
+                      <a:r>
+                        <a:rPr lang="fr-FR" dirty="0" smtClean="0"/>
+                        <a:t>1</a:t>
+                      </a:r>
+                      <a:endParaRPr lang="fr-FR" dirty="0"/>
+                    </a:p>
+                  </a:txBody>
+                  <a:tcPr/>
+                </a:tc>
+                <a:tc>
+                  <a:txBody>
+                    <a:bodyPr/>
+                    <a:lstStyle/>
+                    <a:p>
+                      <a:pPr algn="ctr"/>
+                      <a:r>
+                        <a:rPr lang="fr-FR" dirty="0" smtClean="0"/>
+                        <a:t>0</a:t>
+                      </a:r>
+                      <a:endParaRPr lang="fr-FR" dirty="0"/>
+                    </a:p>
+                  </a:txBody>
+                  <a:tcPr/>
+                </a:tc>
+                <a:tc>
+                  <a:txBody>
+                    <a:bodyPr/>
+                    <a:lstStyle/>
+                    <a:p>
+                      <a:pPr algn="ctr"/>
+                      <a:r>
+                        <a:rPr lang="fr-FR" dirty="0" smtClean="0"/>
+                        <a:t>0</a:t>
+                      </a:r>
+                      <a:endParaRPr lang="fr-FR" dirty="0"/>
+                    </a:p>
+                  </a:txBody>
+                  <a:tcPr/>
+                </a:tc>
+              </a:tr>
+              <a:tr h="424392">
+                <a:tc>
+                  <a:txBody>
+                    <a:bodyPr/>
+                    <a:lstStyle/>
+                    <a:p>
+                      <a:pPr algn="ctr"/>
+                      <a:r>
+                        <a:rPr lang="fr-FR" dirty="0" smtClean="0"/>
+                        <a:t>1</a:t>
+                      </a:r>
+                      <a:endParaRPr lang="fr-FR" dirty="0"/>
+                    </a:p>
+                  </a:txBody>
+                  <a:tcPr>
+                    <a:solidFill>
+                      <a:schemeClr val="bg2"/>
+                    </a:solidFill>
+                  </a:tcPr>
+                </a:tc>
+                <a:tc>
+                  <a:txBody>
+                    <a:bodyPr/>
+                    <a:lstStyle/>
+                    <a:p>
+                      <a:pPr algn="ctr"/>
+                      <a:r>
+                        <a:rPr lang="fr-FR" dirty="0" smtClean="0"/>
+                        <a:t>1</a:t>
+                      </a:r>
+                      <a:endParaRPr lang="fr-FR" dirty="0"/>
+                    </a:p>
+                  </a:txBody>
+                  <a:tcPr>
+                    <a:solidFill>
+                      <a:schemeClr val="bg2"/>
+                    </a:solidFill>
+                  </a:tcPr>
+                </a:tc>
+                <a:tc>
+                  <a:txBody>
+                    <a:bodyPr/>
+                    <a:lstStyle/>
+                    <a:p>
+                      <a:pPr algn="ctr"/>
+                      <a:r>
+                        <a:rPr lang="fr-FR" dirty="0" smtClean="0"/>
+                        <a:t>0</a:t>
+                      </a:r>
+                      <a:endParaRPr lang="fr-FR" dirty="0"/>
+                    </a:p>
+                  </a:txBody>
+                  <a:tcPr>
+                    <a:solidFill>
+                      <a:schemeClr val="bg2"/>
+                    </a:solidFill>
+                  </a:tcPr>
+                </a:tc>
+                <a:tc>
+                  <a:txBody>
+                    <a:bodyPr/>
+                    <a:lstStyle/>
+                    <a:p>
+                      <a:pPr algn="ctr"/>
+                      <a:r>
+                        <a:rPr lang="fr-FR" dirty="0" smtClean="0"/>
+                        <a:t>0</a:t>
+                      </a:r>
+                      <a:endParaRPr lang="fr-FR" dirty="0"/>
+                    </a:p>
+                  </a:txBody>
+                  <a:tcPr>
+                    <a:solidFill>
+                      <a:schemeClr val="bg2"/>
+                    </a:solidFill>
+                  </a:tcPr>
+                </a:tc>
+                <a:tc>
+                  <a:txBody>
+                    <a:bodyPr/>
+                    <a:lstStyle/>
+                    <a:p>
+                      <a:pPr algn="ctr"/>
+                      <a:r>
+                        <a:rPr lang="fr-FR" dirty="0" smtClean="0"/>
+                        <a:t>1</a:t>
+                      </a:r>
+                      <a:endParaRPr lang="fr-FR" dirty="0"/>
+                    </a:p>
+                  </a:txBody>
+                  <a:tcPr>
+                    <a:solidFill>
+                      <a:schemeClr val="bg2"/>
+                    </a:solidFill>
+                  </a:tcPr>
+                </a:tc>
+                <a:tc>
+                  <a:txBody>
+                    <a:bodyPr/>
+                    <a:lstStyle/>
+                    <a:p>
+                      <a:pPr algn="ctr"/>
+                      <a:r>
+                        <a:rPr lang="fr-FR" dirty="0" smtClean="0"/>
+                        <a:t>1</a:t>
+                      </a:r>
+                      <a:endParaRPr lang="fr-FR" dirty="0"/>
+                    </a:p>
+                  </a:txBody>
+                  <a:tcPr>
+                    <a:solidFill>
+                      <a:schemeClr val="bg2"/>
+                    </a:solidFill>
+                  </a:tcPr>
+                </a:tc>
+                <a:tc>
+                  <a:txBody>
+                    <a:bodyPr/>
+                    <a:lstStyle/>
+                    <a:p>
+                      <a:pPr algn="ctr"/>
+                      <a:r>
+                        <a:rPr lang="fr-FR" dirty="0" smtClean="0"/>
+                        <a:t>0</a:t>
+                      </a:r>
+                      <a:endParaRPr lang="fr-FR" dirty="0"/>
+                    </a:p>
+                  </a:txBody>
+                  <a:tcPr>
+                    <a:solidFill>
+                      <a:schemeClr val="bg2"/>
+                    </a:solidFill>
+                  </a:tcPr>
+                </a:tc>
+                <a:tc>
+                  <a:txBody>
+                    <a:bodyPr/>
+                    <a:lstStyle/>
+                    <a:p>
+                      <a:pPr algn="ctr"/>
+                      <a:r>
+                        <a:rPr lang="fr-FR" dirty="0" smtClean="0"/>
+                        <a:t>0</a:t>
+                      </a:r>
+                      <a:endParaRPr lang="fr-FR" dirty="0"/>
+                    </a:p>
+                  </a:txBody>
+                  <a:tcPr>
+                    <a:solidFill>
+                      <a:schemeClr val="bg2"/>
+                    </a:solidFill>
+                  </a:tcPr>
+                </a:tc>
+              </a:tr>
+              <a:tr h="424392">
+                <a:tc>
+                  <a:txBody>
+                    <a:bodyPr/>
+                    <a:lstStyle/>
+                    <a:p>
+                      <a:pPr algn="ctr"/>
+                      <a:r>
+                        <a:rPr lang="fr-FR" dirty="0" smtClean="0"/>
+                        <a:t>0</a:t>
+                      </a:r>
+                      <a:endParaRPr lang="fr-FR" dirty="0"/>
+                    </a:p>
+                  </a:txBody>
+                  <a:tcPr/>
+                </a:tc>
+                <a:tc>
+                  <a:txBody>
+                    <a:bodyPr/>
+                    <a:lstStyle/>
+                    <a:p>
+                      <a:pPr algn="ctr"/>
+                      <a:r>
+                        <a:rPr lang="fr-FR" dirty="0" smtClean="0"/>
+                        <a:t>0</a:t>
+                      </a:r>
+                      <a:endParaRPr lang="fr-FR" dirty="0"/>
+                    </a:p>
+                  </a:txBody>
+                  <a:tcPr/>
+                </a:tc>
+                <a:tc>
+                  <a:txBody>
+                    <a:bodyPr/>
+                    <a:lstStyle/>
+                    <a:p>
+                      <a:pPr algn="ctr"/>
+                      <a:r>
+                        <a:rPr lang="fr-FR" dirty="0" smtClean="0"/>
+                        <a:t>1</a:t>
+                      </a:r>
+                      <a:endParaRPr lang="fr-FR" dirty="0"/>
+                    </a:p>
+                  </a:txBody>
+                  <a:tcPr/>
+                </a:tc>
+                <a:tc>
+                  <a:txBody>
+                    <a:bodyPr/>
+                    <a:lstStyle/>
+                    <a:p>
+                      <a:pPr algn="ctr"/>
+                      <a:r>
+                        <a:rPr lang="fr-FR" dirty="0" smtClean="0"/>
+                        <a:t>1</a:t>
+                      </a:r>
+                      <a:endParaRPr lang="fr-FR" dirty="0"/>
+                    </a:p>
+                  </a:txBody>
+                  <a:tcPr/>
+                </a:tc>
+                <a:tc>
+                  <a:txBody>
+                    <a:bodyPr/>
+                    <a:lstStyle/>
+                    <a:p>
+                      <a:pPr algn="ctr"/>
+                      <a:r>
+                        <a:rPr lang="fr-FR" dirty="0" smtClean="0"/>
+                        <a:t>0</a:t>
+                      </a:r>
+                      <a:endParaRPr lang="fr-FR" dirty="0"/>
+                    </a:p>
+                  </a:txBody>
+                  <a:tcPr/>
+                </a:tc>
+                <a:tc>
+                  <a:txBody>
+                    <a:bodyPr/>
+                    <a:lstStyle/>
+                    <a:p>
+                      <a:pPr algn="ctr"/>
+                      <a:r>
+                        <a:rPr lang="fr-FR" dirty="0" smtClean="0"/>
+                        <a:t>0</a:t>
+                      </a:r>
+                      <a:endParaRPr lang="fr-FR" dirty="0"/>
+                    </a:p>
+                  </a:txBody>
+                  <a:tcPr/>
+                </a:tc>
+                <a:tc>
+                  <a:txBody>
+                    <a:bodyPr/>
+                    <a:lstStyle/>
+                    <a:p>
+                      <a:pPr algn="ctr"/>
+                      <a:r>
+                        <a:rPr lang="fr-FR" dirty="0" smtClean="0"/>
+                        <a:t>1</a:t>
+                      </a:r>
+                      <a:endParaRPr lang="fr-FR" dirty="0"/>
+                    </a:p>
+                  </a:txBody>
+                  <a:tcPr/>
+                </a:tc>
+                <a:tc>
+                  <a:txBody>
+                    <a:bodyPr/>
+                    <a:lstStyle/>
+                    <a:p>
+                      <a:pPr algn="ctr"/>
+                      <a:r>
+                        <a:rPr lang="fr-FR" dirty="0" smtClean="0"/>
+                        <a:t>1</a:t>
+                      </a:r>
+                      <a:endParaRPr lang="fr-FR" dirty="0"/>
+                    </a:p>
+                  </a:txBody>
+                  <a:tcPr/>
+                </a:tc>
+              </a:tr>
+              <a:tr h="424392">
+                <a:tc>
+                  <a:txBody>
+                    <a:bodyPr/>
+                    <a:lstStyle/>
+                    <a:p>
+                      <a:pPr algn="ctr"/>
+                      <a:r>
+                        <a:rPr lang="fr-FR" dirty="0" smtClean="0"/>
+                        <a:t>0</a:t>
+                      </a:r>
+                      <a:endParaRPr lang="fr-FR" dirty="0"/>
+                    </a:p>
+                  </a:txBody>
+                  <a:tcPr/>
+                </a:tc>
+                <a:tc>
+                  <a:txBody>
+                    <a:bodyPr/>
+                    <a:lstStyle/>
+                    <a:p>
+                      <a:pPr algn="ctr"/>
+                      <a:r>
+                        <a:rPr lang="fr-FR" dirty="0" smtClean="0"/>
+                        <a:t>0</a:t>
+                      </a:r>
+                      <a:endParaRPr lang="fr-FR" dirty="0"/>
+                    </a:p>
+                  </a:txBody>
+                  <a:tcPr/>
+                </a:tc>
+                <a:tc>
+                  <a:txBody>
+                    <a:bodyPr/>
+                    <a:lstStyle/>
+                    <a:p>
+                      <a:pPr algn="ctr"/>
+                      <a:r>
+                        <a:rPr lang="fr-FR" dirty="0" smtClean="0"/>
+                        <a:t>1</a:t>
+                      </a:r>
+                      <a:endParaRPr lang="fr-FR" dirty="0"/>
+                    </a:p>
+                  </a:txBody>
+                  <a:tcPr/>
+                </a:tc>
+                <a:tc>
+                  <a:txBody>
+                    <a:bodyPr/>
+                    <a:lstStyle/>
+                    <a:p>
+                      <a:pPr algn="ctr"/>
+                      <a:r>
+                        <a:rPr lang="fr-FR" dirty="0" smtClean="0"/>
+                        <a:t>0</a:t>
+                      </a:r>
+                      <a:endParaRPr lang="fr-FR" dirty="0"/>
+                    </a:p>
+                  </a:txBody>
+                  <a:tcPr/>
+                </a:tc>
+                <a:tc>
+                  <a:txBody>
+                    <a:bodyPr/>
+                    <a:lstStyle/>
+                    <a:p>
+                      <a:pPr algn="ctr"/>
+                      <a:r>
+                        <a:rPr lang="fr-FR" dirty="0" smtClean="0"/>
+                        <a:t>0</a:t>
+                      </a:r>
+                      <a:endParaRPr lang="fr-FR" dirty="0"/>
+                    </a:p>
+                  </a:txBody>
+                  <a:tcPr/>
+                </a:tc>
+                <a:tc>
+                  <a:txBody>
+                    <a:bodyPr/>
+                    <a:lstStyle/>
+                    <a:p>
+                      <a:pPr algn="ctr"/>
+                      <a:r>
+                        <a:rPr lang="fr-FR" dirty="0" smtClean="0"/>
+                        <a:t>0</a:t>
+                      </a:r>
+                      <a:endParaRPr lang="fr-FR" dirty="0"/>
+                    </a:p>
+                  </a:txBody>
+                  <a:tcPr/>
+                </a:tc>
+                <a:tc>
+                  <a:txBody>
+                    <a:bodyPr/>
+                    <a:lstStyle/>
+                    <a:p>
+                      <a:pPr algn="ctr"/>
+                      <a:r>
+                        <a:rPr lang="fr-FR" dirty="0" smtClean="0"/>
+                        <a:t>1</a:t>
+                      </a:r>
+                      <a:endParaRPr lang="fr-FR" dirty="0"/>
+                    </a:p>
+                  </a:txBody>
+                  <a:tcPr/>
+                </a:tc>
+                <a:tc>
+                  <a:txBody>
+                    <a:bodyPr/>
+                    <a:lstStyle/>
+                    <a:p>
+                      <a:pPr algn="ctr"/>
+                      <a:r>
+                        <a:rPr lang="fr-FR" dirty="0" smtClean="0"/>
+                        <a:t>0</a:t>
+                      </a:r>
+                      <a:endParaRPr lang="fr-FR" dirty="0"/>
+                    </a:p>
+                  </a:txBody>
+                  <a:tcPr/>
+                </a:tc>
+              </a:tr>
+              <a:tr h="424392">
+                <a:tc>
+                  <a:txBody>
+                    <a:bodyPr/>
+                    <a:lstStyle/>
+                    <a:p>
+                      <a:pPr algn="ctr"/>
+                      <a:r>
+                        <a:rPr lang="fr-FR" dirty="0" smtClean="0"/>
+                        <a:t>1</a:t>
+                      </a:r>
+                      <a:endParaRPr lang="fr-FR" dirty="0"/>
+                    </a:p>
+                  </a:txBody>
+                  <a:tcPr/>
+                </a:tc>
+                <a:tc>
+                  <a:txBody>
+                    <a:bodyPr/>
+                    <a:lstStyle/>
+                    <a:p>
+                      <a:pPr algn="ctr"/>
+                      <a:r>
+                        <a:rPr lang="fr-FR" dirty="0" smtClean="0"/>
+                        <a:t>1</a:t>
+                      </a:r>
+                      <a:endParaRPr lang="fr-FR" dirty="0"/>
+                    </a:p>
+                  </a:txBody>
+                  <a:tcPr/>
+                </a:tc>
+                <a:tc>
+                  <a:txBody>
+                    <a:bodyPr/>
+                    <a:lstStyle/>
+                    <a:p>
+                      <a:pPr algn="ctr"/>
+                      <a:r>
+                        <a:rPr lang="fr-FR" dirty="0" smtClean="0"/>
+                        <a:t>0</a:t>
+                      </a:r>
+                      <a:endParaRPr lang="fr-FR" dirty="0"/>
+                    </a:p>
+                  </a:txBody>
+                  <a:tcPr/>
+                </a:tc>
+                <a:tc>
+                  <a:txBody>
+                    <a:bodyPr/>
+                    <a:lstStyle/>
+                    <a:p>
+                      <a:pPr algn="ctr"/>
+                      <a:r>
+                        <a:rPr lang="fr-FR" dirty="0" smtClean="0"/>
+                        <a:t>0</a:t>
+                      </a:r>
+                      <a:endParaRPr lang="fr-FR" dirty="0"/>
+                    </a:p>
+                  </a:txBody>
+                  <a:tcPr/>
+                </a:tc>
+                <a:tc>
+                  <a:txBody>
+                    <a:bodyPr/>
+                    <a:lstStyle/>
+                    <a:p>
+                      <a:pPr algn="ctr"/>
+                      <a:r>
+                        <a:rPr lang="fr-FR" dirty="0" smtClean="0"/>
+                        <a:t>1</a:t>
+                      </a:r>
+                      <a:endParaRPr lang="fr-FR" dirty="0"/>
+                    </a:p>
+                  </a:txBody>
+                  <a:tcPr/>
+                </a:tc>
+                <a:tc>
+                  <a:txBody>
+                    <a:bodyPr/>
+                    <a:lstStyle/>
+                    <a:p>
+                      <a:pPr algn="ctr"/>
+                      <a:r>
+                        <a:rPr lang="fr-FR" dirty="0" smtClean="0"/>
+                        <a:t>1</a:t>
+                      </a:r>
+                      <a:endParaRPr lang="fr-FR" dirty="0"/>
+                    </a:p>
+                  </a:txBody>
+                  <a:tcPr/>
+                </a:tc>
+                <a:tc>
+                  <a:txBody>
+                    <a:bodyPr/>
+                    <a:lstStyle/>
+                    <a:p>
+                      <a:pPr algn="ctr"/>
+                      <a:r>
+                        <a:rPr lang="fr-FR" dirty="0" smtClean="0"/>
+                        <a:t>0</a:t>
+                      </a:r>
+                      <a:endParaRPr lang="fr-FR" dirty="0"/>
+                    </a:p>
+                  </a:txBody>
+                  <a:tcPr/>
+                </a:tc>
+                <a:tc>
+                  <a:txBody>
+                    <a:bodyPr/>
+                    <a:lstStyle/>
+                    <a:p>
+                      <a:pPr algn="ctr"/>
+                      <a:r>
+                        <a:rPr lang="fr-FR" dirty="0" smtClean="0"/>
+                        <a:t>0</a:t>
+                      </a:r>
+                      <a:endParaRPr lang="fr-FR" dirty="0"/>
+                    </a:p>
+                  </a:txBody>
+                  <a:tcPr/>
+                </a:tc>
+              </a:tr>
+              <a:tr h="424392">
+                <a:tc>
+                  <a:txBody>
+                    <a:bodyPr/>
+                    <a:lstStyle/>
+                    <a:p>
+                      <a:pPr algn="ctr"/>
+                      <a:r>
+                        <a:rPr lang="fr-FR" dirty="0" smtClean="0"/>
+                        <a:t>1</a:t>
+                      </a:r>
+                      <a:endParaRPr lang="fr-FR" dirty="0"/>
+                    </a:p>
+                  </a:txBody>
+                  <a:tcPr/>
+                </a:tc>
+                <a:tc>
+                  <a:txBody>
+                    <a:bodyPr/>
+                    <a:lstStyle/>
+                    <a:p>
+                      <a:pPr algn="ctr"/>
+                      <a:r>
+                        <a:rPr lang="fr-FR" dirty="0" smtClean="0"/>
+                        <a:t>1</a:t>
+                      </a:r>
+                      <a:endParaRPr lang="fr-FR" dirty="0"/>
+                    </a:p>
+                  </a:txBody>
+                  <a:tcPr/>
+                </a:tc>
+                <a:tc>
+                  <a:txBody>
+                    <a:bodyPr/>
+                    <a:lstStyle/>
+                    <a:p>
+                      <a:pPr algn="ctr"/>
+                      <a:r>
+                        <a:rPr lang="fr-FR" dirty="0" smtClean="0"/>
+                        <a:t>0</a:t>
+                      </a:r>
+                      <a:endParaRPr lang="fr-FR" dirty="0"/>
+                    </a:p>
+                  </a:txBody>
+                  <a:tcPr/>
+                </a:tc>
+                <a:tc>
+                  <a:txBody>
+                    <a:bodyPr/>
+                    <a:lstStyle/>
+                    <a:p>
+                      <a:pPr algn="ctr"/>
+                      <a:r>
+                        <a:rPr lang="fr-FR" dirty="0" smtClean="0"/>
+                        <a:t>0</a:t>
+                      </a:r>
+                      <a:endParaRPr lang="fr-FR" dirty="0"/>
+                    </a:p>
+                  </a:txBody>
+                  <a:tcPr/>
+                </a:tc>
+                <a:tc>
+                  <a:txBody>
+                    <a:bodyPr/>
+                    <a:lstStyle/>
+                    <a:p>
+                      <a:pPr algn="ctr"/>
+                      <a:r>
+                        <a:rPr lang="fr-FR" dirty="0" smtClean="0"/>
+                        <a:t>1</a:t>
+                      </a:r>
+                      <a:endParaRPr lang="fr-FR" dirty="0"/>
+                    </a:p>
+                  </a:txBody>
+                  <a:tcPr/>
+                </a:tc>
+                <a:tc>
+                  <a:txBody>
+                    <a:bodyPr/>
+                    <a:lstStyle/>
+                    <a:p>
+                      <a:pPr algn="ctr"/>
+                      <a:r>
+                        <a:rPr lang="fr-FR" dirty="0" smtClean="0"/>
+                        <a:t>1</a:t>
+                      </a:r>
+                      <a:endParaRPr lang="fr-FR" dirty="0"/>
+                    </a:p>
+                  </a:txBody>
+                  <a:tcPr/>
+                </a:tc>
+                <a:tc>
+                  <a:txBody>
+                    <a:bodyPr/>
+                    <a:lstStyle/>
+                    <a:p>
+                      <a:pPr algn="ctr"/>
+                      <a:r>
+                        <a:rPr lang="fr-FR" dirty="0" smtClean="0"/>
+                        <a:t>0</a:t>
+                      </a:r>
+                      <a:endParaRPr lang="fr-FR" dirty="0"/>
+                    </a:p>
+                  </a:txBody>
+                  <a:tcPr/>
+                </a:tc>
+                <a:tc>
+                  <a:txBody>
+                    <a:bodyPr/>
+                    <a:lstStyle/>
+                    <a:p>
+                      <a:pPr algn="ctr"/>
+                      <a:r>
+                        <a:rPr lang="fr-FR" dirty="0" smtClean="0"/>
+                        <a:t>0</a:t>
+                      </a:r>
+                      <a:endParaRPr lang="fr-FR" dirty="0"/>
+                    </a:p>
+                  </a:txBody>
+                  <a:tcPr/>
+                </a:tc>
+              </a:tr>
+              <a:tr h="424392">
+                <a:tc>
+                  <a:txBody>
+                    <a:bodyPr/>
+                    <a:lstStyle/>
+                    <a:p>
+                      <a:pPr algn="ctr"/>
+                      <a:r>
+                        <a:rPr lang="fr-FR" dirty="0" smtClean="0"/>
+                        <a:t>0</a:t>
+                      </a:r>
+                      <a:endParaRPr lang="fr-FR" dirty="0"/>
+                    </a:p>
+                  </a:txBody>
+                  <a:tcPr/>
+                </a:tc>
+                <a:tc>
+                  <a:txBody>
+                    <a:bodyPr/>
+                    <a:lstStyle/>
+                    <a:p>
+                      <a:pPr algn="ctr"/>
+                      <a:r>
+                        <a:rPr lang="fr-FR" dirty="0" smtClean="0"/>
+                        <a:t>0</a:t>
+                      </a:r>
+                      <a:endParaRPr lang="fr-FR" dirty="0"/>
+                    </a:p>
+                  </a:txBody>
+                  <a:tcPr/>
+                </a:tc>
+                <a:tc>
+                  <a:txBody>
+                    <a:bodyPr/>
+                    <a:lstStyle/>
+                    <a:p>
+                      <a:pPr algn="ctr"/>
+                      <a:r>
+                        <a:rPr lang="fr-FR" dirty="0" smtClean="0"/>
+                        <a:t>1</a:t>
+                      </a:r>
+                      <a:endParaRPr lang="fr-FR" dirty="0"/>
+                    </a:p>
+                  </a:txBody>
+                  <a:tcPr/>
+                </a:tc>
+                <a:tc>
+                  <a:txBody>
+                    <a:bodyPr/>
+                    <a:lstStyle/>
+                    <a:p>
+                      <a:pPr algn="ctr"/>
+                      <a:r>
+                        <a:rPr lang="fr-FR" dirty="0" smtClean="0"/>
+                        <a:t>1</a:t>
+                      </a:r>
+                      <a:endParaRPr lang="fr-FR" dirty="0"/>
+                    </a:p>
+                  </a:txBody>
+                  <a:tcPr/>
+                </a:tc>
+                <a:tc>
+                  <a:txBody>
+                    <a:bodyPr/>
+                    <a:lstStyle/>
+                    <a:p>
+                      <a:pPr algn="ctr"/>
+                      <a:r>
+                        <a:rPr lang="fr-FR" dirty="0" smtClean="0"/>
+                        <a:t>0</a:t>
+                      </a:r>
+                      <a:endParaRPr lang="fr-FR" dirty="0"/>
+                    </a:p>
+                  </a:txBody>
+                  <a:tcPr/>
+                </a:tc>
+                <a:tc>
+                  <a:txBody>
+                    <a:bodyPr/>
+                    <a:lstStyle/>
+                    <a:p>
+                      <a:pPr algn="ctr"/>
+                      <a:r>
+                        <a:rPr lang="fr-FR" dirty="0" smtClean="0"/>
+                        <a:t>0</a:t>
+                      </a:r>
+                      <a:endParaRPr lang="fr-FR" dirty="0"/>
+                    </a:p>
+                  </a:txBody>
+                  <a:tcPr/>
+                </a:tc>
+                <a:tc>
+                  <a:txBody>
+                    <a:bodyPr/>
+                    <a:lstStyle/>
+                    <a:p>
+                      <a:pPr algn="ctr"/>
+                      <a:r>
+                        <a:rPr lang="fr-FR" dirty="0" smtClean="0"/>
+                        <a:t>1</a:t>
+                      </a:r>
+                      <a:endParaRPr lang="fr-FR" dirty="0"/>
+                    </a:p>
+                  </a:txBody>
+                  <a:tcPr/>
+                </a:tc>
+                <a:tc>
+                  <a:txBody>
+                    <a:bodyPr/>
+                    <a:lstStyle/>
+                    <a:p>
+                      <a:pPr algn="ctr"/>
+                      <a:r>
+                        <a:rPr lang="fr-FR" dirty="0" smtClean="0"/>
+                        <a:t>1</a:t>
+                      </a:r>
+                      <a:endParaRPr lang="fr-FR" dirty="0"/>
+                    </a:p>
+                  </a:txBody>
+                  <a:tcPr/>
+                </a:tc>
+              </a:tr>
+              <a:tr h="424392">
+                <a:tc>
+                  <a:txBody>
+                    <a:bodyPr/>
+                    <a:lstStyle/>
+                    <a:p>
+                      <a:pPr algn="ctr"/>
+                      <a:r>
+                        <a:rPr lang="fr-FR" dirty="0" smtClean="0"/>
+                        <a:t>0</a:t>
+                      </a:r>
+                      <a:endParaRPr lang="fr-FR" dirty="0"/>
+                    </a:p>
+                  </a:txBody>
+                  <a:tcPr/>
+                </a:tc>
+                <a:tc>
+                  <a:txBody>
+                    <a:bodyPr/>
+                    <a:lstStyle/>
+                    <a:p>
+                      <a:pPr algn="ctr"/>
+                      <a:r>
+                        <a:rPr lang="fr-FR" dirty="0" smtClean="0"/>
+                        <a:t>0</a:t>
+                      </a:r>
+                      <a:endParaRPr lang="fr-FR" dirty="0"/>
+                    </a:p>
+                  </a:txBody>
+                  <a:tcPr/>
+                </a:tc>
+                <a:tc>
+                  <a:txBody>
+                    <a:bodyPr/>
+                    <a:lstStyle/>
+                    <a:p>
+                      <a:pPr algn="ctr"/>
+                      <a:r>
+                        <a:rPr lang="fr-FR" dirty="0" smtClean="0"/>
+                        <a:t>1</a:t>
+                      </a:r>
+                      <a:endParaRPr lang="fr-FR" dirty="0"/>
+                    </a:p>
+                  </a:txBody>
+                  <a:tcPr/>
+                </a:tc>
+                <a:tc>
+                  <a:txBody>
+                    <a:bodyPr/>
+                    <a:lstStyle/>
+                    <a:p>
+                      <a:pPr algn="ctr"/>
+                      <a:r>
+                        <a:rPr lang="fr-FR" dirty="0" smtClean="0"/>
+                        <a:t>0</a:t>
+                      </a:r>
+                      <a:endParaRPr lang="fr-FR" dirty="0"/>
+                    </a:p>
+                  </a:txBody>
+                  <a:tcPr/>
+                </a:tc>
+                <a:tc>
+                  <a:txBody>
+                    <a:bodyPr/>
+                    <a:lstStyle/>
+                    <a:p>
+                      <a:pPr algn="ctr"/>
+                      <a:r>
+                        <a:rPr lang="fr-FR" dirty="0" smtClean="0"/>
+                        <a:t>0</a:t>
+                      </a:r>
+                      <a:endParaRPr lang="fr-FR" dirty="0"/>
+                    </a:p>
+                  </a:txBody>
+                  <a:tcPr/>
+                </a:tc>
+                <a:tc>
+                  <a:txBody>
+                    <a:bodyPr/>
+                    <a:lstStyle/>
+                    <a:p>
+                      <a:pPr algn="ctr"/>
+                      <a:r>
+                        <a:rPr lang="fr-FR" dirty="0" smtClean="0"/>
+                        <a:t>0</a:t>
+                      </a:r>
+                      <a:endParaRPr lang="fr-FR" dirty="0"/>
+                    </a:p>
+                  </a:txBody>
+                  <a:tcPr/>
+                </a:tc>
+                <a:tc>
+                  <a:txBody>
+                    <a:bodyPr/>
+                    <a:lstStyle/>
+                    <a:p>
+                      <a:pPr algn="ctr"/>
+                      <a:r>
+                        <a:rPr lang="fr-FR" dirty="0" smtClean="0"/>
+                        <a:t>1</a:t>
+                      </a:r>
+                      <a:endParaRPr lang="fr-FR" dirty="0"/>
+                    </a:p>
+                  </a:txBody>
+                  <a:tcPr/>
+                </a:tc>
+                <a:tc>
+                  <a:txBody>
+                    <a:bodyPr/>
+                    <a:lstStyle/>
+                    <a:p>
+                      <a:pPr algn="ctr"/>
+                      <a:r>
+                        <a:rPr lang="fr-FR" dirty="0" smtClean="0"/>
+                        <a:t>0</a:t>
+                      </a:r>
+                      <a:endParaRPr lang="fr-FR" dirty="0"/>
+                    </a:p>
+                  </a:txBody>
+                  <a:tcPr/>
+                </a:tc>
+              </a:tr>
+            </a:tbl>
+          </a:graphicData>
+        </a:graphic>
+      </p:graphicFrame>
+      <p:sp>
+        <p:nvSpPr>
+          <p:cNvPr id="5" name="ZoneTexte 4"/>
+          <p:cNvSpPr txBox="1"/>
+          <p:nvPr/>
+        </p:nvSpPr>
+        <p:spPr>
+          <a:xfrm>
+            <a:off x="691685" y="4322373"/>
+            <a:ext cx="4149969" cy="1200329"/>
+          </a:xfrm>
+          <a:prstGeom prst="rect">
+            <a:avLst/>
+          </a:prstGeom>
+          <a:noFill/>
+        </p:spPr>
+        <p:txBody>
+          <a:bodyPr wrap="square" rtlCol="0">
+            <a:spAutoFit/>
+          </a:bodyPr>
+          <a:lstStyle/>
+          <a:p>
+            <a:r>
+              <a:rPr lang="cs-CZ" dirty="0"/>
+              <a:t>T</a:t>
+            </a:r>
+            <a:r>
+              <a:rPr lang="cs-CZ" dirty="0" smtClean="0"/>
+              <a:t>= 1111 </a:t>
+            </a:r>
+            <a:r>
+              <a:rPr lang="cs-CZ" dirty="0"/>
+              <a:t>1001 1001 1001 </a:t>
+            </a:r>
+            <a:r>
+              <a:rPr lang="cs-CZ" dirty="0" smtClean="0"/>
+              <a:t>1001</a:t>
+            </a:r>
+          </a:p>
+          <a:p>
+            <a:r>
+              <a:rPr lang="fr-FR" dirty="0"/>
+              <a:t>L</a:t>
+            </a:r>
+            <a:r>
+              <a:rPr lang="fr-FR" dirty="0" smtClean="0"/>
+              <a:t>= 1111 </a:t>
+            </a:r>
+            <a:r>
+              <a:rPr lang="fr-FR" dirty="0"/>
+              <a:t>1110 1111 1110 1111 1110</a:t>
+            </a:r>
+          </a:p>
+          <a:p>
+            <a:r>
+              <a:rPr lang="fr-FR" dirty="0"/>
+              <a:t>    </a:t>
+            </a:r>
+            <a:r>
+              <a:rPr lang="cs-CZ" dirty="0"/>
+              <a:t> 1111 1110</a:t>
+            </a:r>
+            <a:endParaRPr lang="fr-FR" dirty="0"/>
+          </a:p>
+          <a:p>
+            <a:endParaRPr lang="fr-FR" dirty="0"/>
+          </a:p>
+        </p:txBody>
+      </p:sp>
+      <p:sp>
+        <p:nvSpPr>
+          <p:cNvPr id="7" name="Rectangle 6"/>
+          <p:cNvSpPr/>
+          <p:nvPr/>
+        </p:nvSpPr>
+        <p:spPr>
+          <a:xfrm>
+            <a:off x="845030" y="5291869"/>
+            <a:ext cx="2756845" cy="461665"/>
+          </a:xfrm>
+          <a:prstGeom prst="rect">
+            <a:avLst/>
+          </a:prstGeom>
+        </p:spPr>
+        <p:txBody>
+          <a:bodyPr wrap="none">
+            <a:spAutoFit/>
+          </a:bodyPr>
+          <a:lstStyle/>
+          <a:p>
+            <a:r>
+              <a:rPr lang="fr-FR" sz="2400" b="1" dirty="0"/>
+              <a:t>Taille(T + L) = 52 bits</a:t>
+            </a:r>
+          </a:p>
+        </p:txBody>
+      </p:sp>
+      <p:sp>
+        <p:nvSpPr>
+          <p:cNvPr id="8" name="ZoneTexte 7"/>
+          <p:cNvSpPr txBox="1"/>
+          <p:nvPr/>
+        </p:nvSpPr>
+        <p:spPr>
+          <a:xfrm>
+            <a:off x="5580216" y="4318029"/>
+            <a:ext cx="4149969" cy="646331"/>
+          </a:xfrm>
+          <a:prstGeom prst="rect">
+            <a:avLst/>
+          </a:prstGeom>
+          <a:noFill/>
+        </p:spPr>
+        <p:txBody>
+          <a:bodyPr wrap="square" rtlCol="0">
+            <a:spAutoFit/>
+          </a:bodyPr>
+          <a:lstStyle/>
+          <a:p>
+            <a:r>
+              <a:rPr lang="fi-FI" dirty="0"/>
+              <a:t>T</a:t>
+            </a:r>
+            <a:r>
+              <a:rPr lang="fi-FI" dirty="0" smtClean="0"/>
+              <a:t>= 1101 </a:t>
+            </a:r>
+            <a:r>
+              <a:rPr lang="fi-FI" dirty="0"/>
+              <a:t>1001 1001 1001 </a:t>
+            </a:r>
+            <a:endParaRPr lang="fi-FI" dirty="0" smtClean="0"/>
+          </a:p>
+          <a:p>
+            <a:r>
+              <a:rPr lang="cs-CZ" dirty="0" smtClean="0"/>
+              <a:t>L= 1111 </a:t>
+            </a:r>
+            <a:r>
+              <a:rPr lang="cs-CZ" dirty="0"/>
+              <a:t>1110 1111 1110 1111 1110</a:t>
+            </a:r>
+            <a:endParaRPr lang="fr-FR" dirty="0"/>
+          </a:p>
+        </p:txBody>
+      </p:sp>
+      <p:sp>
+        <p:nvSpPr>
+          <p:cNvPr id="9" name="Rectangle 8"/>
+          <p:cNvSpPr/>
+          <p:nvPr/>
+        </p:nvSpPr>
+        <p:spPr>
+          <a:xfrm>
+            <a:off x="5831285" y="5291869"/>
+            <a:ext cx="2756845" cy="461665"/>
+          </a:xfrm>
+          <a:prstGeom prst="rect">
+            <a:avLst/>
+          </a:prstGeom>
+        </p:spPr>
+        <p:txBody>
+          <a:bodyPr wrap="none">
+            <a:spAutoFit/>
+          </a:bodyPr>
+          <a:lstStyle/>
+          <a:p>
+            <a:r>
+              <a:rPr lang="fr-FR" sz="2400" b="1" dirty="0"/>
+              <a:t>Taille(T + L) = </a:t>
+            </a:r>
+            <a:r>
+              <a:rPr lang="fr-FR" sz="2400" b="1" dirty="0" smtClean="0"/>
+              <a:t>40 bits</a:t>
+            </a:r>
+            <a:endParaRPr lang="fr-FR" sz="2400" b="1" dirty="0"/>
+          </a:p>
+        </p:txBody>
+      </p:sp>
+      <p:graphicFrame>
+        <p:nvGraphicFramePr>
+          <p:cNvPr id="10" name="Tableau 9"/>
+          <p:cNvGraphicFramePr>
+            <a:graphicFrameLocks noGrp="1"/>
+          </p:cNvGraphicFramePr>
+          <p:nvPr>
+            <p:extLst>
+              <p:ext uri="{D42A27DB-BD31-4B8C-83A1-F6EECF244321}">
+                <p14:modId xmlns:p14="http://schemas.microsoft.com/office/powerpoint/2010/main" val="1006112368"/>
+              </p:ext>
+            </p:extLst>
+          </p:nvPr>
+        </p:nvGraphicFramePr>
+        <p:xfrm>
+          <a:off x="5385792" y="813044"/>
+          <a:ext cx="3647832" cy="3395136"/>
+        </p:xfrm>
+        <a:graphic>
+          <a:graphicData uri="http://schemas.openxmlformats.org/drawingml/2006/table">
+            <a:tbl>
+              <a:tblPr firstRow="1" bandRow="1">
+                <a:tableStyleId>{5940675A-B579-460E-94D1-54222C63F5DA}</a:tableStyleId>
+              </a:tblPr>
+              <a:tblGrid>
+                <a:gridCol w="455979"/>
+                <a:gridCol w="455979"/>
+                <a:gridCol w="455979"/>
+                <a:gridCol w="455979"/>
+                <a:gridCol w="455979"/>
+                <a:gridCol w="455979"/>
+                <a:gridCol w="455979"/>
+                <a:gridCol w="455979"/>
+              </a:tblGrid>
+              <a:tr h="424392">
+                <a:tc>
+                  <a:txBody>
+                    <a:bodyPr/>
+                    <a:lstStyle/>
+                    <a:p>
+                      <a:pPr algn="ctr"/>
+                      <a:r>
+                        <a:rPr lang="fr-FR" dirty="0" smtClean="0"/>
+                        <a:t>1</a:t>
+                      </a:r>
+                      <a:endParaRPr lang="fr-FR" dirty="0"/>
+                    </a:p>
+                  </a:txBody>
+                  <a:tcPr/>
+                </a:tc>
+                <a:tc>
+                  <a:txBody>
+                    <a:bodyPr/>
+                    <a:lstStyle/>
+                    <a:p>
+                      <a:pPr algn="ctr"/>
+                      <a:r>
+                        <a:rPr lang="fr-FR" dirty="0" smtClean="0"/>
+                        <a:t>1</a:t>
+                      </a:r>
+                      <a:endParaRPr lang="fr-FR" dirty="0"/>
+                    </a:p>
+                  </a:txBody>
+                  <a:tcPr>
+                    <a:solidFill>
+                      <a:schemeClr val="bg2"/>
+                    </a:solidFill>
+                  </a:tcPr>
+                </a:tc>
+                <a:tc>
+                  <a:txBody>
+                    <a:bodyPr/>
+                    <a:lstStyle/>
+                    <a:p>
+                      <a:pPr algn="ctr"/>
+                      <a:r>
+                        <a:rPr lang="fr-FR" dirty="0" smtClean="0"/>
+                        <a:t>0</a:t>
+                      </a:r>
+                      <a:endParaRPr lang="fr-FR" dirty="0"/>
+                    </a:p>
+                  </a:txBody>
+                  <a:tcPr/>
+                </a:tc>
+                <a:tc>
+                  <a:txBody>
+                    <a:bodyPr/>
+                    <a:lstStyle/>
+                    <a:p>
+                      <a:pPr algn="ctr"/>
+                      <a:r>
+                        <a:rPr lang="fr-FR" dirty="0" smtClean="0"/>
+                        <a:t>0</a:t>
+                      </a:r>
+                      <a:endParaRPr lang="fr-FR" dirty="0"/>
+                    </a:p>
+                  </a:txBody>
+                  <a:tcPr/>
+                </a:tc>
+                <a:tc>
+                  <a:txBody>
+                    <a:bodyPr/>
+                    <a:lstStyle/>
+                    <a:p>
+                      <a:pPr algn="ctr"/>
+                      <a:r>
+                        <a:rPr lang="fr-FR" dirty="0" smtClean="0"/>
+                        <a:t>1</a:t>
+                      </a:r>
+                      <a:endParaRPr lang="fr-FR" dirty="0"/>
+                    </a:p>
+                  </a:txBody>
+                  <a:tcPr/>
+                </a:tc>
+                <a:tc>
+                  <a:txBody>
+                    <a:bodyPr/>
+                    <a:lstStyle/>
+                    <a:p>
+                      <a:pPr algn="ctr"/>
+                      <a:r>
+                        <a:rPr lang="fr-FR" dirty="0" smtClean="0"/>
+                        <a:t>1</a:t>
+                      </a:r>
+                      <a:endParaRPr lang="fr-FR" dirty="0"/>
+                    </a:p>
+                  </a:txBody>
+                  <a:tcPr/>
+                </a:tc>
+                <a:tc>
+                  <a:txBody>
+                    <a:bodyPr/>
+                    <a:lstStyle/>
+                    <a:p>
+                      <a:pPr algn="ctr"/>
+                      <a:r>
+                        <a:rPr lang="fr-FR" dirty="0" smtClean="0"/>
+                        <a:t>0</a:t>
+                      </a:r>
+                      <a:endParaRPr lang="fr-FR" dirty="0"/>
+                    </a:p>
+                  </a:txBody>
+                  <a:tcPr/>
+                </a:tc>
+                <a:tc>
+                  <a:txBody>
+                    <a:bodyPr/>
+                    <a:lstStyle/>
+                    <a:p>
+                      <a:pPr algn="ctr"/>
+                      <a:r>
+                        <a:rPr lang="fr-FR" dirty="0" smtClean="0"/>
+                        <a:t>0</a:t>
+                      </a:r>
+                      <a:endParaRPr lang="fr-FR" dirty="0"/>
+                    </a:p>
+                  </a:txBody>
+                  <a:tcPr/>
+                </a:tc>
+              </a:tr>
+              <a:tr h="424392">
+                <a:tc>
+                  <a:txBody>
+                    <a:bodyPr/>
+                    <a:lstStyle/>
+                    <a:p>
+                      <a:pPr algn="ctr"/>
+                      <a:r>
+                        <a:rPr lang="fr-FR" dirty="0" smtClean="0"/>
+                        <a:t>0</a:t>
+                      </a:r>
+                      <a:endParaRPr lang="fr-FR" dirty="0"/>
+                    </a:p>
+                  </a:txBody>
+                  <a:tcPr/>
+                </a:tc>
+                <a:tc>
+                  <a:txBody>
+                    <a:bodyPr/>
+                    <a:lstStyle/>
+                    <a:p>
+                      <a:pPr algn="ctr"/>
+                      <a:r>
+                        <a:rPr lang="fr-FR" dirty="0" smtClean="0"/>
+                        <a:t>1</a:t>
+                      </a:r>
+                      <a:endParaRPr lang="fr-FR" dirty="0"/>
+                    </a:p>
+                  </a:txBody>
+                  <a:tcPr>
+                    <a:solidFill>
+                      <a:schemeClr val="bg2"/>
+                    </a:solidFill>
+                  </a:tcPr>
+                </a:tc>
+                <a:tc>
+                  <a:txBody>
+                    <a:bodyPr/>
+                    <a:lstStyle/>
+                    <a:p>
+                      <a:pPr algn="ctr"/>
+                      <a:r>
+                        <a:rPr lang="fr-FR" dirty="0" smtClean="0"/>
+                        <a:t>0</a:t>
+                      </a:r>
+                      <a:endParaRPr lang="fr-FR" dirty="0"/>
+                    </a:p>
+                  </a:txBody>
+                  <a:tcPr>
+                    <a:solidFill>
+                      <a:schemeClr val="bg2"/>
+                    </a:solidFill>
+                  </a:tcPr>
+                </a:tc>
+                <a:tc>
+                  <a:txBody>
+                    <a:bodyPr/>
+                    <a:lstStyle/>
+                    <a:p>
+                      <a:pPr algn="ctr"/>
+                      <a:r>
+                        <a:rPr lang="fr-FR" dirty="0" smtClean="0"/>
+                        <a:t>0</a:t>
+                      </a:r>
+                      <a:endParaRPr lang="fr-FR" dirty="0"/>
+                    </a:p>
+                  </a:txBody>
+                  <a:tcPr>
+                    <a:solidFill>
+                      <a:schemeClr val="bg2"/>
+                    </a:solidFill>
+                  </a:tcPr>
+                </a:tc>
+                <a:tc>
+                  <a:txBody>
+                    <a:bodyPr/>
+                    <a:lstStyle/>
+                    <a:p>
+                      <a:pPr algn="ctr"/>
+                      <a:r>
+                        <a:rPr lang="fr-FR" dirty="0" smtClean="0"/>
+                        <a:t>1</a:t>
+                      </a:r>
+                      <a:endParaRPr lang="fr-FR" dirty="0"/>
+                    </a:p>
+                  </a:txBody>
+                  <a:tcPr>
+                    <a:solidFill>
+                      <a:schemeClr val="bg2"/>
+                    </a:solidFill>
+                  </a:tcPr>
+                </a:tc>
+                <a:tc>
+                  <a:txBody>
+                    <a:bodyPr/>
+                    <a:lstStyle/>
+                    <a:p>
+                      <a:pPr algn="ctr"/>
+                      <a:r>
+                        <a:rPr lang="fr-FR" dirty="0" smtClean="0"/>
+                        <a:t>1</a:t>
+                      </a:r>
+                      <a:endParaRPr lang="fr-FR" dirty="0"/>
+                    </a:p>
+                  </a:txBody>
+                  <a:tcPr>
+                    <a:solidFill>
+                      <a:schemeClr val="bg2"/>
+                    </a:solidFill>
+                  </a:tcPr>
+                </a:tc>
+                <a:tc>
+                  <a:txBody>
+                    <a:bodyPr/>
+                    <a:lstStyle/>
+                    <a:p>
+                      <a:pPr algn="ctr"/>
+                      <a:r>
+                        <a:rPr lang="fr-FR" dirty="0" smtClean="0"/>
+                        <a:t>0</a:t>
+                      </a:r>
+                      <a:endParaRPr lang="fr-FR" dirty="0"/>
+                    </a:p>
+                  </a:txBody>
+                  <a:tcPr>
+                    <a:solidFill>
+                      <a:schemeClr val="bg2"/>
+                    </a:solidFill>
+                  </a:tcPr>
+                </a:tc>
+                <a:tc>
+                  <a:txBody>
+                    <a:bodyPr/>
+                    <a:lstStyle/>
+                    <a:p>
+                      <a:pPr algn="ctr"/>
+                      <a:r>
+                        <a:rPr lang="fr-FR" dirty="0" smtClean="0"/>
+                        <a:t>0</a:t>
+                      </a:r>
+                      <a:endParaRPr lang="fr-FR" dirty="0"/>
+                    </a:p>
+                  </a:txBody>
+                  <a:tcPr>
+                    <a:solidFill>
+                      <a:schemeClr val="bg2"/>
+                    </a:solidFill>
+                  </a:tcPr>
+                </a:tc>
+              </a:tr>
+              <a:tr h="424392">
+                <a:tc>
+                  <a:txBody>
+                    <a:bodyPr/>
+                    <a:lstStyle/>
+                    <a:p>
+                      <a:pPr algn="ctr"/>
+                      <a:r>
+                        <a:rPr lang="fr-FR" dirty="0" smtClean="0"/>
+                        <a:t>0</a:t>
+                      </a:r>
+                      <a:endParaRPr lang="fr-FR" dirty="0"/>
+                    </a:p>
+                  </a:txBody>
+                  <a:tcPr/>
+                </a:tc>
+                <a:tc>
+                  <a:txBody>
+                    <a:bodyPr/>
+                    <a:lstStyle/>
+                    <a:p>
+                      <a:pPr algn="ctr"/>
+                      <a:r>
+                        <a:rPr lang="fr-FR" dirty="0" smtClean="0"/>
+                        <a:t>0</a:t>
+                      </a:r>
+                      <a:endParaRPr lang="fr-FR" dirty="0"/>
+                    </a:p>
+                  </a:txBody>
+                  <a:tcPr/>
+                </a:tc>
+                <a:tc>
+                  <a:txBody>
+                    <a:bodyPr/>
+                    <a:lstStyle/>
+                    <a:p>
+                      <a:pPr algn="ctr"/>
+                      <a:r>
+                        <a:rPr lang="fr-FR" dirty="0" smtClean="0"/>
+                        <a:t>1</a:t>
+                      </a:r>
+                      <a:endParaRPr lang="fr-FR" dirty="0"/>
+                    </a:p>
+                  </a:txBody>
+                  <a:tcPr/>
+                </a:tc>
+                <a:tc>
+                  <a:txBody>
+                    <a:bodyPr/>
+                    <a:lstStyle/>
+                    <a:p>
+                      <a:pPr algn="ctr"/>
+                      <a:r>
+                        <a:rPr lang="fr-FR" dirty="0" smtClean="0"/>
+                        <a:t>1</a:t>
+                      </a:r>
+                      <a:endParaRPr lang="fr-FR" dirty="0"/>
+                    </a:p>
+                  </a:txBody>
+                  <a:tcPr/>
+                </a:tc>
+                <a:tc>
+                  <a:txBody>
+                    <a:bodyPr/>
+                    <a:lstStyle/>
+                    <a:p>
+                      <a:pPr algn="ctr"/>
+                      <a:r>
+                        <a:rPr lang="fr-FR" dirty="0" smtClean="0"/>
+                        <a:t>0</a:t>
+                      </a:r>
+                      <a:endParaRPr lang="fr-FR" dirty="0"/>
+                    </a:p>
+                  </a:txBody>
+                  <a:tcPr/>
+                </a:tc>
+                <a:tc>
+                  <a:txBody>
+                    <a:bodyPr/>
+                    <a:lstStyle/>
+                    <a:p>
+                      <a:pPr algn="ctr"/>
+                      <a:r>
+                        <a:rPr lang="fr-FR" dirty="0" smtClean="0"/>
+                        <a:t>0</a:t>
+                      </a:r>
+                      <a:endParaRPr lang="fr-FR" dirty="0"/>
+                    </a:p>
+                  </a:txBody>
+                  <a:tcPr/>
+                </a:tc>
+                <a:tc>
+                  <a:txBody>
+                    <a:bodyPr/>
+                    <a:lstStyle/>
+                    <a:p>
+                      <a:pPr algn="ctr"/>
+                      <a:r>
+                        <a:rPr lang="fr-FR" dirty="0" smtClean="0"/>
+                        <a:t>1</a:t>
+                      </a:r>
+                      <a:endParaRPr lang="fr-FR" dirty="0"/>
+                    </a:p>
+                  </a:txBody>
+                  <a:tcPr/>
+                </a:tc>
+                <a:tc>
+                  <a:txBody>
+                    <a:bodyPr/>
+                    <a:lstStyle/>
+                    <a:p>
+                      <a:pPr algn="ctr"/>
+                      <a:r>
+                        <a:rPr lang="fr-FR" dirty="0" smtClean="0"/>
+                        <a:t>1</a:t>
+                      </a:r>
+                      <a:endParaRPr lang="fr-FR" dirty="0"/>
+                    </a:p>
+                  </a:txBody>
+                  <a:tcPr/>
+                </a:tc>
+              </a:tr>
+              <a:tr h="424392">
+                <a:tc>
+                  <a:txBody>
+                    <a:bodyPr/>
+                    <a:lstStyle/>
+                    <a:p>
+                      <a:pPr algn="ctr"/>
+                      <a:r>
+                        <a:rPr lang="fr-FR" dirty="0" smtClean="0"/>
+                        <a:t>0</a:t>
+                      </a:r>
+                      <a:endParaRPr lang="fr-FR" dirty="0"/>
+                    </a:p>
+                  </a:txBody>
+                  <a:tcPr/>
+                </a:tc>
+                <a:tc>
+                  <a:txBody>
+                    <a:bodyPr/>
+                    <a:lstStyle/>
+                    <a:p>
+                      <a:pPr algn="ctr"/>
+                      <a:r>
+                        <a:rPr lang="fr-FR" dirty="0" smtClean="0"/>
+                        <a:t>0</a:t>
+                      </a:r>
+                      <a:endParaRPr lang="fr-FR" dirty="0"/>
+                    </a:p>
+                  </a:txBody>
+                  <a:tcPr/>
+                </a:tc>
+                <a:tc>
+                  <a:txBody>
+                    <a:bodyPr/>
+                    <a:lstStyle/>
+                    <a:p>
+                      <a:pPr algn="ctr"/>
+                      <a:r>
+                        <a:rPr lang="fr-FR" dirty="0" smtClean="0"/>
+                        <a:t>0</a:t>
+                      </a:r>
+                      <a:endParaRPr lang="fr-FR" dirty="0"/>
+                    </a:p>
+                  </a:txBody>
+                  <a:tcPr/>
+                </a:tc>
+                <a:tc>
+                  <a:txBody>
+                    <a:bodyPr/>
+                    <a:lstStyle/>
+                    <a:p>
+                      <a:pPr algn="ctr"/>
+                      <a:r>
+                        <a:rPr lang="fr-FR" dirty="0" smtClean="0"/>
+                        <a:t>0</a:t>
+                      </a:r>
+                      <a:endParaRPr lang="fr-FR" dirty="0"/>
+                    </a:p>
+                  </a:txBody>
+                  <a:tcPr/>
+                </a:tc>
+                <a:tc>
+                  <a:txBody>
+                    <a:bodyPr/>
+                    <a:lstStyle/>
+                    <a:p>
+                      <a:pPr algn="ctr"/>
+                      <a:r>
+                        <a:rPr lang="fr-FR" dirty="0" smtClean="0"/>
+                        <a:t>0</a:t>
+                      </a:r>
+                      <a:endParaRPr lang="fr-FR" dirty="0"/>
+                    </a:p>
+                  </a:txBody>
+                  <a:tcPr/>
+                </a:tc>
+                <a:tc>
+                  <a:txBody>
+                    <a:bodyPr/>
+                    <a:lstStyle/>
+                    <a:p>
+                      <a:pPr algn="ctr"/>
+                      <a:r>
+                        <a:rPr lang="fr-FR" dirty="0" smtClean="0"/>
+                        <a:t>0</a:t>
+                      </a:r>
+                      <a:endParaRPr lang="fr-FR" dirty="0"/>
+                    </a:p>
+                  </a:txBody>
+                  <a:tcPr/>
+                </a:tc>
+                <a:tc>
+                  <a:txBody>
+                    <a:bodyPr/>
+                    <a:lstStyle/>
+                    <a:p>
+                      <a:pPr algn="ctr"/>
+                      <a:r>
+                        <a:rPr lang="fr-FR" dirty="0" smtClean="0"/>
+                        <a:t>1</a:t>
+                      </a:r>
+                      <a:endParaRPr lang="fr-FR" dirty="0"/>
+                    </a:p>
+                  </a:txBody>
+                  <a:tcPr/>
+                </a:tc>
+                <a:tc>
+                  <a:txBody>
+                    <a:bodyPr/>
+                    <a:lstStyle/>
+                    <a:p>
+                      <a:pPr algn="ctr"/>
+                      <a:r>
+                        <a:rPr lang="fr-FR" dirty="0" smtClean="0"/>
+                        <a:t>0</a:t>
+                      </a:r>
+                      <a:endParaRPr lang="fr-FR" dirty="0"/>
+                    </a:p>
+                  </a:txBody>
+                  <a:tcPr/>
+                </a:tc>
+              </a:tr>
+              <a:tr h="424392">
+                <a:tc>
+                  <a:txBody>
+                    <a:bodyPr/>
+                    <a:lstStyle/>
+                    <a:p>
+                      <a:pPr algn="ctr"/>
+                      <a:r>
+                        <a:rPr lang="fr-FR" dirty="0" smtClean="0"/>
+                        <a:t>0</a:t>
+                      </a:r>
+                      <a:endParaRPr lang="fr-FR" dirty="0"/>
+                    </a:p>
+                  </a:txBody>
+                  <a:tcPr/>
+                </a:tc>
+                <a:tc>
+                  <a:txBody>
+                    <a:bodyPr/>
+                    <a:lstStyle/>
+                    <a:p>
+                      <a:pPr algn="ctr"/>
+                      <a:r>
+                        <a:rPr lang="fr-FR" dirty="0" smtClean="0"/>
+                        <a:t>0</a:t>
+                      </a:r>
+                      <a:endParaRPr lang="fr-FR" dirty="0"/>
+                    </a:p>
+                  </a:txBody>
+                  <a:tcPr/>
+                </a:tc>
+                <a:tc>
+                  <a:txBody>
+                    <a:bodyPr/>
+                    <a:lstStyle/>
+                    <a:p>
+                      <a:pPr algn="ctr"/>
+                      <a:r>
+                        <a:rPr lang="fr-FR" dirty="0" smtClean="0"/>
+                        <a:t>0</a:t>
+                      </a:r>
+                      <a:endParaRPr lang="fr-FR" dirty="0"/>
+                    </a:p>
+                  </a:txBody>
+                  <a:tcPr/>
+                </a:tc>
+                <a:tc>
+                  <a:txBody>
+                    <a:bodyPr/>
+                    <a:lstStyle/>
+                    <a:p>
+                      <a:pPr algn="ctr"/>
+                      <a:r>
+                        <a:rPr lang="fr-FR" dirty="0" smtClean="0"/>
+                        <a:t>0</a:t>
+                      </a:r>
+                      <a:endParaRPr lang="fr-FR" dirty="0"/>
+                    </a:p>
+                  </a:txBody>
+                  <a:tcPr/>
+                </a:tc>
+                <a:tc>
+                  <a:txBody>
+                    <a:bodyPr/>
+                    <a:lstStyle/>
+                    <a:p>
+                      <a:pPr algn="ctr"/>
+                      <a:r>
+                        <a:rPr lang="fr-FR" dirty="0" smtClean="0"/>
+                        <a:t>1</a:t>
+                      </a:r>
+                      <a:endParaRPr lang="fr-FR" dirty="0"/>
+                    </a:p>
+                  </a:txBody>
+                  <a:tcPr/>
+                </a:tc>
+                <a:tc>
+                  <a:txBody>
+                    <a:bodyPr/>
+                    <a:lstStyle/>
+                    <a:p>
+                      <a:pPr algn="ctr"/>
+                      <a:r>
+                        <a:rPr lang="fr-FR" dirty="0" smtClean="0"/>
+                        <a:t>1</a:t>
+                      </a:r>
+                      <a:endParaRPr lang="fr-FR" dirty="0"/>
+                    </a:p>
+                  </a:txBody>
+                  <a:tcPr/>
+                </a:tc>
+                <a:tc>
+                  <a:txBody>
+                    <a:bodyPr/>
+                    <a:lstStyle/>
+                    <a:p>
+                      <a:pPr algn="ctr"/>
+                      <a:r>
+                        <a:rPr lang="fr-FR" dirty="0" smtClean="0"/>
+                        <a:t>0</a:t>
+                      </a:r>
+                      <a:endParaRPr lang="fr-FR" dirty="0"/>
+                    </a:p>
+                  </a:txBody>
+                  <a:tcPr/>
+                </a:tc>
+                <a:tc>
+                  <a:txBody>
+                    <a:bodyPr/>
+                    <a:lstStyle/>
+                    <a:p>
+                      <a:pPr algn="ctr"/>
+                      <a:r>
+                        <a:rPr lang="fr-FR" dirty="0" smtClean="0"/>
+                        <a:t>0</a:t>
+                      </a:r>
+                      <a:endParaRPr lang="fr-FR" dirty="0"/>
+                    </a:p>
+                  </a:txBody>
+                  <a:tcPr/>
+                </a:tc>
+              </a:tr>
+              <a:tr h="424392">
+                <a:tc>
+                  <a:txBody>
+                    <a:bodyPr/>
+                    <a:lstStyle/>
+                    <a:p>
+                      <a:pPr algn="ctr"/>
+                      <a:r>
+                        <a:rPr lang="fr-FR" dirty="0" smtClean="0"/>
+                        <a:t>0</a:t>
+                      </a:r>
+                      <a:endParaRPr lang="fr-FR" dirty="0"/>
+                    </a:p>
+                  </a:txBody>
+                  <a:tcPr/>
+                </a:tc>
+                <a:tc>
+                  <a:txBody>
+                    <a:bodyPr/>
+                    <a:lstStyle/>
+                    <a:p>
+                      <a:pPr algn="ctr"/>
+                      <a:r>
+                        <a:rPr lang="fr-FR" dirty="0" smtClean="0"/>
+                        <a:t>0</a:t>
+                      </a:r>
+                      <a:endParaRPr lang="fr-FR" dirty="0"/>
+                    </a:p>
+                  </a:txBody>
+                  <a:tcPr/>
+                </a:tc>
+                <a:tc>
+                  <a:txBody>
+                    <a:bodyPr/>
+                    <a:lstStyle/>
+                    <a:p>
+                      <a:pPr algn="ctr"/>
+                      <a:r>
+                        <a:rPr lang="fr-FR" dirty="0" smtClean="0"/>
+                        <a:t>0</a:t>
+                      </a:r>
+                      <a:endParaRPr lang="fr-FR" dirty="0"/>
+                    </a:p>
+                  </a:txBody>
+                  <a:tcPr/>
+                </a:tc>
+                <a:tc>
+                  <a:txBody>
+                    <a:bodyPr/>
+                    <a:lstStyle/>
+                    <a:p>
+                      <a:pPr algn="ctr"/>
+                      <a:r>
+                        <a:rPr lang="fr-FR" dirty="0" smtClean="0"/>
+                        <a:t>0</a:t>
+                      </a:r>
+                      <a:endParaRPr lang="fr-FR" dirty="0"/>
+                    </a:p>
+                  </a:txBody>
+                  <a:tcPr/>
+                </a:tc>
+                <a:tc>
+                  <a:txBody>
+                    <a:bodyPr/>
+                    <a:lstStyle/>
+                    <a:p>
+                      <a:pPr algn="ctr"/>
+                      <a:r>
+                        <a:rPr lang="fr-FR" dirty="0" smtClean="0"/>
+                        <a:t>0</a:t>
+                      </a:r>
+                      <a:endParaRPr lang="fr-FR" dirty="0"/>
+                    </a:p>
+                  </a:txBody>
+                  <a:tcPr/>
+                </a:tc>
+                <a:tc>
+                  <a:txBody>
+                    <a:bodyPr/>
+                    <a:lstStyle/>
+                    <a:p>
+                      <a:pPr algn="ctr"/>
+                      <a:r>
+                        <a:rPr lang="fr-FR" dirty="0" smtClean="0"/>
+                        <a:t>1</a:t>
+                      </a:r>
+                      <a:endParaRPr lang="fr-FR" dirty="0"/>
+                    </a:p>
+                  </a:txBody>
+                  <a:tcPr/>
+                </a:tc>
+                <a:tc>
+                  <a:txBody>
+                    <a:bodyPr/>
+                    <a:lstStyle/>
+                    <a:p>
+                      <a:pPr algn="ctr"/>
+                      <a:r>
+                        <a:rPr lang="fr-FR" dirty="0" smtClean="0"/>
+                        <a:t>0</a:t>
+                      </a:r>
+                      <a:endParaRPr lang="fr-FR" dirty="0"/>
+                    </a:p>
+                  </a:txBody>
+                  <a:tcPr/>
+                </a:tc>
+                <a:tc>
+                  <a:txBody>
+                    <a:bodyPr/>
+                    <a:lstStyle/>
+                    <a:p>
+                      <a:pPr algn="ctr"/>
+                      <a:r>
+                        <a:rPr lang="fr-FR" dirty="0" smtClean="0"/>
+                        <a:t>0</a:t>
+                      </a:r>
+                      <a:endParaRPr lang="fr-FR" dirty="0"/>
+                    </a:p>
+                  </a:txBody>
+                  <a:tcPr/>
+                </a:tc>
+              </a:tr>
+              <a:tr h="424392">
+                <a:tc>
+                  <a:txBody>
+                    <a:bodyPr/>
+                    <a:lstStyle/>
+                    <a:p>
+                      <a:pPr algn="ctr"/>
+                      <a:r>
+                        <a:rPr lang="fr-FR" dirty="0" smtClean="0"/>
+                        <a:t>0</a:t>
+                      </a:r>
+                      <a:endParaRPr lang="fr-FR" dirty="0"/>
+                    </a:p>
+                  </a:txBody>
+                  <a:tcPr/>
+                </a:tc>
+                <a:tc>
+                  <a:txBody>
+                    <a:bodyPr/>
+                    <a:lstStyle/>
+                    <a:p>
+                      <a:pPr algn="ctr"/>
+                      <a:r>
+                        <a:rPr lang="fr-FR" dirty="0" smtClean="0"/>
+                        <a:t>0</a:t>
+                      </a:r>
+                      <a:endParaRPr lang="fr-FR" dirty="0"/>
+                    </a:p>
+                  </a:txBody>
+                  <a:tcPr/>
+                </a:tc>
+                <a:tc>
+                  <a:txBody>
+                    <a:bodyPr/>
+                    <a:lstStyle/>
+                    <a:p>
+                      <a:pPr algn="ctr"/>
+                      <a:r>
+                        <a:rPr lang="fr-FR" dirty="0" smtClean="0"/>
+                        <a:t>0</a:t>
+                      </a:r>
+                      <a:endParaRPr lang="fr-FR" dirty="0"/>
+                    </a:p>
+                  </a:txBody>
+                  <a:tcPr/>
+                </a:tc>
+                <a:tc>
+                  <a:txBody>
+                    <a:bodyPr/>
+                    <a:lstStyle/>
+                    <a:p>
+                      <a:pPr algn="ctr"/>
+                      <a:r>
+                        <a:rPr lang="fr-FR" dirty="0" smtClean="0"/>
+                        <a:t>0</a:t>
+                      </a:r>
+                      <a:endParaRPr lang="fr-FR" dirty="0"/>
+                    </a:p>
+                  </a:txBody>
+                  <a:tcPr/>
+                </a:tc>
+                <a:tc>
+                  <a:txBody>
+                    <a:bodyPr/>
+                    <a:lstStyle/>
+                    <a:p>
+                      <a:pPr algn="ctr"/>
+                      <a:r>
+                        <a:rPr lang="fr-FR" dirty="0" smtClean="0"/>
+                        <a:t>0</a:t>
+                      </a:r>
+                      <a:endParaRPr lang="fr-FR" dirty="0"/>
+                    </a:p>
+                  </a:txBody>
+                  <a:tcPr/>
+                </a:tc>
+                <a:tc>
+                  <a:txBody>
+                    <a:bodyPr/>
+                    <a:lstStyle/>
+                    <a:p>
+                      <a:pPr algn="ctr"/>
+                      <a:r>
+                        <a:rPr lang="fr-FR" dirty="0" smtClean="0"/>
+                        <a:t>0</a:t>
+                      </a:r>
+                      <a:endParaRPr lang="fr-FR" dirty="0"/>
+                    </a:p>
+                  </a:txBody>
+                  <a:tcPr/>
+                </a:tc>
+                <a:tc>
+                  <a:txBody>
+                    <a:bodyPr/>
+                    <a:lstStyle/>
+                    <a:p>
+                      <a:pPr algn="ctr"/>
+                      <a:r>
+                        <a:rPr lang="fr-FR" dirty="0" smtClean="0"/>
+                        <a:t>1</a:t>
+                      </a:r>
+                      <a:endParaRPr lang="fr-FR" dirty="0"/>
+                    </a:p>
+                  </a:txBody>
+                  <a:tcPr/>
+                </a:tc>
+                <a:tc>
+                  <a:txBody>
+                    <a:bodyPr/>
+                    <a:lstStyle/>
+                    <a:p>
+                      <a:pPr algn="ctr"/>
+                      <a:r>
+                        <a:rPr lang="fr-FR" dirty="0" smtClean="0"/>
+                        <a:t>1</a:t>
+                      </a:r>
+                      <a:endParaRPr lang="fr-FR" dirty="0"/>
+                    </a:p>
+                  </a:txBody>
+                  <a:tcPr/>
+                </a:tc>
+              </a:tr>
+              <a:tr h="424392">
+                <a:tc>
+                  <a:txBody>
+                    <a:bodyPr/>
+                    <a:lstStyle/>
+                    <a:p>
+                      <a:pPr algn="ctr"/>
+                      <a:r>
+                        <a:rPr lang="fr-FR" dirty="0" smtClean="0"/>
+                        <a:t>0</a:t>
+                      </a:r>
+                      <a:endParaRPr lang="fr-FR" dirty="0"/>
+                    </a:p>
+                  </a:txBody>
+                  <a:tcPr/>
+                </a:tc>
+                <a:tc>
+                  <a:txBody>
+                    <a:bodyPr/>
+                    <a:lstStyle/>
+                    <a:p>
+                      <a:pPr algn="ctr"/>
+                      <a:r>
+                        <a:rPr lang="fr-FR" dirty="0" smtClean="0"/>
+                        <a:t>0</a:t>
+                      </a:r>
+                      <a:endParaRPr lang="fr-FR" dirty="0"/>
+                    </a:p>
+                  </a:txBody>
+                  <a:tcPr/>
+                </a:tc>
+                <a:tc>
+                  <a:txBody>
+                    <a:bodyPr/>
+                    <a:lstStyle/>
+                    <a:p>
+                      <a:pPr algn="ctr"/>
+                      <a:r>
+                        <a:rPr lang="fr-FR" dirty="0" smtClean="0"/>
+                        <a:t>0</a:t>
+                      </a:r>
+                      <a:endParaRPr lang="fr-FR" dirty="0"/>
+                    </a:p>
+                  </a:txBody>
+                  <a:tcPr/>
+                </a:tc>
+                <a:tc>
+                  <a:txBody>
+                    <a:bodyPr/>
+                    <a:lstStyle/>
+                    <a:p>
+                      <a:pPr algn="ctr"/>
+                      <a:r>
+                        <a:rPr lang="fr-FR" dirty="0" smtClean="0"/>
+                        <a:t>0</a:t>
+                      </a:r>
+                      <a:endParaRPr lang="fr-FR" dirty="0"/>
+                    </a:p>
+                  </a:txBody>
+                  <a:tcPr/>
+                </a:tc>
+                <a:tc>
+                  <a:txBody>
+                    <a:bodyPr/>
+                    <a:lstStyle/>
+                    <a:p>
+                      <a:pPr algn="ctr"/>
+                      <a:r>
+                        <a:rPr lang="fr-FR" dirty="0" smtClean="0"/>
+                        <a:t>0</a:t>
+                      </a:r>
+                      <a:endParaRPr lang="fr-FR" dirty="0"/>
+                    </a:p>
+                  </a:txBody>
+                  <a:tcPr/>
+                </a:tc>
+                <a:tc>
+                  <a:txBody>
+                    <a:bodyPr/>
+                    <a:lstStyle/>
+                    <a:p>
+                      <a:pPr algn="ctr"/>
+                      <a:r>
+                        <a:rPr lang="fr-FR" dirty="0" smtClean="0"/>
+                        <a:t>0</a:t>
+                      </a:r>
+                      <a:endParaRPr lang="fr-FR" dirty="0"/>
+                    </a:p>
+                  </a:txBody>
+                  <a:tcPr/>
+                </a:tc>
+                <a:tc>
+                  <a:txBody>
+                    <a:bodyPr/>
+                    <a:lstStyle/>
+                    <a:p>
+                      <a:pPr algn="ctr"/>
+                      <a:r>
+                        <a:rPr lang="fr-FR" dirty="0" smtClean="0"/>
+                        <a:t>0</a:t>
+                      </a:r>
+                      <a:endParaRPr lang="fr-FR" dirty="0"/>
+                    </a:p>
+                  </a:txBody>
+                  <a:tcPr/>
+                </a:tc>
+                <a:tc>
+                  <a:txBody>
+                    <a:bodyPr/>
+                    <a:lstStyle/>
+                    <a:p>
+                      <a:pPr algn="ctr"/>
+                      <a:r>
+                        <a:rPr lang="fr-FR" dirty="0" smtClean="0"/>
+                        <a:t>0</a:t>
+                      </a:r>
+                      <a:endParaRPr lang="fr-FR" dirty="0"/>
+                    </a:p>
+                  </a:txBody>
+                  <a:tcPr/>
+                </a:tc>
+              </a:tr>
+            </a:tbl>
+          </a:graphicData>
+        </a:graphic>
+      </p:graphicFrame>
+      <p:cxnSp>
+        <p:nvCxnSpPr>
+          <p:cNvPr id="12" name="Connecteur droit 11"/>
+          <p:cNvCxnSpPr/>
+          <p:nvPr/>
+        </p:nvCxnSpPr>
+        <p:spPr>
+          <a:xfrm>
+            <a:off x="5385792" y="813044"/>
+            <a:ext cx="3647832" cy="3395136"/>
+          </a:xfrm>
+          <a:prstGeom prst="line">
+            <a:avLst/>
+          </a:prstGeom>
+          <a:ln w="28575">
+            <a:solidFill>
+              <a:schemeClr val="tx1"/>
+            </a:solidFill>
+            <a:prstDash val="dashDot"/>
+          </a:ln>
+        </p:spPr>
+        <p:style>
+          <a:lnRef idx="1">
+            <a:schemeClr val="accent1"/>
+          </a:lnRef>
+          <a:fillRef idx="0">
+            <a:schemeClr val="accent1"/>
+          </a:fillRef>
+          <a:effectRef idx="0">
+            <a:schemeClr val="accent1"/>
+          </a:effectRef>
+          <a:fontRef idx="minor">
+            <a:schemeClr val="tx1"/>
+          </a:fontRef>
+        </p:style>
+      </p:cxnSp>
+      <p:graphicFrame>
+        <p:nvGraphicFramePr>
+          <p:cNvPr id="11" name="Tableau 10"/>
+          <p:cNvGraphicFramePr>
+            <a:graphicFrameLocks noGrp="1"/>
+          </p:cNvGraphicFramePr>
+          <p:nvPr>
+            <p:extLst>
+              <p:ext uri="{D42A27DB-BD31-4B8C-83A1-F6EECF244321}">
+                <p14:modId xmlns:p14="http://schemas.microsoft.com/office/powerpoint/2010/main" val="467199058"/>
+              </p:ext>
+            </p:extLst>
+          </p:nvPr>
+        </p:nvGraphicFramePr>
+        <p:xfrm>
+          <a:off x="649686" y="388652"/>
+          <a:ext cx="3647832" cy="424392"/>
+        </p:xfrm>
+        <a:graphic>
+          <a:graphicData uri="http://schemas.openxmlformats.org/drawingml/2006/table">
+            <a:tbl>
+              <a:tblPr firstRow="1" bandRow="1">
+                <a:tableStyleId>{5940675A-B579-460E-94D1-54222C63F5DA}</a:tableStyleId>
+              </a:tblPr>
+              <a:tblGrid>
+                <a:gridCol w="455979"/>
+                <a:gridCol w="455979"/>
+                <a:gridCol w="455979"/>
+                <a:gridCol w="455979"/>
+                <a:gridCol w="455979"/>
+                <a:gridCol w="455979"/>
+                <a:gridCol w="455979"/>
+                <a:gridCol w="455979"/>
+              </a:tblGrid>
+              <a:tr h="424392">
+                <a:tc>
+                  <a:txBody>
+                    <a:bodyPr/>
+                    <a:lstStyle/>
+                    <a:p>
+                      <a:pPr algn="ctr"/>
+                      <a:r>
+                        <a:rPr lang="fr-FR" b="1" dirty="0" smtClean="0"/>
+                        <a:t>1</a:t>
+                      </a:r>
+                      <a:endParaRPr lang="fr-FR" b="1" dirty="0"/>
+                    </a:p>
+                  </a:txBody>
+                  <a:tcPr>
+                    <a:lnL w="12700" cmpd="sng">
+                      <a:noFill/>
+                    </a:lnL>
+                    <a:lnR w="12700" cmpd="sng">
+                      <a:noFill/>
+                    </a:lnR>
+                    <a:lnT w="12700" cmpd="sng">
+                      <a:noFill/>
+                    </a:lnT>
+                    <a:lnB w="12700" cmpd="sng">
+                      <a:noFill/>
+                    </a:lnB>
+                    <a:lnTlToBr w="12700" cmpd="sng">
+                      <a:noFill/>
+                      <a:prstDash val="solid"/>
+                    </a:lnTlToBr>
+                    <a:lnBlToTr w="12700" cmpd="sng">
+                      <a:noFill/>
+                      <a:prstDash val="solid"/>
+                    </a:lnBlToTr>
+                  </a:tcPr>
+                </a:tc>
+                <a:tc>
+                  <a:txBody>
+                    <a:bodyPr/>
+                    <a:lstStyle/>
+                    <a:p>
+                      <a:pPr algn="ctr"/>
+                      <a:r>
+                        <a:rPr lang="fr-FR" b="1" dirty="0" smtClean="0"/>
+                        <a:t>2</a:t>
+                      </a:r>
+                      <a:endParaRPr lang="fr-FR" b="1" dirty="0"/>
+                    </a:p>
+                  </a:txBody>
+                  <a:tcPr>
+                    <a:lnL w="12700" cmpd="sng">
+                      <a:noFill/>
+                    </a:lnL>
+                    <a:lnR w="12700" cmpd="sng">
+                      <a:noFill/>
+                    </a:lnR>
+                    <a:lnT w="12700" cmpd="sng">
+                      <a:noFill/>
+                    </a:lnT>
+                    <a:lnB w="12700" cmpd="sng">
+                      <a:noFill/>
+                    </a:lnB>
+                    <a:lnTlToBr w="12700" cmpd="sng">
+                      <a:noFill/>
+                      <a:prstDash val="solid"/>
+                    </a:lnTlToBr>
+                    <a:lnBlToTr w="12700" cmpd="sng">
+                      <a:noFill/>
+                      <a:prstDash val="solid"/>
+                    </a:lnBlToTr>
+                  </a:tcPr>
+                </a:tc>
+                <a:tc>
+                  <a:txBody>
+                    <a:bodyPr/>
+                    <a:lstStyle/>
+                    <a:p>
+                      <a:pPr algn="ctr"/>
+                      <a:r>
+                        <a:rPr lang="fr-FR" b="1" dirty="0" smtClean="0"/>
+                        <a:t>3</a:t>
+                      </a:r>
+                      <a:endParaRPr lang="fr-FR" b="1" dirty="0"/>
+                    </a:p>
+                  </a:txBody>
+                  <a:tcPr>
+                    <a:lnL w="12700" cmpd="sng">
+                      <a:noFill/>
+                    </a:lnL>
+                    <a:lnR w="12700" cmpd="sng">
+                      <a:noFill/>
+                    </a:lnR>
+                    <a:lnT w="12700" cmpd="sng">
+                      <a:noFill/>
+                    </a:lnT>
+                    <a:lnB w="12700" cmpd="sng">
+                      <a:noFill/>
+                    </a:lnB>
+                    <a:lnTlToBr w="12700" cmpd="sng">
+                      <a:noFill/>
+                      <a:prstDash val="solid"/>
+                    </a:lnTlToBr>
+                    <a:lnBlToTr w="12700" cmpd="sng">
+                      <a:noFill/>
+                      <a:prstDash val="solid"/>
+                    </a:lnBlToTr>
+                  </a:tcPr>
+                </a:tc>
+                <a:tc>
+                  <a:txBody>
+                    <a:bodyPr/>
+                    <a:lstStyle/>
+                    <a:p>
+                      <a:pPr algn="ctr"/>
+                      <a:r>
+                        <a:rPr lang="fr-FR" b="1" dirty="0" smtClean="0"/>
+                        <a:t>4</a:t>
+                      </a:r>
+                      <a:endParaRPr lang="fr-FR" b="1" dirty="0"/>
+                    </a:p>
+                  </a:txBody>
+                  <a:tcPr>
+                    <a:lnL w="12700" cmpd="sng">
+                      <a:noFill/>
+                    </a:lnL>
+                    <a:lnR w="12700" cmpd="sng">
+                      <a:noFill/>
+                    </a:lnR>
+                    <a:lnT w="12700" cmpd="sng">
+                      <a:noFill/>
+                    </a:lnT>
+                    <a:lnB w="12700" cmpd="sng">
+                      <a:noFill/>
+                    </a:lnB>
+                    <a:lnTlToBr w="12700" cmpd="sng">
+                      <a:noFill/>
+                      <a:prstDash val="solid"/>
+                    </a:lnTlToBr>
+                    <a:lnBlToTr w="12700" cmpd="sng">
+                      <a:noFill/>
+                      <a:prstDash val="solid"/>
+                    </a:lnBlToTr>
+                  </a:tcPr>
+                </a:tc>
+                <a:tc>
+                  <a:txBody>
+                    <a:bodyPr/>
+                    <a:lstStyle/>
+                    <a:p>
+                      <a:pPr algn="ctr"/>
+                      <a:r>
+                        <a:rPr lang="fr-FR" b="1" dirty="0" smtClean="0"/>
+                        <a:t>5</a:t>
+                      </a:r>
+                      <a:endParaRPr lang="fr-FR" b="1" dirty="0"/>
+                    </a:p>
+                  </a:txBody>
+                  <a:tcPr>
+                    <a:lnL w="12700" cmpd="sng">
+                      <a:noFill/>
+                    </a:lnL>
+                    <a:lnR w="12700" cmpd="sng">
+                      <a:noFill/>
+                    </a:lnR>
+                    <a:lnT w="12700" cmpd="sng">
+                      <a:noFill/>
+                    </a:lnT>
+                    <a:lnB w="12700" cmpd="sng">
+                      <a:noFill/>
+                    </a:lnB>
+                    <a:lnTlToBr w="12700" cmpd="sng">
+                      <a:noFill/>
+                      <a:prstDash val="solid"/>
+                    </a:lnTlToBr>
+                    <a:lnBlToTr w="12700" cmpd="sng">
+                      <a:noFill/>
+                      <a:prstDash val="solid"/>
+                    </a:lnBlToTr>
+                  </a:tcPr>
+                </a:tc>
+                <a:tc>
+                  <a:txBody>
+                    <a:bodyPr/>
+                    <a:lstStyle/>
+                    <a:p>
+                      <a:pPr algn="ctr"/>
+                      <a:r>
+                        <a:rPr lang="fr-FR" b="1" dirty="0" smtClean="0"/>
+                        <a:t>6</a:t>
+                      </a:r>
+                      <a:endParaRPr lang="fr-FR" b="1" dirty="0"/>
+                    </a:p>
+                  </a:txBody>
+                  <a:tcPr>
+                    <a:lnL w="12700" cmpd="sng">
+                      <a:noFill/>
+                    </a:lnL>
+                    <a:lnR w="12700" cmpd="sng">
+                      <a:noFill/>
+                    </a:lnR>
+                    <a:lnT w="12700" cmpd="sng">
+                      <a:noFill/>
+                    </a:lnT>
+                    <a:lnB w="12700" cmpd="sng">
+                      <a:noFill/>
+                    </a:lnB>
+                    <a:lnTlToBr w="12700" cmpd="sng">
+                      <a:noFill/>
+                      <a:prstDash val="solid"/>
+                    </a:lnTlToBr>
+                    <a:lnBlToTr w="12700" cmpd="sng">
+                      <a:noFill/>
+                      <a:prstDash val="solid"/>
+                    </a:lnBlToTr>
+                  </a:tcPr>
+                </a:tc>
+                <a:tc>
+                  <a:txBody>
+                    <a:bodyPr/>
+                    <a:lstStyle/>
+                    <a:p>
+                      <a:pPr algn="ctr"/>
+                      <a:r>
+                        <a:rPr lang="fr-FR" b="1" dirty="0" smtClean="0"/>
+                        <a:t>7</a:t>
+                      </a:r>
+                      <a:endParaRPr lang="fr-FR" b="1" dirty="0"/>
+                    </a:p>
+                  </a:txBody>
+                  <a:tcPr>
+                    <a:lnL w="12700" cmpd="sng">
+                      <a:noFill/>
+                    </a:lnL>
+                    <a:lnR w="12700" cmpd="sng">
+                      <a:noFill/>
+                    </a:lnR>
+                    <a:lnT w="12700" cmpd="sng">
+                      <a:noFill/>
+                    </a:lnT>
+                    <a:lnB w="12700" cmpd="sng">
+                      <a:noFill/>
+                    </a:lnB>
+                    <a:lnTlToBr w="12700" cmpd="sng">
+                      <a:noFill/>
+                      <a:prstDash val="solid"/>
+                    </a:lnTlToBr>
+                    <a:lnBlToTr w="12700" cmpd="sng">
+                      <a:noFill/>
+                      <a:prstDash val="solid"/>
+                    </a:lnBlToTr>
+                  </a:tcPr>
+                </a:tc>
+                <a:tc>
+                  <a:txBody>
+                    <a:bodyPr/>
+                    <a:lstStyle/>
+                    <a:p>
+                      <a:pPr algn="ctr"/>
+                      <a:r>
+                        <a:rPr lang="fr-FR" b="1" dirty="0" smtClean="0"/>
+                        <a:t>8</a:t>
+                      </a:r>
+                      <a:endParaRPr lang="fr-FR" b="1" dirty="0"/>
+                    </a:p>
+                  </a:txBody>
+                  <a:tcPr>
+                    <a:lnL w="12700" cmpd="sng">
+                      <a:noFill/>
+                    </a:lnL>
+                    <a:lnR w="12700" cmpd="sng">
+                      <a:noFill/>
+                    </a:lnR>
+                    <a:lnT w="12700" cmpd="sng">
+                      <a:noFill/>
+                    </a:lnT>
+                    <a:lnB w="12700" cmpd="sng">
+                      <a:noFill/>
+                    </a:lnB>
+                    <a:lnTlToBr w="12700" cmpd="sng">
+                      <a:noFill/>
+                      <a:prstDash val="solid"/>
+                    </a:lnTlToBr>
+                    <a:lnBlToTr w="12700" cmpd="sng">
+                      <a:noFill/>
+                      <a:prstDash val="solid"/>
+                    </a:lnBlToTr>
+                  </a:tcPr>
+                </a:tc>
+              </a:tr>
+            </a:tbl>
+          </a:graphicData>
+        </a:graphic>
+      </p:graphicFrame>
+      <p:graphicFrame>
+        <p:nvGraphicFramePr>
+          <p:cNvPr id="3" name="Tableau 2"/>
+          <p:cNvGraphicFramePr>
+            <a:graphicFrameLocks noGrp="1"/>
+          </p:cNvGraphicFramePr>
+          <p:nvPr>
+            <p:extLst>
+              <p:ext uri="{D42A27DB-BD31-4B8C-83A1-F6EECF244321}">
+                <p14:modId xmlns:p14="http://schemas.microsoft.com/office/powerpoint/2010/main" val="590404894"/>
+              </p:ext>
+            </p:extLst>
+          </p:nvPr>
+        </p:nvGraphicFramePr>
+        <p:xfrm>
+          <a:off x="5378667" y="388652"/>
+          <a:ext cx="3647832" cy="424392"/>
+        </p:xfrm>
+        <a:graphic>
+          <a:graphicData uri="http://schemas.openxmlformats.org/drawingml/2006/table">
+            <a:tbl>
+              <a:tblPr firstRow="1" bandRow="1">
+                <a:tableStyleId>{5940675A-B579-460E-94D1-54222C63F5DA}</a:tableStyleId>
+              </a:tblPr>
+              <a:tblGrid>
+                <a:gridCol w="455979"/>
+                <a:gridCol w="455979"/>
+                <a:gridCol w="455979"/>
+                <a:gridCol w="455979"/>
+                <a:gridCol w="455979"/>
+                <a:gridCol w="455979"/>
+                <a:gridCol w="455979"/>
+                <a:gridCol w="455979"/>
+              </a:tblGrid>
+              <a:tr h="424392">
+                <a:tc>
+                  <a:txBody>
+                    <a:bodyPr/>
+                    <a:lstStyle/>
+                    <a:p>
+                      <a:pPr algn="ctr"/>
+                      <a:r>
+                        <a:rPr lang="fr-FR" b="1" dirty="0" smtClean="0"/>
+                        <a:t>1</a:t>
+                      </a:r>
+                      <a:endParaRPr lang="fr-FR" b="1" dirty="0"/>
+                    </a:p>
+                  </a:txBody>
+                  <a:tcPr>
+                    <a:lnL w="12700" cmpd="sng">
+                      <a:noFill/>
+                    </a:lnL>
+                    <a:lnR w="12700" cmpd="sng">
+                      <a:noFill/>
+                    </a:lnR>
+                    <a:lnT w="12700" cmpd="sng">
+                      <a:noFill/>
+                    </a:lnT>
+                    <a:lnB w="12700" cmpd="sng">
+                      <a:noFill/>
+                    </a:lnB>
+                    <a:lnTlToBr w="12700" cmpd="sng">
+                      <a:noFill/>
+                      <a:prstDash val="solid"/>
+                    </a:lnTlToBr>
+                    <a:lnBlToTr w="12700" cmpd="sng">
+                      <a:noFill/>
+                      <a:prstDash val="solid"/>
+                    </a:lnBlToTr>
+                  </a:tcPr>
+                </a:tc>
+                <a:tc>
+                  <a:txBody>
+                    <a:bodyPr/>
+                    <a:lstStyle/>
+                    <a:p>
+                      <a:pPr algn="ctr"/>
+                      <a:r>
+                        <a:rPr lang="fr-FR" b="1" dirty="0" smtClean="0"/>
+                        <a:t>2</a:t>
+                      </a:r>
+                      <a:endParaRPr lang="fr-FR" b="1" dirty="0"/>
+                    </a:p>
+                  </a:txBody>
+                  <a:tcPr>
+                    <a:lnL w="12700" cmpd="sng">
+                      <a:noFill/>
+                    </a:lnL>
+                    <a:lnR w="12700" cmpd="sng">
+                      <a:noFill/>
+                    </a:lnR>
+                    <a:lnT w="12700" cmpd="sng">
+                      <a:noFill/>
+                    </a:lnT>
+                    <a:lnB w="12700" cmpd="sng">
+                      <a:noFill/>
+                    </a:lnB>
+                    <a:lnTlToBr w="12700" cmpd="sng">
+                      <a:noFill/>
+                      <a:prstDash val="solid"/>
+                    </a:lnTlToBr>
+                    <a:lnBlToTr w="12700" cmpd="sng">
+                      <a:noFill/>
+                      <a:prstDash val="solid"/>
+                    </a:lnBlToTr>
+                  </a:tcPr>
+                </a:tc>
+                <a:tc>
+                  <a:txBody>
+                    <a:bodyPr/>
+                    <a:lstStyle/>
+                    <a:p>
+                      <a:pPr algn="ctr"/>
+                      <a:r>
+                        <a:rPr lang="fr-FR" b="1" dirty="0" smtClean="0"/>
+                        <a:t>3</a:t>
+                      </a:r>
+                      <a:endParaRPr lang="fr-FR" b="1" dirty="0"/>
+                    </a:p>
+                  </a:txBody>
+                  <a:tcPr>
+                    <a:lnL w="12700" cmpd="sng">
+                      <a:noFill/>
+                    </a:lnL>
+                    <a:lnR w="12700" cmpd="sng">
+                      <a:noFill/>
+                    </a:lnR>
+                    <a:lnT w="12700" cmpd="sng">
+                      <a:noFill/>
+                    </a:lnT>
+                    <a:lnB w="12700" cmpd="sng">
+                      <a:noFill/>
+                    </a:lnB>
+                    <a:lnTlToBr w="12700" cmpd="sng">
+                      <a:noFill/>
+                      <a:prstDash val="solid"/>
+                    </a:lnTlToBr>
+                    <a:lnBlToTr w="12700" cmpd="sng">
+                      <a:noFill/>
+                      <a:prstDash val="solid"/>
+                    </a:lnBlToTr>
+                  </a:tcPr>
+                </a:tc>
+                <a:tc>
+                  <a:txBody>
+                    <a:bodyPr/>
+                    <a:lstStyle/>
+                    <a:p>
+                      <a:pPr algn="ctr"/>
+                      <a:r>
+                        <a:rPr lang="fr-FR" b="1" dirty="0" smtClean="0"/>
+                        <a:t>4</a:t>
+                      </a:r>
+                      <a:endParaRPr lang="fr-FR" b="1" dirty="0"/>
+                    </a:p>
+                  </a:txBody>
+                  <a:tcPr>
+                    <a:lnL w="12700" cmpd="sng">
+                      <a:noFill/>
+                    </a:lnL>
+                    <a:lnR w="12700" cmpd="sng">
+                      <a:noFill/>
+                    </a:lnR>
+                    <a:lnT w="12700" cmpd="sng">
+                      <a:noFill/>
+                    </a:lnT>
+                    <a:lnB w="12700" cmpd="sng">
+                      <a:noFill/>
+                    </a:lnB>
+                    <a:lnTlToBr w="12700" cmpd="sng">
+                      <a:noFill/>
+                      <a:prstDash val="solid"/>
+                    </a:lnTlToBr>
+                    <a:lnBlToTr w="12700" cmpd="sng">
+                      <a:noFill/>
+                      <a:prstDash val="solid"/>
+                    </a:lnBlToTr>
+                  </a:tcPr>
+                </a:tc>
+                <a:tc>
+                  <a:txBody>
+                    <a:bodyPr/>
+                    <a:lstStyle/>
+                    <a:p>
+                      <a:pPr algn="ctr"/>
+                      <a:r>
+                        <a:rPr lang="fr-FR" b="1" dirty="0" smtClean="0"/>
+                        <a:t>5</a:t>
+                      </a:r>
+                      <a:endParaRPr lang="fr-FR" b="1" dirty="0"/>
+                    </a:p>
+                  </a:txBody>
+                  <a:tcPr>
+                    <a:lnL w="12700" cmpd="sng">
+                      <a:noFill/>
+                    </a:lnL>
+                    <a:lnR w="12700" cmpd="sng">
+                      <a:noFill/>
+                    </a:lnR>
+                    <a:lnT w="12700" cmpd="sng">
+                      <a:noFill/>
+                    </a:lnT>
+                    <a:lnB w="12700" cmpd="sng">
+                      <a:noFill/>
+                    </a:lnB>
+                    <a:lnTlToBr w="12700" cmpd="sng">
+                      <a:noFill/>
+                      <a:prstDash val="solid"/>
+                    </a:lnTlToBr>
+                    <a:lnBlToTr w="12700" cmpd="sng">
+                      <a:noFill/>
+                      <a:prstDash val="solid"/>
+                    </a:lnBlToTr>
+                  </a:tcPr>
+                </a:tc>
+                <a:tc>
+                  <a:txBody>
+                    <a:bodyPr/>
+                    <a:lstStyle/>
+                    <a:p>
+                      <a:pPr algn="ctr"/>
+                      <a:r>
+                        <a:rPr lang="fr-FR" b="1" dirty="0" smtClean="0"/>
+                        <a:t>6</a:t>
+                      </a:r>
+                      <a:endParaRPr lang="fr-FR" b="1" dirty="0"/>
+                    </a:p>
+                  </a:txBody>
+                  <a:tcPr>
+                    <a:lnL w="12700" cmpd="sng">
+                      <a:noFill/>
+                    </a:lnL>
+                    <a:lnR w="12700" cmpd="sng">
+                      <a:noFill/>
+                    </a:lnR>
+                    <a:lnT w="12700" cmpd="sng">
+                      <a:noFill/>
+                    </a:lnT>
+                    <a:lnB w="12700" cmpd="sng">
+                      <a:noFill/>
+                    </a:lnB>
+                    <a:lnTlToBr w="12700" cmpd="sng">
+                      <a:noFill/>
+                      <a:prstDash val="solid"/>
+                    </a:lnTlToBr>
+                    <a:lnBlToTr w="12700" cmpd="sng">
+                      <a:noFill/>
+                      <a:prstDash val="solid"/>
+                    </a:lnBlToTr>
+                  </a:tcPr>
+                </a:tc>
+                <a:tc>
+                  <a:txBody>
+                    <a:bodyPr/>
+                    <a:lstStyle/>
+                    <a:p>
+                      <a:pPr algn="ctr"/>
+                      <a:r>
+                        <a:rPr lang="fr-FR" b="1" dirty="0" smtClean="0"/>
+                        <a:t>7</a:t>
+                      </a:r>
+                      <a:endParaRPr lang="fr-FR" b="1" dirty="0"/>
+                    </a:p>
+                  </a:txBody>
+                  <a:tcPr>
+                    <a:lnL w="12700" cmpd="sng">
+                      <a:noFill/>
+                    </a:lnL>
+                    <a:lnR w="12700" cmpd="sng">
+                      <a:noFill/>
+                    </a:lnR>
+                    <a:lnT w="12700" cmpd="sng">
+                      <a:noFill/>
+                    </a:lnT>
+                    <a:lnB w="12700" cmpd="sng">
+                      <a:noFill/>
+                    </a:lnB>
+                    <a:lnTlToBr w="12700" cmpd="sng">
+                      <a:noFill/>
+                      <a:prstDash val="solid"/>
+                    </a:lnTlToBr>
+                    <a:lnBlToTr w="12700" cmpd="sng">
+                      <a:noFill/>
+                      <a:prstDash val="solid"/>
+                    </a:lnBlToTr>
+                  </a:tcPr>
+                </a:tc>
+                <a:tc>
+                  <a:txBody>
+                    <a:bodyPr/>
+                    <a:lstStyle/>
+                    <a:p>
+                      <a:pPr algn="ctr"/>
+                      <a:r>
+                        <a:rPr lang="fr-FR" b="1" dirty="0" smtClean="0"/>
+                        <a:t>8</a:t>
+                      </a:r>
+                      <a:endParaRPr lang="fr-FR" b="1" dirty="0"/>
+                    </a:p>
+                  </a:txBody>
+                  <a:tcPr>
+                    <a:lnL w="12700" cmpd="sng">
+                      <a:noFill/>
+                    </a:lnL>
+                    <a:lnR w="12700" cmpd="sng">
+                      <a:noFill/>
+                    </a:lnR>
+                    <a:lnT w="12700" cmpd="sng">
+                      <a:noFill/>
+                    </a:lnT>
+                    <a:lnB w="12700" cmpd="sng">
+                      <a:noFill/>
+                    </a:lnB>
+                    <a:lnTlToBr w="12700" cmpd="sng">
+                      <a:noFill/>
+                      <a:prstDash val="solid"/>
+                    </a:lnTlToBr>
+                    <a:lnBlToTr w="12700" cmpd="sng">
+                      <a:noFill/>
+                      <a:prstDash val="solid"/>
+                    </a:lnBlToTr>
+                  </a:tcPr>
+                </a:tc>
+              </a:tr>
+            </a:tbl>
+          </a:graphicData>
+        </a:graphic>
+      </p:graphicFrame>
+      <p:graphicFrame>
+        <p:nvGraphicFramePr>
+          <p:cNvPr id="6" name="Tableau 5"/>
+          <p:cNvGraphicFramePr>
+            <a:graphicFrameLocks noGrp="1"/>
+          </p:cNvGraphicFramePr>
+          <p:nvPr>
+            <p:extLst>
+              <p:ext uri="{D42A27DB-BD31-4B8C-83A1-F6EECF244321}">
+                <p14:modId xmlns:p14="http://schemas.microsoft.com/office/powerpoint/2010/main" val="721097538"/>
+              </p:ext>
+            </p:extLst>
+          </p:nvPr>
+        </p:nvGraphicFramePr>
+        <p:xfrm>
+          <a:off x="186582" y="802534"/>
+          <a:ext cx="455979" cy="3395136"/>
+        </p:xfrm>
+        <a:graphic>
+          <a:graphicData uri="http://schemas.openxmlformats.org/drawingml/2006/table">
+            <a:tbl>
+              <a:tblPr firstRow="1" bandRow="1">
+                <a:tableStyleId>{5940675A-B579-460E-94D1-54222C63F5DA}</a:tableStyleId>
+              </a:tblPr>
+              <a:tblGrid>
+                <a:gridCol w="455979"/>
+              </a:tblGrid>
+              <a:tr h="424392">
+                <a:tc>
+                  <a:txBody>
+                    <a:bodyPr/>
+                    <a:lstStyle/>
+                    <a:p>
+                      <a:pPr algn="ctr"/>
+                      <a:r>
+                        <a:rPr lang="fr-FR" b="1" dirty="0" smtClean="0"/>
+                        <a:t>1</a:t>
+                      </a:r>
+                      <a:endParaRPr lang="fr-FR" b="1" dirty="0"/>
+                    </a:p>
+                  </a:txBody>
+                  <a:tcPr>
+                    <a:lnL w="12700" cmpd="sng">
+                      <a:noFill/>
+                    </a:lnL>
+                    <a:lnR w="12700" cmpd="sng">
+                      <a:noFill/>
+                    </a:lnR>
+                    <a:lnT w="12700" cmpd="sng">
+                      <a:noFill/>
+                    </a:lnT>
+                    <a:lnB w="12700" cmpd="sng">
+                      <a:noFill/>
+                    </a:lnB>
+                    <a:lnTlToBr w="12700" cmpd="sng">
+                      <a:noFill/>
+                      <a:prstDash val="solid"/>
+                    </a:lnTlToBr>
+                    <a:lnBlToTr w="12700" cmpd="sng">
+                      <a:noFill/>
+                      <a:prstDash val="solid"/>
+                    </a:lnBlToTr>
+                  </a:tcPr>
+                </a:tc>
+              </a:tr>
+              <a:tr h="424392">
+                <a:tc>
+                  <a:txBody>
+                    <a:bodyPr/>
+                    <a:lstStyle/>
+                    <a:p>
+                      <a:pPr algn="ctr"/>
+                      <a:r>
+                        <a:rPr lang="fr-FR" b="1" dirty="0" smtClean="0"/>
+                        <a:t>2</a:t>
+                      </a:r>
+                      <a:endParaRPr lang="fr-FR" b="1" dirty="0"/>
+                    </a:p>
+                  </a:txBody>
+                  <a:tcPr>
+                    <a:lnL w="12700" cmpd="sng">
+                      <a:noFill/>
+                    </a:lnL>
+                    <a:lnR w="12700" cmpd="sng">
+                      <a:noFill/>
+                    </a:lnR>
+                    <a:lnT w="12700" cmpd="sng">
+                      <a:noFill/>
+                    </a:lnT>
+                    <a:lnB w="12700" cmpd="sng">
+                      <a:noFill/>
+                    </a:lnB>
+                    <a:lnTlToBr w="12700" cmpd="sng">
+                      <a:noFill/>
+                      <a:prstDash val="solid"/>
+                    </a:lnTlToBr>
+                    <a:lnBlToTr w="12700" cmpd="sng">
+                      <a:noFill/>
+                      <a:prstDash val="solid"/>
+                    </a:lnBlToTr>
+                    <a:noFill/>
+                  </a:tcPr>
+                </a:tc>
+              </a:tr>
+              <a:tr h="424392">
+                <a:tc>
+                  <a:txBody>
+                    <a:bodyPr/>
+                    <a:lstStyle/>
+                    <a:p>
+                      <a:pPr algn="ctr"/>
+                      <a:r>
+                        <a:rPr lang="fr-FR" b="1" dirty="0" smtClean="0"/>
+                        <a:t>3</a:t>
+                      </a:r>
+                      <a:endParaRPr lang="fr-FR" b="1" dirty="0"/>
+                    </a:p>
+                  </a:txBody>
+                  <a:tcPr>
+                    <a:lnL w="12700" cmpd="sng">
+                      <a:noFill/>
+                    </a:lnL>
+                    <a:lnR w="12700" cmpd="sng">
+                      <a:noFill/>
+                    </a:lnR>
+                    <a:lnT w="12700" cmpd="sng">
+                      <a:noFill/>
+                    </a:lnT>
+                    <a:lnB w="12700" cmpd="sng">
+                      <a:noFill/>
+                    </a:lnB>
+                    <a:lnTlToBr w="12700" cmpd="sng">
+                      <a:noFill/>
+                      <a:prstDash val="solid"/>
+                    </a:lnTlToBr>
+                    <a:lnBlToTr w="12700" cmpd="sng">
+                      <a:noFill/>
+                      <a:prstDash val="solid"/>
+                    </a:lnBlToTr>
+                  </a:tcPr>
+                </a:tc>
+              </a:tr>
+              <a:tr h="424392">
+                <a:tc>
+                  <a:txBody>
+                    <a:bodyPr/>
+                    <a:lstStyle/>
+                    <a:p>
+                      <a:pPr algn="ctr"/>
+                      <a:r>
+                        <a:rPr lang="fr-FR" b="1" dirty="0" smtClean="0"/>
+                        <a:t>4</a:t>
+                      </a:r>
+                      <a:endParaRPr lang="fr-FR" b="1" dirty="0"/>
+                    </a:p>
+                  </a:txBody>
+                  <a:tcPr>
+                    <a:lnL w="12700" cmpd="sng">
+                      <a:noFill/>
+                    </a:lnL>
+                    <a:lnR w="12700" cmpd="sng">
+                      <a:noFill/>
+                    </a:lnR>
+                    <a:lnT w="12700" cmpd="sng">
+                      <a:noFill/>
+                    </a:lnT>
+                    <a:lnB w="12700" cmpd="sng">
+                      <a:noFill/>
+                    </a:lnB>
+                    <a:lnTlToBr w="12700" cmpd="sng">
+                      <a:noFill/>
+                      <a:prstDash val="solid"/>
+                    </a:lnTlToBr>
+                    <a:lnBlToTr w="12700" cmpd="sng">
+                      <a:noFill/>
+                      <a:prstDash val="solid"/>
+                    </a:lnBlToTr>
+                  </a:tcPr>
+                </a:tc>
+              </a:tr>
+              <a:tr h="424392">
+                <a:tc>
+                  <a:txBody>
+                    <a:bodyPr/>
+                    <a:lstStyle/>
+                    <a:p>
+                      <a:pPr algn="ctr"/>
+                      <a:r>
+                        <a:rPr lang="fr-FR" b="1" dirty="0" smtClean="0"/>
+                        <a:t>5</a:t>
+                      </a:r>
+                      <a:endParaRPr lang="fr-FR" b="1" dirty="0"/>
+                    </a:p>
+                  </a:txBody>
+                  <a:tcPr>
+                    <a:lnL w="12700" cmpd="sng">
+                      <a:noFill/>
+                    </a:lnL>
+                    <a:lnR w="12700" cmpd="sng">
+                      <a:noFill/>
+                    </a:lnR>
+                    <a:lnT w="12700" cmpd="sng">
+                      <a:noFill/>
+                    </a:lnT>
+                    <a:lnB w="12700" cmpd="sng">
+                      <a:noFill/>
+                    </a:lnB>
+                    <a:lnTlToBr w="12700" cmpd="sng">
+                      <a:noFill/>
+                      <a:prstDash val="solid"/>
+                    </a:lnTlToBr>
+                    <a:lnBlToTr w="12700" cmpd="sng">
+                      <a:noFill/>
+                      <a:prstDash val="solid"/>
+                    </a:lnBlToTr>
+                  </a:tcPr>
+                </a:tc>
+              </a:tr>
+              <a:tr h="424392">
+                <a:tc>
+                  <a:txBody>
+                    <a:bodyPr/>
+                    <a:lstStyle/>
+                    <a:p>
+                      <a:pPr algn="ctr"/>
+                      <a:r>
+                        <a:rPr lang="fr-FR" b="1" dirty="0" smtClean="0"/>
+                        <a:t>6</a:t>
+                      </a:r>
+                      <a:endParaRPr lang="fr-FR" b="1" dirty="0"/>
+                    </a:p>
+                  </a:txBody>
+                  <a:tcPr>
+                    <a:lnL w="12700" cmpd="sng">
+                      <a:noFill/>
+                    </a:lnL>
+                    <a:lnR w="12700" cmpd="sng">
+                      <a:noFill/>
+                    </a:lnR>
+                    <a:lnT w="12700" cmpd="sng">
+                      <a:noFill/>
+                    </a:lnT>
+                    <a:lnB w="12700" cmpd="sng">
+                      <a:noFill/>
+                    </a:lnB>
+                    <a:lnTlToBr w="12700" cmpd="sng">
+                      <a:noFill/>
+                      <a:prstDash val="solid"/>
+                    </a:lnTlToBr>
+                    <a:lnBlToTr w="12700" cmpd="sng">
+                      <a:noFill/>
+                      <a:prstDash val="solid"/>
+                    </a:lnBlToTr>
+                  </a:tcPr>
+                </a:tc>
+              </a:tr>
+              <a:tr h="424392">
+                <a:tc>
+                  <a:txBody>
+                    <a:bodyPr/>
+                    <a:lstStyle/>
+                    <a:p>
+                      <a:pPr algn="ctr"/>
+                      <a:r>
+                        <a:rPr lang="fr-FR" b="1" dirty="0" smtClean="0"/>
+                        <a:t>7</a:t>
+                      </a:r>
+                      <a:endParaRPr lang="fr-FR" b="1" dirty="0"/>
+                    </a:p>
+                  </a:txBody>
+                  <a:tcPr>
+                    <a:lnL w="12700" cmpd="sng">
+                      <a:noFill/>
+                    </a:lnL>
+                    <a:lnR w="12700" cmpd="sng">
+                      <a:noFill/>
+                    </a:lnR>
+                    <a:lnT w="12700" cmpd="sng">
+                      <a:noFill/>
+                    </a:lnT>
+                    <a:lnB w="12700" cmpd="sng">
+                      <a:noFill/>
+                    </a:lnB>
+                    <a:lnTlToBr w="12700" cmpd="sng">
+                      <a:noFill/>
+                      <a:prstDash val="solid"/>
+                    </a:lnTlToBr>
+                    <a:lnBlToTr w="12700" cmpd="sng">
+                      <a:noFill/>
+                      <a:prstDash val="solid"/>
+                    </a:lnBlToTr>
+                  </a:tcPr>
+                </a:tc>
+              </a:tr>
+              <a:tr h="424392">
+                <a:tc>
+                  <a:txBody>
+                    <a:bodyPr/>
+                    <a:lstStyle/>
+                    <a:p>
+                      <a:pPr algn="ctr"/>
+                      <a:r>
+                        <a:rPr lang="fr-FR" b="1" dirty="0" smtClean="0"/>
+                        <a:t>8</a:t>
+                      </a:r>
+                      <a:endParaRPr lang="fr-FR" b="1" dirty="0"/>
+                    </a:p>
+                  </a:txBody>
+                  <a:tcPr>
+                    <a:lnL w="12700" cmpd="sng">
+                      <a:noFill/>
+                    </a:lnL>
+                    <a:lnR w="12700" cmpd="sng">
+                      <a:noFill/>
+                    </a:lnR>
+                    <a:lnT w="12700" cmpd="sng">
+                      <a:noFill/>
+                    </a:lnT>
+                    <a:lnB w="12700" cmpd="sng">
+                      <a:noFill/>
+                    </a:lnB>
+                    <a:lnTlToBr w="12700" cmpd="sng">
+                      <a:noFill/>
+                      <a:prstDash val="solid"/>
+                    </a:lnTlToBr>
+                    <a:lnBlToTr w="12700" cmpd="sng">
+                      <a:noFill/>
+                      <a:prstDash val="solid"/>
+                    </a:lnBlToTr>
+                  </a:tcPr>
+                </a:tc>
+              </a:tr>
+            </a:tbl>
+          </a:graphicData>
+        </a:graphic>
+      </p:graphicFrame>
+      <p:graphicFrame>
+        <p:nvGraphicFramePr>
+          <p:cNvPr id="13" name="Tableau 12"/>
+          <p:cNvGraphicFramePr>
+            <a:graphicFrameLocks noGrp="1"/>
+          </p:cNvGraphicFramePr>
+          <p:nvPr>
+            <p:extLst>
+              <p:ext uri="{D42A27DB-BD31-4B8C-83A1-F6EECF244321}">
+                <p14:modId xmlns:p14="http://schemas.microsoft.com/office/powerpoint/2010/main" val="105271780"/>
+              </p:ext>
+            </p:extLst>
+          </p:nvPr>
+        </p:nvGraphicFramePr>
+        <p:xfrm>
+          <a:off x="4921649" y="802534"/>
+          <a:ext cx="455979" cy="3395136"/>
+        </p:xfrm>
+        <a:graphic>
+          <a:graphicData uri="http://schemas.openxmlformats.org/drawingml/2006/table">
+            <a:tbl>
+              <a:tblPr firstRow="1" bandRow="1">
+                <a:tableStyleId>{5940675A-B579-460E-94D1-54222C63F5DA}</a:tableStyleId>
+              </a:tblPr>
+              <a:tblGrid>
+                <a:gridCol w="455979"/>
+              </a:tblGrid>
+              <a:tr h="424392">
+                <a:tc>
+                  <a:txBody>
+                    <a:bodyPr/>
+                    <a:lstStyle/>
+                    <a:p>
+                      <a:pPr algn="ctr"/>
+                      <a:r>
+                        <a:rPr lang="fr-FR" b="1" dirty="0" smtClean="0"/>
+                        <a:t>1</a:t>
+                      </a:r>
+                      <a:endParaRPr lang="fr-FR" b="1" dirty="0"/>
+                    </a:p>
+                  </a:txBody>
+                  <a:tcPr>
+                    <a:lnL w="12700" cmpd="sng">
+                      <a:noFill/>
+                    </a:lnL>
+                    <a:lnR w="12700" cmpd="sng">
+                      <a:noFill/>
+                    </a:lnR>
+                    <a:lnT w="12700" cmpd="sng">
+                      <a:noFill/>
+                    </a:lnT>
+                    <a:lnB w="12700" cmpd="sng">
+                      <a:noFill/>
+                    </a:lnB>
+                    <a:lnTlToBr w="12700" cmpd="sng">
+                      <a:noFill/>
+                      <a:prstDash val="solid"/>
+                    </a:lnTlToBr>
+                    <a:lnBlToTr w="12700" cmpd="sng">
+                      <a:noFill/>
+                      <a:prstDash val="solid"/>
+                    </a:lnBlToTr>
+                  </a:tcPr>
+                </a:tc>
+              </a:tr>
+              <a:tr h="424392">
+                <a:tc>
+                  <a:txBody>
+                    <a:bodyPr/>
+                    <a:lstStyle/>
+                    <a:p>
+                      <a:pPr algn="ctr"/>
+                      <a:r>
+                        <a:rPr lang="fr-FR" b="1" dirty="0" smtClean="0"/>
+                        <a:t>2</a:t>
+                      </a:r>
+                      <a:endParaRPr lang="fr-FR" b="1" dirty="0"/>
+                    </a:p>
+                  </a:txBody>
+                  <a:tcPr>
+                    <a:lnL w="12700" cmpd="sng">
+                      <a:noFill/>
+                    </a:lnL>
+                    <a:lnR w="12700" cmpd="sng">
+                      <a:noFill/>
+                    </a:lnR>
+                    <a:lnT w="12700" cmpd="sng">
+                      <a:noFill/>
+                    </a:lnT>
+                    <a:lnB w="12700" cmpd="sng">
+                      <a:noFill/>
+                    </a:lnB>
+                    <a:lnTlToBr w="12700" cmpd="sng">
+                      <a:noFill/>
+                      <a:prstDash val="solid"/>
+                    </a:lnTlToBr>
+                    <a:lnBlToTr w="12700" cmpd="sng">
+                      <a:noFill/>
+                      <a:prstDash val="solid"/>
+                    </a:lnBlToTr>
+                    <a:noFill/>
+                  </a:tcPr>
+                </a:tc>
+              </a:tr>
+              <a:tr h="424392">
+                <a:tc>
+                  <a:txBody>
+                    <a:bodyPr/>
+                    <a:lstStyle/>
+                    <a:p>
+                      <a:pPr algn="ctr"/>
+                      <a:r>
+                        <a:rPr lang="fr-FR" b="1" dirty="0" smtClean="0"/>
+                        <a:t>3</a:t>
+                      </a:r>
+                      <a:endParaRPr lang="fr-FR" b="1" dirty="0"/>
+                    </a:p>
+                  </a:txBody>
+                  <a:tcPr>
+                    <a:lnL w="12700" cmpd="sng">
+                      <a:noFill/>
+                    </a:lnL>
+                    <a:lnR w="12700" cmpd="sng">
+                      <a:noFill/>
+                    </a:lnR>
+                    <a:lnT w="12700" cmpd="sng">
+                      <a:noFill/>
+                    </a:lnT>
+                    <a:lnB w="12700" cmpd="sng">
+                      <a:noFill/>
+                    </a:lnB>
+                    <a:lnTlToBr w="12700" cmpd="sng">
+                      <a:noFill/>
+                      <a:prstDash val="solid"/>
+                    </a:lnTlToBr>
+                    <a:lnBlToTr w="12700" cmpd="sng">
+                      <a:noFill/>
+                      <a:prstDash val="solid"/>
+                    </a:lnBlToTr>
+                  </a:tcPr>
+                </a:tc>
+              </a:tr>
+              <a:tr h="424392">
+                <a:tc>
+                  <a:txBody>
+                    <a:bodyPr/>
+                    <a:lstStyle/>
+                    <a:p>
+                      <a:pPr algn="ctr"/>
+                      <a:r>
+                        <a:rPr lang="fr-FR" b="1" dirty="0" smtClean="0"/>
+                        <a:t>4</a:t>
+                      </a:r>
+                      <a:endParaRPr lang="fr-FR" b="1" dirty="0"/>
+                    </a:p>
+                  </a:txBody>
+                  <a:tcPr>
+                    <a:lnL w="12700" cmpd="sng">
+                      <a:noFill/>
+                    </a:lnL>
+                    <a:lnR w="12700" cmpd="sng">
+                      <a:noFill/>
+                    </a:lnR>
+                    <a:lnT w="12700" cmpd="sng">
+                      <a:noFill/>
+                    </a:lnT>
+                    <a:lnB w="12700" cmpd="sng">
+                      <a:noFill/>
+                    </a:lnB>
+                    <a:lnTlToBr w="12700" cmpd="sng">
+                      <a:noFill/>
+                      <a:prstDash val="solid"/>
+                    </a:lnTlToBr>
+                    <a:lnBlToTr w="12700" cmpd="sng">
+                      <a:noFill/>
+                      <a:prstDash val="solid"/>
+                    </a:lnBlToTr>
+                  </a:tcPr>
+                </a:tc>
+              </a:tr>
+              <a:tr h="424392">
+                <a:tc>
+                  <a:txBody>
+                    <a:bodyPr/>
+                    <a:lstStyle/>
+                    <a:p>
+                      <a:pPr algn="ctr"/>
+                      <a:r>
+                        <a:rPr lang="fr-FR" b="1" dirty="0" smtClean="0"/>
+                        <a:t>5</a:t>
+                      </a:r>
+                      <a:endParaRPr lang="fr-FR" b="1" dirty="0"/>
+                    </a:p>
+                  </a:txBody>
+                  <a:tcPr>
+                    <a:lnL w="12700" cmpd="sng">
+                      <a:noFill/>
+                    </a:lnL>
+                    <a:lnR w="12700" cmpd="sng">
+                      <a:noFill/>
+                    </a:lnR>
+                    <a:lnT w="12700" cmpd="sng">
+                      <a:noFill/>
+                    </a:lnT>
+                    <a:lnB w="12700" cmpd="sng">
+                      <a:noFill/>
+                    </a:lnB>
+                    <a:lnTlToBr w="12700" cmpd="sng">
+                      <a:noFill/>
+                      <a:prstDash val="solid"/>
+                    </a:lnTlToBr>
+                    <a:lnBlToTr w="12700" cmpd="sng">
+                      <a:noFill/>
+                      <a:prstDash val="solid"/>
+                    </a:lnBlToTr>
+                  </a:tcPr>
+                </a:tc>
+              </a:tr>
+              <a:tr h="424392">
+                <a:tc>
+                  <a:txBody>
+                    <a:bodyPr/>
+                    <a:lstStyle/>
+                    <a:p>
+                      <a:pPr algn="ctr"/>
+                      <a:r>
+                        <a:rPr lang="fr-FR" b="1" dirty="0" smtClean="0"/>
+                        <a:t>6</a:t>
+                      </a:r>
+                      <a:endParaRPr lang="fr-FR" b="1" dirty="0"/>
+                    </a:p>
+                  </a:txBody>
+                  <a:tcPr>
+                    <a:lnL w="12700" cmpd="sng">
+                      <a:noFill/>
+                    </a:lnL>
+                    <a:lnR w="12700" cmpd="sng">
+                      <a:noFill/>
+                    </a:lnR>
+                    <a:lnT w="12700" cmpd="sng">
+                      <a:noFill/>
+                    </a:lnT>
+                    <a:lnB w="12700" cmpd="sng">
+                      <a:noFill/>
+                    </a:lnB>
+                    <a:lnTlToBr w="12700" cmpd="sng">
+                      <a:noFill/>
+                      <a:prstDash val="solid"/>
+                    </a:lnTlToBr>
+                    <a:lnBlToTr w="12700" cmpd="sng">
+                      <a:noFill/>
+                      <a:prstDash val="solid"/>
+                    </a:lnBlToTr>
+                  </a:tcPr>
+                </a:tc>
+              </a:tr>
+              <a:tr h="424392">
+                <a:tc>
+                  <a:txBody>
+                    <a:bodyPr/>
+                    <a:lstStyle/>
+                    <a:p>
+                      <a:pPr algn="ctr"/>
+                      <a:r>
+                        <a:rPr lang="fr-FR" b="1" dirty="0" smtClean="0"/>
+                        <a:t>7</a:t>
+                      </a:r>
+                      <a:endParaRPr lang="fr-FR" b="1" dirty="0"/>
+                    </a:p>
+                  </a:txBody>
+                  <a:tcPr>
+                    <a:lnL w="12700" cmpd="sng">
+                      <a:noFill/>
+                    </a:lnL>
+                    <a:lnR w="12700" cmpd="sng">
+                      <a:noFill/>
+                    </a:lnR>
+                    <a:lnT w="12700" cmpd="sng">
+                      <a:noFill/>
+                    </a:lnT>
+                    <a:lnB w="12700" cmpd="sng">
+                      <a:noFill/>
+                    </a:lnB>
+                    <a:lnTlToBr w="12700" cmpd="sng">
+                      <a:noFill/>
+                      <a:prstDash val="solid"/>
+                    </a:lnTlToBr>
+                    <a:lnBlToTr w="12700" cmpd="sng">
+                      <a:noFill/>
+                      <a:prstDash val="solid"/>
+                    </a:lnBlToTr>
+                  </a:tcPr>
+                </a:tc>
+              </a:tr>
+              <a:tr h="424392">
+                <a:tc>
+                  <a:txBody>
+                    <a:bodyPr/>
+                    <a:lstStyle/>
+                    <a:p>
+                      <a:pPr algn="ctr"/>
+                      <a:r>
+                        <a:rPr lang="fr-FR" b="1" dirty="0" smtClean="0"/>
+                        <a:t>8</a:t>
+                      </a:r>
+                      <a:endParaRPr lang="fr-FR" b="1" dirty="0"/>
+                    </a:p>
+                  </a:txBody>
+                  <a:tcPr>
+                    <a:lnL w="12700" cmpd="sng">
+                      <a:noFill/>
+                    </a:lnL>
+                    <a:lnR w="12700" cmpd="sng">
+                      <a:noFill/>
+                    </a:lnR>
+                    <a:lnT w="12700" cmpd="sng">
+                      <a:noFill/>
+                    </a:lnT>
+                    <a:lnB w="12700" cmpd="sng">
+                      <a:noFill/>
+                    </a:lnB>
+                    <a:lnTlToBr w="12700" cmpd="sng">
+                      <a:noFill/>
+                      <a:prstDash val="solid"/>
+                    </a:lnTlToBr>
+                    <a:lnBlToTr w="12700" cmpd="sng">
+                      <a:noFill/>
+                      <a:prstDash val="solid"/>
+                    </a:lnBlToTr>
+                  </a:tcPr>
+                </a:tc>
+              </a:tr>
+            </a:tbl>
+          </a:graphicData>
+        </a:graphic>
+      </p:graphicFrame>
+    </p:spTree>
+    <p:extLst>
+      <p:ext uri="{BB962C8B-B14F-4D97-AF65-F5344CB8AC3E}">
+        <p14:creationId xmlns:p14="http://schemas.microsoft.com/office/powerpoint/2010/main" val="989669989"/>
+      </p:ext>
+    </p:extLst>
+  </p:cSld>
+  <p:clrMapOvr>
+    <a:masterClrMapping/>
+  </p:clrMapOvr>
+</p:sld>
+</file>
+
 <file path=ppt/theme/theme1.xml><?xml version="1.0" encoding="utf-8"?>
 <a:theme xmlns:a="http://schemas.openxmlformats.org/drawingml/2006/main" name="Thème Office">
   <a:themeElements>
